--- a/Stud+/modelos/ANIMACAO.pptx
+++ b/Stud+/modelos/ANIMACAO.pptx
@@ -133,7 +133,7 @@
           <p:cNvPr id="2" name="Título 1">
             <a:extLst>
               <a:ext uri="{FF2B5EF4-FFF2-40B4-BE49-F238E27FC236}">
-                <a16:creationId xmlns:a16="http://schemas.microsoft.com/office/drawing/2014/main" id="{689F77C3-EEB5-4D0B-89A7-58C0C3AD0A60}"/>
+                <a16:creationId xmlns:a16="http://schemas.microsoft.com/office/drawing/2014/main" xmlns="" id="{689F77C3-EEB5-4D0B-89A7-58C0C3AD0A60}"/>
               </a:ext>
             </a:extLst>
           </p:cNvPr>
@@ -170,7 +170,7 @@
           <p:cNvPr id="3" name="Subtítulo 2">
             <a:extLst>
               <a:ext uri="{FF2B5EF4-FFF2-40B4-BE49-F238E27FC236}">
-                <a16:creationId xmlns:a16="http://schemas.microsoft.com/office/drawing/2014/main" id="{AD93613C-AD8F-4042-B865-E635F10DFEF4}"/>
+                <a16:creationId xmlns:a16="http://schemas.microsoft.com/office/drawing/2014/main" xmlns="" id="{AD93613C-AD8F-4042-B865-E635F10DFEF4}"/>
               </a:ext>
             </a:extLst>
           </p:cNvPr>
@@ -240,7 +240,7 @@
           <p:cNvPr id="4" name="Espaço Reservado para Data 3">
             <a:extLst>
               <a:ext uri="{FF2B5EF4-FFF2-40B4-BE49-F238E27FC236}">
-                <a16:creationId xmlns:a16="http://schemas.microsoft.com/office/drawing/2014/main" id="{4AB2C324-6DBE-4260-A15D-14BE139D70EF}"/>
+                <a16:creationId xmlns:a16="http://schemas.microsoft.com/office/drawing/2014/main" xmlns="" id="{4AB2C324-6DBE-4260-A15D-14BE139D70EF}"/>
               </a:ext>
             </a:extLst>
           </p:cNvPr>
@@ -258,7 +258,7 @@
           <a:p>
             <a:fld id="{352B9E66-58E7-4A59-8F02-0CC2C04D4CAE}" type="datetimeFigureOut">
               <a:rPr lang="pt-BR" smtClean="0"/>
-              <a:t>29/10/2018</a:t>
+              <a:t>30/10/2018</a:t>
             </a:fld>
             <a:endParaRPr lang="pt-BR"/>
           </a:p>
@@ -269,7 +269,7 @@
           <p:cNvPr id="5" name="Espaço Reservado para Rodapé 4">
             <a:extLst>
               <a:ext uri="{FF2B5EF4-FFF2-40B4-BE49-F238E27FC236}">
-                <a16:creationId xmlns:a16="http://schemas.microsoft.com/office/drawing/2014/main" id="{2A6109F0-985E-40FF-9299-1494C7A17B63}"/>
+                <a16:creationId xmlns:a16="http://schemas.microsoft.com/office/drawing/2014/main" xmlns="" id="{2A6109F0-985E-40FF-9299-1494C7A17B63}"/>
               </a:ext>
             </a:extLst>
           </p:cNvPr>
@@ -294,7 +294,7 @@
           <p:cNvPr id="6" name="Espaço Reservado para Número de Slide 5">
             <a:extLst>
               <a:ext uri="{FF2B5EF4-FFF2-40B4-BE49-F238E27FC236}">
-                <a16:creationId xmlns:a16="http://schemas.microsoft.com/office/drawing/2014/main" id="{290D3894-0700-4EBF-9362-D4C733667DED}"/>
+                <a16:creationId xmlns:a16="http://schemas.microsoft.com/office/drawing/2014/main" xmlns="" id="{290D3894-0700-4EBF-9362-D4C733667DED}"/>
               </a:ext>
             </a:extLst>
           </p:cNvPr>
@@ -328,11 +328,11 @@
   <p:clrMapOvr>
     <a:masterClrMapping/>
   </p:clrMapOvr>
-  <mc:AlternateContent xmlns:mc="http://schemas.openxmlformats.org/markup-compatibility/2006">
-    <mc:Choice xmlns:p14="http://schemas.microsoft.com/office/powerpoint/2010/main" Requires="p14">
+  <mc:AlternateContent xmlns:mc="http://schemas.openxmlformats.org/markup-compatibility/2006" xmlns:p14="http://schemas.microsoft.com/office/powerpoint/2010/main">
+    <mc:Choice Requires="p14">
       <p:transition spd="slow" p14:dur="2000" advClick="0" advTm="4000"/>
     </mc:Choice>
-    <mc:Fallback>
+    <mc:Fallback xmlns="">
       <p:transition spd="slow" advClick="0" advTm="4000"/>
     </mc:Fallback>
   </mc:AlternateContent>
@@ -361,7 +361,7 @@
           <p:cNvPr id="2" name="Título 1">
             <a:extLst>
               <a:ext uri="{FF2B5EF4-FFF2-40B4-BE49-F238E27FC236}">
-                <a16:creationId xmlns:a16="http://schemas.microsoft.com/office/drawing/2014/main" id="{E5025D8A-249B-488C-8D60-0E5E076333B7}"/>
+                <a16:creationId xmlns:a16="http://schemas.microsoft.com/office/drawing/2014/main" xmlns="" id="{E5025D8A-249B-488C-8D60-0E5E076333B7}"/>
               </a:ext>
             </a:extLst>
           </p:cNvPr>
@@ -389,7 +389,7 @@
           <p:cNvPr id="3" name="Espaço Reservado para Texto Vertical 2">
             <a:extLst>
               <a:ext uri="{FF2B5EF4-FFF2-40B4-BE49-F238E27FC236}">
-                <a16:creationId xmlns:a16="http://schemas.microsoft.com/office/drawing/2014/main" id="{8DB3F8D8-752C-4F5D-A366-5A3317425D2C}"/>
+                <a16:creationId xmlns:a16="http://schemas.microsoft.com/office/drawing/2014/main" xmlns="" id="{8DB3F8D8-752C-4F5D-A366-5A3317425D2C}"/>
               </a:ext>
             </a:extLst>
           </p:cNvPr>
@@ -446,7 +446,7 @@
           <p:cNvPr id="4" name="Espaço Reservado para Data 3">
             <a:extLst>
               <a:ext uri="{FF2B5EF4-FFF2-40B4-BE49-F238E27FC236}">
-                <a16:creationId xmlns:a16="http://schemas.microsoft.com/office/drawing/2014/main" id="{EFC66C0B-1A9A-4B88-85F3-A17E018919EE}"/>
+                <a16:creationId xmlns:a16="http://schemas.microsoft.com/office/drawing/2014/main" xmlns="" id="{EFC66C0B-1A9A-4B88-85F3-A17E018919EE}"/>
               </a:ext>
             </a:extLst>
           </p:cNvPr>
@@ -464,7 +464,7 @@
           <a:p>
             <a:fld id="{352B9E66-58E7-4A59-8F02-0CC2C04D4CAE}" type="datetimeFigureOut">
               <a:rPr lang="pt-BR" smtClean="0"/>
-              <a:t>29/10/2018</a:t>
+              <a:t>30/10/2018</a:t>
             </a:fld>
             <a:endParaRPr lang="pt-BR"/>
           </a:p>
@@ -475,7 +475,7 @@
           <p:cNvPr id="5" name="Espaço Reservado para Rodapé 4">
             <a:extLst>
               <a:ext uri="{FF2B5EF4-FFF2-40B4-BE49-F238E27FC236}">
-                <a16:creationId xmlns:a16="http://schemas.microsoft.com/office/drawing/2014/main" id="{98936B81-FE88-4C52-8FD3-FAF972C565E9}"/>
+                <a16:creationId xmlns:a16="http://schemas.microsoft.com/office/drawing/2014/main" xmlns="" id="{98936B81-FE88-4C52-8FD3-FAF972C565E9}"/>
               </a:ext>
             </a:extLst>
           </p:cNvPr>
@@ -500,7 +500,7 @@
           <p:cNvPr id="6" name="Espaço Reservado para Número de Slide 5">
             <a:extLst>
               <a:ext uri="{FF2B5EF4-FFF2-40B4-BE49-F238E27FC236}">
-                <a16:creationId xmlns:a16="http://schemas.microsoft.com/office/drawing/2014/main" id="{F312FB7D-4DD6-4F85-80A7-B4FC5930F58F}"/>
+                <a16:creationId xmlns:a16="http://schemas.microsoft.com/office/drawing/2014/main" xmlns="" id="{F312FB7D-4DD6-4F85-80A7-B4FC5930F58F}"/>
               </a:ext>
             </a:extLst>
           </p:cNvPr>
@@ -534,11 +534,11 @@
   <p:clrMapOvr>
     <a:masterClrMapping/>
   </p:clrMapOvr>
-  <mc:AlternateContent xmlns:mc="http://schemas.openxmlformats.org/markup-compatibility/2006">
-    <mc:Choice xmlns:p14="http://schemas.microsoft.com/office/powerpoint/2010/main" Requires="p14">
+  <mc:AlternateContent xmlns:mc="http://schemas.openxmlformats.org/markup-compatibility/2006" xmlns:p14="http://schemas.microsoft.com/office/powerpoint/2010/main">
+    <mc:Choice Requires="p14">
       <p:transition spd="slow" p14:dur="2000" advClick="0" advTm="4000"/>
     </mc:Choice>
-    <mc:Fallback>
+    <mc:Fallback xmlns="">
       <p:transition spd="slow" advClick="0" advTm="4000"/>
     </mc:Fallback>
   </mc:AlternateContent>
@@ -567,7 +567,7 @@
           <p:cNvPr id="2" name="Título Vertical 1">
             <a:extLst>
               <a:ext uri="{FF2B5EF4-FFF2-40B4-BE49-F238E27FC236}">
-                <a16:creationId xmlns:a16="http://schemas.microsoft.com/office/drawing/2014/main" id="{EA10CD7E-DBA4-48B3-9AA4-A114464532B6}"/>
+                <a16:creationId xmlns:a16="http://schemas.microsoft.com/office/drawing/2014/main" xmlns="" id="{EA10CD7E-DBA4-48B3-9AA4-A114464532B6}"/>
               </a:ext>
             </a:extLst>
           </p:cNvPr>
@@ -600,7 +600,7 @@
           <p:cNvPr id="3" name="Espaço Reservado para Texto Vertical 2">
             <a:extLst>
               <a:ext uri="{FF2B5EF4-FFF2-40B4-BE49-F238E27FC236}">
-                <a16:creationId xmlns:a16="http://schemas.microsoft.com/office/drawing/2014/main" id="{2B43BF95-600D-4C88-A8ED-FC5FC6F213B5}"/>
+                <a16:creationId xmlns:a16="http://schemas.microsoft.com/office/drawing/2014/main" xmlns="" id="{2B43BF95-600D-4C88-A8ED-FC5FC6F213B5}"/>
               </a:ext>
             </a:extLst>
           </p:cNvPr>
@@ -662,7 +662,7 @@
           <p:cNvPr id="4" name="Espaço Reservado para Data 3">
             <a:extLst>
               <a:ext uri="{FF2B5EF4-FFF2-40B4-BE49-F238E27FC236}">
-                <a16:creationId xmlns:a16="http://schemas.microsoft.com/office/drawing/2014/main" id="{D83443BF-7252-43E0-8908-E6009F4FD81F}"/>
+                <a16:creationId xmlns:a16="http://schemas.microsoft.com/office/drawing/2014/main" xmlns="" id="{D83443BF-7252-43E0-8908-E6009F4FD81F}"/>
               </a:ext>
             </a:extLst>
           </p:cNvPr>
@@ -680,7 +680,7 @@
           <a:p>
             <a:fld id="{352B9E66-58E7-4A59-8F02-0CC2C04D4CAE}" type="datetimeFigureOut">
               <a:rPr lang="pt-BR" smtClean="0"/>
-              <a:t>29/10/2018</a:t>
+              <a:t>30/10/2018</a:t>
             </a:fld>
             <a:endParaRPr lang="pt-BR"/>
           </a:p>
@@ -691,7 +691,7 @@
           <p:cNvPr id="5" name="Espaço Reservado para Rodapé 4">
             <a:extLst>
               <a:ext uri="{FF2B5EF4-FFF2-40B4-BE49-F238E27FC236}">
-                <a16:creationId xmlns:a16="http://schemas.microsoft.com/office/drawing/2014/main" id="{8FB4540E-6A7C-4284-920C-5536060BC312}"/>
+                <a16:creationId xmlns:a16="http://schemas.microsoft.com/office/drawing/2014/main" xmlns="" id="{8FB4540E-6A7C-4284-920C-5536060BC312}"/>
               </a:ext>
             </a:extLst>
           </p:cNvPr>
@@ -716,7 +716,7 @@
           <p:cNvPr id="6" name="Espaço Reservado para Número de Slide 5">
             <a:extLst>
               <a:ext uri="{FF2B5EF4-FFF2-40B4-BE49-F238E27FC236}">
-                <a16:creationId xmlns:a16="http://schemas.microsoft.com/office/drawing/2014/main" id="{27F388D4-63EA-45DC-8DD9-C648E83CD446}"/>
+                <a16:creationId xmlns:a16="http://schemas.microsoft.com/office/drawing/2014/main" xmlns="" id="{27F388D4-63EA-45DC-8DD9-C648E83CD446}"/>
               </a:ext>
             </a:extLst>
           </p:cNvPr>
@@ -750,11 +750,11 @@
   <p:clrMapOvr>
     <a:masterClrMapping/>
   </p:clrMapOvr>
-  <mc:AlternateContent xmlns:mc="http://schemas.openxmlformats.org/markup-compatibility/2006">
-    <mc:Choice xmlns:p14="http://schemas.microsoft.com/office/powerpoint/2010/main" Requires="p14">
+  <mc:AlternateContent xmlns:mc="http://schemas.openxmlformats.org/markup-compatibility/2006" xmlns:p14="http://schemas.microsoft.com/office/powerpoint/2010/main">
+    <mc:Choice Requires="p14">
       <p:transition spd="slow" p14:dur="2000" advClick="0" advTm="4000"/>
     </mc:Choice>
-    <mc:Fallback>
+    <mc:Fallback xmlns="">
       <p:transition spd="slow" advClick="0" advTm="4000"/>
     </mc:Fallback>
   </mc:AlternateContent>
@@ -783,7 +783,7 @@
           <p:cNvPr id="2" name="Título 1">
             <a:extLst>
               <a:ext uri="{FF2B5EF4-FFF2-40B4-BE49-F238E27FC236}">
-                <a16:creationId xmlns:a16="http://schemas.microsoft.com/office/drawing/2014/main" id="{D3F14AFD-1817-4693-9DBA-283ADABF0059}"/>
+                <a16:creationId xmlns:a16="http://schemas.microsoft.com/office/drawing/2014/main" xmlns="" id="{D3F14AFD-1817-4693-9DBA-283ADABF0059}"/>
               </a:ext>
             </a:extLst>
           </p:cNvPr>
@@ -811,7 +811,7 @@
           <p:cNvPr id="3" name="Espaço Reservado para Conteúdo 2">
             <a:extLst>
               <a:ext uri="{FF2B5EF4-FFF2-40B4-BE49-F238E27FC236}">
-                <a16:creationId xmlns:a16="http://schemas.microsoft.com/office/drawing/2014/main" id="{BA8ED499-15EF-42B0-BC5A-19181D7AFE25}"/>
+                <a16:creationId xmlns:a16="http://schemas.microsoft.com/office/drawing/2014/main" xmlns="" id="{BA8ED499-15EF-42B0-BC5A-19181D7AFE25}"/>
               </a:ext>
             </a:extLst>
           </p:cNvPr>
@@ -868,7 +868,7 @@
           <p:cNvPr id="4" name="Espaço Reservado para Data 3">
             <a:extLst>
               <a:ext uri="{FF2B5EF4-FFF2-40B4-BE49-F238E27FC236}">
-                <a16:creationId xmlns:a16="http://schemas.microsoft.com/office/drawing/2014/main" id="{8199F347-18DE-4282-9DEE-700FDB9585BC}"/>
+                <a16:creationId xmlns:a16="http://schemas.microsoft.com/office/drawing/2014/main" xmlns="" id="{8199F347-18DE-4282-9DEE-700FDB9585BC}"/>
               </a:ext>
             </a:extLst>
           </p:cNvPr>
@@ -886,7 +886,7 @@
           <a:p>
             <a:fld id="{352B9E66-58E7-4A59-8F02-0CC2C04D4CAE}" type="datetimeFigureOut">
               <a:rPr lang="pt-BR" smtClean="0"/>
-              <a:t>29/10/2018</a:t>
+              <a:t>30/10/2018</a:t>
             </a:fld>
             <a:endParaRPr lang="pt-BR"/>
           </a:p>
@@ -897,7 +897,7 @@
           <p:cNvPr id="5" name="Espaço Reservado para Rodapé 4">
             <a:extLst>
               <a:ext uri="{FF2B5EF4-FFF2-40B4-BE49-F238E27FC236}">
-                <a16:creationId xmlns:a16="http://schemas.microsoft.com/office/drawing/2014/main" id="{2688D019-31F4-4CF6-B3AF-50127DCB6998}"/>
+                <a16:creationId xmlns:a16="http://schemas.microsoft.com/office/drawing/2014/main" xmlns="" id="{2688D019-31F4-4CF6-B3AF-50127DCB6998}"/>
               </a:ext>
             </a:extLst>
           </p:cNvPr>
@@ -922,7 +922,7 @@
           <p:cNvPr id="6" name="Espaço Reservado para Número de Slide 5">
             <a:extLst>
               <a:ext uri="{FF2B5EF4-FFF2-40B4-BE49-F238E27FC236}">
-                <a16:creationId xmlns:a16="http://schemas.microsoft.com/office/drawing/2014/main" id="{763B616D-10C4-411A-800F-606AEECAD88C}"/>
+                <a16:creationId xmlns:a16="http://schemas.microsoft.com/office/drawing/2014/main" xmlns="" id="{763B616D-10C4-411A-800F-606AEECAD88C}"/>
               </a:ext>
             </a:extLst>
           </p:cNvPr>
@@ -956,11 +956,11 @@
   <p:clrMapOvr>
     <a:masterClrMapping/>
   </p:clrMapOvr>
-  <mc:AlternateContent xmlns:mc="http://schemas.openxmlformats.org/markup-compatibility/2006">
-    <mc:Choice xmlns:p14="http://schemas.microsoft.com/office/powerpoint/2010/main" Requires="p14">
+  <mc:AlternateContent xmlns:mc="http://schemas.openxmlformats.org/markup-compatibility/2006" xmlns:p14="http://schemas.microsoft.com/office/powerpoint/2010/main">
+    <mc:Choice Requires="p14">
       <p:transition spd="slow" p14:dur="2000" advClick="0" advTm="4000"/>
     </mc:Choice>
-    <mc:Fallback>
+    <mc:Fallback xmlns="">
       <p:transition spd="slow" advClick="0" advTm="4000"/>
     </mc:Fallback>
   </mc:AlternateContent>
@@ -989,7 +989,7 @@
           <p:cNvPr id="2" name="Título 1">
             <a:extLst>
               <a:ext uri="{FF2B5EF4-FFF2-40B4-BE49-F238E27FC236}">
-                <a16:creationId xmlns:a16="http://schemas.microsoft.com/office/drawing/2014/main" id="{EDE30747-FF68-4580-8552-E32030480B40}"/>
+                <a16:creationId xmlns:a16="http://schemas.microsoft.com/office/drawing/2014/main" xmlns="" id="{EDE30747-FF68-4580-8552-E32030480B40}"/>
               </a:ext>
             </a:extLst>
           </p:cNvPr>
@@ -1026,7 +1026,7 @@
           <p:cNvPr id="3" name="Espaço Reservado para Texto 2">
             <a:extLst>
               <a:ext uri="{FF2B5EF4-FFF2-40B4-BE49-F238E27FC236}">
-                <a16:creationId xmlns:a16="http://schemas.microsoft.com/office/drawing/2014/main" id="{A0BD4BDF-E1E4-483D-A47E-1BFF38163435}"/>
+                <a16:creationId xmlns:a16="http://schemas.microsoft.com/office/drawing/2014/main" xmlns="" id="{A0BD4BDF-E1E4-483D-A47E-1BFF38163435}"/>
               </a:ext>
             </a:extLst>
           </p:cNvPr>
@@ -1151,7 +1151,7 @@
           <p:cNvPr id="4" name="Espaço Reservado para Data 3">
             <a:extLst>
               <a:ext uri="{FF2B5EF4-FFF2-40B4-BE49-F238E27FC236}">
-                <a16:creationId xmlns:a16="http://schemas.microsoft.com/office/drawing/2014/main" id="{F8CDE0F2-E487-400C-9701-E6377EFDA1D2}"/>
+                <a16:creationId xmlns:a16="http://schemas.microsoft.com/office/drawing/2014/main" xmlns="" id="{F8CDE0F2-E487-400C-9701-E6377EFDA1D2}"/>
               </a:ext>
             </a:extLst>
           </p:cNvPr>
@@ -1169,7 +1169,7 @@
           <a:p>
             <a:fld id="{352B9E66-58E7-4A59-8F02-0CC2C04D4CAE}" type="datetimeFigureOut">
               <a:rPr lang="pt-BR" smtClean="0"/>
-              <a:t>29/10/2018</a:t>
+              <a:t>30/10/2018</a:t>
             </a:fld>
             <a:endParaRPr lang="pt-BR"/>
           </a:p>
@@ -1180,7 +1180,7 @@
           <p:cNvPr id="5" name="Espaço Reservado para Rodapé 4">
             <a:extLst>
               <a:ext uri="{FF2B5EF4-FFF2-40B4-BE49-F238E27FC236}">
-                <a16:creationId xmlns:a16="http://schemas.microsoft.com/office/drawing/2014/main" id="{663CB8FE-E14C-4452-859C-148F9D820DC3}"/>
+                <a16:creationId xmlns:a16="http://schemas.microsoft.com/office/drawing/2014/main" xmlns="" id="{663CB8FE-E14C-4452-859C-148F9D820DC3}"/>
               </a:ext>
             </a:extLst>
           </p:cNvPr>
@@ -1205,7 +1205,7 @@
           <p:cNvPr id="6" name="Espaço Reservado para Número de Slide 5">
             <a:extLst>
               <a:ext uri="{FF2B5EF4-FFF2-40B4-BE49-F238E27FC236}">
-                <a16:creationId xmlns:a16="http://schemas.microsoft.com/office/drawing/2014/main" id="{AE595EE1-EC47-4558-9580-381C45742B10}"/>
+                <a16:creationId xmlns:a16="http://schemas.microsoft.com/office/drawing/2014/main" xmlns="" id="{AE595EE1-EC47-4558-9580-381C45742B10}"/>
               </a:ext>
             </a:extLst>
           </p:cNvPr>
@@ -1239,11 +1239,11 @@
   <p:clrMapOvr>
     <a:masterClrMapping/>
   </p:clrMapOvr>
-  <mc:AlternateContent xmlns:mc="http://schemas.openxmlformats.org/markup-compatibility/2006">
-    <mc:Choice xmlns:p14="http://schemas.microsoft.com/office/powerpoint/2010/main" Requires="p14">
+  <mc:AlternateContent xmlns:mc="http://schemas.openxmlformats.org/markup-compatibility/2006" xmlns:p14="http://schemas.microsoft.com/office/powerpoint/2010/main">
+    <mc:Choice Requires="p14">
       <p:transition spd="slow" p14:dur="2000" advClick="0" advTm="4000"/>
     </mc:Choice>
-    <mc:Fallback>
+    <mc:Fallback xmlns="">
       <p:transition spd="slow" advClick="0" advTm="4000"/>
     </mc:Fallback>
   </mc:AlternateContent>
@@ -1272,7 +1272,7 @@
           <p:cNvPr id="2" name="Título 1">
             <a:extLst>
               <a:ext uri="{FF2B5EF4-FFF2-40B4-BE49-F238E27FC236}">
-                <a16:creationId xmlns:a16="http://schemas.microsoft.com/office/drawing/2014/main" id="{22F64A4C-9762-40BE-AD2D-6CB49C6D5126}"/>
+                <a16:creationId xmlns:a16="http://schemas.microsoft.com/office/drawing/2014/main" xmlns="" id="{22F64A4C-9762-40BE-AD2D-6CB49C6D5126}"/>
               </a:ext>
             </a:extLst>
           </p:cNvPr>
@@ -1300,7 +1300,7 @@
           <p:cNvPr id="3" name="Espaço Reservado para Conteúdo 2">
             <a:extLst>
               <a:ext uri="{FF2B5EF4-FFF2-40B4-BE49-F238E27FC236}">
-                <a16:creationId xmlns:a16="http://schemas.microsoft.com/office/drawing/2014/main" id="{57A403DB-8BAD-4F6C-A193-AD7C4FD6B405}"/>
+                <a16:creationId xmlns:a16="http://schemas.microsoft.com/office/drawing/2014/main" xmlns="" id="{57A403DB-8BAD-4F6C-A193-AD7C4FD6B405}"/>
               </a:ext>
             </a:extLst>
           </p:cNvPr>
@@ -1362,7 +1362,7 @@
           <p:cNvPr id="4" name="Espaço Reservado para Conteúdo 3">
             <a:extLst>
               <a:ext uri="{FF2B5EF4-FFF2-40B4-BE49-F238E27FC236}">
-                <a16:creationId xmlns:a16="http://schemas.microsoft.com/office/drawing/2014/main" id="{69B6AB88-1143-4BF3-9481-03D1A0E2CB6D}"/>
+                <a16:creationId xmlns:a16="http://schemas.microsoft.com/office/drawing/2014/main" xmlns="" id="{69B6AB88-1143-4BF3-9481-03D1A0E2CB6D}"/>
               </a:ext>
             </a:extLst>
           </p:cNvPr>
@@ -1424,7 +1424,7 @@
           <p:cNvPr id="5" name="Espaço Reservado para Data 4">
             <a:extLst>
               <a:ext uri="{FF2B5EF4-FFF2-40B4-BE49-F238E27FC236}">
-                <a16:creationId xmlns:a16="http://schemas.microsoft.com/office/drawing/2014/main" id="{0A89C9FB-D3AC-48A9-B53D-C74A92717628}"/>
+                <a16:creationId xmlns:a16="http://schemas.microsoft.com/office/drawing/2014/main" xmlns="" id="{0A89C9FB-D3AC-48A9-B53D-C74A92717628}"/>
               </a:ext>
             </a:extLst>
           </p:cNvPr>
@@ -1442,7 +1442,7 @@
           <a:p>
             <a:fld id="{352B9E66-58E7-4A59-8F02-0CC2C04D4CAE}" type="datetimeFigureOut">
               <a:rPr lang="pt-BR" smtClean="0"/>
-              <a:t>29/10/2018</a:t>
+              <a:t>30/10/2018</a:t>
             </a:fld>
             <a:endParaRPr lang="pt-BR"/>
           </a:p>
@@ -1453,7 +1453,7 @@
           <p:cNvPr id="6" name="Espaço Reservado para Rodapé 5">
             <a:extLst>
               <a:ext uri="{FF2B5EF4-FFF2-40B4-BE49-F238E27FC236}">
-                <a16:creationId xmlns:a16="http://schemas.microsoft.com/office/drawing/2014/main" id="{BA01A437-894D-490E-B61B-A47228651FCB}"/>
+                <a16:creationId xmlns:a16="http://schemas.microsoft.com/office/drawing/2014/main" xmlns="" id="{BA01A437-894D-490E-B61B-A47228651FCB}"/>
               </a:ext>
             </a:extLst>
           </p:cNvPr>
@@ -1478,7 +1478,7 @@
           <p:cNvPr id="7" name="Espaço Reservado para Número de Slide 6">
             <a:extLst>
               <a:ext uri="{FF2B5EF4-FFF2-40B4-BE49-F238E27FC236}">
-                <a16:creationId xmlns:a16="http://schemas.microsoft.com/office/drawing/2014/main" id="{1D2EA690-8F56-45D3-AE17-6FAB4BF52905}"/>
+                <a16:creationId xmlns:a16="http://schemas.microsoft.com/office/drawing/2014/main" xmlns="" id="{1D2EA690-8F56-45D3-AE17-6FAB4BF52905}"/>
               </a:ext>
             </a:extLst>
           </p:cNvPr>
@@ -1512,11 +1512,11 @@
   <p:clrMapOvr>
     <a:masterClrMapping/>
   </p:clrMapOvr>
-  <mc:AlternateContent xmlns:mc="http://schemas.openxmlformats.org/markup-compatibility/2006">
-    <mc:Choice xmlns:p14="http://schemas.microsoft.com/office/powerpoint/2010/main" Requires="p14">
+  <mc:AlternateContent xmlns:mc="http://schemas.openxmlformats.org/markup-compatibility/2006" xmlns:p14="http://schemas.microsoft.com/office/powerpoint/2010/main">
+    <mc:Choice Requires="p14">
       <p:transition spd="slow" p14:dur="2000" advClick="0" advTm="4000"/>
     </mc:Choice>
-    <mc:Fallback>
+    <mc:Fallback xmlns="">
       <p:transition spd="slow" advClick="0" advTm="4000"/>
     </mc:Fallback>
   </mc:AlternateContent>
@@ -1545,7 +1545,7 @@
           <p:cNvPr id="2" name="Título 1">
             <a:extLst>
               <a:ext uri="{FF2B5EF4-FFF2-40B4-BE49-F238E27FC236}">
-                <a16:creationId xmlns:a16="http://schemas.microsoft.com/office/drawing/2014/main" id="{02F0D345-80A4-4871-8245-3FBCD62E2953}"/>
+                <a16:creationId xmlns:a16="http://schemas.microsoft.com/office/drawing/2014/main" xmlns="" id="{02F0D345-80A4-4871-8245-3FBCD62E2953}"/>
               </a:ext>
             </a:extLst>
           </p:cNvPr>
@@ -1578,7 +1578,7 @@
           <p:cNvPr id="3" name="Espaço Reservado para Texto 2">
             <a:extLst>
               <a:ext uri="{FF2B5EF4-FFF2-40B4-BE49-F238E27FC236}">
-                <a16:creationId xmlns:a16="http://schemas.microsoft.com/office/drawing/2014/main" id="{0CE55658-11AC-473B-A001-2AB262B4251B}"/>
+                <a16:creationId xmlns:a16="http://schemas.microsoft.com/office/drawing/2014/main" xmlns="" id="{0CE55658-11AC-473B-A001-2AB262B4251B}"/>
               </a:ext>
             </a:extLst>
           </p:cNvPr>
@@ -1649,7 +1649,7 @@
           <p:cNvPr id="4" name="Espaço Reservado para Conteúdo 3">
             <a:extLst>
               <a:ext uri="{FF2B5EF4-FFF2-40B4-BE49-F238E27FC236}">
-                <a16:creationId xmlns:a16="http://schemas.microsoft.com/office/drawing/2014/main" id="{10CF26FE-C274-463B-B9E2-063C4C14D148}"/>
+                <a16:creationId xmlns:a16="http://schemas.microsoft.com/office/drawing/2014/main" xmlns="" id="{10CF26FE-C274-463B-B9E2-063C4C14D148}"/>
               </a:ext>
             </a:extLst>
           </p:cNvPr>
@@ -1711,7 +1711,7 @@
           <p:cNvPr id="5" name="Espaço Reservado para Texto 4">
             <a:extLst>
               <a:ext uri="{FF2B5EF4-FFF2-40B4-BE49-F238E27FC236}">
-                <a16:creationId xmlns:a16="http://schemas.microsoft.com/office/drawing/2014/main" id="{4B7B6F3E-CDFF-49E5-AFCF-23E4B6D60C98}"/>
+                <a16:creationId xmlns:a16="http://schemas.microsoft.com/office/drawing/2014/main" xmlns="" id="{4B7B6F3E-CDFF-49E5-AFCF-23E4B6D60C98}"/>
               </a:ext>
             </a:extLst>
           </p:cNvPr>
@@ -1782,7 +1782,7 @@
           <p:cNvPr id="6" name="Espaço Reservado para Conteúdo 5">
             <a:extLst>
               <a:ext uri="{FF2B5EF4-FFF2-40B4-BE49-F238E27FC236}">
-                <a16:creationId xmlns:a16="http://schemas.microsoft.com/office/drawing/2014/main" id="{3A1E5D22-0BF2-4B65-812A-6632E766E802}"/>
+                <a16:creationId xmlns:a16="http://schemas.microsoft.com/office/drawing/2014/main" xmlns="" id="{3A1E5D22-0BF2-4B65-812A-6632E766E802}"/>
               </a:ext>
             </a:extLst>
           </p:cNvPr>
@@ -1844,7 +1844,7 @@
           <p:cNvPr id="7" name="Espaço Reservado para Data 6">
             <a:extLst>
               <a:ext uri="{FF2B5EF4-FFF2-40B4-BE49-F238E27FC236}">
-                <a16:creationId xmlns:a16="http://schemas.microsoft.com/office/drawing/2014/main" id="{1AC5ED40-96A8-40FA-B8CE-E88FE2672463}"/>
+                <a16:creationId xmlns:a16="http://schemas.microsoft.com/office/drawing/2014/main" xmlns="" id="{1AC5ED40-96A8-40FA-B8CE-E88FE2672463}"/>
               </a:ext>
             </a:extLst>
           </p:cNvPr>
@@ -1862,7 +1862,7 @@
           <a:p>
             <a:fld id="{352B9E66-58E7-4A59-8F02-0CC2C04D4CAE}" type="datetimeFigureOut">
               <a:rPr lang="pt-BR" smtClean="0"/>
-              <a:t>29/10/2018</a:t>
+              <a:t>30/10/2018</a:t>
             </a:fld>
             <a:endParaRPr lang="pt-BR"/>
           </a:p>
@@ -1873,7 +1873,7 @@
           <p:cNvPr id="8" name="Espaço Reservado para Rodapé 7">
             <a:extLst>
               <a:ext uri="{FF2B5EF4-FFF2-40B4-BE49-F238E27FC236}">
-                <a16:creationId xmlns:a16="http://schemas.microsoft.com/office/drawing/2014/main" id="{3F2CCE11-A63A-4BB1-8486-CE22B19D7652}"/>
+                <a16:creationId xmlns:a16="http://schemas.microsoft.com/office/drawing/2014/main" xmlns="" id="{3F2CCE11-A63A-4BB1-8486-CE22B19D7652}"/>
               </a:ext>
             </a:extLst>
           </p:cNvPr>
@@ -1898,7 +1898,7 @@
           <p:cNvPr id="9" name="Espaço Reservado para Número de Slide 8">
             <a:extLst>
               <a:ext uri="{FF2B5EF4-FFF2-40B4-BE49-F238E27FC236}">
-                <a16:creationId xmlns:a16="http://schemas.microsoft.com/office/drawing/2014/main" id="{BB310A4A-E303-4DED-B6A4-6EAAF580A666}"/>
+                <a16:creationId xmlns:a16="http://schemas.microsoft.com/office/drawing/2014/main" xmlns="" id="{BB310A4A-E303-4DED-B6A4-6EAAF580A666}"/>
               </a:ext>
             </a:extLst>
           </p:cNvPr>
@@ -1932,11 +1932,11 @@
   <p:clrMapOvr>
     <a:masterClrMapping/>
   </p:clrMapOvr>
-  <mc:AlternateContent xmlns:mc="http://schemas.openxmlformats.org/markup-compatibility/2006">
-    <mc:Choice xmlns:p14="http://schemas.microsoft.com/office/powerpoint/2010/main" Requires="p14">
+  <mc:AlternateContent xmlns:mc="http://schemas.openxmlformats.org/markup-compatibility/2006" xmlns:p14="http://schemas.microsoft.com/office/powerpoint/2010/main">
+    <mc:Choice Requires="p14">
       <p:transition spd="slow" p14:dur="2000" advClick="0" advTm="4000"/>
     </mc:Choice>
-    <mc:Fallback>
+    <mc:Fallback xmlns="">
       <p:transition spd="slow" advClick="0" advTm="4000"/>
     </mc:Fallback>
   </mc:AlternateContent>
@@ -1965,7 +1965,7 @@
           <p:cNvPr id="2" name="Título 1">
             <a:extLst>
               <a:ext uri="{FF2B5EF4-FFF2-40B4-BE49-F238E27FC236}">
-                <a16:creationId xmlns:a16="http://schemas.microsoft.com/office/drawing/2014/main" id="{4321A209-416D-4584-B559-47AF81AFE896}"/>
+                <a16:creationId xmlns:a16="http://schemas.microsoft.com/office/drawing/2014/main" xmlns="" id="{4321A209-416D-4584-B559-47AF81AFE896}"/>
               </a:ext>
             </a:extLst>
           </p:cNvPr>
@@ -1993,7 +1993,7 @@
           <p:cNvPr id="3" name="Espaço Reservado para Data 2">
             <a:extLst>
               <a:ext uri="{FF2B5EF4-FFF2-40B4-BE49-F238E27FC236}">
-                <a16:creationId xmlns:a16="http://schemas.microsoft.com/office/drawing/2014/main" id="{18835C8A-EF4F-4A65-ABE8-B79368387CC0}"/>
+                <a16:creationId xmlns:a16="http://schemas.microsoft.com/office/drawing/2014/main" xmlns="" id="{18835C8A-EF4F-4A65-ABE8-B79368387CC0}"/>
               </a:ext>
             </a:extLst>
           </p:cNvPr>
@@ -2011,7 +2011,7 @@
           <a:p>
             <a:fld id="{352B9E66-58E7-4A59-8F02-0CC2C04D4CAE}" type="datetimeFigureOut">
               <a:rPr lang="pt-BR" smtClean="0"/>
-              <a:t>29/10/2018</a:t>
+              <a:t>30/10/2018</a:t>
             </a:fld>
             <a:endParaRPr lang="pt-BR"/>
           </a:p>
@@ -2022,7 +2022,7 @@
           <p:cNvPr id="4" name="Espaço Reservado para Rodapé 3">
             <a:extLst>
               <a:ext uri="{FF2B5EF4-FFF2-40B4-BE49-F238E27FC236}">
-                <a16:creationId xmlns:a16="http://schemas.microsoft.com/office/drawing/2014/main" id="{C3C19DB2-C61B-4178-8E06-14870579E3A0}"/>
+                <a16:creationId xmlns:a16="http://schemas.microsoft.com/office/drawing/2014/main" xmlns="" id="{C3C19DB2-C61B-4178-8E06-14870579E3A0}"/>
               </a:ext>
             </a:extLst>
           </p:cNvPr>
@@ -2047,7 +2047,7 @@
           <p:cNvPr id="5" name="Espaço Reservado para Número de Slide 4">
             <a:extLst>
               <a:ext uri="{FF2B5EF4-FFF2-40B4-BE49-F238E27FC236}">
-                <a16:creationId xmlns:a16="http://schemas.microsoft.com/office/drawing/2014/main" id="{E126F8A3-E0BC-4775-B70D-A49DB47EC84C}"/>
+                <a16:creationId xmlns:a16="http://schemas.microsoft.com/office/drawing/2014/main" xmlns="" id="{E126F8A3-E0BC-4775-B70D-A49DB47EC84C}"/>
               </a:ext>
             </a:extLst>
           </p:cNvPr>
@@ -2081,11 +2081,11 @@
   <p:clrMapOvr>
     <a:masterClrMapping/>
   </p:clrMapOvr>
-  <mc:AlternateContent xmlns:mc="http://schemas.openxmlformats.org/markup-compatibility/2006">
-    <mc:Choice xmlns:p14="http://schemas.microsoft.com/office/powerpoint/2010/main" Requires="p14">
+  <mc:AlternateContent xmlns:mc="http://schemas.openxmlformats.org/markup-compatibility/2006" xmlns:p14="http://schemas.microsoft.com/office/powerpoint/2010/main">
+    <mc:Choice Requires="p14">
       <p:transition spd="slow" p14:dur="2000" advClick="0" advTm="4000"/>
     </mc:Choice>
-    <mc:Fallback>
+    <mc:Fallback xmlns="">
       <p:transition spd="slow" advClick="0" advTm="4000"/>
     </mc:Fallback>
   </mc:AlternateContent>
@@ -2114,7 +2114,7 @@
           <p:cNvPr id="2" name="Espaço Reservado para Data 1">
             <a:extLst>
               <a:ext uri="{FF2B5EF4-FFF2-40B4-BE49-F238E27FC236}">
-                <a16:creationId xmlns:a16="http://schemas.microsoft.com/office/drawing/2014/main" id="{D398B22B-D299-4FBD-9152-309F2BF4504B}"/>
+                <a16:creationId xmlns:a16="http://schemas.microsoft.com/office/drawing/2014/main" xmlns="" id="{D398B22B-D299-4FBD-9152-309F2BF4504B}"/>
               </a:ext>
             </a:extLst>
           </p:cNvPr>
@@ -2132,7 +2132,7 @@
           <a:p>
             <a:fld id="{352B9E66-58E7-4A59-8F02-0CC2C04D4CAE}" type="datetimeFigureOut">
               <a:rPr lang="pt-BR" smtClean="0"/>
-              <a:t>29/10/2018</a:t>
+              <a:t>30/10/2018</a:t>
             </a:fld>
             <a:endParaRPr lang="pt-BR"/>
           </a:p>
@@ -2143,7 +2143,7 @@
           <p:cNvPr id="3" name="Espaço Reservado para Rodapé 2">
             <a:extLst>
               <a:ext uri="{FF2B5EF4-FFF2-40B4-BE49-F238E27FC236}">
-                <a16:creationId xmlns:a16="http://schemas.microsoft.com/office/drawing/2014/main" id="{60A92E44-4D85-49C8-801E-ACE8655ECB75}"/>
+                <a16:creationId xmlns:a16="http://schemas.microsoft.com/office/drawing/2014/main" xmlns="" id="{60A92E44-4D85-49C8-801E-ACE8655ECB75}"/>
               </a:ext>
             </a:extLst>
           </p:cNvPr>
@@ -2168,7 +2168,7 @@
           <p:cNvPr id="4" name="Espaço Reservado para Número de Slide 3">
             <a:extLst>
               <a:ext uri="{FF2B5EF4-FFF2-40B4-BE49-F238E27FC236}">
-                <a16:creationId xmlns:a16="http://schemas.microsoft.com/office/drawing/2014/main" id="{4C4170AC-39C8-436B-9F44-4162946ACF90}"/>
+                <a16:creationId xmlns:a16="http://schemas.microsoft.com/office/drawing/2014/main" xmlns="" id="{4C4170AC-39C8-436B-9F44-4162946ACF90}"/>
               </a:ext>
             </a:extLst>
           </p:cNvPr>
@@ -2202,11 +2202,11 @@
   <p:clrMapOvr>
     <a:masterClrMapping/>
   </p:clrMapOvr>
-  <mc:AlternateContent xmlns:mc="http://schemas.openxmlformats.org/markup-compatibility/2006">
-    <mc:Choice xmlns:p14="http://schemas.microsoft.com/office/powerpoint/2010/main" Requires="p14">
+  <mc:AlternateContent xmlns:mc="http://schemas.openxmlformats.org/markup-compatibility/2006" xmlns:p14="http://schemas.microsoft.com/office/powerpoint/2010/main">
+    <mc:Choice Requires="p14">
       <p:transition spd="slow" p14:dur="2000" advClick="0" advTm="4000"/>
     </mc:Choice>
-    <mc:Fallback>
+    <mc:Fallback xmlns="">
       <p:transition spd="slow" advClick="0" advTm="4000"/>
     </mc:Fallback>
   </mc:AlternateContent>
@@ -2235,7 +2235,7 @@
           <p:cNvPr id="2" name="Título 1">
             <a:extLst>
               <a:ext uri="{FF2B5EF4-FFF2-40B4-BE49-F238E27FC236}">
-                <a16:creationId xmlns:a16="http://schemas.microsoft.com/office/drawing/2014/main" id="{76785EC8-9827-4F4B-8B4B-BC37D48C9B95}"/>
+                <a16:creationId xmlns:a16="http://schemas.microsoft.com/office/drawing/2014/main" xmlns="" id="{76785EC8-9827-4F4B-8B4B-BC37D48C9B95}"/>
               </a:ext>
             </a:extLst>
           </p:cNvPr>
@@ -2272,7 +2272,7 @@
           <p:cNvPr id="3" name="Espaço Reservado para Conteúdo 2">
             <a:extLst>
               <a:ext uri="{FF2B5EF4-FFF2-40B4-BE49-F238E27FC236}">
-                <a16:creationId xmlns:a16="http://schemas.microsoft.com/office/drawing/2014/main" id="{5718EA30-24A6-46C9-9565-869A4963EDCA}"/>
+                <a16:creationId xmlns:a16="http://schemas.microsoft.com/office/drawing/2014/main" xmlns="" id="{5718EA30-24A6-46C9-9565-869A4963EDCA}"/>
               </a:ext>
             </a:extLst>
           </p:cNvPr>
@@ -2362,7 +2362,7 @@
           <p:cNvPr id="4" name="Espaço Reservado para Texto 3">
             <a:extLst>
               <a:ext uri="{FF2B5EF4-FFF2-40B4-BE49-F238E27FC236}">
-                <a16:creationId xmlns:a16="http://schemas.microsoft.com/office/drawing/2014/main" id="{6EAEA4F0-BDAA-4869-B563-580C9351DD21}"/>
+                <a16:creationId xmlns:a16="http://schemas.microsoft.com/office/drawing/2014/main" xmlns="" id="{6EAEA4F0-BDAA-4869-B563-580C9351DD21}"/>
               </a:ext>
             </a:extLst>
           </p:cNvPr>
@@ -2433,7 +2433,7 @@
           <p:cNvPr id="5" name="Espaço Reservado para Data 4">
             <a:extLst>
               <a:ext uri="{FF2B5EF4-FFF2-40B4-BE49-F238E27FC236}">
-                <a16:creationId xmlns:a16="http://schemas.microsoft.com/office/drawing/2014/main" id="{D9A52A90-BBCA-4196-BC06-DC1A1F0386B7}"/>
+                <a16:creationId xmlns:a16="http://schemas.microsoft.com/office/drawing/2014/main" xmlns="" id="{D9A52A90-BBCA-4196-BC06-DC1A1F0386B7}"/>
               </a:ext>
             </a:extLst>
           </p:cNvPr>
@@ -2451,7 +2451,7 @@
           <a:p>
             <a:fld id="{352B9E66-58E7-4A59-8F02-0CC2C04D4CAE}" type="datetimeFigureOut">
               <a:rPr lang="pt-BR" smtClean="0"/>
-              <a:t>29/10/2018</a:t>
+              <a:t>30/10/2018</a:t>
             </a:fld>
             <a:endParaRPr lang="pt-BR"/>
           </a:p>
@@ -2462,7 +2462,7 @@
           <p:cNvPr id="6" name="Espaço Reservado para Rodapé 5">
             <a:extLst>
               <a:ext uri="{FF2B5EF4-FFF2-40B4-BE49-F238E27FC236}">
-                <a16:creationId xmlns:a16="http://schemas.microsoft.com/office/drawing/2014/main" id="{C8345E68-F3E9-448A-AFD1-3C239D9C16C5}"/>
+                <a16:creationId xmlns:a16="http://schemas.microsoft.com/office/drawing/2014/main" xmlns="" id="{C8345E68-F3E9-448A-AFD1-3C239D9C16C5}"/>
               </a:ext>
             </a:extLst>
           </p:cNvPr>
@@ -2487,7 +2487,7 @@
           <p:cNvPr id="7" name="Espaço Reservado para Número de Slide 6">
             <a:extLst>
               <a:ext uri="{FF2B5EF4-FFF2-40B4-BE49-F238E27FC236}">
-                <a16:creationId xmlns:a16="http://schemas.microsoft.com/office/drawing/2014/main" id="{3C8F7DE6-F280-46ED-8EBC-72E7DC6C09BF}"/>
+                <a16:creationId xmlns:a16="http://schemas.microsoft.com/office/drawing/2014/main" xmlns="" id="{3C8F7DE6-F280-46ED-8EBC-72E7DC6C09BF}"/>
               </a:ext>
             </a:extLst>
           </p:cNvPr>
@@ -2521,11 +2521,11 @@
   <p:clrMapOvr>
     <a:masterClrMapping/>
   </p:clrMapOvr>
-  <mc:AlternateContent xmlns:mc="http://schemas.openxmlformats.org/markup-compatibility/2006">
-    <mc:Choice xmlns:p14="http://schemas.microsoft.com/office/powerpoint/2010/main" Requires="p14">
+  <mc:AlternateContent xmlns:mc="http://schemas.openxmlformats.org/markup-compatibility/2006" xmlns:p14="http://schemas.microsoft.com/office/powerpoint/2010/main">
+    <mc:Choice Requires="p14">
       <p:transition spd="slow" p14:dur="2000" advClick="0" advTm="4000"/>
     </mc:Choice>
-    <mc:Fallback>
+    <mc:Fallback xmlns="">
       <p:transition spd="slow" advClick="0" advTm="4000"/>
     </mc:Fallback>
   </mc:AlternateContent>
@@ -2554,7 +2554,7 @@
           <p:cNvPr id="2" name="Título 1">
             <a:extLst>
               <a:ext uri="{FF2B5EF4-FFF2-40B4-BE49-F238E27FC236}">
-                <a16:creationId xmlns:a16="http://schemas.microsoft.com/office/drawing/2014/main" id="{CA490AD7-1E1F-42CF-AEAD-B0D04ECC5BDA}"/>
+                <a16:creationId xmlns:a16="http://schemas.microsoft.com/office/drawing/2014/main" xmlns="" id="{CA490AD7-1E1F-42CF-AEAD-B0D04ECC5BDA}"/>
               </a:ext>
             </a:extLst>
           </p:cNvPr>
@@ -2591,7 +2591,7 @@
           <p:cNvPr id="3" name="Espaço Reservado para Imagem 2">
             <a:extLst>
               <a:ext uri="{FF2B5EF4-FFF2-40B4-BE49-F238E27FC236}">
-                <a16:creationId xmlns:a16="http://schemas.microsoft.com/office/drawing/2014/main" id="{73B2DB25-5D9F-42CD-983F-C03A86EFDE4D}"/>
+                <a16:creationId xmlns:a16="http://schemas.microsoft.com/office/drawing/2014/main" xmlns="" id="{73B2DB25-5D9F-42CD-983F-C03A86EFDE4D}"/>
               </a:ext>
             </a:extLst>
           </p:cNvPr>
@@ -2658,7 +2658,7 @@
           <p:cNvPr id="4" name="Espaço Reservado para Texto 3">
             <a:extLst>
               <a:ext uri="{FF2B5EF4-FFF2-40B4-BE49-F238E27FC236}">
-                <a16:creationId xmlns:a16="http://schemas.microsoft.com/office/drawing/2014/main" id="{7A079A99-0E23-405C-8CC9-76E2F7D71188}"/>
+                <a16:creationId xmlns:a16="http://schemas.microsoft.com/office/drawing/2014/main" xmlns="" id="{7A079A99-0E23-405C-8CC9-76E2F7D71188}"/>
               </a:ext>
             </a:extLst>
           </p:cNvPr>
@@ -2729,7 +2729,7 @@
           <p:cNvPr id="5" name="Espaço Reservado para Data 4">
             <a:extLst>
               <a:ext uri="{FF2B5EF4-FFF2-40B4-BE49-F238E27FC236}">
-                <a16:creationId xmlns:a16="http://schemas.microsoft.com/office/drawing/2014/main" id="{2DD83E0C-8D71-4690-A9AE-D0343F903B2D}"/>
+                <a16:creationId xmlns:a16="http://schemas.microsoft.com/office/drawing/2014/main" xmlns="" id="{2DD83E0C-8D71-4690-A9AE-D0343F903B2D}"/>
               </a:ext>
             </a:extLst>
           </p:cNvPr>
@@ -2747,7 +2747,7 @@
           <a:p>
             <a:fld id="{352B9E66-58E7-4A59-8F02-0CC2C04D4CAE}" type="datetimeFigureOut">
               <a:rPr lang="pt-BR" smtClean="0"/>
-              <a:t>29/10/2018</a:t>
+              <a:t>30/10/2018</a:t>
             </a:fld>
             <a:endParaRPr lang="pt-BR"/>
           </a:p>
@@ -2758,7 +2758,7 @@
           <p:cNvPr id="6" name="Espaço Reservado para Rodapé 5">
             <a:extLst>
               <a:ext uri="{FF2B5EF4-FFF2-40B4-BE49-F238E27FC236}">
-                <a16:creationId xmlns:a16="http://schemas.microsoft.com/office/drawing/2014/main" id="{A40300FD-203D-4AC2-B475-B607A11BBFA8}"/>
+                <a16:creationId xmlns:a16="http://schemas.microsoft.com/office/drawing/2014/main" xmlns="" id="{A40300FD-203D-4AC2-B475-B607A11BBFA8}"/>
               </a:ext>
             </a:extLst>
           </p:cNvPr>
@@ -2783,7 +2783,7 @@
           <p:cNvPr id="7" name="Espaço Reservado para Número de Slide 6">
             <a:extLst>
               <a:ext uri="{FF2B5EF4-FFF2-40B4-BE49-F238E27FC236}">
-                <a16:creationId xmlns:a16="http://schemas.microsoft.com/office/drawing/2014/main" id="{96341428-ABC5-4516-919F-C35793781D19}"/>
+                <a16:creationId xmlns:a16="http://schemas.microsoft.com/office/drawing/2014/main" xmlns="" id="{96341428-ABC5-4516-919F-C35793781D19}"/>
               </a:ext>
             </a:extLst>
           </p:cNvPr>
@@ -2817,11 +2817,11 @@
   <p:clrMapOvr>
     <a:masterClrMapping/>
   </p:clrMapOvr>
-  <mc:AlternateContent xmlns:mc="http://schemas.openxmlformats.org/markup-compatibility/2006">
-    <mc:Choice xmlns:p14="http://schemas.microsoft.com/office/powerpoint/2010/main" Requires="p14">
+  <mc:AlternateContent xmlns:mc="http://schemas.openxmlformats.org/markup-compatibility/2006" xmlns:p14="http://schemas.microsoft.com/office/powerpoint/2010/main">
+    <mc:Choice Requires="p14">
       <p:transition spd="slow" p14:dur="2000" advClick="0" advTm="4000"/>
     </mc:Choice>
-    <mc:Fallback>
+    <mc:Fallback xmlns="">
       <p:transition spd="slow" advClick="0" advTm="4000"/>
     </mc:Fallback>
   </mc:AlternateContent>
@@ -2855,7 +2855,7 @@
           <p:cNvPr id="2" name="Espaço Reservado para Título 1">
             <a:extLst>
               <a:ext uri="{FF2B5EF4-FFF2-40B4-BE49-F238E27FC236}">
-                <a16:creationId xmlns:a16="http://schemas.microsoft.com/office/drawing/2014/main" id="{F5A9CA73-275E-402B-A781-BED8E26E62D9}"/>
+                <a16:creationId xmlns:a16="http://schemas.microsoft.com/office/drawing/2014/main" xmlns="" id="{F5A9CA73-275E-402B-A781-BED8E26E62D9}"/>
               </a:ext>
             </a:extLst>
           </p:cNvPr>
@@ -2893,7 +2893,7 @@
           <p:cNvPr id="3" name="Espaço Reservado para Texto 2">
             <a:extLst>
               <a:ext uri="{FF2B5EF4-FFF2-40B4-BE49-F238E27FC236}">
-                <a16:creationId xmlns:a16="http://schemas.microsoft.com/office/drawing/2014/main" id="{0B030618-953C-4611-B07B-0A80B4F4A8F5}"/>
+                <a16:creationId xmlns:a16="http://schemas.microsoft.com/office/drawing/2014/main" xmlns="" id="{0B030618-953C-4611-B07B-0A80B4F4A8F5}"/>
               </a:ext>
             </a:extLst>
           </p:cNvPr>
@@ -2960,7 +2960,7 @@
           <p:cNvPr id="4" name="Espaço Reservado para Data 3">
             <a:extLst>
               <a:ext uri="{FF2B5EF4-FFF2-40B4-BE49-F238E27FC236}">
-                <a16:creationId xmlns:a16="http://schemas.microsoft.com/office/drawing/2014/main" id="{8C44F495-037C-48B2-B675-4FDF5D6C9ED2}"/>
+                <a16:creationId xmlns:a16="http://schemas.microsoft.com/office/drawing/2014/main" xmlns="" id="{8C44F495-037C-48B2-B675-4FDF5D6C9ED2}"/>
               </a:ext>
             </a:extLst>
           </p:cNvPr>
@@ -2996,7 +2996,7 @@
           <a:p>
             <a:fld id="{352B9E66-58E7-4A59-8F02-0CC2C04D4CAE}" type="datetimeFigureOut">
               <a:rPr lang="pt-BR" smtClean="0"/>
-              <a:t>29/10/2018</a:t>
+              <a:t>30/10/2018</a:t>
             </a:fld>
             <a:endParaRPr lang="pt-BR"/>
           </a:p>
@@ -3007,7 +3007,7 @@
           <p:cNvPr id="5" name="Espaço Reservado para Rodapé 4">
             <a:extLst>
               <a:ext uri="{FF2B5EF4-FFF2-40B4-BE49-F238E27FC236}">
-                <a16:creationId xmlns:a16="http://schemas.microsoft.com/office/drawing/2014/main" id="{B7A1636C-ED97-4205-A64D-164F36D94AE6}"/>
+                <a16:creationId xmlns:a16="http://schemas.microsoft.com/office/drawing/2014/main" xmlns="" id="{B7A1636C-ED97-4205-A64D-164F36D94AE6}"/>
               </a:ext>
             </a:extLst>
           </p:cNvPr>
@@ -3050,7 +3050,7 @@
           <p:cNvPr id="6" name="Espaço Reservado para Número de Slide 5">
             <a:extLst>
               <a:ext uri="{FF2B5EF4-FFF2-40B4-BE49-F238E27FC236}">
-                <a16:creationId xmlns:a16="http://schemas.microsoft.com/office/drawing/2014/main" id="{B92CBF66-768E-4968-9C61-1D97A9AFA011}"/>
+                <a16:creationId xmlns:a16="http://schemas.microsoft.com/office/drawing/2014/main" xmlns="" id="{B92CBF66-768E-4968-9C61-1D97A9AFA011}"/>
               </a:ext>
             </a:extLst>
           </p:cNvPr>
@@ -3113,11 +3113,11 @@
     <p:sldLayoutId id="2147483658" r:id="rId10"/>
     <p:sldLayoutId id="2147483659" r:id="rId11"/>
   </p:sldLayoutIdLst>
-  <mc:AlternateContent xmlns:mc="http://schemas.openxmlformats.org/markup-compatibility/2006">
-    <mc:Choice xmlns:p14="http://schemas.microsoft.com/office/powerpoint/2010/main" Requires="p14">
+  <mc:AlternateContent xmlns:mc="http://schemas.openxmlformats.org/markup-compatibility/2006" xmlns:p14="http://schemas.microsoft.com/office/powerpoint/2010/main">
+    <mc:Choice Requires="p14">
       <p:transition spd="slow" p14:dur="2000" advClick="0" advTm="4000"/>
     </mc:Choice>
-    <mc:Fallback>
+    <mc:Fallback xmlns="">
       <p:transition spd="slow" advClick="0" advTm="4000"/>
     </mc:Fallback>
   </mc:AlternateContent>
@@ -3426,7 +3426,7 @@
           <p:cNvPr id="4" name="Elipse 3">
             <a:extLst>
               <a:ext uri="{FF2B5EF4-FFF2-40B4-BE49-F238E27FC236}">
-                <a16:creationId xmlns:a16="http://schemas.microsoft.com/office/drawing/2014/main" id="{ADA0A1DC-E048-4D14-9DC1-81D4046E50D4}"/>
+                <a16:creationId xmlns:a16="http://schemas.microsoft.com/office/drawing/2014/main" xmlns="" id="{ADA0A1DC-E048-4D14-9DC1-81D4046E50D4}"/>
               </a:ext>
             </a:extLst>
           </p:cNvPr>
@@ -3478,7 +3478,7 @@
           <p:cNvPr id="5" name="Elipse 4">
             <a:extLst>
               <a:ext uri="{FF2B5EF4-FFF2-40B4-BE49-F238E27FC236}">
-                <a16:creationId xmlns:a16="http://schemas.microsoft.com/office/drawing/2014/main" id="{41DBB942-8ED0-484A-B5DE-6AAE905CC02C}"/>
+                <a16:creationId xmlns:a16="http://schemas.microsoft.com/office/drawing/2014/main" xmlns="" id="{41DBB942-8ED0-484A-B5DE-6AAE905CC02C}"/>
               </a:ext>
             </a:extLst>
           </p:cNvPr>
@@ -3530,7 +3530,7 @@
           <p:cNvPr id="6" name="Elipse 5">
             <a:extLst>
               <a:ext uri="{FF2B5EF4-FFF2-40B4-BE49-F238E27FC236}">
-                <a16:creationId xmlns:a16="http://schemas.microsoft.com/office/drawing/2014/main" id="{20B9A64F-8AB8-4B49-8F2F-5B87C14A85B5}"/>
+                <a16:creationId xmlns:a16="http://schemas.microsoft.com/office/drawing/2014/main" xmlns="" id="{20B9A64F-8AB8-4B49-8F2F-5B87C14A85B5}"/>
               </a:ext>
             </a:extLst>
           </p:cNvPr>
@@ -3582,7 +3582,7 @@
           <p:cNvPr id="7" name="Elipse 6">
             <a:extLst>
               <a:ext uri="{FF2B5EF4-FFF2-40B4-BE49-F238E27FC236}">
-                <a16:creationId xmlns:a16="http://schemas.microsoft.com/office/drawing/2014/main" id="{E53AA0BB-9DAA-4719-BC1B-0A2249B30204}"/>
+                <a16:creationId xmlns:a16="http://schemas.microsoft.com/office/drawing/2014/main" xmlns="" id="{E53AA0BB-9DAA-4719-BC1B-0A2249B30204}"/>
               </a:ext>
             </a:extLst>
           </p:cNvPr>
@@ -3634,7 +3634,7 @@
           <p:cNvPr id="8" name="Elipse 7">
             <a:extLst>
               <a:ext uri="{FF2B5EF4-FFF2-40B4-BE49-F238E27FC236}">
-                <a16:creationId xmlns:a16="http://schemas.microsoft.com/office/drawing/2014/main" id="{FB3B5605-05C3-48F1-ACF3-9384C7443965}"/>
+                <a16:creationId xmlns:a16="http://schemas.microsoft.com/office/drawing/2014/main" xmlns="" id="{FB3B5605-05C3-48F1-ACF3-9384C7443965}"/>
               </a:ext>
             </a:extLst>
           </p:cNvPr>
@@ -3686,7 +3686,7 @@
           <p:cNvPr id="9" name="Elipse 8">
             <a:extLst>
               <a:ext uri="{FF2B5EF4-FFF2-40B4-BE49-F238E27FC236}">
-                <a16:creationId xmlns:a16="http://schemas.microsoft.com/office/drawing/2014/main" id="{CD281981-2817-468F-8E23-D242B5E5FA0D}"/>
+                <a16:creationId xmlns:a16="http://schemas.microsoft.com/office/drawing/2014/main" xmlns="" id="{CD281981-2817-468F-8E23-D242B5E5FA0D}"/>
               </a:ext>
             </a:extLst>
           </p:cNvPr>
@@ -3738,7 +3738,7 @@
           <p:cNvPr id="10" name="Elipse 9">
             <a:extLst>
               <a:ext uri="{FF2B5EF4-FFF2-40B4-BE49-F238E27FC236}">
-                <a16:creationId xmlns:a16="http://schemas.microsoft.com/office/drawing/2014/main" id="{ECE1B6BB-058D-4E3D-A935-89A9A4432B0D}"/>
+                <a16:creationId xmlns:a16="http://schemas.microsoft.com/office/drawing/2014/main" xmlns="" id="{ECE1B6BB-058D-4E3D-A935-89A9A4432B0D}"/>
               </a:ext>
             </a:extLst>
           </p:cNvPr>
@@ -3790,7 +3790,7 @@
           <p:cNvPr id="11" name="Elipse 10">
             <a:extLst>
               <a:ext uri="{FF2B5EF4-FFF2-40B4-BE49-F238E27FC236}">
-                <a16:creationId xmlns:a16="http://schemas.microsoft.com/office/drawing/2014/main" id="{F50D8E89-C8B7-4373-879B-48C5740700C9}"/>
+                <a16:creationId xmlns:a16="http://schemas.microsoft.com/office/drawing/2014/main" xmlns="" id="{F50D8E89-C8B7-4373-879B-48C5740700C9}"/>
               </a:ext>
             </a:extLst>
           </p:cNvPr>
@@ -3842,7 +3842,7 @@
           <p:cNvPr id="12" name="Elipse 11">
             <a:extLst>
               <a:ext uri="{FF2B5EF4-FFF2-40B4-BE49-F238E27FC236}">
-                <a16:creationId xmlns:a16="http://schemas.microsoft.com/office/drawing/2014/main" id="{3C1DB7AA-669B-4E1E-A0B5-09B7262E4783}"/>
+                <a16:creationId xmlns:a16="http://schemas.microsoft.com/office/drawing/2014/main" xmlns="" id="{3C1DB7AA-669B-4E1E-A0B5-09B7262E4783}"/>
               </a:ext>
             </a:extLst>
           </p:cNvPr>
@@ -3894,7 +3894,7 @@
           <p:cNvPr id="13" name="Elipse 12">
             <a:extLst>
               <a:ext uri="{FF2B5EF4-FFF2-40B4-BE49-F238E27FC236}">
-                <a16:creationId xmlns:a16="http://schemas.microsoft.com/office/drawing/2014/main" id="{8E60EAEA-884C-4590-AC40-420571BE364E}"/>
+                <a16:creationId xmlns:a16="http://schemas.microsoft.com/office/drawing/2014/main" xmlns="" id="{8E60EAEA-884C-4590-AC40-420571BE364E}"/>
               </a:ext>
             </a:extLst>
           </p:cNvPr>
@@ -3951,14 +3951,21 @@
   <p:clrMapOvr>
     <a:masterClrMapping/>
   </p:clrMapOvr>
-  <mc:AlternateContent xmlns:mc="http://schemas.openxmlformats.org/markup-compatibility/2006">
-    <mc:Choice xmlns:p14="http://schemas.microsoft.com/office/powerpoint/2010/main" Requires="p14">
+  <mc:AlternateContent xmlns:mc="http://schemas.openxmlformats.org/markup-compatibility/2006" xmlns:p14="http://schemas.microsoft.com/office/powerpoint/2010/main">
+    <mc:Choice Requires="p14">
       <p:transition spd="slow" p14:dur="2000" advClick="0" advTm="4000"/>
     </mc:Choice>
-    <mc:Fallback>
+    <mc:Fallback xmlns="">
       <p:transition spd="slow" advClick="0" advTm="4000"/>
     </mc:Fallback>
   </mc:AlternateContent>
+  <p:timing>
+    <p:tnLst>
+      <p:par>
+        <p:cTn id="1" dur="indefinite" restart="never" nodeType="tmRoot"/>
+      </p:par>
+    </p:tnLst>
+  </p:timing>
 </p:sld>
 </file>
 
@@ -3984,7 +3991,7 @@
           <p:cNvPr id="5" name="Agrupar 4">
             <a:extLst>
               <a:ext uri="{FF2B5EF4-FFF2-40B4-BE49-F238E27FC236}">
-                <a16:creationId xmlns:a16="http://schemas.microsoft.com/office/drawing/2014/main" id="{C7F75122-DABE-42E3-97F5-E8F06A78CF69}"/>
+                <a16:creationId xmlns:a16="http://schemas.microsoft.com/office/drawing/2014/main" xmlns="" id="{C7F75122-DABE-42E3-97F5-E8F06A78CF69}"/>
               </a:ext>
             </a:extLst>
           </p:cNvPr>
@@ -4004,7 +4011,7 @@
             <p:cNvPr id="6" name="Grupo 12">
               <a:extLst>
                 <a:ext uri="{FF2B5EF4-FFF2-40B4-BE49-F238E27FC236}">
-                  <a16:creationId xmlns:a16="http://schemas.microsoft.com/office/drawing/2014/main" id="{9C134253-B3AE-4133-A507-EB06452E9D0E}"/>
+                  <a16:creationId xmlns:a16="http://schemas.microsoft.com/office/drawing/2014/main" xmlns="" id="{9C134253-B3AE-4133-A507-EB06452E9D0E}"/>
                 </a:ext>
               </a:extLst>
             </p:cNvPr>
@@ -4024,7 +4031,7 @@
               <p:cNvPr id="10" name="Grupo 11">
                 <a:extLst>
                   <a:ext uri="{FF2B5EF4-FFF2-40B4-BE49-F238E27FC236}">
-                    <a16:creationId xmlns:a16="http://schemas.microsoft.com/office/drawing/2014/main" id="{8F2AA7ED-0379-45F3-9AC6-FA2E7074A840}"/>
+                    <a16:creationId xmlns:a16="http://schemas.microsoft.com/office/drawing/2014/main" xmlns="" id="{8F2AA7ED-0379-45F3-9AC6-FA2E7074A840}"/>
                   </a:ext>
                 </a:extLst>
               </p:cNvPr>
@@ -4044,7 +4051,7 @@
                 <p:cNvPr id="17" name="Agrupar 3">
                   <a:extLst>
                     <a:ext uri="{FF2B5EF4-FFF2-40B4-BE49-F238E27FC236}">
-                      <a16:creationId xmlns:a16="http://schemas.microsoft.com/office/drawing/2014/main" id="{78FD1B5B-A568-43D4-A2B4-AE3A66D4EFA5}"/>
+                      <a16:creationId xmlns:a16="http://schemas.microsoft.com/office/drawing/2014/main" xmlns="" id="{78FD1B5B-A568-43D4-A2B4-AE3A66D4EFA5}"/>
                     </a:ext>
                   </a:extLst>
                 </p:cNvPr>
@@ -4064,7 +4071,7 @@
                   <p:cNvPr id="25" name="Retângulo: Cantos Arredondados 4">
                     <a:extLst>
                       <a:ext uri="{FF2B5EF4-FFF2-40B4-BE49-F238E27FC236}">
-                        <a16:creationId xmlns:a16="http://schemas.microsoft.com/office/drawing/2014/main" id="{8B6DEE69-6EF8-49B7-B774-0BEB7DC28C12}"/>
+                        <a16:creationId xmlns:a16="http://schemas.microsoft.com/office/drawing/2014/main" xmlns="" id="{8B6DEE69-6EF8-49B7-B774-0BEB7DC28C12}"/>
                       </a:ext>
                     </a:extLst>
                   </p:cNvPr>
@@ -4115,7 +4122,7 @@
                   <p:cNvPr id="26" name="Retângulo: Cantos Arredondados 5">
                     <a:extLst>
                       <a:ext uri="{FF2B5EF4-FFF2-40B4-BE49-F238E27FC236}">
-                        <a16:creationId xmlns:a16="http://schemas.microsoft.com/office/drawing/2014/main" id="{5E7569DC-A17C-4B13-B9F7-D4F13FDEF85B}"/>
+                        <a16:creationId xmlns:a16="http://schemas.microsoft.com/office/drawing/2014/main" xmlns="" id="{5E7569DC-A17C-4B13-B9F7-D4F13FDEF85B}"/>
                       </a:ext>
                     </a:extLst>
                   </p:cNvPr>
@@ -4169,7 +4176,7 @@
                   <p:cNvPr id="27" name="Retângulo: Cantos Arredondados 6">
                     <a:extLst>
                       <a:ext uri="{FF2B5EF4-FFF2-40B4-BE49-F238E27FC236}">
-                        <a16:creationId xmlns:a16="http://schemas.microsoft.com/office/drawing/2014/main" id="{86ADDAC0-2B71-4EB3-9C99-0BE68E41BDFD}"/>
+                        <a16:creationId xmlns:a16="http://schemas.microsoft.com/office/drawing/2014/main" xmlns="" id="{86ADDAC0-2B71-4EB3-9C99-0BE68E41BDFD}"/>
                       </a:ext>
                     </a:extLst>
                   </p:cNvPr>
@@ -4223,7 +4230,7 @@
                   <p:cNvPr id="28" name="Forma Livre: Forma 7">
                     <a:extLst>
                       <a:ext uri="{FF2B5EF4-FFF2-40B4-BE49-F238E27FC236}">
-                        <a16:creationId xmlns:a16="http://schemas.microsoft.com/office/drawing/2014/main" id="{2762ADD9-0760-43FB-B2EB-D3E018170E14}"/>
+                        <a16:creationId xmlns:a16="http://schemas.microsoft.com/office/drawing/2014/main" xmlns="" id="{2762ADD9-0760-43FB-B2EB-D3E018170E14}"/>
                       </a:ext>
                     </a:extLst>
                   </p:cNvPr>
@@ -4354,7 +4361,7 @@
                   <p:cNvPr id="29" name="Retângulo 28">
                     <a:extLst>
                       <a:ext uri="{FF2B5EF4-FFF2-40B4-BE49-F238E27FC236}">
-                        <a16:creationId xmlns:a16="http://schemas.microsoft.com/office/drawing/2014/main" id="{A5B87EBD-55EA-42C0-B512-2DDB28285C50}"/>
+                        <a16:creationId xmlns:a16="http://schemas.microsoft.com/office/drawing/2014/main" xmlns="" id="{A5B87EBD-55EA-42C0-B512-2DDB28285C50}"/>
                       </a:ext>
                     </a:extLst>
                   </p:cNvPr>
@@ -4406,7 +4413,7 @@
                   <p:cNvPr id="30" name="Retângulo: Cantos Arredondados 9">
                     <a:extLst>
                       <a:ext uri="{FF2B5EF4-FFF2-40B4-BE49-F238E27FC236}">
-                        <a16:creationId xmlns:a16="http://schemas.microsoft.com/office/drawing/2014/main" id="{6836D504-15E4-496C-944B-6A7001352718}"/>
+                        <a16:creationId xmlns:a16="http://schemas.microsoft.com/office/drawing/2014/main" xmlns="" id="{6836D504-15E4-496C-944B-6A7001352718}"/>
                       </a:ext>
                     </a:extLst>
                   </p:cNvPr>
@@ -4460,7 +4467,7 @@
                   <p:cNvPr id="31" name="Retângulo: Cantos Arredondados 10">
                     <a:extLst>
                       <a:ext uri="{FF2B5EF4-FFF2-40B4-BE49-F238E27FC236}">
-                        <a16:creationId xmlns:a16="http://schemas.microsoft.com/office/drawing/2014/main" id="{1205C36F-23F8-42B5-8AEB-CAB13F3E41C8}"/>
+                        <a16:creationId xmlns:a16="http://schemas.microsoft.com/office/drawing/2014/main" xmlns="" id="{1205C36F-23F8-42B5-8AEB-CAB13F3E41C8}"/>
                       </a:ext>
                     </a:extLst>
                   </p:cNvPr>
@@ -4515,7 +4522,7 @@
                 <p:cNvPr id="18" name="Agrupar 17">
                   <a:extLst>
                     <a:ext uri="{FF2B5EF4-FFF2-40B4-BE49-F238E27FC236}">
-                      <a16:creationId xmlns:a16="http://schemas.microsoft.com/office/drawing/2014/main" id="{92939F49-14B0-454E-AB33-B94328715DE2}"/>
+                      <a16:creationId xmlns:a16="http://schemas.microsoft.com/office/drawing/2014/main" xmlns="" id="{92939F49-14B0-454E-AB33-B94328715DE2}"/>
                     </a:ext>
                   </a:extLst>
                 </p:cNvPr>
@@ -4535,7 +4542,7 @@
                   <p:cNvPr id="19" name="Forma Livre: Forma 18">
                     <a:extLst>
                       <a:ext uri="{FF2B5EF4-FFF2-40B4-BE49-F238E27FC236}">
-                        <a16:creationId xmlns:a16="http://schemas.microsoft.com/office/drawing/2014/main" id="{BAD52E33-180E-4F90-9389-CC7E167A912B}"/>
+                        <a16:creationId xmlns:a16="http://schemas.microsoft.com/office/drawing/2014/main" xmlns="" id="{BAD52E33-180E-4F90-9389-CC7E167A912B}"/>
                       </a:ext>
                     </a:extLst>
                   </p:cNvPr>
@@ -4670,7 +4677,7 @@
                   <p:cNvPr id="20" name="Forma Livre: Forma 19">
                     <a:extLst>
                       <a:ext uri="{FF2B5EF4-FFF2-40B4-BE49-F238E27FC236}">
-                        <a16:creationId xmlns:a16="http://schemas.microsoft.com/office/drawing/2014/main" id="{55A63886-408D-4591-81D5-B47D759EC8DE}"/>
+                        <a16:creationId xmlns:a16="http://schemas.microsoft.com/office/drawing/2014/main" xmlns="" id="{55A63886-408D-4591-81D5-B47D759EC8DE}"/>
                       </a:ext>
                     </a:extLst>
                   </p:cNvPr>
@@ -4805,7 +4812,7 @@
                   <p:cNvPr id="21" name="Elipse 20">
                     <a:extLst>
                       <a:ext uri="{FF2B5EF4-FFF2-40B4-BE49-F238E27FC236}">
-                        <a16:creationId xmlns:a16="http://schemas.microsoft.com/office/drawing/2014/main" id="{6D5BFB76-F8B2-4BB2-96ED-932648A2E09A}"/>
+                        <a16:creationId xmlns:a16="http://schemas.microsoft.com/office/drawing/2014/main" xmlns="" id="{6D5BFB76-F8B2-4BB2-96ED-932648A2E09A}"/>
                       </a:ext>
                     </a:extLst>
                   </p:cNvPr>
@@ -4857,7 +4864,7 @@
                   <p:cNvPr id="22" name="Retângulo: Cantos Arredondados 21">
                     <a:extLst>
                       <a:ext uri="{FF2B5EF4-FFF2-40B4-BE49-F238E27FC236}">
-                        <a16:creationId xmlns:a16="http://schemas.microsoft.com/office/drawing/2014/main" id="{1ED7B1C2-C8A4-4664-98A5-C0315D116C92}"/>
+                        <a16:creationId xmlns:a16="http://schemas.microsoft.com/office/drawing/2014/main" xmlns="" id="{1ED7B1C2-C8A4-4664-98A5-C0315D116C92}"/>
                       </a:ext>
                     </a:extLst>
                   </p:cNvPr>
@@ -4911,7 +4918,7 @@
                   <p:cNvPr id="23" name="Retângulo: Cantos Arredondados 22">
                     <a:extLst>
                       <a:ext uri="{FF2B5EF4-FFF2-40B4-BE49-F238E27FC236}">
-                        <a16:creationId xmlns:a16="http://schemas.microsoft.com/office/drawing/2014/main" id="{89535B19-428F-4DDC-8C77-A796E0382FD4}"/>
+                        <a16:creationId xmlns:a16="http://schemas.microsoft.com/office/drawing/2014/main" xmlns="" id="{89535B19-428F-4DDC-8C77-A796E0382FD4}"/>
                       </a:ext>
                     </a:extLst>
                   </p:cNvPr>
@@ -4965,7 +4972,7 @@
                   <p:cNvPr id="24" name="Retângulo: Cantos Arredondados 23">
                     <a:extLst>
                       <a:ext uri="{FF2B5EF4-FFF2-40B4-BE49-F238E27FC236}">
-                        <a16:creationId xmlns:a16="http://schemas.microsoft.com/office/drawing/2014/main" id="{E3279415-2C59-423B-8E8A-9C01C73C5F99}"/>
+                        <a16:creationId xmlns:a16="http://schemas.microsoft.com/office/drawing/2014/main" xmlns="" id="{E3279415-2C59-423B-8E8A-9C01C73C5F99}"/>
                       </a:ext>
                     </a:extLst>
                   </p:cNvPr>
@@ -5021,7 +5028,7 @@
               <p:cNvPr id="11" name="Agrupar 11">
                 <a:extLst>
                   <a:ext uri="{FF2B5EF4-FFF2-40B4-BE49-F238E27FC236}">
-                    <a16:creationId xmlns:a16="http://schemas.microsoft.com/office/drawing/2014/main" id="{AF05D767-535B-4406-8E1B-DC460C147172}"/>
+                    <a16:creationId xmlns:a16="http://schemas.microsoft.com/office/drawing/2014/main" xmlns="" id="{AF05D767-535B-4406-8E1B-DC460C147172}"/>
                   </a:ext>
                 </a:extLst>
               </p:cNvPr>
@@ -5041,7 +5048,7 @@
                 <p:cNvPr id="15" name="Retângulo: Cantos Arredondados 12">
                   <a:extLst>
                     <a:ext uri="{FF2B5EF4-FFF2-40B4-BE49-F238E27FC236}">
-                      <a16:creationId xmlns:a16="http://schemas.microsoft.com/office/drawing/2014/main" id="{2D4E8F62-5DB6-499D-950A-79B2E3A38088}"/>
+                      <a16:creationId xmlns:a16="http://schemas.microsoft.com/office/drawing/2014/main" xmlns="" id="{2D4E8F62-5DB6-499D-950A-79B2E3A38088}"/>
                     </a:ext>
                   </a:extLst>
                 </p:cNvPr>
@@ -5095,7 +5102,7 @@
                 <p:cNvPr id="16" name="Retângulo: Cantos Arredondados 13">
                   <a:extLst>
                     <a:ext uri="{FF2B5EF4-FFF2-40B4-BE49-F238E27FC236}">
-                      <a16:creationId xmlns:a16="http://schemas.microsoft.com/office/drawing/2014/main" id="{E4198695-753B-4508-B3CC-7EBF43D7B2C5}"/>
+                      <a16:creationId xmlns:a16="http://schemas.microsoft.com/office/drawing/2014/main" xmlns="" id="{E4198695-753B-4508-B3CC-7EBF43D7B2C5}"/>
                     </a:ext>
                   </a:extLst>
                 </p:cNvPr>
@@ -5150,7 +5157,7 @@
               <p:cNvPr id="12" name="Agrupar 14">
                 <a:extLst>
                   <a:ext uri="{FF2B5EF4-FFF2-40B4-BE49-F238E27FC236}">
-                    <a16:creationId xmlns:a16="http://schemas.microsoft.com/office/drawing/2014/main" id="{71F5180A-6411-4FD5-B4B4-3B5680BEEBE2}"/>
+                    <a16:creationId xmlns:a16="http://schemas.microsoft.com/office/drawing/2014/main" xmlns="" id="{71F5180A-6411-4FD5-B4B4-3B5680BEEBE2}"/>
                   </a:ext>
                 </a:extLst>
               </p:cNvPr>
@@ -5170,7 +5177,7 @@
                 <p:cNvPr id="13" name="Retângulo: Cantos Arredondados 15">
                   <a:extLst>
                     <a:ext uri="{FF2B5EF4-FFF2-40B4-BE49-F238E27FC236}">
-                      <a16:creationId xmlns:a16="http://schemas.microsoft.com/office/drawing/2014/main" id="{73378FA8-D5C8-4FE3-A03F-7BBD1AFFA31B}"/>
+                      <a16:creationId xmlns:a16="http://schemas.microsoft.com/office/drawing/2014/main" xmlns="" id="{73378FA8-D5C8-4FE3-A03F-7BBD1AFFA31B}"/>
                     </a:ext>
                   </a:extLst>
                 </p:cNvPr>
@@ -5224,7 +5231,7 @@
                 <p:cNvPr id="14" name="Retângulo: Cantos Arredondados 16">
                   <a:extLst>
                     <a:ext uri="{FF2B5EF4-FFF2-40B4-BE49-F238E27FC236}">
-                      <a16:creationId xmlns:a16="http://schemas.microsoft.com/office/drawing/2014/main" id="{CA6F9BAE-1F33-4B0F-8849-716FDF5139B8}"/>
+                      <a16:creationId xmlns:a16="http://schemas.microsoft.com/office/drawing/2014/main" xmlns="" id="{CA6F9BAE-1F33-4B0F-8849-716FDF5139B8}"/>
                     </a:ext>
                   </a:extLst>
                 </p:cNvPr>
@@ -5280,7 +5287,7 @@
             <p:cNvPr id="7" name="Agrupar 6">
               <a:extLst>
                 <a:ext uri="{FF2B5EF4-FFF2-40B4-BE49-F238E27FC236}">
-                  <a16:creationId xmlns:a16="http://schemas.microsoft.com/office/drawing/2014/main" id="{E41FC07F-5D39-42B6-AF5B-E5B701564D9F}"/>
+                  <a16:creationId xmlns:a16="http://schemas.microsoft.com/office/drawing/2014/main" xmlns="" id="{E41FC07F-5D39-42B6-AF5B-E5B701564D9F}"/>
                 </a:ext>
               </a:extLst>
             </p:cNvPr>
@@ -5300,7 +5307,7 @@
               <p:cNvPr id="8" name="Forma Livre: Forma 7">
                 <a:extLst>
                   <a:ext uri="{FF2B5EF4-FFF2-40B4-BE49-F238E27FC236}">
-                    <a16:creationId xmlns:a16="http://schemas.microsoft.com/office/drawing/2014/main" id="{A8E18D61-C2DA-4A62-97EE-F0ECA2A4C86F}"/>
+                    <a16:creationId xmlns:a16="http://schemas.microsoft.com/office/drawing/2014/main" xmlns="" id="{A8E18D61-C2DA-4A62-97EE-F0ECA2A4C86F}"/>
                   </a:ext>
                 </a:extLst>
               </p:cNvPr>
@@ -5407,7 +5414,7 @@
               <p:cNvPr id="9" name="Forma Livre: Forma 8">
                 <a:extLst>
                   <a:ext uri="{FF2B5EF4-FFF2-40B4-BE49-F238E27FC236}">
-                    <a16:creationId xmlns:a16="http://schemas.microsoft.com/office/drawing/2014/main" id="{B7581CEC-8DB9-4BA0-B002-B104AE351B7A}"/>
+                    <a16:creationId xmlns:a16="http://schemas.microsoft.com/office/drawing/2014/main" xmlns="" id="{B7581CEC-8DB9-4BA0-B002-B104AE351B7A}"/>
                   </a:ext>
                 </a:extLst>
               </p:cNvPr>
@@ -5552,7 +5559,7 @@
           <p:cNvPr id="32" name="Grupo 12">
             <a:extLst>
               <a:ext uri="{FF2B5EF4-FFF2-40B4-BE49-F238E27FC236}">
-                <a16:creationId xmlns:a16="http://schemas.microsoft.com/office/drawing/2014/main" id="{36B187A1-7D33-493D-93F4-5D35DCB8A05B}"/>
+                <a16:creationId xmlns:a16="http://schemas.microsoft.com/office/drawing/2014/main" xmlns="" id="{36B187A1-7D33-493D-93F4-5D35DCB8A05B}"/>
               </a:ext>
             </a:extLst>
           </p:cNvPr>
@@ -5572,7 +5579,7 @@
             <p:cNvPr id="33" name="Grupo 11">
               <a:extLst>
                 <a:ext uri="{FF2B5EF4-FFF2-40B4-BE49-F238E27FC236}">
-                  <a16:creationId xmlns:a16="http://schemas.microsoft.com/office/drawing/2014/main" id="{D6C18329-4037-46A4-A02B-DDD81B53187F}"/>
+                  <a16:creationId xmlns:a16="http://schemas.microsoft.com/office/drawing/2014/main" xmlns="" id="{D6C18329-4037-46A4-A02B-DDD81B53187F}"/>
                 </a:ext>
               </a:extLst>
             </p:cNvPr>
@@ -5592,7 +5599,7 @@
               <p:cNvPr id="40" name="Agrupar 3">
                 <a:extLst>
                   <a:ext uri="{FF2B5EF4-FFF2-40B4-BE49-F238E27FC236}">
-                    <a16:creationId xmlns:a16="http://schemas.microsoft.com/office/drawing/2014/main" id="{45261C26-CE73-47E2-92E4-0B18B65AEC55}"/>
+                    <a16:creationId xmlns:a16="http://schemas.microsoft.com/office/drawing/2014/main" xmlns="" id="{45261C26-CE73-47E2-92E4-0B18B65AEC55}"/>
                   </a:ext>
                 </a:extLst>
               </p:cNvPr>
@@ -5612,7 +5619,7 @@
                 <p:cNvPr id="49" name="Retângulo: Cantos Arredondados 4">
                   <a:extLst>
                     <a:ext uri="{FF2B5EF4-FFF2-40B4-BE49-F238E27FC236}">
-                      <a16:creationId xmlns:a16="http://schemas.microsoft.com/office/drawing/2014/main" id="{E66D9316-A3B3-4ACB-A8EF-5E6A04FDEDBE}"/>
+                      <a16:creationId xmlns:a16="http://schemas.microsoft.com/office/drawing/2014/main" xmlns="" id="{E66D9316-A3B3-4ACB-A8EF-5E6A04FDEDBE}"/>
                     </a:ext>
                   </a:extLst>
                 </p:cNvPr>
@@ -5663,7 +5670,7 @@
                 <p:cNvPr id="50" name="Retângulo: Cantos Arredondados 5">
                   <a:extLst>
                     <a:ext uri="{FF2B5EF4-FFF2-40B4-BE49-F238E27FC236}">
-                      <a16:creationId xmlns:a16="http://schemas.microsoft.com/office/drawing/2014/main" id="{3BB0CD46-FEF5-484F-B00B-8AACD3B50A33}"/>
+                      <a16:creationId xmlns:a16="http://schemas.microsoft.com/office/drawing/2014/main" xmlns="" id="{3BB0CD46-FEF5-484F-B00B-8AACD3B50A33}"/>
                     </a:ext>
                   </a:extLst>
                 </p:cNvPr>
@@ -5717,7 +5724,7 @@
                 <p:cNvPr id="51" name="Retângulo: Cantos Arredondados 6">
                   <a:extLst>
                     <a:ext uri="{FF2B5EF4-FFF2-40B4-BE49-F238E27FC236}">
-                      <a16:creationId xmlns:a16="http://schemas.microsoft.com/office/drawing/2014/main" id="{E85F8C1C-9843-4F12-916E-04E03BC29388}"/>
+                      <a16:creationId xmlns:a16="http://schemas.microsoft.com/office/drawing/2014/main" xmlns="" id="{E85F8C1C-9843-4F12-916E-04E03BC29388}"/>
                     </a:ext>
                   </a:extLst>
                 </p:cNvPr>
@@ -5771,7 +5778,7 @@
                 <p:cNvPr id="52" name="Forma Livre: Forma 7">
                   <a:extLst>
                     <a:ext uri="{FF2B5EF4-FFF2-40B4-BE49-F238E27FC236}">
-                      <a16:creationId xmlns:a16="http://schemas.microsoft.com/office/drawing/2014/main" id="{4A1469F0-9209-4CF3-9FED-A04E2AA0564B}"/>
+                      <a16:creationId xmlns:a16="http://schemas.microsoft.com/office/drawing/2014/main" xmlns="" id="{4A1469F0-9209-4CF3-9FED-A04E2AA0564B}"/>
                     </a:ext>
                   </a:extLst>
                 </p:cNvPr>
@@ -5902,7 +5909,7 @@
                 <p:cNvPr id="53" name="Retângulo 52">
                   <a:extLst>
                     <a:ext uri="{FF2B5EF4-FFF2-40B4-BE49-F238E27FC236}">
-                      <a16:creationId xmlns:a16="http://schemas.microsoft.com/office/drawing/2014/main" id="{E6DA5428-367C-4E0A-BA15-431C2033AD57}"/>
+                      <a16:creationId xmlns:a16="http://schemas.microsoft.com/office/drawing/2014/main" xmlns="" id="{E6DA5428-367C-4E0A-BA15-431C2033AD57}"/>
                     </a:ext>
                   </a:extLst>
                 </p:cNvPr>
@@ -5954,7 +5961,7 @@
                 <p:cNvPr id="54" name="Retângulo: Cantos Arredondados 9">
                   <a:extLst>
                     <a:ext uri="{FF2B5EF4-FFF2-40B4-BE49-F238E27FC236}">
-                      <a16:creationId xmlns:a16="http://schemas.microsoft.com/office/drawing/2014/main" id="{54DD415C-5764-4345-9885-4F786A9E66A1}"/>
+                      <a16:creationId xmlns:a16="http://schemas.microsoft.com/office/drawing/2014/main" xmlns="" id="{54DD415C-5764-4345-9885-4F786A9E66A1}"/>
                     </a:ext>
                   </a:extLst>
                 </p:cNvPr>
@@ -6008,7 +6015,7 @@
                 <p:cNvPr id="55" name="Retângulo: Cantos Arredondados 10">
                   <a:extLst>
                     <a:ext uri="{FF2B5EF4-FFF2-40B4-BE49-F238E27FC236}">
-                      <a16:creationId xmlns:a16="http://schemas.microsoft.com/office/drawing/2014/main" id="{B62620F7-3C6F-41C3-B72A-DEF26F53097E}"/>
+                      <a16:creationId xmlns:a16="http://schemas.microsoft.com/office/drawing/2014/main" xmlns="" id="{B62620F7-3C6F-41C3-B72A-DEF26F53097E}"/>
                     </a:ext>
                   </a:extLst>
                 </p:cNvPr>
@@ -6063,7 +6070,7 @@
               <p:cNvPr id="41" name="Agrupar 17">
                 <a:extLst>
                   <a:ext uri="{FF2B5EF4-FFF2-40B4-BE49-F238E27FC236}">
-                    <a16:creationId xmlns:a16="http://schemas.microsoft.com/office/drawing/2014/main" id="{BF9D7525-D450-41A6-AEC6-639C61FF69B3}"/>
+                    <a16:creationId xmlns:a16="http://schemas.microsoft.com/office/drawing/2014/main" xmlns="" id="{BF9D7525-D450-41A6-AEC6-639C61FF69B3}"/>
                   </a:ext>
                 </a:extLst>
               </p:cNvPr>
@@ -6083,7 +6090,7 @@
                 <p:cNvPr id="43" name="Forma Livre: Forma 18">
                   <a:extLst>
                     <a:ext uri="{FF2B5EF4-FFF2-40B4-BE49-F238E27FC236}">
-                      <a16:creationId xmlns:a16="http://schemas.microsoft.com/office/drawing/2014/main" id="{7123B068-28FC-4F35-930A-35030509D5D2}"/>
+                      <a16:creationId xmlns:a16="http://schemas.microsoft.com/office/drawing/2014/main" xmlns="" id="{7123B068-28FC-4F35-930A-35030509D5D2}"/>
                     </a:ext>
                   </a:extLst>
                 </p:cNvPr>
@@ -6218,7 +6225,7 @@
                 <p:cNvPr id="44" name="Forma Livre: Forma 19">
                   <a:extLst>
                     <a:ext uri="{FF2B5EF4-FFF2-40B4-BE49-F238E27FC236}">
-                      <a16:creationId xmlns:a16="http://schemas.microsoft.com/office/drawing/2014/main" id="{CD8F2BD2-E622-4D78-AED1-82215A7B1227}"/>
+                      <a16:creationId xmlns:a16="http://schemas.microsoft.com/office/drawing/2014/main" xmlns="" id="{CD8F2BD2-E622-4D78-AED1-82215A7B1227}"/>
                     </a:ext>
                   </a:extLst>
                 </p:cNvPr>
@@ -6353,7 +6360,7 @@
                 <p:cNvPr id="45" name="Elipse 44">
                   <a:extLst>
                     <a:ext uri="{FF2B5EF4-FFF2-40B4-BE49-F238E27FC236}">
-                      <a16:creationId xmlns:a16="http://schemas.microsoft.com/office/drawing/2014/main" id="{F8FE3AD4-33AD-4953-B231-FB2E99DE9DC6}"/>
+                      <a16:creationId xmlns:a16="http://schemas.microsoft.com/office/drawing/2014/main" xmlns="" id="{F8FE3AD4-33AD-4953-B231-FB2E99DE9DC6}"/>
                     </a:ext>
                   </a:extLst>
                 </p:cNvPr>
@@ -6405,7 +6412,7 @@
                 <p:cNvPr id="46" name="Retângulo: Cantos Arredondados 21">
                   <a:extLst>
                     <a:ext uri="{FF2B5EF4-FFF2-40B4-BE49-F238E27FC236}">
-                      <a16:creationId xmlns:a16="http://schemas.microsoft.com/office/drawing/2014/main" id="{F6F3EC36-F458-487C-A1C3-B48BDF57CFFB}"/>
+                      <a16:creationId xmlns:a16="http://schemas.microsoft.com/office/drawing/2014/main" xmlns="" id="{F6F3EC36-F458-487C-A1C3-B48BDF57CFFB}"/>
                     </a:ext>
                   </a:extLst>
                 </p:cNvPr>
@@ -6459,7 +6466,7 @@
                 <p:cNvPr id="47" name="Retângulo: Cantos Arredondados 22">
                   <a:extLst>
                     <a:ext uri="{FF2B5EF4-FFF2-40B4-BE49-F238E27FC236}">
-                      <a16:creationId xmlns:a16="http://schemas.microsoft.com/office/drawing/2014/main" id="{DC83D428-7AAB-4A30-BBC3-259ABBF9F97E}"/>
+                      <a16:creationId xmlns:a16="http://schemas.microsoft.com/office/drawing/2014/main" xmlns="" id="{DC83D428-7AAB-4A30-BBC3-259ABBF9F97E}"/>
                     </a:ext>
                   </a:extLst>
                 </p:cNvPr>
@@ -6513,7 +6520,7 @@
                 <p:cNvPr id="48" name="Retângulo: Cantos Arredondados 23">
                   <a:extLst>
                     <a:ext uri="{FF2B5EF4-FFF2-40B4-BE49-F238E27FC236}">
-                      <a16:creationId xmlns:a16="http://schemas.microsoft.com/office/drawing/2014/main" id="{1DB620D4-4B5B-4410-B70A-BF9DD3CE7D49}"/>
+                      <a16:creationId xmlns:a16="http://schemas.microsoft.com/office/drawing/2014/main" xmlns="" id="{1DB620D4-4B5B-4410-B70A-BF9DD3CE7D49}"/>
                     </a:ext>
                   </a:extLst>
                 </p:cNvPr>
@@ -6568,7 +6575,7 @@
               <p:cNvPr id="42" name="Forma Livre: Forma 24">
                 <a:extLst>
                   <a:ext uri="{FF2B5EF4-FFF2-40B4-BE49-F238E27FC236}">
-                    <a16:creationId xmlns:a16="http://schemas.microsoft.com/office/drawing/2014/main" id="{C23CE8C9-9281-4F3C-BFA0-A519883793D1}"/>
+                    <a16:creationId xmlns:a16="http://schemas.microsoft.com/office/drawing/2014/main" xmlns="" id="{C23CE8C9-9281-4F3C-BFA0-A519883793D1}"/>
                   </a:ext>
                 </a:extLst>
               </p:cNvPr>
@@ -6728,7 +6735,7 @@
             <p:cNvPr id="34" name="Agrupar 11">
               <a:extLst>
                 <a:ext uri="{FF2B5EF4-FFF2-40B4-BE49-F238E27FC236}">
-                  <a16:creationId xmlns:a16="http://schemas.microsoft.com/office/drawing/2014/main" id="{A38E1BB1-6885-4C5F-BC80-8FB963063D91}"/>
+                  <a16:creationId xmlns:a16="http://schemas.microsoft.com/office/drawing/2014/main" xmlns="" id="{A38E1BB1-6885-4C5F-BC80-8FB963063D91}"/>
                 </a:ext>
               </a:extLst>
             </p:cNvPr>
@@ -6748,7 +6755,7 @@
               <p:cNvPr id="38" name="Retângulo: Cantos Arredondados 12">
                 <a:extLst>
                   <a:ext uri="{FF2B5EF4-FFF2-40B4-BE49-F238E27FC236}">
-                    <a16:creationId xmlns:a16="http://schemas.microsoft.com/office/drawing/2014/main" id="{FB316E2E-1EEF-4745-A443-404675B94652}"/>
+                    <a16:creationId xmlns:a16="http://schemas.microsoft.com/office/drawing/2014/main" xmlns="" id="{FB316E2E-1EEF-4745-A443-404675B94652}"/>
                   </a:ext>
                 </a:extLst>
               </p:cNvPr>
@@ -6802,7 +6809,7 @@
               <p:cNvPr id="39" name="Retângulo: Cantos Arredondados 13">
                 <a:extLst>
                   <a:ext uri="{FF2B5EF4-FFF2-40B4-BE49-F238E27FC236}">
-                    <a16:creationId xmlns:a16="http://schemas.microsoft.com/office/drawing/2014/main" id="{6B78E24C-A0D7-4291-AB8C-EFA1FE062443}"/>
+                    <a16:creationId xmlns:a16="http://schemas.microsoft.com/office/drawing/2014/main" xmlns="" id="{6B78E24C-A0D7-4291-AB8C-EFA1FE062443}"/>
                   </a:ext>
                 </a:extLst>
               </p:cNvPr>
@@ -6857,7 +6864,7 @@
             <p:cNvPr id="35" name="Agrupar 14">
               <a:extLst>
                 <a:ext uri="{FF2B5EF4-FFF2-40B4-BE49-F238E27FC236}">
-                  <a16:creationId xmlns:a16="http://schemas.microsoft.com/office/drawing/2014/main" id="{5A97E5FB-68B1-476D-8E5A-0E41A294BD7C}"/>
+                  <a16:creationId xmlns:a16="http://schemas.microsoft.com/office/drawing/2014/main" xmlns="" id="{5A97E5FB-68B1-476D-8E5A-0E41A294BD7C}"/>
                 </a:ext>
               </a:extLst>
             </p:cNvPr>
@@ -6877,7 +6884,7 @@
               <p:cNvPr id="36" name="Retângulo: Cantos Arredondados 15">
                 <a:extLst>
                   <a:ext uri="{FF2B5EF4-FFF2-40B4-BE49-F238E27FC236}">
-                    <a16:creationId xmlns:a16="http://schemas.microsoft.com/office/drawing/2014/main" id="{2CC42DB6-340E-48D0-B0E8-4E4C98241841}"/>
+                    <a16:creationId xmlns:a16="http://schemas.microsoft.com/office/drawing/2014/main" xmlns="" id="{2CC42DB6-340E-48D0-B0E8-4E4C98241841}"/>
                   </a:ext>
                 </a:extLst>
               </p:cNvPr>
@@ -6931,7 +6938,7 @@
               <p:cNvPr id="37" name="Retângulo: Cantos Arredondados 16">
                 <a:extLst>
                   <a:ext uri="{FF2B5EF4-FFF2-40B4-BE49-F238E27FC236}">
-                    <a16:creationId xmlns:a16="http://schemas.microsoft.com/office/drawing/2014/main" id="{B36299D4-C2BF-48F1-A2DA-B46EA1626AE6}"/>
+                    <a16:creationId xmlns:a16="http://schemas.microsoft.com/office/drawing/2014/main" xmlns="" id="{B36299D4-C2BF-48F1-A2DA-B46EA1626AE6}"/>
                   </a:ext>
                 </a:extLst>
               </p:cNvPr>
@@ -6987,7 +6994,7 @@
           <p:cNvPr id="56" name="Retângulo 55">
             <a:extLst>
               <a:ext uri="{FF2B5EF4-FFF2-40B4-BE49-F238E27FC236}">
-                <a16:creationId xmlns:a16="http://schemas.microsoft.com/office/drawing/2014/main" id="{D8AC7571-E85D-4456-B744-F77CE6F5E81D}"/>
+                <a16:creationId xmlns:a16="http://schemas.microsoft.com/office/drawing/2014/main" xmlns="" id="{D8AC7571-E85D-4456-B744-F77CE6F5E81D}"/>
               </a:ext>
             </a:extLst>
           </p:cNvPr>
@@ -7039,7 +7046,7 @@
           <p:cNvPr id="57" name="Forma Livre: Forma 56">
             <a:extLst>
               <a:ext uri="{FF2B5EF4-FFF2-40B4-BE49-F238E27FC236}">
-                <a16:creationId xmlns:a16="http://schemas.microsoft.com/office/drawing/2014/main" id="{7D71645D-3720-46B4-906A-77B3DCA09413}"/>
+                <a16:creationId xmlns:a16="http://schemas.microsoft.com/office/drawing/2014/main" xmlns="" id="{7D71645D-3720-46B4-906A-77B3DCA09413}"/>
               </a:ext>
             </a:extLst>
           </p:cNvPr>
@@ -7206,7 +7213,7 @@
           <p:cNvPr id="58" name="Forma Livre: Forma 57">
             <a:extLst>
               <a:ext uri="{FF2B5EF4-FFF2-40B4-BE49-F238E27FC236}">
-                <a16:creationId xmlns:a16="http://schemas.microsoft.com/office/drawing/2014/main" id="{DC2402AA-236D-4FC6-8E69-ED6CA3309311}"/>
+                <a16:creationId xmlns:a16="http://schemas.microsoft.com/office/drawing/2014/main" xmlns="" id="{DC2402AA-236D-4FC6-8E69-ED6CA3309311}"/>
               </a:ext>
             </a:extLst>
           </p:cNvPr>
@@ -7358,7 +7365,7 @@
           <p:cNvPr id="59" name="Forma Livre: Forma 58">
             <a:extLst>
               <a:ext uri="{FF2B5EF4-FFF2-40B4-BE49-F238E27FC236}">
-                <a16:creationId xmlns:a16="http://schemas.microsoft.com/office/drawing/2014/main" id="{0135304F-892B-46B0-82FB-51DF19A7C1C6}"/>
+                <a16:creationId xmlns:a16="http://schemas.microsoft.com/office/drawing/2014/main" xmlns="" id="{0135304F-892B-46B0-82FB-51DF19A7C1C6}"/>
               </a:ext>
             </a:extLst>
           </p:cNvPr>
@@ -7656,7 +7663,7 @@
           <p:cNvPr id="60" name="Agrupar 59">
             <a:extLst>
               <a:ext uri="{FF2B5EF4-FFF2-40B4-BE49-F238E27FC236}">
-                <a16:creationId xmlns:a16="http://schemas.microsoft.com/office/drawing/2014/main" id="{CC338A4C-D285-4858-AEAF-DC77DD59A4E9}"/>
+                <a16:creationId xmlns:a16="http://schemas.microsoft.com/office/drawing/2014/main" xmlns="" id="{CC338A4C-D285-4858-AEAF-DC77DD59A4E9}"/>
               </a:ext>
             </a:extLst>
           </p:cNvPr>
@@ -7679,7 +7686,7 @@
             <p:cNvPr id="61" name="Cruz 60">
               <a:extLst>
                 <a:ext uri="{FF2B5EF4-FFF2-40B4-BE49-F238E27FC236}">
-                  <a16:creationId xmlns:a16="http://schemas.microsoft.com/office/drawing/2014/main" id="{E0752C28-BE77-49DE-A3C9-BDFFD6B7374B}"/>
+                  <a16:creationId xmlns:a16="http://schemas.microsoft.com/office/drawing/2014/main" xmlns="" id="{E0752C28-BE77-49DE-A3C9-BDFFD6B7374B}"/>
                 </a:ext>
               </a:extLst>
             </p:cNvPr>
@@ -7731,7 +7738,7 @@
             <p:cNvPr id="62" name="Cruz 61">
               <a:extLst>
                 <a:ext uri="{FF2B5EF4-FFF2-40B4-BE49-F238E27FC236}">
-                  <a16:creationId xmlns:a16="http://schemas.microsoft.com/office/drawing/2014/main" id="{FBEE2578-9C27-4785-863E-21CB3CF2C8EC}"/>
+                  <a16:creationId xmlns:a16="http://schemas.microsoft.com/office/drawing/2014/main" xmlns="" id="{FBEE2578-9C27-4785-863E-21CB3CF2C8EC}"/>
                 </a:ext>
               </a:extLst>
             </p:cNvPr>
@@ -7783,7 +7790,7 @@
             <p:cNvPr id="63" name="Cruz 62">
               <a:extLst>
                 <a:ext uri="{FF2B5EF4-FFF2-40B4-BE49-F238E27FC236}">
-                  <a16:creationId xmlns:a16="http://schemas.microsoft.com/office/drawing/2014/main" id="{E27B02EC-7E26-4778-81D8-4476D30931B3}"/>
+                  <a16:creationId xmlns:a16="http://schemas.microsoft.com/office/drawing/2014/main" xmlns="" id="{E27B02EC-7E26-4778-81D8-4476D30931B3}"/>
                 </a:ext>
               </a:extLst>
             </p:cNvPr>
@@ -7835,7 +7842,7 @@
             <p:cNvPr id="64" name="Grupo 19">
               <a:extLst>
                 <a:ext uri="{FF2B5EF4-FFF2-40B4-BE49-F238E27FC236}">
-                  <a16:creationId xmlns:a16="http://schemas.microsoft.com/office/drawing/2014/main" id="{4E18CC5B-41D4-43E9-AC9E-DF05A3C840EF}"/>
+                  <a16:creationId xmlns:a16="http://schemas.microsoft.com/office/drawing/2014/main" xmlns="" id="{4E18CC5B-41D4-43E9-AC9E-DF05A3C840EF}"/>
                 </a:ext>
               </a:extLst>
             </p:cNvPr>
@@ -7856,7 +7863,7 @@
               <p:cNvPr id="65" name="Cruz 64">
                 <a:extLst>
                   <a:ext uri="{FF2B5EF4-FFF2-40B4-BE49-F238E27FC236}">
-                    <a16:creationId xmlns:a16="http://schemas.microsoft.com/office/drawing/2014/main" id="{A6CE64CC-7D77-491D-998A-3AF503AD17F7}"/>
+                    <a16:creationId xmlns:a16="http://schemas.microsoft.com/office/drawing/2014/main" xmlns="" id="{A6CE64CC-7D77-491D-998A-3AF503AD17F7}"/>
                   </a:ext>
                 </a:extLst>
               </p:cNvPr>
@@ -7908,7 +7915,7 @@
               <p:cNvPr id="66" name="Cruz 65">
                 <a:extLst>
                   <a:ext uri="{FF2B5EF4-FFF2-40B4-BE49-F238E27FC236}">
-                    <a16:creationId xmlns:a16="http://schemas.microsoft.com/office/drawing/2014/main" id="{24A77E00-E6B6-4BDB-9D02-198FF5F97182}"/>
+                    <a16:creationId xmlns:a16="http://schemas.microsoft.com/office/drawing/2014/main" xmlns="" id="{24A77E00-E6B6-4BDB-9D02-198FF5F97182}"/>
                   </a:ext>
                 </a:extLst>
               </p:cNvPr>
@@ -7962,7 +7969,7 @@
           <p:cNvPr id="67" name="Grupo 1">
             <a:extLst>
               <a:ext uri="{FF2B5EF4-FFF2-40B4-BE49-F238E27FC236}">
-                <a16:creationId xmlns:a16="http://schemas.microsoft.com/office/drawing/2014/main" id="{D8CE6C4D-E74E-4309-B685-542C7BB10E4F}"/>
+                <a16:creationId xmlns:a16="http://schemas.microsoft.com/office/drawing/2014/main" xmlns="" id="{D8CE6C4D-E74E-4309-B685-542C7BB10E4F}"/>
               </a:ext>
             </a:extLst>
           </p:cNvPr>
@@ -7982,7 +7989,7 @@
             <p:cNvPr id="68" name="Retângulo 67">
               <a:extLst>
                 <a:ext uri="{FF2B5EF4-FFF2-40B4-BE49-F238E27FC236}">
-                  <a16:creationId xmlns:a16="http://schemas.microsoft.com/office/drawing/2014/main" id="{5D44BDC9-6D46-447D-A353-16CA88820C3F}"/>
+                  <a16:creationId xmlns:a16="http://schemas.microsoft.com/office/drawing/2014/main" xmlns="" id="{5D44BDC9-6D46-447D-A353-16CA88820C3F}"/>
                 </a:ext>
               </a:extLst>
             </p:cNvPr>
@@ -8034,7 +8041,7 @@
             <p:cNvPr id="69" name="Triângulo Retângulo 68">
               <a:extLst>
                 <a:ext uri="{FF2B5EF4-FFF2-40B4-BE49-F238E27FC236}">
-                  <a16:creationId xmlns:a16="http://schemas.microsoft.com/office/drawing/2014/main" id="{B310C7AE-31A3-4C21-B6BF-AB9AEADB422C}"/>
+                  <a16:creationId xmlns:a16="http://schemas.microsoft.com/office/drawing/2014/main" xmlns="" id="{B310C7AE-31A3-4C21-B6BF-AB9AEADB422C}"/>
                 </a:ext>
               </a:extLst>
             </p:cNvPr>
@@ -8087,7 +8094,7 @@
           <p:cNvPr id="70" name="Grupo 10">
             <a:extLst>
               <a:ext uri="{FF2B5EF4-FFF2-40B4-BE49-F238E27FC236}">
-                <a16:creationId xmlns:a16="http://schemas.microsoft.com/office/drawing/2014/main" id="{99EEEA5F-E2F1-45A4-B7C2-C2CBF37059D1}"/>
+                <a16:creationId xmlns:a16="http://schemas.microsoft.com/office/drawing/2014/main" xmlns="" id="{99EEEA5F-E2F1-45A4-B7C2-C2CBF37059D1}"/>
               </a:ext>
             </a:extLst>
           </p:cNvPr>
@@ -8107,7 +8114,7 @@
             <p:cNvPr id="71" name="Agrupar 3">
               <a:extLst>
                 <a:ext uri="{FF2B5EF4-FFF2-40B4-BE49-F238E27FC236}">
-                  <a16:creationId xmlns:a16="http://schemas.microsoft.com/office/drawing/2014/main" id="{A9D17EA6-23C7-4156-8800-DE4A6953119C}"/>
+                  <a16:creationId xmlns:a16="http://schemas.microsoft.com/office/drawing/2014/main" xmlns="" id="{A9D17EA6-23C7-4156-8800-DE4A6953119C}"/>
                 </a:ext>
               </a:extLst>
             </p:cNvPr>
@@ -8127,7 +8134,7 @@
               <p:cNvPr id="82" name="Retângulo: Cantos Arredondados 4">
                 <a:extLst>
                   <a:ext uri="{FF2B5EF4-FFF2-40B4-BE49-F238E27FC236}">
-                    <a16:creationId xmlns:a16="http://schemas.microsoft.com/office/drawing/2014/main" id="{63EB42B2-0F3A-425E-BFCE-70D1A98EC107}"/>
+                    <a16:creationId xmlns:a16="http://schemas.microsoft.com/office/drawing/2014/main" xmlns="" id="{63EB42B2-0F3A-425E-BFCE-70D1A98EC107}"/>
                   </a:ext>
                 </a:extLst>
               </p:cNvPr>
@@ -8178,7 +8185,7 @@
               <p:cNvPr id="83" name="Retângulo: Cantos Arredondados 5">
                 <a:extLst>
                   <a:ext uri="{FF2B5EF4-FFF2-40B4-BE49-F238E27FC236}">
-                    <a16:creationId xmlns:a16="http://schemas.microsoft.com/office/drawing/2014/main" id="{BCE010C6-6204-41FB-8D12-6D5DF55AE178}"/>
+                    <a16:creationId xmlns:a16="http://schemas.microsoft.com/office/drawing/2014/main" xmlns="" id="{BCE010C6-6204-41FB-8D12-6D5DF55AE178}"/>
                   </a:ext>
                 </a:extLst>
               </p:cNvPr>
@@ -8232,7 +8239,7 @@
               <p:cNvPr id="84" name="Retângulo: Cantos Arredondados 6">
                 <a:extLst>
                   <a:ext uri="{FF2B5EF4-FFF2-40B4-BE49-F238E27FC236}">
-                    <a16:creationId xmlns:a16="http://schemas.microsoft.com/office/drawing/2014/main" id="{7F0BFC9B-E2A1-44FB-BAF0-92F749AE5FBF}"/>
+                    <a16:creationId xmlns:a16="http://schemas.microsoft.com/office/drawing/2014/main" xmlns="" id="{7F0BFC9B-E2A1-44FB-BAF0-92F749AE5FBF}"/>
                   </a:ext>
                 </a:extLst>
               </p:cNvPr>
@@ -8286,7 +8293,7 @@
               <p:cNvPr id="85" name="Forma Livre: Forma 7">
                 <a:extLst>
                   <a:ext uri="{FF2B5EF4-FFF2-40B4-BE49-F238E27FC236}">
-                    <a16:creationId xmlns:a16="http://schemas.microsoft.com/office/drawing/2014/main" id="{ECDF7175-5DCC-49F5-A7A1-4BD6CB428D9B}"/>
+                    <a16:creationId xmlns:a16="http://schemas.microsoft.com/office/drawing/2014/main" xmlns="" id="{ECDF7175-5DCC-49F5-A7A1-4BD6CB428D9B}"/>
                   </a:ext>
                 </a:extLst>
               </p:cNvPr>
@@ -8417,7 +8424,7 @@
               <p:cNvPr id="86" name="Retângulo 85">
                 <a:extLst>
                   <a:ext uri="{FF2B5EF4-FFF2-40B4-BE49-F238E27FC236}">
-                    <a16:creationId xmlns:a16="http://schemas.microsoft.com/office/drawing/2014/main" id="{4FEEBD15-85B2-4553-9382-B4F27A7213D4}"/>
+                    <a16:creationId xmlns:a16="http://schemas.microsoft.com/office/drawing/2014/main" xmlns="" id="{4FEEBD15-85B2-4553-9382-B4F27A7213D4}"/>
                   </a:ext>
                 </a:extLst>
               </p:cNvPr>
@@ -8469,7 +8476,7 @@
               <p:cNvPr id="87" name="Retângulo: Cantos Arredondados 9">
                 <a:extLst>
                   <a:ext uri="{FF2B5EF4-FFF2-40B4-BE49-F238E27FC236}">
-                    <a16:creationId xmlns:a16="http://schemas.microsoft.com/office/drawing/2014/main" id="{821A7BD2-70DB-4975-9098-B9B74522A62C}"/>
+                    <a16:creationId xmlns:a16="http://schemas.microsoft.com/office/drawing/2014/main" xmlns="" id="{821A7BD2-70DB-4975-9098-B9B74522A62C}"/>
                   </a:ext>
                 </a:extLst>
               </p:cNvPr>
@@ -8523,7 +8530,7 @@
               <p:cNvPr id="88" name="Retângulo: Cantos Arredondados 10">
                 <a:extLst>
                   <a:ext uri="{FF2B5EF4-FFF2-40B4-BE49-F238E27FC236}">
-                    <a16:creationId xmlns:a16="http://schemas.microsoft.com/office/drawing/2014/main" id="{7FC189FD-3A5D-4564-8CFF-60C4118E1B05}"/>
+                    <a16:creationId xmlns:a16="http://schemas.microsoft.com/office/drawing/2014/main" xmlns="" id="{7FC189FD-3A5D-4564-8CFF-60C4118E1B05}"/>
                   </a:ext>
                 </a:extLst>
               </p:cNvPr>
@@ -8578,7 +8585,7 @@
             <p:cNvPr id="72" name="Agrupar 17">
               <a:extLst>
                 <a:ext uri="{FF2B5EF4-FFF2-40B4-BE49-F238E27FC236}">
-                  <a16:creationId xmlns:a16="http://schemas.microsoft.com/office/drawing/2014/main" id="{3CF44AD6-E89C-4147-A9A6-746458B05328}"/>
+                  <a16:creationId xmlns:a16="http://schemas.microsoft.com/office/drawing/2014/main" xmlns="" id="{3CF44AD6-E89C-4147-A9A6-746458B05328}"/>
                 </a:ext>
               </a:extLst>
             </p:cNvPr>
@@ -8598,7 +8605,7 @@
               <p:cNvPr id="76" name="Forma Livre: Forma 18">
                 <a:extLst>
                   <a:ext uri="{FF2B5EF4-FFF2-40B4-BE49-F238E27FC236}">
-                    <a16:creationId xmlns:a16="http://schemas.microsoft.com/office/drawing/2014/main" id="{56D4948E-446E-493A-86E9-A16E4BB950A7}"/>
+                    <a16:creationId xmlns:a16="http://schemas.microsoft.com/office/drawing/2014/main" xmlns="" id="{56D4948E-446E-493A-86E9-A16E4BB950A7}"/>
                   </a:ext>
                 </a:extLst>
               </p:cNvPr>
@@ -8733,7 +8740,7 @@
               <p:cNvPr id="77" name="Forma Livre: Forma 19">
                 <a:extLst>
                   <a:ext uri="{FF2B5EF4-FFF2-40B4-BE49-F238E27FC236}">
-                    <a16:creationId xmlns:a16="http://schemas.microsoft.com/office/drawing/2014/main" id="{2F325523-E94D-49A3-801F-88F26C75EFA3}"/>
+                    <a16:creationId xmlns:a16="http://schemas.microsoft.com/office/drawing/2014/main" xmlns="" id="{2F325523-E94D-49A3-801F-88F26C75EFA3}"/>
                   </a:ext>
                 </a:extLst>
               </p:cNvPr>
@@ -8868,7 +8875,7 @@
               <p:cNvPr id="78" name="Elipse 77">
                 <a:extLst>
                   <a:ext uri="{FF2B5EF4-FFF2-40B4-BE49-F238E27FC236}">
-                    <a16:creationId xmlns:a16="http://schemas.microsoft.com/office/drawing/2014/main" id="{702C186F-3286-4B62-A1BB-74C5D56D57C8}"/>
+                    <a16:creationId xmlns:a16="http://schemas.microsoft.com/office/drawing/2014/main" xmlns="" id="{702C186F-3286-4B62-A1BB-74C5D56D57C8}"/>
                   </a:ext>
                 </a:extLst>
               </p:cNvPr>
@@ -8920,7 +8927,7 @@
               <p:cNvPr id="79" name="Retângulo: Cantos Arredondados 21">
                 <a:extLst>
                   <a:ext uri="{FF2B5EF4-FFF2-40B4-BE49-F238E27FC236}">
-                    <a16:creationId xmlns:a16="http://schemas.microsoft.com/office/drawing/2014/main" id="{00D0C1D8-B0B3-4F01-BCC1-DD1265B6E421}"/>
+                    <a16:creationId xmlns:a16="http://schemas.microsoft.com/office/drawing/2014/main" xmlns="" id="{00D0C1D8-B0B3-4F01-BCC1-DD1265B6E421}"/>
                   </a:ext>
                 </a:extLst>
               </p:cNvPr>
@@ -8974,7 +8981,7 @@
               <p:cNvPr id="80" name="Retângulo: Cantos Arredondados 22">
                 <a:extLst>
                   <a:ext uri="{FF2B5EF4-FFF2-40B4-BE49-F238E27FC236}">
-                    <a16:creationId xmlns:a16="http://schemas.microsoft.com/office/drawing/2014/main" id="{3FA261CF-F0FF-4D5B-B776-B0A9ABA4B59F}"/>
+                    <a16:creationId xmlns:a16="http://schemas.microsoft.com/office/drawing/2014/main" xmlns="" id="{3FA261CF-F0FF-4D5B-B776-B0A9ABA4B59F}"/>
                   </a:ext>
                 </a:extLst>
               </p:cNvPr>
@@ -9028,7 +9035,7 @@
               <p:cNvPr id="81" name="Retângulo: Cantos Arredondados 23">
                 <a:extLst>
                   <a:ext uri="{FF2B5EF4-FFF2-40B4-BE49-F238E27FC236}">
-                    <a16:creationId xmlns:a16="http://schemas.microsoft.com/office/drawing/2014/main" id="{4452907C-B340-4C1F-A251-08A54DA61908}"/>
+                    <a16:creationId xmlns:a16="http://schemas.microsoft.com/office/drawing/2014/main" xmlns="" id="{4452907C-B340-4C1F-A251-08A54DA61908}"/>
                   </a:ext>
                 </a:extLst>
               </p:cNvPr>
@@ -9083,7 +9090,7 @@
             <p:cNvPr id="73" name="Forma Livre: Forma 24">
               <a:extLst>
                 <a:ext uri="{FF2B5EF4-FFF2-40B4-BE49-F238E27FC236}">
-                  <a16:creationId xmlns:a16="http://schemas.microsoft.com/office/drawing/2014/main" id="{9DD6F43F-BEF8-4D80-A095-5502413BFFFA}"/>
+                  <a16:creationId xmlns:a16="http://schemas.microsoft.com/office/drawing/2014/main" xmlns="" id="{9DD6F43F-BEF8-4D80-A095-5502413BFFFA}"/>
                 </a:ext>
               </a:extLst>
             </p:cNvPr>
@@ -9242,7 +9249,7 @@
             <p:cNvPr id="74" name="Retângulo de cantos arredondados 6">
               <a:extLst>
                 <a:ext uri="{FF2B5EF4-FFF2-40B4-BE49-F238E27FC236}">
-                  <a16:creationId xmlns:a16="http://schemas.microsoft.com/office/drawing/2014/main" id="{46E4EBC0-C7EF-41D0-8A15-1406A7C4F5BF}"/>
+                  <a16:creationId xmlns:a16="http://schemas.microsoft.com/office/drawing/2014/main" xmlns="" id="{46E4EBC0-C7EF-41D0-8A15-1406A7C4F5BF}"/>
                 </a:ext>
               </a:extLst>
             </p:cNvPr>
@@ -9329,7 +9336,7 @@
             <p:cNvPr id="75" name="Retângulo de cantos arredondados 6">
               <a:extLst>
                 <a:ext uri="{FF2B5EF4-FFF2-40B4-BE49-F238E27FC236}">
-                  <a16:creationId xmlns:a16="http://schemas.microsoft.com/office/drawing/2014/main" id="{FFE812F1-74EC-4F1D-9686-17C5F3402F11}"/>
+                  <a16:creationId xmlns:a16="http://schemas.microsoft.com/office/drawing/2014/main" xmlns="" id="{FFE812F1-74EC-4F1D-9686-17C5F3402F11}"/>
                 </a:ext>
               </a:extLst>
             </p:cNvPr>
@@ -9422,11 +9429,11 @@
   <p:clrMapOvr>
     <a:masterClrMapping/>
   </p:clrMapOvr>
-  <mc:AlternateContent xmlns:mc="http://schemas.openxmlformats.org/markup-compatibility/2006">
-    <mc:Choice xmlns:p14="http://schemas.microsoft.com/office/powerpoint/2010/main" Requires="p14">
+  <mc:AlternateContent xmlns:mc="http://schemas.openxmlformats.org/markup-compatibility/2006" xmlns:p14="http://schemas.microsoft.com/office/powerpoint/2010/main">
+    <mc:Choice Requires="p14">
       <p:transition spd="slow" p14:dur="2000" advClick="0" advTm="4000"/>
     </mc:Choice>
-    <mc:Fallback>
+    <mc:Fallback xmlns="">
       <p:transition spd="slow" advClick="0" advTm="4000"/>
     </mc:Fallback>
   </mc:AlternateContent>
@@ -10451,7 +10458,7 @@
           <p:cNvPr id="9" name="Retângulo 8">
             <a:extLst>
               <a:ext uri="{FF2B5EF4-FFF2-40B4-BE49-F238E27FC236}">
-                <a16:creationId xmlns:a16="http://schemas.microsoft.com/office/drawing/2014/main" id="{C54D026B-CAC2-48B0-B1DE-B150AF20C06D}"/>
+                <a16:creationId xmlns:a16="http://schemas.microsoft.com/office/drawing/2014/main" xmlns="" id="{C54D026B-CAC2-48B0-B1DE-B150AF20C06D}"/>
               </a:ext>
             </a:extLst>
           </p:cNvPr>
@@ -10503,7 +10510,7 @@
           <p:cNvPr id="14" name="Retângulo 13">
             <a:extLst>
               <a:ext uri="{FF2B5EF4-FFF2-40B4-BE49-F238E27FC236}">
-                <a16:creationId xmlns:a16="http://schemas.microsoft.com/office/drawing/2014/main" id="{B5100106-EBB5-428E-8F83-8D2748F7E67D}"/>
+                <a16:creationId xmlns:a16="http://schemas.microsoft.com/office/drawing/2014/main" xmlns="" id="{B5100106-EBB5-428E-8F83-8D2748F7E67D}"/>
               </a:ext>
             </a:extLst>
           </p:cNvPr>
@@ -10555,7 +10562,7 @@
           <p:cNvPr id="15" name="Retângulo 14">
             <a:extLst>
               <a:ext uri="{FF2B5EF4-FFF2-40B4-BE49-F238E27FC236}">
-                <a16:creationId xmlns:a16="http://schemas.microsoft.com/office/drawing/2014/main" id="{2FBCBB79-CFF5-49F5-96A8-2CDB6DCDAAB1}"/>
+                <a16:creationId xmlns:a16="http://schemas.microsoft.com/office/drawing/2014/main" xmlns="" id="{2FBCBB79-CFF5-49F5-96A8-2CDB6DCDAAB1}"/>
               </a:ext>
             </a:extLst>
           </p:cNvPr>
@@ -10612,11 +10619,11 @@
   <p:clrMapOvr>
     <a:masterClrMapping/>
   </p:clrMapOvr>
-  <mc:AlternateContent xmlns:mc="http://schemas.openxmlformats.org/markup-compatibility/2006">
-    <mc:Choice xmlns:p14="http://schemas.microsoft.com/office/powerpoint/2010/main" Requires="p14">
+  <mc:AlternateContent xmlns:mc="http://schemas.openxmlformats.org/markup-compatibility/2006" xmlns:p14="http://schemas.microsoft.com/office/powerpoint/2010/main">
+    <mc:Choice Requires="p14">
       <p:transition spd="slow" p14:dur="2000" advClick="0" advTm="4000"/>
     </mc:Choice>
-    <mc:Fallback>
+    <mc:Fallback xmlns="">
       <p:transition spd="slow" advClick="0" advTm="4000"/>
     </mc:Fallback>
   </mc:AlternateContent>
@@ -11151,7 +11158,7 @@
           <p:cNvPr id="18" name="Agrupar 17">
             <a:extLst>
               <a:ext uri="{FF2B5EF4-FFF2-40B4-BE49-F238E27FC236}">
-                <a16:creationId xmlns:a16="http://schemas.microsoft.com/office/drawing/2014/main" id="{7E3865F9-12B1-4183-AB47-2BB2BC2C3990}"/>
+                <a16:creationId xmlns:a16="http://schemas.microsoft.com/office/drawing/2014/main" xmlns="" id="{7E3865F9-12B1-4183-AB47-2BB2BC2C3990}"/>
               </a:ext>
             </a:extLst>
           </p:cNvPr>
@@ -11174,7 +11181,7 @@
             <p:cNvPr id="4" name="Retângulo 3">
               <a:extLst>
                 <a:ext uri="{FF2B5EF4-FFF2-40B4-BE49-F238E27FC236}">
-                  <a16:creationId xmlns:a16="http://schemas.microsoft.com/office/drawing/2014/main" id="{163BC121-9EA3-45AC-8D66-7A524009522D}"/>
+                  <a16:creationId xmlns:a16="http://schemas.microsoft.com/office/drawing/2014/main" xmlns="" id="{163BC121-9EA3-45AC-8D66-7A524009522D}"/>
                 </a:ext>
               </a:extLst>
             </p:cNvPr>
@@ -11224,7 +11231,7 @@
             <p:cNvPr id="5" name="Forma Livre: Forma 4">
               <a:extLst>
                 <a:ext uri="{FF2B5EF4-FFF2-40B4-BE49-F238E27FC236}">
-                  <a16:creationId xmlns:a16="http://schemas.microsoft.com/office/drawing/2014/main" id="{7D28F622-EBB7-4379-A25A-4A31EB26705E}"/>
+                  <a16:creationId xmlns:a16="http://schemas.microsoft.com/office/drawing/2014/main" xmlns="" id="{7D28F622-EBB7-4379-A25A-4A31EB26705E}"/>
                 </a:ext>
               </a:extLst>
             </p:cNvPr>
@@ -11389,7 +11396,7 @@
             <p:cNvPr id="6" name="Forma Livre: Forma 5">
               <a:extLst>
                 <a:ext uri="{FF2B5EF4-FFF2-40B4-BE49-F238E27FC236}">
-                  <a16:creationId xmlns:a16="http://schemas.microsoft.com/office/drawing/2014/main" id="{73E2DD77-ABE3-4AB6-8064-8A1897BC33FA}"/>
+                  <a16:creationId xmlns:a16="http://schemas.microsoft.com/office/drawing/2014/main" xmlns="" id="{73E2DD77-ABE3-4AB6-8064-8A1897BC33FA}"/>
                 </a:ext>
               </a:extLst>
             </p:cNvPr>
@@ -11539,7 +11546,7 @@
             <p:cNvPr id="7" name="Forma Livre: Forma 6">
               <a:extLst>
                 <a:ext uri="{FF2B5EF4-FFF2-40B4-BE49-F238E27FC236}">
-                  <a16:creationId xmlns:a16="http://schemas.microsoft.com/office/drawing/2014/main" id="{91383EB5-3876-4052-BCEB-546922009605}"/>
+                  <a16:creationId xmlns:a16="http://schemas.microsoft.com/office/drawing/2014/main" xmlns="" id="{91383EB5-3876-4052-BCEB-546922009605}"/>
                 </a:ext>
               </a:extLst>
             </p:cNvPr>
@@ -11835,7 +11842,7 @@
             <p:cNvPr id="8" name="Agrupar 7">
               <a:extLst>
                 <a:ext uri="{FF2B5EF4-FFF2-40B4-BE49-F238E27FC236}">
-                  <a16:creationId xmlns:a16="http://schemas.microsoft.com/office/drawing/2014/main" id="{B6C0F07C-BBFD-412D-8714-29C6E5CDE20C}"/>
+                  <a16:creationId xmlns:a16="http://schemas.microsoft.com/office/drawing/2014/main" xmlns="" id="{B6C0F07C-BBFD-412D-8714-29C6E5CDE20C}"/>
                 </a:ext>
               </a:extLst>
             </p:cNvPr>
@@ -11856,7 +11863,7 @@
               <p:cNvPr id="9" name="Cruz 8">
                 <a:extLst>
                   <a:ext uri="{FF2B5EF4-FFF2-40B4-BE49-F238E27FC236}">
-                    <a16:creationId xmlns:a16="http://schemas.microsoft.com/office/drawing/2014/main" id="{EFF07702-2113-4215-A608-8E3F9F0574E7}"/>
+                    <a16:creationId xmlns:a16="http://schemas.microsoft.com/office/drawing/2014/main" xmlns="" id="{EFF07702-2113-4215-A608-8E3F9F0574E7}"/>
                   </a:ext>
                 </a:extLst>
               </p:cNvPr>
@@ -11908,7 +11915,7 @@
               <p:cNvPr id="10" name="Cruz 9">
                 <a:extLst>
                   <a:ext uri="{FF2B5EF4-FFF2-40B4-BE49-F238E27FC236}">
-                    <a16:creationId xmlns:a16="http://schemas.microsoft.com/office/drawing/2014/main" id="{600E30CD-9F47-4B8F-9131-2AB2B1142669}"/>
+                    <a16:creationId xmlns:a16="http://schemas.microsoft.com/office/drawing/2014/main" xmlns="" id="{600E30CD-9F47-4B8F-9131-2AB2B1142669}"/>
                   </a:ext>
                 </a:extLst>
               </p:cNvPr>
@@ -11960,7 +11967,7 @@
               <p:cNvPr id="11" name="Cruz 10">
                 <a:extLst>
                   <a:ext uri="{FF2B5EF4-FFF2-40B4-BE49-F238E27FC236}">
-                    <a16:creationId xmlns:a16="http://schemas.microsoft.com/office/drawing/2014/main" id="{E2C6690A-3716-4B87-9BD5-58DB353DDE94}"/>
+                    <a16:creationId xmlns:a16="http://schemas.microsoft.com/office/drawing/2014/main" xmlns="" id="{E2C6690A-3716-4B87-9BD5-58DB353DDE94}"/>
                   </a:ext>
                 </a:extLst>
               </p:cNvPr>
@@ -12012,7 +12019,7 @@
               <p:cNvPr id="12" name="Grupo 19">
                 <a:extLst>
                   <a:ext uri="{FF2B5EF4-FFF2-40B4-BE49-F238E27FC236}">
-                    <a16:creationId xmlns:a16="http://schemas.microsoft.com/office/drawing/2014/main" id="{806100E0-936B-4250-AD2B-3E03C0765463}"/>
+                    <a16:creationId xmlns:a16="http://schemas.microsoft.com/office/drawing/2014/main" xmlns="" id="{806100E0-936B-4250-AD2B-3E03C0765463}"/>
                   </a:ext>
                 </a:extLst>
               </p:cNvPr>
@@ -12033,7 +12040,7 @@
                 <p:cNvPr id="13" name="Cruz 12">
                   <a:extLst>
                     <a:ext uri="{FF2B5EF4-FFF2-40B4-BE49-F238E27FC236}">
-                      <a16:creationId xmlns:a16="http://schemas.microsoft.com/office/drawing/2014/main" id="{12227CAC-73C7-4F77-B416-F5950FE07997}"/>
+                      <a16:creationId xmlns:a16="http://schemas.microsoft.com/office/drawing/2014/main" xmlns="" id="{12227CAC-73C7-4F77-B416-F5950FE07997}"/>
                     </a:ext>
                   </a:extLst>
                 </p:cNvPr>
@@ -12085,7 +12092,7 @@
                 <p:cNvPr id="14" name="Cruz 13">
                   <a:extLst>
                     <a:ext uri="{FF2B5EF4-FFF2-40B4-BE49-F238E27FC236}">
-                      <a16:creationId xmlns:a16="http://schemas.microsoft.com/office/drawing/2014/main" id="{B0E61E89-7F3D-422D-9164-7C9D09A06689}"/>
+                      <a16:creationId xmlns:a16="http://schemas.microsoft.com/office/drawing/2014/main" xmlns="" id="{B0E61E89-7F3D-422D-9164-7C9D09A06689}"/>
                     </a:ext>
                   </a:extLst>
                 </p:cNvPr>
@@ -12139,7 +12146,7 @@
             <p:cNvPr id="15" name="Grupo 1">
               <a:extLst>
                 <a:ext uri="{FF2B5EF4-FFF2-40B4-BE49-F238E27FC236}">
-                  <a16:creationId xmlns:a16="http://schemas.microsoft.com/office/drawing/2014/main" id="{40067425-BE84-4A51-B659-7BDA91520B0C}"/>
+                  <a16:creationId xmlns:a16="http://schemas.microsoft.com/office/drawing/2014/main" xmlns="" id="{40067425-BE84-4A51-B659-7BDA91520B0C}"/>
                 </a:ext>
               </a:extLst>
             </p:cNvPr>
@@ -12160,7 +12167,7 @@
               <p:cNvPr id="16" name="Retângulo 15">
                 <a:extLst>
                   <a:ext uri="{FF2B5EF4-FFF2-40B4-BE49-F238E27FC236}">
-                    <a16:creationId xmlns:a16="http://schemas.microsoft.com/office/drawing/2014/main" id="{43AC0D77-9687-4479-8573-23578652E6A5}"/>
+                    <a16:creationId xmlns:a16="http://schemas.microsoft.com/office/drawing/2014/main" xmlns="" id="{43AC0D77-9687-4479-8573-23578652E6A5}"/>
                   </a:ext>
                 </a:extLst>
               </p:cNvPr>
@@ -12210,7 +12217,7 @@
               <p:cNvPr id="17" name="Triângulo Retângulo 16">
                 <a:extLst>
                   <a:ext uri="{FF2B5EF4-FFF2-40B4-BE49-F238E27FC236}">
-                    <a16:creationId xmlns:a16="http://schemas.microsoft.com/office/drawing/2014/main" id="{B869CBF9-EA9D-42B4-B31D-F112807E583F}"/>
+                    <a16:creationId xmlns:a16="http://schemas.microsoft.com/office/drawing/2014/main" xmlns="" id="{B869CBF9-EA9D-42B4-B31D-F112807E583F}"/>
                   </a:ext>
                 </a:extLst>
               </p:cNvPr>
@@ -12262,7 +12269,7 @@
           <p:cNvPr id="57" name="Grupo 12">
             <a:extLst>
               <a:ext uri="{FF2B5EF4-FFF2-40B4-BE49-F238E27FC236}">
-                <a16:creationId xmlns:a16="http://schemas.microsoft.com/office/drawing/2014/main" id="{403A9A42-8023-405A-8817-EE75AB52C0CC}"/>
+                <a16:creationId xmlns:a16="http://schemas.microsoft.com/office/drawing/2014/main" xmlns="" id="{403A9A42-8023-405A-8817-EE75AB52C0CC}"/>
               </a:ext>
             </a:extLst>
           </p:cNvPr>
@@ -12282,7 +12289,7 @@
             <p:cNvPr id="58" name="Grupo 11">
               <a:extLst>
                 <a:ext uri="{FF2B5EF4-FFF2-40B4-BE49-F238E27FC236}">
-                  <a16:creationId xmlns:a16="http://schemas.microsoft.com/office/drawing/2014/main" id="{C6F65446-D9C0-4489-A698-727F1D6EF1EA}"/>
+                  <a16:creationId xmlns:a16="http://schemas.microsoft.com/office/drawing/2014/main" xmlns="" id="{C6F65446-D9C0-4489-A698-727F1D6EF1EA}"/>
                 </a:ext>
               </a:extLst>
             </p:cNvPr>
@@ -12302,7 +12309,7 @@
               <p:cNvPr id="65" name="Agrupar 3">
                 <a:extLst>
                   <a:ext uri="{FF2B5EF4-FFF2-40B4-BE49-F238E27FC236}">
-                    <a16:creationId xmlns:a16="http://schemas.microsoft.com/office/drawing/2014/main" id="{F930D6FA-C039-4412-8297-3174934678D7}"/>
+                    <a16:creationId xmlns:a16="http://schemas.microsoft.com/office/drawing/2014/main" xmlns="" id="{F930D6FA-C039-4412-8297-3174934678D7}"/>
                   </a:ext>
                 </a:extLst>
               </p:cNvPr>
@@ -12322,7 +12329,7 @@
                 <p:cNvPr id="74" name="Retângulo: Cantos Arredondados 4">
                   <a:extLst>
                     <a:ext uri="{FF2B5EF4-FFF2-40B4-BE49-F238E27FC236}">
-                      <a16:creationId xmlns:a16="http://schemas.microsoft.com/office/drawing/2014/main" id="{02ED9689-F86F-4320-A889-FE62BF218D61}"/>
+                      <a16:creationId xmlns:a16="http://schemas.microsoft.com/office/drawing/2014/main" xmlns="" id="{02ED9689-F86F-4320-A889-FE62BF218D61}"/>
                     </a:ext>
                   </a:extLst>
                 </p:cNvPr>
@@ -12373,7 +12380,7 @@
                 <p:cNvPr id="75" name="Retângulo: Cantos Arredondados 5">
                   <a:extLst>
                     <a:ext uri="{FF2B5EF4-FFF2-40B4-BE49-F238E27FC236}">
-                      <a16:creationId xmlns:a16="http://schemas.microsoft.com/office/drawing/2014/main" id="{01B0A967-695C-48C2-83E3-71944B0EFB15}"/>
+                      <a16:creationId xmlns:a16="http://schemas.microsoft.com/office/drawing/2014/main" xmlns="" id="{01B0A967-695C-48C2-83E3-71944B0EFB15}"/>
                     </a:ext>
                   </a:extLst>
                 </p:cNvPr>
@@ -12427,7 +12434,7 @@
                 <p:cNvPr id="76" name="Retângulo: Cantos Arredondados 6">
                   <a:extLst>
                     <a:ext uri="{FF2B5EF4-FFF2-40B4-BE49-F238E27FC236}">
-                      <a16:creationId xmlns:a16="http://schemas.microsoft.com/office/drawing/2014/main" id="{B9931D68-C986-4F09-8882-D64B2192A55C}"/>
+                      <a16:creationId xmlns:a16="http://schemas.microsoft.com/office/drawing/2014/main" xmlns="" id="{B9931D68-C986-4F09-8882-D64B2192A55C}"/>
                     </a:ext>
                   </a:extLst>
                 </p:cNvPr>
@@ -12481,7 +12488,7 @@
                 <p:cNvPr id="77" name="Forma Livre: Forma 7">
                   <a:extLst>
                     <a:ext uri="{FF2B5EF4-FFF2-40B4-BE49-F238E27FC236}">
-                      <a16:creationId xmlns:a16="http://schemas.microsoft.com/office/drawing/2014/main" id="{59255B60-DD8E-4A1C-BC5D-2F37826A1561}"/>
+                      <a16:creationId xmlns:a16="http://schemas.microsoft.com/office/drawing/2014/main" xmlns="" id="{59255B60-DD8E-4A1C-BC5D-2F37826A1561}"/>
                     </a:ext>
                   </a:extLst>
                 </p:cNvPr>
@@ -12612,7 +12619,7 @@
                 <p:cNvPr id="78" name="Retângulo 77">
                   <a:extLst>
                     <a:ext uri="{FF2B5EF4-FFF2-40B4-BE49-F238E27FC236}">
-                      <a16:creationId xmlns:a16="http://schemas.microsoft.com/office/drawing/2014/main" id="{C4D2138A-CA62-45C9-827C-0A2EF7196A19}"/>
+                      <a16:creationId xmlns:a16="http://schemas.microsoft.com/office/drawing/2014/main" xmlns="" id="{C4D2138A-CA62-45C9-827C-0A2EF7196A19}"/>
                     </a:ext>
                   </a:extLst>
                 </p:cNvPr>
@@ -12664,7 +12671,7 @@
                 <p:cNvPr id="79" name="Retângulo: Cantos Arredondados 9">
                   <a:extLst>
                     <a:ext uri="{FF2B5EF4-FFF2-40B4-BE49-F238E27FC236}">
-                      <a16:creationId xmlns:a16="http://schemas.microsoft.com/office/drawing/2014/main" id="{D4F04FAF-6733-4A03-8FEC-48EA27B77A7B}"/>
+                      <a16:creationId xmlns:a16="http://schemas.microsoft.com/office/drawing/2014/main" xmlns="" id="{D4F04FAF-6733-4A03-8FEC-48EA27B77A7B}"/>
                     </a:ext>
                   </a:extLst>
                 </p:cNvPr>
@@ -12718,7 +12725,7 @@
                 <p:cNvPr id="80" name="Retângulo: Cantos Arredondados 10">
                   <a:extLst>
                     <a:ext uri="{FF2B5EF4-FFF2-40B4-BE49-F238E27FC236}">
-                      <a16:creationId xmlns:a16="http://schemas.microsoft.com/office/drawing/2014/main" id="{E35C7B02-2931-4C43-B6C1-672A84321EF5}"/>
+                      <a16:creationId xmlns:a16="http://schemas.microsoft.com/office/drawing/2014/main" xmlns="" id="{E35C7B02-2931-4C43-B6C1-672A84321EF5}"/>
                     </a:ext>
                   </a:extLst>
                 </p:cNvPr>
@@ -12773,7 +12780,7 @@
               <p:cNvPr id="66" name="Agrupar 17">
                 <a:extLst>
                   <a:ext uri="{FF2B5EF4-FFF2-40B4-BE49-F238E27FC236}">
-                    <a16:creationId xmlns:a16="http://schemas.microsoft.com/office/drawing/2014/main" id="{FB1E34D3-361C-4048-9774-6DE71A21752E}"/>
+                    <a16:creationId xmlns:a16="http://schemas.microsoft.com/office/drawing/2014/main" xmlns="" id="{FB1E34D3-361C-4048-9774-6DE71A21752E}"/>
                   </a:ext>
                 </a:extLst>
               </p:cNvPr>
@@ -12793,7 +12800,7 @@
                 <p:cNvPr id="68" name="Forma Livre: Forma 18">
                   <a:extLst>
                     <a:ext uri="{FF2B5EF4-FFF2-40B4-BE49-F238E27FC236}">
-                      <a16:creationId xmlns:a16="http://schemas.microsoft.com/office/drawing/2014/main" id="{CD3A6BCD-0D5E-4BD6-882B-EEF61843CD0D}"/>
+                      <a16:creationId xmlns:a16="http://schemas.microsoft.com/office/drawing/2014/main" xmlns="" id="{CD3A6BCD-0D5E-4BD6-882B-EEF61843CD0D}"/>
                     </a:ext>
                   </a:extLst>
                 </p:cNvPr>
@@ -12928,7 +12935,7 @@
                 <p:cNvPr id="69" name="Forma Livre: Forma 19">
                   <a:extLst>
                     <a:ext uri="{FF2B5EF4-FFF2-40B4-BE49-F238E27FC236}">
-                      <a16:creationId xmlns:a16="http://schemas.microsoft.com/office/drawing/2014/main" id="{D7A274B4-1A7E-413F-8C6D-32B69A11A006}"/>
+                      <a16:creationId xmlns:a16="http://schemas.microsoft.com/office/drawing/2014/main" xmlns="" id="{D7A274B4-1A7E-413F-8C6D-32B69A11A006}"/>
                     </a:ext>
                   </a:extLst>
                 </p:cNvPr>
@@ -13063,7 +13070,7 @@
                 <p:cNvPr id="70" name="Elipse 69">
                   <a:extLst>
                     <a:ext uri="{FF2B5EF4-FFF2-40B4-BE49-F238E27FC236}">
-                      <a16:creationId xmlns:a16="http://schemas.microsoft.com/office/drawing/2014/main" id="{8A45001A-B9AB-4BED-8292-D95E0971B328}"/>
+                      <a16:creationId xmlns:a16="http://schemas.microsoft.com/office/drawing/2014/main" xmlns="" id="{8A45001A-B9AB-4BED-8292-D95E0971B328}"/>
                     </a:ext>
                   </a:extLst>
                 </p:cNvPr>
@@ -13115,7 +13122,7 @@
                 <p:cNvPr id="71" name="Retângulo: Cantos Arredondados 21">
                   <a:extLst>
                     <a:ext uri="{FF2B5EF4-FFF2-40B4-BE49-F238E27FC236}">
-                      <a16:creationId xmlns:a16="http://schemas.microsoft.com/office/drawing/2014/main" id="{1570863F-2A64-43EB-BBDB-42862A03776A}"/>
+                      <a16:creationId xmlns:a16="http://schemas.microsoft.com/office/drawing/2014/main" xmlns="" id="{1570863F-2A64-43EB-BBDB-42862A03776A}"/>
                     </a:ext>
                   </a:extLst>
                 </p:cNvPr>
@@ -13169,7 +13176,7 @@
                 <p:cNvPr id="72" name="Retângulo: Cantos Arredondados 22">
                   <a:extLst>
                     <a:ext uri="{FF2B5EF4-FFF2-40B4-BE49-F238E27FC236}">
-                      <a16:creationId xmlns:a16="http://schemas.microsoft.com/office/drawing/2014/main" id="{FEA18746-1B35-413A-975D-AA3FC016347D}"/>
+                      <a16:creationId xmlns:a16="http://schemas.microsoft.com/office/drawing/2014/main" xmlns="" id="{FEA18746-1B35-413A-975D-AA3FC016347D}"/>
                     </a:ext>
                   </a:extLst>
                 </p:cNvPr>
@@ -13223,7 +13230,7 @@
                 <p:cNvPr id="73" name="Retângulo: Cantos Arredondados 23">
                   <a:extLst>
                     <a:ext uri="{FF2B5EF4-FFF2-40B4-BE49-F238E27FC236}">
-                      <a16:creationId xmlns:a16="http://schemas.microsoft.com/office/drawing/2014/main" id="{E7B34203-85D3-444F-9473-3B5734FA52A7}"/>
+                      <a16:creationId xmlns:a16="http://schemas.microsoft.com/office/drawing/2014/main" xmlns="" id="{E7B34203-85D3-444F-9473-3B5734FA52A7}"/>
                     </a:ext>
                   </a:extLst>
                 </p:cNvPr>
@@ -13278,7 +13285,7 @@
               <p:cNvPr id="67" name="Forma Livre: Forma 24">
                 <a:extLst>
                   <a:ext uri="{FF2B5EF4-FFF2-40B4-BE49-F238E27FC236}">
-                    <a16:creationId xmlns:a16="http://schemas.microsoft.com/office/drawing/2014/main" id="{CE29CAC3-C9E2-4543-93BC-510BB64317AA}"/>
+                    <a16:creationId xmlns:a16="http://schemas.microsoft.com/office/drawing/2014/main" xmlns="" id="{CE29CAC3-C9E2-4543-93BC-510BB64317AA}"/>
                   </a:ext>
                 </a:extLst>
               </p:cNvPr>
@@ -13438,7 +13445,7 @@
             <p:cNvPr id="59" name="Agrupar 11">
               <a:extLst>
                 <a:ext uri="{FF2B5EF4-FFF2-40B4-BE49-F238E27FC236}">
-                  <a16:creationId xmlns:a16="http://schemas.microsoft.com/office/drawing/2014/main" id="{3ECCD1BD-DAAD-4C8D-B216-A467E9F25018}"/>
+                  <a16:creationId xmlns:a16="http://schemas.microsoft.com/office/drawing/2014/main" xmlns="" id="{3ECCD1BD-DAAD-4C8D-B216-A467E9F25018}"/>
                 </a:ext>
               </a:extLst>
             </p:cNvPr>
@@ -13458,7 +13465,7 @@
               <p:cNvPr id="63" name="Retângulo: Cantos Arredondados 12">
                 <a:extLst>
                   <a:ext uri="{FF2B5EF4-FFF2-40B4-BE49-F238E27FC236}">
-                    <a16:creationId xmlns:a16="http://schemas.microsoft.com/office/drawing/2014/main" id="{EF001B5E-6633-47D5-AD3A-1EF0B5338A66}"/>
+                    <a16:creationId xmlns:a16="http://schemas.microsoft.com/office/drawing/2014/main" xmlns="" id="{EF001B5E-6633-47D5-AD3A-1EF0B5338A66}"/>
                   </a:ext>
                 </a:extLst>
               </p:cNvPr>
@@ -13512,7 +13519,7 @@
               <p:cNvPr id="64" name="Retângulo: Cantos Arredondados 13">
                 <a:extLst>
                   <a:ext uri="{FF2B5EF4-FFF2-40B4-BE49-F238E27FC236}">
-                    <a16:creationId xmlns:a16="http://schemas.microsoft.com/office/drawing/2014/main" id="{35F5B17B-65E6-4FE7-9D78-825964BD7347}"/>
+                    <a16:creationId xmlns:a16="http://schemas.microsoft.com/office/drawing/2014/main" xmlns="" id="{35F5B17B-65E6-4FE7-9D78-825964BD7347}"/>
                   </a:ext>
                 </a:extLst>
               </p:cNvPr>
@@ -13567,7 +13574,7 @@
             <p:cNvPr id="60" name="Agrupar 14">
               <a:extLst>
                 <a:ext uri="{FF2B5EF4-FFF2-40B4-BE49-F238E27FC236}">
-                  <a16:creationId xmlns:a16="http://schemas.microsoft.com/office/drawing/2014/main" id="{00408DBE-37B7-485C-B1CC-728D91FC9C84}"/>
+                  <a16:creationId xmlns:a16="http://schemas.microsoft.com/office/drawing/2014/main" xmlns="" id="{00408DBE-37B7-485C-B1CC-728D91FC9C84}"/>
                 </a:ext>
               </a:extLst>
             </p:cNvPr>
@@ -13587,7 +13594,7 @@
               <p:cNvPr id="61" name="Retângulo: Cantos Arredondados 15">
                 <a:extLst>
                   <a:ext uri="{FF2B5EF4-FFF2-40B4-BE49-F238E27FC236}">
-                    <a16:creationId xmlns:a16="http://schemas.microsoft.com/office/drawing/2014/main" id="{67A26C7C-6C4E-4C8E-B1AD-E36E7B28CF23}"/>
+                    <a16:creationId xmlns:a16="http://schemas.microsoft.com/office/drawing/2014/main" xmlns="" id="{67A26C7C-6C4E-4C8E-B1AD-E36E7B28CF23}"/>
                   </a:ext>
                 </a:extLst>
               </p:cNvPr>
@@ -13641,7 +13648,7 @@
               <p:cNvPr id="62" name="Retângulo: Cantos Arredondados 16">
                 <a:extLst>
                   <a:ext uri="{FF2B5EF4-FFF2-40B4-BE49-F238E27FC236}">
-                    <a16:creationId xmlns:a16="http://schemas.microsoft.com/office/drawing/2014/main" id="{D3EA9BE5-38E7-4020-98B4-64A1D9817235}"/>
+                    <a16:creationId xmlns:a16="http://schemas.microsoft.com/office/drawing/2014/main" xmlns="" id="{D3EA9BE5-38E7-4020-98B4-64A1D9817235}"/>
                   </a:ext>
                 </a:extLst>
               </p:cNvPr>
@@ -13697,7 +13704,7 @@
           <p:cNvPr id="38" name="Grupo 10">
             <a:extLst>
               <a:ext uri="{FF2B5EF4-FFF2-40B4-BE49-F238E27FC236}">
-                <a16:creationId xmlns:a16="http://schemas.microsoft.com/office/drawing/2014/main" id="{820283F1-6C5D-4ADA-831F-607F6F76B4C9}"/>
+                <a16:creationId xmlns:a16="http://schemas.microsoft.com/office/drawing/2014/main" xmlns="" id="{820283F1-6C5D-4ADA-831F-607F6F76B4C9}"/>
               </a:ext>
             </a:extLst>
           </p:cNvPr>
@@ -13717,7 +13724,7 @@
             <p:cNvPr id="39" name="Agrupar 3">
               <a:extLst>
                 <a:ext uri="{FF2B5EF4-FFF2-40B4-BE49-F238E27FC236}">
-                  <a16:creationId xmlns:a16="http://schemas.microsoft.com/office/drawing/2014/main" id="{666F5F66-B0B3-450D-87A4-3071FF7FC187}"/>
+                  <a16:creationId xmlns:a16="http://schemas.microsoft.com/office/drawing/2014/main" xmlns="" id="{666F5F66-B0B3-450D-87A4-3071FF7FC187}"/>
                 </a:ext>
               </a:extLst>
             </p:cNvPr>
@@ -13737,7 +13744,7 @@
               <p:cNvPr id="50" name="Retângulo: Cantos Arredondados 4">
                 <a:extLst>
                   <a:ext uri="{FF2B5EF4-FFF2-40B4-BE49-F238E27FC236}">
-                    <a16:creationId xmlns:a16="http://schemas.microsoft.com/office/drawing/2014/main" id="{4D9B2370-7EB5-424A-A37F-A2E722B84B61}"/>
+                    <a16:creationId xmlns:a16="http://schemas.microsoft.com/office/drawing/2014/main" xmlns="" id="{4D9B2370-7EB5-424A-A37F-A2E722B84B61}"/>
                   </a:ext>
                 </a:extLst>
               </p:cNvPr>
@@ -13788,7 +13795,7 @@
               <p:cNvPr id="51" name="Retângulo: Cantos Arredondados 5">
                 <a:extLst>
                   <a:ext uri="{FF2B5EF4-FFF2-40B4-BE49-F238E27FC236}">
-                    <a16:creationId xmlns:a16="http://schemas.microsoft.com/office/drawing/2014/main" id="{33D07EB3-FC32-45C7-9363-8953E3222972}"/>
+                    <a16:creationId xmlns:a16="http://schemas.microsoft.com/office/drawing/2014/main" xmlns="" id="{33D07EB3-FC32-45C7-9363-8953E3222972}"/>
                   </a:ext>
                 </a:extLst>
               </p:cNvPr>
@@ -13842,7 +13849,7 @@
               <p:cNvPr id="52" name="Retângulo: Cantos Arredondados 6">
                 <a:extLst>
                   <a:ext uri="{FF2B5EF4-FFF2-40B4-BE49-F238E27FC236}">
-                    <a16:creationId xmlns:a16="http://schemas.microsoft.com/office/drawing/2014/main" id="{70C9F89C-0A33-4CD8-B443-6111AAE47D77}"/>
+                    <a16:creationId xmlns:a16="http://schemas.microsoft.com/office/drawing/2014/main" xmlns="" id="{70C9F89C-0A33-4CD8-B443-6111AAE47D77}"/>
                   </a:ext>
                 </a:extLst>
               </p:cNvPr>
@@ -13896,7 +13903,7 @@
               <p:cNvPr id="53" name="Forma Livre: Forma 7">
                 <a:extLst>
                   <a:ext uri="{FF2B5EF4-FFF2-40B4-BE49-F238E27FC236}">
-                    <a16:creationId xmlns:a16="http://schemas.microsoft.com/office/drawing/2014/main" id="{D83DDD28-61B7-4D25-A08A-2D0915811A5C}"/>
+                    <a16:creationId xmlns:a16="http://schemas.microsoft.com/office/drawing/2014/main" xmlns="" id="{D83DDD28-61B7-4D25-A08A-2D0915811A5C}"/>
                   </a:ext>
                 </a:extLst>
               </p:cNvPr>
@@ -14027,7 +14034,7 @@
               <p:cNvPr id="54" name="Retângulo 53">
                 <a:extLst>
                   <a:ext uri="{FF2B5EF4-FFF2-40B4-BE49-F238E27FC236}">
-                    <a16:creationId xmlns:a16="http://schemas.microsoft.com/office/drawing/2014/main" id="{6B2C3942-CD2E-4922-9715-FE9C07049939}"/>
+                    <a16:creationId xmlns:a16="http://schemas.microsoft.com/office/drawing/2014/main" xmlns="" id="{6B2C3942-CD2E-4922-9715-FE9C07049939}"/>
                   </a:ext>
                 </a:extLst>
               </p:cNvPr>
@@ -14079,7 +14086,7 @@
               <p:cNvPr id="55" name="Retângulo: Cantos Arredondados 9">
                 <a:extLst>
                   <a:ext uri="{FF2B5EF4-FFF2-40B4-BE49-F238E27FC236}">
-                    <a16:creationId xmlns:a16="http://schemas.microsoft.com/office/drawing/2014/main" id="{9422F0B7-E037-4EE3-BBE9-B53E1FDD9F23}"/>
+                    <a16:creationId xmlns:a16="http://schemas.microsoft.com/office/drawing/2014/main" xmlns="" id="{9422F0B7-E037-4EE3-BBE9-B53E1FDD9F23}"/>
                   </a:ext>
                 </a:extLst>
               </p:cNvPr>
@@ -14133,7 +14140,7 @@
               <p:cNvPr id="56" name="Retângulo: Cantos Arredondados 10">
                 <a:extLst>
                   <a:ext uri="{FF2B5EF4-FFF2-40B4-BE49-F238E27FC236}">
-                    <a16:creationId xmlns:a16="http://schemas.microsoft.com/office/drawing/2014/main" id="{B97B573A-7BD1-433F-950E-B76B702F0FC6}"/>
+                    <a16:creationId xmlns:a16="http://schemas.microsoft.com/office/drawing/2014/main" xmlns="" id="{B97B573A-7BD1-433F-950E-B76B702F0FC6}"/>
                   </a:ext>
                 </a:extLst>
               </p:cNvPr>
@@ -14188,7 +14195,7 @@
             <p:cNvPr id="40" name="Agrupar 17">
               <a:extLst>
                 <a:ext uri="{FF2B5EF4-FFF2-40B4-BE49-F238E27FC236}">
-                  <a16:creationId xmlns:a16="http://schemas.microsoft.com/office/drawing/2014/main" id="{ABB8787A-8C83-47D2-87A2-D9574F8B1903}"/>
+                  <a16:creationId xmlns:a16="http://schemas.microsoft.com/office/drawing/2014/main" xmlns="" id="{ABB8787A-8C83-47D2-87A2-D9574F8B1903}"/>
                 </a:ext>
               </a:extLst>
             </p:cNvPr>
@@ -14208,7 +14215,7 @@
               <p:cNvPr id="44" name="Forma Livre: Forma 18">
                 <a:extLst>
                   <a:ext uri="{FF2B5EF4-FFF2-40B4-BE49-F238E27FC236}">
-                    <a16:creationId xmlns:a16="http://schemas.microsoft.com/office/drawing/2014/main" id="{E51284B4-473B-4FC5-B9C9-D12EAE994A89}"/>
+                    <a16:creationId xmlns:a16="http://schemas.microsoft.com/office/drawing/2014/main" xmlns="" id="{E51284B4-473B-4FC5-B9C9-D12EAE994A89}"/>
                   </a:ext>
                 </a:extLst>
               </p:cNvPr>
@@ -14343,7 +14350,7 @@
               <p:cNvPr id="45" name="Forma Livre: Forma 19">
                 <a:extLst>
                   <a:ext uri="{FF2B5EF4-FFF2-40B4-BE49-F238E27FC236}">
-                    <a16:creationId xmlns:a16="http://schemas.microsoft.com/office/drawing/2014/main" id="{37ED7AB8-2693-4C1C-BF2E-25677D4BD67A}"/>
+                    <a16:creationId xmlns:a16="http://schemas.microsoft.com/office/drawing/2014/main" xmlns="" id="{37ED7AB8-2693-4C1C-BF2E-25677D4BD67A}"/>
                   </a:ext>
                 </a:extLst>
               </p:cNvPr>
@@ -14478,7 +14485,7 @@
               <p:cNvPr id="46" name="Elipse 45">
                 <a:extLst>
                   <a:ext uri="{FF2B5EF4-FFF2-40B4-BE49-F238E27FC236}">
-                    <a16:creationId xmlns:a16="http://schemas.microsoft.com/office/drawing/2014/main" id="{BA06344F-8C85-458D-9FAE-341FA5023637}"/>
+                    <a16:creationId xmlns:a16="http://schemas.microsoft.com/office/drawing/2014/main" xmlns="" id="{BA06344F-8C85-458D-9FAE-341FA5023637}"/>
                   </a:ext>
                 </a:extLst>
               </p:cNvPr>
@@ -14530,7 +14537,7 @@
               <p:cNvPr id="47" name="Retângulo: Cantos Arredondados 21">
                 <a:extLst>
                   <a:ext uri="{FF2B5EF4-FFF2-40B4-BE49-F238E27FC236}">
-                    <a16:creationId xmlns:a16="http://schemas.microsoft.com/office/drawing/2014/main" id="{D9F453B7-5B75-408F-835C-405D06F8337C}"/>
+                    <a16:creationId xmlns:a16="http://schemas.microsoft.com/office/drawing/2014/main" xmlns="" id="{D9F453B7-5B75-408F-835C-405D06F8337C}"/>
                   </a:ext>
                 </a:extLst>
               </p:cNvPr>
@@ -14584,7 +14591,7 @@
               <p:cNvPr id="48" name="Retângulo: Cantos Arredondados 22">
                 <a:extLst>
                   <a:ext uri="{FF2B5EF4-FFF2-40B4-BE49-F238E27FC236}">
-                    <a16:creationId xmlns:a16="http://schemas.microsoft.com/office/drawing/2014/main" id="{1FB2ED43-66B2-423F-A18A-AC28043BF24F}"/>
+                    <a16:creationId xmlns:a16="http://schemas.microsoft.com/office/drawing/2014/main" xmlns="" id="{1FB2ED43-66B2-423F-A18A-AC28043BF24F}"/>
                   </a:ext>
                 </a:extLst>
               </p:cNvPr>
@@ -14638,7 +14645,7 @@
               <p:cNvPr id="49" name="Retângulo: Cantos Arredondados 23">
                 <a:extLst>
                   <a:ext uri="{FF2B5EF4-FFF2-40B4-BE49-F238E27FC236}">
-                    <a16:creationId xmlns:a16="http://schemas.microsoft.com/office/drawing/2014/main" id="{3252869B-B8BF-4141-9268-77811F9C7E01}"/>
+                    <a16:creationId xmlns:a16="http://schemas.microsoft.com/office/drawing/2014/main" xmlns="" id="{3252869B-B8BF-4141-9268-77811F9C7E01}"/>
                   </a:ext>
                 </a:extLst>
               </p:cNvPr>
@@ -14693,7 +14700,7 @@
             <p:cNvPr id="41" name="Forma Livre: Forma 24">
               <a:extLst>
                 <a:ext uri="{FF2B5EF4-FFF2-40B4-BE49-F238E27FC236}">
-                  <a16:creationId xmlns:a16="http://schemas.microsoft.com/office/drawing/2014/main" id="{1F977B16-974F-4522-BCA5-C428B0913A73}"/>
+                  <a16:creationId xmlns:a16="http://schemas.microsoft.com/office/drawing/2014/main" xmlns="" id="{1F977B16-974F-4522-BCA5-C428B0913A73}"/>
                 </a:ext>
               </a:extLst>
             </p:cNvPr>
@@ -14852,7 +14859,7 @@
             <p:cNvPr id="42" name="Retângulo de cantos arredondados 6">
               <a:extLst>
                 <a:ext uri="{FF2B5EF4-FFF2-40B4-BE49-F238E27FC236}">
-                  <a16:creationId xmlns:a16="http://schemas.microsoft.com/office/drawing/2014/main" id="{702E445C-853C-4344-8C79-5434B3F84D3F}"/>
+                  <a16:creationId xmlns:a16="http://schemas.microsoft.com/office/drawing/2014/main" xmlns="" id="{702E445C-853C-4344-8C79-5434B3F84D3F}"/>
                 </a:ext>
               </a:extLst>
             </p:cNvPr>
@@ -14939,7 +14946,7 @@
             <p:cNvPr id="43" name="Retângulo de cantos arredondados 6">
               <a:extLst>
                 <a:ext uri="{FF2B5EF4-FFF2-40B4-BE49-F238E27FC236}">
-                  <a16:creationId xmlns:a16="http://schemas.microsoft.com/office/drawing/2014/main" id="{E8274172-0D1D-4E88-B43D-49880A4456B2}"/>
+                  <a16:creationId xmlns:a16="http://schemas.microsoft.com/office/drawing/2014/main" xmlns="" id="{E8274172-0D1D-4E88-B43D-49880A4456B2}"/>
                 </a:ext>
               </a:extLst>
             </p:cNvPr>
@@ -15027,7 +15034,7 @@
           <p:cNvPr id="81" name="Agrupar 80">
             <a:extLst>
               <a:ext uri="{FF2B5EF4-FFF2-40B4-BE49-F238E27FC236}">
-                <a16:creationId xmlns:a16="http://schemas.microsoft.com/office/drawing/2014/main" id="{16983F25-1B39-4996-818E-B134A94E7180}"/>
+                <a16:creationId xmlns:a16="http://schemas.microsoft.com/office/drawing/2014/main" xmlns="" id="{16983F25-1B39-4996-818E-B134A94E7180}"/>
               </a:ext>
             </a:extLst>
           </p:cNvPr>
@@ -15036,8 +15043,8 @@
         </p:nvGrpSpPr>
         <p:grpSpPr>
           <a:xfrm>
-            <a:off x="5525189" y="1415243"/>
-            <a:ext cx="2312525" cy="2757615"/>
+            <a:off x="5536426" y="1416245"/>
+            <a:ext cx="2298012" cy="2757615"/>
             <a:chOff x="15157549" y="3647728"/>
             <a:chExt cx="2298013" cy="2757615"/>
           </a:xfrm>
@@ -15047,7 +15054,7 @@
             <p:cNvPr id="82" name="Grupo 12">
               <a:extLst>
                 <a:ext uri="{FF2B5EF4-FFF2-40B4-BE49-F238E27FC236}">
-                  <a16:creationId xmlns:a16="http://schemas.microsoft.com/office/drawing/2014/main" id="{895E5361-20DC-40C8-9197-93DB459FE199}"/>
+                  <a16:creationId xmlns:a16="http://schemas.microsoft.com/office/drawing/2014/main" xmlns="" id="{895E5361-20DC-40C8-9197-93DB459FE199}"/>
                 </a:ext>
               </a:extLst>
             </p:cNvPr>
@@ -15067,7 +15074,7 @@
               <p:cNvPr id="86" name="Grupo 11">
                 <a:extLst>
                   <a:ext uri="{FF2B5EF4-FFF2-40B4-BE49-F238E27FC236}">
-                    <a16:creationId xmlns:a16="http://schemas.microsoft.com/office/drawing/2014/main" id="{1F15CF61-291C-4394-AC4A-C57F568D7406}"/>
+                    <a16:creationId xmlns:a16="http://schemas.microsoft.com/office/drawing/2014/main" xmlns="" id="{1F15CF61-291C-4394-AC4A-C57F568D7406}"/>
                   </a:ext>
                 </a:extLst>
               </p:cNvPr>
@@ -15087,7 +15094,7 @@
                 <p:cNvPr id="93" name="Agrupar 3">
                   <a:extLst>
                     <a:ext uri="{FF2B5EF4-FFF2-40B4-BE49-F238E27FC236}">
-                      <a16:creationId xmlns:a16="http://schemas.microsoft.com/office/drawing/2014/main" id="{4B524DF1-4FBF-4DCD-87DD-6933CA051DC1}"/>
+                      <a16:creationId xmlns:a16="http://schemas.microsoft.com/office/drawing/2014/main" xmlns="" id="{4B524DF1-4FBF-4DCD-87DD-6933CA051DC1}"/>
                     </a:ext>
                   </a:extLst>
                 </p:cNvPr>
@@ -15107,7 +15114,7 @@
                   <p:cNvPr id="101" name="Retângulo: Cantos Arredondados 4">
                     <a:extLst>
                       <a:ext uri="{FF2B5EF4-FFF2-40B4-BE49-F238E27FC236}">
-                        <a16:creationId xmlns:a16="http://schemas.microsoft.com/office/drawing/2014/main" id="{8D4B0446-458A-41F9-9F38-FA624B910448}"/>
+                        <a16:creationId xmlns:a16="http://schemas.microsoft.com/office/drawing/2014/main" xmlns="" id="{8D4B0446-458A-41F9-9F38-FA624B910448}"/>
                       </a:ext>
                     </a:extLst>
                   </p:cNvPr>
@@ -15158,7 +15165,7 @@
                   <p:cNvPr id="102" name="Retângulo: Cantos Arredondados 5">
                     <a:extLst>
                       <a:ext uri="{FF2B5EF4-FFF2-40B4-BE49-F238E27FC236}">
-                        <a16:creationId xmlns:a16="http://schemas.microsoft.com/office/drawing/2014/main" id="{C8D52F37-049A-43B9-AAAC-C3D32D8A4E7F}"/>
+                        <a16:creationId xmlns:a16="http://schemas.microsoft.com/office/drawing/2014/main" xmlns="" id="{C8D52F37-049A-43B9-AAAC-C3D32D8A4E7F}"/>
                       </a:ext>
                     </a:extLst>
                   </p:cNvPr>
@@ -15212,7 +15219,7 @@
                   <p:cNvPr id="103" name="Retângulo: Cantos Arredondados 6">
                     <a:extLst>
                       <a:ext uri="{FF2B5EF4-FFF2-40B4-BE49-F238E27FC236}">
-                        <a16:creationId xmlns:a16="http://schemas.microsoft.com/office/drawing/2014/main" id="{6410171E-B769-4DC5-BD52-1A881135387C}"/>
+                        <a16:creationId xmlns:a16="http://schemas.microsoft.com/office/drawing/2014/main" xmlns="" id="{6410171E-B769-4DC5-BD52-1A881135387C}"/>
                       </a:ext>
                     </a:extLst>
                   </p:cNvPr>
@@ -15266,7 +15273,7 @@
                   <p:cNvPr id="104" name="Forma Livre: Forma 7">
                     <a:extLst>
                       <a:ext uri="{FF2B5EF4-FFF2-40B4-BE49-F238E27FC236}">
-                        <a16:creationId xmlns:a16="http://schemas.microsoft.com/office/drawing/2014/main" id="{9C3633A1-F46F-454E-89FF-9C26F0E82536}"/>
+                        <a16:creationId xmlns:a16="http://schemas.microsoft.com/office/drawing/2014/main" xmlns="" id="{9C3633A1-F46F-454E-89FF-9C26F0E82536}"/>
                       </a:ext>
                     </a:extLst>
                   </p:cNvPr>
@@ -15397,7 +15404,7 @@
                   <p:cNvPr id="105" name="Retângulo 104">
                     <a:extLst>
                       <a:ext uri="{FF2B5EF4-FFF2-40B4-BE49-F238E27FC236}">
-                        <a16:creationId xmlns:a16="http://schemas.microsoft.com/office/drawing/2014/main" id="{C6677C20-D1C1-4FF7-84E5-1ABCD28E08FA}"/>
+                        <a16:creationId xmlns:a16="http://schemas.microsoft.com/office/drawing/2014/main" xmlns="" id="{C6677C20-D1C1-4FF7-84E5-1ABCD28E08FA}"/>
                       </a:ext>
                     </a:extLst>
                   </p:cNvPr>
@@ -15449,7 +15456,7 @@
                   <p:cNvPr id="106" name="Retângulo: Cantos Arredondados 9">
                     <a:extLst>
                       <a:ext uri="{FF2B5EF4-FFF2-40B4-BE49-F238E27FC236}">
-                        <a16:creationId xmlns:a16="http://schemas.microsoft.com/office/drawing/2014/main" id="{E50EAD44-EC47-4AC5-92EB-631085352C2D}"/>
+                        <a16:creationId xmlns:a16="http://schemas.microsoft.com/office/drawing/2014/main" xmlns="" id="{E50EAD44-EC47-4AC5-92EB-631085352C2D}"/>
                       </a:ext>
                     </a:extLst>
                   </p:cNvPr>
@@ -15503,7 +15510,7 @@
                   <p:cNvPr id="107" name="Retângulo: Cantos Arredondados 10">
                     <a:extLst>
                       <a:ext uri="{FF2B5EF4-FFF2-40B4-BE49-F238E27FC236}">
-                        <a16:creationId xmlns:a16="http://schemas.microsoft.com/office/drawing/2014/main" id="{2BF2A6E7-D817-4C0E-8EDC-EEEB6BBBFA13}"/>
+                        <a16:creationId xmlns:a16="http://schemas.microsoft.com/office/drawing/2014/main" xmlns="" id="{2BF2A6E7-D817-4C0E-8EDC-EEEB6BBBFA13}"/>
                       </a:ext>
                     </a:extLst>
                   </p:cNvPr>
@@ -15558,7 +15565,7 @@
                 <p:cNvPr id="94" name="Agrupar 93">
                   <a:extLst>
                     <a:ext uri="{FF2B5EF4-FFF2-40B4-BE49-F238E27FC236}">
-                      <a16:creationId xmlns:a16="http://schemas.microsoft.com/office/drawing/2014/main" id="{D8628CF8-F47D-4E27-8CDC-D58FB7CF8C36}"/>
+                      <a16:creationId xmlns:a16="http://schemas.microsoft.com/office/drawing/2014/main" xmlns="" id="{D8628CF8-F47D-4E27-8CDC-D58FB7CF8C36}"/>
                     </a:ext>
                   </a:extLst>
                 </p:cNvPr>
@@ -15578,7 +15585,7 @@
                   <p:cNvPr id="95" name="Forma Livre: Forma 94">
                     <a:extLst>
                       <a:ext uri="{FF2B5EF4-FFF2-40B4-BE49-F238E27FC236}">
-                        <a16:creationId xmlns:a16="http://schemas.microsoft.com/office/drawing/2014/main" id="{89DC7F12-19D9-42CD-8718-62513D53F5AD}"/>
+                        <a16:creationId xmlns:a16="http://schemas.microsoft.com/office/drawing/2014/main" xmlns="" id="{89DC7F12-19D9-42CD-8718-62513D53F5AD}"/>
                       </a:ext>
                     </a:extLst>
                   </p:cNvPr>
@@ -15713,7 +15720,7 @@
                   <p:cNvPr id="96" name="Forma Livre: Forma 95">
                     <a:extLst>
                       <a:ext uri="{FF2B5EF4-FFF2-40B4-BE49-F238E27FC236}">
-                        <a16:creationId xmlns:a16="http://schemas.microsoft.com/office/drawing/2014/main" id="{11C99363-6E30-4C1C-B8DC-809C57276743}"/>
+                        <a16:creationId xmlns:a16="http://schemas.microsoft.com/office/drawing/2014/main" xmlns="" id="{11C99363-6E30-4C1C-B8DC-809C57276743}"/>
                       </a:ext>
                     </a:extLst>
                   </p:cNvPr>
@@ -15848,7 +15855,7 @@
                   <p:cNvPr id="97" name="Elipse 96">
                     <a:extLst>
                       <a:ext uri="{FF2B5EF4-FFF2-40B4-BE49-F238E27FC236}">
-                        <a16:creationId xmlns:a16="http://schemas.microsoft.com/office/drawing/2014/main" id="{2CCF3187-84BD-449E-B437-7B5B3983433E}"/>
+                        <a16:creationId xmlns:a16="http://schemas.microsoft.com/office/drawing/2014/main" xmlns="" id="{2CCF3187-84BD-449E-B437-7B5B3983433E}"/>
                       </a:ext>
                     </a:extLst>
                   </p:cNvPr>
@@ -15900,7 +15907,7 @@
                   <p:cNvPr id="98" name="Retângulo: Cantos Arredondados 97">
                     <a:extLst>
                       <a:ext uri="{FF2B5EF4-FFF2-40B4-BE49-F238E27FC236}">
-                        <a16:creationId xmlns:a16="http://schemas.microsoft.com/office/drawing/2014/main" id="{BBACAF4A-AA43-4530-B9AE-2E0894AD5BD1}"/>
+                        <a16:creationId xmlns:a16="http://schemas.microsoft.com/office/drawing/2014/main" xmlns="" id="{BBACAF4A-AA43-4530-B9AE-2E0894AD5BD1}"/>
                       </a:ext>
                     </a:extLst>
                   </p:cNvPr>
@@ -15954,7 +15961,7 @@
                   <p:cNvPr id="99" name="Retângulo: Cantos Arredondados 98">
                     <a:extLst>
                       <a:ext uri="{FF2B5EF4-FFF2-40B4-BE49-F238E27FC236}">
-                        <a16:creationId xmlns:a16="http://schemas.microsoft.com/office/drawing/2014/main" id="{1832EC49-72EA-4FCA-BBCF-53A3987C8074}"/>
+                        <a16:creationId xmlns:a16="http://schemas.microsoft.com/office/drawing/2014/main" xmlns="" id="{1832EC49-72EA-4FCA-BBCF-53A3987C8074}"/>
                       </a:ext>
                     </a:extLst>
                   </p:cNvPr>
@@ -16008,7 +16015,7 @@
                   <p:cNvPr id="100" name="Retângulo: Cantos Arredondados 99">
                     <a:extLst>
                       <a:ext uri="{FF2B5EF4-FFF2-40B4-BE49-F238E27FC236}">
-                        <a16:creationId xmlns:a16="http://schemas.microsoft.com/office/drawing/2014/main" id="{4149D41B-6A79-40EF-AA89-2D0599E06E31}"/>
+                        <a16:creationId xmlns:a16="http://schemas.microsoft.com/office/drawing/2014/main" xmlns="" id="{4149D41B-6A79-40EF-AA89-2D0599E06E31}"/>
                       </a:ext>
                     </a:extLst>
                   </p:cNvPr>
@@ -16064,7 +16071,7 @@
               <p:cNvPr id="87" name="Agrupar 11">
                 <a:extLst>
                   <a:ext uri="{FF2B5EF4-FFF2-40B4-BE49-F238E27FC236}">
-                    <a16:creationId xmlns:a16="http://schemas.microsoft.com/office/drawing/2014/main" id="{FF1ACDFF-53C4-4046-8BAC-5659A177F97F}"/>
+                    <a16:creationId xmlns:a16="http://schemas.microsoft.com/office/drawing/2014/main" xmlns="" id="{FF1ACDFF-53C4-4046-8BAC-5659A177F97F}"/>
                   </a:ext>
                 </a:extLst>
               </p:cNvPr>
@@ -16084,7 +16091,7 @@
                 <p:cNvPr id="91" name="Retângulo: Cantos Arredondados 12">
                   <a:extLst>
                     <a:ext uri="{FF2B5EF4-FFF2-40B4-BE49-F238E27FC236}">
-                      <a16:creationId xmlns:a16="http://schemas.microsoft.com/office/drawing/2014/main" id="{32E5891B-A731-4FB5-ACF6-163B15D99891}"/>
+                      <a16:creationId xmlns:a16="http://schemas.microsoft.com/office/drawing/2014/main" xmlns="" id="{32E5891B-A731-4FB5-ACF6-163B15D99891}"/>
                     </a:ext>
                   </a:extLst>
                 </p:cNvPr>
@@ -16138,7 +16145,7 @@
                 <p:cNvPr id="92" name="Retângulo: Cantos Arredondados 13">
                   <a:extLst>
                     <a:ext uri="{FF2B5EF4-FFF2-40B4-BE49-F238E27FC236}">
-                      <a16:creationId xmlns:a16="http://schemas.microsoft.com/office/drawing/2014/main" id="{A814D18B-E602-4B8A-B9D1-141DB84BE861}"/>
+                      <a16:creationId xmlns:a16="http://schemas.microsoft.com/office/drawing/2014/main" xmlns="" id="{A814D18B-E602-4B8A-B9D1-141DB84BE861}"/>
                     </a:ext>
                   </a:extLst>
                 </p:cNvPr>
@@ -16193,7 +16200,7 @@
               <p:cNvPr id="88" name="Agrupar 14">
                 <a:extLst>
                   <a:ext uri="{FF2B5EF4-FFF2-40B4-BE49-F238E27FC236}">
-                    <a16:creationId xmlns:a16="http://schemas.microsoft.com/office/drawing/2014/main" id="{42451D24-90B3-4435-B4C1-6FA153B0B718}"/>
+                    <a16:creationId xmlns:a16="http://schemas.microsoft.com/office/drawing/2014/main" xmlns="" id="{42451D24-90B3-4435-B4C1-6FA153B0B718}"/>
                   </a:ext>
                 </a:extLst>
               </p:cNvPr>
@@ -16213,7 +16220,7 @@
                 <p:cNvPr id="89" name="Retângulo: Cantos Arredondados 15">
                   <a:extLst>
                     <a:ext uri="{FF2B5EF4-FFF2-40B4-BE49-F238E27FC236}">
-                      <a16:creationId xmlns:a16="http://schemas.microsoft.com/office/drawing/2014/main" id="{C1D98CE6-45EE-4230-94AF-921530AF0B61}"/>
+                      <a16:creationId xmlns:a16="http://schemas.microsoft.com/office/drawing/2014/main" xmlns="" id="{C1D98CE6-45EE-4230-94AF-921530AF0B61}"/>
                     </a:ext>
                   </a:extLst>
                 </p:cNvPr>
@@ -16267,7 +16274,7 @@
                 <p:cNvPr id="90" name="Retângulo: Cantos Arredondados 16">
                   <a:extLst>
                     <a:ext uri="{FF2B5EF4-FFF2-40B4-BE49-F238E27FC236}">
-                      <a16:creationId xmlns:a16="http://schemas.microsoft.com/office/drawing/2014/main" id="{DF5208D3-1CB5-409A-9B7D-5DA9FED0333F}"/>
+                      <a16:creationId xmlns:a16="http://schemas.microsoft.com/office/drawing/2014/main" xmlns="" id="{DF5208D3-1CB5-409A-9B7D-5DA9FED0333F}"/>
                     </a:ext>
                   </a:extLst>
                 </p:cNvPr>
@@ -16323,7 +16330,7 @@
             <p:cNvPr id="83" name="Agrupar 82">
               <a:extLst>
                 <a:ext uri="{FF2B5EF4-FFF2-40B4-BE49-F238E27FC236}">
-                  <a16:creationId xmlns:a16="http://schemas.microsoft.com/office/drawing/2014/main" id="{54960447-FDFF-45DE-A838-1492FDC600D6}"/>
+                  <a16:creationId xmlns:a16="http://schemas.microsoft.com/office/drawing/2014/main" xmlns="" id="{54960447-FDFF-45DE-A838-1492FDC600D6}"/>
                 </a:ext>
               </a:extLst>
             </p:cNvPr>
@@ -16343,7 +16350,7 @@
               <p:cNvPr id="84" name="Forma Livre: Forma 83">
                 <a:extLst>
                   <a:ext uri="{FF2B5EF4-FFF2-40B4-BE49-F238E27FC236}">
-                    <a16:creationId xmlns:a16="http://schemas.microsoft.com/office/drawing/2014/main" id="{1ECD66CD-F12E-4DA6-A566-D11A15F0E2FE}"/>
+                    <a16:creationId xmlns:a16="http://schemas.microsoft.com/office/drawing/2014/main" xmlns="" id="{1ECD66CD-F12E-4DA6-A566-D11A15F0E2FE}"/>
                   </a:ext>
                 </a:extLst>
               </p:cNvPr>
@@ -16450,7 +16457,7 @@
               <p:cNvPr id="85" name="Forma Livre: Forma 84">
                 <a:extLst>
                   <a:ext uri="{FF2B5EF4-FFF2-40B4-BE49-F238E27FC236}">
-                    <a16:creationId xmlns:a16="http://schemas.microsoft.com/office/drawing/2014/main" id="{D06248FC-2E8C-4724-9ADC-7EEFDB4EE49F}"/>
+                    <a16:creationId xmlns:a16="http://schemas.microsoft.com/office/drawing/2014/main" xmlns="" id="{D06248FC-2E8C-4724-9ADC-7EEFDB4EE49F}"/>
                   </a:ext>
                 </a:extLst>
               </p:cNvPr>
@@ -16590,6 +16597,970 @@
           </p:sp>
         </p:grpSp>
       </p:grpSp>
+      <p:grpSp>
+        <p:nvGrpSpPr>
+          <p:cNvPr id="20" name="Grupo 19"/>
+          <p:cNvGrpSpPr/>
+          <p:nvPr/>
+        </p:nvGrpSpPr>
+        <p:grpSpPr>
+          <a:xfrm>
+            <a:off x="-451490" y="-546971"/>
+            <a:ext cx="2582986" cy="2582986"/>
+            <a:chOff x="1028700" y="491655"/>
+            <a:chExt cx="1282060" cy="1282060"/>
+          </a:xfrm>
+          <a:solidFill>
+            <a:srgbClr val="0192E1"/>
+          </a:solidFill>
+        </p:grpSpPr>
+        <p:sp>
+          <p:nvSpPr>
+            <p:cNvPr id="19" name="Elipse 18"/>
+            <p:cNvSpPr/>
+            <p:nvPr/>
+          </p:nvSpPr>
+          <p:spPr>
+            <a:xfrm>
+              <a:off x="1028700" y="491655"/>
+              <a:ext cx="1282060" cy="1282060"/>
+            </a:xfrm>
+            <a:custGeom>
+              <a:avLst/>
+              <a:gdLst/>
+              <a:ahLst/>
+              <a:cxnLst/>
+              <a:rect l="l" t="t" r="r" b="b"/>
+              <a:pathLst>
+                <a:path w="1282060" h="1282060">
+                  <a:moveTo>
+                    <a:pt x="641030" y="229802"/>
+                  </a:moveTo>
+                  <a:cubicBezTo>
+                    <a:pt x="421930" y="229802"/>
+                    <a:pt x="244315" y="407417"/>
+                    <a:pt x="244315" y="626517"/>
+                  </a:cubicBezTo>
+                  <a:cubicBezTo>
+                    <a:pt x="244315" y="845617"/>
+                    <a:pt x="421930" y="1023232"/>
+                    <a:pt x="641030" y="1023232"/>
+                  </a:cubicBezTo>
+                  <a:cubicBezTo>
+                    <a:pt x="860130" y="1023232"/>
+                    <a:pt x="1037745" y="845617"/>
+                    <a:pt x="1037745" y="626517"/>
+                  </a:cubicBezTo>
+                  <a:cubicBezTo>
+                    <a:pt x="1037745" y="407417"/>
+                    <a:pt x="860130" y="229802"/>
+                    <a:pt x="641030" y="229802"/>
+                  </a:cubicBezTo>
+                  <a:close/>
+                  <a:moveTo>
+                    <a:pt x="641030" y="0"/>
+                  </a:moveTo>
+                  <a:cubicBezTo>
+                    <a:pt x="995061" y="0"/>
+                    <a:pt x="1282060" y="286999"/>
+                    <a:pt x="1282060" y="641030"/>
+                  </a:cubicBezTo>
+                  <a:cubicBezTo>
+                    <a:pt x="1282060" y="995061"/>
+                    <a:pt x="995061" y="1282060"/>
+                    <a:pt x="641030" y="1282060"/>
+                  </a:cubicBezTo>
+                  <a:cubicBezTo>
+                    <a:pt x="286999" y="1282060"/>
+                    <a:pt x="0" y="995061"/>
+                    <a:pt x="0" y="641030"/>
+                  </a:cubicBezTo>
+                  <a:cubicBezTo>
+                    <a:pt x="0" y="286999"/>
+                    <a:pt x="286999" y="0"/>
+                    <a:pt x="641030" y="0"/>
+                  </a:cubicBezTo>
+                  <a:close/>
+                </a:path>
+              </a:pathLst>
+            </a:custGeom>
+            <a:grpFill/>
+            <a:ln>
+              <a:noFill/>
+            </a:ln>
+          </p:spPr>
+          <p:style>
+            <a:lnRef idx="2">
+              <a:schemeClr val="accent1">
+                <a:shade val="50000"/>
+              </a:schemeClr>
+            </a:lnRef>
+            <a:fillRef idx="1">
+              <a:schemeClr val="accent1"/>
+            </a:fillRef>
+            <a:effectRef idx="0">
+              <a:schemeClr val="accent1"/>
+            </a:effectRef>
+            <a:fontRef idx="minor">
+              <a:schemeClr val="lt1"/>
+            </a:fontRef>
+          </p:style>
+          <p:txBody>
+            <a:bodyPr rtlCol="0" anchor="ctr"/>
+            <a:lstStyle/>
+            <a:p>
+              <a:pPr algn="ctr"/>
+              <a:endParaRPr lang="pt-BR"/>
+            </a:p>
+          </p:txBody>
+        </p:sp>
+        <p:sp>
+          <p:nvSpPr>
+            <p:cNvPr id="110" name="Elipse 18"/>
+            <p:cNvSpPr/>
+            <p:nvPr/>
+          </p:nvSpPr>
+          <p:spPr>
+            <a:xfrm>
+              <a:off x="1349215" y="812170"/>
+              <a:ext cx="641030" cy="641030"/>
+            </a:xfrm>
+            <a:custGeom>
+              <a:avLst/>
+              <a:gdLst/>
+              <a:ahLst/>
+              <a:cxnLst/>
+              <a:rect l="l" t="t" r="r" b="b"/>
+              <a:pathLst>
+                <a:path w="1282060" h="1282060">
+                  <a:moveTo>
+                    <a:pt x="641030" y="229802"/>
+                  </a:moveTo>
+                  <a:cubicBezTo>
+                    <a:pt x="421930" y="229802"/>
+                    <a:pt x="244315" y="407417"/>
+                    <a:pt x="244315" y="626517"/>
+                  </a:cubicBezTo>
+                  <a:cubicBezTo>
+                    <a:pt x="244315" y="845617"/>
+                    <a:pt x="421930" y="1023232"/>
+                    <a:pt x="641030" y="1023232"/>
+                  </a:cubicBezTo>
+                  <a:cubicBezTo>
+                    <a:pt x="860130" y="1023232"/>
+                    <a:pt x="1037745" y="845617"/>
+                    <a:pt x="1037745" y="626517"/>
+                  </a:cubicBezTo>
+                  <a:cubicBezTo>
+                    <a:pt x="1037745" y="407417"/>
+                    <a:pt x="860130" y="229802"/>
+                    <a:pt x="641030" y="229802"/>
+                  </a:cubicBezTo>
+                  <a:close/>
+                  <a:moveTo>
+                    <a:pt x="641030" y="0"/>
+                  </a:moveTo>
+                  <a:cubicBezTo>
+                    <a:pt x="995061" y="0"/>
+                    <a:pt x="1282060" y="286999"/>
+                    <a:pt x="1282060" y="641030"/>
+                  </a:cubicBezTo>
+                  <a:cubicBezTo>
+                    <a:pt x="1282060" y="995061"/>
+                    <a:pt x="995061" y="1282060"/>
+                    <a:pt x="641030" y="1282060"/>
+                  </a:cubicBezTo>
+                  <a:cubicBezTo>
+                    <a:pt x="286999" y="1282060"/>
+                    <a:pt x="0" y="995061"/>
+                    <a:pt x="0" y="641030"/>
+                  </a:cubicBezTo>
+                  <a:cubicBezTo>
+                    <a:pt x="0" y="286999"/>
+                    <a:pt x="286999" y="0"/>
+                    <a:pt x="641030" y="0"/>
+                  </a:cubicBezTo>
+                  <a:close/>
+                </a:path>
+              </a:pathLst>
+            </a:custGeom>
+            <a:grpFill/>
+            <a:ln>
+              <a:noFill/>
+            </a:ln>
+          </p:spPr>
+          <p:style>
+            <a:lnRef idx="2">
+              <a:schemeClr val="accent1">
+                <a:shade val="50000"/>
+              </a:schemeClr>
+            </a:lnRef>
+            <a:fillRef idx="1">
+              <a:schemeClr val="accent1"/>
+            </a:fillRef>
+            <a:effectRef idx="0">
+              <a:schemeClr val="accent1"/>
+            </a:effectRef>
+            <a:fontRef idx="minor">
+              <a:schemeClr val="lt1"/>
+            </a:fontRef>
+          </p:style>
+          <p:txBody>
+            <a:bodyPr rtlCol="0" anchor="ctr"/>
+            <a:lstStyle/>
+            <a:p>
+              <a:pPr algn="ctr"/>
+              <a:endParaRPr lang="pt-BR"/>
+            </a:p>
+          </p:txBody>
+        </p:sp>
+      </p:grpSp>
+      <p:grpSp>
+        <p:nvGrpSpPr>
+          <p:cNvPr id="111" name="Grupo 110"/>
+          <p:cNvGrpSpPr/>
+          <p:nvPr/>
+        </p:nvGrpSpPr>
+        <p:grpSpPr>
+          <a:xfrm>
+            <a:off x="840003" y="4636496"/>
+            <a:ext cx="1114313" cy="1114313"/>
+            <a:chOff x="1028700" y="491655"/>
+            <a:chExt cx="1282060" cy="1282060"/>
+          </a:xfrm>
+          <a:solidFill>
+            <a:srgbClr val="0192E1"/>
+          </a:solidFill>
+        </p:grpSpPr>
+        <p:sp>
+          <p:nvSpPr>
+            <p:cNvPr id="112" name="Elipse 18"/>
+            <p:cNvSpPr/>
+            <p:nvPr/>
+          </p:nvSpPr>
+          <p:spPr>
+            <a:xfrm>
+              <a:off x="1028700" y="491655"/>
+              <a:ext cx="1282060" cy="1282060"/>
+            </a:xfrm>
+            <a:custGeom>
+              <a:avLst/>
+              <a:gdLst/>
+              <a:ahLst/>
+              <a:cxnLst/>
+              <a:rect l="l" t="t" r="r" b="b"/>
+              <a:pathLst>
+                <a:path w="1282060" h="1282060">
+                  <a:moveTo>
+                    <a:pt x="641030" y="229802"/>
+                  </a:moveTo>
+                  <a:cubicBezTo>
+                    <a:pt x="421930" y="229802"/>
+                    <a:pt x="244315" y="407417"/>
+                    <a:pt x="244315" y="626517"/>
+                  </a:cubicBezTo>
+                  <a:cubicBezTo>
+                    <a:pt x="244315" y="845617"/>
+                    <a:pt x="421930" y="1023232"/>
+                    <a:pt x="641030" y="1023232"/>
+                  </a:cubicBezTo>
+                  <a:cubicBezTo>
+                    <a:pt x="860130" y="1023232"/>
+                    <a:pt x="1037745" y="845617"/>
+                    <a:pt x="1037745" y="626517"/>
+                  </a:cubicBezTo>
+                  <a:cubicBezTo>
+                    <a:pt x="1037745" y="407417"/>
+                    <a:pt x="860130" y="229802"/>
+                    <a:pt x="641030" y="229802"/>
+                  </a:cubicBezTo>
+                  <a:close/>
+                  <a:moveTo>
+                    <a:pt x="641030" y="0"/>
+                  </a:moveTo>
+                  <a:cubicBezTo>
+                    <a:pt x="995061" y="0"/>
+                    <a:pt x="1282060" y="286999"/>
+                    <a:pt x="1282060" y="641030"/>
+                  </a:cubicBezTo>
+                  <a:cubicBezTo>
+                    <a:pt x="1282060" y="995061"/>
+                    <a:pt x="995061" y="1282060"/>
+                    <a:pt x="641030" y="1282060"/>
+                  </a:cubicBezTo>
+                  <a:cubicBezTo>
+                    <a:pt x="286999" y="1282060"/>
+                    <a:pt x="0" y="995061"/>
+                    <a:pt x="0" y="641030"/>
+                  </a:cubicBezTo>
+                  <a:cubicBezTo>
+                    <a:pt x="0" y="286999"/>
+                    <a:pt x="286999" y="0"/>
+                    <a:pt x="641030" y="0"/>
+                  </a:cubicBezTo>
+                  <a:close/>
+                </a:path>
+              </a:pathLst>
+            </a:custGeom>
+            <a:grpFill/>
+            <a:ln>
+              <a:noFill/>
+            </a:ln>
+          </p:spPr>
+          <p:style>
+            <a:lnRef idx="2">
+              <a:schemeClr val="accent1">
+                <a:shade val="50000"/>
+              </a:schemeClr>
+            </a:lnRef>
+            <a:fillRef idx="1">
+              <a:schemeClr val="accent1"/>
+            </a:fillRef>
+            <a:effectRef idx="0">
+              <a:schemeClr val="accent1"/>
+            </a:effectRef>
+            <a:fontRef idx="minor">
+              <a:schemeClr val="lt1"/>
+            </a:fontRef>
+          </p:style>
+          <p:txBody>
+            <a:bodyPr rtlCol="0" anchor="ctr"/>
+            <a:lstStyle/>
+            <a:p>
+              <a:pPr algn="ctr"/>
+              <a:endParaRPr lang="pt-BR"/>
+            </a:p>
+          </p:txBody>
+        </p:sp>
+        <p:sp>
+          <p:nvSpPr>
+            <p:cNvPr id="113" name="Elipse 18"/>
+            <p:cNvSpPr/>
+            <p:nvPr/>
+          </p:nvSpPr>
+          <p:spPr>
+            <a:xfrm>
+              <a:off x="1349215" y="812170"/>
+              <a:ext cx="641030" cy="641030"/>
+            </a:xfrm>
+            <a:custGeom>
+              <a:avLst/>
+              <a:gdLst/>
+              <a:ahLst/>
+              <a:cxnLst/>
+              <a:rect l="l" t="t" r="r" b="b"/>
+              <a:pathLst>
+                <a:path w="1282060" h="1282060">
+                  <a:moveTo>
+                    <a:pt x="641030" y="229802"/>
+                  </a:moveTo>
+                  <a:cubicBezTo>
+                    <a:pt x="421930" y="229802"/>
+                    <a:pt x="244315" y="407417"/>
+                    <a:pt x="244315" y="626517"/>
+                  </a:cubicBezTo>
+                  <a:cubicBezTo>
+                    <a:pt x="244315" y="845617"/>
+                    <a:pt x="421930" y="1023232"/>
+                    <a:pt x="641030" y="1023232"/>
+                  </a:cubicBezTo>
+                  <a:cubicBezTo>
+                    <a:pt x="860130" y="1023232"/>
+                    <a:pt x="1037745" y="845617"/>
+                    <a:pt x="1037745" y="626517"/>
+                  </a:cubicBezTo>
+                  <a:cubicBezTo>
+                    <a:pt x="1037745" y="407417"/>
+                    <a:pt x="860130" y="229802"/>
+                    <a:pt x="641030" y="229802"/>
+                  </a:cubicBezTo>
+                  <a:close/>
+                  <a:moveTo>
+                    <a:pt x="641030" y="0"/>
+                  </a:moveTo>
+                  <a:cubicBezTo>
+                    <a:pt x="995061" y="0"/>
+                    <a:pt x="1282060" y="286999"/>
+                    <a:pt x="1282060" y="641030"/>
+                  </a:cubicBezTo>
+                  <a:cubicBezTo>
+                    <a:pt x="1282060" y="995061"/>
+                    <a:pt x="995061" y="1282060"/>
+                    <a:pt x="641030" y="1282060"/>
+                  </a:cubicBezTo>
+                  <a:cubicBezTo>
+                    <a:pt x="286999" y="1282060"/>
+                    <a:pt x="0" y="995061"/>
+                    <a:pt x="0" y="641030"/>
+                  </a:cubicBezTo>
+                  <a:cubicBezTo>
+                    <a:pt x="0" y="286999"/>
+                    <a:pt x="286999" y="0"/>
+                    <a:pt x="641030" y="0"/>
+                  </a:cubicBezTo>
+                  <a:close/>
+                </a:path>
+              </a:pathLst>
+            </a:custGeom>
+            <a:grpFill/>
+            <a:ln>
+              <a:noFill/>
+            </a:ln>
+          </p:spPr>
+          <p:style>
+            <a:lnRef idx="2">
+              <a:schemeClr val="accent1">
+                <a:shade val="50000"/>
+              </a:schemeClr>
+            </a:lnRef>
+            <a:fillRef idx="1">
+              <a:schemeClr val="accent1"/>
+            </a:fillRef>
+            <a:effectRef idx="0">
+              <a:schemeClr val="accent1"/>
+            </a:effectRef>
+            <a:fontRef idx="minor">
+              <a:schemeClr val="lt1"/>
+            </a:fontRef>
+          </p:style>
+          <p:txBody>
+            <a:bodyPr rtlCol="0" anchor="ctr"/>
+            <a:lstStyle/>
+            <a:p>
+              <a:pPr algn="ctr"/>
+              <a:endParaRPr lang="pt-BR"/>
+            </a:p>
+          </p:txBody>
+        </p:sp>
+      </p:grpSp>
+      <p:grpSp>
+        <p:nvGrpSpPr>
+          <p:cNvPr id="114" name="Grupo 113"/>
+          <p:cNvGrpSpPr/>
+          <p:nvPr/>
+        </p:nvGrpSpPr>
+        <p:grpSpPr>
+          <a:xfrm>
+            <a:off x="10474404" y="4247579"/>
+            <a:ext cx="1334989" cy="1334989"/>
+            <a:chOff x="1028700" y="491655"/>
+            <a:chExt cx="1282060" cy="1282060"/>
+          </a:xfrm>
+          <a:solidFill>
+            <a:srgbClr val="0192E1"/>
+          </a:solidFill>
+        </p:grpSpPr>
+        <p:sp>
+          <p:nvSpPr>
+            <p:cNvPr id="115" name="Elipse 18"/>
+            <p:cNvSpPr/>
+            <p:nvPr/>
+          </p:nvSpPr>
+          <p:spPr>
+            <a:xfrm>
+              <a:off x="1028700" y="491655"/>
+              <a:ext cx="1282060" cy="1282060"/>
+            </a:xfrm>
+            <a:custGeom>
+              <a:avLst/>
+              <a:gdLst/>
+              <a:ahLst/>
+              <a:cxnLst/>
+              <a:rect l="l" t="t" r="r" b="b"/>
+              <a:pathLst>
+                <a:path w="1282060" h="1282060">
+                  <a:moveTo>
+                    <a:pt x="641030" y="229802"/>
+                  </a:moveTo>
+                  <a:cubicBezTo>
+                    <a:pt x="421930" y="229802"/>
+                    <a:pt x="244315" y="407417"/>
+                    <a:pt x="244315" y="626517"/>
+                  </a:cubicBezTo>
+                  <a:cubicBezTo>
+                    <a:pt x="244315" y="845617"/>
+                    <a:pt x="421930" y="1023232"/>
+                    <a:pt x="641030" y="1023232"/>
+                  </a:cubicBezTo>
+                  <a:cubicBezTo>
+                    <a:pt x="860130" y="1023232"/>
+                    <a:pt x="1037745" y="845617"/>
+                    <a:pt x="1037745" y="626517"/>
+                  </a:cubicBezTo>
+                  <a:cubicBezTo>
+                    <a:pt x="1037745" y="407417"/>
+                    <a:pt x="860130" y="229802"/>
+                    <a:pt x="641030" y="229802"/>
+                  </a:cubicBezTo>
+                  <a:close/>
+                  <a:moveTo>
+                    <a:pt x="641030" y="0"/>
+                  </a:moveTo>
+                  <a:cubicBezTo>
+                    <a:pt x="995061" y="0"/>
+                    <a:pt x="1282060" y="286999"/>
+                    <a:pt x="1282060" y="641030"/>
+                  </a:cubicBezTo>
+                  <a:cubicBezTo>
+                    <a:pt x="1282060" y="995061"/>
+                    <a:pt x="995061" y="1282060"/>
+                    <a:pt x="641030" y="1282060"/>
+                  </a:cubicBezTo>
+                  <a:cubicBezTo>
+                    <a:pt x="286999" y="1282060"/>
+                    <a:pt x="0" y="995061"/>
+                    <a:pt x="0" y="641030"/>
+                  </a:cubicBezTo>
+                  <a:cubicBezTo>
+                    <a:pt x="0" y="286999"/>
+                    <a:pt x="286999" y="0"/>
+                    <a:pt x="641030" y="0"/>
+                  </a:cubicBezTo>
+                  <a:close/>
+                </a:path>
+              </a:pathLst>
+            </a:custGeom>
+            <a:grpFill/>
+            <a:ln>
+              <a:noFill/>
+            </a:ln>
+          </p:spPr>
+          <p:style>
+            <a:lnRef idx="2">
+              <a:schemeClr val="accent1">
+                <a:shade val="50000"/>
+              </a:schemeClr>
+            </a:lnRef>
+            <a:fillRef idx="1">
+              <a:schemeClr val="accent1"/>
+            </a:fillRef>
+            <a:effectRef idx="0">
+              <a:schemeClr val="accent1"/>
+            </a:effectRef>
+            <a:fontRef idx="minor">
+              <a:schemeClr val="lt1"/>
+            </a:fontRef>
+          </p:style>
+          <p:txBody>
+            <a:bodyPr rtlCol="0" anchor="ctr"/>
+            <a:lstStyle/>
+            <a:p>
+              <a:pPr algn="ctr"/>
+              <a:endParaRPr lang="pt-BR"/>
+            </a:p>
+          </p:txBody>
+        </p:sp>
+        <p:sp>
+          <p:nvSpPr>
+            <p:cNvPr id="116" name="Elipse 18"/>
+            <p:cNvSpPr/>
+            <p:nvPr/>
+          </p:nvSpPr>
+          <p:spPr>
+            <a:xfrm>
+              <a:off x="1349215" y="812170"/>
+              <a:ext cx="641030" cy="641030"/>
+            </a:xfrm>
+            <a:custGeom>
+              <a:avLst/>
+              <a:gdLst/>
+              <a:ahLst/>
+              <a:cxnLst/>
+              <a:rect l="l" t="t" r="r" b="b"/>
+              <a:pathLst>
+                <a:path w="1282060" h="1282060">
+                  <a:moveTo>
+                    <a:pt x="641030" y="229802"/>
+                  </a:moveTo>
+                  <a:cubicBezTo>
+                    <a:pt x="421930" y="229802"/>
+                    <a:pt x="244315" y="407417"/>
+                    <a:pt x="244315" y="626517"/>
+                  </a:cubicBezTo>
+                  <a:cubicBezTo>
+                    <a:pt x="244315" y="845617"/>
+                    <a:pt x="421930" y="1023232"/>
+                    <a:pt x="641030" y="1023232"/>
+                  </a:cubicBezTo>
+                  <a:cubicBezTo>
+                    <a:pt x="860130" y="1023232"/>
+                    <a:pt x="1037745" y="845617"/>
+                    <a:pt x="1037745" y="626517"/>
+                  </a:cubicBezTo>
+                  <a:cubicBezTo>
+                    <a:pt x="1037745" y="407417"/>
+                    <a:pt x="860130" y="229802"/>
+                    <a:pt x="641030" y="229802"/>
+                  </a:cubicBezTo>
+                  <a:close/>
+                  <a:moveTo>
+                    <a:pt x="641030" y="0"/>
+                  </a:moveTo>
+                  <a:cubicBezTo>
+                    <a:pt x="995061" y="0"/>
+                    <a:pt x="1282060" y="286999"/>
+                    <a:pt x="1282060" y="641030"/>
+                  </a:cubicBezTo>
+                  <a:cubicBezTo>
+                    <a:pt x="1282060" y="995061"/>
+                    <a:pt x="995061" y="1282060"/>
+                    <a:pt x="641030" y="1282060"/>
+                  </a:cubicBezTo>
+                  <a:cubicBezTo>
+                    <a:pt x="286999" y="1282060"/>
+                    <a:pt x="0" y="995061"/>
+                    <a:pt x="0" y="641030"/>
+                  </a:cubicBezTo>
+                  <a:cubicBezTo>
+                    <a:pt x="0" y="286999"/>
+                    <a:pt x="286999" y="0"/>
+                    <a:pt x="641030" y="0"/>
+                  </a:cubicBezTo>
+                  <a:close/>
+                </a:path>
+              </a:pathLst>
+            </a:custGeom>
+            <a:grpFill/>
+            <a:ln>
+              <a:noFill/>
+            </a:ln>
+          </p:spPr>
+          <p:style>
+            <a:lnRef idx="2">
+              <a:schemeClr val="accent1">
+                <a:shade val="50000"/>
+              </a:schemeClr>
+            </a:lnRef>
+            <a:fillRef idx="1">
+              <a:schemeClr val="accent1"/>
+            </a:fillRef>
+            <a:effectRef idx="0">
+              <a:schemeClr val="accent1"/>
+            </a:effectRef>
+            <a:fontRef idx="minor">
+              <a:schemeClr val="lt1"/>
+            </a:fontRef>
+          </p:style>
+          <p:txBody>
+            <a:bodyPr rtlCol="0" anchor="ctr"/>
+            <a:lstStyle/>
+            <a:p>
+              <a:pPr algn="ctr"/>
+              <a:endParaRPr lang="pt-BR"/>
+            </a:p>
+          </p:txBody>
+        </p:sp>
+      </p:grpSp>
+      <p:grpSp>
+        <p:nvGrpSpPr>
+          <p:cNvPr id="117" name="Grupo 116"/>
+          <p:cNvGrpSpPr/>
+          <p:nvPr/>
+        </p:nvGrpSpPr>
+        <p:grpSpPr>
+          <a:xfrm>
+            <a:off x="9166769" y="5207041"/>
+            <a:ext cx="1207235" cy="1207235"/>
+            <a:chOff x="1028700" y="491655"/>
+            <a:chExt cx="1282060" cy="1282060"/>
+          </a:xfrm>
+          <a:solidFill>
+            <a:srgbClr val="0192E1"/>
+          </a:solidFill>
+        </p:grpSpPr>
+        <p:sp>
+          <p:nvSpPr>
+            <p:cNvPr id="118" name="Elipse 18"/>
+            <p:cNvSpPr/>
+            <p:nvPr/>
+          </p:nvSpPr>
+          <p:spPr>
+            <a:xfrm>
+              <a:off x="1028700" y="491655"/>
+              <a:ext cx="1282060" cy="1282060"/>
+            </a:xfrm>
+            <a:custGeom>
+              <a:avLst/>
+              <a:gdLst/>
+              <a:ahLst/>
+              <a:cxnLst/>
+              <a:rect l="l" t="t" r="r" b="b"/>
+              <a:pathLst>
+                <a:path w="1282060" h="1282060">
+                  <a:moveTo>
+                    <a:pt x="641030" y="229802"/>
+                  </a:moveTo>
+                  <a:cubicBezTo>
+                    <a:pt x="421930" y="229802"/>
+                    <a:pt x="244315" y="407417"/>
+                    <a:pt x="244315" y="626517"/>
+                  </a:cubicBezTo>
+                  <a:cubicBezTo>
+                    <a:pt x="244315" y="845617"/>
+                    <a:pt x="421930" y="1023232"/>
+                    <a:pt x="641030" y="1023232"/>
+                  </a:cubicBezTo>
+                  <a:cubicBezTo>
+                    <a:pt x="860130" y="1023232"/>
+                    <a:pt x="1037745" y="845617"/>
+                    <a:pt x="1037745" y="626517"/>
+                  </a:cubicBezTo>
+                  <a:cubicBezTo>
+                    <a:pt x="1037745" y="407417"/>
+                    <a:pt x="860130" y="229802"/>
+                    <a:pt x="641030" y="229802"/>
+                  </a:cubicBezTo>
+                  <a:close/>
+                  <a:moveTo>
+                    <a:pt x="641030" y="0"/>
+                  </a:moveTo>
+                  <a:cubicBezTo>
+                    <a:pt x="995061" y="0"/>
+                    <a:pt x="1282060" y="286999"/>
+                    <a:pt x="1282060" y="641030"/>
+                  </a:cubicBezTo>
+                  <a:cubicBezTo>
+                    <a:pt x="1282060" y="995061"/>
+                    <a:pt x="995061" y="1282060"/>
+                    <a:pt x="641030" y="1282060"/>
+                  </a:cubicBezTo>
+                  <a:cubicBezTo>
+                    <a:pt x="286999" y="1282060"/>
+                    <a:pt x="0" y="995061"/>
+                    <a:pt x="0" y="641030"/>
+                  </a:cubicBezTo>
+                  <a:cubicBezTo>
+                    <a:pt x="0" y="286999"/>
+                    <a:pt x="286999" y="0"/>
+                    <a:pt x="641030" y="0"/>
+                  </a:cubicBezTo>
+                  <a:close/>
+                </a:path>
+              </a:pathLst>
+            </a:custGeom>
+            <a:grpFill/>
+            <a:ln>
+              <a:noFill/>
+            </a:ln>
+          </p:spPr>
+          <p:style>
+            <a:lnRef idx="2">
+              <a:schemeClr val="accent1">
+                <a:shade val="50000"/>
+              </a:schemeClr>
+            </a:lnRef>
+            <a:fillRef idx="1">
+              <a:schemeClr val="accent1"/>
+            </a:fillRef>
+            <a:effectRef idx="0">
+              <a:schemeClr val="accent1"/>
+            </a:effectRef>
+            <a:fontRef idx="minor">
+              <a:schemeClr val="lt1"/>
+            </a:fontRef>
+          </p:style>
+          <p:txBody>
+            <a:bodyPr rtlCol="0" anchor="ctr"/>
+            <a:lstStyle/>
+            <a:p>
+              <a:pPr algn="ctr"/>
+              <a:endParaRPr lang="pt-BR"/>
+            </a:p>
+          </p:txBody>
+        </p:sp>
+        <p:sp>
+          <p:nvSpPr>
+            <p:cNvPr id="119" name="Elipse 18"/>
+            <p:cNvSpPr/>
+            <p:nvPr/>
+          </p:nvSpPr>
+          <p:spPr>
+            <a:xfrm>
+              <a:off x="1349215" y="812170"/>
+              <a:ext cx="641030" cy="641030"/>
+            </a:xfrm>
+            <a:custGeom>
+              <a:avLst/>
+              <a:gdLst/>
+              <a:ahLst/>
+              <a:cxnLst/>
+              <a:rect l="l" t="t" r="r" b="b"/>
+              <a:pathLst>
+                <a:path w="1282060" h="1282060">
+                  <a:moveTo>
+                    <a:pt x="641030" y="229802"/>
+                  </a:moveTo>
+                  <a:cubicBezTo>
+                    <a:pt x="421930" y="229802"/>
+                    <a:pt x="244315" y="407417"/>
+                    <a:pt x="244315" y="626517"/>
+                  </a:cubicBezTo>
+                  <a:cubicBezTo>
+                    <a:pt x="244315" y="845617"/>
+                    <a:pt x="421930" y="1023232"/>
+                    <a:pt x="641030" y="1023232"/>
+                  </a:cubicBezTo>
+                  <a:cubicBezTo>
+                    <a:pt x="860130" y="1023232"/>
+                    <a:pt x="1037745" y="845617"/>
+                    <a:pt x="1037745" y="626517"/>
+                  </a:cubicBezTo>
+                  <a:cubicBezTo>
+                    <a:pt x="1037745" y="407417"/>
+                    <a:pt x="860130" y="229802"/>
+                    <a:pt x="641030" y="229802"/>
+                  </a:cubicBezTo>
+                  <a:close/>
+                  <a:moveTo>
+                    <a:pt x="641030" y="0"/>
+                  </a:moveTo>
+                  <a:cubicBezTo>
+                    <a:pt x="995061" y="0"/>
+                    <a:pt x="1282060" y="286999"/>
+                    <a:pt x="1282060" y="641030"/>
+                  </a:cubicBezTo>
+                  <a:cubicBezTo>
+                    <a:pt x="1282060" y="995061"/>
+                    <a:pt x="995061" y="1282060"/>
+                    <a:pt x="641030" y="1282060"/>
+                  </a:cubicBezTo>
+                  <a:cubicBezTo>
+                    <a:pt x="286999" y="1282060"/>
+                    <a:pt x="0" y="995061"/>
+                    <a:pt x="0" y="641030"/>
+                  </a:cubicBezTo>
+                  <a:cubicBezTo>
+                    <a:pt x="0" y="286999"/>
+                    <a:pt x="286999" y="0"/>
+                    <a:pt x="641030" y="0"/>
+                  </a:cubicBezTo>
+                  <a:close/>
+                </a:path>
+              </a:pathLst>
+            </a:custGeom>
+            <a:grpFill/>
+            <a:ln>
+              <a:noFill/>
+            </a:ln>
+          </p:spPr>
+          <p:style>
+            <a:lnRef idx="2">
+              <a:schemeClr val="accent1">
+                <a:shade val="50000"/>
+              </a:schemeClr>
+            </a:lnRef>
+            <a:fillRef idx="1">
+              <a:schemeClr val="accent1"/>
+            </a:fillRef>
+            <a:effectRef idx="0">
+              <a:schemeClr val="accent1"/>
+            </a:effectRef>
+            <a:fontRef idx="minor">
+              <a:schemeClr val="lt1"/>
+            </a:fontRef>
+          </p:style>
+          <p:txBody>
+            <a:bodyPr rtlCol="0" anchor="ctr"/>
+            <a:lstStyle/>
+            <a:p>
+              <a:pPr algn="ctr"/>
+              <a:endParaRPr lang="pt-BR"/>
+            </a:p>
+          </p:txBody>
+        </p:sp>
+      </p:grpSp>
+      <p:sp>
+        <p:nvSpPr>
+          <p:cNvPr id="21" name="Retângulo 20"/>
+          <p:cNvSpPr/>
+          <p:nvPr/>
+        </p:nvSpPr>
+        <p:spPr>
+          <a:xfrm rot="20404225">
+            <a:off x="9761961" y="-635416"/>
+            <a:ext cx="2759877" cy="2759877"/>
+          </a:xfrm>
+          <a:prstGeom prst="rect">
+            <a:avLst/>
+          </a:prstGeom>
+          <a:noFill/>
+          <a:ln w="76200">
+            <a:solidFill>
+              <a:srgbClr val="0174E1"/>
+            </a:solidFill>
+          </a:ln>
+        </p:spPr>
+        <p:style>
+          <a:lnRef idx="2">
+            <a:schemeClr val="accent1">
+              <a:shade val="50000"/>
+            </a:schemeClr>
+          </a:lnRef>
+          <a:fillRef idx="1">
+            <a:schemeClr val="accent1"/>
+          </a:fillRef>
+          <a:effectRef idx="0">
+            <a:schemeClr val="accent1"/>
+          </a:effectRef>
+          <a:fontRef idx="minor">
+            <a:schemeClr val="lt1"/>
+          </a:fontRef>
+        </p:style>
+        <p:txBody>
+          <a:bodyPr rtlCol="0" anchor="ctr"/>
+          <a:lstStyle/>
+          <a:p>
+            <a:pPr algn="ctr"/>
+            <a:endParaRPr lang="pt-BR"/>
+          </a:p>
+        </p:txBody>
+      </p:sp>
+      <p:sp>
+        <p:nvSpPr>
+          <p:cNvPr id="120" name="Retângulo 119"/>
+          <p:cNvSpPr/>
+          <p:nvPr/>
+        </p:nvSpPr>
+        <p:spPr>
+          <a:xfrm rot="18853478">
+            <a:off x="9834415" y="-1324908"/>
+            <a:ext cx="3146091" cy="3146091"/>
+          </a:xfrm>
+          <a:prstGeom prst="rect">
+            <a:avLst/>
+          </a:prstGeom>
+          <a:noFill/>
+          <a:ln w="76200">
+            <a:solidFill>
+              <a:srgbClr val="0174E1"/>
+            </a:solidFill>
+          </a:ln>
+        </p:spPr>
+        <p:style>
+          <a:lnRef idx="2">
+            <a:schemeClr val="accent1">
+              <a:shade val="50000"/>
+            </a:schemeClr>
+          </a:lnRef>
+          <a:fillRef idx="1">
+            <a:schemeClr val="accent1"/>
+          </a:fillRef>
+          <a:effectRef idx="0">
+            <a:schemeClr val="accent1"/>
+          </a:effectRef>
+          <a:fontRef idx="minor">
+            <a:schemeClr val="lt1"/>
+          </a:fontRef>
+        </p:style>
+        <p:txBody>
+          <a:bodyPr rtlCol="0" anchor="ctr"/>
+          <a:lstStyle/>
+          <a:p>
+            <a:pPr algn="ctr"/>
+            <a:endParaRPr lang="pt-BR"/>
+          </a:p>
+        </p:txBody>
+      </p:sp>
     </p:spTree>
     <p:extLst>
       <p:ext uri="{BB962C8B-B14F-4D97-AF65-F5344CB8AC3E}">
@@ -16600,11 +17571,11 @@
   <p:clrMapOvr>
     <a:masterClrMapping/>
   </p:clrMapOvr>
-  <mc:AlternateContent xmlns:mc="http://schemas.openxmlformats.org/markup-compatibility/2006">
-    <mc:Choice xmlns:p14="http://schemas.microsoft.com/office/powerpoint/2010/main" Requires="p14">
+  <mc:AlternateContent xmlns:mc="http://schemas.openxmlformats.org/markup-compatibility/2006" xmlns:p14="http://schemas.microsoft.com/office/powerpoint/2010/main">
+    <mc:Choice Requires="p14">
       <p:transition spd="slow" p14:dur="2000" advClick="0" advTm="6000"/>
     </mc:Choice>
-    <mc:Fallback>
+    <mc:Fallback xmlns="">
       <p:transition spd="slow" advClick="0" advTm="6000"/>
     </mc:Fallback>
   </mc:AlternateContent>
@@ -16632,7 +17603,7 @@
                             </p:stCondLst>
                             <p:childTnLst>
                               <p:par>
-                                <p:cTn id="5" presetID="1" presetClass="exit" presetSubtype="0" fill="hold" nodeType="afterEffect">
+                                <p:cTn id="5" presetID="2" presetClass="entr" presetSubtype="1" decel="100000" fill="hold" nodeType="withEffect">
                                   <p:stCondLst>
                                     <p:cond delay="0"/>
                                   </p:stCondLst>
@@ -16640,6 +17611,404 @@
                                     <p:set>
                                       <p:cBhvr>
                                         <p:cTn id="6" dur="1" fill="hold">
+                                          <p:stCondLst>
+                                            <p:cond delay="0"/>
+                                          </p:stCondLst>
+                                        </p:cTn>
+                                        <p:tgtEl>
+                                          <p:spTgt spid="20"/>
+                                        </p:tgtEl>
+                                        <p:attrNameLst>
+                                          <p:attrName>style.visibility</p:attrName>
+                                        </p:attrNameLst>
+                                      </p:cBhvr>
+                                      <p:to>
+                                        <p:strVal val="visible"/>
+                                      </p:to>
+                                    </p:set>
+                                    <p:anim calcmode="lin" valueType="num">
+                                      <p:cBhvr additive="base">
+                                        <p:cTn id="7" dur="1000" fill="hold"/>
+                                        <p:tgtEl>
+                                          <p:spTgt spid="20"/>
+                                        </p:tgtEl>
+                                        <p:attrNameLst>
+                                          <p:attrName>ppt_x</p:attrName>
+                                        </p:attrNameLst>
+                                      </p:cBhvr>
+                                      <p:tavLst>
+                                        <p:tav tm="0">
+                                          <p:val>
+                                            <p:strVal val="#ppt_x"/>
+                                          </p:val>
+                                        </p:tav>
+                                        <p:tav tm="100000">
+                                          <p:val>
+                                            <p:strVal val="#ppt_x"/>
+                                          </p:val>
+                                        </p:tav>
+                                      </p:tavLst>
+                                    </p:anim>
+                                    <p:anim calcmode="lin" valueType="num">
+                                      <p:cBhvr additive="base">
+                                        <p:cTn id="8" dur="1000" fill="hold"/>
+                                        <p:tgtEl>
+                                          <p:spTgt spid="20"/>
+                                        </p:tgtEl>
+                                        <p:attrNameLst>
+                                          <p:attrName>ppt_y</p:attrName>
+                                        </p:attrNameLst>
+                                      </p:cBhvr>
+                                      <p:tavLst>
+                                        <p:tav tm="0">
+                                          <p:val>
+                                            <p:strVal val="0-#ppt_h/2"/>
+                                          </p:val>
+                                        </p:tav>
+                                        <p:tav tm="100000">
+                                          <p:val>
+                                            <p:strVal val="#ppt_y"/>
+                                          </p:val>
+                                        </p:tav>
+                                      </p:tavLst>
+                                    </p:anim>
+                                  </p:childTnLst>
+                                </p:cTn>
+                              </p:par>
+                              <p:par>
+                                <p:cTn id="9" presetID="2" presetClass="entr" presetSubtype="4" decel="100000" fill="hold" nodeType="withEffect">
+                                  <p:stCondLst>
+                                    <p:cond delay="250"/>
+                                  </p:stCondLst>
+                                  <p:childTnLst>
+                                    <p:set>
+                                      <p:cBhvr>
+                                        <p:cTn id="10" dur="1" fill="hold">
+                                          <p:stCondLst>
+                                            <p:cond delay="0"/>
+                                          </p:stCondLst>
+                                        </p:cTn>
+                                        <p:tgtEl>
+                                          <p:spTgt spid="111"/>
+                                        </p:tgtEl>
+                                        <p:attrNameLst>
+                                          <p:attrName>style.visibility</p:attrName>
+                                        </p:attrNameLst>
+                                      </p:cBhvr>
+                                      <p:to>
+                                        <p:strVal val="visible"/>
+                                      </p:to>
+                                    </p:set>
+                                    <p:anim calcmode="lin" valueType="num">
+                                      <p:cBhvr additive="base">
+                                        <p:cTn id="11" dur="1000" fill="hold"/>
+                                        <p:tgtEl>
+                                          <p:spTgt spid="111"/>
+                                        </p:tgtEl>
+                                        <p:attrNameLst>
+                                          <p:attrName>ppt_x</p:attrName>
+                                        </p:attrNameLst>
+                                      </p:cBhvr>
+                                      <p:tavLst>
+                                        <p:tav tm="0">
+                                          <p:val>
+                                            <p:strVal val="#ppt_x"/>
+                                          </p:val>
+                                        </p:tav>
+                                        <p:tav tm="100000">
+                                          <p:val>
+                                            <p:strVal val="#ppt_x"/>
+                                          </p:val>
+                                        </p:tav>
+                                      </p:tavLst>
+                                    </p:anim>
+                                    <p:anim calcmode="lin" valueType="num">
+                                      <p:cBhvr additive="base">
+                                        <p:cTn id="12" dur="1000" fill="hold"/>
+                                        <p:tgtEl>
+                                          <p:spTgt spid="111"/>
+                                        </p:tgtEl>
+                                        <p:attrNameLst>
+                                          <p:attrName>ppt_y</p:attrName>
+                                        </p:attrNameLst>
+                                      </p:cBhvr>
+                                      <p:tavLst>
+                                        <p:tav tm="0">
+                                          <p:val>
+                                            <p:strVal val="1+#ppt_h/2"/>
+                                          </p:val>
+                                        </p:tav>
+                                        <p:tav tm="100000">
+                                          <p:val>
+                                            <p:strVal val="#ppt_y"/>
+                                          </p:val>
+                                        </p:tav>
+                                      </p:tavLst>
+                                    </p:anim>
+                                  </p:childTnLst>
+                                </p:cTn>
+                              </p:par>
+                              <p:par>
+                                <p:cTn id="13" presetID="2" presetClass="entr" presetSubtype="4" decel="100000" fill="hold" nodeType="withEffect">
+                                  <p:stCondLst>
+                                    <p:cond delay="750"/>
+                                  </p:stCondLst>
+                                  <p:childTnLst>
+                                    <p:set>
+                                      <p:cBhvr>
+                                        <p:cTn id="14" dur="1" fill="hold">
+                                          <p:stCondLst>
+                                            <p:cond delay="0"/>
+                                          </p:stCondLst>
+                                        </p:cTn>
+                                        <p:tgtEl>
+                                          <p:spTgt spid="117"/>
+                                        </p:tgtEl>
+                                        <p:attrNameLst>
+                                          <p:attrName>style.visibility</p:attrName>
+                                        </p:attrNameLst>
+                                      </p:cBhvr>
+                                      <p:to>
+                                        <p:strVal val="visible"/>
+                                      </p:to>
+                                    </p:set>
+                                    <p:anim calcmode="lin" valueType="num">
+                                      <p:cBhvr additive="base">
+                                        <p:cTn id="15" dur="1000" fill="hold"/>
+                                        <p:tgtEl>
+                                          <p:spTgt spid="117"/>
+                                        </p:tgtEl>
+                                        <p:attrNameLst>
+                                          <p:attrName>ppt_x</p:attrName>
+                                        </p:attrNameLst>
+                                      </p:cBhvr>
+                                      <p:tavLst>
+                                        <p:tav tm="0">
+                                          <p:val>
+                                            <p:strVal val="#ppt_x"/>
+                                          </p:val>
+                                        </p:tav>
+                                        <p:tav tm="100000">
+                                          <p:val>
+                                            <p:strVal val="#ppt_x"/>
+                                          </p:val>
+                                        </p:tav>
+                                      </p:tavLst>
+                                    </p:anim>
+                                    <p:anim calcmode="lin" valueType="num">
+                                      <p:cBhvr additive="base">
+                                        <p:cTn id="16" dur="1000" fill="hold"/>
+                                        <p:tgtEl>
+                                          <p:spTgt spid="117"/>
+                                        </p:tgtEl>
+                                        <p:attrNameLst>
+                                          <p:attrName>ppt_y</p:attrName>
+                                        </p:attrNameLst>
+                                      </p:cBhvr>
+                                      <p:tavLst>
+                                        <p:tav tm="0">
+                                          <p:val>
+                                            <p:strVal val="1+#ppt_h/2"/>
+                                          </p:val>
+                                        </p:tav>
+                                        <p:tav tm="100000">
+                                          <p:val>
+                                            <p:strVal val="#ppt_y"/>
+                                          </p:val>
+                                        </p:tav>
+                                      </p:tavLst>
+                                    </p:anim>
+                                  </p:childTnLst>
+                                </p:cTn>
+                              </p:par>
+                              <p:par>
+                                <p:cTn id="17" presetID="2" presetClass="entr" presetSubtype="4" decel="100000" fill="hold" nodeType="withEffect">
+                                  <p:stCondLst>
+                                    <p:cond delay="1000"/>
+                                  </p:stCondLst>
+                                  <p:childTnLst>
+                                    <p:set>
+                                      <p:cBhvr>
+                                        <p:cTn id="18" dur="1" fill="hold">
+                                          <p:stCondLst>
+                                            <p:cond delay="0"/>
+                                          </p:stCondLst>
+                                        </p:cTn>
+                                        <p:tgtEl>
+                                          <p:spTgt spid="114"/>
+                                        </p:tgtEl>
+                                        <p:attrNameLst>
+                                          <p:attrName>style.visibility</p:attrName>
+                                        </p:attrNameLst>
+                                      </p:cBhvr>
+                                      <p:to>
+                                        <p:strVal val="visible"/>
+                                      </p:to>
+                                    </p:set>
+                                    <p:anim calcmode="lin" valueType="num">
+                                      <p:cBhvr additive="base">
+                                        <p:cTn id="19" dur="1000" fill="hold"/>
+                                        <p:tgtEl>
+                                          <p:spTgt spid="114"/>
+                                        </p:tgtEl>
+                                        <p:attrNameLst>
+                                          <p:attrName>ppt_x</p:attrName>
+                                        </p:attrNameLst>
+                                      </p:cBhvr>
+                                      <p:tavLst>
+                                        <p:tav tm="0">
+                                          <p:val>
+                                            <p:strVal val="#ppt_x"/>
+                                          </p:val>
+                                        </p:tav>
+                                        <p:tav tm="100000">
+                                          <p:val>
+                                            <p:strVal val="#ppt_x"/>
+                                          </p:val>
+                                        </p:tav>
+                                      </p:tavLst>
+                                    </p:anim>
+                                    <p:anim calcmode="lin" valueType="num">
+                                      <p:cBhvr additive="base">
+                                        <p:cTn id="20" dur="1000" fill="hold"/>
+                                        <p:tgtEl>
+                                          <p:spTgt spid="114"/>
+                                        </p:tgtEl>
+                                        <p:attrNameLst>
+                                          <p:attrName>ppt_y</p:attrName>
+                                        </p:attrNameLst>
+                                      </p:cBhvr>
+                                      <p:tavLst>
+                                        <p:tav tm="0">
+                                          <p:val>
+                                            <p:strVal val="1+#ppt_h/2"/>
+                                          </p:val>
+                                        </p:tav>
+                                        <p:tav tm="100000">
+                                          <p:val>
+                                            <p:strVal val="#ppt_y"/>
+                                          </p:val>
+                                        </p:tav>
+                                      </p:tavLst>
+                                    </p:anim>
+                                  </p:childTnLst>
+                                </p:cTn>
+                              </p:par>
+                            </p:childTnLst>
+                          </p:cTn>
+                        </p:par>
+                        <p:par>
+                          <p:cTn id="21" fill="hold">
+                            <p:stCondLst>
+                              <p:cond delay="2000"/>
+                            </p:stCondLst>
+                            <p:childTnLst>
+                              <p:par>
+                                <p:cTn id="22" presetID="64" presetClass="path" presetSubtype="0" repeatCount="indefinite" accel="28000" decel="72000" autoRev="1" fill="hold" nodeType="afterEffect">
+                                  <p:stCondLst>
+                                    <p:cond delay="0"/>
+                                  </p:stCondLst>
+                                  <p:childTnLst>
+                                    <p:animMotion origin="layout" path="M -2.08333E-7 7.40741E-7 L -2.08333E-7 -0.12778 " pathEditMode="relative" rAng="0" ptsTypes="AA">
+                                      <p:cBhvr>
+                                        <p:cTn id="23" dur="4000" fill="hold"/>
+                                        <p:tgtEl>
+                                          <p:spTgt spid="20"/>
+                                        </p:tgtEl>
+                                        <p:attrNameLst>
+                                          <p:attrName>ppt_x</p:attrName>
+                                          <p:attrName>ppt_y</p:attrName>
+                                        </p:attrNameLst>
+                                      </p:cBhvr>
+                                      <p:rCtr x="0" y="-6389"/>
+                                    </p:animMotion>
+                                  </p:childTnLst>
+                                </p:cTn>
+                              </p:par>
+                              <p:par>
+                                <p:cTn id="24" presetID="42" presetClass="path" presetSubtype="0" repeatCount="indefinite" accel="50000" decel="50000" autoRev="1" fill="hold" nodeType="withEffect">
+                                  <p:stCondLst>
+                                    <p:cond delay="500"/>
+                                  </p:stCondLst>
+                                  <p:childTnLst>
+                                    <p:animMotion origin="layout" path="M -3.33333E-6 -3.7037E-7 L -3.33333E-6 0.13889 " pathEditMode="relative" rAng="0" ptsTypes="AA">
+                                      <p:cBhvr>
+                                        <p:cTn id="25" dur="4000" fill="hold"/>
+                                        <p:tgtEl>
+                                          <p:spTgt spid="111"/>
+                                        </p:tgtEl>
+                                        <p:attrNameLst>
+                                          <p:attrName>ppt_x</p:attrName>
+                                          <p:attrName>ppt_y</p:attrName>
+                                        </p:attrNameLst>
+                                      </p:cBhvr>
+                                      <p:rCtr x="0" y="6944"/>
+                                    </p:animMotion>
+                                  </p:childTnLst>
+                                </p:cTn>
+                              </p:par>
+                              <p:par>
+                                <p:cTn id="26" presetID="42" presetClass="path" presetSubtype="0" repeatCount="indefinite" accel="62000" decel="35000" autoRev="1" fill="hold" nodeType="withEffect">
+                                  <p:stCondLst>
+                                    <p:cond delay="1000"/>
+                                  </p:stCondLst>
+                                  <p:childTnLst>
+                                    <p:animMotion origin="layout" path="M -2.08333E-6 -2.22222E-6 L -2.08333E-6 0.11111 " pathEditMode="relative" rAng="0" ptsTypes="AA">
+                                      <p:cBhvr>
+                                        <p:cTn id="27" dur="4000" fill="hold"/>
+                                        <p:tgtEl>
+                                          <p:spTgt spid="117"/>
+                                        </p:tgtEl>
+                                        <p:attrNameLst>
+                                          <p:attrName>ppt_x</p:attrName>
+                                          <p:attrName>ppt_y</p:attrName>
+                                        </p:attrNameLst>
+                                      </p:cBhvr>
+                                      <p:rCtr x="0" y="5556"/>
+                                    </p:animMotion>
+                                  </p:childTnLst>
+                                </p:cTn>
+                              </p:par>
+                              <p:par>
+                                <p:cTn id="28" presetID="42" presetClass="path" presetSubtype="0" accel="50000" decel="50000" fill="hold" nodeType="withEffect">
+                                  <p:stCondLst>
+                                    <p:cond delay="1250"/>
+                                  </p:stCondLst>
+                                  <p:childTnLst>
+                                    <p:animMotion origin="layout" path="M -1.45833E-6 7.40741E-7 L -1.45833E-6 0.12222 " pathEditMode="relative" rAng="0" ptsTypes="AA">
+                                      <p:cBhvr>
+                                        <p:cTn id="29" dur="2000" fill="hold"/>
+                                        <p:tgtEl>
+                                          <p:spTgt spid="114"/>
+                                        </p:tgtEl>
+                                        <p:attrNameLst>
+                                          <p:attrName>ppt_x</p:attrName>
+                                          <p:attrName>ppt_y</p:attrName>
+                                        </p:attrNameLst>
+                                      </p:cBhvr>
+                                      <p:rCtr x="0" y="6111"/>
+                                    </p:animMotion>
+                                  </p:childTnLst>
+                                </p:cTn>
+                              </p:par>
+                            </p:childTnLst>
+                          </p:cTn>
+                        </p:par>
+                        <p:par>
+                          <p:cTn id="30" fill="hold">
+                            <p:stCondLst>
+                              <p:cond delay="11000"/>
+                            </p:stCondLst>
+                            <p:childTnLst>
+                              <p:par>
+                                <p:cTn id="31" presetID="1" presetClass="exit" presetSubtype="0" fill="hold" nodeType="afterEffect">
+                                  <p:stCondLst>
+                                    <p:cond delay="0"/>
+                                  </p:stCondLst>
+                                  <p:childTnLst>
+                                    <p:set>
+                                      <p:cBhvr>
+                                        <p:cTn id="32" dur="1" fill="hold">
                                           <p:stCondLst>
                                             <p:cond delay="0"/>
                                           </p:stCondLst>
@@ -16662,20 +18031,20 @@
                           </p:cTn>
                         </p:par>
                         <p:par>
-                          <p:cTn id="7" fill="hold">
+                          <p:cTn id="33" fill="hold">
                             <p:stCondLst>
-                              <p:cond delay="0"/>
+                              <p:cond delay="11000"/>
                             </p:stCondLst>
                             <p:childTnLst>
                               <p:par>
-                                <p:cTn id="8" presetID="1" presetClass="exit" presetSubtype="0" fill="hold" nodeType="afterEffect">
+                                <p:cTn id="34" presetID="1" presetClass="exit" presetSubtype="0" fill="hold" nodeType="afterEffect">
                                   <p:stCondLst>
                                     <p:cond delay="0"/>
                                   </p:stCondLst>
                                   <p:childTnLst>
                                     <p:set>
                                       <p:cBhvr>
-                                        <p:cTn id="9" dur="1" fill="hold">
+                                        <p:cTn id="35" dur="1" fill="hold">
                                           <p:stCondLst>
                                             <p:cond delay="0"/>
                                           </p:stCondLst>
@@ -16695,14 +18064,14 @@
                                 </p:cTn>
                               </p:par>
                               <p:par>
-                                <p:cTn id="10" presetID="2" presetClass="entr" presetSubtype="4" decel="100000" fill="hold" nodeType="withEffect">
+                                <p:cTn id="36" presetID="2" presetClass="entr" presetSubtype="4" decel="100000" fill="hold" nodeType="withEffect">
                                   <p:stCondLst>
                                     <p:cond delay="0"/>
                                   </p:stCondLst>
                                   <p:childTnLst>
                                     <p:set>
                                       <p:cBhvr>
-                                        <p:cTn id="11" dur="1" fill="hold">
+                                        <p:cTn id="37" dur="1" fill="hold">
                                           <p:stCondLst>
                                             <p:cond delay="0"/>
                                           </p:stCondLst>
@@ -16720,7 +18089,7 @@
                                     </p:set>
                                     <p:anim calcmode="lin" valueType="num">
                                       <p:cBhvr additive="base">
-                                        <p:cTn id="12" dur="1000" fill="hold"/>
+                                        <p:cTn id="38" dur="1000" fill="hold"/>
                                         <p:tgtEl>
                                           <p:spTgt spid="18"/>
                                         </p:tgtEl>
@@ -16743,7 +18112,7 @@
                                     </p:anim>
                                     <p:anim calcmode="lin" valueType="num">
                                       <p:cBhvr additive="base">
-                                        <p:cTn id="13" dur="1000" fill="hold"/>
+                                        <p:cTn id="39" dur="1000" fill="hold"/>
                                         <p:tgtEl>
                                           <p:spTgt spid="18"/>
                                         </p:tgtEl>
@@ -16771,20 +18140,20 @@
                           </p:cTn>
                         </p:par>
                         <p:par>
-                          <p:cTn id="14" fill="hold">
+                          <p:cTn id="40" fill="hold">
                             <p:stCondLst>
-                              <p:cond delay="1000"/>
+                              <p:cond delay="12000"/>
                             </p:stCondLst>
                             <p:childTnLst>
                               <p:par>
-                                <p:cTn id="15" presetID="42" presetClass="path" presetSubtype="0" accel="50000" decel="50000" fill="hold" nodeType="afterEffect">
+                                <p:cTn id="41" presetID="42" presetClass="path" presetSubtype="0" accel="50000" decel="50000" fill="hold" nodeType="afterEffect">
                                   <p:stCondLst>
                                     <p:cond delay="0"/>
                                   </p:stCondLst>
                                   <p:childTnLst>
                                     <p:animMotion origin="layout" path="M 3.33333E-6 -4.07407E-6 L 3.33333E-6 0.25 " pathEditMode="relative" rAng="0" ptsTypes="AA">
                                       <p:cBhvr>
-                                        <p:cTn id="16" dur="1750" fill="hold"/>
+                                        <p:cTn id="42" dur="1750" fill="hold"/>
                                         <p:tgtEl>
                                           <p:spTgt spid="18"/>
                                         </p:tgtEl>
@@ -16802,20 +18171,20 @@
                           </p:cTn>
                         </p:par>
                         <p:par>
-                          <p:cTn id="17" fill="hold">
+                          <p:cTn id="43" fill="hold">
                             <p:stCondLst>
-                              <p:cond delay="2750"/>
+                              <p:cond delay="13750"/>
                             </p:stCondLst>
                             <p:childTnLst>
                               <p:par>
-                                <p:cTn id="18" presetID="26" presetClass="entr" presetSubtype="0" fill="hold" nodeType="afterEffect">
+                                <p:cTn id="44" presetID="26" presetClass="entr" presetSubtype="0" fill="hold" nodeType="afterEffect">
                                   <p:stCondLst>
                                     <p:cond delay="0"/>
                                   </p:stCondLst>
                                   <p:childTnLst>
                                     <p:set>
                                       <p:cBhvr>
-                                        <p:cTn id="19" dur="1" fill="hold">
+                                        <p:cTn id="45" dur="1" fill="hold">
                                           <p:stCondLst>
                                             <p:cond delay="0"/>
                                           </p:stCondLst>
@@ -16833,7 +18202,7 @@
                                     </p:set>
                                     <p:animEffect transition="in" filter="wipe(down)">
                                       <p:cBhvr>
-                                        <p:cTn id="20" dur="435">
+                                        <p:cTn id="46" dur="435">
                                           <p:stCondLst>
                                             <p:cond delay="0"/>
                                           </p:stCondLst>
@@ -16845,7 +18214,7 @@
                                     </p:animEffect>
                                     <p:anim calcmode="lin" valueType="num">
                                       <p:cBhvr>
-                                        <p:cTn id="21" dur="1367" tmFilter="0,0; 0.14,0.36; 0.43,0.73; 0.71,0.91; 1.0,1.0">
+                                        <p:cTn id="47" dur="1367" tmFilter="0,0; 0.14,0.36; 0.43,0.73; 0.71,0.91; 1.0,1.0">
                                           <p:stCondLst>
                                             <p:cond delay="0"/>
                                           </p:stCondLst>
@@ -16872,7 +18241,7 @@
                                     </p:anim>
                                     <p:anim calcmode="lin" valueType="num">
                                       <p:cBhvr>
-                                        <p:cTn id="22" dur="498" tmFilter="0.0,0.0; 0.25,0.07; 0.50,0.2; 0.75,0.467; 1.0,1.0">
+                                        <p:cTn id="48" dur="498" tmFilter="0.0,0.0; 0.25,0.07; 0.50,0.2; 0.75,0.467; 1.0,1.0">
                                           <p:stCondLst>
                                             <p:cond delay="0"/>
                                           </p:stCondLst>
@@ -16899,7 +18268,7 @@
                                     </p:anim>
                                     <p:anim calcmode="lin" valueType="num">
                                       <p:cBhvr>
-                                        <p:cTn id="23" dur="498" tmFilter="0, 0; 0.125,0.2665; 0.25,0.4; 0.375,0.465; 0.5,0.5;  0.625,0.535; 0.75,0.6; 0.875,0.7335; 1,1">
+                                        <p:cTn id="49" dur="498" tmFilter="0, 0; 0.125,0.2665; 0.25,0.4; 0.375,0.465; 0.5,0.5;  0.625,0.535; 0.75,0.6; 0.875,0.7335; 1,1">
                                           <p:stCondLst>
                                             <p:cond delay="498"/>
                                           </p:stCondLst>
@@ -16926,7 +18295,7 @@
                                     </p:anim>
                                     <p:anim calcmode="lin" valueType="num">
                                       <p:cBhvr>
-                                        <p:cTn id="24" dur="249" tmFilter="0, 0; 0.125,0.2665; 0.25,0.4; 0.375,0.465; 0.5,0.5;  0.625,0.535; 0.75,0.6; 0.875,0.7335; 1,1">
+                                        <p:cTn id="50" dur="249" tmFilter="0, 0; 0.125,0.2665; 0.25,0.4; 0.375,0.465; 0.5,0.5;  0.625,0.535; 0.75,0.6; 0.875,0.7335; 1,1">
                                           <p:stCondLst>
                                             <p:cond delay="993"/>
                                           </p:stCondLst>
@@ -16953,7 +18322,7 @@
                                     </p:anim>
                                     <p:anim calcmode="lin" valueType="num">
                                       <p:cBhvr>
-                                        <p:cTn id="25" dur="123" tmFilter="0, 0; 0.125,0.2665; 0.25,0.4; 0.375,0.465; 0.5,0.5;  0.625,0.535; 0.75,0.6; 0.875,0.7335; 1,1">
+                                        <p:cTn id="51" dur="123" tmFilter="0, 0; 0.125,0.2665; 0.25,0.4; 0.375,0.465; 0.5,0.5;  0.625,0.535; 0.75,0.6; 0.875,0.7335; 1,1">
                                           <p:stCondLst>
                                             <p:cond delay="1242"/>
                                           </p:stCondLst>
@@ -16980,7 +18349,7 @@
                                     </p:anim>
                                     <p:animScale>
                                       <p:cBhvr>
-                                        <p:cTn id="26" dur="20">
+                                        <p:cTn id="52" dur="20">
                                           <p:stCondLst>
                                             <p:cond delay="487"/>
                                           </p:stCondLst>
@@ -16993,7 +18362,7 @@
                                     </p:animScale>
                                     <p:animScale>
                                       <p:cBhvr>
-                                        <p:cTn id="27" dur="124" decel="50000">
+                                        <p:cTn id="53" dur="124" decel="50000">
                                           <p:stCondLst>
                                             <p:cond delay="507"/>
                                           </p:stCondLst>
@@ -17006,7 +18375,7 @@
                                     </p:animScale>
                                     <p:animScale>
                                       <p:cBhvr>
-                                        <p:cTn id="28" dur="20">
+                                        <p:cTn id="54" dur="20">
                                           <p:stCondLst>
                                             <p:cond delay="984"/>
                                           </p:stCondLst>
@@ -17019,7 +18388,7 @@
                                     </p:animScale>
                                     <p:animScale>
                                       <p:cBhvr>
-                                        <p:cTn id="29" dur="124" decel="50000">
+                                        <p:cTn id="55" dur="124" decel="50000">
                                           <p:stCondLst>
                                             <p:cond delay="1004"/>
                                           </p:stCondLst>
@@ -17032,7 +18401,7 @@
                                     </p:animScale>
                                     <p:animScale>
                                       <p:cBhvr>
-                                        <p:cTn id="30" dur="20">
+                                        <p:cTn id="56" dur="20">
                                           <p:stCondLst>
                                             <p:cond delay="1231"/>
                                           </p:stCondLst>
@@ -17045,7 +18414,7 @@
                                     </p:animScale>
                                     <p:animScale>
                                       <p:cBhvr>
-                                        <p:cTn id="31" dur="124" decel="50000">
+                                        <p:cTn id="57" dur="124" decel="50000">
                                           <p:stCondLst>
                                             <p:cond delay="1251"/>
                                           </p:stCondLst>
@@ -17058,7 +18427,7 @@
                                     </p:animScale>
                                     <p:animScale>
                                       <p:cBhvr>
-                                        <p:cTn id="32" dur="20">
+                                        <p:cTn id="58" dur="20">
                                           <p:stCondLst>
                                             <p:cond delay="1356"/>
                                           </p:stCondLst>
@@ -17071,7 +18440,7 @@
                                     </p:animScale>
                                     <p:animScale>
                                       <p:cBhvr>
-                                        <p:cTn id="33" dur="124" decel="50000">
+                                        <p:cTn id="59" dur="124" decel="50000">
                                           <p:stCondLst>
                                             <p:cond delay="1376"/>
                                           </p:stCondLst>
@@ -17089,20 +18458,20 @@
                           </p:cTn>
                         </p:par>
                         <p:par>
-                          <p:cTn id="34" fill="hold">
+                          <p:cTn id="60" fill="hold">
                             <p:stCondLst>
-                              <p:cond delay="4250"/>
+                              <p:cond delay="15250"/>
                             </p:stCondLst>
                             <p:childTnLst>
                               <p:par>
-                                <p:cTn id="35" presetID="1" presetClass="exit" presetSubtype="0" fill="hold" nodeType="afterEffect">
+                                <p:cTn id="61" presetID="1" presetClass="exit" presetSubtype="0" fill="hold" nodeType="afterEffect">
                                   <p:stCondLst>
                                     <p:cond delay="0"/>
                                   </p:stCondLst>
                                   <p:childTnLst>
                                     <p:set>
                                       <p:cBhvr>
-                                        <p:cTn id="36" dur="1" fill="hold">
+                                        <p:cTn id="62" dur="1" fill="hold">
                                           <p:stCondLst>
                                             <p:cond delay="0"/>
                                           </p:stCondLst>
@@ -17125,20 +18494,20 @@
                           </p:cTn>
                         </p:par>
                         <p:par>
-                          <p:cTn id="37" fill="hold">
+                          <p:cTn id="63" fill="hold">
                             <p:stCondLst>
-                              <p:cond delay="4250"/>
+                              <p:cond delay="15250"/>
                             </p:stCondLst>
                             <p:childTnLst>
                               <p:par>
-                                <p:cTn id="38" presetID="1" presetClass="entr" presetSubtype="0" fill="hold" nodeType="afterEffect">
+                                <p:cTn id="64" presetID="1" presetClass="entr" presetSubtype="0" fill="hold" nodeType="afterEffect">
                                   <p:stCondLst>
                                     <p:cond delay="0"/>
                                   </p:stCondLst>
                                   <p:childTnLst>
                                     <p:set>
                                       <p:cBhvr>
-                                        <p:cTn id="39" dur="1" fill="hold">
+                                        <p:cTn id="65" dur="1" fill="hold">
                                           <p:stCondLst>
                                             <p:cond delay="0"/>
                                           </p:stCondLst>
@@ -17161,20 +18530,20 @@
                           </p:cTn>
                         </p:par>
                         <p:par>
-                          <p:cTn id="40" fill="hold">
+                          <p:cTn id="66" fill="hold">
                             <p:stCondLst>
-                              <p:cond delay="4250"/>
+                              <p:cond delay="15250"/>
                             </p:stCondLst>
                             <p:childTnLst>
                               <p:par>
-                                <p:cTn id="41" presetID="1" presetClass="exit" presetSubtype="0" fill="hold" nodeType="afterEffect">
+                                <p:cTn id="67" presetID="1" presetClass="exit" presetSubtype="0" fill="hold" nodeType="afterEffect">
                                   <p:stCondLst>
                                     <p:cond delay="500"/>
                                   </p:stCondLst>
                                   <p:childTnLst>
                                     <p:set>
                                       <p:cBhvr>
-                                        <p:cTn id="42" dur="1" fill="hold">
+                                        <p:cTn id="68" dur="1" fill="hold">
                                           <p:stCondLst>
                                             <p:cond delay="0"/>
                                           </p:stCondLst>
@@ -17197,20 +18566,20 @@
                           </p:cTn>
                         </p:par>
                         <p:par>
-                          <p:cTn id="43" fill="hold">
+                          <p:cTn id="69" fill="hold">
                             <p:stCondLst>
-                              <p:cond delay="4750"/>
+                              <p:cond delay="15750"/>
                             </p:stCondLst>
                             <p:childTnLst>
                               <p:par>
-                                <p:cTn id="44" presetID="1" presetClass="entr" presetSubtype="0" fill="hold" nodeType="afterEffect">
+                                <p:cTn id="70" presetID="1" presetClass="entr" presetSubtype="0" fill="hold" nodeType="afterEffect">
                                   <p:stCondLst>
                                     <p:cond delay="0"/>
                                   </p:stCondLst>
                                   <p:childTnLst>
                                     <p:set>
                                       <p:cBhvr>
-                                        <p:cTn id="45" dur="1" fill="hold">
+                                        <p:cTn id="71" dur="1" fill="hold">
                                           <p:stCondLst>
                                             <p:cond delay="0"/>
                                           </p:stCondLst>
@@ -17233,20 +18602,20 @@
                           </p:cTn>
                         </p:par>
                         <p:par>
-                          <p:cTn id="46" fill="hold">
+                          <p:cTn id="72" fill="hold">
                             <p:stCondLst>
-                              <p:cond delay="4750"/>
+                              <p:cond delay="15750"/>
                             </p:stCondLst>
                             <p:childTnLst>
                               <p:par>
-                                <p:cTn id="47" presetID="1" presetClass="exit" presetSubtype="0" fill="hold" nodeType="afterEffect">
+                                <p:cTn id="73" presetID="1" presetClass="exit" presetSubtype="0" fill="hold" nodeType="afterEffect">
                                   <p:stCondLst>
                                     <p:cond delay="500"/>
                                   </p:stCondLst>
                                   <p:childTnLst>
                                     <p:set>
                                       <p:cBhvr>
-                                        <p:cTn id="48" dur="1" fill="hold">
+                                        <p:cTn id="74" dur="1" fill="hold">
                                           <p:stCondLst>
                                             <p:cond delay="0"/>
                                           </p:stCondLst>
@@ -17269,20 +18638,20 @@
                           </p:cTn>
                         </p:par>
                         <p:par>
-                          <p:cTn id="49" fill="hold">
+                          <p:cTn id="75" fill="hold">
                             <p:stCondLst>
-                              <p:cond delay="5250"/>
+                              <p:cond delay="16250"/>
                             </p:stCondLst>
                             <p:childTnLst>
                               <p:par>
-                                <p:cTn id="50" presetID="1" presetClass="entr" presetSubtype="0" fill="hold" nodeType="afterEffect">
+                                <p:cTn id="76" presetID="1" presetClass="entr" presetSubtype="0" fill="hold" nodeType="afterEffect">
                                   <p:stCondLst>
                                     <p:cond delay="0"/>
                                   </p:stCondLst>
                                   <p:childTnLst>
                                     <p:set>
                                       <p:cBhvr>
-                                        <p:cTn id="51" dur="1" fill="hold">
+                                        <p:cTn id="77" dur="1" fill="hold">
                                           <p:stCondLst>
                                             <p:cond delay="0"/>
                                           </p:stCondLst>
@@ -17349,48 +18718,12 @@
           <a:chExt cx="0" cy="0"/>
         </a:xfrm>
       </p:grpSpPr>
-      <p:pic>
-        <p:nvPicPr>
-          <p:cNvPr id="7" name="Imagem 6">
-            <a:extLst>
-              <a:ext uri="{FF2B5EF4-FFF2-40B4-BE49-F238E27FC236}">
-                <a16:creationId xmlns:a16="http://schemas.microsoft.com/office/drawing/2014/main" id="{106BA0BA-BF87-43CE-A0A3-2A0613672C8F}"/>
-              </a:ext>
-            </a:extLst>
-          </p:cNvPr>
-          <p:cNvPicPr>
-            <a:picLocks noChangeAspect="1"/>
-          </p:cNvPicPr>
-          <p:nvPr/>
-        </p:nvPicPr>
-        <p:blipFill>
-          <a:blip r:embed="rId2">
-            <a:extLst>
-              <a:ext uri="{28A0092B-C50C-407E-A947-70E740481C1C}">
-                <a14:useLocalDpi xmlns:a14="http://schemas.microsoft.com/office/drawing/2010/main" val="0"/>
-              </a:ext>
-            </a:extLst>
-          </a:blip>
-          <a:stretch>
-            <a:fillRect/>
-          </a:stretch>
-        </p:blipFill>
-        <p:spPr>
-          <a:xfrm>
-            <a:off x="-2483670" y="-1386348"/>
-            <a:ext cx="19149347" cy="10771506"/>
-          </a:xfrm>
-          <a:prstGeom prst="rect">
-            <a:avLst/>
-          </a:prstGeom>
-        </p:spPr>
-      </p:pic>
       <p:sp>
         <p:nvSpPr>
           <p:cNvPr id="8" name="Retângulo 7">
             <a:extLst>
               <a:ext uri="{FF2B5EF4-FFF2-40B4-BE49-F238E27FC236}">
-                <a16:creationId xmlns:a16="http://schemas.microsoft.com/office/drawing/2014/main" id="{BAB3F456-50CC-41AE-9B76-EC97A2174643}"/>
+                <a16:creationId xmlns:a16="http://schemas.microsoft.com/office/drawing/2014/main" xmlns="" id="{BAB3F456-50CC-41AE-9B76-EC97A2174643}"/>
               </a:ext>
             </a:extLst>
           </p:cNvPr>
@@ -17399,7 +18732,7 @@
         </p:nvSpPr>
         <p:spPr>
           <a:xfrm>
-            <a:off x="-1969729" y="-13345653"/>
+            <a:off x="-2477729" y="-14319190"/>
             <a:ext cx="19143406" cy="10766324"/>
           </a:xfrm>
           <a:prstGeom prst="rect">
@@ -17437,6 +18770,47 @@
           </a:p>
         </p:txBody>
       </p:sp>
+      <p:pic>
+        <p:nvPicPr>
+          <p:cNvPr id="1026" name="Picture 2" descr="C:\Users\u18171\Documents\GitHub\Projeto-PP\Stud+\img\background3.jpg"/>
+          <p:cNvPicPr>
+            <a:picLocks noChangeAspect="1" noChangeArrowheads="1"/>
+          </p:cNvPicPr>
+          <p:nvPr/>
+        </p:nvPicPr>
+        <p:blipFill>
+          <a:blip r:embed="rId2">
+            <a:extLst>
+              <a:ext uri="{28A0092B-C50C-407E-A947-70E740481C1C}">
+                <a14:useLocalDpi xmlns:a14="http://schemas.microsoft.com/office/drawing/2010/main" val="0"/>
+              </a:ext>
+            </a:extLst>
+          </a:blip>
+          <a:srcRect/>
+          <a:stretch>
+            <a:fillRect/>
+          </a:stretch>
+        </p:blipFill>
+        <p:spPr bwMode="auto">
+          <a:xfrm>
+            <a:off x="-327789" y="-1000166"/>
+            <a:ext cx="14843525" cy="9953666"/>
+          </a:xfrm>
+          <a:prstGeom prst="rect">
+            <a:avLst/>
+          </a:prstGeom>
+          <a:noFill/>
+          <a:extLst>
+            <a:ext uri="{909E8E84-426E-40DD-AFC4-6F175D3DCCD1}">
+              <a14:hiddenFill xmlns:a14="http://schemas.microsoft.com/office/drawing/2010/main">
+                <a:solidFill>
+                  <a:srgbClr val="FFFFFF"/>
+                </a:solidFill>
+              </a14:hiddenFill>
+            </a:ext>
+          </a:extLst>
+        </p:spPr>
+      </p:pic>
     </p:spTree>
     <p:extLst>
       <p:ext uri="{BB962C8B-B14F-4D97-AF65-F5344CB8AC3E}">
@@ -17447,11 +18821,11 @@
   <p:clrMapOvr>
     <a:masterClrMapping/>
   </p:clrMapOvr>
-  <mc:AlternateContent xmlns:mc="http://schemas.openxmlformats.org/markup-compatibility/2006">
-    <mc:Choice xmlns:p14="http://schemas.microsoft.com/office/powerpoint/2010/main" Requires="p14">
+  <mc:AlternateContent xmlns:mc="http://schemas.openxmlformats.org/markup-compatibility/2006" xmlns:p14="http://schemas.microsoft.com/office/powerpoint/2010/main">
+    <mc:Choice Requires="p14">
       <p:transition spd="slow" p14:dur="2000" advClick="0" advTm="4000"/>
     </mc:Choice>
-    <mc:Fallback>
+    <mc:Fallback xmlns="">
       <p:transition spd="slow" advClick="0" advTm="4000"/>
     </mc:Fallback>
   </mc:AlternateContent>
@@ -17633,24 +19007,33 @@
                                   </p:childTnLst>
                                 </p:cTn>
                               </p:par>
+                            </p:childTnLst>
+                          </p:cTn>
+                        </p:par>
+                        <p:par>
+                          <p:cTn id="14" fill="hold">
+                            <p:stCondLst>
+                              <p:cond delay="1000"/>
+                            </p:stCondLst>
+                            <p:childTnLst>
                               <p:par>
-                                <p:cTn id="14" presetID="35" presetClass="path" presetSubtype="0" accel="62000" decel="36000" fill="hold" nodeType="withEffect">
+                                <p:cTn id="15" presetID="35" presetClass="path" presetSubtype="0" accel="100000" fill="hold" nodeType="afterEffect">
                                   <p:stCondLst>
                                     <p:cond delay="0"/>
                                   </p:stCondLst>
                                   <p:childTnLst>
-                                    <p:animMotion origin="layout" path="M 0.15807 -1.85185E-6 L -0.36927 -1.85185E-6 " pathEditMode="relative" rAng="0" ptsTypes="AA">
+                                    <p:animMotion origin="layout" path="M -1.04167E-6 -1.11111E-6 L -0.1776 -1.11111E-6 " pathEditMode="relative" rAng="0" ptsTypes="AA">
                                       <p:cBhvr>
-                                        <p:cTn id="15" dur="8000" fill="hold"/>
+                                        <p:cTn id="16" dur="5000" fill="hold"/>
                                         <p:tgtEl>
-                                          <p:spTgt spid="7"/>
+                                          <p:spTgt spid="1026"/>
                                         </p:tgtEl>
                                         <p:attrNameLst>
                                           <p:attrName>ppt_x</p:attrName>
                                           <p:attrName>ppt_y</p:attrName>
                                         </p:attrNameLst>
                                       </p:cBhvr>
-                                      <p:rCtr x="-26367" y="0"/>
+                                      <p:rCtr x="-8880" y="0"/>
                                     </p:animMotion>
                                   </p:childTnLst>
                                 </p:cTn>
@@ -17979,7 +19362,7 @@
   <a:extraClrSchemeLst/>
   <a:extLst>
     <a:ext uri="{05A4C25C-085E-4340-85A3-A5531E510DB2}">
-      <thm15:themeFamily xmlns:thm15="http://schemas.microsoft.com/office/thememl/2012/main" name="Office Theme" id="{62F939B6-93AF-4DB8-9C6B-D6C7DFDC589F}" vid="{4A3C46E8-61CC-4603-A589-7422A47A8E4A}"/>
+      <thm15:themeFamily xmlns:thm15="http://schemas.microsoft.com/office/thememl/2012/main" xmlns="" name="Office Theme" id="{62F939B6-93AF-4DB8-9C6B-D6C7DFDC589F}" vid="{4A3C46E8-61CC-4603-A589-7422A47A8E4A}"/>
     </a:ext>
   </a:extLst>
 </a:theme>

--- a/Stud+/modelos/ANIMACAO.pptx
+++ b/Stud+/modelos/ANIMACAO.pptx
@@ -10,6 +10,7 @@
     <p:sldId id="257" r:id="rId4"/>
     <p:sldId id="259" r:id="rId5"/>
     <p:sldId id="260" r:id="rId6"/>
+    <p:sldId id="261" r:id="rId7"/>
   </p:sldIdLst>
   <p:sldSz cx="12192000" cy="6858000"/>
   <p:notesSz cx="6858000" cy="9144000"/>
@@ -133,7 +134,7 @@
           <p:cNvPr id="2" name="Título 1">
             <a:extLst>
               <a:ext uri="{FF2B5EF4-FFF2-40B4-BE49-F238E27FC236}">
-                <a16:creationId xmlns:a16="http://schemas.microsoft.com/office/drawing/2014/main" xmlns="" id="{689F77C3-EEB5-4D0B-89A7-58C0C3AD0A60}"/>
+                <a16:creationId xmlns="" xmlns:a16="http://schemas.microsoft.com/office/drawing/2014/main" id="{689F77C3-EEB5-4D0B-89A7-58C0C3AD0A60}"/>
               </a:ext>
             </a:extLst>
           </p:cNvPr>
@@ -170,7 +171,7 @@
           <p:cNvPr id="3" name="Subtítulo 2">
             <a:extLst>
               <a:ext uri="{FF2B5EF4-FFF2-40B4-BE49-F238E27FC236}">
-                <a16:creationId xmlns:a16="http://schemas.microsoft.com/office/drawing/2014/main" xmlns="" id="{AD93613C-AD8F-4042-B865-E635F10DFEF4}"/>
+                <a16:creationId xmlns="" xmlns:a16="http://schemas.microsoft.com/office/drawing/2014/main" id="{AD93613C-AD8F-4042-B865-E635F10DFEF4}"/>
               </a:ext>
             </a:extLst>
           </p:cNvPr>
@@ -240,7 +241,7 @@
           <p:cNvPr id="4" name="Espaço Reservado para Data 3">
             <a:extLst>
               <a:ext uri="{FF2B5EF4-FFF2-40B4-BE49-F238E27FC236}">
-                <a16:creationId xmlns:a16="http://schemas.microsoft.com/office/drawing/2014/main" xmlns="" id="{4AB2C324-6DBE-4260-A15D-14BE139D70EF}"/>
+                <a16:creationId xmlns="" xmlns:a16="http://schemas.microsoft.com/office/drawing/2014/main" id="{4AB2C324-6DBE-4260-A15D-14BE139D70EF}"/>
               </a:ext>
             </a:extLst>
           </p:cNvPr>
@@ -269,7 +270,7 @@
           <p:cNvPr id="5" name="Espaço Reservado para Rodapé 4">
             <a:extLst>
               <a:ext uri="{FF2B5EF4-FFF2-40B4-BE49-F238E27FC236}">
-                <a16:creationId xmlns:a16="http://schemas.microsoft.com/office/drawing/2014/main" xmlns="" id="{2A6109F0-985E-40FF-9299-1494C7A17B63}"/>
+                <a16:creationId xmlns="" xmlns:a16="http://schemas.microsoft.com/office/drawing/2014/main" id="{2A6109F0-985E-40FF-9299-1494C7A17B63}"/>
               </a:ext>
             </a:extLst>
           </p:cNvPr>
@@ -294,7 +295,7 @@
           <p:cNvPr id="6" name="Espaço Reservado para Número de Slide 5">
             <a:extLst>
               <a:ext uri="{FF2B5EF4-FFF2-40B4-BE49-F238E27FC236}">
-                <a16:creationId xmlns:a16="http://schemas.microsoft.com/office/drawing/2014/main" xmlns="" id="{290D3894-0700-4EBF-9362-D4C733667DED}"/>
+                <a16:creationId xmlns="" xmlns:a16="http://schemas.microsoft.com/office/drawing/2014/main" id="{290D3894-0700-4EBF-9362-D4C733667DED}"/>
               </a:ext>
             </a:extLst>
           </p:cNvPr>
@@ -361,7 +362,7 @@
           <p:cNvPr id="2" name="Título 1">
             <a:extLst>
               <a:ext uri="{FF2B5EF4-FFF2-40B4-BE49-F238E27FC236}">
-                <a16:creationId xmlns:a16="http://schemas.microsoft.com/office/drawing/2014/main" xmlns="" id="{E5025D8A-249B-488C-8D60-0E5E076333B7}"/>
+                <a16:creationId xmlns="" xmlns:a16="http://schemas.microsoft.com/office/drawing/2014/main" id="{E5025D8A-249B-488C-8D60-0E5E076333B7}"/>
               </a:ext>
             </a:extLst>
           </p:cNvPr>
@@ -389,7 +390,7 @@
           <p:cNvPr id="3" name="Espaço Reservado para Texto Vertical 2">
             <a:extLst>
               <a:ext uri="{FF2B5EF4-FFF2-40B4-BE49-F238E27FC236}">
-                <a16:creationId xmlns:a16="http://schemas.microsoft.com/office/drawing/2014/main" xmlns="" id="{8DB3F8D8-752C-4F5D-A366-5A3317425D2C}"/>
+                <a16:creationId xmlns="" xmlns:a16="http://schemas.microsoft.com/office/drawing/2014/main" id="{8DB3F8D8-752C-4F5D-A366-5A3317425D2C}"/>
               </a:ext>
             </a:extLst>
           </p:cNvPr>
@@ -446,7 +447,7 @@
           <p:cNvPr id="4" name="Espaço Reservado para Data 3">
             <a:extLst>
               <a:ext uri="{FF2B5EF4-FFF2-40B4-BE49-F238E27FC236}">
-                <a16:creationId xmlns:a16="http://schemas.microsoft.com/office/drawing/2014/main" xmlns="" id="{EFC66C0B-1A9A-4B88-85F3-A17E018919EE}"/>
+                <a16:creationId xmlns="" xmlns:a16="http://schemas.microsoft.com/office/drawing/2014/main" id="{EFC66C0B-1A9A-4B88-85F3-A17E018919EE}"/>
               </a:ext>
             </a:extLst>
           </p:cNvPr>
@@ -475,7 +476,7 @@
           <p:cNvPr id="5" name="Espaço Reservado para Rodapé 4">
             <a:extLst>
               <a:ext uri="{FF2B5EF4-FFF2-40B4-BE49-F238E27FC236}">
-                <a16:creationId xmlns:a16="http://schemas.microsoft.com/office/drawing/2014/main" xmlns="" id="{98936B81-FE88-4C52-8FD3-FAF972C565E9}"/>
+                <a16:creationId xmlns="" xmlns:a16="http://schemas.microsoft.com/office/drawing/2014/main" id="{98936B81-FE88-4C52-8FD3-FAF972C565E9}"/>
               </a:ext>
             </a:extLst>
           </p:cNvPr>
@@ -500,7 +501,7 @@
           <p:cNvPr id="6" name="Espaço Reservado para Número de Slide 5">
             <a:extLst>
               <a:ext uri="{FF2B5EF4-FFF2-40B4-BE49-F238E27FC236}">
-                <a16:creationId xmlns:a16="http://schemas.microsoft.com/office/drawing/2014/main" xmlns="" id="{F312FB7D-4DD6-4F85-80A7-B4FC5930F58F}"/>
+                <a16:creationId xmlns="" xmlns:a16="http://schemas.microsoft.com/office/drawing/2014/main" id="{F312FB7D-4DD6-4F85-80A7-B4FC5930F58F}"/>
               </a:ext>
             </a:extLst>
           </p:cNvPr>
@@ -567,7 +568,7 @@
           <p:cNvPr id="2" name="Título Vertical 1">
             <a:extLst>
               <a:ext uri="{FF2B5EF4-FFF2-40B4-BE49-F238E27FC236}">
-                <a16:creationId xmlns:a16="http://schemas.microsoft.com/office/drawing/2014/main" xmlns="" id="{EA10CD7E-DBA4-48B3-9AA4-A114464532B6}"/>
+                <a16:creationId xmlns="" xmlns:a16="http://schemas.microsoft.com/office/drawing/2014/main" id="{EA10CD7E-DBA4-48B3-9AA4-A114464532B6}"/>
               </a:ext>
             </a:extLst>
           </p:cNvPr>
@@ -600,7 +601,7 @@
           <p:cNvPr id="3" name="Espaço Reservado para Texto Vertical 2">
             <a:extLst>
               <a:ext uri="{FF2B5EF4-FFF2-40B4-BE49-F238E27FC236}">
-                <a16:creationId xmlns:a16="http://schemas.microsoft.com/office/drawing/2014/main" xmlns="" id="{2B43BF95-600D-4C88-A8ED-FC5FC6F213B5}"/>
+                <a16:creationId xmlns="" xmlns:a16="http://schemas.microsoft.com/office/drawing/2014/main" id="{2B43BF95-600D-4C88-A8ED-FC5FC6F213B5}"/>
               </a:ext>
             </a:extLst>
           </p:cNvPr>
@@ -662,7 +663,7 @@
           <p:cNvPr id="4" name="Espaço Reservado para Data 3">
             <a:extLst>
               <a:ext uri="{FF2B5EF4-FFF2-40B4-BE49-F238E27FC236}">
-                <a16:creationId xmlns:a16="http://schemas.microsoft.com/office/drawing/2014/main" xmlns="" id="{D83443BF-7252-43E0-8908-E6009F4FD81F}"/>
+                <a16:creationId xmlns="" xmlns:a16="http://schemas.microsoft.com/office/drawing/2014/main" id="{D83443BF-7252-43E0-8908-E6009F4FD81F}"/>
               </a:ext>
             </a:extLst>
           </p:cNvPr>
@@ -691,7 +692,7 @@
           <p:cNvPr id="5" name="Espaço Reservado para Rodapé 4">
             <a:extLst>
               <a:ext uri="{FF2B5EF4-FFF2-40B4-BE49-F238E27FC236}">
-                <a16:creationId xmlns:a16="http://schemas.microsoft.com/office/drawing/2014/main" xmlns="" id="{8FB4540E-6A7C-4284-920C-5536060BC312}"/>
+                <a16:creationId xmlns="" xmlns:a16="http://schemas.microsoft.com/office/drawing/2014/main" id="{8FB4540E-6A7C-4284-920C-5536060BC312}"/>
               </a:ext>
             </a:extLst>
           </p:cNvPr>
@@ -716,7 +717,7 @@
           <p:cNvPr id="6" name="Espaço Reservado para Número de Slide 5">
             <a:extLst>
               <a:ext uri="{FF2B5EF4-FFF2-40B4-BE49-F238E27FC236}">
-                <a16:creationId xmlns:a16="http://schemas.microsoft.com/office/drawing/2014/main" xmlns="" id="{27F388D4-63EA-45DC-8DD9-C648E83CD446}"/>
+                <a16:creationId xmlns="" xmlns:a16="http://schemas.microsoft.com/office/drawing/2014/main" id="{27F388D4-63EA-45DC-8DD9-C648E83CD446}"/>
               </a:ext>
             </a:extLst>
           </p:cNvPr>
@@ -783,7 +784,7 @@
           <p:cNvPr id="2" name="Título 1">
             <a:extLst>
               <a:ext uri="{FF2B5EF4-FFF2-40B4-BE49-F238E27FC236}">
-                <a16:creationId xmlns:a16="http://schemas.microsoft.com/office/drawing/2014/main" xmlns="" id="{D3F14AFD-1817-4693-9DBA-283ADABF0059}"/>
+                <a16:creationId xmlns="" xmlns:a16="http://schemas.microsoft.com/office/drawing/2014/main" id="{D3F14AFD-1817-4693-9DBA-283ADABF0059}"/>
               </a:ext>
             </a:extLst>
           </p:cNvPr>
@@ -811,7 +812,7 @@
           <p:cNvPr id="3" name="Espaço Reservado para Conteúdo 2">
             <a:extLst>
               <a:ext uri="{FF2B5EF4-FFF2-40B4-BE49-F238E27FC236}">
-                <a16:creationId xmlns:a16="http://schemas.microsoft.com/office/drawing/2014/main" xmlns="" id="{BA8ED499-15EF-42B0-BC5A-19181D7AFE25}"/>
+                <a16:creationId xmlns="" xmlns:a16="http://schemas.microsoft.com/office/drawing/2014/main" id="{BA8ED499-15EF-42B0-BC5A-19181D7AFE25}"/>
               </a:ext>
             </a:extLst>
           </p:cNvPr>
@@ -868,7 +869,7 @@
           <p:cNvPr id="4" name="Espaço Reservado para Data 3">
             <a:extLst>
               <a:ext uri="{FF2B5EF4-FFF2-40B4-BE49-F238E27FC236}">
-                <a16:creationId xmlns:a16="http://schemas.microsoft.com/office/drawing/2014/main" xmlns="" id="{8199F347-18DE-4282-9DEE-700FDB9585BC}"/>
+                <a16:creationId xmlns="" xmlns:a16="http://schemas.microsoft.com/office/drawing/2014/main" id="{8199F347-18DE-4282-9DEE-700FDB9585BC}"/>
               </a:ext>
             </a:extLst>
           </p:cNvPr>
@@ -897,7 +898,7 @@
           <p:cNvPr id="5" name="Espaço Reservado para Rodapé 4">
             <a:extLst>
               <a:ext uri="{FF2B5EF4-FFF2-40B4-BE49-F238E27FC236}">
-                <a16:creationId xmlns:a16="http://schemas.microsoft.com/office/drawing/2014/main" xmlns="" id="{2688D019-31F4-4CF6-B3AF-50127DCB6998}"/>
+                <a16:creationId xmlns="" xmlns:a16="http://schemas.microsoft.com/office/drawing/2014/main" id="{2688D019-31F4-4CF6-B3AF-50127DCB6998}"/>
               </a:ext>
             </a:extLst>
           </p:cNvPr>
@@ -922,7 +923,7 @@
           <p:cNvPr id="6" name="Espaço Reservado para Número de Slide 5">
             <a:extLst>
               <a:ext uri="{FF2B5EF4-FFF2-40B4-BE49-F238E27FC236}">
-                <a16:creationId xmlns:a16="http://schemas.microsoft.com/office/drawing/2014/main" xmlns="" id="{763B616D-10C4-411A-800F-606AEECAD88C}"/>
+                <a16:creationId xmlns="" xmlns:a16="http://schemas.microsoft.com/office/drawing/2014/main" id="{763B616D-10C4-411A-800F-606AEECAD88C}"/>
               </a:ext>
             </a:extLst>
           </p:cNvPr>
@@ -989,7 +990,7 @@
           <p:cNvPr id="2" name="Título 1">
             <a:extLst>
               <a:ext uri="{FF2B5EF4-FFF2-40B4-BE49-F238E27FC236}">
-                <a16:creationId xmlns:a16="http://schemas.microsoft.com/office/drawing/2014/main" xmlns="" id="{EDE30747-FF68-4580-8552-E32030480B40}"/>
+                <a16:creationId xmlns="" xmlns:a16="http://schemas.microsoft.com/office/drawing/2014/main" id="{EDE30747-FF68-4580-8552-E32030480B40}"/>
               </a:ext>
             </a:extLst>
           </p:cNvPr>
@@ -1026,7 +1027,7 @@
           <p:cNvPr id="3" name="Espaço Reservado para Texto 2">
             <a:extLst>
               <a:ext uri="{FF2B5EF4-FFF2-40B4-BE49-F238E27FC236}">
-                <a16:creationId xmlns:a16="http://schemas.microsoft.com/office/drawing/2014/main" xmlns="" id="{A0BD4BDF-E1E4-483D-A47E-1BFF38163435}"/>
+                <a16:creationId xmlns="" xmlns:a16="http://schemas.microsoft.com/office/drawing/2014/main" id="{A0BD4BDF-E1E4-483D-A47E-1BFF38163435}"/>
               </a:ext>
             </a:extLst>
           </p:cNvPr>
@@ -1151,7 +1152,7 @@
           <p:cNvPr id="4" name="Espaço Reservado para Data 3">
             <a:extLst>
               <a:ext uri="{FF2B5EF4-FFF2-40B4-BE49-F238E27FC236}">
-                <a16:creationId xmlns:a16="http://schemas.microsoft.com/office/drawing/2014/main" xmlns="" id="{F8CDE0F2-E487-400C-9701-E6377EFDA1D2}"/>
+                <a16:creationId xmlns="" xmlns:a16="http://schemas.microsoft.com/office/drawing/2014/main" id="{F8CDE0F2-E487-400C-9701-E6377EFDA1D2}"/>
               </a:ext>
             </a:extLst>
           </p:cNvPr>
@@ -1180,7 +1181,7 @@
           <p:cNvPr id="5" name="Espaço Reservado para Rodapé 4">
             <a:extLst>
               <a:ext uri="{FF2B5EF4-FFF2-40B4-BE49-F238E27FC236}">
-                <a16:creationId xmlns:a16="http://schemas.microsoft.com/office/drawing/2014/main" xmlns="" id="{663CB8FE-E14C-4452-859C-148F9D820DC3}"/>
+                <a16:creationId xmlns="" xmlns:a16="http://schemas.microsoft.com/office/drawing/2014/main" id="{663CB8FE-E14C-4452-859C-148F9D820DC3}"/>
               </a:ext>
             </a:extLst>
           </p:cNvPr>
@@ -1205,7 +1206,7 @@
           <p:cNvPr id="6" name="Espaço Reservado para Número de Slide 5">
             <a:extLst>
               <a:ext uri="{FF2B5EF4-FFF2-40B4-BE49-F238E27FC236}">
-                <a16:creationId xmlns:a16="http://schemas.microsoft.com/office/drawing/2014/main" xmlns="" id="{AE595EE1-EC47-4558-9580-381C45742B10}"/>
+                <a16:creationId xmlns="" xmlns:a16="http://schemas.microsoft.com/office/drawing/2014/main" id="{AE595EE1-EC47-4558-9580-381C45742B10}"/>
               </a:ext>
             </a:extLst>
           </p:cNvPr>
@@ -1272,7 +1273,7 @@
           <p:cNvPr id="2" name="Título 1">
             <a:extLst>
               <a:ext uri="{FF2B5EF4-FFF2-40B4-BE49-F238E27FC236}">
-                <a16:creationId xmlns:a16="http://schemas.microsoft.com/office/drawing/2014/main" xmlns="" id="{22F64A4C-9762-40BE-AD2D-6CB49C6D5126}"/>
+                <a16:creationId xmlns="" xmlns:a16="http://schemas.microsoft.com/office/drawing/2014/main" id="{22F64A4C-9762-40BE-AD2D-6CB49C6D5126}"/>
               </a:ext>
             </a:extLst>
           </p:cNvPr>
@@ -1300,7 +1301,7 @@
           <p:cNvPr id="3" name="Espaço Reservado para Conteúdo 2">
             <a:extLst>
               <a:ext uri="{FF2B5EF4-FFF2-40B4-BE49-F238E27FC236}">
-                <a16:creationId xmlns:a16="http://schemas.microsoft.com/office/drawing/2014/main" xmlns="" id="{57A403DB-8BAD-4F6C-A193-AD7C4FD6B405}"/>
+                <a16:creationId xmlns="" xmlns:a16="http://schemas.microsoft.com/office/drawing/2014/main" id="{57A403DB-8BAD-4F6C-A193-AD7C4FD6B405}"/>
               </a:ext>
             </a:extLst>
           </p:cNvPr>
@@ -1362,7 +1363,7 @@
           <p:cNvPr id="4" name="Espaço Reservado para Conteúdo 3">
             <a:extLst>
               <a:ext uri="{FF2B5EF4-FFF2-40B4-BE49-F238E27FC236}">
-                <a16:creationId xmlns:a16="http://schemas.microsoft.com/office/drawing/2014/main" xmlns="" id="{69B6AB88-1143-4BF3-9481-03D1A0E2CB6D}"/>
+                <a16:creationId xmlns="" xmlns:a16="http://schemas.microsoft.com/office/drawing/2014/main" id="{69B6AB88-1143-4BF3-9481-03D1A0E2CB6D}"/>
               </a:ext>
             </a:extLst>
           </p:cNvPr>
@@ -1424,7 +1425,7 @@
           <p:cNvPr id="5" name="Espaço Reservado para Data 4">
             <a:extLst>
               <a:ext uri="{FF2B5EF4-FFF2-40B4-BE49-F238E27FC236}">
-                <a16:creationId xmlns:a16="http://schemas.microsoft.com/office/drawing/2014/main" xmlns="" id="{0A89C9FB-D3AC-48A9-B53D-C74A92717628}"/>
+                <a16:creationId xmlns="" xmlns:a16="http://schemas.microsoft.com/office/drawing/2014/main" id="{0A89C9FB-D3AC-48A9-B53D-C74A92717628}"/>
               </a:ext>
             </a:extLst>
           </p:cNvPr>
@@ -1453,7 +1454,7 @@
           <p:cNvPr id="6" name="Espaço Reservado para Rodapé 5">
             <a:extLst>
               <a:ext uri="{FF2B5EF4-FFF2-40B4-BE49-F238E27FC236}">
-                <a16:creationId xmlns:a16="http://schemas.microsoft.com/office/drawing/2014/main" xmlns="" id="{BA01A437-894D-490E-B61B-A47228651FCB}"/>
+                <a16:creationId xmlns="" xmlns:a16="http://schemas.microsoft.com/office/drawing/2014/main" id="{BA01A437-894D-490E-B61B-A47228651FCB}"/>
               </a:ext>
             </a:extLst>
           </p:cNvPr>
@@ -1478,7 +1479,7 @@
           <p:cNvPr id="7" name="Espaço Reservado para Número de Slide 6">
             <a:extLst>
               <a:ext uri="{FF2B5EF4-FFF2-40B4-BE49-F238E27FC236}">
-                <a16:creationId xmlns:a16="http://schemas.microsoft.com/office/drawing/2014/main" xmlns="" id="{1D2EA690-8F56-45D3-AE17-6FAB4BF52905}"/>
+                <a16:creationId xmlns="" xmlns:a16="http://schemas.microsoft.com/office/drawing/2014/main" id="{1D2EA690-8F56-45D3-AE17-6FAB4BF52905}"/>
               </a:ext>
             </a:extLst>
           </p:cNvPr>
@@ -1545,7 +1546,7 @@
           <p:cNvPr id="2" name="Título 1">
             <a:extLst>
               <a:ext uri="{FF2B5EF4-FFF2-40B4-BE49-F238E27FC236}">
-                <a16:creationId xmlns:a16="http://schemas.microsoft.com/office/drawing/2014/main" xmlns="" id="{02F0D345-80A4-4871-8245-3FBCD62E2953}"/>
+                <a16:creationId xmlns="" xmlns:a16="http://schemas.microsoft.com/office/drawing/2014/main" id="{02F0D345-80A4-4871-8245-3FBCD62E2953}"/>
               </a:ext>
             </a:extLst>
           </p:cNvPr>
@@ -1578,7 +1579,7 @@
           <p:cNvPr id="3" name="Espaço Reservado para Texto 2">
             <a:extLst>
               <a:ext uri="{FF2B5EF4-FFF2-40B4-BE49-F238E27FC236}">
-                <a16:creationId xmlns:a16="http://schemas.microsoft.com/office/drawing/2014/main" xmlns="" id="{0CE55658-11AC-473B-A001-2AB262B4251B}"/>
+                <a16:creationId xmlns="" xmlns:a16="http://schemas.microsoft.com/office/drawing/2014/main" id="{0CE55658-11AC-473B-A001-2AB262B4251B}"/>
               </a:ext>
             </a:extLst>
           </p:cNvPr>
@@ -1649,7 +1650,7 @@
           <p:cNvPr id="4" name="Espaço Reservado para Conteúdo 3">
             <a:extLst>
               <a:ext uri="{FF2B5EF4-FFF2-40B4-BE49-F238E27FC236}">
-                <a16:creationId xmlns:a16="http://schemas.microsoft.com/office/drawing/2014/main" xmlns="" id="{10CF26FE-C274-463B-B9E2-063C4C14D148}"/>
+                <a16:creationId xmlns="" xmlns:a16="http://schemas.microsoft.com/office/drawing/2014/main" id="{10CF26FE-C274-463B-B9E2-063C4C14D148}"/>
               </a:ext>
             </a:extLst>
           </p:cNvPr>
@@ -1711,7 +1712,7 @@
           <p:cNvPr id="5" name="Espaço Reservado para Texto 4">
             <a:extLst>
               <a:ext uri="{FF2B5EF4-FFF2-40B4-BE49-F238E27FC236}">
-                <a16:creationId xmlns:a16="http://schemas.microsoft.com/office/drawing/2014/main" xmlns="" id="{4B7B6F3E-CDFF-49E5-AFCF-23E4B6D60C98}"/>
+                <a16:creationId xmlns="" xmlns:a16="http://schemas.microsoft.com/office/drawing/2014/main" id="{4B7B6F3E-CDFF-49E5-AFCF-23E4B6D60C98}"/>
               </a:ext>
             </a:extLst>
           </p:cNvPr>
@@ -1782,7 +1783,7 @@
           <p:cNvPr id="6" name="Espaço Reservado para Conteúdo 5">
             <a:extLst>
               <a:ext uri="{FF2B5EF4-FFF2-40B4-BE49-F238E27FC236}">
-                <a16:creationId xmlns:a16="http://schemas.microsoft.com/office/drawing/2014/main" xmlns="" id="{3A1E5D22-0BF2-4B65-812A-6632E766E802}"/>
+                <a16:creationId xmlns="" xmlns:a16="http://schemas.microsoft.com/office/drawing/2014/main" id="{3A1E5D22-0BF2-4B65-812A-6632E766E802}"/>
               </a:ext>
             </a:extLst>
           </p:cNvPr>
@@ -1844,7 +1845,7 @@
           <p:cNvPr id="7" name="Espaço Reservado para Data 6">
             <a:extLst>
               <a:ext uri="{FF2B5EF4-FFF2-40B4-BE49-F238E27FC236}">
-                <a16:creationId xmlns:a16="http://schemas.microsoft.com/office/drawing/2014/main" xmlns="" id="{1AC5ED40-96A8-40FA-B8CE-E88FE2672463}"/>
+                <a16:creationId xmlns="" xmlns:a16="http://schemas.microsoft.com/office/drawing/2014/main" id="{1AC5ED40-96A8-40FA-B8CE-E88FE2672463}"/>
               </a:ext>
             </a:extLst>
           </p:cNvPr>
@@ -1873,7 +1874,7 @@
           <p:cNvPr id="8" name="Espaço Reservado para Rodapé 7">
             <a:extLst>
               <a:ext uri="{FF2B5EF4-FFF2-40B4-BE49-F238E27FC236}">
-                <a16:creationId xmlns:a16="http://schemas.microsoft.com/office/drawing/2014/main" xmlns="" id="{3F2CCE11-A63A-4BB1-8486-CE22B19D7652}"/>
+                <a16:creationId xmlns="" xmlns:a16="http://schemas.microsoft.com/office/drawing/2014/main" id="{3F2CCE11-A63A-4BB1-8486-CE22B19D7652}"/>
               </a:ext>
             </a:extLst>
           </p:cNvPr>
@@ -1898,7 +1899,7 @@
           <p:cNvPr id="9" name="Espaço Reservado para Número de Slide 8">
             <a:extLst>
               <a:ext uri="{FF2B5EF4-FFF2-40B4-BE49-F238E27FC236}">
-                <a16:creationId xmlns:a16="http://schemas.microsoft.com/office/drawing/2014/main" xmlns="" id="{BB310A4A-E303-4DED-B6A4-6EAAF580A666}"/>
+                <a16:creationId xmlns="" xmlns:a16="http://schemas.microsoft.com/office/drawing/2014/main" id="{BB310A4A-E303-4DED-B6A4-6EAAF580A666}"/>
               </a:ext>
             </a:extLst>
           </p:cNvPr>
@@ -1965,7 +1966,7 @@
           <p:cNvPr id="2" name="Título 1">
             <a:extLst>
               <a:ext uri="{FF2B5EF4-FFF2-40B4-BE49-F238E27FC236}">
-                <a16:creationId xmlns:a16="http://schemas.microsoft.com/office/drawing/2014/main" xmlns="" id="{4321A209-416D-4584-B559-47AF81AFE896}"/>
+                <a16:creationId xmlns="" xmlns:a16="http://schemas.microsoft.com/office/drawing/2014/main" id="{4321A209-416D-4584-B559-47AF81AFE896}"/>
               </a:ext>
             </a:extLst>
           </p:cNvPr>
@@ -1993,7 +1994,7 @@
           <p:cNvPr id="3" name="Espaço Reservado para Data 2">
             <a:extLst>
               <a:ext uri="{FF2B5EF4-FFF2-40B4-BE49-F238E27FC236}">
-                <a16:creationId xmlns:a16="http://schemas.microsoft.com/office/drawing/2014/main" xmlns="" id="{18835C8A-EF4F-4A65-ABE8-B79368387CC0}"/>
+                <a16:creationId xmlns="" xmlns:a16="http://schemas.microsoft.com/office/drawing/2014/main" id="{18835C8A-EF4F-4A65-ABE8-B79368387CC0}"/>
               </a:ext>
             </a:extLst>
           </p:cNvPr>
@@ -2022,7 +2023,7 @@
           <p:cNvPr id="4" name="Espaço Reservado para Rodapé 3">
             <a:extLst>
               <a:ext uri="{FF2B5EF4-FFF2-40B4-BE49-F238E27FC236}">
-                <a16:creationId xmlns:a16="http://schemas.microsoft.com/office/drawing/2014/main" xmlns="" id="{C3C19DB2-C61B-4178-8E06-14870579E3A0}"/>
+                <a16:creationId xmlns="" xmlns:a16="http://schemas.microsoft.com/office/drawing/2014/main" id="{C3C19DB2-C61B-4178-8E06-14870579E3A0}"/>
               </a:ext>
             </a:extLst>
           </p:cNvPr>
@@ -2047,7 +2048,7 @@
           <p:cNvPr id="5" name="Espaço Reservado para Número de Slide 4">
             <a:extLst>
               <a:ext uri="{FF2B5EF4-FFF2-40B4-BE49-F238E27FC236}">
-                <a16:creationId xmlns:a16="http://schemas.microsoft.com/office/drawing/2014/main" xmlns="" id="{E126F8A3-E0BC-4775-B70D-A49DB47EC84C}"/>
+                <a16:creationId xmlns="" xmlns:a16="http://schemas.microsoft.com/office/drawing/2014/main" id="{E126F8A3-E0BC-4775-B70D-A49DB47EC84C}"/>
               </a:ext>
             </a:extLst>
           </p:cNvPr>
@@ -2114,7 +2115,7 @@
           <p:cNvPr id="2" name="Espaço Reservado para Data 1">
             <a:extLst>
               <a:ext uri="{FF2B5EF4-FFF2-40B4-BE49-F238E27FC236}">
-                <a16:creationId xmlns:a16="http://schemas.microsoft.com/office/drawing/2014/main" xmlns="" id="{D398B22B-D299-4FBD-9152-309F2BF4504B}"/>
+                <a16:creationId xmlns="" xmlns:a16="http://schemas.microsoft.com/office/drawing/2014/main" id="{D398B22B-D299-4FBD-9152-309F2BF4504B}"/>
               </a:ext>
             </a:extLst>
           </p:cNvPr>
@@ -2143,7 +2144,7 @@
           <p:cNvPr id="3" name="Espaço Reservado para Rodapé 2">
             <a:extLst>
               <a:ext uri="{FF2B5EF4-FFF2-40B4-BE49-F238E27FC236}">
-                <a16:creationId xmlns:a16="http://schemas.microsoft.com/office/drawing/2014/main" xmlns="" id="{60A92E44-4D85-49C8-801E-ACE8655ECB75}"/>
+                <a16:creationId xmlns="" xmlns:a16="http://schemas.microsoft.com/office/drawing/2014/main" id="{60A92E44-4D85-49C8-801E-ACE8655ECB75}"/>
               </a:ext>
             </a:extLst>
           </p:cNvPr>
@@ -2168,7 +2169,7 @@
           <p:cNvPr id="4" name="Espaço Reservado para Número de Slide 3">
             <a:extLst>
               <a:ext uri="{FF2B5EF4-FFF2-40B4-BE49-F238E27FC236}">
-                <a16:creationId xmlns:a16="http://schemas.microsoft.com/office/drawing/2014/main" xmlns="" id="{4C4170AC-39C8-436B-9F44-4162946ACF90}"/>
+                <a16:creationId xmlns="" xmlns:a16="http://schemas.microsoft.com/office/drawing/2014/main" id="{4C4170AC-39C8-436B-9F44-4162946ACF90}"/>
               </a:ext>
             </a:extLst>
           </p:cNvPr>
@@ -2235,7 +2236,7 @@
           <p:cNvPr id="2" name="Título 1">
             <a:extLst>
               <a:ext uri="{FF2B5EF4-FFF2-40B4-BE49-F238E27FC236}">
-                <a16:creationId xmlns:a16="http://schemas.microsoft.com/office/drawing/2014/main" xmlns="" id="{76785EC8-9827-4F4B-8B4B-BC37D48C9B95}"/>
+                <a16:creationId xmlns="" xmlns:a16="http://schemas.microsoft.com/office/drawing/2014/main" id="{76785EC8-9827-4F4B-8B4B-BC37D48C9B95}"/>
               </a:ext>
             </a:extLst>
           </p:cNvPr>
@@ -2272,7 +2273,7 @@
           <p:cNvPr id="3" name="Espaço Reservado para Conteúdo 2">
             <a:extLst>
               <a:ext uri="{FF2B5EF4-FFF2-40B4-BE49-F238E27FC236}">
-                <a16:creationId xmlns:a16="http://schemas.microsoft.com/office/drawing/2014/main" xmlns="" id="{5718EA30-24A6-46C9-9565-869A4963EDCA}"/>
+                <a16:creationId xmlns="" xmlns:a16="http://schemas.microsoft.com/office/drawing/2014/main" id="{5718EA30-24A6-46C9-9565-869A4963EDCA}"/>
               </a:ext>
             </a:extLst>
           </p:cNvPr>
@@ -2362,7 +2363,7 @@
           <p:cNvPr id="4" name="Espaço Reservado para Texto 3">
             <a:extLst>
               <a:ext uri="{FF2B5EF4-FFF2-40B4-BE49-F238E27FC236}">
-                <a16:creationId xmlns:a16="http://schemas.microsoft.com/office/drawing/2014/main" xmlns="" id="{6EAEA4F0-BDAA-4869-B563-580C9351DD21}"/>
+                <a16:creationId xmlns="" xmlns:a16="http://schemas.microsoft.com/office/drawing/2014/main" id="{6EAEA4F0-BDAA-4869-B563-580C9351DD21}"/>
               </a:ext>
             </a:extLst>
           </p:cNvPr>
@@ -2433,7 +2434,7 @@
           <p:cNvPr id="5" name="Espaço Reservado para Data 4">
             <a:extLst>
               <a:ext uri="{FF2B5EF4-FFF2-40B4-BE49-F238E27FC236}">
-                <a16:creationId xmlns:a16="http://schemas.microsoft.com/office/drawing/2014/main" xmlns="" id="{D9A52A90-BBCA-4196-BC06-DC1A1F0386B7}"/>
+                <a16:creationId xmlns="" xmlns:a16="http://schemas.microsoft.com/office/drawing/2014/main" id="{D9A52A90-BBCA-4196-BC06-DC1A1F0386B7}"/>
               </a:ext>
             </a:extLst>
           </p:cNvPr>
@@ -2462,7 +2463,7 @@
           <p:cNvPr id="6" name="Espaço Reservado para Rodapé 5">
             <a:extLst>
               <a:ext uri="{FF2B5EF4-FFF2-40B4-BE49-F238E27FC236}">
-                <a16:creationId xmlns:a16="http://schemas.microsoft.com/office/drawing/2014/main" xmlns="" id="{C8345E68-F3E9-448A-AFD1-3C239D9C16C5}"/>
+                <a16:creationId xmlns="" xmlns:a16="http://schemas.microsoft.com/office/drawing/2014/main" id="{C8345E68-F3E9-448A-AFD1-3C239D9C16C5}"/>
               </a:ext>
             </a:extLst>
           </p:cNvPr>
@@ -2487,7 +2488,7 @@
           <p:cNvPr id="7" name="Espaço Reservado para Número de Slide 6">
             <a:extLst>
               <a:ext uri="{FF2B5EF4-FFF2-40B4-BE49-F238E27FC236}">
-                <a16:creationId xmlns:a16="http://schemas.microsoft.com/office/drawing/2014/main" xmlns="" id="{3C8F7DE6-F280-46ED-8EBC-72E7DC6C09BF}"/>
+                <a16:creationId xmlns="" xmlns:a16="http://schemas.microsoft.com/office/drawing/2014/main" id="{3C8F7DE6-F280-46ED-8EBC-72E7DC6C09BF}"/>
               </a:ext>
             </a:extLst>
           </p:cNvPr>
@@ -2554,7 +2555,7 @@
           <p:cNvPr id="2" name="Título 1">
             <a:extLst>
               <a:ext uri="{FF2B5EF4-FFF2-40B4-BE49-F238E27FC236}">
-                <a16:creationId xmlns:a16="http://schemas.microsoft.com/office/drawing/2014/main" xmlns="" id="{CA490AD7-1E1F-42CF-AEAD-B0D04ECC5BDA}"/>
+                <a16:creationId xmlns="" xmlns:a16="http://schemas.microsoft.com/office/drawing/2014/main" id="{CA490AD7-1E1F-42CF-AEAD-B0D04ECC5BDA}"/>
               </a:ext>
             </a:extLst>
           </p:cNvPr>
@@ -2591,7 +2592,7 @@
           <p:cNvPr id="3" name="Espaço Reservado para Imagem 2">
             <a:extLst>
               <a:ext uri="{FF2B5EF4-FFF2-40B4-BE49-F238E27FC236}">
-                <a16:creationId xmlns:a16="http://schemas.microsoft.com/office/drawing/2014/main" xmlns="" id="{73B2DB25-5D9F-42CD-983F-C03A86EFDE4D}"/>
+                <a16:creationId xmlns="" xmlns:a16="http://schemas.microsoft.com/office/drawing/2014/main" id="{73B2DB25-5D9F-42CD-983F-C03A86EFDE4D}"/>
               </a:ext>
             </a:extLst>
           </p:cNvPr>
@@ -2658,7 +2659,7 @@
           <p:cNvPr id="4" name="Espaço Reservado para Texto 3">
             <a:extLst>
               <a:ext uri="{FF2B5EF4-FFF2-40B4-BE49-F238E27FC236}">
-                <a16:creationId xmlns:a16="http://schemas.microsoft.com/office/drawing/2014/main" xmlns="" id="{7A079A99-0E23-405C-8CC9-76E2F7D71188}"/>
+                <a16:creationId xmlns="" xmlns:a16="http://schemas.microsoft.com/office/drawing/2014/main" id="{7A079A99-0E23-405C-8CC9-76E2F7D71188}"/>
               </a:ext>
             </a:extLst>
           </p:cNvPr>
@@ -2729,7 +2730,7 @@
           <p:cNvPr id="5" name="Espaço Reservado para Data 4">
             <a:extLst>
               <a:ext uri="{FF2B5EF4-FFF2-40B4-BE49-F238E27FC236}">
-                <a16:creationId xmlns:a16="http://schemas.microsoft.com/office/drawing/2014/main" xmlns="" id="{2DD83E0C-8D71-4690-A9AE-D0343F903B2D}"/>
+                <a16:creationId xmlns="" xmlns:a16="http://schemas.microsoft.com/office/drawing/2014/main" id="{2DD83E0C-8D71-4690-A9AE-D0343F903B2D}"/>
               </a:ext>
             </a:extLst>
           </p:cNvPr>
@@ -2758,7 +2759,7 @@
           <p:cNvPr id="6" name="Espaço Reservado para Rodapé 5">
             <a:extLst>
               <a:ext uri="{FF2B5EF4-FFF2-40B4-BE49-F238E27FC236}">
-                <a16:creationId xmlns:a16="http://schemas.microsoft.com/office/drawing/2014/main" xmlns="" id="{A40300FD-203D-4AC2-B475-B607A11BBFA8}"/>
+                <a16:creationId xmlns="" xmlns:a16="http://schemas.microsoft.com/office/drawing/2014/main" id="{A40300FD-203D-4AC2-B475-B607A11BBFA8}"/>
               </a:ext>
             </a:extLst>
           </p:cNvPr>
@@ -2783,7 +2784,7 @@
           <p:cNvPr id="7" name="Espaço Reservado para Número de Slide 6">
             <a:extLst>
               <a:ext uri="{FF2B5EF4-FFF2-40B4-BE49-F238E27FC236}">
-                <a16:creationId xmlns:a16="http://schemas.microsoft.com/office/drawing/2014/main" xmlns="" id="{96341428-ABC5-4516-919F-C35793781D19}"/>
+                <a16:creationId xmlns="" xmlns:a16="http://schemas.microsoft.com/office/drawing/2014/main" id="{96341428-ABC5-4516-919F-C35793781D19}"/>
               </a:ext>
             </a:extLst>
           </p:cNvPr>
@@ -2855,7 +2856,7 @@
           <p:cNvPr id="2" name="Espaço Reservado para Título 1">
             <a:extLst>
               <a:ext uri="{FF2B5EF4-FFF2-40B4-BE49-F238E27FC236}">
-                <a16:creationId xmlns:a16="http://schemas.microsoft.com/office/drawing/2014/main" xmlns="" id="{F5A9CA73-275E-402B-A781-BED8E26E62D9}"/>
+                <a16:creationId xmlns="" xmlns:a16="http://schemas.microsoft.com/office/drawing/2014/main" id="{F5A9CA73-275E-402B-A781-BED8E26E62D9}"/>
               </a:ext>
             </a:extLst>
           </p:cNvPr>
@@ -2893,7 +2894,7 @@
           <p:cNvPr id="3" name="Espaço Reservado para Texto 2">
             <a:extLst>
               <a:ext uri="{FF2B5EF4-FFF2-40B4-BE49-F238E27FC236}">
-                <a16:creationId xmlns:a16="http://schemas.microsoft.com/office/drawing/2014/main" xmlns="" id="{0B030618-953C-4611-B07B-0A80B4F4A8F5}"/>
+                <a16:creationId xmlns="" xmlns:a16="http://schemas.microsoft.com/office/drawing/2014/main" id="{0B030618-953C-4611-B07B-0A80B4F4A8F5}"/>
               </a:ext>
             </a:extLst>
           </p:cNvPr>
@@ -2960,7 +2961,7 @@
           <p:cNvPr id="4" name="Espaço Reservado para Data 3">
             <a:extLst>
               <a:ext uri="{FF2B5EF4-FFF2-40B4-BE49-F238E27FC236}">
-                <a16:creationId xmlns:a16="http://schemas.microsoft.com/office/drawing/2014/main" xmlns="" id="{8C44F495-037C-48B2-B675-4FDF5D6C9ED2}"/>
+                <a16:creationId xmlns="" xmlns:a16="http://schemas.microsoft.com/office/drawing/2014/main" id="{8C44F495-037C-48B2-B675-4FDF5D6C9ED2}"/>
               </a:ext>
             </a:extLst>
           </p:cNvPr>
@@ -3007,7 +3008,7 @@
           <p:cNvPr id="5" name="Espaço Reservado para Rodapé 4">
             <a:extLst>
               <a:ext uri="{FF2B5EF4-FFF2-40B4-BE49-F238E27FC236}">
-                <a16:creationId xmlns:a16="http://schemas.microsoft.com/office/drawing/2014/main" xmlns="" id="{B7A1636C-ED97-4205-A64D-164F36D94AE6}"/>
+                <a16:creationId xmlns="" xmlns:a16="http://schemas.microsoft.com/office/drawing/2014/main" id="{B7A1636C-ED97-4205-A64D-164F36D94AE6}"/>
               </a:ext>
             </a:extLst>
           </p:cNvPr>
@@ -3050,7 +3051,7 @@
           <p:cNvPr id="6" name="Espaço Reservado para Número de Slide 5">
             <a:extLst>
               <a:ext uri="{FF2B5EF4-FFF2-40B4-BE49-F238E27FC236}">
-                <a16:creationId xmlns:a16="http://schemas.microsoft.com/office/drawing/2014/main" xmlns="" id="{B92CBF66-768E-4968-9C61-1D97A9AFA011}"/>
+                <a16:creationId xmlns="" xmlns:a16="http://schemas.microsoft.com/office/drawing/2014/main" id="{B92CBF66-768E-4968-9C61-1D97A9AFA011}"/>
               </a:ext>
             </a:extLst>
           </p:cNvPr>
@@ -3426,7 +3427,7 @@
           <p:cNvPr id="4" name="Elipse 3">
             <a:extLst>
               <a:ext uri="{FF2B5EF4-FFF2-40B4-BE49-F238E27FC236}">
-                <a16:creationId xmlns:a16="http://schemas.microsoft.com/office/drawing/2014/main" xmlns="" id="{ADA0A1DC-E048-4D14-9DC1-81D4046E50D4}"/>
+                <a16:creationId xmlns="" xmlns:a16="http://schemas.microsoft.com/office/drawing/2014/main" id="{ADA0A1DC-E048-4D14-9DC1-81D4046E50D4}"/>
               </a:ext>
             </a:extLst>
           </p:cNvPr>
@@ -3478,7 +3479,7 @@
           <p:cNvPr id="5" name="Elipse 4">
             <a:extLst>
               <a:ext uri="{FF2B5EF4-FFF2-40B4-BE49-F238E27FC236}">
-                <a16:creationId xmlns:a16="http://schemas.microsoft.com/office/drawing/2014/main" xmlns="" id="{41DBB942-8ED0-484A-B5DE-6AAE905CC02C}"/>
+                <a16:creationId xmlns="" xmlns:a16="http://schemas.microsoft.com/office/drawing/2014/main" id="{41DBB942-8ED0-484A-B5DE-6AAE905CC02C}"/>
               </a:ext>
             </a:extLst>
           </p:cNvPr>
@@ -3530,7 +3531,7 @@
           <p:cNvPr id="6" name="Elipse 5">
             <a:extLst>
               <a:ext uri="{FF2B5EF4-FFF2-40B4-BE49-F238E27FC236}">
-                <a16:creationId xmlns:a16="http://schemas.microsoft.com/office/drawing/2014/main" xmlns="" id="{20B9A64F-8AB8-4B49-8F2F-5B87C14A85B5}"/>
+                <a16:creationId xmlns="" xmlns:a16="http://schemas.microsoft.com/office/drawing/2014/main" id="{20B9A64F-8AB8-4B49-8F2F-5B87C14A85B5}"/>
               </a:ext>
             </a:extLst>
           </p:cNvPr>
@@ -3582,7 +3583,7 @@
           <p:cNvPr id="7" name="Elipse 6">
             <a:extLst>
               <a:ext uri="{FF2B5EF4-FFF2-40B4-BE49-F238E27FC236}">
-                <a16:creationId xmlns:a16="http://schemas.microsoft.com/office/drawing/2014/main" xmlns="" id="{E53AA0BB-9DAA-4719-BC1B-0A2249B30204}"/>
+                <a16:creationId xmlns="" xmlns:a16="http://schemas.microsoft.com/office/drawing/2014/main" id="{E53AA0BB-9DAA-4719-BC1B-0A2249B30204}"/>
               </a:ext>
             </a:extLst>
           </p:cNvPr>
@@ -3634,7 +3635,7 @@
           <p:cNvPr id="8" name="Elipse 7">
             <a:extLst>
               <a:ext uri="{FF2B5EF4-FFF2-40B4-BE49-F238E27FC236}">
-                <a16:creationId xmlns:a16="http://schemas.microsoft.com/office/drawing/2014/main" xmlns="" id="{FB3B5605-05C3-48F1-ACF3-9384C7443965}"/>
+                <a16:creationId xmlns="" xmlns:a16="http://schemas.microsoft.com/office/drawing/2014/main" id="{FB3B5605-05C3-48F1-ACF3-9384C7443965}"/>
               </a:ext>
             </a:extLst>
           </p:cNvPr>
@@ -3686,7 +3687,7 @@
           <p:cNvPr id="9" name="Elipse 8">
             <a:extLst>
               <a:ext uri="{FF2B5EF4-FFF2-40B4-BE49-F238E27FC236}">
-                <a16:creationId xmlns:a16="http://schemas.microsoft.com/office/drawing/2014/main" xmlns="" id="{CD281981-2817-468F-8E23-D242B5E5FA0D}"/>
+                <a16:creationId xmlns="" xmlns:a16="http://schemas.microsoft.com/office/drawing/2014/main" id="{CD281981-2817-468F-8E23-D242B5E5FA0D}"/>
               </a:ext>
             </a:extLst>
           </p:cNvPr>
@@ -3738,7 +3739,7 @@
           <p:cNvPr id="10" name="Elipse 9">
             <a:extLst>
               <a:ext uri="{FF2B5EF4-FFF2-40B4-BE49-F238E27FC236}">
-                <a16:creationId xmlns:a16="http://schemas.microsoft.com/office/drawing/2014/main" xmlns="" id="{ECE1B6BB-058D-4E3D-A935-89A9A4432B0D}"/>
+                <a16:creationId xmlns="" xmlns:a16="http://schemas.microsoft.com/office/drawing/2014/main" id="{ECE1B6BB-058D-4E3D-A935-89A9A4432B0D}"/>
               </a:ext>
             </a:extLst>
           </p:cNvPr>
@@ -3790,7 +3791,7 @@
           <p:cNvPr id="11" name="Elipse 10">
             <a:extLst>
               <a:ext uri="{FF2B5EF4-FFF2-40B4-BE49-F238E27FC236}">
-                <a16:creationId xmlns:a16="http://schemas.microsoft.com/office/drawing/2014/main" xmlns="" id="{F50D8E89-C8B7-4373-879B-48C5740700C9}"/>
+                <a16:creationId xmlns="" xmlns:a16="http://schemas.microsoft.com/office/drawing/2014/main" id="{F50D8E89-C8B7-4373-879B-48C5740700C9}"/>
               </a:ext>
             </a:extLst>
           </p:cNvPr>
@@ -3842,7 +3843,7 @@
           <p:cNvPr id="12" name="Elipse 11">
             <a:extLst>
               <a:ext uri="{FF2B5EF4-FFF2-40B4-BE49-F238E27FC236}">
-                <a16:creationId xmlns:a16="http://schemas.microsoft.com/office/drawing/2014/main" xmlns="" id="{3C1DB7AA-669B-4E1E-A0B5-09B7262E4783}"/>
+                <a16:creationId xmlns="" xmlns:a16="http://schemas.microsoft.com/office/drawing/2014/main" id="{3C1DB7AA-669B-4E1E-A0B5-09B7262E4783}"/>
               </a:ext>
             </a:extLst>
           </p:cNvPr>
@@ -3894,7 +3895,7 @@
           <p:cNvPr id="13" name="Elipse 12">
             <a:extLst>
               <a:ext uri="{FF2B5EF4-FFF2-40B4-BE49-F238E27FC236}">
-                <a16:creationId xmlns:a16="http://schemas.microsoft.com/office/drawing/2014/main" xmlns="" id="{8E60EAEA-884C-4590-AC40-420571BE364E}"/>
+                <a16:creationId xmlns="" xmlns:a16="http://schemas.microsoft.com/office/drawing/2014/main" id="{8E60EAEA-884C-4590-AC40-420571BE364E}"/>
               </a:ext>
             </a:extLst>
           </p:cNvPr>
@@ -3991,7 +3992,7 @@
           <p:cNvPr id="5" name="Agrupar 4">
             <a:extLst>
               <a:ext uri="{FF2B5EF4-FFF2-40B4-BE49-F238E27FC236}">
-                <a16:creationId xmlns:a16="http://schemas.microsoft.com/office/drawing/2014/main" xmlns="" id="{C7F75122-DABE-42E3-97F5-E8F06A78CF69}"/>
+                <a16:creationId xmlns="" xmlns:a16="http://schemas.microsoft.com/office/drawing/2014/main" id="{C7F75122-DABE-42E3-97F5-E8F06A78CF69}"/>
               </a:ext>
             </a:extLst>
           </p:cNvPr>
@@ -4011,7 +4012,7 @@
             <p:cNvPr id="6" name="Grupo 12">
               <a:extLst>
                 <a:ext uri="{FF2B5EF4-FFF2-40B4-BE49-F238E27FC236}">
-                  <a16:creationId xmlns:a16="http://schemas.microsoft.com/office/drawing/2014/main" xmlns="" id="{9C134253-B3AE-4133-A507-EB06452E9D0E}"/>
+                  <a16:creationId xmlns="" xmlns:a16="http://schemas.microsoft.com/office/drawing/2014/main" id="{9C134253-B3AE-4133-A507-EB06452E9D0E}"/>
                 </a:ext>
               </a:extLst>
             </p:cNvPr>
@@ -4031,7 +4032,7 @@
               <p:cNvPr id="10" name="Grupo 11">
                 <a:extLst>
                   <a:ext uri="{FF2B5EF4-FFF2-40B4-BE49-F238E27FC236}">
-                    <a16:creationId xmlns:a16="http://schemas.microsoft.com/office/drawing/2014/main" xmlns="" id="{8F2AA7ED-0379-45F3-9AC6-FA2E7074A840}"/>
+                    <a16:creationId xmlns="" xmlns:a16="http://schemas.microsoft.com/office/drawing/2014/main" id="{8F2AA7ED-0379-45F3-9AC6-FA2E7074A840}"/>
                   </a:ext>
                 </a:extLst>
               </p:cNvPr>
@@ -4051,7 +4052,7 @@
                 <p:cNvPr id="17" name="Agrupar 3">
                   <a:extLst>
                     <a:ext uri="{FF2B5EF4-FFF2-40B4-BE49-F238E27FC236}">
-                      <a16:creationId xmlns:a16="http://schemas.microsoft.com/office/drawing/2014/main" xmlns="" id="{78FD1B5B-A568-43D4-A2B4-AE3A66D4EFA5}"/>
+                      <a16:creationId xmlns="" xmlns:a16="http://schemas.microsoft.com/office/drawing/2014/main" id="{78FD1B5B-A568-43D4-A2B4-AE3A66D4EFA5}"/>
                     </a:ext>
                   </a:extLst>
                 </p:cNvPr>
@@ -4071,7 +4072,7 @@
                   <p:cNvPr id="25" name="Retângulo: Cantos Arredondados 4">
                     <a:extLst>
                       <a:ext uri="{FF2B5EF4-FFF2-40B4-BE49-F238E27FC236}">
-                        <a16:creationId xmlns:a16="http://schemas.microsoft.com/office/drawing/2014/main" xmlns="" id="{8B6DEE69-6EF8-49B7-B774-0BEB7DC28C12}"/>
+                        <a16:creationId xmlns="" xmlns:a16="http://schemas.microsoft.com/office/drawing/2014/main" id="{8B6DEE69-6EF8-49B7-B774-0BEB7DC28C12}"/>
                       </a:ext>
                     </a:extLst>
                   </p:cNvPr>
@@ -4122,7 +4123,7 @@
                   <p:cNvPr id="26" name="Retângulo: Cantos Arredondados 5">
                     <a:extLst>
                       <a:ext uri="{FF2B5EF4-FFF2-40B4-BE49-F238E27FC236}">
-                        <a16:creationId xmlns:a16="http://schemas.microsoft.com/office/drawing/2014/main" xmlns="" id="{5E7569DC-A17C-4B13-B9F7-D4F13FDEF85B}"/>
+                        <a16:creationId xmlns="" xmlns:a16="http://schemas.microsoft.com/office/drawing/2014/main" id="{5E7569DC-A17C-4B13-B9F7-D4F13FDEF85B}"/>
                       </a:ext>
                     </a:extLst>
                   </p:cNvPr>
@@ -4176,7 +4177,7 @@
                   <p:cNvPr id="27" name="Retângulo: Cantos Arredondados 6">
                     <a:extLst>
                       <a:ext uri="{FF2B5EF4-FFF2-40B4-BE49-F238E27FC236}">
-                        <a16:creationId xmlns:a16="http://schemas.microsoft.com/office/drawing/2014/main" xmlns="" id="{86ADDAC0-2B71-4EB3-9C99-0BE68E41BDFD}"/>
+                        <a16:creationId xmlns="" xmlns:a16="http://schemas.microsoft.com/office/drawing/2014/main" id="{86ADDAC0-2B71-4EB3-9C99-0BE68E41BDFD}"/>
                       </a:ext>
                     </a:extLst>
                   </p:cNvPr>
@@ -4230,7 +4231,7 @@
                   <p:cNvPr id="28" name="Forma Livre: Forma 7">
                     <a:extLst>
                       <a:ext uri="{FF2B5EF4-FFF2-40B4-BE49-F238E27FC236}">
-                        <a16:creationId xmlns:a16="http://schemas.microsoft.com/office/drawing/2014/main" xmlns="" id="{2762ADD9-0760-43FB-B2EB-D3E018170E14}"/>
+                        <a16:creationId xmlns="" xmlns:a16="http://schemas.microsoft.com/office/drawing/2014/main" id="{2762ADD9-0760-43FB-B2EB-D3E018170E14}"/>
                       </a:ext>
                     </a:extLst>
                   </p:cNvPr>
@@ -4361,7 +4362,7 @@
                   <p:cNvPr id="29" name="Retângulo 28">
                     <a:extLst>
                       <a:ext uri="{FF2B5EF4-FFF2-40B4-BE49-F238E27FC236}">
-                        <a16:creationId xmlns:a16="http://schemas.microsoft.com/office/drawing/2014/main" xmlns="" id="{A5B87EBD-55EA-42C0-B512-2DDB28285C50}"/>
+                        <a16:creationId xmlns="" xmlns:a16="http://schemas.microsoft.com/office/drawing/2014/main" id="{A5B87EBD-55EA-42C0-B512-2DDB28285C50}"/>
                       </a:ext>
                     </a:extLst>
                   </p:cNvPr>
@@ -4413,7 +4414,7 @@
                   <p:cNvPr id="30" name="Retângulo: Cantos Arredondados 9">
                     <a:extLst>
                       <a:ext uri="{FF2B5EF4-FFF2-40B4-BE49-F238E27FC236}">
-                        <a16:creationId xmlns:a16="http://schemas.microsoft.com/office/drawing/2014/main" xmlns="" id="{6836D504-15E4-496C-944B-6A7001352718}"/>
+                        <a16:creationId xmlns="" xmlns:a16="http://schemas.microsoft.com/office/drawing/2014/main" id="{6836D504-15E4-496C-944B-6A7001352718}"/>
                       </a:ext>
                     </a:extLst>
                   </p:cNvPr>
@@ -4467,7 +4468,7 @@
                   <p:cNvPr id="31" name="Retângulo: Cantos Arredondados 10">
                     <a:extLst>
                       <a:ext uri="{FF2B5EF4-FFF2-40B4-BE49-F238E27FC236}">
-                        <a16:creationId xmlns:a16="http://schemas.microsoft.com/office/drawing/2014/main" xmlns="" id="{1205C36F-23F8-42B5-8AEB-CAB13F3E41C8}"/>
+                        <a16:creationId xmlns="" xmlns:a16="http://schemas.microsoft.com/office/drawing/2014/main" id="{1205C36F-23F8-42B5-8AEB-CAB13F3E41C8}"/>
                       </a:ext>
                     </a:extLst>
                   </p:cNvPr>
@@ -4522,7 +4523,7 @@
                 <p:cNvPr id="18" name="Agrupar 17">
                   <a:extLst>
                     <a:ext uri="{FF2B5EF4-FFF2-40B4-BE49-F238E27FC236}">
-                      <a16:creationId xmlns:a16="http://schemas.microsoft.com/office/drawing/2014/main" xmlns="" id="{92939F49-14B0-454E-AB33-B94328715DE2}"/>
+                      <a16:creationId xmlns="" xmlns:a16="http://schemas.microsoft.com/office/drawing/2014/main" id="{92939F49-14B0-454E-AB33-B94328715DE2}"/>
                     </a:ext>
                   </a:extLst>
                 </p:cNvPr>
@@ -4542,7 +4543,7 @@
                   <p:cNvPr id="19" name="Forma Livre: Forma 18">
                     <a:extLst>
                       <a:ext uri="{FF2B5EF4-FFF2-40B4-BE49-F238E27FC236}">
-                        <a16:creationId xmlns:a16="http://schemas.microsoft.com/office/drawing/2014/main" xmlns="" id="{BAD52E33-180E-4F90-9389-CC7E167A912B}"/>
+                        <a16:creationId xmlns="" xmlns:a16="http://schemas.microsoft.com/office/drawing/2014/main" id="{BAD52E33-180E-4F90-9389-CC7E167A912B}"/>
                       </a:ext>
                     </a:extLst>
                   </p:cNvPr>
@@ -4677,7 +4678,7 @@
                   <p:cNvPr id="20" name="Forma Livre: Forma 19">
                     <a:extLst>
                       <a:ext uri="{FF2B5EF4-FFF2-40B4-BE49-F238E27FC236}">
-                        <a16:creationId xmlns:a16="http://schemas.microsoft.com/office/drawing/2014/main" xmlns="" id="{55A63886-408D-4591-81D5-B47D759EC8DE}"/>
+                        <a16:creationId xmlns="" xmlns:a16="http://schemas.microsoft.com/office/drawing/2014/main" id="{55A63886-408D-4591-81D5-B47D759EC8DE}"/>
                       </a:ext>
                     </a:extLst>
                   </p:cNvPr>
@@ -4812,7 +4813,7 @@
                   <p:cNvPr id="21" name="Elipse 20">
                     <a:extLst>
                       <a:ext uri="{FF2B5EF4-FFF2-40B4-BE49-F238E27FC236}">
-                        <a16:creationId xmlns:a16="http://schemas.microsoft.com/office/drawing/2014/main" xmlns="" id="{6D5BFB76-F8B2-4BB2-96ED-932648A2E09A}"/>
+                        <a16:creationId xmlns="" xmlns:a16="http://schemas.microsoft.com/office/drawing/2014/main" id="{6D5BFB76-F8B2-4BB2-96ED-932648A2E09A}"/>
                       </a:ext>
                     </a:extLst>
                   </p:cNvPr>
@@ -4864,7 +4865,7 @@
                   <p:cNvPr id="22" name="Retângulo: Cantos Arredondados 21">
                     <a:extLst>
                       <a:ext uri="{FF2B5EF4-FFF2-40B4-BE49-F238E27FC236}">
-                        <a16:creationId xmlns:a16="http://schemas.microsoft.com/office/drawing/2014/main" xmlns="" id="{1ED7B1C2-C8A4-4664-98A5-C0315D116C92}"/>
+                        <a16:creationId xmlns="" xmlns:a16="http://schemas.microsoft.com/office/drawing/2014/main" id="{1ED7B1C2-C8A4-4664-98A5-C0315D116C92}"/>
                       </a:ext>
                     </a:extLst>
                   </p:cNvPr>
@@ -4918,7 +4919,7 @@
                   <p:cNvPr id="23" name="Retângulo: Cantos Arredondados 22">
                     <a:extLst>
                       <a:ext uri="{FF2B5EF4-FFF2-40B4-BE49-F238E27FC236}">
-                        <a16:creationId xmlns:a16="http://schemas.microsoft.com/office/drawing/2014/main" xmlns="" id="{89535B19-428F-4DDC-8C77-A796E0382FD4}"/>
+                        <a16:creationId xmlns="" xmlns:a16="http://schemas.microsoft.com/office/drawing/2014/main" id="{89535B19-428F-4DDC-8C77-A796E0382FD4}"/>
                       </a:ext>
                     </a:extLst>
                   </p:cNvPr>
@@ -4972,7 +4973,7 @@
                   <p:cNvPr id="24" name="Retângulo: Cantos Arredondados 23">
                     <a:extLst>
                       <a:ext uri="{FF2B5EF4-FFF2-40B4-BE49-F238E27FC236}">
-                        <a16:creationId xmlns:a16="http://schemas.microsoft.com/office/drawing/2014/main" xmlns="" id="{E3279415-2C59-423B-8E8A-9C01C73C5F99}"/>
+                        <a16:creationId xmlns="" xmlns:a16="http://schemas.microsoft.com/office/drawing/2014/main" id="{E3279415-2C59-423B-8E8A-9C01C73C5F99}"/>
                       </a:ext>
                     </a:extLst>
                   </p:cNvPr>
@@ -5028,7 +5029,7 @@
               <p:cNvPr id="11" name="Agrupar 11">
                 <a:extLst>
                   <a:ext uri="{FF2B5EF4-FFF2-40B4-BE49-F238E27FC236}">
-                    <a16:creationId xmlns:a16="http://schemas.microsoft.com/office/drawing/2014/main" xmlns="" id="{AF05D767-535B-4406-8E1B-DC460C147172}"/>
+                    <a16:creationId xmlns="" xmlns:a16="http://schemas.microsoft.com/office/drawing/2014/main" id="{AF05D767-535B-4406-8E1B-DC460C147172}"/>
                   </a:ext>
                 </a:extLst>
               </p:cNvPr>
@@ -5048,7 +5049,7 @@
                 <p:cNvPr id="15" name="Retângulo: Cantos Arredondados 12">
                   <a:extLst>
                     <a:ext uri="{FF2B5EF4-FFF2-40B4-BE49-F238E27FC236}">
-                      <a16:creationId xmlns:a16="http://schemas.microsoft.com/office/drawing/2014/main" xmlns="" id="{2D4E8F62-5DB6-499D-950A-79B2E3A38088}"/>
+                      <a16:creationId xmlns="" xmlns:a16="http://schemas.microsoft.com/office/drawing/2014/main" id="{2D4E8F62-5DB6-499D-950A-79B2E3A38088}"/>
                     </a:ext>
                   </a:extLst>
                 </p:cNvPr>
@@ -5102,7 +5103,7 @@
                 <p:cNvPr id="16" name="Retângulo: Cantos Arredondados 13">
                   <a:extLst>
                     <a:ext uri="{FF2B5EF4-FFF2-40B4-BE49-F238E27FC236}">
-                      <a16:creationId xmlns:a16="http://schemas.microsoft.com/office/drawing/2014/main" xmlns="" id="{E4198695-753B-4508-B3CC-7EBF43D7B2C5}"/>
+                      <a16:creationId xmlns="" xmlns:a16="http://schemas.microsoft.com/office/drawing/2014/main" id="{E4198695-753B-4508-B3CC-7EBF43D7B2C5}"/>
                     </a:ext>
                   </a:extLst>
                 </p:cNvPr>
@@ -5157,7 +5158,7 @@
               <p:cNvPr id="12" name="Agrupar 14">
                 <a:extLst>
                   <a:ext uri="{FF2B5EF4-FFF2-40B4-BE49-F238E27FC236}">
-                    <a16:creationId xmlns:a16="http://schemas.microsoft.com/office/drawing/2014/main" xmlns="" id="{71F5180A-6411-4FD5-B4B4-3B5680BEEBE2}"/>
+                    <a16:creationId xmlns="" xmlns:a16="http://schemas.microsoft.com/office/drawing/2014/main" id="{71F5180A-6411-4FD5-B4B4-3B5680BEEBE2}"/>
                   </a:ext>
                 </a:extLst>
               </p:cNvPr>
@@ -5177,7 +5178,7 @@
                 <p:cNvPr id="13" name="Retângulo: Cantos Arredondados 15">
                   <a:extLst>
                     <a:ext uri="{FF2B5EF4-FFF2-40B4-BE49-F238E27FC236}">
-                      <a16:creationId xmlns:a16="http://schemas.microsoft.com/office/drawing/2014/main" xmlns="" id="{73378FA8-D5C8-4FE3-A03F-7BBD1AFFA31B}"/>
+                      <a16:creationId xmlns="" xmlns:a16="http://schemas.microsoft.com/office/drawing/2014/main" id="{73378FA8-D5C8-4FE3-A03F-7BBD1AFFA31B}"/>
                     </a:ext>
                   </a:extLst>
                 </p:cNvPr>
@@ -5231,7 +5232,7 @@
                 <p:cNvPr id="14" name="Retângulo: Cantos Arredondados 16">
                   <a:extLst>
                     <a:ext uri="{FF2B5EF4-FFF2-40B4-BE49-F238E27FC236}">
-                      <a16:creationId xmlns:a16="http://schemas.microsoft.com/office/drawing/2014/main" xmlns="" id="{CA6F9BAE-1F33-4B0F-8849-716FDF5139B8}"/>
+                      <a16:creationId xmlns="" xmlns:a16="http://schemas.microsoft.com/office/drawing/2014/main" id="{CA6F9BAE-1F33-4B0F-8849-716FDF5139B8}"/>
                     </a:ext>
                   </a:extLst>
                 </p:cNvPr>
@@ -5287,7 +5288,7 @@
             <p:cNvPr id="7" name="Agrupar 6">
               <a:extLst>
                 <a:ext uri="{FF2B5EF4-FFF2-40B4-BE49-F238E27FC236}">
-                  <a16:creationId xmlns:a16="http://schemas.microsoft.com/office/drawing/2014/main" xmlns="" id="{E41FC07F-5D39-42B6-AF5B-E5B701564D9F}"/>
+                  <a16:creationId xmlns="" xmlns:a16="http://schemas.microsoft.com/office/drawing/2014/main" id="{E41FC07F-5D39-42B6-AF5B-E5B701564D9F}"/>
                 </a:ext>
               </a:extLst>
             </p:cNvPr>
@@ -5307,7 +5308,7 @@
               <p:cNvPr id="8" name="Forma Livre: Forma 7">
                 <a:extLst>
                   <a:ext uri="{FF2B5EF4-FFF2-40B4-BE49-F238E27FC236}">
-                    <a16:creationId xmlns:a16="http://schemas.microsoft.com/office/drawing/2014/main" xmlns="" id="{A8E18D61-C2DA-4A62-97EE-F0ECA2A4C86F}"/>
+                    <a16:creationId xmlns="" xmlns:a16="http://schemas.microsoft.com/office/drawing/2014/main" id="{A8E18D61-C2DA-4A62-97EE-F0ECA2A4C86F}"/>
                   </a:ext>
                 </a:extLst>
               </p:cNvPr>
@@ -5414,7 +5415,7 @@
               <p:cNvPr id="9" name="Forma Livre: Forma 8">
                 <a:extLst>
                   <a:ext uri="{FF2B5EF4-FFF2-40B4-BE49-F238E27FC236}">
-                    <a16:creationId xmlns:a16="http://schemas.microsoft.com/office/drawing/2014/main" xmlns="" id="{B7581CEC-8DB9-4BA0-B002-B104AE351B7A}"/>
+                    <a16:creationId xmlns="" xmlns:a16="http://schemas.microsoft.com/office/drawing/2014/main" id="{B7581CEC-8DB9-4BA0-B002-B104AE351B7A}"/>
                   </a:ext>
                 </a:extLst>
               </p:cNvPr>
@@ -5559,7 +5560,7 @@
           <p:cNvPr id="32" name="Grupo 12">
             <a:extLst>
               <a:ext uri="{FF2B5EF4-FFF2-40B4-BE49-F238E27FC236}">
-                <a16:creationId xmlns:a16="http://schemas.microsoft.com/office/drawing/2014/main" xmlns="" id="{36B187A1-7D33-493D-93F4-5D35DCB8A05B}"/>
+                <a16:creationId xmlns="" xmlns:a16="http://schemas.microsoft.com/office/drawing/2014/main" id="{36B187A1-7D33-493D-93F4-5D35DCB8A05B}"/>
               </a:ext>
             </a:extLst>
           </p:cNvPr>
@@ -5579,7 +5580,7 @@
             <p:cNvPr id="33" name="Grupo 11">
               <a:extLst>
                 <a:ext uri="{FF2B5EF4-FFF2-40B4-BE49-F238E27FC236}">
-                  <a16:creationId xmlns:a16="http://schemas.microsoft.com/office/drawing/2014/main" xmlns="" id="{D6C18329-4037-46A4-A02B-DDD81B53187F}"/>
+                  <a16:creationId xmlns="" xmlns:a16="http://schemas.microsoft.com/office/drawing/2014/main" id="{D6C18329-4037-46A4-A02B-DDD81B53187F}"/>
                 </a:ext>
               </a:extLst>
             </p:cNvPr>
@@ -5599,7 +5600,7 @@
               <p:cNvPr id="40" name="Agrupar 3">
                 <a:extLst>
                   <a:ext uri="{FF2B5EF4-FFF2-40B4-BE49-F238E27FC236}">
-                    <a16:creationId xmlns:a16="http://schemas.microsoft.com/office/drawing/2014/main" xmlns="" id="{45261C26-CE73-47E2-92E4-0B18B65AEC55}"/>
+                    <a16:creationId xmlns="" xmlns:a16="http://schemas.microsoft.com/office/drawing/2014/main" id="{45261C26-CE73-47E2-92E4-0B18B65AEC55}"/>
                   </a:ext>
                 </a:extLst>
               </p:cNvPr>
@@ -5619,7 +5620,7 @@
                 <p:cNvPr id="49" name="Retângulo: Cantos Arredondados 4">
                   <a:extLst>
                     <a:ext uri="{FF2B5EF4-FFF2-40B4-BE49-F238E27FC236}">
-                      <a16:creationId xmlns:a16="http://schemas.microsoft.com/office/drawing/2014/main" xmlns="" id="{E66D9316-A3B3-4ACB-A8EF-5E6A04FDEDBE}"/>
+                      <a16:creationId xmlns="" xmlns:a16="http://schemas.microsoft.com/office/drawing/2014/main" id="{E66D9316-A3B3-4ACB-A8EF-5E6A04FDEDBE}"/>
                     </a:ext>
                   </a:extLst>
                 </p:cNvPr>
@@ -5670,7 +5671,7 @@
                 <p:cNvPr id="50" name="Retângulo: Cantos Arredondados 5">
                   <a:extLst>
                     <a:ext uri="{FF2B5EF4-FFF2-40B4-BE49-F238E27FC236}">
-                      <a16:creationId xmlns:a16="http://schemas.microsoft.com/office/drawing/2014/main" xmlns="" id="{3BB0CD46-FEF5-484F-B00B-8AACD3B50A33}"/>
+                      <a16:creationId xmlns="" xmlns:a16="http://schemas.microsoft.com/office/drawing/2014/main" id="{3BB0CD46-FEF5-484F-B00B-8AACD3B50A33}"/>
                     </a:ext>
                   </a:extLst>
                 </p:cNvPr>
@@ -5724,7 +5725,7 @@
                 <p:cNvPr id="51" name="Retângulo: Cantos Arredondados 6">
                   <a:extLst>
                     <a:ext uri="{FF2B5EF4-FFF2-40B4-BE49-F238E27FC236}">
-                      <a16:creationId xmlns:a16="http://schemas.microsoft.com/office/drawing/2014/main" xmlns="" id="{E85F8C1C-9843-4F12-916E-04E03BC29388}"/>
+                      <a16:creationId xmlns="" xmlns:a16="http://schemas.microsoft.com/office/drawing/2014/main" id="{E85F8C1C-9843-4F12-916E-04E03BC29388}"/>
                     </a:ext>
                   </a:extLst>
                 </p:cNvPr>
@@ -5778,7 +5779,7 @@
                 <p:cNvPr id="52" name="Forma Livre: Forma 7">
                   <a:extLst>
                     <a:ext uri="{FF2B5EF4-FFF2-40B4-BE49-F238E27FC236}">
-                      <a16:creationId xmlns:a16="http://schemas.microsoft.com/office/drawing/2014/main" xmlns="" id="{4A1469F0-9209-4CF3-9FED-A04E2AA0564B}"/>
+                      <a16:creationId xmlns="" xmlns:a16="http://schemas.microsoft.com/office/drawing/2014/main" id="{4A1469F0-9209-4CF3-9FED-A04E2AA0564B}"/>
                     </a:ext>
                   </a:extLst>
                 </p:cNvPr>
@@ -5909,7 +5910,7 @@
                 <p:cNvPr id="53" name="Retângulo 52">
                   <a:extLst>
                     <a:ext uri="{FF2B5EF4-FFF2-40B4-BE49-F238E27FC236}">
-                      <a16:creationId xmlns:a16="http://schemas.microsoft.com/office/drawing/2014/main" xmlns="" id="{E6DA5428-367C-4E0A-BA15-431C2033AD57}"/>
+                      <a16:creationId xmlns="" xmlns:a16="http://schemas.microsoft.com/office/drawing/2014/main" id="{E6DA5428-367C-4E0A-BA15-431C2033AD57}"/>
                     </a:ext>
                   </a:extLst>
                 </p:cNvPr>
@@ -5961,7 +5962,7 @@
                 <p:cNvPr id="54" name="Retângulo: Cantos Arredondados 9">
                   <a:extLst>
                     <a:ext uri="{FF2B5EF4-FFF2-40B4-BE49-F238E27FC236}">
-                      <a16:creationId xmlns:a16="http://schemas.microsoft.com/office/drawing/2014/main" xmlns="" id="{54DD415C-5764-4345-9885-4F786A9E66A1}"/>
+                      <a16:creationId xmlns="" xmlns:a16="http://schemas.microsoft.com/office/drawing/2014/main" id="{54DD415C-5764-4345-9885-4F786A9E66A1}"/>
                     </a:ext>
                   </a:extLst>
                 </p:cNvPr>
@@ -6015,7 +6016,7 @@
                 <p:cNvPr id="55" name="Retângulo: Cantos Arredondados 10">
                   <a:extLst>
                     <a:ext uri="{FF2B5EF4-FFF2-40B4-BE49-F238E27FC236}">
-                      <a16:creationId xmlns:a16="http://schemas.microsoft.com/office/drawing/2014/main" xmlns="" id="{B62620F7-3C6F-41C3-B72A-DEF26F53097E}"/>
+                      <a16:creationId xmlns="" xmlns:a16="http://schemas.microsoft.com/office/drawing/2014/main" id="{B62620F7-3C6F-41C3-B72A-DEF26F53097E}"/>
                     </a:ext>
                   </a:extLst>
                 </p:cNvPr>
@@ -6070,7 +6071,7 @@
               <p:cNvPr id="41" name="Agrupar 17">
                 <a:extLst>
                   <a:ext uri="{FF2B5EF4-FFF2-40B4-BE49-F238E27FC236}">
-                    <a16:creationId xmlns:a16="http://schemas.microsoft.com/office/drawing/2014/main" xmlns="" id="{BF9D7525-D450-41A6-AEC6-639C61FF69B3}"/>
+                    <a16:creationId xmlns="" xmlns:a16="http://schemas.microsoft.com/office/drawing/2014/main" id="{BF9D7525-D450-41A6-AEC6-639C61FF69B3}"/>
                   </a:ext>
                 </a:extLst>
               </p:cNvPr>
@@ -6090,7 +6091,7 @@
                 <p:cNvPr id="43" name="Forma Livre: Forma 18">
                   <a:extLst>
                     <a:ext uri="{FF2B5EF4-FFF2-40B4-BE49-F238E27FC236}">
-                      <a16:creationId xmlns:a16="http://schemas.microsoft.com/office/drawing/2014/main" xmlns="" id="{7123B068-28FC-4F35-930A-35030509D5D2}"/>
+                      <a16:creationId xmlns="" xmlns:a16="http://schemas.microsoft.com/office/drawing/2014/main" id="{7123B068-28FC-4F35-930A-35030509D5D2}"/>
                     </a:ext>
                   </a:extLst>
                 </p:cNvPr>
@@ -6225,7 +6226,7 @@
                 <p:cNvPr id="44" name="Forma Livre: Forma 19">
                   <a:extLst>
                     <a:ext uri="{FF2B5EF4-FFF2-40B4-BE49-F238E27FC236}">
-                      <a16:creationId xmlns:a16="http://schemas.microsoft.com/office/drawing/2014/main" xmlns="" id="{CD8F2BD2-E622-4D78-AED1-82215A7B1227}"/>
+                      <a16:creationId xmlns="" xmlns:a16="http://schemas.microsoft.com/office/drawing/2014/main" id="{CD8F2BD2-E622-4D78-AED1-82215A7B1227}"/>
                     </a:ext>
                   </a:extLst>
                 </p:cNvPr>
@@ -6360,7 +6361,7 @@
                 <p:cNvPr id="45" name="Elipse 44">
                   <a:extLst>
                     <a:ext uri="{FF2B5EF4-FFF2-40B4-BE49-F238E27FC236}">
-                      <a16:creationId xmlns:a16="http://schemas.microsoft.com/office/drawing/2014/main" xmlns="" id="{F8FE3AD4-33AD-4953-B231-FB2E99DE9DC6}"/>
+                      <a16:creationId xmlns="" xmlns:a16="http://schemas.microsoft.com/office/drawing/2014/main" id="{F8FE3AD4-33AD-4953-B231-FB2E99DE9DC6}"/>
                     </a:ext>
                   </a:extLst>
                 </p:cNvPr>
@@ -6412,7 +6413,7 @@
                 <p:cNvPr id="46" name="Retângulo: Cantos Arredondados 21">
                   <a:extLst>
                     <a:ext uri="{FF2B5EF4-FFF2-40B4-BE49-F238E27FC236}">
-                      <a16:creationId xmlns:a16="http://schemas.microsoft.com/office/drawing/2014/main" xmlns="" id="{F6F3EC36-F458-487C-A1C3-B48BDF57CFFB}"/>
+                      <a16:creationId xmlns="" xmlns:a16="http://schemas.microsoft.com/office/drawing/2014/main" id="{F6F3EC36-F458-487C-A1C3-B48BDF57CFFB}"/>
                     </a:ext>
                   </a:extLst>
                 </p:cNvPr>
@@ -6466,7 +6467,7 @@
                 <p:cNvPr id="47" name="Retângulo: Cantos Arredondados 22">
                   <a:extLst>
                     <a:ext uri="{FF2B5EF4-FFF2-40B4-BE49-F238E27FC236}">
-                      <a16:creationId xmlns:a16="http://schemas.microsoft.com/office/drawing/2014/main" xmlns="" id="{DC83D428-7AAB-4A30-BBC3-259ABBF9F97E}"/>
+                      <a16:creationId xmlns="" xmlns:a16="http://schemas.microsoft.com/office/drawing/2014/main" id="{DC83D428-7AAB-4A30-BBC3-259ABBF9F97E}"/>
                     </a:ext>
                   </a:extLst>
                 </p:cNvPr>
@@ -6520,7 +6521,7 @@
                 <p:cNvPr id="48" name="Retângulo: Cantos Arredondados 23">
                   <a:extLst>
                     <a:ext uri="{FF2B5EF4-FFF2-40B4-BE49-F238E27FC236}">
-                      <a16:creationId xmlns:a16="http://schemas.microsoft.com/office/drawing/2014/main" xmlns="" id="{1DB620D4-4B5B-4410-B70A-BF9DD3CE7D49}"/>
+                      <a16:creationId xmlns="" xmlns:a16="http://schemas.microsoft.com/office/drawing/2014/main" id="{1DB620D4-4B5B-4410-B70A-BF9DD3CE7D49}"/>
                     </a:ext>
                   </a:extLst>
                 </p:cNvPr>
@@ -6575,7 +6576,7 @@
               <p:cNvPr id="42" name="Forma Livre: Forma 24">
                 <a:extLst>
                   <a:ext uri="{FF2B5EF4-FFF2-40B4-BE49-F238E27FC236}">
-                    <a16:creationId xmlns:a16="http://schemas.microsoft.com/office/drawing/2014/main" xmlns="" id="{C23CE8C9-9281-4F3C-BFA0-A519883793D1}"/>
+                    <a16:creationId xmlns="" xmlns:a16="http://schemas.microsoft.com/office/drawing/2014/main" id="{C23CE8C9-9281-4F3C-BFA0-A519883793D1}"/>
                   </a:ext>
                 </a:extLst>
               </p:cNvPr>
@@ -6735,7 +6736,7 @@
             <p:cNvPr id="34" name="Agrupar 11">
               <a:extLst>
                 <a:ext uri="{FF2B5EF4-FFF2-40B4-BE49-F238E27FC236}">
-                  <a16:creationId xmlns:a16="http://schemas.microsoft.com/office/drawing/2014/main" xmlns="" id="{A38E1BB1-6885-4C5F-BC80-8FB963063D91}"/>
+                  <a16:creationId xmlns="" xmlns:a16="http://schemas.microsoft.com/office/drawing/2014/main" id="{A38E1BB1-6885-4C5F-BC80-8FB963063D91}"/>
                 </a:ext>
               </a:extLst>
             </p:cNvPr>
@@ -6755,7 +6756,7 @@
               <p:cNvPr id="38" name="Retângulo: Cantos Arredondados 12">
                 <a:extLst>
                   <a:ext uri="{FF2B5EF4-FFF2-40B4-BE49-F238E27FC236}">
-                    <a16:creationId xmlns:a16="http://schemas.microsoft.com/office/drawing/2014/main" xmlns="" id="{FB316E2E-1EEF-4745-A443-404675B94652}"/>
+                    <a16:creationId xmlns="" xmlns:a16="http://schemas.microsoft.com/office/drawing/2014/main" id="{FB316E2E-1EEF-4745-A443-404675B94652}"/>
                   </a:ext>
                 </a:extLst>
               </p:cNvPr>
@@ -6809,7 +6810,7 @@
               <p:cNvPr id="39" name="Retângulo: Cantos Arredondados 13">
                 <a:extLst>
                   <a:ext uri="{FF2B5EF4-FFF2-40B4-BE49-F238E27FC236}">
-                    <a16:creationId xmlns:a16="http://schemas.microsoft.com/office/drawing/2014/main" xmlns="" id="{6B78E24C-A0D7-4291-AB8C-EFA1FE062443}"/>
+                    <a16:creationId xmlns="" xmlns:a16="http://schemas.microsoft.com/office/drawing/2014/main" id="{6B78E24C-A0D7-4291-AB8C-EFA1FE062443}"/>
                   </a:ext>
                 </a:extLst>
               </p:cNvPr>
@@ -6864,7 +6865,7 @@
             <p:cNvPr id="35" name="Agrupar 14">
               <a:extLst>
                 <a:ext uri="{FF2B5EF4-FFF2-40B4-BE49-F238E27FC236}">
-                  <a16:creationId xmlns:a16="http://schemas.microsoft.com/office/drawing/2014/main" xmlns="" id="{5A97E5FB-68B1-476D-8E5A-0E41A294BD7C}"/>
+                  <a16:creationId xmlns="" xmlns:a16="http://schemas.microsoft.com/office/drawing/2014/main" id="{5A97E5FB-68B1-476D-8E5A-0E41A294BD7C}"/>
                 </a:ext>
               </a:extLst>
             </p:cNvPr>
@@ -6884,7 +6885,7 @@
               <p:cNvPr id="36" name="Retângulo: Cantos Arredondados 15">
                 <a:extLst>
                   <a:ext uri="{FF2B5EF4-FFF2-40B4-BE49-F238E27FC236}">
-                    <a16:creationId xmlns:a16="http://schemas.microsoft.com/office/drawing/2014/main" xmlns="" id="{2CC42DB6-340E-48D0-B0E8-4E4C98241841}"/>
+                    <a16:creationId xmlns="" xmlns:a16="http://schemas.microsoft.com/office/drawing/2014/main" id="{2CC42DB6-340E-48D0-B0E8-4E4C98241841}"/>
                   </a:ext>
                 </a:extLst>
               </p:cNvPr>
@@ -6938,7 +6939,7 @@
               <p:cNvPr id="37" name="Retângulo: Cantos Arredondados 16">
                 <a:extLst>
                   <a:ext uri="{FF2B5EF4-FFF2-40B4-BE49-F238E27FC236}">
-                    <a16:creationId xmlns:a16="http://schemas.microsoft.com/office/drawing/2014/main" xmlns="" id="{B36299D4-C2BF-48F1-A2DA-B46EA1626AE6}"/>
+                    <a16:creationId xmlns="" xmlns:a16="http://schemas.microsoft.com/office/drawing/2014/main" id="{B36299D4-C2BF-48F1-A2DA-B46EA1626AE6}"/>
                   </a:ext>
                 </a:extLst>
               </p:cNvPr>
@@ -6994,7 +6995,7 @@
           <p:cNvPr id="56" name="Retângulo 55">
             <a:extLst>
               <a:ext uri="{FF2B5EF4-FFF2-40B4-BE49-F238E27FC236}">
-                <a16:creationId xmlns:a16="http://schemas.microsoft.com/office/drawing/2014/main" xmlns="" id="{D8AC7571-E85D-4456-B744-F77CE6F5E81D}"/>
+                <a16:creationId xmlns="" xmlns:a16="http://schemas.microsoft.com/office/drawing/2014/main" id="{D8AC7571-E85D-4456-B744-F77CE6F5E81D}"/>
               </a:ext>
             </a:extLst>
           </p:cNvPr>
@@ -7046,7 +7047,7 @@
           <p:cNvPr id="57" name="Forma Livre: Forma 56">
             <a:extLst>
               <a:ext uri="{FF2B5EF4-FFF2-40B4-BE49-F238E27FC236}">
-                <a16:creationId xmlns:a16="http://schemas.microsoft.com/office/drawing/2014/main" xmlns="" id="{7D71645D-3720-46B4-906A-77B3DCA09413}"/>
+                <a16:creationId xmlns="" xmlns:a16="http://schemas.microsoft.com/office/drawing/2014/main" id="{7D71645D-3720-46B4-906A-77B3DCA09413}"/>
               </a:ext>
             </a:extLst>
           </p:cNvPr>
@@ -7213,7 +7214,7 @@
           <p:cNvPr id="58" name="Forma Livre: Forma 57">
             <a:extLst>
               <a:ext uri="{FF2B5EF4-FFF2-40B4-BE49-F238E27FC236}">
-                <a16:creationId xmlns:a16="http://schemas.microsoft.com/office/drawing/2014/main" xmlns="" id="{DC2402AA-236D-4FC6-8E69-ED6CA3309311}"/>
+                <a16:creationId xmlns="" xmlns:a16="http://schemas.microsoft.com/office/drawing/2014/main" id="{DC2402AA-236D-4FC6-8E69-ED6CA3309311}"/>
               </a:ext>
             </a:extLst>
           </p:cNvPr>
@@ -7365,7 +7366,7 @@
           <p:cNvPr id="59" name="Forma Livre: Forma 58">
             <a:extLst>
               <a:ext uri="{FF2B5EF4-FFF2-40B4-BE49-F238E27FC236}">
-                <a16:creationId xmlns:a16="http://schemas.microsoft.com/office/drawing/2014/main" xmlns="" id="{0135304F-892B-46B0-82FB-51DF19A7C1C6}"/>
+                <a16:creationId xmlns="" xmlns:a16="http://schemas.microsoft.com/office/drawing/2014/main" id="{0135304F-892B-46B0-82FB-51DF19A7C1C6}"/>
               </a:ext>
             </a:extLst>
           </p:cNvPr>
@@ -7663,7 +7664,7 @@
           <p:cNvPr id="60" name="Agrupar 59">
             <a:extLst>
               <a:ext uri="{FF2B5EF4-FFF2-40B4-BE49-F238E27FC236}">
-                <a16:creationId xmlns:a16="http://schemas.microsoft.com/office/drawing/2014/main" xmlns="" id="{CC338A4C-D285-4858-AEAF-DC77DD59A4E9}"/>
+                <a16:creationId xmlns="" xmlns:a16="http://schemas.microsoft.com/office/drawing/2014/main" id="{CC338A4C-D285-4858-AEAF-DC77DD59A4E9}"/>
               </a:ext>
             </a:extLst>
           </p:cNvPr>
@@ -7686,7 +7687,7 @@
             <p:cNvPr id="61" name="Cruz 60">
               <a:extLst>
                 <a:ext uri="{FF2B5EF4-FFF2-40B4-BE49-F238E27FC236}">
-                  <a16:creationId xmlns:a16="http://schemas.microsoft.com/office/drawing/2014/main" xmlns="" id="{E0752C28-BE77-49DE-A3C9-BDFFD6B7374B}"/>
+                  <a16:creationId xmlns="" xmlns:a16="http://schemas.microsoft.com/office/drawing/2014/main" id="{E0752C28-BE77-49DE-A3C9-BDFFD6B7374B}"/>
                 </a:ext>
               </a:extLst>
             </p:cNvPr>
@@ -7738,7 +7739,7 @@
             <p:cNvPr id="62" name="Cruz 61">
               <a:extLst>
                 <a:ext uri="{FF2B5EF4-FFF2-40B4-BE49-F238E27FC236}">
-                  <a16:creationId xmlns:a16="http://schemas.microsoft.com/office/drawing/2014/main" xmlns="" id="{FBEE2578-9C27-4785-863E-21CB3CF2C8EC}"/>
+                  <a16:creationId xmlns="" xmlns:a16="http://schemas.microsoft.com/office/drawing/2014/main" id="{FBEE2578-9C27-4785-863E-21CB3CF2C8EC}"/>
                 </a:ext>
               </a:extLst>
             </p:cNvPr>
@@ -7790,7 +7791,7 @@
             <p:cNvPr id="63" name="Cruz 62">
               <a:extLst>
                 <a:ext uri="{FF2B5EF4-FFF2-40B4-BE49-F238E27FC236}">
-                  <a16:creationId xmlns:a16="http://schemas.microsoft.com/office/drawing/2014/main" xmlns="" id="{E27B02EC-7E26-4778-81D8-4476D30931B3}"/>
+                  <a16:creationId xmlns="" xmlns:a16="http://schemas.microsoft.com/office/drawing/2014/main" id="{E27B02EC-7E26-4778-81D8-4476D30931B3}"/>
                 </a:ext>
               </a:extLst>
             </p:cNvPr>
@@ -7842,7 +7843,7 @@
             <p:cNvPr id="64" name="Grupo 19">
               <a:extLst>
                 <a:ext uri="{FF2B5EF4-FFF2-40B4-BE49-F238E27FC236}">
-                  <a16:creationId xmlns:a16="http://schemas.microsoft.com/office/drawing/2014/main" xmlns="" id="{4E18CC5B-41D4-43E9-AC9E-DF05A3C840EF}"/>
+                  <a16:creationId xmlns="" xmlns:a16="http://schemas.microsoft.com/office/drawing/2014/main" id="{4E18CC5B-41D4-43E9-AC9E-DF05A3C840EF}"/>
                 </a:ext>
               </a:extLst>
             </p:cNvPr>
@@ -7863,7 +7864,7 @@
               <p:cNvPr id="65" name="Cruz 64">
                 <a:extLst>
                   <a:ext uri="{FF2B5EF4-FFF2-40B4-BE49-F238E27FC236}">
-                    <a16:creationId xmlns:a16="http://schemas.microsoft.com/office/drawing/2014/main" xmlns="" id="{A6CE64CC-7D77-491D-998A-3AF503AD17F7}"/>
+                    <a16:creationId xmlns="" xmlns:a16="http://schemas.microsoft.com/office/drawing/2014/main" id="{A6CE64CC-7D77-491D-998A-3AF503AD17F7}"/>
                   </a:ext>
                 </a:extLst>
               </p:cNvPr>
@@ -7915,7 +7916,7 @@
               <p:cNvPr id="66" name="Cruz 65">
                 <a:extLst>
                   <a:ext uri="{FF2B5EF4-FFF2-40B4-BE49-F238E27FC236}">
-                    <a16:creationId xmlns:a16="http://schemas.microsoft.com/office/drawing/2014/main" xmlns="" id="{24A77E00-E6B6-4BDB-9D02-198FF5F97182}"/>
+                    <a16:creationId xmlns="" xmlns:a16="http://schemas.microsoft.com/office/drawing/2014/main" id="{24A77E00-E6B6-4BDB-9D02-198FF5F97182}"/>
                   </a:ext>
                 </a:extLst>
               </p:cNvPr>
@@ -7969,7 +7970,7 @@
           <p:cNvPr id="67" name="Grupo 1">
             <a:extLst>
               <a:ext uri="{FF2B5EF4-FFF2-40B4-BE49-F238E27FC236}">
-                <a16:creationId xmlns:a16="http://schemas.microsoft.com/office/drawing/2014/main" xmlns="" id="{D8CE6C4D-E74E-4309-B685-542C7BB10E4F}"/>
+                <a16:creationId xmlns="" xmlns:a16="http://schemas.microsoft.com/office/drawing/2014/main" id="{D8CE6C4D-E74E-4309-B685-542C7BB10E4F}"/>
               </a:ext>
             </a:extLst>
           </p:cNvPr>
@@ -7989,7 +7990,7 @@
             <p:cNvPr id="68" name="Retângulo 67">
               <a:extLst>
                 <a:ext uri="{FF2B5EF4-FFF2-40B4-BE49-F238E27FC236}">
-                  <a16:creationId xmlns:a16="http://schemas.microsoft.com/office/drawing/2014/main" xmlns="" id="{5D44BDC9-6D46-447D-A353-16CA88820C3F}"/>
+                  <a16:creationId xmlns="" xmlns:a16="http://schemas.microsoft.com/office/drawing/2014/main" id="{5D44BDC9-6D46-447D-A353-16CA88820C3F}"/>
                 </a:ext>
               </a:extLst>
             </p:cNvPr>
@@ -8041,7 +8042,7 @@
             <p:cNvPr id="69" name="Triângulo Retângulo 68">
               <a:extLst>
                 <a:ext uri="{FF2B5EF4-FFF2-40B4-BE49-F238E27FC236}">
-                  <a16:creationId xmlns:a16="http://schemas.microsoft.com/office/drawing/2014/main" xmlns="" id="{B310C7AE-31A3-4C21-B6BF-AB9AEADB422C}"/>
+                  <a16:creationId xmlns="" xmlns:a16="http://schemas.microsoft.com/office/drawing/2014/main" id="{B310C7AE-31A3-4C21-B6BF-AB9AEADB422C}"/>
                 </a:ext>
               </a:extLst>
             </p:cNvPr>
@@ -8094,7 +8095,7 @@
           <p:cNvPr id="70" name="Grupo 10">
             <a:extLst>
               <a:ext uri="{FF2B5EF4-FFF2-40B4-BE49-F238E27FC236}">
-                <a16:creationId xmlns:a16="http://schemas.microsoft.com/office/drawing/2014/main" xmlns="" id="{99EEEA5F-E2F1-45A4-B7C2-C2CBF37059D1}"/>
+                <a16:creationId xmlns="" xmlns:a16="http://schemas.microsoft.com/office/drawing/2014/main" id="{99EEEA5F-E2F1-45A4-B7C2-C2CBF37059D1}"/>
               </a:ext>
             </a:extLst>
           </p:cNvPr>
@@ -8114,7 +8115,7 @@
             <p:cNvPr id="71" name="Agrupar 3">
               <a:extLst>
                 <a:ext uri="{FF2B5EF4-FFF2-40B4-BE49-F238E27FC236}">
-                  <a16:creationId xmlns:a16="http://schemas.microsoft.com/office/drawing/2014/main" xmlns="" id="{A9D17EA6-23C7-4156-8800-DE4A6953119C}"/>
+                  <a16:creationId xmlns="" xmlns:a16="http://schemas.microsoft.com/office/drawing/2014/main" id="{A9D17EA6-23C7-4156-8800-DE4A6953119C}"/>
                 </a:ext>
               </a:extLst>
             </p:cNvPr>
@@ -8134,7 +8135,7 @@
               <p:cNvPr id="82" name="Retângulo: Cantos Arredondados 4">
                 <a:extLst>
                   <a:ext uri="{FF2B5EF4-FFF2-40B4-BE49-F238E27FC236}">
-                    <a16:creationId xmlns:a16="http://schemas.microsoft.com/office/drawing/2014/main" xmlns="" id="{63EB42B2-0F3A-425E-BFCE-70D1A98EC107}"/>
+                    <a16:creationId xmlns="" xmlns:a16="http://schemas.microsoft.com/office/drawing/2014/main" id="{63EB42B2-0F3A-425E-BFCE-70D1A98EC107}"/>
                   </a:ext>
                 </a:extLst>
               </p:cNvPr>
@@ -8185,7 +8186,7 @@
               <p:cNvPr id="83" name="Retângulo: Cantos Arredondados 5">
                 <a:extLst>
                   <a:ext uri="{FF2B5EF4-FFF2-40B4-BE49-F238E27FC236}">
-                    <a16:creationId xmlns:a16="http://schemas.microsoft.com/office/drawing/2014/main" xmlns="" id="{BCE010C6-6204-41FB-8D12-6D5DF55AE178}"/>
+                    <a16:creationId xmlns="" xmlns:a16="http://schemas.microsoft.com/office/drawing/2014/main" id="{BCE010C6-6204-41FB-8D12-6D5DF55AE178}"/>
                   </a:ext>
                 </a:extLst>
               </p:cNvPr>
@@ -8239,7 +8240,7 @@
               <p:cNvPr id="84" name="Retângulo: Cantos Arredondados 6">
                 <a:extLst>
                   <a:ext uri="{FF2B5EF4-FFF2-40B4-BE49-F238E27FC236}">
-                    <a16:creationId xmlns:a16="http://schemas.microsoft.com/office/drawing/2014/main" xmlns="" id="{7F0BFC9B-E2A1-44FB-BAF0-92F749AE5FBF}"/>
+                    <a16:creationId xmlns="" xmlns:a16="http://schemas.microsoft.com/office/drawing/2014/main" id="{7F0BFC9B-E2A1-44FB-BAF0-92F749AE5FBF}"/>
                   </a:ext>
                 </a:extLst>
               </p:cNvPr>
@@ -8293,7 +8294,7 @@
               <p:cNvPr id="85" name="Forma Livre: Forma 7">
                 <a:extLst>
                   <a:ext uri="{FF2B5EF4-FFF2-40B4-BE49-F238E27FC236}">
-                    <a16:creationId xmlns:a16="http://schemas.microsoft.com/office/drawing/2014/main" xmlns="" id="{ECDF7175-5DCC-49F5-A7A1-4BD6CB428D9B}"/>
+                    <a16:creationId xmlns="" xmlns:a16="http://schemas.microsoft.com/office/drawing/2014/main" id="{ECDF7175-5DCC-49F5-A7A1-4BD6CB428D9B}"/>
                   </a:ext>
                 </a:extLst>
               </p:cNvPr>
@@ -8424,7 +8425,7 @@
               <p:cNvPr id="86" name="Retângulo 85">
                 <a:extLst>
                   <a:ext uri="{FF2B5EF4-FFF2-40B4-BE49-F238E27FC236}">
-                    <a16:creationId xmlns:a16="http://schemas.microsoft.com/office/drawing/2014/main" xmlns="" id="{4FEEBD15-85B2-4553-9382-B4F27A7213D4}"/>
+                    <a16:creationId xmlns="" xmlns:a16="http://schemas.microsoft.com/office/drawing/2014/main" id="{4FEEBD15-85B2-4553-9382-B4F27A7213D4}"/>
                   </a:ext>
                 </a:extLst>
               </p:cNvPr>
@@ -8476,7 +8477,7 @@
               <p:cNvPr id="87" name="Retângulo: Cantos Arredondados 9">
                 <a:extLst>
                   <a:ext uri="{FF2B5EF4-FFF2-40B4-BE49-F238E27FC236}">
-                    <a16:creationId xmlns:a16="http://schemas.microsoft.com/office/drawing/2014/main" xmlns="" id="{821A7BD2-70DB-4975-9098-B9B74522A62C}"/>
+                    <a16:creationId xmlns="" xmlns:a16="http://schemas.microsoft.com/office/drawing/2014/main" id="{821A7BD2-70DB-4975-9098-B9B74522A62C}"/>
                   </a:ext>
                 </a:extLst>
               </p:cNvPr>
@@ -8530,7 +8531,7 @@
               <p:cNvPr id="88" name="Retângulo: Cantos Arredondados 10">
                 <a:extLst>
                   <a:ext uri="{FF2B5EF4-FFF2-40B4-BE49-F238E27FC236}">
-                    <a16:creationId xmlns:a16="http://schemas.microsoft.com/office/drawing/2014/main" xmlns="" id="{7FC189FD-3A5D-4564-8CFF-60C4118E1B05}"/>
+                    <a16:creationId xmlns="" xmlns:a16="http://schemas.microsoft.com/office/drawing/2014/main" id="{7FC189FD-3A5D-4564-8CFF-60C4118E1B05}"/>
                   </a:ext>
                 </a:extLst>
               </p:cNvPr>
@@ -8585,7 +8586,7 @@
             <p:cNvPr id="72" name="Agrupar 17">
               <a:extLst>
                 <a:ext uri="{FF2B5EF4-FFF2-40B4-BE49-F238E27FC236}">
-                  <a16:creationId xmlns:a16="http://schemas.microsoft.com/office/drawing/2014/main" xmlns="" id="{3CF44AD6-E89C-4147-A9A6-746458B05328}"/>
+                  <a16:creationId xmlns="" xmlns:a16="http://schemas.microsoft.com/office/drawing/2014/main" id="{3CF44AD6-E89C-4147-A9A6-746458B05328}"/>
                 </a:ext>
               </a:extLst>
             </p:cNvPr>
@@ -8605,7 +8606,7 @@
               <p:cNvPr id="76" name="Forma Livre: Forma 18">
                 <a:extLst>
                   <a:ext uri="{FF2B5EF4-FFF2-40B4-BE49-F238E27FC236}">
-                    <a16:creationId xmlns:a16="http://schemas.microsoft.com/office/drawing/2014/main" xmlns="" id="{56D4948E-446E-493A-86E9-A16E4BB950A7}"/>
+                    <a16:creationId xmlns="" xmlns:a16="http://schemas.microsoft.com/office/drawing/2014/main" id="{56D4948E-446E-493A-86E9-A16E4BB950A7}"/>
                   </a:ext>
                 </a:extLst>
               </p:cNvPr>
@@ -8740,7 +8741,7 @@
               <p:cNvPr id="77" name="Forma Livre: Forma 19">
                 <a:extLst>
                   <a:ext uri="{FF2B5EF4-FFF2-40B4-BE49-F238E27FC236}">
-                    <a16:creationId xmlns:a16="http://schemas.microsoft.com/office/drawing/2014/main" xmlns="" id="{2F325523-E94D-49A3-801F-88F26C75EFA3}"/>
+                    <a16:creationId xmlns="" xmlns:a16="http://schemas.microsoft.com/office/drawing/2014/main" id="{2F325523-E94D-49A3-801F-88F26C75EFA3}"/>
                   </a:ext>
                 </a:extLst>
               </p:cNvPr>
@@ -8875,7 +8876,7 @@
               <p:cNvPr id="78" name="Elipse 77">
                 <a:extLst>
                   <a:ext uri="{FF2B5EF4-FFF2-40B4-BE49-F238E27FC236}">
-                    <a16:creationId xmlns:a16="http://schemas.microsoft.com/office/drawing/2014/main" xmlns="" id="{702C186F-3286-4B62-A1BB-74C5D56D57C8}"/>
+                    <a16:creationId xmlns="" xmlns:a16="http://schemas.microsoft.com/office/drawing/2014/main" id="{702C186F-3286-4B62-A1BB-74C5D56D57C8}"/>
                   </a:ext>
                 </a:extLst>
               </p:cNvPr>
@@ -8927,7 +8928,7 @@
               <p:cNvPr id="79" name="Retângulo: Cantos Arredondados 21">
                 <a:extLst>
                   <a:ext uri="{FF2B5EF4-FFF2-40B4-BE49-F238E27FC236}">
-                    <a16:creationId xmlns:a16="http://schemas.microsoft.com/office/drawing/2014/main" xmlns="" id="{00D0C1D8-B0B3-4F01-BCC1-DD1265B6E421}"/>
+                    <a16:creationId xmlns="" xmlns:a16="http://schemas.microsoft.com/office/drawing/2014/main" id="{00D0C1D8-B0B3-4F01-BCC1-DD1265B6E421}"/>
                   </a:ext>
                 </a:extLst>
               </p:cNvPr>
@@ -8981,7 +8982,7 @@
               <p:cNvPr id="80" name="Retângulo: Cantos Arredondados 22">
                 <a:extLst>
                   <a:ext uri="{FF2B5EF4-FFF2-40B4-BE49-F238E27FC236}">
-                    <a16:creationId xmlns:a16="http://schemas.microsoft.com/office/drawing/2014/main" xmlns="" id="{3FA261CF-F0FF-4D5B-B776-B0A9ABA4B59F}"/>
+                    <a16:creationId xmlns="" xmlns:a16="http://schemas.microsoft.com/office/drawing/2014/main" id="{3FA261CF-F0FF-4D5B-B776-B0A9ABA4B59F}"/>
                   </a:ext>
                 </a:extLst>
               </p:cNvPr>
@@ -9035,7 +9036,7 @@
               <p:cNvPr id="81" name="Retângulo: Cantos Arredondados 23">
                 <a:extLst>
                   <a:ext uri="{FF2B5EF4-FFF2-40B4-BE49-F238E27FC236}">
-                    <a16:creationId xmlns:a16="http://schemas.microsoft.com/office/drawing/2014/main" xmlns="" id="{4452907C-B340-4C1F-A251-08A54DA61908}"/>
+                    <a16:creationId xmlns="" xmlns:a16="http://schemas.microsoft.com/office/drawing/2014/main" id="{4452907C-B340-4C1F-A251-08A54DA61908}"/>
                   </a:ext>
                 </a:extLst>
               </p:cNvPr>
@@ -9090,7 +9091,7 @@
             <p:cNvPr id="73" name="Forma Livre: Forma 24">
               <a:extLst>
                 <a:ext uri="{FF2B5EF4-FFF2-40B4-BE49-F238E27FC236}">
-                  <a16:creationId xmlns:a16="http://schemas.microsoft.com/office/drawing/2014/main" xmlns="" id="{9DD6F43F-BEF8-4D80-A095-5502413BFFFA}"/>
+                  <a16:creationId xmlns="" xmlns:a16="http://schemas.microsoft.com/office/drawing/2014/main" id="{9DD6F43F-BEF8-4D80-A095-5502413BFFFA}"/>
                 </a:ext>
               </a:extLst>
             </p:cNvPr>
@@ -9249,7 +9250,7 @@
             <p:cNvPr id="74" name="Retângulo de cantos arredondados 6">
               <a:extLst>
                 <a:ext uri="{FF2B5EF4-FFF2-40B4-BE49-F238E27FC236}">
-                  <a16:creationId xmlns:a16="http://schemas.microsoft.com/office/drawing/2014/main" xmlns="" id="{46E4EBC0-C7EF-41D0-8A15-1406A7C4F5BF}"/>
+                  <a16:creationId xmlns="" xmlns:a16="http://schemas.microsoft.com/office/drawing/2014/main" id="{46E4EBC0-C7EF-41D0-8A15-1406A7C4F5BF}"/>
                 </a:ext>
               </a:extLst>
             </p:cNvPr>
@@ -9336,7 +9337,7 @@
             <p:cNvPr id="75" name="Retângulo de cantos arredondados 6">
               <a:extLst>
                 <a:ext uri="{FF2B5EF4-FFF2-40B4-BE49-F238E27FC236}">
-                  <a16:creationId xmlns:a16="http://schemas.microsoft.com/office/drawing/2014/main" xmlns="" id="{FFE812F1-74EC-4F1D-9686-17C5F3402F11}"/>
+                  <a16:creationId xmlns="" xmlns:a16="http://schemas.microsoft.com/office/drawing/2014/main" id="{FFE812F1-74EC-4F1D-9686-17C5F3402F11}"/>
                 </a:ext>
               </a:extLst>
             </p:cNvPr>
@@ -10458,7 +10459,7 @@
           <p:cNvPr id="9" name="Retângulo 8">
             <a:extLst>
               <a:ext uri="{FF2B5EF4-FFF2-40B4-BE49-F238E27FC236}">
-                <a16:creationId xmlns:a16="http://schemas.microsoft.com/office/drawing/2014/main" xmlns="" id="{C54D026B-CAC2-48B0-B1DE-B150AF20C06D}"/>
+                <a16:creationId xmlns="" xmlns:a16="http://schemas.microsoft.com/office/drawing/2014/main" id="{C54D026B-CAC2-48B0-B1DE-B150AF20C06D}"/>
               </a:ext>
             </a:extLst>
           </p:cNvPr>
@@ -10510,7 +10511,7 @@
           <p:cNvPr id="14" name="Retângulo 13">
             <a:extLst>
               <a:ext uri="{FF2B5EF4-FFF2-40B4-BE49-F238E27FC236}">
-                <a16:creationId xmlns:a16="http://schemas.microsoft.com/office/drawing/2014/main" xmlns="" id="{B5100106-EBB5-428E-8F83-8D2748F7E67D}"/>
+                <a16:creationId xmlns="" xmlns:a16="http://schemas.microsoft.com/office/drawing/2014/main" id="{B5100106-EBB5-428E-8F83-8D2748F7E67D}"/>
               </a:ext>
             </a:extLst>
           </p:cNvPr>
@@ -10562,7 +10563,7 @@
           <p:cNvPr id="15" name="Retângulo 14">
             <a:extLst>
               <a:ext uri="{FF2B5EF4-FFF2-40B4-BE49-F238E27FC236}">
-                <a16:creationId xmlns:a16="http://schemas.microsoft.com/office/drawing/2014/main" xmlns="" id="{2FBCBB79-CFF5-49F5-96A8-2CDB6DCDAAB1}"/>
+                <a16:creationId xmlns="" xmlns:a16="http://schemas.microsoft.com/office/drawing/2014/main" id="{2FBCBB79-CFF5-49F5-96A8-2CDB6DCDAAB1}"/>
               </a:ext>
             </a:extLst>
           </p:cNvPr>
@@ -11158,7 +11159,7 @@
           <p:cNvPr id="18" name="Agrupar 17">
             <a:extLst>
               <a:ext uri="{FF2B5EF4-FFF2-40B4-BE49-F238E27FC236}">
-                <a16:creationId xmlns:a16="http://schemas.microsoft.com/office/drawing/2014/main" xmlns="" id="{7E3865F9-12B1-4183-AB47-2BB2BC2C3990}"/>
+                <a16:creationId xmlns="" xmlns:a16="http://schemas.microsoft.com/office/drawing/2014/main" id="{7E3865F9-12B1-4183-AB47-2BB2BC2C3990}"/>
               </a:ext>
             </a:extLst>
           </p:cNvPr>
@@ -11181,7 +11182,7 @@
             <p:cNvPr id="4" name="Retângulo 3">
               <a:extLst>
                 <a:ext uri="{FF2B5EF4-FFF2-40B4-BE49-F238E27FC236}">
-                  <a16:creationId xmlns:a16="http://schemas.microsoft.com/office/drawing/2014/main" xmlns="" id="{163BC121-9EA3-45AC-8D66-7A524009522D}"/>
+                  <a16:creationId xmlns="" xmlns:a16="http://schemas.microsoft.com/office/drawing/2014/main" id="{163BC121-9EA3-45AC-8D66-7A524009522D}"/>
                 </a:ext>
               </a:extLst>
             </p:cNvPr>
@@ -11231,7 +11232,7 @@
             <p:cNvPr id="5" name="Forma Livre: Forma 4">
               <a:extLst>
                 <a:ext uri="{FF2B5EF4-FFF2-40B4-BE49-F238E27FC236}">
-                  <a16:creationId xmlns:a16="http://schemas.microsoft.com/office/drawing/2014/main" xmlns="" id="{7D28F622-EBB7-4379-A25A-4A31EB26705E}"/>
+                  <a16:creationId xmlns="" xmlns:a16="http://schemas.microsoft.com/office/drawing/2014/main" id="{7D28F622-EBB7-4379-A25A-4A31EB26705E}"/>
                 </a:ext>
               </a:extLst>
             </p:cNvPr>
@@ -11396,7 +11397,7 @@
             <p:cNvPr id="6" name="Forma Livre: Forma 5">
               <a:extLst>
                 <a:ext uri="{FF2B5EF4-FFF2-40B4-BE49-F238E27FC236}">
-                  <a16:creationId xmlns:a16="http://schemas.microsoft.com/office/drawing/2014/main" xmlns="" id="{73E2DD77-ABE3-4AB6-8064-8A1897BC33FA}"/>
+                  <a16:creationId xmlns="" xmlns:a16="http://schemas.microsoft.com/office/drawing/2014/main" id="{73E2DD77-ABE3-4AB6-8064-8A1897BC33FA}"/>
                 </a:ext>
               </a:extLst>
             </p:cNvPr>
@@ -11546,7 +11547,7 @@
             <p:cNvPr id="7" name="Forma Livre: Forma 6">
               <a:extLst>
                 <a:ext uri="{FF2B5EF4-FFF2-40B4-BE49-F238E27FC236}">
-                  <a16:creationId xmlns:a16="http://schemas.microsoft.com/office/drawing/2014/main" xmlns="" id="{91383EB5-3876-4052-BCEB-546922009605}"/>
+                  <a16:creationId xmlns="" xmlns:a16="http://schemas.microsoft.com/office/drawing/2014/main" id="{91383EB5-3876-4052-BCEB-546922009605}"/>
                 </a:ext>
               </a:extLst>
             </p:cNvPr>
@@ -11842,7 +11843,7 @@
             <p:cNvPr id="8" name="Agrupar 7">
               <a:extLst>
                 <a:ext uri="{FF2B5EF4-FFF2-40B4-BE49-F238E27FC236}">
-                  <a16:creationId xmlns:a16="http://schemas.microsoft.com/office/drawing/2014/main" xmlns="" id="{B6C0F07C-BBFD-412D-8714-29C6E5CDE20C}"/>
+                  <a16:creationId xmlns="" xmlns:a16="http://schemas.microsoft.com/office/drawing/2014/main" id="{B6C0F07C-BBFD-412D-8714-29C6E5CDE20C}"/>
                 </a:ext>
               </a:extLst>
             </p:cNvPr>
@@ -11863,7 +11864,7 @@
               <p:cNvPr id="9" name="Cruz 8">
                 <a:extLst>
                   <a:ext uri="{FF2B5EF4-FFF2-40B4-BE49-F238E27FC236}">
-                    <a16:creationId xmlns:a16="http://schemas.microsoft.com/office/drawing/2014/main" xmlns="" id="{EFF07702-2113-4215-A608-8E3F9F0574E7}"/>
+                    <a16:creationId xmlns="" xmlns:a16="http://schemas.microsoft.com/office/drawing/2014/main" id="{EFF07702-2113-4215-A608-8E3F9F0574E7}"/>
                   </a:ext>
                 </a:extLst>
               </p:cNvPr>
@@ -11915,7 +11916,7 @@
               <p:cNvPr id="10" name="Cruz 9">
                 <a:extLst>
                   <a:ext uri="{FF2B5EF4-FFF2-40B4-BE49-F238E27FC236}">
-                    <a16:creationId xmlns:a16="http://schemas.microsoft.com/office/drawing/2014/main" xmlns="" id="{600E30CD-9F47-4B8F-9131-2AB2B1142669}"/>
+                    <a16:creationId xmlns="" xmlns:a16="http://schemas.microsoft.com/office/drawing/2014/main" id="{600E30CD-9F47-4B8F-9131-2AB2B1142669}"/>
                   </a:ext>
                 </a:extLst>
               </p:cNvPr>
@@ -11967,7 +11968,7 @@
               <p:cNvPr id="11" name="Cruz 10">
                 <a:extLst>
                   <a:ext uri="{FF2B5EF4-FFF2-40B4-BE49-F238E27FC236}">
-                    <a16:creationId xmlns:a16="http://schemas.microsoft.com/office/drawing/2014/main" xmlns="" id="{E2C6690A-3716-4B87-9BD5-58DB353DDE94}"/>
+                    <a16:creationId xmlns="" xmlns:a16="http://schemas.microsoft.com/office/drawing/2014/main" id="{E2C6690A-3716-4B87-9BD5-58DB353DDE94}"/>
                   </a:ext>
                 </a:extLst>
               </p:cNvPr>
@@ -12019,7 +12020,7 @@
               <p:cNvPr id="12" name="Grupo 19">
                 <a:extLst>
                   <a:ext uri="{FF2B5EF4-FFF2-40B4-BE49-F238E27FC236}">
-                    <a16:creationId xmlns:a16="http://schemas.microsoft.com/office/drawing/2014/main" xmlns="" id="{806100E0-936B-4250-AD2B-3E03C0765463}"/>
+                    <a16:creationId xmlns="" xmlns:a16="http://schemas.microsoft.com/office/drawing/2014/main" id="{806100E0-936B-4250-AD2B-3E03C0765463}"/>
                   </a:ext>
                 </a:extLst>
               </p:cNvPr>
@@ -12040,7 +12041,7 @@
                 <p:cNvPr id="13" name="Cruz 12">
                   <a:extLst>
                     <a:ext uri="{FF2B5EF4-FFF2-40B4-BE49-F238E27FC236}">
-                      <a16:creationId xmlns:a16="http://schemas.microsoft.com/office/drawing/2014/main" xmlns="" id="{12227CAC-73C7-4F77-B416-F5950FE07997}"/>
+                      <a16:creationId xmlns="" xmlns:a16="http://schemas.microsoft.com/office/drawing/2014/main" id="{12227CAC-73C7-4F77-B416-F5950FE07997}"/>
                     </a:ext>
                   </a:extLst>
                 </p:cNvPr>
@@ -12092,7 +12093,7 @@
                 <p:cNvPr id="14" name="Cruz 13">
                   <a:extLst>
                     <a:ext uri="{FF2B5EF4-FFF2-40B4-BE49-F238E27FC236}">
-                      <a16:creationId xmlns:a16="http://schemas.microsoft.com/office/drawing/2014/main" xmlns="" id="{B0E61E89-7F3D-422D-9164-7C9D09A06689}"/>
+                      <a16:creationId xmlns="" xmlns:a16="http://schemas.microsoft.com/office/drawing/2014/main" id="{B0E61E89-7F3D-422D-9164-7C9D09A06689}"/>
                     </a:ext>
                   </a:extLst>
                 </p:cNvPr>
@@ -12146,7 +12147,7 @@
             <p:cNvPr id="15" name="Grupo 1">
               <a:extLst>
                 <a:ext uri="{FF2B5EF4-FFF2-40B4-BE49-F238E27FC236}">
-                  <a16:creationId xmlns:a16="http://schemas.microsoft.com/office/drawing/2014/main" xmlns="" id="{40067425-BE84-4A51-B659-7BDA91520B0C}"/>
+                  <a16:creationId xmlns="" xmlns:a16="http://schemas.microsoft.com/office/drawing/2014/main" id="{40067425-BE84-4A51-B659-7BDA91520B0C}"/>
                 </a:ext>
               </a:extLst>
             </p:cNvPr>
@@ -12167,7 +12168,7 @@
               <p:cNvPr id="16" name="Retângulo 15">
                 <a:extLst>
                   <a:ext uri="{FF2B5EF4-FFF2-40B4-BE49-F238E27FC236}">
-                    <a16:creationId xmlns:a16="http://schemas.microsoft.com/office/drawing/2014/main" xmlns="" id="{43AC0D77-9687-4479-8573-23578652E6A5}"/>
+                    <a16:creationId xmlns="" xmlns:a16="http://schemas.microsoft.com/office/drawing/2014/main" id="{43AC0D77-9687-4479-8573-23578652E6A5}"/>
                   </a:ext>
                 </a:extLst>
               </p:cNvPr>
@@ -12217,7 +12218,7 @@
               <p:cNvPr id="17" name="Triângulo Retângulo 16">
                 <a:extLst>
                   <a:ext uri="{FF2B5EF4-FFF2-40B4-BE49-F238E27FC236}">
-                    <a16:creationId xmlns:a16="http://schemas.microsoft.com/office/drawing/2014/main" xmlns="" id="{B869CBF9-EA9D-42B4-B31D-F112807E583F}"/>
+                    <a16:creationId xmlns="" xmlns:a16="http://schemas.microsoft.com/office/drawing/2014/main" id="{B869CBF9-EA9D-42B4-B31D-F112807E583F}"/>
                   </a:ext>
                 </a:extLst>
               </p:cNvPr>
@@ -12269,7 +12270,7 @@
           <p:cNvPr id="57" name="Grupo 12">
             <a:extLst>
               <a:ext uri="{FF2B5EF4-FFF2-40B4-BE49-F238E27FC236}">
-                <a16:creationId xmlns:a16="http://schemas.microsoft.com/office/drawing/2014/main" xmlns="" id="{403A9A42-8023-405A-8817-EE75AB52C0CC}"/>
+                <a16:creationId xmlns="" xmlns:a16="http://schemas.microsoft.com/office/drawing/2014/main" id="{403A9A42-8023-405A-8817-EE75AB52C0CC}"/>
               </a:ext>
             </a:extLst>
           </p:cNvPr>
@@ -12289,7 +12290,7 @@
             <p:cNvPr id="58" name="Grupo 11">
               <a:extLst>
                 <a:ext uri="{FF2B5EF4-FFF2-40B4-BE49-F238E27FC236}">
-                  <a16:creationId xmlns:a16="http://schemas.microsoft.com/office/drawing/2014/main" xmlns="" id="{C6F65446-D9C0-4489-A698-727F1D6EF1EA}"/>
+                  <a16:creationId xmlns="" xmlns:a16="http://schemas.microsoft.com/office/drawing/2014/main" id="{C6F65446-D9C0-4489-A698-727F1D6EF1EA}"/>
                 </a:ext>
               </a:extLst>
             </p:cNvPr>
@@ -12309,7 +12310,7 @@
               <p:cNvPr id="65" name="Agrupar 3">
                 <a:extLst>
                   <a:ext uri="{FF2B5EF4-FFF2-40B4-BE49-F238E27FC236}">
-                    <a16:creationId xmlns:a16="http://schemas.microsoft.com/office/drawing/2014/main" xmlns="" id="{F930D6FA-C039-4412-8297-3174934678D7}"/>
+                    <a16:creationId xmlns="" xmlns:a16="http://schemas.microsoft.com/office/drawing/2014/main" id="{F930D6FA-C039-4412-8297-3174934678D7}"/>
                   </a:ext>
                 </a:extLst>
               </p:cNvPr>
@@ -12329,7 +12330,7 @@
                 <p:cNvPr id="74" name="Retângulo: Cantos Arredondados 4">
                   <a:extLst>
                     <a:ext uri="{FF2B5EF4-FFF2-40B4-BE49-F238E27FC236}">
-                      <a16:creationId xmlns:a16="http://schemas.microsoft.com/office/drawing/2014/main" xmlns="" id="{02ED9689-F86F-4320-A889-FE62BF218D61}"/>
+                      <a16:creationId xmlns="" xmlns:a16="http://schemas.microsoft.com/office/drawing/2014/main" id="{02ED9689-F86F-4320-A889-FE62BF218D61}"/>
                     </a:ext>
                   </a:extLst>
                 </p:cNvPr>
@@ -12380,7 +12381,7 @@
                 <p:cNvPr id="75" name="Retângulo: Cantos Arredondados 5">
                   <a:extLst>
                     <a:ext uri="{FF2B5EF4-FFF2-40B4-BE49-F238E27FC236}">
-                      <a16:creationId xmlns:a16="http://schemas.microsoft.com/office/drawing/2014/main" xmlns="" id="{01B0A967-695C-48C2-83E3-71944B0EFB15}"/>
+                      <a16:creationId xmlns="" xmlns:a16="http://schemas.microsoft.com/office/drawing/2014/main" id="{01B0A967-695C-48C2-83E3-71944B0EFB15}"/>
                     </a:ext>
                   </a:extLst>
                 </p:cNvPr>
@@ -12434,7 +12435,7 @@
                 <p:cNvPr id="76" name="Retângulo: Cantos Arredondados 6">
                   <a:extLst>
                     <a:ext uri="{FF2B5EF4-FFF2-40B4-BE49-F238E27FC236}">
-                      <a16:creationId xmlns:a16="http://schemas.microsoft.com/office/drawing/2014/main" xmlns="" id="{B9931D68-C986-4F09-8882-D64B2192A55C}"/>
+                      <a16:creationId xmlns="" xmlns:a16="http://schemas.microsoft.com/office/drawing/2014/main" id="{B9931D68-C986-4F09-8882-D64B2192A55C}"/>
                     </a:ext>
                   </a:extLst>
                 </p:cNvPr>
@@ -12488,7 +12489,7 @@
                 <p:cNvPr id="77" name="Forma Livre: Forma 7">
                   <a:extLst>
                     <a:ext uri="{FF2B5EF4-FFF2-40B4-BE49-F238E27FC236}">
-                      <a16:creationId xmlns:a16="http://schemas.microsoft.com/office/drawing/2014/main" xmlns="" id="{59255B60-DD8E-4A1C-BC5D-2F37826A1561}"/>
+                      <a16:creationId xmlns="" xmlns:a16="http://schemas.microsoft.com/office/drawing/2014/main" id="{59255B60-DD8E-4A1C-BC5D-2F37826A1561}"/>
                     </a:ext>
                   </a:extLst>
                 </p:cNvPr>
@@ -12619,7 +12620,7 @@
                 <p:cNvPr id="78" name="Retângulo 77">
                   <a:extLst>
                     <a:ext uri="{FF2B5EF4-FFF2-40B4-BE49-F238E27FC236}">
-                      <a16:creationId xmlns:a16="http://schemas.microsoft.com/office/drawing/2014/main" xmlns="" id="{C4D2138A-CA62-45C9-827C-0A2EF7196A19}"/>
+                      <a16:creationId xmlns="" xmlns:a16="http://schemas.microsoft.com/office/drawing/2014/main" id="{C4D2138A-CA62-45C9-827C-0A2EF7196A19}"/>
                     </a:ext>
                   </a:extLst>
                 </p:cNvPr>
@@ -12671,7 +12672,7 @@
                 <p:cNvPr id="79" name="Retângulo: Cantos Arredondados 9">
                   <a:extLst>
                     <a:ext uri="{FF2B5EF4-FFF2-40B4-BE49-F238E27FC236}">
-                      <a16:creationId xmlns:a16="http://schemas.microsoft.com/office/drawing/2014/main" xmlns="" id="{D4F04FAF-6733-4A03-8FEC-48EA27B77A7B}"/>
+                      <a16:creationId xmlns="" xmlns:a16="http://schemas.microsoft.com/office/drawing/2014/main" id="{D4F04FAF-6733-4A03-8FEC-48EA27B77A7B}"/>
                     </a:ext>
                   </a:extLst>
                 </p:cNvPr>
@@ -12725,7 +12726,7 @@
                 <p:cNvPr id="80" name="Retângulo: Cantos Arredondados 10">
                   <a:extLst>
                     <a:ext uri="{FF2B5EF4-FFF2-40B4-BE49-F238E27FC236}">
-                      <a16:creationId xmlns:a16="http://schemas.microsoft.com/office/drawing/2014/main" xmlns="" id="{E35C7B02-2931-4C43-B6C1-672A84321EF5}"/>
+                      <a16:creationId xmlns="" xmlns:a16="http://schemas.microsoft.com/office/drawing/2014/main" id="{E35C7B02-2931-4C43-B6C1-672A84321EF5}"/>
                     </a:ext>
                   </a:extLst>
                 </p:cNvPr>
@@ -12780,7 +12781,7 @@
               <p:cNvPr id="66" name="Agrupar 17">
                 <a:extLst>
                   <a:ext uri="{FF2B5EF4-FFF2-40B4-BE49-F238E27FC236}">
-                    <a16:creationId xmlns:a16="http://schemas.microsoft.com/office/drawing/2014/main" xmlns="" id="{FB1E34D3-361C-4048-9774-6DE71A21752E}"/>
+                    <a16:creationId xmlns="" xmlns:a16="http://schemas.microsoft.com/office/drawing/2014/main" id="{FB1E34D3-361C-4048-9774-6DE71A21752E}"/>
                   </a:ext>
                 </a:extLst>
               </p:cNvPr>
@@ -12800,7 +12801,7 @@
                 <p:cNvPr id="68" name="Forma Livre: Forma 18">
                   <a:extLst>
                     <a:ext uri="{FF2B5EF4-FFF2-40B4-BE49-F238E27FC236}">
-                      <a16:creationId xmlns:a16="http://schemas.microsoft.com/office/drawing/2014/main" xmlns="" id="{CD3A6BCD-0D5E-4BD6-882B-EEF61843CD0D}"/>
+                      <a16:creationId xmlns="" xmlns:a16="http://schemas.microsoft.com/office/drawing/2014/main" id="{CD3A6BCD-0D5E-4BD6-882B-EEF61843CD0D}"/>
                     </a:ext>
                   </a:extLst>
                 </p:cNvPr>
@@ -12935,7 +12936,7 @@
                 <p:cNvPr id="69" name="Forma Livre: Forma 19">
                   <a:extLst>
                     <a:ext uri="{FF2B5EF4-FFF2-40B4-BE49-F238E27FC236}">
-                      <a16:creationId xmlns:a16="http://schemas.microsoft.com/office/drawing/2014/main" xmlns="" id="{D7A274B4-1A7E-413F-8C6D-32B69A11A006}"/>
+                      <a16:creationId xmlns="" xmlns:a16="http://schemas.microsoft.com/office/drawing/2014/main" id="{D7A274B4-1A7E-413F-8C6D-32B69A11A006}"/>
                     </a:ext>
                   </a:extLst>
                 </p:cNvPr>
@@ -13070,7 +13071,7 @@
                 <p:cNvPr id="70" name="Elipse 69">
                   <a:extLst>
                     <a:ext uri="{FF2B5EF4-FFF2-40B4-BE49-F238E27FC236}">
-                      <a16:creationId xmlns:a16="http://schemas.microsoft.com/office/drawing/2014/main" xmlns="" id="{8A45001A-B9AB-4BED-8292-D95E0971B328}"/>
+                      <a16:creationId xmlns="" xmlns:a16="http://schemas.microsoft.com/office/drawing/2014/main" id="{8A45001A-B9AB-4BED-8292-D95E0971B328}"/>
                     </a:ext>
                   </a:extLst>
                 </p:cNvPr>
@@ -13122,7 +13123,7 @@
                 <p:cNvPr id="71" name="Retângulo: Cantos Arredondados 21">
                   <a:extLst>
                     <a:ext uri="{FF2B5EF4-FFF2-40B4-BE49-F238E27FC236}">
-                      <a16:creationId xmlns:a16="http://schemas.microsoft.com/office/drawing/2014/main" xmlns="" id="{1570863F-2A64-43EB-BBDB-42862A03776A}"/>
+                      <a16:creationId xmlns="" xmlns:a16="http://schemas.microsoft.com/office/drawing/2014/main" id="{1570863F-2A64-43EB-BBDB-42862A03776A}"/>
                     </a:ext>
                   </a:extLst>
                 </p:cNvPr>
@@ -13176,7 +13177,7 @@
                 <p:cNvPr id="72" name="Retângulo: Cantos Arredondados 22">
                   <a:extLst>
                     <a:ext uri="{FF2B5EF4-FFF2-40B4-BE49-F238E27FC236}">
-                      <a16:creationId xmlns:a16="http://schemas.microsoft.com/office/drawing/2014/main" xmlns="" id="{FEA18746-1B35-413A-975D-AA3FC016347D}"/>
+                      <a16:creationId xmlns="" xmlns:a16="http://schemas.microsoft.com/office/drawing/2014/main" id="{FEA18746-1B35-413A-975D-AA3FC016347D}"/>
                     </a:ext>
                   </a:extLst>
                 </p:cNvPr>
@@ -13230,7 +13231,7 @@
                 <p:cNvPr id="73" name="Retângulo: Cantos Arredondados 23">
                   <a:extLst>
                     <a:ext uri="{FF2B5EF4-FFF2-40B4-BE49-F238E27FC236}">
-                      <a16:creationId xmlns:a16="http://schemas.microsoft.com/office/drawing/2014/main" xmlns="" id="{E7B34203-85D3-444F-9473-3B5734FA52A7}"/>
+                      <a16:creationId xmlns="" xmlns:a16="http://schemas.microsoft.com/office/drawing/2014/main" id="{E7B34203-85D3-444F-9473-3B5734FA52A7}"/>
                     </a:ext>
                   </a:extLst>
                 </p:cNvPr>
@@ -13285,7 +13286,7 @@
               <p:cNvPr id="67" name="Forma Livre: Forma 24">
                 <a:extLst>
                   <a:ext uri="{FF2B5EF4-FFF2-40B4-BE49-F238E27FC236}">
-                    <a16:creationId xmlns:a16="http://schemas.microsoft.com/office/drawing/2014/main" xmlns="" id="{CE29CAC3-C9E2-4543-93BC-510BB64317AA}"/>
+                    <a16:creationId xmlns="" xmlns:a16="http://schemas.microsoft.com/office/drawing/2014/main" id="{CE29CAC3-C9E2-4543-93BC-510BB64317AA}"/>
                   </a:ext>
                 </a:extLst>
               </p:cNvPr>
@@ -13445,7 +13446,7 @@
             <p:cNvPr id="59" name="Agrupar 11">
               <a:extLst>
                 <a:ext uri="{FF2B5EF4-FFF2-40B4-BE49-F238E27FC236}">
-                  <a16:creationId xmlns:a16="http://schemas.microsoft.com/office/drawing/2014/main" xmlns="" id="{3ECCD1BD-DAAD-4C8D-B216-A467E9F25018}"/>
+                  <a16:creationId xmlns="" xmlns:a16="http://schemas.microsoft.com/office/drawing/2014/main" id="{3ECCD1BD-DAAD-4C8D-B216-A467E9F25018}"/>
                 </a:ext>
               </a:extLst>
             </p:cNvPr>
@@ -13465,7 +13466,7 @@
               <p:cNvPr id="63" name="Retângulo: Cantos Arredondados 12">
                 <a:extLst>
                   <a:ext uri="{FF2B5EF4-FFF2-40B4-BE49-F238E27FC236}">
-                    <a16:creationId xmlns:a16="http://schemas.microsoft.com/office/drawing/2014/main" xmlns="" id="{EF001B5E-6633-47D5-AD3A-1EF0B5338A66}"/>
+                    <a16:creationId xmlns="" xmlns:a16="http://schemas.microsoft.com/office/drawing/2014/main" id="{EF001B5E-6633-47D5-AD3A-1EF0B5338A66}"/>
                   </a:ext>
                 </a:extLst>
               </p:cNvPr>
@@ -13519,7 +13520,7 @@
               <p:cNvPr id="64" name="Retângulo: Cantos Arredondados 13">
                 <a:extLst>
                   <a:ext uri="{FF2B5EF4-FFF2-40B4-BE49-F238E27FC236}">
-                    <a16:creationId xmlns:a16="http://schemas.microsoft.com/office/drawing/2014/main" xmlns="" id="{35F5B17B-65E6-4FE7-9D78-825964BD7347}"/>
+                    <a16:creationId xmlns="" xmlns:a16="http://schemas.microsoft.com/office/drawing/2014/main" id="{35F5B17B-65E6-4FE7-9D78-825964BD7347}"/>
                   </a:ext>
                 </a:extLst>
               </p:cNvPr>
@@ -13574,7 +13575,7 @@
             <p:cNvPr id="60" name="Agrupar 14">
               <a:extLst>
                 <a:ext uri="{FF2B5EF4-FFF2-40B4-BE49-F238E27FC236}">
-                  <a16:creationId xmlns:a16="http://schemas.microsoft.com/office/drawing/2014/main" xmlns="" id="{00408DBE-37B7-485C-B1CC-728D91FC9C84}"/>
+                  <a16:creationId xmlns="" xmlns:a16="http://schemas.microsoft.com/office/drawing/2014/main" id="{00408DBE-37B7-485C-B1CC-728D91FC9C84}"/>
                 </a:ext>
               </a:extLst>
             </p:cNvPr>
@@ -13594,7 +13595,7 @@
               <p:cNvPr id="61" name="Retângulo: Cantos Arredondados 15">
                 <a:extLst>
                   <a:ext uri="{FF2B5EF4-FFF2-40B4-BE49-F238E27FC236}">
-                    <a16:creationId xmlns:a16="http://schemas.microsoft.com/office/drawing/2014/main" xmlns="" id="{67A26C7C-6C4E-4C8E-B1AD-E36E7B28CF23}"/>
+                    <a16:creationId xmlns="" xmlns:a16="http://schemas.microsoft.com/office/drawing/2014/main" id="{67A26C7C-6C4E-4C8E-B1AD-E36E7B28CF23}"/>
                   </a:ext>
                 </a:extLst>
               </p:cNvPr>
@@ -13648,7 +13649,7 @@
               <p:cNvPr id="62" name="Retângulo: Cantos Arredondados 16">
                 <a:extLst>
                   <a:ext uri="{FF2B5EF4-FFF2-40B4-BE49-F238E27FC236}">
-                    <a16:creationId xmlns:a16="http://schemas.microsoft.com/office/drawing/2014/main" xmlns="" id="{D3EA9BE5-38E7-4020-98B4-64A1D9817235}"/>
+                    <a16:creationId xmlns="" xmlns:a16="http://schemas.microsoft.com/office/drawing/2014/main" id="{D3EA9BE5-38E7-4020-98B4-64A1D9817235}"/>
                   </a:ext>
                 </a:extLst>
               </p:cNvPr>
@@ -13704,7 +13705,7 @@
           <p:cNvPr id="38" name="Grupo 10">
             <a:extLst>
               <a:ext uri="{FF2B5EF4-FFF2-40B4-BE49-F238E27FC236}">
-                <a16:creationId xmlns:a16="http://schemas.microsoft.com/office/drawing/2014/main" xmlns="" id="{820283F1-6C5D-4ADA-831F-607F6F76B4C9}"/>
+                <a16:creationId xmlns="" xmlns:a16="http://schemas.microsoft.com/office/drawing/2014/main" id="{820283F1-6C5D-4ADA-831F-607F6F76B4C9}"/>
               </a:ext>
             </a:extLst>
           </p:cNvPr>
@@ -13724,7 +13725,7 @@
             <p:cNvPr id="39" name="Agrupar 3">
               <a:extLst>
                 <a:ext uri="{FF2B5EF4-FFF2-40B4-BE49-F238E27FC236}">
-                  <a16:creationId xmlns:a16="http://schemas.microsoft.com/office/drawing/2014/main" xmlns="" id="{666F5F66-B0B3-450D-87A4-3071FF7FC187}"/>
+                  <a16:creationId xmlns="" xmlns:a16="http://schemas.microsoft.com/office/drawing/2014/main" id="{666F5F66-B0B3-450D-87A4-3071FF7FC187}"/>
                 </a:ext>
               </a:extLst>
             </p:cNvPr>
@@ -13744,7 +13745,7 @@
               <p:cNvPr id="50" name="Retângulo: Cantos Arredondados 4">
                 <a:extLst>
                   <a:ext uri="{FF2B5EF4-FFF2-40B4-BE49-F238E27FC236}">
-                    <a16:creationId xmlns:a16="http://schemas.microsoft.com/office/drawing/2014/main" xmlns="" id="{4D9B2370-7EB5-424A-A37F-A2E722B84B61}"/>
+                    <a16:creationId xmlns="" xmlns:a16="http://schemas.microsoft.com/office/drawing/2014/main" id="{4D9B2370-7EB5-424A-A37F-A2E722B84B61}"/>
                   </a:ext>
                 </a:extLst>
               </p:cNvPr>
@@ -13795,7 +13796,7 @@
               <p:cNvPr id="51" name="Retângulo: Cantos Arredondados 5">
                 <a:extLst>
                   <a:ext uri="{FF2B5EF4-FFF2-40B4-BE49-F238E27FC236}">
-                    <a16:creationId xmlns:a16="http://schemas.microsoft.com/office/drawing/2014/main" xmlns="" id="{33D07EB3-FC32-45C7-9363-8953E3222972}"/>
+                    <a16:creationId xmlns="" xmlns:a16="http://schemas.microsoft.com/office/drawing/2014/main" id="{33D07EB3-FC32-45C7-9363-8953E3222972}"/>
                   </a:ext>
                 </a:extLst>
               </p:cNvPr>
@@ -13849,7 +13850,7 @@
               <p:cNvPr id="52" name="Retângulo: Cantos Arredondados 6">
                 <a:extLst>
                   <a:ext uri="{FF2B5EF4-FFF2-40B4-BE49-F238E27FC236}">
-                    <a16:creationId xmlns:a16="http://schemas.microsoft.com/office/drawing/2014/main" xmlns="" id="{70C9F89C-0A33-4CD8-B443-6111AAE47D77}"/>
+                    <a16:creationId xmlns="" xmlns:a16="http://schemas.microsoft.com/office/drawing/2014/main" id="{70C9F89C-0A33-4CD8-B443-6111AAE47D77}"/>
                   </a:ext>
                 </a:extLst>
               </p:cNvPr>
@@ -13903,7 +13904,7 @@
               <p:cNvPr id="53" name="Forma Livre: Forma 7">
                 <a:extLst>
                   <a:ext uri="{FF2B5EF4-FFF2-40B4-BE49-F238E27FC236}">
-                    <a16:creationId xmlns:a16="http://schemas.microsoft.com/office/drawing/2014/main" xmlns="" id="{D83DDD28-61B7-4D25-A08A-2D0915811A5C}"/>
+                    <a16:creationId xmlns="" xmlns:a16="http://schemas.microsoft.com/office/drawing/2014/main" id="{D83DDD28-61B7-4D25-A08A-2D0915811A5C}"/>
                   </a:ext>
                 </a:extLst>
               </p:cNvPr>
@@ -14034,7 +14035,7 @@
               <p:cNvPr id="54" name="Retângulo 53">
                 <a:extLst>
                   <a:ext uri="{FF2B5EF4-FFF2-40B4-BE49-F238E27FC236}">
-                    <a16:creationId xmlns:a16="http://schemas.microsoft.com/office/drawing/2014/main" xmlns="" id="{6B2C3942-CD2E-4922-9715-FE9C07049939}"/>
+                    <a16:creationId xmlns="" xmlns:a16="http://schemas.microsoft.com/office/drawing/2014/main" id="{6B2C3942-CD2E-4922-9715-FE9C07049939}"/>
                   </a:ext>
                 </a:extLst>
               </p:cNvPr>
@@ -14086,7 +14087,7 @@
               <p:cNvPr id="55" name="Retângulo: Cantos Arredondados 9">
                 <a:extLst>
                   <a:ext uri="{FF2B5EF4-FFF2-40B4-BE49-F238E27FC236}">
-                    <a16:creationId xmlns:a16="http://schemas.microsoft.com/office/drawing/2014/main" xmlns="" id="{9422F0B7-E037-4EE3-BBE9-B53E1FDD9F23}"/>
+                    <a16:creationId xmlns="" xmlns:a16="http://schemas.microsoft.com/office/drawing/2014/main" id="{9422F0B7-E037-4EE3-BBE9-B53E1FDD9F23}"/>
                   </a:ext>
                 </a:extLst>
               </p:cNvPr>
@@ -14140,7 +14141,7 @@
               <p:cNvPr id="56" name="Retângulo: Cantos Arredondados 10">
                 <a:extLst>
                   <a:ext uri="{FF2B5EF4-FFF2-40B4-BE49-F238E27FC236}">
-                    <a16:creationId xmlns:a16="http://schemas.microsoft.com/office/drawing/2014/main" xmlns="" id="{B97B573A-7BD1-433F-950E-B76B702F0FC6}"/>
+                    <a16:creationId xmlns="" xmlns:a16="http://schemas.microsoft.com/office/drawing/2014/main" id="{B97B573A-7BD1-433F-950E-B76B702F0FC6}"/>
                   </a:ext>
                 </a:extLst>
               </p:cNvPr>
@@ -14195,7 +14196,7 @@
             <p:cNvPr id="40" name="Agrupar 17">
               <a:extLst>
                 <a:ext uri="{FF2B5EF4-FFF2-40B4-BE49-F238E27FC236}">
-                  <a16:creationId xmlns:a16="http://schemas.microsoft.com/office/drawing/2014/main" xmlns="" id="{ABB8787A-8C83-47D2-87A2-D9574F8B1903}"/>
+                  <a16:creationId xmlns="" xmlns:a16="http://schemas.microsoft.com/office/drawing/2014/main" id="{ABB8787A-8C83-47D2-87A2-D9574F8B1903}"/>
                 </a:ext>
               </a:extLst>
             </p:cNvPr>
@@ -14215,7 +14216,7 @@
               <p:cNvPr id="44" name="Forma Livre: Forma 18">
                 <a:extLst>
                   <a:ext uri="{FF2B5EF4-FFF2-40B4-BE49-F238E27FC236}">
-                    <a16:creationId xmlns:a16="http://schemas.microsoft.com/office/drawing/2014/main" xmlns="" id="{E51284B4-473B-4FC5-B9C9-D12EAE994A89}"/>
+                    <a16:creationId xmlns="" xmlns:a16="http://schemas.microsoft.com/office/drawing/2014/main" id="{E51284B4-473B-4FC5-B9C9-D12EAE994A89}"/>
                   </a:ext>
                 </a:extLst>
               </p:cNvPr>
@@ -14350,7 +14351,7 @@
               <p:cNvPr id="45" name="Forma Livre: Forma 19">
                 <a:extLst>
                   <a:ext uri="{FF2B5EF4-FFF2-40B4-BE49-F238E27FC236}">
-                    <a16:creationId xmlns:a16="http://schemas.microsoft.com/office/drawing/2014/main" xmlns="" id="{37ED7AB8-2693-4C1C-BF2E-25677D4BD67A}"/>
+                    <a16:creationId xmlns="" xmlns:a16="http://schemas.microsoft.com/office/drawing/2014/main" id="{37ED7AB8-2693-4C1C-BF2E-25677D4BD67A}"/>
                   </a:ext>
                 </a:extLst>
               </p:cNvPr>
@@ -14485,7 +14486,7 @@
               <p:cNvPr id="46" name="Elipse 45">
                 <a:extLst>
                   <a:ext uri="{FF2B5EF4-FFF2-40B4-BE49-F238E27FC236}">
-                    <a16:creationId xmlns:a16="http://schemas.microsoft.com/office/drawing/2014/main" xmlns="" id="{BA06344F-8C85-458D-9FAE-341FA5023637}"/>
+                    <a16:creationId xmlns="" xmlns:a16="http://schemas.microsoft.com/office/drawing/2014/main" id="{BA06344F-8C85-458D-9FAE-341FA5023637}"/>
                   </a:ext>
                 </a:extLst>
               </p:cNvPr>
@@ -14537,7 +14538,7 @@
               <p:cNvPr id="47" name="Retângulo: Cantos Arredondados 21">
                 <a:extLst>
                   <a:ext uri="{FF2B5EF4-FFF2-40B4-BE49-F238E27FC236}">
-                    <a16:creationId xmlns:a16="http://schemas.microsoft.com/office/drawing/2014/main" xmlns="" id="{D9F453B7-5B75-408F-835C-405D06F8337C}"/>
+                    <a16:creationId xmlns="" xmlns:a16="http://schemas.microsoft.com/office/drawing/2014/main" id="{D9F453B7-5B75-408F-835C-405D06F8337C}"/>
                   </a:ext>
                 </a:extLst>
               </p:cNvPr>
@@ -14591,7 +14592,7 @@
               <p:cNvPr id="48" name="Retângulo: Cantos Arredondados 22">
                 <a:extLst>
                   <a:ext uri="{FF2B5EF4-FFF2-40B4-BE49-F238E27FC236}">
-                    <a16:creationId xmlns:a16="http://schemas.microsoft.com/office/drawing/2014/main" xmlns="" id="{1FB2ED43-66B2-423F-A18A-AC28043BF24F}"/>
+                    <a16:creationId xmlns="" xmlns:a16="http://schemas.microsoft.com/office/drawing/2014/main" id="{1FB2ED43-66B2-423F-A18A-AC28043BF24F}"/>
                   </a:ext>
                 </a:extLst>
               </p:cNvPr>
@@ -14645,7 +14646,7 @@
               <p:cNvPr id="49" name="Retângulo: Cantos Arredondados 23">
                 <a:extLst>
                   <a:ext uri="{FF2B5EF4-FFF2-40B4-BE49-F238E27FC236}">
-                    <a16:creationId xmlns:a16="http://schemas.microsoft.com/office/drawing/2014/main" xmlns="" id="{3252869B-B8BF-4141-9268-77811F9C7E01}"/>
+                    <a16:creationId xmlns="" xmlns:a16="http://schemas.microsoft.com/office/drawing/2014/main" id="{3252869B-B8BF-4141-9268-77811F9C7E01}"/>
                   </a:ext>
                 </a:extLst>
               </p:cNvPr>
@@ -14700,7 +14701,7 @@
             <p:cNvPr id="41" name="Forma Livre: Forma 24">
               <a:extLst>
                 <a:ext uri="{FF2B5EF4-FFF2-40B4-BE49-F238E27FC236}">
-                  <a16:creationId xmlns:a16="http://schemas.microsoft.com/office/drawing/2014/main" xmlns="" id="{1F977B16-974F-4522-BCA5-C428B0913A73}"/>
+                  <a16:creationId xmlns="" xmlns:a16="http://schemas.microsoft.com/office/drawing/2014/main" id="{1F977B16-974F-4522-BCA5-C428B0913A73}"/>
                 </a:ext>
               </a:extLst>
             </p:cNvPr>
@@ -14859,7 +14860,7 @@
             <p:cNvPr id="42" name="Retângulo de cantos arredondados 6">
               <a:extLst>
                 <a:ext uri="{FF2B5EF4-FFF2-40B4-BE49-F238E27FC236}">
-                  <a16:creationId xmlns:a16="http://schemas.microsoft.com/office/drawing/2014/main" xmlns="" id="{702E445C-853C-4344-8C79-5434B3F84D3F}"/>
+                  <a16:creationId xmlns="" xmlns:a16="http://schemas.microsoft.com/office/drawing/2014/main" id="{702E445C-853C-4344-8C79-5434B3F84D3F}"/>
                 </a:ext>
               </a:extLst>
             </p:cNvPr>
@@ -14946,7 +14947,7 @@
             <p:cNvPr id="43" name="Retângulo de cantos arredondados 6">
               <a:extLst>
                 <a:ext uri="{FF2B5EF4-FFF2-40B4-BE49-F238E27FC236}">
-                  <a16:creationId xmlns:a16="http://schemas.microsoft.com/office/drawing/2014/main" xmlns="" id="{E8274172-0D1D-4E88-B43D-49880A4456B2}"/>
+                  <a16:creationId xmlns="" xmlns:a16="http://schemas.microsoft.com/office/drawing/2014/main" id="{E8274172-0D1D-4E88-B43D-49880A4456B2}"/>
                 </a:ext>
               </a:extLst>
             </p:cNvPr>
@@ -15034,7 +15035,7 @@
           <p:cNvPr id="81" name="Agrupar 80">
             <a:extLst>
               <a:ext uri="{FF2B5EF4-FFF2-40B4-BE49-F238E27FC236}">
-                <a16:creationId xmlns:a16="http://schemas.microsoft.com/office/drawing/2014/main" xmlns="" id="{16983F25-1B39-4996-818E-B134A94E7180}"/>
+                <a16:creationId xmlns="" xmlns:a16="http://schemas.microsoft.com/office/drawing/2014/main" id="{16983F25-1B39-4996-818E-B134A94E7180}"/>
               </a:ext>
             </a:extLst>
           </p:cNvPr>
@@ -15054,7 +15055,7 @@
             <p:cNvPr id="82" name="Grupo 12">
               <a:extLst>
                 <a:ext uri="{FF2B5EF4-FFF2-40B4-BE49-F238E27FC236}">
-                  <a16:creationId xmlns:a16="http://schemas.microsoft.com/office/drawing/2014/main" xmlns="" id="{895E5361-20DC-40C8-9197-93DB459FE199}"/>
+                  <a16:creationId xmlns="" xmlns:a16="http://schemas.microsoft.com/office/drawing/2014/main" id="{895E5361-20DC-40C8-9197-93DB459FE199}"/>
                 </a:ext>
               </a:extLst>
             </p:cNvPr>
@@ -15074,7 +15075,7 @@
               <p:cNvPr id="86" name="Grupo 11">
                 <a:extLst>
                   <a:ext uri="{FF2B5EF4-FFF2-40B4-BE49-F238E27FC236}">
-                    <a16:creationId xmlns:a16="http://schemas.microsoft.com/office/drawing/2014/main" xmlns="" id="{1F15CF61-291C-4394-AC4A-C57F568D7406}"/>
+                    <a16:creationId xmlns="" xmlns:a16="http://schemas.microsoft.com/office/drawing/2014/main" id="{1F15CF61-291C-4394-AC4A-C57F568D7406}"/>
                   </a:ext>
                 </a:extLst>
               </p:cNvPr>
@@ -15094,7 +15095,7 @@
                 <p:cNvPr id="93" name="Agrupar 3">
                   <a:extLst>
                     <a:ext uri="{FF2B5EF4-FFF2-40B4-BE49-F238E27FC236}">
-                      <a16:creationId xmlns:a16="http://schemas.microsoft.com/office/drawing/2014/main" xmlns="" id="{4B524DF1-4FBF-4DCD-87DD-6933CA051DC1}"/>
+                      <a16:creationId xmlns="" xmlns:a16="http://schemas.microsoft.com/office/drawing/2014/main" id="{4B524DF1-4FBF-4DCD-87DD-6933CA051DC1}"/>
                     </a:ext>
                   </a:extLst>
                 </p:cNvPr>
@@ -15114,7 +15115,7 @@
                   <p:cNvPr id="101" name="Retângulo: Cantos Arredondados 4">
                     <a:extLst>
                       <a:ext uri="{FF2B5EF4-FFF2-40B4-BE49-F238E27FC236}">
-                        <a16:creationId xmlns:a16="http://schemas.microsoft.com/office/drawing/2014/main" xmlns="" id="{8D4B0446-458A-41F9-9F38-FA624B910448}"/>
+                        <a16:creationId xmlns="" xmlns:a16="http://schemas.microsoft.com/office/drawing/2014/main" id="{8D4B0446-458A-41F9-9F38-FA624B910448}"/>
                       </a:ext>
                     </a:extLst>
                   </p:cNvPr>
@@ -15165,7 +15166,7 @@
                   <p:cNvPr id="102" name="Retângulo: Cantos Arredondados 5">
                     <a:extLst>
                       <a:ext uri="{FF2B5EF4-FFF2-40B4-BE49-F238E27FC236}">
-                        <a16:creationId xmlns:a16="http://schemas.microsoft.com/office/drawing/2014/main" xmlns="" id="{C8D52F37-049A-43B9-AAAC-C3D32D8A4E7F}"/>
+                        <a16:creationId xmlns="" xmlns:a16="http://schemas.microsoft.com/office/drawing/2014/main" id="{C8D52F37-049A-43B9-AAAC-C3D32D8A4E7F}"/>
                       </a:ext>
                     </a:extLst>
                   </p:cNvPr>
@@ -15219,7 +15220,7 @@
                   <p:cNvPr id="103" name="Retângulo: Cantos Arredondados 6">
                     <a:extLst>
                       <a:ext uri="{FF2B5EF4-FFF2-40B4-BE49-F238E27FC236}">
-                        <a16:creationId xmlns:a16="http://schemas.microsoft.com/office/drawing/2014/main" xmlns="" id="{6410171E-B769-4DC5-BD52-1A881135387C}"/>
+                        <a16:creationId xmlns="" xmlns:a16="http://schemas.microsoft.com/office/drawing/2014/main" id="{6410171E-B769-4DC5-BD52-1A881135387C}"/>
                       </a:ext>
                     </a:extLst>
                   </p:cNvPr>
@@ -15273,7 +15274,7 @@
                   <p:cNvPr id="104" name="Forma Livre: Forma 7">
                     <a:extLst>
                       <a:ext uri="{FF2B5EF4-FFF2-40B4-BE49-F238E27FC236}">
-                        <a16:creationId xmlns:a16="http://schemas.microsoft.com/office/drawing/2014/main" xmlns="" id="{9C3633A1-F46F-454E-89FF-9C26F0E82536}"/>
+                        <a16:creationId xmlns="" xmlns:a16="http://schemas.microsoft.com/office/drawing/2014/main" id="{9C3633A1-F46F-454E-89FF-9C26F0E82536}"/>
                       </a:ext>
                     </a:extLst>
                   </p:cNvPr>
@@ -15404,7 +15405,7 @@
                   <p:cNvPr id="105" name="Retângulo 104">
                     <a:extLst>
                       <a:ext uri="{FF2B5EF4-FFF2-40B4-BE49-F238E27FC236}">
-                        <a16:creationId xmlns:a16="http://schemas.microsoft.com/office/drawing/2014/main" xmlns="" id="{C6677C20-D1C1-4FF7-84E5-1ABCD28E08FA}"/>
+                        <a16:creationId xmlns="" xmlns:a16="http://schemas.microsoft.com/office/drawing/2014/main" id="{C6677C20-D1C1-4FF7-84E5-1ABCD28E08FA}"/>
                       </a:ext>
                     </a:extLst>
                   </p:cNvPr>
@@ -15456,7 +15457,7 @@
                   <p:cNvPr id="106" name="Retângulo: Cantos Arredondados 9">
                     <a:extLst>
                       <a:ext uri="{FF2B5EF4-FFF2-40B4-BE49-F238E27FC236}">
-                        <a16:creationId xmlns:a16="http://schemas.microsoft.com/office/drawing/2014/main" xmlns="" id="{E50EAD44-EC47-4AC5-92EB-631085352C2D}"/>
+                        <a16:creationId xmlns="" xmlns:a16="http://schemas.microsoft.com/office/drawing/2014/main" id="{E50EAD44-EC47-4AC5-92EB-631085352C2D}"/>
                       </a:ext>
                     </a:extLst>
                   </p:cNvPr>
@@ -15510,7 +15511,7 @@
                   <p:cNvPr id="107" name="Retângulo: Cantos Arredondados 10">
                     <a:extLst>
                       <a:ext uri="{FF2B5EF4-FFF2-40B4-BE49-F238E27FC236}">
-                        <a16:creationId xmlns:a16="http://schemas.microsoft.com/office/drawing/2014/main" xmlns="" id="{2BF2A6E7-D817-4C0E-8EDC-EEEB6BBBFA13}"/>
+                        <a16:creationId xmlns="" xmlns:a16="http://schemas.microsoft.com/office/drawing/2014/main" id="{2BF2A6E7-D817-4C0E-8EDC-EEEB6BBBFA13}"/>
                       </a:ext>
                     </a:extLst>
                   </p:cNvPr>
@@ -15565,7 +15566,7 @@
                 <p:cNvPr id="94" name="Agrupar 93">
                   <a:extLst>
                     <a:ext uri="{FF2B5EF4-FFF2-40B4-BE49-F238E27FC236}">
-                      <a16:creationId xmlns:a16="http://schemas.microsoft.com/office/drawing/2014/main" xmlns="" id="{D8628CF8-F47D-4E27-8CDC-D58FB7CF8C36}"/>
+                      <a16:creationId xmlns="" xmlns:a16="http://schemas.microsoft.com/office/drawing/2014/main" id="{D8628CF8-F47D-4E27-8CDC-D58FB7CF8C36}"/>
                     </a:ext>
                   </a:extLst>
                 </p:cNvPr>
@@ -15585,7 +15586,7 @@
                   <p:cNvPr id="95" name="Forma Livre: Forma 94">
                     <a:extLst>
                       <a:ext uri="{FF2B5EF4-FFF2-40B4-BE49-F238E27FC236}">
-                        <a16:creationId xmlns:a16="http://schemas.microsoft.com/office/drawing/2014/main" xmlns="" id="{89DC7F12-19D9-42CD-8718-62513D53F5AD}"/>
+                        <a16:creationId xmlns="" xmlns:a16="http://schemas.microsoft.com/office/drawing/2014/main" id="{89DC7F12-19D9-42CD-8718-62513D53F5AD}"/>
                       </a:ext>
                     </a:extLst>
                   </p:cNvPr>
@@ -15720,7 +15721,7 @@
                   <p:cNvPr id="96" name="Forma Livre: Forma 95">
                     <a:extLst>
                       <a:ext uri="{FF2B5EF4-FFF2-40B4-BE49-F238E27FC236}">
-                        <a16:creationId xmlns:a16="http://schemas.microsoft.com/office/drawing/2014/main" xmlns="" id="{11C99363-6E30-4C1C-B8DC-809C57276743}"/>
+                        <a16:creationId xmlns="" xmlns:a16="http://schemas.microsoft.com/office/drawing/2014/main" id="{11C99363-6E30-4C1C-B8DC-809C57276743}"/>
                       </a:ext>
                     </a:extLst>
                   </p:cNvPr>
@@ -15855,7 +15856,7 @@
                   <p:cNvPr id="97" name="Elipse 96">
                     <a:extLst>
                       <a:ext uri="{FF2B5EF4-FFF2-40B4-BE49-F238E27FC236}">
-                        <a16:creationId xmlns:a16="http://schemas.microsoft.com/office/drawing/2014/main" xmlns="" id="{2CCF3187-84BD-449E-B437-7B5B3983433E}"/>
+                        <a16:creationId xmlns="" xmlns:a16="http://schemas.microsoft.com/office/drawing/2014/main" id="{2CCF3187-84BD-449E-B437-7B5B3983433E}"/>
                       </a:ext>
                     </a:extLst>
                   </p:cNvPr>
@@ -15907,7 +15908,7 @@
                   <p:cNvPr id="98" name="Retângulo: Cantos Arredondados 97">
                     <a:extLst>
                       <a:ext uri="{FF2B5EF4-FFF2-40B4-BE49-F238E27FC236}">
-                        <a16:creationId xmlns:a16="http://schemas.microsoft.com/office/drawing/2014/main" xmlns="" id="{BBACAF4A-AA43-4530-B9AE-2E0894AD5BD1}"/>
+                        <a16:creationId xmlns="" xmlns:a16="http://schemas.microsoft.com/office/drawing/2014/main" id="{BBACAF4A-AA43-4530-B9AE-2E0894AD5BD1}"/>
                       </a:ext>
                     </a:extLst>
                   </p:cNvPr>
@@ -15961,7 +15962,7 @@
                   <p:cNvPr id="99" name="Retângulo: Cantos Arredondados 98">
                     <a:extLst>
                       <a:ext uri="{FF2B5EF4-FFF2-40B4-BE49-F238E27FC236}">
-                        <a16:creationId xmlns:a16="http://schemas.microsoft.com/office/drawing/2014/main" xmlns="" id="{1832EC49-72EA-4FCA-BBCF-53A3987C8074}"/>
+                        <a16:creationId xmlns="" xmlns:a16="http://schemas.microsoft.com/office/drawing/2014/main" id="{1832EC49-72EA-4FCA-BBCF-53A3987C8074}"/>
                       </a:ext>
                     </a:extLst>
                   </p:cNvPr>
@@ -16015,7 +16016,7 @@
                   <p:cNvPr id="100" name="Retângulo: Cantos Arredondados 99">
                     <a:extLst>
                       <a:ext uri="{FF2B5EF4-FFF2-40B4-BE49-F238E27FC236}">
-                        <a16:creationId xmlns:a16="http://schemas.microsoft.com/office/drawing/2014/main" xmlns="" id="{4149D41B-6A79-40EF-AA89-2D0599E06E31}"/>
+                        <a16:creationId xmlns="" xmlns:a16="http://schemas.microsoft.com/office/drawing/2014/main" id="{4149D41B-6A79-40EF-AA89-2D0599E06E31}"/>
                       </a:ext>
                     </a:extLst>
                   </p:cNvPr>
@@ -16071,7 +16072,7 @@
               <p:cNvPr id="87" name="Agrupar 11">
                 <a:extLst>
                   <a:ext uri="{FF2B5EF4-FFF2-40B4-BE49-F238E27FC236}">
-                    <a16:creationId xmlns:a16="http://schemas.microsoft.com/office/drawing/2014/main" xmlns="" id="{FF1ACDFF-53C4-4046-8BAC-5659A177F97F}"/>
+                    <a16:creationId xmlns="" xmlns:a16="http://schemas.microsoft.com/office/drawing/2014/main" id="{FF1ACDFF-53C4-4046-8BAC-5659A177F97F}"/>
                   </a:ext>
                 </a:extLst>
               </p:cNvPr>
@@ -16091,7 +16092,7 @@
                 <p:cNvPr id="91" name="Retângulo: Cantos Arredondados 12">
                   <a:extLst>
                     <a:ext uri="{FF2B5EF4-FFF2-40B4-BE49-F238E27FC236}">
-                      <a16:creationId xmlns:a16="http://schemas.microsoft.com/office/drawing/2014/main" xmlns="" id="{32E5891B-A731-4FB5-ACF6-163B15D99891}"/>
+                      <a16:creationId xmlns="" xmlns:a16="http://schemas.microsoft.com/office/drawing/2014/main" id="{32E5891B-A731-4FB5-ACF6-163B15D99891}"/>
                     </a:ext>
                   </a:extLst>
                 </p:cNvPr>
@@ -16145,7 +16146,7 @@
                 <p:cNvPr id="92" name="Retângulo: Cantos Arredondados 13">
                   <a:extLst>
                     <a:ext uri="{FF2B5EF4-FFF2-40B4-BE49-F238E27FC236}">
-                      <a16:creationId xmlns:a16="http://schemas.microsoft.com/office/drawing/2014/main" xmlns="" id="{A814D18B-E602-4B8A-B9D1-141DB84BE861}"/>
+                      <a16:creationId xmlns="" xmlns:a16="http://schemas.microsoft.com/office/drawing/2014/main" id="{A814D18B-E602-4B8A-B9D1-141DB84BE861}"/>
                     </a:ext>
                   </a:extLst>
                 </p:cNvPr>
@@ -16200,7 +16201,7 @@
               <p:cNvPr id="88" name="Agrupar 14">
                 <a:extLst>
                   <a:ext uri="{FF2B5EF4-FFF2-40B4-BE49-F238E27FC236}">
-                    <a16:creationId xmlns:a16="http://schemas.microsoft.com/office/drawing/2014/main" xmlns="" id="{42451D24-90B3-4435-B4C1-6FA153B0B718}"/>
+                    <a16:creationId xmlns="" xmlns:a16="http://schemas.microsoft.com/office/drawing/2014/main" id="{42451D24-90B3-4435-B4C1-6FA153B0B718}"/>
                   </a:ext>
                 </a:extLst>
               </p:cNvPr>
@@ -16220,7 +16221,7 @@
                 <p:cNvPr id="89" name="Retângulo: Cantos Arredondados 15">
                   <a:extLst>
                     <a:ext uri="{FF2B5EF4-FFF2-40B4-BE49-F238E27FC236}">
-                      <a16:creationId xmlns:a16="http://schemas.microsoft.com/office/drawing/2014/main" xmlns="" id="{C1D98CE6-45EE-4230-94AF-921530AF0B61}"/>
+                      <a16:creationId xmlns="" xmlns:a16="http://schemas.microsoft.com/office/drawing/2014/main" id="{C1D98CE6-45EE-4230-94AF-921530AF0B61}"/>
                     </a:ext>
                   </a:extLst>
                 </p:cNvPr>
@@ -16274,7 +16275,7 @@
                 <p:cNvPr id="90" name="Retângulo: Cantos Arredondados 16">
                   <a:extLst>
                     <a:ext uri="{FF2B5EF4-FFF2-40B4-BE49-F238E27FC236}">
-                      <a16:creationId xmlns:a16="http://schemas.microsoft.com/office/drawing/2014/main" xmlns="" id="{DF5208D3-1CB5-409A-9B7D-5DA9FED0333F}"/>
+                      <a16:creationId xmlns="" xmlns:a16="http://schemas.microsoft.com/office/drawing/2014/main" id="{DF5208D3-1CB5-409A-9B7D-5DA9FED0333F}"/>
                     </a:ext>
                   </a:extLst>
                 </p:cNvPr>
@@ -16330,7 +16331,7 @@
             <p:cNvPr id="83" name="Agrupar 82">
               <a:extLst>
                 <a:ext uri="{FF2B5EF4-FFF2-40B4-BE49-F238E27FC236}">
-                  <a16:creationId xmlns:a16="http://schemas.microsoft.com/office/drawing/2014/main" xmlns="" id="{54960447-FDFF-45DE-A838-1492FDC600D6}"/>
+                  <a16:creationId xmlns="" xmlns:a16="http://schemas.microsoft.com/office/drawing/2014/main" id="{54960447-FDFF-45DE-A838-1492FDC600D6}"/>
                 </a:ext>
               </a:extLst>
             </p:cNvPr>
@@ -16350,7 +16351,7 @@
               <p:cNvPr id="84" name="Forma Livre: Forma 83">
                 <a:extLst>
                   <a:ext uri="{FF2B5EF4-FFF2-40B4-BE49-F238E27FC236}">
-                    <a16:creationId xmlns:a16="http://schemas.microsoft.com/office/drawing/2014/main" xmlns="" id="{1ECD66CD-F12E-4DA6-A566-D11A15F0E2FE}"/>
+                    <a16:creationId xmlns="" xmlns:a16="http://schemas.microsoft.com/office/drawing/2014/main" id="{1ECD66CD-F12E-4DA6-A566-D11A15F0E2FE}"/>
                   </a:ext>
                 </a:extLst>
               </p:cNvPr>
@@ -16457,7 +16458,7 @@
               <p:cNvPr id="85" name="Forma Livre: Forma 84">
                 <a:extLst>
                   <a:ext uri="{FF2B5EF4-FFF2-40B4-BE49-F238E27FC236}">
-                    <a16:creationId xmlns:a16="http://schemas.microsoft.com/office/drawing/2014/main" xmlns="" id="{D06248FC-2E8C-4724-9ADC-7EEFDB4EE49F}"/>
+                    <a16:creationId xmlns="" xmlns:a16="http://schemas.microsoft.com/office/drawing/2014/main" id="{D06248FC-2E8C-4724-9ADC-7EEFDB4EE49F}"/>
                   </a:ext>
                 </a:extLst>
               </p:cNvPr>
@@ -16611,7 +16612,7 @@
             <a:chExt cx="1282060" cy="1282060"/>
           </a:xfrm>
           <a:solidFill>
-            <a:srgbClr val="0192E1"/>
+            <a:srgbClr val="0AB39C"/>
           </a:solidFill>
         </p:grpSpPr>
         <p:sp>
@@ -17047,7 +17048,7 @@
             <a:chExt cx="1282060" cy="1282060"/>
           </a:xfrm>
           <a:solidFill>
-            <a:srgbClr val="0192E1"/>
+            <a:srgbClr val="0174E1"/>
           </a:solidFill>
         </p:grpSpPr>
         <p:sp>
@@ -17259,13 +17260,13 @@
         </p:nvGrpSpPr>
         <p:grpSpPr>
           <a:xfrm>
-            <a:off x="9166769" y="5207041"/>
-            <a:ext cx="1207235" cy="1207235"/>
+            <a:off x="9374229" y="5298095"/>
+            <a:ext cx="905427" cy="905427"/>
             <a:chOff x="1028700" y="491655"/>
             <a:chExt cx="1282060" cy="1282060"/>
           </a:xfrm>
           <a:solidFill>
-            <a:srgbClr val="0192E1"/>
+            <a:srgbClr val="0BC5AA"/>
           </a:solidFill>
         </p:grpSpPr>
         <p:sp>
@@ -17486,7 +17487,7 @@
           <a:noFill/>
           <a:ln w="76200">
             <a:solidFill>
-              <a:srgbClr val="0174E1"/>
+              <a:srgbClr val="0AB39C"/>
             </a:solidFill>
           </a:ln>
         </p:spPr>
@@ -17571,12 +17572,12 @@
   <p:clrMapOvr>
     <a:masterClrMapping/>
   </p:clrMapOvr>
-  <mc:AlternateContent xmlns:mc="http://schemas.openxmlformats.org/markup-compatibility/2006" xmlns:p14="http://schemas.microsoft.com/office/powerpoint/2010/main">
-    <mc:Choice Requires="p14">
-      <p:transition spd="slow" p14:dur="2000" advClick="0" advTm="6000"/>
+  <mc:AlternateContent xmlns:mc="http://schemas.openxmlformats.org/markup-compatibility/2006">
+    <mc:Choice xmlns:p14="http://schemas.microsoft.com/office/powerpoint/2010/main" Requires="p14">
+      <p:transition spd="slow" p14:dur="2000" advClick="0" advTm="2000"/>
     </mc:Choice>
-    <mc:Fallback xmlns="">
-      <p:transition spd="slow" advClick="0" advTm="6000"/>
+    <mc:Fallback>
+      <p:transition spd="slow" advClick="0" advTm="2000"/>
     </mc:Fallback>
   </mc:AlternateContent>
   <p:timing>
@@ -17603,7 +17604,7 @@
                             </p:stCondLst>
                             <p:childTnLst>
                               <p:par>
-                                <p:cTn id="5" presetID="2" presetClass="entr" presetSubtype="1" decel="100000" fill="hold" nodeType="withEffect">
+                                <p:cTn id="5" presetID="1" presetClass="exit" presetSubtype="0" fill="hold" nodeType="afterEffect">
                                   <p:stCondLst>
                                     <p:cond delay="0"/>
                                   </p:stCondLst>
@@ -17611,6 +17612,317 @@
                                     <p:set>
                                       <p:cBhvr>
                                         <p:cTn id="6" dur="1" fill="hold">
+                                          <p:stCondLst>
+                                            <p:cond delay="0"/>
+                                          </p:stCondLst>
+                                        </p:cTn>
+                                        <p:tgtEl>
+                                          <p:spTgt spid="57"/>
+                                        </p:tgtEl>
+                                        <p:attrNameLst>
+                                          <p:attrName>style.visibility</p:attrName>
+                                        </p:attrNameLst>
+                                      </p:cBhvr>
+                                      <p:to>
+                                        <p:strVal val="hidden"/>
+                                      </p:to>
+                                    </p:set>
+                                  </p:childTnLst>
+                                </p:cTn>
+                              </p:par>
+                            </p:childTnLst>
+                          </p:cTn>
+                        </p:par>
+                        <p:par>
+                          <p:cTn id="7" fill="hold">
+                            <p:stCondLst>
+                              <p:cond delay="0"/>
+                            </p:stCondLst>
+                            <p:childTnLst>
+                              <p:par>
+                                <p:cTn id="8" presetID="1" presetClass="exit" presetSubtype="0" fill="hold" nodeType="afterEffect">
+                                  <p:stCondLst>
+                                    <p:cond delay="0"/>
+                                  </p:stCondLst>
+                                  <p:childTnLst>
+                                    <p:set>
+                                      <p:cBhvr>
+                                        <p:cTn id="9" dur="1" fill="hold">
+                                          <p:stCondLst>
+                                            <p:cond delay="0"/>
+                                          </p:stCondLst>
+                                        </p:cTn>
+                                        <p:tgtEl>
+                                          <p:spTgt spid="81"/>
+                                        </p:tgtEl>
+                                        <p:attrNameLst>
+                                          <p:attrName>style.visibility</p:attrName>
+                                        </p:attrNameLst>
+                                      </p:cBhvr>
+                                      <p:to>
+                                        <p:strVal val="hidden"/>
+                                      </p:to>
+                                    </p:set>
+                                  </p:childTnLst>
+                                </p:cTn>
+                              </p:par>
+                              <p:par>
+                                <p:cTn id="10" presetID="31" presetClass="entr" presetSubtype="0" fill="hold" grpId="0" nodeType="withEffect">
+                                  <p:stCondLst>
+                                    <p:cond delay="0"/>
+                                  </p:stCondLst>
+                                  <p:childTnLst>
+                                    <p:set>
+                                      <p:cBhvr>
+                                        <p:cTn id="11" dur="1" fill="hold">
+                                          <p:stCondLst>
+                                            <p:cond delay="0"/>
+                                          </p:stCondLst>
+                                        </p:cTn>
+                                        <p:tgtEl>
+                                          <p:spTgt spid="120"/>
+                                        </p:tgtEl>
+                                        <p:attrNameLst>
+                                          <p:attrName>style.visibility</p:attrName>
+                                        </p:attrNameLst>
+                                      </p:cBhvr>
+                                      <p:to>
+                                        <p:strVal val="visible"/>
+                                      </p:to>
+                                    </p:set>
+                                    <p:anim calcmode="lin" valueType="num">
+                                      <p:cBhvr>
+                                        <p:cTn id="12" dur="1000" fill="hold"/>
+                                        <p:tgtEl>
+                                          <p:spTgt spid="120"/>
+                                        </p:tgtEl>
+                                        <p:attrNameLst>
+                                          <p:attrName>ppt_w</p:attrName>
+                                        </p:attrNameLst>
+                                      </p:cBhvr>
+                                      <p:tavLst>
+                                        <p:tav tm="0">
+                                          <p:val>
+                                            <p:fltVal val="0"/>
+                                          </p:val>
+                                        </p:tav>
+                                        <p:tav tm="100000">
+                                          <p:val>
+                                            <p:strVal val="#ppt_w"/>
+                                          </p:val>
+                                        </p:tav>
+                                      </p:tavLst>
+                                    </p:anim>
+                                    <p:anim calcmode="lin" valueType="num">
+                                      <p:cBhvr>
+                                        <p:cTn id="13" dur="1000" fill="hold"/>
+                                        <p:tgtEl>
+                                          <p:spTgt spid="120"/>
+                                        </p:tgtEl>
+                                        <p:attrNameLst>
+                                          <p:attrName>ppt_h</p:attrName>
+                                        </p:attrNameLst>
+                                      </p:cBhvr>
+                                      <p:tavLst>
+                                        <p:tav tm="0">
+                                          <p:val>
+                                            <p:fltVal val="0"/>
+                                          </p:val>
+                                        </p:tav>
+                                        <p:tav tm="100000">
+                                          <p:val>
+                                            <p:strVal val="#ppt_h"/>
+                                          </p:val>
+                                        </p:tav>
+                                      </p:tavLst>
+                                    </p:anim>
+                                    <p:anim calcmode="lin" valueType="num">
+                                      <p:cBhvr>
+                                        <p:cTn id="14" dur="1000" fill="hold"/>
+                                        <p:tgtEl>
+                                          <p:spTgt spid="120"/>
+                                        </p:tgtEl>
+                                        <p:attrNameLst>
+                                          <p:attrName>style.rotation</p:attrName>
+                                        </p:attrNameLst>
+                                      </p:cBhvr>
+                                      <p:tavLst>
+                                        <p:tav tm="0">
+                                          <p:val>
+                                            <p:fltVal val="90"/>
+                                          </p:val>
+                                        </p:tav>
+                                        <p:tav tm="100000">
+                                          <p:val>
+                                            <p:fltVal val="0"/>
+                                          </p:val>
+                                        </p:tav>
+                                      </p:tavLst>
+                                    </p:anim>
+                                    <p:animEffect transition="in" filter="fade">
+                                      <p:cBhvr>
+                                        <p:cTn id="15" dur="1000"/>
+                                        <p:tgtEl>
+                                          <p:spTgt spid="120"/>
+                                        </p:tgtEl>
+                                      </p:cBhvr>
+                                    </p:animEffect>
+                                  </p:childTnLst>
+                                </p:cTn>
+                              </p:par>
+                              <p:par>
+                                <p:cTn id="16" presetID="31" presetClass="entr" presetSubtype="0" fill="hold" grpId="0" nodeType="withEffect">
+                                  <p:stCondLst>
+                                    <p:cond delay="0"/>
+                                  </p:stCondLst>
+                                  <p:childTnLst>
+                                    <p:set>
+                                      <p:cBhvr>
+                                        <p:cTn id="17" dur="1" fill="hold">
+                                          <p:stCondLst>
+                                            <p:cond delay="0"/>
+                                          </p:stCondLst>
+                                        </p:cTn>
+                                        <p:tgtEl>
+                                          <p:spTgt spid="21"/>
+                                        </p:tgtEl>
+                                        <p:attrNameLst>
+                                          <p:attrName>style.visibility</p:attrName>
+                                        </p:attrNameLst>
+                                      </p:cBhvr>
+                                      <p:to>
+                                        <p:strVal val="visible"/>
+                                      </p:to>
+                                    </p:set>
+                                    <p:anim calcmode="lin" valueType="num">
+                                      <p:cBhvr>
+                                        <p:cTn id="18" dur="1000" fill="hold"/>
+                                        <p:tgtEl>
+                                          <p:spTgt spid="21"/>
+                                        </p:tgtEl>
+                                        <p:attrNameLst>
+                                          <p:attrName>ppt_w</p:attrName>
+                                        </p:attrNameLst>
+                                      </p:cBhvr>
+                                      <p:tavLst>
+                                        <p:tav tm="0">
+                                          <p:val>
+                                            <p:fltVal val="0"/>
+                                          </p:val>
+                                        </p:tav>
+                                        <p:tav tm="100000">
+                                          <p:val>
+                                            <p:strVal val="#ppt_w"/>
+                                          </p:val>
+                                        </p:tav>
+                                      </p:tavLst>
+                                    </p:anim>
+                                    <p:anim calcmode="lin" valueType="num">
+                                      <p:cBhvr>
+                                        <p:cTn id="19" dur="1000" fill="hold"/>
+                                        <p:tgtEl>
+                                          <p:spTgt spid="21"/>
+                                        </p:tgtEl>
+                                        <p:attrNameLst>
+                                          <p:attrName>ppt_h</p:attrName>
+                                        </p:attrNameLst>
+                                      </p:cBhvr>
+                                      <p:tavLst>
+                                        <p:tav tm="0">
+                                          <p:val>
+                                            <p:fltVal val="0"/>
+                                          </p:val>
+                                        </p:tav>
+                                        <p:tav tm="100000">
+                                          <p:val>
+                                            <p:strVal val="#ppt_h"/>
+                                          </p:val>
+                                        </p:tav>
+                                      </p:tavLst>
+                                    </p:anim>
+                                    <p:anim calcmode="lin" valueType="num">
+                                      <p:cBhvr>
+                                        <p:cTn id="20" dur="1000" fill="hold"/>
+                                        <p:tgtEl>
+                                          <p:spTgt spid="21"/>
+                                        </p:tgtEl>
+                                        <p:attrNameLst>
+                                          <p:attrName>style.rotation</p:attrName>
+                                        </p:attrNameLst>
+                                      </p:cBhvr>
+                                      <p:tavLst>
+                                        <p:tav tm="0">
+                                          <p:val>
+                                            <p:fltVal val="90"/>
+                                          </p:val>
+                                        </p:tav>
+                                        <p:tav tm="100000">
+                                          <p:val>
+                                            <p:fltVal val="0"/>
+                                          </p:val>
+                                        </p:tav>
+                                      </p:tavLst>
+                                    </p:anim>
+                                    <p:animEffect transition="in" filter="fade">
+                                      <p:cBhvr>
+                                        <p:cTn id="21" dur="1000"/>
+                                        <p:tgtEl>
+                                          <p:spTgt spid="21"/>
+                                        </p:tgtEl>
+                                      </p:cBhvr>
+                                    </p:animEffect>
+                                  </p:childTnLst>
+                                </p:cTn>
+                              </p:par>
+                              <p:par>
+                                <p:cTn id="22" presetID="8" presetClass="emph" presetSubtype="0" decel="100000" autoRev="1" fill="hold" grpId="1" nodeType="withEffect">
+                                  <p:stCondLst>
+                                    <p:cond delay="0"/>
+                                  </p:stCondLst>
+                                  <p:childTnLst>
+                                    <p:animRot by="21600000">
+                                      <p:cBhvr>
+                                        <p:cTn id="23" dur="3900" fill="hold"/>
+                                        <p:tgtEl>
+                                          <p:spTgt spid="120"/>
+                                        </p:tgtEl>
+                                        <p:attrNameLst>
+                                          <p:attrName>r</p:attrName>
+                                        </p:attrNameLst>
+                                      </p:cBhvr>
+                                    </p:animRot>
+                                  </p:childTnLst>
+                                </p:cTn>
+                              </p:par>
+                              <p:par>
+                                <p:cTn id="24" presetID="8" presetClass="emph" presetSubtype="0" decel="100000" autoRev="1" fill="hold" grpId="1" nodeType="withEffect">
+                                  <p:stCondLst>
+                                    <p:cond delay="0"/>
+                                  </p:stCondLst>
+                                  <p:childTnLst>
+                                    <p:animRot by="21600000">
+                                      <p:cBhvr>
+                                        <p:cTn id="25" dur="3850" fill="hold"/>
+                                        <p:tgtEl>
+                                          <p:spTgt spid="21"/>
+                                        </p:tgtEl>
+                                        <p:attrNameLst>
+                                          <p:attrName>r</p:attrName>
+                                        </p:attrNameLst>
+                                      </p:cBhvr>
+                                    </p:animRot>
+                                  </p:childTnLst>
+                                </p:cTn>
+                              </p:par>
+                              <p:par>
+                                <p:cTn id="26" presetID="2" presetClass="entr" presetSubtype="1" decel="100000" fill="hold" nodeType="withEffect">
+                                  <p:stCondLst>
+                                    <p:cond delay="0"/>
+                                  </p:stCondLst>
+                                  <p:childTnLst>
+                                    <p:set>
+                                      <p:cBhvr>
+                                        <p:cTn id="27" dur="1" fill="hold">
                                           <p:stCondLst>
                                             <p:cond delay="0"/>
                                           </p:stCondLst>
@@ -17628,7 +17940,7 @@
                                     </p:set>
                                     <p:anim calcmode="lin" valueType="num">
                                       <p:cBhvr additive="base">
-                                        <p:cTn id="7" dur="1000" fill="hold"/>
+                                        <p:cTn id="28" dur="1000" fill="hold"/>
                                         <p:tgtEl>
                                           <p:spTgt spid="20"/>
                                         </p:tgtEl>
@@ -17651,7 +17963,7 @@
                                     </p:anim>
                                     <p:anim calcmode="lin" valueType="num">
                                       <p:cBhvr additive="base">
-                                        <p:cTn id="8" dur="1000" fill="hold"/>
+                                        <p:cTn id="29" dur="1000" fill="hold"/>
                                         <p:tgtEl>
                                           <p:spTgt spid="20"/>
                                         </p:tgtEl>
@@ -17676,14 +17988,14 @@
                                 </p:cTn>
                               </p:par>
                               <p:par>
-                                <p:cTn id="9" presetID="2" presetClass="entr" presetSubtype="4" decel="100000" fill="hold" nodeType="withEffect">
+                                <p:cTn id="30" presetID="2" presetClass="entr" presetSubtype="4" decel="100000" fill="hold" nodeType="withEffect">
                                   <p:stCondLst>
                                     <p:cond delay="250"/>
                                   </p:stCondLst>
                                   <p:childTnLst>
                                     <p:set>
                                       <p:cBhvr>
-                                        <p:cTn id="10" dur="1" fill="hold">
+                                        <p:cTn id="31" dur="1" fill="hold">
                                           <p:stCondLst>
                                             <p:cond delay="0"/>
                                           </p:stCondLst>
@@ -17701,7 +18013,7 @@
                                     </p:set>
                                     <p:anim calcmode="lin" valueType="num">
                                       <p:cBhvr additive="base">
-                                        <p:cTn id="11" dur="1000" fill="hold"/>
+                                        <p:cTn id="32" dur="1000" fill="hold"/>
                                         <p:tgtEl>
                                           <p:spTgt spid="111"/>
                                         </p:tgtEl>
@@ -17724,7 +18036,7 @@
                                     </p:anim>
                                     <p:anim calcmode="lin" valueType="num">
                                       <p:cBhvr additive="base">
-                                        <p:cTn id="12" dur="1000" fill="hold"/>
+                                        <p:cTn id="33" dur="1000" fill="hold"/>
                                         <p:tgtEl>
                                           <p:spTgt spid="111"/>
                                         </p:tgtEl>
@@ -17749,14 +18061,14 @@
                                 </p:cTn>
                               </p:par>
                               <p:par>
-                                <p:cTn id="13" presetID="2" presetClass="entr" presetSubtype="4" decel="100000" fill="hold" nodeType="withEffect">
+                                <p:cTn id="34" presetID="2" presetClass="entr" presetSubtype="4" decel="100000" fill="hold" nodeType="withEffect">
                                   <p:stCondLst>
                                     <p:cond delay="750"/>
                                   </p:stCondLst>
                                   <p:childTnLst>
                                     <p:set>
                                       <p:cBhvr>
-                                        <p:cTn id="14" dur="1" fill="hold">
+                                        <p:cTn id="35" dur="1" fill="hold">
                                           <p:stCondLst>
                                             <p:cond delay="0"/>
                                           </p:stCondLst>
@@ -17774,7 +18086,7 @@
                                     </p:set>
                                     <p:anim calcmode="lin" valueType="num">
                                       <p:cBhvr additive="base">
-                                        <p:cTn id="15" dur="1000" fill="hold"/>
+                                        <p:cTn id="36" dur="1000" fill="hold"/>
                                         <p:tgtEl>
                                           <p:spTgt spid="117"/>
                                         </p:tgtEl>
@@ -17797,7 +18109,7 @@
                                     </p:anim>
                                     <p:anim calcmode="lin" valueType="num">
                                       <p:cBhvr additive="base">
-                                        <p:cTn id="16" dur="1000" fill="hold"/>
+                                        <p:cTn id="37" dur="1000" fill="hold"/>
                                         <p:tgtEl>
                                           <p:spTgt spid="117"/>
                                         </p:tgtEl>
@@ -17822,14 +18134,14 @@
                                 </p:cTn>
                               </p:par>
                               <p:par>
-                                <p:cTn id="17" presetID="2" presetClass="entr" presetSubtype="4" decel="100000" fill="hold" nodeType="withEffect">
+                                <p:cTn id="38" presetID="2" presetClass="entr" presetSubtype="4" decel="100000" fill="hold" nodeType="withEffect">
                                   <p:stCondLst>
                                     <p:cond delay="1000"/>
                                   </p:stCondLst>
                                   <p:childTnLst>
                                     <p:set>
                                       <p:cBhvr>
-                                        <p:cTn id="18" dur="1" fill="hold">
+                                        <p:cTn id="39" dur="1" fill="hold">
                                           <p:stCondLst>
                                             <p:cond delay="0"/>
                                           </p:stCondLst>
@@ -17847,7 +18159,7 @@
                                     </p:set>
                                     <p:anim calcmode="lin" valueType="num">
                                       <p:cBhvr additive="base">
-                                        <p:cTn id="19" dur="1000" fill="hold"/>
+                                        <p:cTn id="40" dur="1000" fill="hold"/>
                                         <p:tgtEl>
                                           <p:spTgt spid="114"/>
                                         </p:tgtEl>
@@ -17870,7 +18182,7 @@
                                     </p:anim>
                                     <p:anim calcmode="lin" valueType="num">
                                       <p:cBhvr additive="base">
-                                        <p:cTn id="20" dur="1000" fill="hold"/>
+                                        <p:cTn id="41" dur="1000" fill="hold"/>
                                         <p:tgtEl>
                                           <p:spTgt spid="114"/>
                                         </p:tgtEl>
@@ -17894,24 +18206,15 @@
                                   </p:childTnLst>
                                 </p:cTn>
                               </p:par>
-                            </p:childTnLst>
-                          </p:cTn>
-                        </p:par>
-                        <p:par>
-                          <p:cTn id="21" fill="hold">
-                            <p:stCondLst>
-                              <p:cond delay="2000"/>
-                            </p:stCondLst>
-                            <p:childTnLst>
                               <p:par>
-                                <p:cTn id="22" presetID="64" presetClass="path" presetSubtype="0" repeatCount="indefinite" accel="28000" decel="72000" autoRev="1" fill="hold" nodeType="afterEffect">
+                                <p:cTn id="42" presetID="64" presetClass="path" presetSubtype="0" accel="28000" decel="72000" autoRev="1" fill="hold" nodeType="withEffect">
                                   <p:stCondLst>
-                                    <p:cond delay="0"/>
+                                    <p:cond delay="1000"/>
                                   </p:stCondLst>
                                   <p:childTnLst>
                                     <p:animMotion origin="layout" path="M -2.08333E-7 7.40741E-7 L -2.08333E-7 -0.12778 " pathEditMode="relative" rAng="0" ptsTypes="AA">
                                       <p:cBhvr>
-                                        <p:cTn id="23" dur="4000" fill="hold"/>
+                                        <p:cTn id="43" dur="3250" fill="hold"/>
                                         <p:tgtEl>
                                           <p:spTgt spid="20"/>
                                         </p:tgtEl>
@@ -17926,14 +18229,14 @@
                                 </p:cTn>
                               </p:par>
                               <p:par>
-                                <p:cTn id="24" presetID="42" presetClass="path" presetSubtype="0" repeatCount="indefinite" accel="50000" decel="50000" autoRev="1" fill="hold" nodeType="withEffect">
+                                <p:cTn id="44" presetID="42" presetClass="path" presetSubtype="0" accel="50000" decel="50000" autoRev="1" fill="hold" nodeType="withEffect">
                                   <p:stCondLst>
-                                    <p:cond delay="500"/>
+                                    <p:cond delay="0"/>
                                   </p:stCondLst>
                                   <p:childTnLst>
                                     <p:animMotion origin="layout" path="M -3.33333E-6 -3.7037E-7 L -3.33333E-6 0.13889 " pathEditMode="relative" rAng="0" ptsTypes="AA">
                                       <p:cBhvr>
-                                        <p:cTn id="25" dur="4000" fill="hold"/>
+                                        <p:cTn id="45" dur="3850" fill="hold"/>
                                         <p:tgtEl>
                                           <p:spTgt spid="111"/>
                                         </p:tgtEl>
@@ -17948,14 +18251,14 @@
                                 </p:cTn>
                               </p:par>
                               <p:par>
-                                <p:cTn id="26" presetID="42" presetClass="path" presetSubtype="0" repeatCount="indefinite" accel="62000" decel="35000" autoRev="1" fill="hold" nodeType="withEffect">
+                                <p:cTn id="46" presetID="42" presetClass="path" presetSubtype="0" accel="62000" decel="38000" autoRev="1" fill="hold" nodeType="withEffect">
                                   <p:stCondLst>
-                                    <p:cond delay="1000"/>
+                                    <p:cond delay="200"/>
                                   </p:stCondLst>
                                   <p:childTnLst>
                                     <p:animMotion origin="layout" path="M -2.08333E-6 -2.22222E-6 L -2.08333E-6 0.11111 " pathEditMode="relative" rAng="0" ptsTypes="AA">
                                       <p:cBhvr>
-                                        <p:cTn id="27" dur="4000" fill="hold"/>
+                                        <p:cTn id="47" dur="3750" fill="hold"/>
                                         <p:tgtEl>
                                           <p:spTgt spid="117"/>
                                         </p:tgtEl>
@@ -17970,14 +18273,14 @@
                                 </p:cTn>
                               </p:par>
                               <p:par>
-                                <p:cTn id="28" presetID="42" presetClass="path" presetSubtype="0" accel="50000" decel="50000" fill="hold" nodeType="withEffect">
+                                <p:cTn id="48" presetID="42" presetClass="path" presetSubtype="0" accel="50000" decel="50000" autoRev="1" fill="hold" nodeType="withEffect">
                                   <p:stCondLst>
-                                    <p:cond delay="1250"/>
+                                    <p:cond delay="2000"/>
                                   </p:stCondLst>
                                   <p:childTnLst>
                                     <p:animMotion origin="layout" path="M -1.45833E-6 7.40741E-7 L -1.45833E-6 0.12222 " pathEditMode="relative" rAng="0" ptsTypes="AA">
                                       <p:cBhvr>
-                                        <p:cTn id="29" dur="2000" fill="hold"/>
+                                        <p:cTn id="49" dur="2850" fill="hold"/>
                                         <p:tgtEl>
                                           <p:spTgt spid="114"/>
                                         </p:tgtEl>
@@ -17991,87 +18294,15 @@
                                   </p:childTnLst>
                                 </p:cTn>
                               </p:par>
-                            </p:childTnLst>
-                          </p:cTn>
-                        </p:par>
-                        <p:par>
-                          <p:cTn id="30" fill="hold">
-                            <p:stCondLst>
-                              <p:cond delay="11000"/>
-                            </p:stCondLst>
-                            <p:childTnLst>
                               <p:par>
-                                <p:cTn id="31" presetID="1" presetClass="exit" presetSubtype="0" fill="hold" nodeType="afterEffect">
+                                <p:cTn id="50" presetID="2" presetClass="entr" presetSubtype="4" decel="100000" fill="hold" nodeType="withEffect">
                                   <p:stCondLst>
-                                    <p:cond delay="0"/>
+                                    <p:cond delay="750"/>
                                   </p:stCondLst>
                                   <p:childTnLst>
                                     <p:set>
                                       <p:cBhvr>
-                                        <p:cTn id="32" dur="1" fill="hold">
-                                          <p:stCondLst>
-                                            <p:cond delay="0"/>
-                                          </p:stCondLst>
-                                        </p:cTn>
-                                        <p:tgtEl>
-                                          <p:spTgt spid="57"/>
-                                        </p:tgtEl>
-                                        <p:attrNameLst>
-                                          <p:attrName>style.visibility</p:attrName>
-                                        </p:attrNameLst>
-                                      </p:cBhvr>
-                                      <p:to>
-                                        <p:strVal val="hidden"/>
-                                      </p:to>
-                                    </p:set>
-                                  </p:childTnLst>
-                                </p:cTn>
-                              </p:par>
-                            </p:childTnLst>
-                          </p:cTn>
-                        </p:par>
-                        <p:par>
-                          <p:cTn id="33" fill="hold">
-                            <p:stCondLst>
-                              <p:cond delay="11000"/>
-                            </p:stCondLst>
-                            <p:childTnLst>
-                              <p:par>
-                                <p:cTn id="34" presetID="1" presetClass="exit" presetSubtype="0" fill="hold" nodeType="afterEffect">
-                                  <p:stCondLst>
-                                    <p:cond delay="0"/>
-                                  </p:stCondLst>
-                                  <p:childTnLst>
-                                    <p:set>
-                                      <p:cBhvr>
-                                        <p:cTn id="35" dur="1" fill="hold">
-                                          <p:stCondLst>
-                                            <p:cond delay="0"/>
-                                          </p:stCondLst>
-                                        </p:cTn>
-                                        <p:tgtEl>
-                                          <p:spTgt spid="81"/>
-                                        </p:tgtEl>
-                                        <p:attrNameLst>
-                                          <p:attrName>style.visibility</p:attrName>
-                                        </p:attrNameLst>
-                                      </p:cBhvr>
-                                      <p:to>
-                                        <p:strVal val="hidden"/>
-                                      </p:to>
-                                    </p:set>
-                                  </p:childTnLst>
-                                </p:cTn>
-                              </p:par>
-                              <p:par>
-                                <p:cTn id="36" presetID="2" presetClass="entr" presetSubtype="4" decel="100000" fill="hold" nodeType="withEffect">
-                                  <p:stCondLst>
-                                    <p:cond delay="0"/>
-                                  </p:stCondLst>
-                                  <p:childTnLst>
-                                    <p:set>
-                                      <p:cBhvr>
-                                        <p:cTn id="37" dur="1" fill="hold">
+                                        <p:cTn id="51" dur="1" fill="hold">
                                           <p:stCondLst>
                                             <p:cond delay="0"/>
                                           </p:stCondLst>
@@ -18089,7 +18320,7 @@
                                     </p:set>
                                     <p:anim calcmode="lin" valueType="num">
                                       <p:cBhvr additive="base">
-                                        <p:cTn id="38" dur="1000" fill="hold"/>
+                                        <p:cTn id="52" dur="1000" fill="hold"/>
                                         <p:tgtEl>
                                           <p:spTgt spid="18"/>
                                         </p:tgtEl>
@@ -18112,7 +18343,7 @@
                                     </p:anim>
                                     <p:anim calcmode="lin" valueType="num">
                                       <p:cBhvr additive="base">
-                                        <p:cTn id="39" dur="1000" fill="hold"/>
+                                        <p:cTn id="53" dur="1000" fill="hold"/>
                                         <p:tgtEl>
                                           <p:spTgt spid="18"/>
                                         </p:tgtEl>
@@ -18136,24 +18367,15 @@
                                   </p:childTnLst>
                                 </p:cTn>
                               </p:par>
-                            </p:childTnLst>
-                          </p:cTn>
-                        </p:par>
-                        <p:par>
-                          <p:cTn id="40" fill="hold">
-                            <p:stCondLst>
-                              <p:cond delay="12000"/>
-                            </p:stCondLst>
-                            <p:childTnLst>
                               <p:par>
-                                <p:cTn id="41" presetID="42" presetClass="path" presetSubtype="0" accel="50000" decel="50000" fill="hold" nodeType="afterEffect">
+                                <p:cTn id="54" presetID="42" presetClass="path" presetSubtype="0" accel="50000" decel="50000" fill="hold" nodeType="withEffect">
                                   <p:stCondLst>
-                                    <p:cond delay="0"/>
+                                    <p:cond delay="1750"/>
                                   </p:stCondLst>
                                   <p:childTnLst>
                                     <p:animMotion origin="layout" path="M 3.33333E-6 -4.07407E-6 L 3.33333E-6 0.25 " pathEditMode="relative" rAng="0" ptsTypes="AA">
                                       <p:cBhvr>
-                                        <p:cTn id="42" dur="1750" fill="hold"/>
+                                        <p:cTn id="55" dur="1750" fill="hold"/>
                                         <p:tgtEl>
                                           <p:spTgt spid="18"/>
                                         </p:tgtEl>
@@ -18167,24 +18389,15 @@
                                   </p:childTnLst>
                                 </p:cTn>
                               </p:par>
-                            </p:childTnLst>
-                          </p:cTn>
-                        </p:par>
-                        <p:par>
-                          <p:cTn id="43" fill="hold">
-                            <p:stCondLst>
-                              <p:cond delay="13750"/>
-                            </p:stCondLst>
-                            <p:childTnLst>
                               <p:par>
-                                <p:cTn id="44" presetID="26" presetClass="entr" presetSubtype="0" fill="hold" nodeType="afterEffect">
+                                <p:cTn id="56" presetID="26" presetClass="entr" presetSubtype="0" fill="hold" nodeType="withEffect">
                                   <p:stCondLst>
-                                    <p:cond delay="0"/>
+                                    <p:cond delay="3250"/>
                                   </p:stCondLst>
                                   <p:childTnLst>
                                     <p:set>
                                       <p:cBhvr>
-                                        <p:cTn id="45" dur="1" fill="hold">
+                                        <p:cTn id="57" dur="1" fill="hold">
                                           <p:stCondLst>
                                             <p:cond delay="0"/>
                                           </p:stCondLst>
@@ -18202,7 +18415,7 @@
                                     </p:set>
                                     <p:animEffect transition="in" filter="wipe(down)">
                                       <p:cBhvr>
-                                        <p:cTn id="46" dur="435">
+                                        <p:cTn id="58" dur="435">
                                           <p:stCondLst>
                                             <p:cond delay="0"/>
                                           </p:stCondLst>
@@ -18214,7 +18427,7 @@
                                     </p:animEffect>
                                     <p:anim calcmode="lin" valueType="num">
                                       <p:cBhvr>
-                                        <p:cTn id="47" dur="1367" tmFilter="0,0; 0.14,0.36; 0.43,0.73; 0.71,0.91; 1.0,1.0">
+                                        <p:cTn id="59" dur="1367" tmFilter="0,0; 0.14,0.36; 0.43,0.73; 0.71,0.91; 1.0,1.0">
                                           <p:stCondLst>
                                             <p:cond delay="0"/>
                                           </p:stCondLst>
@@ -18241,7 +18454,7 @@
                                     </p:anim>
                                     <p:anim calcmode="lin" valueType="num">
                                       <p:cBhvr>
-                                        <p:cTn id="48" dur="498" tmFilter="0.0,0.0; 0.25,0.07; 0.50,0.2; 0.75,0.467; 1.0,1.0">
+                                        <p:cTn id="60" dur="498" tmFilter="0.0,0.0; 0.25,0.07; 0.50,0.2; 0.75,0.467; 1.0,1.0">
                                           <p:stCondLst>
                                             <p:cond delay="0"/>
                                           </p:stCondLst>
@@ -18268,7 +18481,7 @@
                                     </p:anim>
                                     <p:anim calcmode="lin" valueType="num">
                                       <p:cBhvr>
-                                        <p:cTn id="49" dur="498" tmFilter="0, 0; 0.125,0.2665; 0.25,0.4; 0.375,0.465; 0.5,0.5;  0.625,0.535; 0.75,0.6; 0.875,0.7335; 1,1">
+                                        <p:cTn id="61" dur="498" tmFilter="0, 0; 0.125,0.2665; 0.25,0.4; 0.375,0.465; 0.5,0.5;  0.625,0.535; 0.75,0.6; 0.875,0.7335; 1,1">
                                           <p:stCondLst>
                                             <p:cond delay="498"/>
                                           </p:stCondLst>
@@ -18295,7 +18508,7 @@
                                     </p:anim>
                                     <p:anim calcmode="lin" valueType="num">
                                       <p:cBhvr>
-                                        <p:cTn id="50" dur="249" tmFilter="0, 0; 0.125,0.2665; 0.25,0.4; 0.375,0.465; 0.5,0.5;  0.625,0.535; 0.75,0.6; 0.875,0.7335; 1,1">
+                                        <p:cTn id="62" dur="249" tmFilter="0, 0; 0.125,0.2665; 0.25,0.4; 0.375,0.465; 0.5,0.5;  0.625,0.535; 0.75,0.6; 0.875,0.7335; 1,1">
                                           <p:stCondLst>
                                             <p:cond delay="993"/>
                                           </p:stCondLst>
@@ -18322,7 +18535,7 @@
                                     </p:anim>
                                     <p:anim calcmode="lin" valueType="num">
                                       <p:cBhvr>
-                                        <p:cTn id="51" dur="123" tmFilter="0, 0; 0.125,0.2665; 0.25,0.4; 0.375,0.465; 0.5,0.5;  0.625,0.535; 0.75,0.6; 0.875,0.7335; 1,1">
+                                        <p:cTn id="63" dur="123" tmFilter="0, 0; 0.125,0.2665; 0.25,0.4; 0.375,0.465; 0.5,0.5;  0.625,0.535; 0.75,0.6; 0.875,0.7335; 1,1">
                                           <p:stCondLst>
                                             <p:cond delay="1242"/>
                                           </p:stCondLst>
@@ -18349,7 +18562,7 @@
                                     </p:anim>
                                     <p:animScale>
                                       <p:cBhvr>
-                                        <p:cTn id="52" dur="20">
+                                        <p:cTn id="64" dur="20">
                                           <p:stCondLst>
                                             <p:cond delay="487"/>
                                           </p:stCondLst>
@@ -18362,7 +18575,7 @@
                                     </p:animScale>
                                     <p:animScale>
                                       <p:cBhvr>
-                                        <p:cTn id="53" dur="124" decel="50000">
+                                        <p:cTn id="65" dur="124" decel="50000">
                                           <p:stCondLst>
                                             <p:cond delay="507"/>
                                           </p:stCondLst>
@@ -18375,7 +18588,7 @@
                                     </p:animScale>
                                     <p:animScale>
                                       <p:cBhvr>
-                                        <p:cTn id="54" dur="20">
+                                        <p:cTn id="66" dur="20">
                                           <p:stCondLst>
                                             <p:cond delay="984"/>
                                           </p:stCondLst>
@@ -18388,7 +18601,7 @@
                                     </p:animScale>
                                     <p:animScale>
                                       <p:cBhvr>
-                                        <p:cTn id="55" dur="124" decel="50000">
+                                        <p:cTn id="67" dur="124" decel="50000">
                                           <p:stCondLst>
                                             <p:cond delay="1004"/>
                                           </p:stCondLst>
@@ -18401,7 +18614,7 @@
                                     </p:animScale>
                                     <p:animScale>
                                       <p:cBhvr>
-                                        <p:cTn id="56" dur="20">
+                                        <p:cTn id="68" dur="20">
                                           <p:stCondLst>
                                             <p:cond delay="1231"/>
                                           </p:stCondLst>
@@ -18414,7 +18627,7 @@
                                     </p:animScale>
                                     <p:animScale>
                                       <p:cBhvr>
-                                        <p:cTn id="57" dur="124" decel="50000">
+                                        <p:cTn id="69" dur="124" decel="50000">
                                           <p:stCondLst>
                                             <p:cond delay="1251"/>
                                           </p:stCondLst>
@@ -18427,7 +18640,7 @@
                                     </p:animScale>
                                     <p:animScale>
                                       <p:cBhvr>
-                                        <p:cTn id="58" dur="20">
+                                        <p:cTn id="70" dur="20">
                                           <p:stCondLst>
                                             <p:cond delay="1356"/>
                                           </p:stCondLst>
@@ -18440,7 +18653,7 @@
                                     </p:animScale>
                                     <p:animScale>
                                       <p:cBhvr>
-                                        <p:cTn id="59" dur="124" decel="50000">
+                                        <p:cTn id="71" dur="124" decel="50000">
                                           <p:stCondLst>
                                             <p:cond delay="1376"/>
                                           </p:stCondLst>
@@ -18454,24 +18667,15 @@
                                   </p:childTnLst>
                                 </p:cTn>
                               </p:par>
-                            </p:childTnLst>
-                          </p:cTn>
-                        </p:par>
-                        <p:par>
-                          <p:cTn id="60" fill="hold">
-                            <p:stCondLst>
-                              <p:cond delay="15250"/>
-                            </p:stCondLst>
-                            <p:childTnLst>
                               <p:par>
-                                <p:cTn id="61" presetID="1" presetClass="exit" presetSubtype="0" fill="hold" nodeType="afterEffect">
+                                <p:cTn id="72" presetID="1" presetClass="exit" presetSubtype="0" fill="hold" nodeType="withEffect">
                                   <p:stCondLst>
-                                    <p:cond delay="0"/>
+                                    <p:cond delay="4750"/>
                                   </p:stCondLst>
                                   <p:childTnLst>
                                     <p:set>
                                       <p:cBhvr>
-                                        <p:cTn id="62" dur="1" fill="hold">
+                                        <p:cTn id="73" dur="1" fill="hold">
                                           <p:stCondLst>
                                             <p:cond delay="0"/>
                                           </p:stCondLst>
@@ -18490,24 +18694,15 @@
                                   </p:childTnLst>
                                 </p:cTn>
                               </p:par>
-                            </p:childTnLst>
-                          </p:cTn>
-                        </p:par>
-                        <p:par>
-                          <p:cTn id="63" fill="hold">
-                            <p:stCondLst>
-                              <p:cond delay="15250"/>
-                            </p:stCondLst>
-                            <p:childTnLst>
                               <p:par>
-                                <p:cTn id="64" presetID="1" presetClass="entr" presetSubtype="0" fill="hold" nodeType="afterEffect">
+                                <p:cTn id="74" presetID="1" presetClass="entr" presetSubtype="0" fill="hold" nodeType="withEffect">
                                   <p:stCondLst>
-                                    <p:cond delay="0"/>
+                                    <p:cond delay="4750"/>
                                   </p:stCondLst>
                                   <p:childTnLst>
                                     <p:set>
                                       <p:cBhvr>
-                                        <p:cTn id="65" dur="1" fill="hold">
+                                        <p:cTn id="75" dur="1" fill="hold">
                                           <p:stCondLst>
                                             <p:cond delay="0"/>
                                           </p:stCondLst>
@@ -18526,24 +18721,15 @@
                                   </p:childTnLst>
                                 </p:cTn>
                               </p:par>
-                            </p:childTnLst>
-                          </p:cTn>
-                        </p:par>
-                        <p:par>
-                          <p:cTn id="66" fill="hold">
-                            <p:stCondLst>
-                              <p:cond delay="15250"/>
-                            </p:stCondLst>
-                            <p:childTnLst>
                               <p:par>
-                                <p:cTn id="67" presetID="1" presetClass="exit" presetSubtype="0" fill="hold" nodeType="afterEffect">
+                                <p:cTn id="76" presetID="1" presetClass="exit" presetSubtype="0" fill="hold" nodeType="withEffect">
                                   <p:stCondLst>
-                                    <p:cond delay="500"/>
+                                    <p:cond delay="5250"/>
                                   </p:stCondLst>
                                   <p:childTnLst>
                                     <p:set>
                                       <p:cBhvr>
-                                        <p:cTn id="68" dur="1" fill="hold">
+                                        <p:cTn id="77" dur="1" fill="hold">
                                           <p:stCondLst>
                                             <p:cond delay="0"/>
                                           </p:stCondLst>
@@ -18562,24 +18748,15 @@
                                   </p:childTnLst>
                                 </p:cTn>
                               </p:par>
-                            </p:childTnLst>
-                          </p:cTn>
-                        </p:par>
-                        <p:par>
-                          <p:cTn id="69" fill="hold">
-                            <p:stCondLst>
-                              <p:cond delay="15750"/>
-                            </p:stCondLst>
-                            <p:childTnLst>
                               <p:par>
-                                <p:cTn id="70" presetID="1" presetClass="entr" presetSubtype="0" fill="hold" nodeType="afterEffect">
+                                <p:cTn id="78" presetID="1" presetClass="entr" presetSubtype="0" fill="hold" nodeType="withEffect">
                                   <p:stCondLst>
-                                    <p:cond delay="0"/>
+                                    <p:cond delay="5250"/>
                                   </p:stCondLst>
                                   <p:childTnLst>
                                     <p:set>
                                       <p:cBhvr>
-                                        <p:cTn id="71" dur="1" fill="hold">
+                                        <p:cTn id="79" dur="1" fill="hold">
                                           <p:stCondLst>
                                             <p:cond delay="0"/>
                                           </p:stCondLst>
@@ -18598,24 +18775,15 @@
                                   </p:childTnLst>
                                 </p:cTn>
                               </p:par>
-                            </p:childTnLst>
-                          </p:cTn>
-                        </p:par>
-                        <p:par>
-                          <p:cTn id="72" fill="hold">
-                            <p:stCondLst>
-                              <p:cond delay="15750"/>
-                            </p:stCondLst>
-                            <p:childTnLst>
                               <p:par>
-                                <p:cTn id="73" presetID="1" presetClass="exit" presetSubtype="0" fill="hold" nodeType="afterEffect">
+                                <p:cTn id="80" presetID="1" presetClass="exit" presetSubtype="0" fill="hold" nodeType="withEffect">
                                   <p:stCondLst>
-                                    <p:cond delay="500"/>
+                                    <p:cond delay="5750"/>
                                   </p:stCondLst>
                                   <p:childTnLst>
                                     <p:set>
                                       <p:cBhvr>
-                                        <p:cTn id="74" dur="1" fill="hold">
+                                        <p:cTn id="81" dur="1" fill="hold">
                                           <p:stCondLst>
                                             <p:cond delay="0"/>
                                           </p:stCondLst>
@@ -18634,24 +18802,15 @@
                                   </p:childTnLst>
                                 </p:cTn>
                               </p:par>
-                            </p:childTnLst>
-                          </p:cTn>
-                        </p:par>
-                        <p:par>
-                          <p:cTn id="75" fill="hold">
-                            <p:stCondLst>
-                              <p:cond delay="16250"/>
-                            </p:stCondLst>
-                            <p:childTnLst>
                               <p:par>
-                                <p:cTn id="76" presetID="1" presetClass="entr" presetSubtype="0" fill="hold" nodeType="afterEffect">
+                                <p:cTn id="82" presetID="1" presetClass="entr" presetSubtype="0" fill="hold" nodeType="withEffect">
                                   <p:stCondLst>
-                                    <p:cond delay="0"/>
+                                    <p:cond delay="5750"/>
                                   </p:stCondLst>
                                   <p:childTnLst>
                                     <p:set>
                                       <p:cBhvr>
-                                        <p:cTn id="77" dur="1" fill="hold">
+                                        <p:cTn id="83" dur="1" fill="hold">
                                           <p:stCondLst>
                                             <p:cond delay="0"/>
                                           </p:stCondLst>
@@ -18697,6 +18856,12 @@
         </p:cTn>
       </p:par>
     </p:tnLst>
+    <p:bldLst>
+      <p:bldP spid="21" grpId="0" animBg="1"/>
+      <p:bldP spid="21" grpId="1" animBg="1"/>
+      <p:bldP spid="120" grpId="0" animBg="1"/>
+      <p:bldP spid="120" grpId="1" animBg="1"/>
+    </p:bldLst>
   </p:timing>
 </p:sld>
 </file>
@@ -18720,10 +18885,10 @@
       </p:grpSpPr>
       <p:sp>
         <p:nvSpPr>
-          <p:cNvPr id="8" name="Retângulo 7">
+          <p:cNvPr id="5" name="Retângulo 4">
             <a:extLst>
               <a:ext uri="{FF2B5EF4-FFF2-40B4-BE49-F238E27FC236}">
-                <a16:creationId xmlns:a16="http://schemas.microsoft.com/office/drawing/2014/main" xmlns="" id="{BAB3F456-50CC-41AE-9B76-EC97A2174643}"/>
+                <a16:creationId xmlns="" xmlns:a16="http://schemas.microsoft.com/office/drawing/2014/main" id="{BAB3F456-50CC-41AE-9B76-EC97A2174643}"/>
               </a:ext>
             </a:extLst>
           </p:cNvPr>
@@ -18732,14 +18897,16 @@
         </p:nvSpPr>
         <p:spPr>
           <a:xfrm>
-            <a:off x="-2477729" y="-14319190"/>
-            <a:ext cx="19143406" cy="10766324"/>
+            <a:off x="0" y="-2"/>
+            <a:ext cx="12194084" cy="6857999"/>
           </a:xfrm>
           <a:prstGeom prst="rect">
             <a:avLst/>
           </a:prstGeom>
           <a:solidFill>
-            <a:srgbClr val="0BC5AA"/>
+            <a:schemeClr val="bg1">
+              <a:lumMod val="95000"/>
+            </a:schemeClr>
           </a:solidFill>
           <a:ln>
             <a:noFill/>
@@ -18770,47 +18937,205 @@
           </a:p>
         </p:txBody>
       </p:sp>
-      <p:pic>
-        <p:nvPicPr>
-          <p:cNvPr id="1026" name="Picture 2" descr="C:\Users\u18171\Documents\GitHub\Projeto-PP\Stud+\img\background3.jpg"/>
-          <p:cNvPicPr>
-            <a:picLocks noChangeAspect="1" noChangeArrowheads="1"/>
-          </p:cNvPicPr>
-          <p:nvPr/>
-        </p:nvPicPr>
-        <p:blipFill>
-          <a:blip r:embed="rId2">
+      <p:sp>
+        <p:nvSpPr>
+          <p:cNvPr id="8" name="Retângulo 7">
             <a:extLst>
-              <a:ext uri="{28A0092B-C50C-407E-A947-70E740481C1C}">
-                <a14:useLocalDpi xmlns:a14="http://schemas.microsoft.com/office/drawing/2010/main" val="0"/>
+              <a:ext uri="{FF2B5EF4-FFF2-40B4-BE49-F238E27FC236}">
+                <a16:creationId xmlns="" xmlns:a16="http://schemas.microsoft.com/office/drawing/2014/main" id="{BAB3F456-50CC-41AE-9B76-EC97A2174643}"/>
               </a:ext>
             </a:extLst>
-          </a:blip>
-          <a:srcRect/>
-          <a:stretch>
-            <a:fillRect/>
-          </a:stretch>
-        </p:blipFill>
-        <p:spPr bwMode="auto">
+          </p:cNvPr>
+          <p:cNvSpPr/>
+          <p:nvPr/>
+        </p:nvSpPr>
+        <p:spPr>
           <a:xfrm>
-            <a:off x="-327789" y="-1000166"/>
-            <a:ext cx="14843525" cy="9953666"/>
+            <a:off x="0" y="0"/>
+            <a:ext cx="12194084" cy="6857999"/>
+          </a:xfrm>
+          <a:prstGeom prst="rect">
+            <a:avLst/>
+          </a:prstGeom>
+          <a:solidFill>
+            <a:srgbClr val="0174E1"/>
+          </a:solidFill>
+          <a:ln>
+            <a:noFill/>
+          </a:ln>
+        </p:spPr>
+        <p:style>
+          <a:lnRef idx="2">
+            <a:schemeClr val="accent1">
+              <a:shade val="50000"/>
+            </a:schemeClr>
+          </a:lnRef>
+          <a:fillRef idx="1">
+            <a:schemeClr val="accent1"/>
+          </a:fillRef>
+          <a:effectRef idx="0">
+            <a:schemeClr val="accent1"/>
+          </a:effectRef>
+          <a:fontRef idx="minor">
+            <a:schemeClr val="lt1"/>
+          </a:fontRef>
+        </p:style>
+        <p:txBody>
+          <a:bodyPr rtlCol="0" anchor="ctr"/>
+          <a:lstStyle/>
+          <a:p>
+            <a:pPr algn="ctr"/>
+            <a:endParaRPr lang="pt-BR"/>
+          </a:p>
+        </p:txBody>
+      </p:sp>
+      <p:sp>
+        <p:nvSpPr>
+          <p:cNvPr id="2" name="CaixaDeTexto 1"/>
+          <p:cNvSpPr txBox="1"/>
+          <p:nvPr/>
+        </p:nvSpPr>
+        <p:spPr>
+          <a:xfrm>
+            <a:off x="1277392" y="2658069"/>
+            <a:ext cx="9639300" cy="923330"/>
           </a:xfrm>
           <a:prstGeom prst="rect">
             <a:avLst/>
           </a:prstGeom>
           <a:noFill/>
-          <a:extLst>
-            <a:ext uri="{909E8E84-426E-40DD-AFC4-6F175D3DCCD1}">
-              <a14:hiddenFill xmlns:a14="http://schemas.microsoft.com/office/drawing/2010/main">
+        </p:spPr>
+        <p:txBody>
+          <a:bodyPr wrap="square" rtlCol="0">
+            <a:spAutoFit/>
+          </a:bodyPr>
+          <a:lstStyle/>
+          <a:p>
+            <a:r>
+              <a:rPr lang="pt-BR" sz="5400" b="1" dirty="0" smtClean="0">
                 <a:solidFill>
-                  <a:srgbClr val="FFFFFF"/>
+                  <a:schemeClr val="bg1"/>
                 </a:solidFill>
-              </a14:hiddenFill>
-            </a:ext>
-          </a:extLst>
-        </p:spPr>
-      </p:pic>
+                <a:latin typeface="Agency FB" panose="020B0503020202020204" pitchFamily="34" charset="0"/>
+              </a:rPr>
+              <a:t>MELHORE SEU DESEMPENHO ACADÊMICO</a:t>
+            </a:r>
+            <a:endParaRPr lang="pt-BR" sz="5400" b="1" dirty="0">
+              <a:solidFill>
+                <a:schemeClr val="bg1"/>
+              </a:solidFill>
+              <a:latin typeface="Agency FB" panose="020B0503020202020204" pitchFamily="34" charset="0"/>
+            </a:endParaRPr>
+          </a:p>
+        </p:txBody>
+      </p:sp>
+      <p:grpSp>
+        <p:nvGrpSpPr>
+          <p:cNvPr id="6" name="Grupo 5"/>
+          <p:cNvGrpSpPr/>
+          <p:nvPr/>
+        </p:nvGrpSpPr>
+        <p:grpSpPr>
+          <a:xfrm>
+            <a:off x="1277392" y="2658069"/>
+            <a:ext cx="9563100" cy="923330"/>
+            <a:chOff x="1028700" y="2658069"/>
+            <a:chExt cx="9563100" cy="923330"/>
+          </a:xfrm>
+        </p:grpSpPr>
+        <p:sp>
+          <p:nvSpPr>
+            <p:cNvPr id="3" name="Retângulo 2"/>
+            <p:cNvSpPr/>
+            <p:nvPr/>
+          </p:nvSpPr>
+          <p:spPr>
+            <a:xfrm>
+              <a:off x="1028700" y="2658069"/>
+              <a:ext cx="124346" cy="923330"/>
+            </a:xfrm>
+            <a:prstGeom prst="rect">
+              <a:avLst/>
+            </a:prstGeom>
+            <a:solidFill>
+              <a:schemeClr val="bg1"/>
+            </a:solidFill>
+            <a:ln>
+              <a:noFill/>
+            </a:ln>
+          </p:spPr>
+          <p:style>
+            <a:lnRef idx="2">
+              <a:schemeClr val="accent1">
+                <a:shade val="50000"/>
+              </a:schemeClr>
+            </a:lnRef>
+            <a:fillRef idx="1">
+              <a:schemeClr val="accent1"/>
+            </a:fillRef>
+            <a:effectRef idx="0">
+              <a:schemeClr val="accent1"/>
+            </a:effectRef>
+            <a:fontRef idx="minor">
+              <a:schemeClr val="lt1"/>
+            </a:fontRef>
+          </p:style>
+          <p:txBody>
+            <a:bodyPr rtlCol="0" anchor="ctr"/>
+            <a:lstStyle/>
+            <a:p>
+              <a:pPr algn="ctr"/>
+              <a:endParaRPr lang="pt-BR"/>
+            </a:p>
+          </p:txBody>
+        </p:sp>
+        <p:sp>
+          <p:nvSpPr>
+            <p:cNvPr id="4" name="Retângulo 3"/>
+            <p:cNvSpPr/>
+            <p:nvPr/>
+          </p:nvSpPr>
+          <p:spPr>
+            <a:xfrm>
+              <a:off x="1153046" y="2658069"/>
+              <a:ext cx="9438754" cy="923330"/>
+            </a:xfrm>
+            <a:prstGeom prst="rect">
+              <a:avLst/>
+            </a:prstGeom>
+            <a:solidFill>
+              <a:srgbClr val="0174E1"/>
+            </a:solidFill>
+            <a:ln>
+              <a:noFill/>
+            </a:ln>
+          </p:spPr>
+          <p:style>
+            <a:lnRef idx="2">
+              <a:schemeClr val="accent1">
+                <a:shade val="50000"/>
+              </a:schemeClr>
+            </a:lnRef>
+            <a:fillRef idx="1">
+              <a:schemeClr val="accent1"/>
+            </a:fillRef>
+            <a:effectRef idx="0">
+              <a:schemeClr val="accent1"/>
+            </a:effectRef>
+            <a:fontRef idx="minor">
+              <a:schemeClr val="lt1"/>
+            </a:fontRef>
+          </p:style>
+          <p:txBody>
+            <a:bodyPr rtlCol="0" anchor="ctr"/>
+            <a:lstStyle/>
+            <a:p>
+              <a:pPr algn="ctr"/>
+              <a:endParaRPr lang="pt-BR"/>
+            </a:p>
+          </p:txBody>
+        </p:sp>
+      </p:grpSp>
     </p:spTree>
     <p:extLst>
       <p:ext uri="{BB962C8B-B14F-4D97-AF65-F5344CB8AC3E}">
@@ -18853,7 +19178,7 @@
                             </p:stCondLst>
                             <p:childTnLst>
                               <p:par>
-                                <p:cTn id="5" presetID="2" presetClass="entr" presetSubtype="8" fill="hold" grpId="0" nodeType="afterEffect">
+                                <p:cTn id="5" presetID="1" presetClass="exit" presetSubtype="0" fill="hold" nodeType="withEffect">
                                   <p:stCondLst>
                                     <p:cond delay="0"/>
                                   </p:stCondLst>
@@ -18861,6 +19186,69 @@
                                     <p:set>
                                       <p:cBhvr>
                                         <p:cTn id="6" dur="1" fill="hold">
+                                          <p:stCondLst>
+                                            <p:cond delay="0"/>
+                                          </p:stCondLst>
+                                        </p:cTn>
+                                        <p:tgtEl>
+                                          <p:spTgt spid="6"/>
+                                        </p:tgtEl>
+                                        <p:attrNameLst>
+                                          <p:attrName>style.visibility</p:attrName>
+                                        </p:attrNameLst>
+                                      </p:cBhvr>
+                                      <p:to>
+                                        <p:strVal val="hidden"/>
+                                      </p:to>
+                                    </p:set>
+                                  </p:childTnLst>
+                                </p:cTn>
+                              </p:par>
+                              <p:par>
+                                <p:cTn id="7" presetID="1" presetClass="exit" presetSubtype="0" fill="hold" grpId="0" nodeType="withEffect">
+                                  <p:stCondLst>
+                                    <p:cond delay="0"/>
+                                  </p:stCondLst>
+                                  <p:childTnLst>
+                                    <p:set>
+                                      <p:cBhvr>
+                                        <p:cTn id="8" dur="1" fill="hold">
+                                          <p:stCondLst>
+                                            <p:cond delay="0"/>
+                                          </p:stCondLst>
+                                        </p:cTn>
+                                        <p:tgtEl>
+                                          <p:spTgt spid="2"/>
+                                        </p:tgtEl>
+                                        <p:attrNameLst>
+                                          <p:attrName>style.visibility</p:attrName>
+                                        </p:attrNameLst>
+                                      </p:cBhvr>
+                                      <p:to>
+                                        <p:strVal val="hidden"/>
+                                      </p:to>
+                                    </p:set>
+                                  </p:childTnLst>
+                                </p:cTn>
+                              </p:par>
+                            </p:childTnLst>
+                          </p:cTn>
+                        </p:par>
+                        <p:par>
+                          <p:cTn id="9" fill="hold">
+                            <p:stCondLst>
+                              <p:cond delay="0"/>
+                            </p:stCondLst>
+                            <p:childTnLst>
+                              <p:par>
+                                <p:cTn id="10" presetID="2" presetClass="entr" presetSubtype="8" decel="100000" fill="hold" grpId="0" nodeType="afterEffect">
+                                  <p:stCondLst>
+                                    <p:cond delay="250"/>
+                                  </p:stCondLst>
+                                  <p:childTnLst>
+                                    <p:set>
+                                      <p:cBhvr>
+                                        <p:cTn id="11" dur="1" fill="hold">
                                           <p:stCondLst>
                                             <p:cond delay="0"/>
                                           </p:stCondLst>
@@ -18878,7 +19266,7 @@
                                     </p:set>
                                     <p:anim calcmode="lin" valueType="num">
                                       <p:cBhvr additive="base">
-                                        <p:cTn id="7" dur="500" fill="hold"/>
+                                        <p:cTn id="12" dur="1500" fill="hold"/>
                                         <p:tgtEl>
                                           <p:spTgt spid="8"/>
                                         </p:tgtEl>
@@ -18901,9 +19289,82 @@
                                     </p:anim>
                                     <p:anim calcmode="lin" valueType="num">
                                       <p:cBhvr additive="base">
-                                        <p:cTn id="8" dur="500" fill="hold"/>
+                                        <p:cTn id="13" dur="1500" fill="hold"/>
                                         <p:tgtEl>
                                           <p:spTgt spid="8"/>
+                                        </p:tgtEl>
+                                        <p:attrNameLst>
+                                          <p:attrName>ppt_y</p:attrName>
+                                        </p:attrNameLst>
+                                      </p:cBhvr>
+                                      <p:tavLst>
+                                        <p:tav tm="0">
+                                          <p:val>
+                                            <p:strVal val="#ppt_y"/>
+                                          </p:val>
+                                        </p:tav>
+                                        <p:tav tm="100000">
+                                          <p:val>
+                                            <p:strVal val="#ppt_y"/>
+                                          </p:val>
+                                        </p:tav>
+                                      </p:tavLst>
+                                    </p:anim>
+                                  </p:childTnLst>
+                                </p:cTn>
+                              </p:par>
+                              <p:par>
+                                <p:cTn id="14" presetID="2" presetClass="entr" presetSubtype="8" decel="100000" fill="hold" grpId="0" nodeType="withEffect">
+                                  <p:stCondLst>
+                                    <p:cond delay="0"/>
+                                  </p:stCondLst>
+                                  <p:childTnLst>
+                                    <p:set>
+                                      <p:cBhvr>
+                                        <p:cTn id="15" dur="1" fill="hold">
+                                          <p:stCondLst>
+                                            <p:cond delay="0"/>
+                                          </p:stCondLst>
+                                        </p:cTn>
+                                        <p:tgtEl>
+                                          <p:spTgt spid="5"/>
+                                        </p:tgtEl>
+                                        <p:attrNameLst>
+                                          <p:attrName>style.visibility</p:attrName>
+                                        </p:attrNameLst>
+                                      </p:cBhvr>
+                                      <p:to>
+                                        <p:strVal val="visible"/>
+                                      </p:to>
+                                    </p:set>
+                                    <p:anim calcmode="lin" valueType="num">
+                                      <p:cBhvr additive="base">
+                                        <p:cTn id="16" dur="1500" fill="hold"/>
+                                        <p:tgtEl>
+                                          <p:spTgt spid="5"/>
+                                        </p:tgtEl>
+                                        <p:attrNameLst>
+                                          <p:attrName>ppt_x</p:attrName>
+                                        </p:attrNameLst>
+                                      </p:cBhvr>
+                                      <p:tavLst>
+                                        <p:tav tm="0">
+                                          <p:val>
+                                            <p:strVal val="0-#ppt_w/2"/>
+                                          </p:val>
+                                        </p:tav>
+                                        <p:tav tm="100000">
+                                          <p:val>
+                                            <p:strVal val="#ppt_x"/>
+                                          </p:val>
+                                        </p:tav>
+                                      </p:tavLst>
+                                    </p:anim>
+                                    <p:anim calcmode="lin" valueType="num">
+                                      <p:cBhvr additive="base">
+                                        <p:cTn id="17" dur="1500" fill="hold"/>
+                                        <p:tgtEl>
+                                          <p:spTgt spid="5"/>
                                         </p:tgtEl>
                                         <p:attrNameLst>
                                           <p:attrName>ppt_y</p:attrName>
@@ -18929,20 +19390,166 @@
                           </p:cTn>
                         </p:par>
                         <p:par>
-                          <p:cTn id="9" fill="hold">
+                          <p:cTn id="18" fill="hold">
                             <p:stCondLst>
-                              <p:cond delay="500"/>
+                              <p:cond delay="1750"/>
                             </p:stCondLst>
                             <p:childTnLst>
                               <p:par>
-                                <p:cTn id="10" presetID="2" presetClass="exit" presetSubtype="2" fill="hold" grpId="1" nodeType="afterEffect">
+                                <p:cTn id="19" presetID="16" presetClass="entr" presetSubtype="42" fill="hold" nodeType="afterEffect">
                                   <p:stCondLst>
                                     <p:cond delay="0"/>
                                   </p:stCondLst>
                                   <p:childTnLst>
+                                    <p:set>
+                                      <p:cBhvr>
+                                        <p:cTn id="20" dur="1" fill="hold">
+                                          <p:stCondLst>
+                                            <p:cond delay="0"/>
+                                          </p:stCondLst>
+                                        </p:cTn>
+                                        <p:tgtEl>
+                                          <p:spTgt spid="6"/>
+                                        </p:tgtEl>
+                                        <p:attrNameLst>
+                                          <p:attrName>style.visibility</p:attrName>
+                                        </p:attrNameLst>
+                                      </p:cBhvr>
+                                      <p:to>
+                                        <p:strVal val="visible"/>
+                                      </p:to>
+                                    </p:set>
+                                    <p:animEffect transition="in" filter="barn(outHorizontal)">
+                                      <p:cBhvr>
+                                        <p:cTn id="21" dur="250"/>
+                                        <p:tgtEl>
+                                          <p:spTgt spid="6"/>
+                                        </p:tgtEl>
+                                      </p:cBhvr>
+                                    </p:animEffect>
+                                  </p:childTnLst>
+                                </p:cTn>
+                              </p:par>
+                              <p:par>
+                                <p:cTn id="22" presetID="1" presetClass="entr" presetSubtype="0" fill="hold" grpId="1" nodeType="withEffect">
+                                  <p:stCondLst>
+                                    <p:cond delay="500"/>
+                                  </p:stCondLst>
+                                  <p:childTnLst>
+                                    <p:set>
+                                      <p:cBhvr>
+                                        <p:cTn id="23" dur="1" fill="hold">
+                                          <p:stCondLst>
+                                            <p:cond delay="0"/>
+                                          </p:stCondLst>
+                                        </p:cTn>
+                                        <p:tgtEl>
+                                          <p:spTgt spid="2"/>
+                                        </p:tgtEl>
+                                        <p:attrNameLst>
+                                          <p:attrName>style.visibility</p:attrName>
+                                        </p:attrNameLst>
+                                      </p:cBhvr>
+                                      <p:to>
+                                        <p:strVal val="visible"/>
+                                      </p:to>
+                                    </p:set>
+                                  </p:childTnLst>
+                                </p:cTn>
+                              </p:par>
+                            </p:childTnLst>
+                          </p:cTn>
+                        </p:par>
+                        <p:par>
+                          <p:cTn id="24" fill="hold">
+                            <p:stCondLst>
+                              <p:cond delay="2250"/>
+                            </p:stCondLst>
+                            <p:childTnLst>
+                              <p:par>
+                                <p:cTn id="25" presetID="63" presetClass="path" presetSubtype="0" accel="50000" decel="50000" fill="hold" nodeType="afterEffect">
+                                  <p:stCondLst>
+                                    <p:cond delay="0"/>
+                                  </p:stCondLst>
+                                  <p:childTnLst>
+                                    <p:animMotion origin="layout" path="M -2.5E-6 -1.11111E-6 L 0.81407 -1.11111E-6 " pathEditMode="relative" rAng="0" ptsTypes="AA">
+                                      <p:cBhvr>
+                                        <p:cTn id="26" dur="1500" fill="hold"/>
+                                        <p:tgtEl>
+                                          <p:spTgt spid="6"/>
+                                        </p:tgtEl>
+                                        <p:attrNameLst>
+                                          <p:attrName>ppt_x</p:attrName>
+                                          <p:attrName>ppt_y</p:attrName>
+                                        </p:attrNameLst>
+                                      </p:cBhvr>
+                                      <p:rCtr x="40703" y="0"/>
+                                    </p:animMotion>
+                                  </p:childTnLst>
+                                </p:cTn>
+                              </p:par>
+                            </p:childTnLst>
+                          </p:cTn>
+                        </p:par>
+                        <p:par>
+                          <p:cTn id="27" fill="hold">
+                            <p:stCondLst>
+                              <p:cond delay="3750"/>
+                            </p:stCondLst>
+                            <p:childTnLst>
+                              <p:par>
+                                <p:cTn id="28" presetID="16" presetClass="exit" presetSubtype="26" fill="hold" nodeType="afterEffect">
+                                  <p:stCondLst>
+                                    <p:cond delay="0"/>
+                                  </p:stCondLst>
+                                  <p:childTnLst>
+                                    <p:animEffect transition="out" filter="barn(inHorizontal)">
+                                      <p:cBhvr>
+                                        <p:cTn id="29" dur="250"/>
+                                        <p:tgtEl>
+                                          <p:spTgt spid="6"/>
+                                        </p:tgtEl>
+                                      </p:cBhvr>
+                                    </p:animEffect>
+                                    <p:set>
+                                      <p:cBhvr>
+                                        <p:cTn id="30" dur="1" fill="hold">
+                                          <p:stCondLst>
+                                            <p:cond delay="249"/>
+                                          </p:stCondLst>
+                                        </p:cTn>
+                                        <p:tgtEl>
+                                          <p:spTgt spid="6"/>
+                                        </p:tgtEl>
+                                        <p:attrNameLst>
+                                          <p:attrName>style.visibility</p:attrName>
+                                        </p:attrNameLst>
+                                      </p:cBhvr>
+                                      <p:to>
+                                        <p:strVal val="hidden"/>
+                                      </p:to>
+                                    </p:set>
+                                  </p:childTnLst>
+                                </p:cTn>
+                              </p:par>
+                            </p:childTnLst>
+                          </p:cTn>
+                        </p:par>
+                        <p:par>
+                          <p:cTn id="31" fill="hold">
+                            <p:stCondLst>
+                              <p:cond delay="4000"/>
+                            </p:stCondLst>
+                            <p:childTnLst>
+                              <p:par>
+                                <p:cTn id="32" presetID="2" presetClass="exit" presetSubtype="2" accel="100000" fill="hold" grpId="1" nodeType="afterEffect">
+                                  <p:stCondLst>
+                                    <p:cond delay="500"/>
+                                  </p:stCondLst>
+                                  <p:childTnLst>
                                     <p:anim calcmode="lin" valueType="num">
                                       <p:cBhvr additive="base">
-                                        <p:cTn id="11" dur="500"/>
+                                        <p:cTn id="33" dur="1500"/>
                                         <p:tgtEl>
                                           <p:spTgt spid="8"/>
                                         </p:tgtEl>
@@ -18965,7 +19572,7 @@
                                     </p:anim>
                                     <p:anim calcmode="lin" valueType="num">
                                       <p:cBhvr additive="base">
-                                        <p:cTn id="12" dur="500"/>
+                                        <p:cTn id="34" dur="1500"/>
                                         <p:tgtEl>
                                           <p:spTgt spid="8"/>
                                         </p:tgtEl>
@@ -18988,9 +19595,9 @@
                                     </p:anim>
                                     <p:set>
                                       <p:cBhvr>
-                                        <p:cTn id="13" dur="1" fill="hold">
+                                        <p:cTn id="35" dur="1" fill="hold">
                                           <p:stCondLst>
-                                            <p:cond delay="499"/>
+                                            <p:cond delay="1499"/>
                                           </p:stCondLst>
                                         </p:cTn>
                                         <p:tgtEl>
@@ -19007,33 +19614,1872 @@
                                   </p:childTnLst>
                                 </p:cTn>
                               </p:par>
+                              <p:par>
+                                <p:cTn id="36" presetID="2" presetClass="exit" presetSubtype="2" accel="100000" fill="hold" grpId="1" nodeType="withEffect">
+                                  <p:stCondLst>
+                                    <p:cond delay="750"/>
+                                  </p:stCondLst>
+                                  <p:childTnLst>
+                                    <p:anim calcmode="lin" valueType="num">
+                                      <p:cBhvr additive="base">
+                                        <p:cTn id="37" dur="1500"/>
+                                        <p:tgtEl>
+                                          <p:spTgt spid="5"/>
+                                        </p:tgtEl>
+                                        <p:attrNameLst>
+                                          <p:attrName>ppt_x</p:attrName>
+                                        </p:attrNameLst>
+                                      </p:cBhvr>
+                                      <p:tavLst>
+                                        <p:tav tm="0">
+                                          <p:val>
+                                            <p:strVal val="ppt_x"/>
+                                          </p:val>
+                                        </p:tav>
+                                        <p:tav tm="100000">
+                                          <p:val>
+                                            <p:strVal val="1+ppt_w/2"/>
+                                          </p:val>
+                                        </p:tav>
+                                      </p:tavLst>
+                                    </p:anim>
+                                    <p:anim calcmode="lin" valueType="num">
+                                      <p:cBhvr additive="base">
+                                        <p:cTn id="38" dur="1500"/>
+                                        <p:tgtEl>
+                                          <p:spTgt spid="5"/>
+                                        </p:tgtEl>
+                                        <p:attrNameLst>
+                                          <p:attrName>ppt_y</p:attrName>
+                                        </p:attrNameLst>
+                                      </p:cBhvr>
+                                      <p:tavLst>
+                                        <p:tav tm="0">
+                                          <p:val>
+                                            <p:strVal val="ppt_y"/>
+                                          </p:val>
+                                        </p:tav>
+                                        <p:tav tm="100000">
+                                          <p:val>
+                                            <p:strVal val="ppt_y"/>
+                                          </p:val>
+                                        </p:tav>
+                                      </p:tavLst>
+                                    </p:anim>
+                                    <p:set>
+                                      <p:cBhvr>
+                                        <p:cTn id="39" dur="1" fill="hold">
+                                          <p:stCondLst>
+                                            <p:cond delay="1499"/>
+                                          </p:stCondLst>
+                                        </p:cTn>
+                                        <p:tgtEl>
+                                          <p:spTgt spid="5"/>
+                                        </p:tgtEl>
+                                        <p:attrNameLst>
+                                          <p:attrName>style.visibility</p:attrName>
+                                        </p:attrNameLst>
+                                      </p:cBhvr>
+                                      <p:to>
+                                        <p:strVal val="hidden"/>
+                                      </p:to>
+                                    </p:set>
+                                  </p:childTnLst>
+                                </p:cTn>
+                              </p:par>
+                            </p:childTnLst>
+                          </p:cTn>
+                        </p:par>
+                      </p:childTnLst>
+                    </p:cTn>
+                  </p:par>
+                </p:childTnLst>
+              </p:cTn>
+              <p:prevCondLst>
+                <p:cond evt="onPrev" delay="0">
+                  <p:tgtEl>
+                    <p:sldTgt/>
+                  </p:tgtEl>
+                </p:cond>
+              </p:prevCondLst>
+              <p:nextCondLst>
+                <p:cond evt="onNext" delay="0">
+                  <p:tgtEl>
+                    <p:sldTgt/>
+                  </p:tgtEl>
+                </p:cond>
+              </p:nextCondLst>
+            </p:seq>
+          </p:childTnLst>
+        </p:cTn>
+      </p:par>
+    </p:tnLst>
+    <p:bldLst>
+      <p:bldP spid="5" grpId="0" animBg="1"/>
+      <p:bldP spid="5" grpId="1" animBg="1"/>
+      <p:bldP spid="8" grpId="0" animBg="1"/>
+      <p:bldP spid="8" grpId="1" animBg="1"/>
+      <p:bldP spid="2" grpId="0"/>
+      <p:bldP spid="2" grpId="1"/>
+    </p:bldLst>
+  </p:timing>
+</p:sld>
+</file>
+
+<file path=ppt/slides/slide6.xml><?xml version="1.0" encoding="utf-8"?>
+<p:sld xmlns:a="http://schemas.openxmlformats.org/drawingml/2006/main" xmlns:r="http://schemas.openxmlformats.org/officeDocument/2006/relationships" xmlns:p="http://schemas.openxmlformats.org/presentationml/2006/main">
+  <p:cSld>
+    <p:bg>
+      <p:bgPr>
+        <a:solidFill>
+          <a:srgbClr val="0AB39C"/>
+        </a:solidFill>
+        <a:effectLst/>
+      </p:bgPr>
+    </p:bg>
+    <p:spTree>
+      <p:nvGrpSpPr>
+        <p:cNvPr id="1" name=""/>
+        <p:cNvGrpSpPr/>
+        <p:nvPr/>
+      </p:nvGrpSpPr>
+      <p:grpSpPr>
+        <a:xfrm>
+          <a:off x="0" y="0"/>
+          <a:ext cx="0" cy="0"/>
+          <a:chOff x="0" y="0"/>
+          <a:chExt cx="0" cy="0"/>
+        </a:xfrm>
+      </p:grpSpPr>
+      <p:grpSp>
+        <p:nvGrpSpPr>
+          <p:cNvPr id="20" name="Grupo 19"/>
+          <p:cNvGrpSpPr/>
+          <p:nvPr/>
+        </p:nvGrpSpPr>
+        <p:grpSpPr>
+          <a:xfrm>
+            <a:off x="2539482" y="1440947"/>
+            <a:ext cx="243115" cy="2191068"/>
+            <a:chOff x="2539482" y="3417919"/>
+            <a:chExt cx="243115" cy="2191068"/>
+          </a:xfrm>
+        </p:grpSpPr>
+        <p:sp>
+          <p:nvSpPr>
+            <p:cNvPr id="13" name="Retângulo 12"/>
+            <p:cNvSpPr/>
+            <p:nvPr/>
+          </p:nvSpPr>
+          <p:spPr>
+            <a:xfrm>
+              <a:off x="2624754" y="3417919"/>
+              <a:ext cx="72572" cy="2002971"/>
+            </a:xfrm>
+            <a:prstGeom prst="rect">
+              <a:avLst/>
+            </a:prstGeom>
+            <a:solidFill>
+              <a:schemeClr val="bg1"/>
+            </a:solidFill>
+            <a:ln>
+              <a:noFill/>
+            </a:ln>
+          </p:spPr>
+          <p:style>
+            <a:lnRef idx="2">
+              <a:schemeClr val="accent1">
+                <a:shade val="50000"/>
+              </a:schemeClr>
+            </a:lnRef>
+            <a:fillRef idx="1">
+              <a:schemeClr val="accent1"/>
+            </a:fillRef>
+            <a:effectRef idx="0">
+              <a:schemeClr val="accent1"/>
+            </a:effectRef>
+            <a:fontRef idx="minor">
+              <a:schemeClr val="lt1"/>
+            </a:fontRef>
+          </p:style>
+          <p:txBody>
+            <a:bodyPr rtlCol="0" anchor="ctr"/>
+            <a:lstStyle/>
+            <a:p>
+              <a:pPr algn="ctr"/>
+              <a:endParaRPr lang="pt-BR"/>
+            </a:p>
+          </p:txBody>
+        </p:sp>
+        <p:sp>
+          <p:nvSpPr>
+            <p:cNvPr id="19" name="Elipse 18"/>
+            <p:cNvSpPr/>
+            <p:nvPr/>
+          </p:nvSpPr>
+          <p:spPr>
+            <a:xfrm>
+              <a:off x="2539482" y="5365872"/>
+              <a:ext cx="243115" cy="243115"/>
+            </a:xfrm>
+            <a:custGeom>
+              <a:avLst/>
+              <a:gdLst/>
+              <a:ahLst/>
+              <a:cxnLst/>
+              <a:rect l="l" t="t" r="r" b="b"/>
+              <a:pathLst>
+                <a:path w="1509486" h="1509486">
+                  <a:moveTo>
+                    <a:pt x="754742" y="310633"/>
+                  </a:moveTo>
+                  <a:cubicBezTo>
+                    <a:pt x="509467" y="310633"/>
+                    <a:pt x="310632" y="509468"/>
+                    <a:pt x="310632" y="754743"/>
+                  </a:cubicBezTo>
+                  <a:cubicBezTo>
+                    <a:pt x="310632" y="1000018"/>
+                    <a:pt x="509467" y="1198853"/>
+                    <a:pt x="754742" y="1198853"/>
+                  </a:cubicBezTo>
+                  <a:cubicBezTo>
+                    <a:pt x="1000017" y="1198853"/>
+                    <a:pt x="1198852" y="1000018"/>
+                    <a:pt x="1198852" y="754743"/>
+                  </a:cubicBezTo>
+                  <a:cubicBezTo>
+                    <a:pt x="1198852" y="509468"/>
+                    <a:pt x="1000017" y="310633"/>
+                    <a:pt x="754742" y="310633"/>
+                  </a:cubicBezTo>
+                  <a:close/>
+                  <a:moveTo>
+                    <a:pt x="754743" y="0"/>
+                  </a:moveTo>
+                  <a:cubicBezTo>
+                    <a:pt x="1171576" y="0"/>
+                    <a:pt x="1509486" y="337910"/>
+                    <a:pt x="1509486" y="754743"/>
+                  </a:cubicBezTo>
+                  <a:cubicBezTo>
+                    <a:pt x="1509486" y="1171576"/>
+                    <a:pt x="1171576" y="1509486"/>
+                    <a:pt x="754743" y="1509486"/>
+                  </a:cubicBezTo>
+                  <a:cubicBezTo>
+                    <a:pt x="337910" y="1509486"/>
+                    <a:pt x="0" y="1171576"/>
+                    <a:pt x="0" y="754743"/>
+                  </a:cubicBezTo>
+                  <a:cubicBezTo>
+                    <a:pt x="0" y="337910"/>
+                    <a:pt x="337910" y="0"/>
+                    <a:pt x="754743" y="0"/>
+                  </a:cubicBezTo>
+                  <a:close/>
+                </a:path>
+              </a:pathLst>
+            </a:custGeom>
+            <a:solidFill>
+              <a:schemeClr val="bg1"/>
+            </a:solidFill>
+            <a:ln>
+              <a:noFill/>
+            </a:ln>
+          </p:spPr>
+          <p:style>
+            <a:lnRef idx="2">
+              <a:schemeClr val="accent1">
+                <a:shade val="50000"/>
+              </a:schemeClr>
+            </a:lnRef>
+            <a:fillRef idx="1">
+              <a:schemeClr val="accent1"/>
+            </a:fillRef>
+            <a:effectRef idx="0">
+              <a:schemeClr val="accent1"/>
+            </a:effectRef>
+            <a:fontRef idx="minor">
+              <a:schemeClr val="lt1"/>
+            </a:fontRef>
+          </p:style>
+          <p:txBody>
+            <a:bodyPr rtlCol="0" anchor="ctr"/>
+            <a:lstStyle/>
+            <a:p>
+              <a:pPr algn="ctr"/>
+              <a:endParaRPr lang="pt-BR"/>
+            </a:p>
+          </p:txBody>
+        </p:sp>
+      </p:grpSp>
+      <p:grpSp>
+        <p:nvGrpSpPr>
+          <p:cNvPr id="25" name="Grupo 24"/>
+          <p:cNvGrpSpPr/>
+          <p:nvPr/>
+        </p:nvGrpSpPr>
+        <p:grpSpPr>
+          <a:xfrm>
+            <a:off x="6294482" y="883703"/>
+            <a:ext cx="352080" cy="3173112"/>
+            <a:chOff x="2539482" y="3417919"/>
+            <a:chExt cx="243115" cy="2191068"/>
+          </a:xfrm>
+        </p:grpSpPr>
+        <p:sp>
+          <p:nvSpPr>
+            <p:cNvPr id="26" name="Retângulo 25"/>
+            <p:cNvSpPr/>
+            <p:nvPr/>
+          </p:nvSpPr>
+          <p:spPr>
+            <a:xfrm>
+              <a:off x="2624754" y="3417919"/>
+              <a:ext cx="72572" cy="2002971"/>
+            </a:xfrm>
+            <a:prstGeom prst="rect">
+              <a:avLst/>
+            </a:prstGeom>
+            <a:solidFill>
+              <a:schemeClr val="bg1"/>
+            </a:solidFill>
+            <a:ln>
+              <a:noFill/>
+            </a:ln>
+          </p:spPr>
+          <p:style>
+            <a:lnRef idx="2">
+              <a:schemeClr val="accent1">
+                <a:shade val="50000"/>
+              </a:schemeClr>
+            </a:lnRef>
+            <a:fillRef idx="1">
+              <a:schemeClr val="accent1"/>
+            </a:fillRef>
+            <a:effectRef idx="0">
+              <a:schemeClr val="accent1"/>
+            </a:effectRef>
+            <a:fontRef idx="minor">
+              <a:schemeClr val="lt1"/>
+            </a:fontRef>
+          </p:style>
+          <p:txBody>
+            <a:bodyPr rtlCol="0" anchor="ctr"/>
+            <a:lstStyle/>
+            <a:p>
+              <a:pPr algn="ctr"/>
+              <a:endParaRPr lang="pt-BR"/>
+            </a:p>
+          </p:txBody>
+        </p:sp>
+        <p:sp>
+          <p:nvSpPr>
+            <p:cNvPr id="27" name="Elipse 18"/>
+            <p:cNvSpPr/>
+            <p:nvPr/>
+          </p:nvSpPr>
+          <p:spPr>
+            <a:xfrm>
+              <a:off x="2539482" y="5365872"/>
+              <a:ext cx="243115" cy="243115"/>
+            </a:xfrm>
+            <a:custGeom>
+              <a:avLst/>
+              <a:gdLst/>
+              <a:ahLst/>
+              <a:cxnLst/>
+              <a:rect l="l" t="t" r="r" b="b"/>
+              <a:pathLst>
+                <a:path w="1509486" h="1509486">
+                  <a:moveTo>
+                    <a:pt x="754742" y="310633"/>
+                  </a:moveTo>
+                  <a:cubicBezTo>
+                    <a:pt x="509467" y="310633"/>
+                    <a:pt x="310632" y="509468"/>
+                    <a:pt x="310632" y="754743"/>
+                  </a:cubicBezTo>
+                  <a:cubicBezTo>
+                    <a:pt x="310632" y="1000018"/>
+                    <a:pt x="509467" y="1198853"/>
+                    <a:pt x="754742" y="1198853"/>
+                  </a:cubicBezTo>
+                  <a:cubicBezTo>
+                    <a:pt x="1000017" y="1198853"/>
+                    <a:pt x="1198852" y="1000018"/>
+                    <a:pt x="1198852" y="754743"/>
+                  </a:cubicBezTo>
+                  <a:cubicBezTo>
+                    <a:pt x="1198852" y="509468"/>
+                    <a:pt x="1000017" y="310633"/>
+                    <a:pt x="754742" y="310633"/>
+                  </a:cubicBezTo>
+                  <a:close/>
+                  <a:moveTo>
+                    <a:pt x="754743" y="0"/>
+                  </a:moveTo>
+                  <a:cubicBezTo>
+                    <a:pt x="1171576" y="0"/>
+                    <a:pt x="1509486" y="337910"/>
+                    <a:pt x="1509486" y="754743"/>
+                  </a:cubicBezTo>
+                  <a:cubicBezTo>
+                    <a:pt x="1509486" y="1171576"/>
+                    <a:pt x="1171576" y="1509486"/>
+                    <a:pt x="754743" y="1509486"/>
+                  </a:cubicBezTo>
+                  <a:cubicBezTo>
+                    <a:pt x="337910" y="1509486"/>
+                    <a:pt x="0" y="1171576"/>
+                    <a:pt x="0" y="754743"/>
+                  </a:cubicBezTo>
+                  <a:cubicBezTo>
+                    <a:pt x="0" y="337910"/>
+                    <a:pt x="337910" y="0"/>
+                    <a:pt x="754743" y="0"/>
+                  </a:cubicBezTo>
+                  <a:close/>
+                </a:path>
+              </a:pathLst>
+            </a:custGeom>
+            <a:solidFill>
+              <a:schemeClr val="bg1"/>
+            </a:solidFill>
+            <a:ln>
+              <a:noFill/>
+            </a:ln>
+          </p:spPr>
+          <p:style>
+            <a:lnRef idx="2">
+              <a:schemeClr val="accent1">
+                <a:shade val="50000"/>
+              </a:schemeClr>
+            </a:lnRef>
+            <a:fillRef idx="1">
+              <a:schemeClr val="accent1"/>
+            </a:fillRef>
+            <a:effectRef idx="0">
+              <a:schemeClr val="accent1"/>
+            </a:effectRef>
+            <a:fontRef idx="minor">
+              <a:schemeClr val="lt1"/>
+            </a:fontRef>
+          </p:style>
+          <p:txBody>
+            <a:bodyPr rtlCol="0" anchor="ctr"/>
+            <a:lstStyle/>
+            <a:p>
+              <a:pPr algn="ctr"/>
+              <a:endParaRPr lang="pt-BR"/>
+            </a:p>
+          </p:txBody>
+        </p:sp>
+      </p:grpSp>
+      <p:grpSp>
+        <p:nvGrpSpPr>
+          <p:cNvPr id="28" name="Grupo 27"/>
+          <p:cNvGrpSpPr/>
+          <p:nvPr/>
+        </p:nvGrpSpPr>
+        <p:grpSpPr>
+          <a:xfrm>
+            <a:off x="9963184" y="1593344"/>
+            <a:ext cx="243115" cy="2191068"/>
+            <a:chOff x="2539482" y="3417919"/>
+            <a:chExt cx="243115" cy="2191068"/>
+          </a:xfrm>
+        </p:grpSpPr>
+        <p:sp>
+          <p:nvSpPr>
+            <p:cNvPr id="29" name="Retângulo 28"/>
+            <p:cNvSpPr/>
+            <p:nvPr/>
+          </p:nvSpPr>
+          <p:spPr>
+            <a:xfrm>
+              <a:off x="2624754" y="3417919"/>
+              <a:ext cx="72572" cy="2002971"/>
+            </a:xfrm>
+            <a:prstGeom prst="rect">
+              <a:avLst/>
+            </a:prstGeom>
+            <a:solidFill>
+              <a:schemeClr val="bg1"/>
+            </a:solidFill>
+            <a:ln>
+              <a:noFill/>
+            </a:ln>
+          </p:spPr>
+          <p:style>
+            <a:lnRef idx="2">
+              <a:schemeClr val="accent1">
+                <a:shade val="50000"/>
+              </a:schemeClr>
+            </a:lnRef>
+            <a:fillRef idx="1">
+              <a:schemeClr val="accent1"/>
+            </a:fillRef>
+            <a:effectRef idx="0">
+              <a:schemeClr val="accent1"/>
+            </a:effectRef>
+            <a:fontRef idx="minor">
+              <a:schemeClr val="lt1"/>
+            </a:fontRef>
+          </p:style>
+          <p:txBody>
+            <a:bodyPr rtlCol="0" anchor="ctr"/>
+            <a:lstStyle/>
+            <a:p>
+              <a:pPr algn="ctr"/>
+              <a:endParaRPr lang="pt-BR"/>
+            </a:p>
+          </p:txBody>
+        </p:sp>
+        <p:sp>
+          <p:nvSpPr>
+            <p:cNvPr id="30" name="Elipse 18"/>
+            <p:cNvSpPr/>
+            <p:nvPr/>
+          </p:nvSpPr>
+          <p:spPr>
+            <a:xfrm>
+              <a:off x="2539482" y="5365872"/>
+              <a:ext cx="243115" cy="243115"/>
+            </a:xfrm>
+            <a:custGeom>
+              <a:avLst/>
+              <a:gdLst/>
+              <a:ahLst/>
+              <a:cxnLst/>
+              <a:rect l="l" t="t" r="r" b="b"/>
+              <a:pathLst>
+                <a:path w="1509486" h="1509486">
+                  <a:moveTo>
+                    <a:pt x="754742" y="310633"/>
+                  </a:moveTo>
+                  <a:cubicBezTo>
+                    <a:pt x="509467" y="310633"/>
+                    <a:pt x="310632" y="509468"/>
+                    <a:pt x="310632" y="754743"/>
+                  </a:cubicBezTo>
+                  <a:cubicBezTo>
+                    <a:pt x="310632" y="1000018"/>
+                    <a:pt x="509467" y="1198853"/>
+                    <a:pt x="754742" y="1198853"/>
+                  </a:cubicBezTo>
+                  <a:cubicBezTo>
+                    <a:pt x="1000017" y="1198853"/>
+                    <a:pt x="1198852" y="1000018"/>
+                    <a:pt x="1198852" y="754743"/>
+                  </a:cubicBezTo>
+                  <a:cubicBezTo>
+                    <a:pt x="1198852" y="509468"/>
+                    <a:pt x="1000017" y="310633"/>
+                    <a:pt x="754742" y="310633"/>
+                  </a:cubicBezTo>
+                  <a:close/>
+                  <a:moveTo>
+                    <a:pt x="754743" y="0"/>
+                  </a:moveTo>
+                  <a:cubicBezTo>
+                    <a:pt x="1171576" y="0"/>
+                    <a:pt x="1509486" y="337910"/>
+                    <a:pt x="1509486" y="754743"/>
+                  </a:cubicBezTo>
+                  <a:cubicBezTo>
+                    <a:pt x="1509486" y="1171576"/>
+                    <a:pt x="1171576" y="1509486"/>
+                    <a:pt x="754743" y="1509486"/>
+                  </a:cubicBezTo>
+                  <a:cubicBezTo>
+                    <a:pt x="337910" y="1509486"/>
+                    <a:pt x="0" y="1171576"/>
+                    <a:pt x="0" y="754743"/>
+                  </a:cubicBezTo>
+                  <a:cubicBezTo>
+                    <a:pt x="0" y="337910"/>
+                    <a:pt x="337910" y="0"/>
+                    <a:pt x="754743" y="0"/>
+                  </a:cubicBezTo>
+                  <a:close/>
+                </a:path>
+              </a:pathLst>
+            </a:custGeom>
+            <a:solidFill>
+              <a:schemeClr val="bg1"/>
+            </a:solidFill>
+            <a:ln>
+              <a:noFill/>
+            </a:ln>
+          </p:spPr>
+          <p:style>
+            <a:lnRef idx="2">
+              <a:schemeClr val="accent1">
+                <a:shade val="50000"/>
+              </a:schemeClr>
+            </a:lnRef>
+            <a:fillRef idx="1">
+              <a:schemeClr val="accent1"/>
+            </a:fillRef>
+            <a:effectRef idx="0">
+              <a:schemeClr val="accent1"/>
+            </a:effectRef>
+            <a:fontRef idx="minor">
+              <a:schemeClr val="lt1"/>
+            </a:fontRef>
+          </p:style>
+          <p:txBody>
+            <a:bodyPr rtlCol="0" anchor="ctr"/>
+            <a:lstStyle/>
+            <a:p>
+              <a:pPr algn="ctr"/>
+              <a:endParaRPr lang="pt-BR"/>
+            </a:p>
+          </p:txBody>
+        </p:sp>
+      </p:grpSp>
+      <p:grpSp>
+        <p:nvGrpSpPr>
+          <p:cNvPr id="6" name="Grupo 5"/>
+          <p:cNvGrpSpPr/>
+          <p:nvPr/>
+        </p:nvGrpSpPr>
+        <p:grpSpPr>
+          <a:xfrm>
+            <a:off x="8781311" y="1212295"/>
+            <a:ext cx="2648372" cy="2648372"/>
+            <a:chOff x="1364342" y="1625600"/>
+            <a:chExt cx="3483428" cy="3483428"/>
+          </a:xfrm>
+        </p:grpSpPr>
+        <p:sp>
+          <p:nvSpPr>
+            <p:cNvPr id="4" name="Retângulo 3"/>
+            <p:cNvSpPr/>
+            <p:nvPr/>
+          </p:nvSpPr>
+          <p:spPr>
+            <a:xfrm>
+              <a:off x="1364342" y="1625600"/>
+              <a:ext cx="3483428" cy="3483428"/>
+            </a:xfrm>
+            <a:prstGeom prst="rect">
+              <a:avLst/>
+            </a:prstGeom>
+            <a:solidFill>
+              <a:schemeClr val="bg1"/>
+            </a:solidFill>
+            <a:ln>
+              <a:noFill/>
+            </a:ln>
+            <a:effectLst>
+              <a:outerShdw blurRad="50800" dist="38100" dir="5400000" algn="t" rotWithShape="0">
+                <a:prstClr val="black">
+                  <a:alpha val="40000"/>
+                </a:prstClr>
+              </a:outerShdw>
+            </a:effectLst>
+          </p:spPr>
+          <p:style>
+            <a:lnRef idx="2">
+              <a:schemeClr val="accent1">
+                <a:shade val="50000"/>
+              </a:schemeClr>
+            </a:lnRef>
+            <a:fillRef idx="1">
+              <a:schemeClr val="accent1"/>
+            </a:fillRef>
+            <a:effectRef idx="0">
+              <a:schemeClr val="accent1"/>
+            </a:effectRef>
+            <a:fontRef idx="minor">
+              <a:schemeClr val="lt1"/>
+            </a:fontRef>
+          </p:style>
+          <p:txBody>
+            <a:bodyPr rtlCol="0" anchor="ctr"/>
+            <a:lstStyle/>
+            <a:p>
+              <a:pPr algn="ctr"/>
+              <a:endParaRPr lang="pt-BR"/>
+            </a:p>
+          </p:txBody>
+        </p:sp>
+        <p:sp>
+          <p:nvSpPr>
+            <p:cNvPr id="5" name="CaixaDeTexto 4"/>
+            <p:cNvSpPr txBox="1"/>
+            <p:nvPr/>
+          </p:nvSpPr>
+          <p:spPr>
+            <a:xfrm>
+              <a:off x="2046674" y="1902825"/>
+              <a:ext cx="1813317" cy="646331"/>
+            </a:xfrm>
+            <a:prstGeom prst="rect">
+              <a:avLst/>
+            </a:prstGeom>
+            <a:noFill/>
+          </p:spPr>
+          <p:txBody>
+            <a:bodyPr wrap="none" rtlCol="0">
+              <a:spAutoFit/>
+            </a:bodyPr>
+            <a:lstStyle/>
+            <a:p>
+              <a:r>
+                <a:rPr lang="pt-BR" sz="3600" b="1" dirty="0" smtClean="0">
+                  <a:solidFill>
+                    <a:srgbClr val="0AB39C"/>
+                  </a:solidFill>
+                  <a:latin typeface="Agency FB" panose="020B0503020202020204" pitchFamily="34" charset="0"/>
+                </a:rPr>
+                <a:t>CRIE, LEIA.</a:t>
+              </a:r>
+            </a:p>
+          </p:txBody>
+        </p:sp>
+        <p:pic>
+          <p:nvPicPr>
+            <p:cNvPr id="1026" name="Picture 2"/>
+            <p:cNvPicPr>
+              <a:picLocks noChangeAspect="1" noChangeArrowheads="1"/>
+            </p:cNvPicPr>
+            <p:nvPr/>
+          </p:nvPicPr>
+          <p:blipFill>
+            <a:blip r:embed="rId2">
+              <a:extLst>
+                <a:ext uri="{BEBA8EAE-BF5A-486C-A8C5-ECC9F3942E4B}">
+                  <a14:imgProps xmlns:a14="http://schemas.microsoft.com/office/drawing/2010/main">
+                    <a14:imgLayer r:embed="rId3">
+                      <a14:imgEffect>
+                        <a14:backgroundRemoval t="0" b="100000" l="0" r="100000">
+                          <a14:foregroundMark x1="41270" y1="40196" x2="41270" y2="40196"/>
+                          <a14:foregroundMark x1="38095" y1="26471" x2="38095" y2="26471"/>
+                        </a14:backgroundRemoval>
+                      </a14:imgEffect>
+                    </a14:imgLayer>
+                  </a14:imgProps>
+                </a:ext>
+                <a:ext uri="{28A0092B-C50C-407E-A947-70E740481C1C}">
+                  <a14:useLocalDpi xmlns:a14="http://schemas.microsoft.com/office/drawing/2010/main" val="0"/>
+                </a:ext>
+              </a:extLst>
+            </a:blip>
+            <a:srcRect/>
+            <a:stretch>
+              <a:fillRect/>
+            </a:stretch>
+          </p:blipFill>
+          <p:spPr bwMode="auto">
+            <a:xfrm>
+              <a:off x="2267114" y="2832132"/>
+              <a:ext cx="1943058" cy="1572951"/>
+            </a:xfrm>
+            <a:prstGeom prst="rect">
+              <a:avLst/>
+            </a:prstGeom>
+            <a:noFill/>
+            <a:ln>
+              <a:noFill/>
+            </a:ln>
+            <a:extLst>
+              <a:ext uri="{909E8E84-426E-40DD-AFC4-6F175D3DCCD1}">
+                <a14:hiddenFill xmlns:a14="http://schemas.microsoft.com/office/drawing/2010/main">
+                  <a:solidFill>
+                    <a:schemeClr val="accent1"/>
+                  </a:solidFill>
+                </a14:hiddenFill>
+              </a:ext>
+              <a:ext uri="{91240B29-F687-4F45-9708-019B960494DF}">
+                <a14:hiddenLine xmlns:a14="http://schemas.microsoft.com/office/drawing/2010/main" w="9525">
+                  <a:solidFill>
+                    <a:schemeClr val="tx1"/>
+                  </a:solidFill>
+                  <a:miter lim="800000"/>
+                  <a:headEnd/>
+                  <a:tailEnd/>
+                </a14:hiddenLine>
+              </a:ext>
+            </a:extLst>
+          </p:spPr>
+        </p:pic>
+      </p:grpSp>
+      <p:grpSp>
+        <p:nvGrpSpPr>
+          <p:cNvPr id="7" name="Grupo 6"/>
+          <p:cNvGrpSpPr/>
+          <p:nvPr/>
+        </p:nvGrpSpPr>
+        <p:grpSpPr>
+          <a:xfrm>
+            <a:off x="4728808" y="794767"/>
+            <a:ext cx="3483428" cy="3483428"/>
+            <a:chOff x="6175827" y="1821540"/>
+            <a:chExt cx="3483428" cy="3483428"/>
+          </a:xfrm>
+        </p:grpSpPr>
+        <p:grpSp>
+          <p:nvGrpSpPr>
+            <p:cNvPr id="8" name="Grupo 7"/>
+            <p:cNvGrpSpPr/>
+            <p:nvPr/>
+          </p:nvGrpSpPr>
+          <p:grpSpPr>
+            <a:xfrm>
+              <a:off x="6175827" y="1821540"/>
+              <a:ext cx="3483428" cy="3483428"/>
+              <a:chOff x="1364342" y="1625600"/>
+              <a:chExt cx="3483428" cy="3483428"/>
+            </a:xfrm>
+          </p:grpSpPr>
+          <p:sp>
+            <p:nvSpPr>
+              <p:cNvPr id="9" name="Retângulo 8"/>
+              <p:cNvSpPr/>
+              <p:nvPr/>
+            </p:nvSpPr>
+            <p:spPr>
+              <a:xfrm>
+                <a:off x="1364342" y="1625600"/>
+                <a:ext cx="3483428" cy="3483428"/>
+              </a:xfrm>
+              <a:prstGeom prst="rect">
+                <a:avLst/>
+              </a:prstGeom>
+              <a:solidFill>
+                <a:schemeClr val="bg1"/>
+              </a:solidFill>
+              <a:ln>
+                <a:noFill/>
+              </a:ln>
+              <a:effectLst>
+                <a:outerShdw blurRad="50800" dist="38100" dir="5400000" algn="t" rotWithShape="0">
+                  <a:prstClr val="black">
+                    <a:alpha val="40000"/>
+                  </a:prstClr>
+                </a:outerShdw>
+              </a:effectLst>
+            </p:spPr>
+            <p:style>
+              <a:lnRef idx="2">
+                <a:schemeClr val="accent1">
+                  <a:shade val="50000"/>
+                </a:schemeClr>
+              </a:lnRef>
+              <a:fillRef idx="1">
+                <a:schemeClr val="accent1"/>
+              </a:fillRef>
+              <a:effectRef idx="0">
+                <a:schemeClr val="accent1"/>
+              </a:effectRef>
+              <a:fontRef idx="minor">
+                <a:schemeClr val="lt1"/>
+              </a:fontRef>
+            </p:style>
+            <p:txBody>
+              <a:bodyPr rtlCol="0" anchor="ctr"/>
+              <a:lstStyle/>
+              <a:p>
+                <a:pPr algn="ctr"/>
+                <a:endParaRPr lang="pt-BR"/>
+              </a:p>
+            </p:txBody>
+          </p:sp>
+          <p:sp>
+            <p:nvSpPr>
+              <p:cNvPr id="10" name="CaixaDeTexto 9"/>
+              <p:cNvSpPr txBox="1"/>
+              <p:nvPr/>
+            </p:nvSpPr>
+            <p:spPr>
+              <a:xfrm>
+                <a:off x="1792997" y="1959428"/>
+                <a:ext cx="2844048" cy="646331"/>
+              </a:xfrm>
+              <a:prstGeom prst="rect">
+                <a:avLst/>
+              </a:prstGeom>
+              <a:noFill/>
+            </p:spPr>
+            <p:txBody>
+              <a:bodyPr wrap="none" rtlCol="0">
+                <a:spAutoFit/>
+              </a:bodyPr>
+              <a:lstStyle/>
+              <a:p>
+                <a:r>
+                  <a:rPr lang="pt-BR" sz="3600" b="1" dirty="0" smtClean="0">
+                    <a:solidFill>
+                      <a:srgbClr val="0AB39C"/>
+                    </a:solidFill>
+                    <a:latin typeface="Agency FB" panose="020B0503020202020204" pitchFamily="34" charset="0"/>
+                  </a:rPr>
+                  <a:t>DESIGN SIMPLES.</a:t>
+                </a:r>
+              </a:p>
+            </p:txBody>
+          </p:sp>
+        </p:grpSp>
+        <p:pic>
+          <p:nvPicPr>
+            <p:cNvPr id="1027" name="Picture 3"/>
+            <p:cNvPicPr>
+              <a:picLocks noChangeAspect="1" noChangeArrowheads="1"/>
+            </p:cNvPicPr>
+            <p:nvPr/>
+          </p:nvPicPr>
+          <p:blipFill>
+            <a:blip r:embed="rId4">
+              <a:extLst>
+                <a:ext uri="{28A0092B-C50C-407E-A947-70E740481C1C}">
+                  <a14:useLocalDpi xmlns:a14="http://schemas.microsoft.com/office/drawing/2010/main" val="0"/>
+                </a:ext>
+              </a:extLst>
+            </a:blip>
+            <a:srcRect/>
+            <a:stretch>
+              <a:fillRect/>
+            </a:stretch>
+          </p:blipFill>
+          <p:spPr bwMode="auto">
+            <a:xfrm>
+              <a:off x="7309754" y="2939141"/>
+              <a:ext cx="1215574" cy="1413105"/>
+            </a:xfrm>
+            <a:prstGeom prst="rect">
+              <a:avLst/>
+            </a:prstGeom>
+            <a:noFill/>
+            <a:ln>
+              <a:noFill/>
+            </a:ln>
+            <a:extLst>
+              <a:ext uri="{909E8E84-426E-40DD-AFC4-6F175D3DCCD1}">
+                <a14:hiddenFill xmlns:a14="http://schemas.microsoft.com/office/drawing/2010/main">
+                  <a:solidFill>
+                    <a:schemeClr val="accent1"/>
+                  </a:solidFill>
+                </a14:hiddenFill>
+              </a:ext>
+              <a:ext uri="{91240B29-F687-4F45-9708-019B960494DF}">
+                <a14:hiddenLine xmlns:a14="http://schemas.microsoft.com/office/drawing/2010/main" w="9525">
+                  <a:solidFill>
+                    <a:schemeClr val="tx1"/>
+                  </a:solidFill>
+                  <a:miter lim="800000"/>
+                  <a:headEnd/>
+                  <a:tailEnd/>
+                </a14:hiddenLine>
+              </a:ext>
+            </a:extLst>
+          </p:spPr>
+        </p:pic>
+      </p:grpSp>
+      <p:grpSp>
+        <p:nvGrpSpPr>
+          <p:cNvPr id="12" name="Grupo 11"/>
+          <p:cNvGrpSpPr/>
+          <p:nvPr/>
+        </p:nvGrpSpPr>
+        <p:grpSpPr>
+          <a:xfrm>
+            <a:off x="1272595" y="1081814"/>
+            <a:ext cx="2776891" cy="2776891"/>
+            <a:chOff x="8062415" y="1509485"/>
+            <a:chExt cx="3483428" cy="3483428"/>
+          </a:xfrm>
+        </p:grpSpPr>
+        <p:grpSp>
+          <p:nvGrpSpPr>
+            <p:cNvPr id="15" name="Grupo 14"/>
+            <p:cNvGrpSpPr/>
+            <p:nvPr/>
+          </p:nvGrpSpPr>
+          <p:grpSpPr>
+            <a:xfrm>
+              <a:off x="8062415" y="1509485"/>
+              <a:ext cx="3483428" cy="3483428"/>
+              <a:chOff x="1364342" y="1625600"/>
+              <a:chExt cx="3483428" cy="3483428"/>
+            </a:xfrm>
+          </p:grpSpPr>
+          <p:sp>
+            <p:nvSpPr>
+              <p:cNvPr id="17" name="Retângulo 16"/>
+              <p:cNvSpPr/>
+              <p:nvPr/>
+            </p:nvSpPr>
+            <p:spPr>
+              <a:xfrm>
+                <a:off x="1364342" y="1625600"/>
+                <a:ext cx="3483428" cy="3483428"/>
+              </a:xfrm>
+              <a:prstGeom prst="rect">
+                <a:avLst/>
+              </a:prstGeom>
+              <a:solidFill>
+                <a:schemeClr val="bg1"/>
+              </a:solidFill>
+              <a:ln>
+                <a:noFill/>
+              </a:ln>
+              <a:effectLst>
+                <a:outerShdw blurRad="50800" dist="38100" dir="5400000" algn="t" rotWithShape="0">
+                  <a:prstClr val="black">
+                    <a:alpha val="40000"/>
+                  </a:prstClr>
+                </a:outerShdw>
+              </a:effectLst>
+            </p:spPr>
+            <p:style>
+              <a:lnRef idx="2">
+                <a:schemeClr val="accent1">
+                  <a:shade val="50000"/>
+                </a:schemeClr>
+              </a:lnRef>
+              <a:fillRef idx="1">
+                <a:schemeClr val="accent1"/>
+              </a:fillRef>
+              <a:effectRef idx="0">
+                <a:schemeClr val="accent1"/>
+              </a:effectRef>
+              <a:fontRef idx="minor">
+                <a:schemeClr val="lt1"/>
+              </a:fontRef>
+            </p:style>
+            <p:txBody>
+              <a:bodyPr rtlCol="0" anchor="ctr"/>
+              <a:lstStyle/>
+              <a:p>
+                <a:pPr algn="ctr"/>
+                <a:endParaRPr lang="pt-BR"/>
+              </a:p>
+            </p:txBody>
+          </p:sp>
+          <p:sp>
+            <p:nvSpPr>
+              <p:cNvPr id="18" name="CaixaDeTexto 17"/>
+              <p:cNvSpPr txBox="1"/>
+              <p:nvPr/>
+            </p:nvSpPr>
+            <p:spPr>
+              <a:xfrm>
+                <a:off x="1839404" y="1930397"/>
+                <a:ext cx="2733164" cy="733562"/>
+              </a:xfrm>
+              <a:prstGeom prst="rect">
+                <a:avLst/>
+              </a:prstGeom>
+              <a:noFill/>
+            </p:spPr>
+            <p:txBody>
+              <a:bodyPr wrap="none" rtlCol="0">
+                <a:spAutoFit/>
+              </a:bodyPr>
+              <a:lstStyle/>
+              <a:p>
+                <a:r>
+                  <a:rPr lang="pt-BR" sz="3200" b="1" dirty="0" smtClean="0">
+                    <a:solidFill>
+                      <a:srgbClr val="0AB39C"/>
+                    </a:solidFill>
+                    <a:latin typeface="Agency FB" panose="020B0503020202020204" pitchFamily="34" charset="0"/>
+                  </a:rPr>
+                  <a:t>EDITE E INOVE.</a:t>
+                </a:r>
+              </a:p>
+            </p:txBody>
+          </p:sp>
+        </p:grpSp>
+        <p:pic>
+          <p:nvPicPr>
+            <p:cNvPr id="1028" name="Picture 4"/>
+            <p:cNvPicPr>
+              <a:picLocks noChangeAspect="1" noChangeArrowheads="1"/>
+            </p:cNvPicPr>
+            <p:nvPr/>
+          </p:nvPicPr>
+          <p:blipFill>
+            <a:blip r:embed="rId5">
+              <a:extLst>
+                <a:ext uri="{28A0092B-C50C-407E-A947-70E740481C1C}">
+                  <a14:useLocalDpi xmlns:a14="http://schemas.microsoft.com/office/drawing/2010/main" val="0"/>
+                </a:ext>
+              </a:extLst>
+            </a:blip>
+            <a:srcRect/>
+            <a:stretch>
+              <a:fillRect/>
+            </a:stretch>
+          </p:blipFill>
+          <p:spPr bwMode="auto">
+            <a:xfrm>
+              <a:off x="8881672" y="2828510"/>
+              <a:ext cx="1844912" cy="1629672"/>
+            </a:xfrm>
+            <a:prstGeom prst="rect">
+              <a:avLst/>
+            </a:prstGeom>
+            <a:noFill/>
+            <a:ln>
+              <a:noFill/>
+            </a:ln>
+            <a:extLst>
+              <a:ext uri="{909E8E84-426E-40DD-AFC4-6F175D3DCCD1}">
+                <a14:hiddenFill xmlns:a14="http://schemas.microsoft.com/office/drawing/2010/main">
+                  <a:solidFill>
+                    <a:schemeClr val="accent1"/>
+                  </a:solidFill>
+                </a14:hiddenFill>
+              </a:ext>
+              <a:ext uri="{91240B29-F687-4F45-9708-019B960494DF}">
+                <a14:hiddenLine xmlns:a14="http://schemas.microsoft.com/office/drawing/2010/main" w="9525">
+                  <a:solidFill>
+                    <a:schemeClr val="tx1"/>
+                  </a:solidFill>
+                  <a:miter lim="800000"/>
+                  <a:headEnd/>
+                  <a:tailEnd/>
+                </a14:hiddenLine>
+              </a:ext>
+            </a:extLst>
+          </p:spPr>
+        </p:pic>
+      </p:grpSp>
+      <p:sp>
+        <p:nvSpPr>
+          <p:cNvPr id="21" name="Retângulo 20"/>
+          <p:cNvSpPr/>
+          <p:nvPr/>
+        </p:nvSpPr>
+        <p:spPr>
+          <a:xfrm>
+            <a:off x="827314" y="0"/>
+            <a:ext cx="3541486" cy="1081814"/>
+          </a:xfrm>
+          <a:prstGeom prst="rect">
+            <a:avLst/>
+          </a:prstGeom>
+          <a:solidFill>
+            <a:srgbClr val="0AB39C"/>
+          </a:solidFill>
+          <a:ln>
+            <a:noFill/>
+          </a:ln>
+        </p:spPr>
+        <p:style>
+          <a:lnRef idx="2">
+            <a:schemeClr val="accent1">
+              <a:shade val="50000"/>
+            </a:schemeClr>
+          </a:lnRef>
+          <a:fillRef idx="1">
+            <a:schemeClr val="accent1"/>
+          </a:fillRef>
+          <a:effectRef idx="0">
+            <a:schemeClr val="accent1"/>
+          </a:effectRef>
+          <a:fontRef idx="minor">
+            <a:schemeClr val="lt1"/>
+          </a:fontRef>
+        </p:style>
+        <p:txBody>
+          <a:bodyPr rtlCol="0" anchor="ctr"/>
+          <a:lstStyle/>
+          <a:p>
+            <a:pPr algn="ctr"/>
+            <a:endParaRPr lang="pt-BR"/>
+          </a:p>
+        </p:txBody>
+      </p:sp>
+      <p:sp>
+        <p:nvSpPr>
+          <p:cNvPr id="32" name="Retângulo 31"/>
+          <p:cNvSpPr/>
+          <p:nvPr/>
+        </p:nvSpPr>
+        <p:spPr>
+          <a:xfrm>
+            <a:off x="4368799" y="-1"/>
+            <a:ext cx="4412511" cy="794767"/>
+          </a:xfrm>
+          <a:prstGeom prst="rect">
+            <a:avLst/>
+          </a:prstGeom>
+          <a:solidFill>
+            <a:srgbClr val="0AB39C"/>
+          </a:solidFill>
+          <a:ln>
+            <a:noFill/>
+          </a:ln>
+        </p:spPr>
+        <p:style>
+          <a:lnRef idx="2">
+            <a:schemeClr val="accent1">
+              <a:shade val="50000"/>
+            </a:schemeClr>
+          </a:lnRef>
+          <a:fillRef idx="1">
+            <a:schemeClr val="accent1"/>
+          </a:fillRef>
+          <a:effectRef idx="0">
+            <a:schemeClr val="accent1"/>
+          </a:effectRef>
+          <a:fontRef idx="minor">
+            <a:schemeClr val="lt1"/>
+          </a:fontRef>
+        </p:style>
+        <p:txBody>
+          <a:bodyPr rtlCol="0" anchor="ctr"/>
+          <a:lstStyle/>
+          <a:p>
+            <a:pPr algn="ctr"/>
+            <a:endParaRPr lang="pt-BR"/>
+          </a:p>
+        </p:txBody>
+      </p:sp>
+      <p:sp>
+        <p:nvSpPr>
+          <p:cNvPr id="33" name="Retângulo 32"/>
+          <p:cNvSpPr/>
+          <p:nvPr/>
+        </p:nvSpPr>
+        <p:spPr>
+          <a:xfrm>
+            <a:off x="8505371" y="0"/>
+            <a:ext cx="3236686" cy="1212295"/>
+          </a:xfrm>
+          <a:prstGeom prst="rect">
+            <a:avLst/>
+          </a:prstGeom>
+          <a:solidFill>
+            <a:srgbClr val="0AB39C"/>
+          </a:solidFill>
+          <a:ln>
+            <a:noFill/>
+          </a:ln>
+        </p:spPr>
+        <p:style>
+          <a:lnRef idx="2">
+            <a:schemeClr val="accent1">
+              <a:shade val="50000"/>
+            </a:schemeClr>
+          </a:lnRef>
+          <a:fillRef idx="1">
+            <a:schemeClr val="accent1"/>
+          </a:fillRef>
+          <a:effectRef idx="0">
+            <a:schemeClr val="accent1"/>
+          </a:effectRef>
+          <a:fontRef idx="minor">
+            <a:schemeClr val="lt1"/>
+          </a:fontRef>
+        </p:style>
+        <p:txBody>
+          <a:bodyPr rtlCol="0" anchor="ctr"/>
+          <a:lstStyle/>
+          <a:p>
+            <a:pPr algn="ctr"/>
+            <a:endParaRPr lang="pt-BR"/>
+          </a:p>
+        </p:txBody>
+      </p:sp>
+    </p:spTree>
+    <p:extLst>
+      <p:ext uri="{BB962C8B-B14F-4D97-AF65-F5344CB8AC3E}">
+        <p14:creationId xmlns:p14="http://schemas.microsoft.com/office/powerpoint/2010/main" val="1920492385"/>
+      </p:ext>
+    </p:extLst>
+  </p:cSld>
+  <p:clrMapOvr>
+    <a:masterClrMapping/>
+  </p:clrMapOvr>
+  <mc:AlternateContent xmlns:mc="http://schemas.openxmlformats.org/markup-compatibility/2006" xmlns:p14="http://schemas.microsoft.com/office/powerpoint/2010/main">
+    <mc:Choice Requires="p14">
+      <p:transition spd="slow" p14:dur="2000" advClick="0" advTm="4000"/>
+    </mc:Choice>
+    <mc:Fallback xmlns="">
+      <p:transition spd="slow" advClick="0" advTm="4000"/>
+    </mc:Fallback>
+  </mc:AlternateContent>
+  <p:timing>
+    <p:tnLst>
+      <p:par>
+        <p:cTn id="1" dur="indefinite" restart="never" nodeType="tmRoot">
+          <p:childTnLst>
+            <p:seq concurrent="1" nextAc="seek">
+              <p:cTn id="2" dur="indefinite" nodeType="mainSeq">
+                <p:childTnLst>
+                  <p:par>
+                    <p:cTn id="3" fill="hold">
+                      <p:stCondLst>
+                        <p:cond delay="indefinite"/>
+                        <p:cond evt="onBegin" delay="0">
+                          <p:tn val="2"/>
+                        </p:cond>
+                      </p:stCondLst>
+                      <p:childTnLst>
+                        <p:par>
+                          <p:cTn id="4" fill="hold">
+                            <p:stCondLst>
+                              <p:cond delay="0"/>
+                            </p:stCondLst>
+                            <p:childTnLst>
+                              <p:par>
+                                <p:cTn id="5" presetID="1" presetClass="exit" presetSubtype="0" fill="hold" nodeType="withEffect">
+                                  <p:stCondLst>
+                                    <p:cond delay="0"/>
+                                  </p:stCondLst>
+                                  <p:childTnLst>
+                                    <p:set>
+                                      <p:cBhvr>
+                                        <p:cTn id="6" dur="1" fill="hold">
+                                          <p:stCondLst>
+                                            <p:cond delay="0"/>
+                                          </p:stCondLst>
+                                        </p:cTn>
+                                        <p:tgtEl>
+                                          <p:spTgt spid="20"/>
+                                        </p:tgtEl>
+                                        <p:attrNameLst>
+                                          <p:attrName>style.visibility</p:attrName>
+                                        </p:attrNameLst>
+                                      </p:cBhvr>
+                                      <p:to>
+                                        <p:strVal val="hidden"/>
+                                      </p:to>
+                                    </p:set>
+                                  </p:childTnLst>
+                                </p:cTn>
+                              </p:par>
+                              <p:par>
+                                <p:cTn id="7" presetID="1" presetClass="exit" presetSubtype="0" fill="hold" nodeType="withEffect">
+                                  <p:stCondLst>
+                                    <p:cond delay="0"/>
+                                  </p:stCondLst>
+                                  <p:childTnLst>
+                                    <p:set>
+                                      <p:cBhvr>
+                                        <p:cTn id="8" dur="1" fill="hold">
+                                          <p:stCondLst>
+                                            <p:cond delay="0"/>
+                                          </p:stCondLst>
+                                        </p:cTn>
+                                        <p:tgtEl>
+                                          <p:spTgt spid="25"/>
+                                        </p:tgtEl>
+                                        <p:attrNameLst>
+                                          <p:attrName>style.visibility</p:attrName>
+                                        </p:attrNameLst>
+                                      </p:cBhvr>
+                                      <p:to>
+                                        <p:strVal val="hidden"/>
+                                      </p:to>
+                                    </p:set>
+                                  </p:childTnLst>
+                                </p:cTn>
+                              </p:par>
+                              <p:par>
+                                <p:cTn id="9" presetID="1" presetClass="exit" presetSubtype="0" fill="hold" nodeType="withEffect">
+                                  <p:stCondLst>
+                                    <p:cond delay="0"/>
+                                  </p:stCondLst>
+                                  <p:childTnLst>
+                                    <p:set>
+                                      <p:cBhvr>
+                                        <p:cTn id="10" dur="1" fill="hold">
+                                          <p:stCondLst>
+                                            <p:cond delay="0"/>
+                                          </p:stCondLst>
+                                        </p:cTn>
+                                        <p:tgtEl>
+                                          <p:spTgt spid="28"/>
+                                        </p:tgtEl>
+                                        <p:attrNameLst>
+                                          <p:attrName>style.visibility</p:attrName>
+                                        </p:attrNameLst>
+                                      </p:cBhvr>
+                                      <p:to>
+                                        <p:strVal val="hidden"/>
+                                      </p:to>
+                                    </p:set>
+                                  </p:childTnLst>
+                                </p:cTn>
+                              </p:par>
+                              <p:par>
+                                <p:cTn id="11" presetID="1" presetClass="exit" presetSubtype="0" fill="hold" nodeType="withEffect">
+                                  <p:stCondLst>
+                                    <p:cond delay="0"/>
+                                  </p:stCondLst>
+                                  <p:childTnLst>
+                                    <p:set>
+                                      <p:cBhvr>
+                                        <p:cTn id="12" dur="1" fill="hold">
+                                          <p:stCondLst>
+                                            <p:cond delay="0"/>
+                                          </p:stCondLst>
+                                        </p:cTn>
+                                        <p:tgtEl>
+                                          <p:spTgt spid="12"/>
+                                        </p:tgtEl>
+                                        <p:attrNameLst>
+                                          <p:attrName>style.visibility</p:attrName>
+                                        </p:attrNameLst>
+                                      </p:cBhvr>
+                                      <p:to>
+                                        <p:strVal val="hidden"/>
+                                      </p:to>
+                                    </p:set>
+                                  </p:childTnLst>
+                                </p:cTn>
+                              </p:par>
+                              <p:par>
+                                <p:cTn id="13" presetID="1" presetClass="exit" presetSubtype="0" fill="hold" nodeType="withEffect">
+                                  <p:stCondLst>
+                                    <p:cond delay="0"/>
+                                  </p:stCondLst>
+                                  <p:childTnLst>
+                                    <p:set>
+                                      <p:cBhvr>
+                                        <p:cTn id="14" dur="1" fill="hold">
+                                          <p:stCondLst>
+                                            <p:cond delay="0"/>
+                                          </p:stCondLst>
+                                        </p:cTn>
+                                        <p:tgtEl>
+                                          <p:spTgt spid="7"/>
+                                        </p:tgtEl>
+                                        <p:attrNameLst>
+                                          <p:attrName>style.visibility</p:attrName>
+                                        </p:attrNameLst>
+                                      </p:cBhvr>
+                                      <p:to>
+                                        <p:strVal val="hidden"/>
+                                      </p:to>
+                                    </p:set>
+                                  </p:childTnLst>
+                                </p:cTn>
+                              </p:par>
+                              <p:par>
+                                <p:cTn id="15" presetID="1" presetClass="exit" presetSubtype="0" fill="hold" nodeType="withEffect">
+                                  <p:stCondLst>
+                                    <p:cond delay="0"/>
+                                  </p:stCondLst>
+                                  <p:childTnLst>
+                                    <p:set>
+                                      <p:cBhvr>
+                                        <p:cTn id="16" dur="1" fill="hold">
+                                          <p:stCondLst>
+                                            <p:cond delay="0"/>
+                                          </p:stCondLst>
+                                        </p:cTn>
+                                        <p:tgtEl>
+                                          <p:spTgt spid="6"/>
+                                        </p:tgtEl>
+                                        <p:attrNameLst>
+                                          <p:attrName>style.visibility</p:attrName>
+                                        </p:attrNameLst>
+                                      </p:cBhvr>
+                                      <p:to>
+                                        <p:strVal val="hidden"/>
+                                      </p:to>
+                                    </p:set>
+                                  </p:childTnLst>
+                                </p:cTn>
+                              </p:par>
                             </p:childTnLst>
                           </p:cTn>
                         </p:par>
                         <p:par>
-                          <p:cTn id="14" fill="hold">
+                          <p:cTn id="17" fill="hold">
                             <p:stCondLst>
-                              <p:cond delay="1000"/>
+                              <p:cond delay="0"/>
                             </p:stCondLst>
                             <p:childTnLst>
                               <p:par>
-                                <p:cTn id="15" presetID="35" presetClass="path" presetSubtype="0" accel="100000" fill="hold" nodeType="afterEffect">
+                                <p:cTn id="18" presetID="2" presetClass="entr" presetSubtype="1" decel="100000" fill="hold" nodeType="afterEffect">
+                                  <p:stCondLst>
+                                    <p:cond delay="500"/>
+                                  </p:stCondLst>
+                                  <p:childTnLst>
+                                    <p:set>
+                                      <p:cBhvr>
+                                        <p:cTn id="19" dur="1" fill="hold">
+                                          <p:stCondLst>
+                                            <p:cond delay="0"/>
+                                          </p:stCondLst>
+                                        </p:cTn>
+                                        <p:tgtEl>
+                                          <p:spTgt spid="12"/>
+                                        </p:tgtEl>
+                                        <p:attrNameLst>
+                                          <p:attrName>style.visibility</p:attrName>
+                                        </p:attrNameLst>
+                                      </p:cBhvr>
+                                      <p:to>
+                                        <p:strVal val="visible"/>
+                                      </p:to>
+                                    </p:set>
+                                    <p:anim calcmode="lin" valueType="num">
+                                      <p:cBhvr additive="base">
+                                        <p:cTn id="20" dur="1000" fill="hold"/>
+                                        <p:tgtEl>
+                                          <p:spTgt spid="12"/>
+                                        </p:tgtEl>
+                                        <p:attrNameLst>
+                                          <p:attrName>ppt_x</p:attrName>
+                                        </p:attrNameLst>
+                                      </p:cBhvr>
+                                      <p:tavLst>
+                                        <p:tav tm="0">
+                                          <p:val>
+                                            <p:strVal val="#ppt_x"/>
+                                          </p:val>
+                                        </p:tav>
+                                        <p:tav tm="100000">
+                                          <p:val>
+                                            <p:strVal val="#ppt_x"/>
+                                          </p:val>
+                                        </p:tav>
+                                      </p:tavLst>
+                                    </p:anim>
+                                    <p:anim calcmode="lin" valueType="num">
+                                      <p:cBhvr additive="base">
+                                        <p:cTn id="21" dur="1000" fill="hold"/>
+                                        <p:tgtEl>
+                                          <p:spTgt spid="12"/>
+                                        </p:tgtEl>
+                                        <p:attrNameLst>
+                                          <p:attrName>ppt_y</p:attrName>
+                                        </p:attrNameLst>
+                                      </p:cBhvr>
+                                      <p:tavLst>
+                                        <p:tav tm="0">
+                                          <p:val>
+                                            <p:strVal val="0-#ppt_h/2"/>
+                                          </p:val>
+                                        </p:tav>
+                                        <p:tav tm="100000">
+                                          <p:val>
+                                            <p:strVal val="#ppt_y"/>
+                                          </p:val>
+                                        </p:tav>
+                                      </p:tavLst>
+                                    </p:anim>
+                                  </p:childTnLst>
+                                </p:cTn>
+                              </p:par>
+                              <p:par>
+                                <p:cTn id="22" presetID="2" presetClass="entr" presetSubtype="1" decel="100000" fill="hold" nodeType="withEffect">
+                                  <p:stCondLst>
+                                    <p:cond delay="750"/>
+                                  </p:stCondLst>
+                                  <p:childTnLst>
+                                    <p:set>
+                                      <p:cBhvr>
+                                        <p:cTn id="23" dur="1" fill="hold">
+                                          <p:stCondLst>
+                                            <p:cond delay="0"/>
+                                          </p:stCondLst>
+                                        </p:cTn>
+                                        <p:tgtEl>
+                                          <p:spTgt spid="7"/>
+                                        </p:tgtEl>
+                                        <p:attrNameLst>
+                                          <p:attrName>style.visibility</p:attrName>
+                                        </p:attrNameLst>
+                                      </p:cBhvr>
+                                      <p:to>
+                                        <p:strVal val="visible"/>
+                                      </p:to>
+                                    </p:set>
+                                    <p:anim calcmode="lin" valueType="num">
+                                      <p:cBhvr additive="base">
+                                        <p:cTn id="24" dur="1000" fill="hold"/>
+                                        <p:tgtEl>
+                                          <p:spTgt spid="7"/>
+                                        </p:tgtEl>
+                                        <p:attrNameLst>
+                                          <p:attrName>ppt_x</p:attrName>
+                                        </p:attrNameLst>
+                                      </p:cBhvr>
+                                      <p:tavLst>
+                                        <p:tav tm="0">
+                                          <p:val>
+                                            <p:strVal val="#ppt_x"/>
+                                          </p:val>
+                                        </p:tav>
+                                        <p:tav tm="100000">
+                                          <p:val>
+                                            <p:strVal val="#ppt_x"/>
+                                          </p:val>
+                                        </p:tav>
+                                      </p:tavLst>
+                                    </p:anim>
+                                    <p:anim calcmode="lin" valueType="num">
+                                      <p:cBhvr additive="base">
+                                        <p:cTn id="25" dur="1000" fill="hold"/>
+                                        <p:tgtEl>
+                                          <p:spTgt spid="7"/>
+                                        </p:tgtEl>
+                                        <p:attrNameLst>
+                                          <p:attrName>ppt_y</p:attrName>
+                                        </p:attrNameLst>
+                                      </p:cBhvr>
+                                      <p:tavLst>
+                                        <p:tav tm="0">
+                                          <p:val>
+                                            <p:strVal val="0-#ppt_h/2"/>
+                                          </p:val>
+                                        </p:tav>
+                                        <p:tav tm="100000">
+                                          <p:val>
+                                            <p:strVal val="#ppt_y"/>
+                                          </p:val>
+                                        </p:tav>
+                                      </p:tavLst>
+                                    </p:anim>
+                                  </p:childTnLst>
+                                </p:cTn>
+                              </p:par>
+                              <p:par>
+                                <p:cTn id="26" presetID="2" presetClass="entr" presetSubtype="1" decel="100000" fill="hold" nodeType="withEffect">
+                                  <p:stCondLst>
+                                    <p:cond delay="250"/>
+                                  </p:stCondLst>
+                                  <p:childTnLst>
+                                    <p:set>
+                                      <p:cBhvr>
+                                        <p:cTn id="27" dur="1" fill="hold">
+                                          <p:stCondLst>
+                                            <p:cond delay="0"/>
+                                          </p:stCondLst>
+                                        </p:cTn>
+                                        <p:tgtEl>
+                                          <p:spTgt spid="6"/>
+                                        </p:tgtEl>
+                                        <p:attrNameLst>
+                                          <p:attrName>style.visibility</p:attrName>
+                                        </p:attrNameLst>
+                                      </p:cBhvr>
+                                      <p:to>
+                                        <p:strVal val="visible"/>
+                                      </p:to>
+                                    </p:set>
+                                    <p:anim calcmode="lin" valueType="num">
+                                      <p:cBhvr additive="base">
+                                        <p:cTn id="28" dur="1000" fill="hold"/>
+                                        <p:tgtEl>
+                                          <p:spTgt spid="6"/>
+                                        </p:tgtEl>
+                                        <p:attrNameLst>
+                                          <p:attrName>ppt_x</p:attrName>
+                                        </p:attrNameLst>
+                                      </p:cBhvr>
+                                      <p:tavLst>
+                                        <p:tav tm="0">
+                                          <p:val>
+                                            <p:strVal val="#ppt_x"/>
+                                          </p:val>
+                                        </p:tav>
+                                        <p:tav tm="100000">
+                                          <p:val>
+                                            <p:strVal val="#ppt_x"/>
+                                          </p:val>
+                                        </p:tav>
+                                      </p:tavLst>
+                                    </p:anim>
+                                    <p:anim calcmode="lin" valueType="num">
+                                      <p:cBhvr additive="base">
+                                        <p:cTn id="29" dur="1000" fill="hold"/>
+                                        <p:tgtEl>
+                                          <p:spTgt spid="6"/>
+                                        </p:tgtEl>
+                                        <p:attrNameLst>
+                                          <p:attrName>ppt_y</p:attrName>
+                                        </p:attrNameLst>
+                                      </p:cBhvr>
+                                      <p:tavLst>
+                                        <p:tav tm="0">
+                                          <p:val>
+                                            <p:strVal val="0-#ppt_h/2"/>
+                                          </p:val>
+                                        </p:tav>
+                                        <p:tav tm="100000">
+                                          <p:val>
+                                            <p:strVal val="#ppt_y"/>
+                                          </p:val>
+                                        </p:tav>
+                                      </p:tavLst>
+                                    </p:anim>
+                                  </p:childTnLst>
+                                </p:cTn>
+                              </p:par>
+                            </p:childTnLst>
+                          </p:cTn>
+                        </p:par>
+                        <p:par>
+                          <p:cTn id="30" fill="hold">
+                            <p:stCondLst>
+                              <p:cond delay="1750"/>
+                            </p:stCondLst>
+                            <p:childTnLst>
+                              <p:par>
+                                <p:cTn id="31" presetID="1" presetClass="entr" presetSubtype="0" fill="hold" nodeType="afterEffect">
                                   <p:stCondLst>
                                     <p:cond delay="0"/>
                                   </p:stCondLst>
                                   <p:childTnLst>
-                                    <p:animMotion origin="layout" path="M -1.04167E-6 -1.11111E-6 L -0.1776 -1.11111E-6 " pathEditMode="relative" rAng="0" ptsTypes="AA">
+                                    <p:set>
                                       <p:cBhvr>
-                                        <p:cTn id="16" dur="5000" fill="hold"/>
+                                        <p:cTn id="32" dur="1" fill="hold">
+                                          <p:stCondLst>
+                                            <p:cond delay="0"/>
+                                          </p:stCondLst>
+                                        </p:cTn>
                                         <p:tgtEl>
-                                          <p:spTgt spid="1026"/>
+                                          <p:spTgt spid="20"/>
+                                        </p:tgtEl>
+                                        <p:attrNameLst>
+                                          <p:attrName>style.visibility</p:attrName>
+                                        </p:attrNameLst>
+                                      </p:cBhvr>
+                                      <p:to>
+                                        <p:strVal val="visible"/>
+                                      </p:to>
+                                    </p:set>
+                                  </p:childTnLst>
+                                </p:cTn>
+                              </p:par>
+                              <p:par>
+                                <p:cTn id="33" presetID="1" presetClass="entr" presetSubtype="0" fill="hold" nodeType="withEffect">
+                                  <p:stCondLst>
+                                    <p:cond delay="0"/>
+                                  </p:stCondLst>
+                                  <p:childTnLst>
+                                    <p:set>
+                                      <p:cBhvr>
+                                        <p:cTn id="34" dur="1" fill="hold">
+                                          <p:stCondLst>
+                                            <p:cond delay="0"/>
+                                          </p:stCondLst>
+                                        </p:cTn>
+                                        <p:tgtEl>
+                                          <p:spTgt spid="25"/>
+                                        </p:tgtEl>
+                                        <p:attrNameLst>
+                                          <p:attrName>style.visibility</p:attrName>
+                                        </p:attrNameLst>
+                                      </p:cBhvr>
+                                      <p:to>
+                                        <p:strVal val="visible"/>
+                                      </p:to>
+                                    </p:set>
+                                  </p:childTnLst>
+                                </p:cTn>
+                              </p:par>
+                              <p:par>
+                                <p:cTn id="35" presetID="1" presetClass="entr" presetSubtype="0" fill="hold" nodeType="withEffect">
+                                  <p:stCondLst>
+                                    <p:cond delay="0"/>
+                                  </p:stCondLst>
+                                  <p:childTnLst>
+                                    <p:set>
+                                      <p:cBhvr>
+                                        <p:cTn id="36" dur="1" fill="hold">
+                                          <p:stCondLst>
+                                            <p:cond delay="0"/>
+                                          </p:stCondLst>
+                                        </p:cTn>
+                                        <p:tgtEl>
+                                          <p:spTgt spid="28"/>
+                                        </p:tgtEl>
+                                        <p:attrNameLst>
+                                          <p:attrName>style.visibility</p:attrName>
+                                        </p:attrNameLst>
+                                      </p:cBhvr>
+                                      <p:to>
+                                        <p:strVal val="visible"/>
+                                      </p:to>
+                                    </p:set>
+                                  </p:childTnLst>
+                                </p:cTn>
+                              </p:par>
+                            </p:childTnLst>
+                          </p:cTn>
+                        </p:par>
+                        <p:par>
+                          <p:cTn id="37" fill="hold">
+                            <p:stCondLst>
+                              <p:cond delay="1750"/>
+                            </p:stCondLst>
+                            <p:childTnLst>
+                              <p:par>
+                                <p:cTn id="38" presetID="42" presetClass="path" presetSubtype="0" accel="50000" decel="50000" fill="hold" nodeType="afterEffect">
+                                  <p:stCondLst>
+                                    <p:cond delay="0"/>
+                                  </p:stCondLst>
+                                  <p:childTnLst>
+                                    <p:animMotion origin="layout" path="M 8.33333E-7 -0.36393 L 8.33333E-7 0.33618 " pathEditMode="relative" rAng="0" ptsTypes="AA">
+                                      <p:cBhvr>
+                                        <p:cTn id="39" dur="2000" fill="hold"/>
+                                        <p:tgtEl>
+                                          <p:spTgt spid="20"/>
                                         </p:tgtEl>
                                         <p:attrNameLst>
                                           <p:attrName>ppt_x</p:attrName>
                                           <p:attrName>ppt_y</p:attrName>
                                         </p:attrNameLst>
                                       </p:cBhvr>
-                                      <p:rCtr x="-8880" y="0"/>
+                                      <p:rCtr x="0" y="35006"/>
+                                    </p:animMotion>
+                                  </p:childTnLst>
+                                </p:cTn>
+                              </p:par>
+                              <p:par>
+                                <p:cTn id="40" presetID="42" presetClass="path" presetSubtype="0" accel="50000" decel="50000" fill="hold" nodeType="withEffect">
+                                  <p:stCondLst>
+                                    <p:cond delay="250"/>
+                                  </p:stCondLst>
+                                  <p:childTnLst>
+                                    <p:animMotion origin="layout" path="M 8.33333E-7 -0.34474 L 8.33333E-7 0.35746 " pathEditMode="relative" rAng="0" ptsTypes="AA">
+                                      <p:cBhvr>
+                                        <p:cTn id="41" dur="2000" fill="hold"/>
+                                        <p:tgtEl>
+                                          <p:spTgt spid="25"/>
+                                        </p:tgtEl>
+                                        <p:attrNameLst>
+                                          <p:attrName>ppt_x</p:attrName>
+                                          <p:attrName>ppt_y</p:attrName>
+                                        </p:attrNameLst>
+                                      </p:cBhvr>
+                                      <p:rCtr x="0" y="35098"/>
+                                    </p:animMotion>
+                                  </p:childTnLst>
+                                </p:cTn>
+                              </p:par>
+                              <p:par>
+                                <p:cTn id="42" presetID="42" presetClass="path" presetSubtype="0" accel="50000" decel="50000" fill="hold" nodeType="withEffect">
+                                  <p:stCondLst>
+                                    <p:cond delay="750"/>
+                                  </p:stCondLst>
+                                  <p:childTnLst>
+                                    <p:animMotion origin="layout" path="M -3.33333E-6 -0.27099 L -3.33333E-6 0.30427 " pathEditMode="relative" rAng="0" ptsTypes="AA">
+                                      <p:cBhvr>
+                                        <p:cTn id="43" dur="2000" fill="hold"/>
+                                        <p:tgtEl>
+                                          <p:spTgt spid="28"/>
+                                        </p:tgtEl>
+                                        <p:attrNameLst>
+                                          <p:attrName>ppt_x</p:attrName>
+                                          <p:attrName>ppt_y</p:attrName>
+                                        </p:attrNameLst>
+                                      </p:cBhvr>
+                                      <p:rCtr x="0" y="28763"/>
                                     </p:animMotion>
                                   </p:childTnLst>
                                 </p:cTn>
@@ -19065,10 +21511,6 @@
         </p:cTn>
       </p:par>
     </p:tnLst>
-    <p:bldLst>
-      <p:bldP spid="8" grpId="0" animBg="1"/>
-      <p:bldP spid="8" grpId="1" animBg="1"/>
-    </p:bldLst>
   </p:timing>
 </p:sld>
 </file>
@@ -19362,7 +21804,7 @@
   <a:extraClrSchemeLst/>
   <a:extLst>
     <a:ext uri="{05A4C25C-085E-4340-85A3-A5531E510DB2}">
-      <thm15:themeFamily xmlns:thm15="http://schemas.microsoft.com/office/thememl/2012/main" xmlns="" name="Office Theme" id="{62F939B6-93AF-4DB8-9C6B-D6C7DFDC589F}" vid="{4A3C46E8-61CC-4603-A589-7422A47A8E4A}"/>
+      <thm15:themeFamily xmlns="" xmlns:thm15="http://schemas.microsoft.com/office/thememl/2012/main" name="Office Theme" id="{62F939B6-93AF-4DB8-9C6B-D6C7DFDC589F}" vid="{4A3C46E8-61CC-4603-A589-7422A47A8E4A}"/>
     </a:ext>
   </a:extLst>
 </a:theme>

--- a/Stud+/modelos/ANIMACAO.pptx
+++ b/Stud+/modelos/ANIMACAO.pptx
@@ -11,6 +11,8 @@
     <p:sldId id="259" r:id="rId5"/>
     <p:sldId id="260" r:id="rId6"/>
     <p:sldId id="261" r:id="rId7"/>
+    <p:sldId id="262" r:id="rId8"/>
+    <p:sldId id="263" r:id="rId9"/>
   </p:sldIdLst>
   <p:sldSz cx="12192000" cy="6858000"/>
   <p:notesSz cx="6858000" cy="9144000"/>
@@ -109,6 +111,22 @@
       </a:defRPr>
     </a:lvl9pPr>
   </p:defaultTextStyle>
+  <p:extLst>
+    <p:ext uri="{EFAFB233-063F-42B5-8137-9DF3F51BA10A}">
+      <p15:sldGuideLst xmlns:p15="http://schemas.microsoft.com/office/powerpoint/2012/main">
+        <p15:guide id="1" orient="horz" pos="2160">
+          <p15:clr>
+            <a:srgbClr val="A4A3A4"/>
+          </p15:clr>
+        </p15:guide>
+        <p15:guide id="2" pos="3840">
+          <p15:clr>
+            <a:srgbClr val="A4A3A4"/>
+          </p15:clr>
+        </p15:guide>
+      </p15:sldGuideLst>
+    </p:ext>
+  </p:extLst>
 </p:presentation>
 </file>
 
@@ -134,7 +152,7 @@
           <p:cNvPr id="2" name="Título 1">
             <a:extLst>
               <a:ext uri="{FF2B5EF4-FFF2-40B4-BE49-F238E27FC236}">
-                <a16:creationId xmlns="" xmlns:a16="http://schemas.microsoft.com/office/drawing/2014/main" id="{689F77C3-EEB5-4D0B-89A7-58C0C3AD0A60}"/>
+                <a16:creationId xmlns:a16="http://schemas.microsoft.com/office/drawing/2014/main" id="{689F77C3-EEB5-4D0B-89A7-58C0C3AD0A60}"/>
               </a:ext>
             </a:extLst>
           </p:cNvPr>
@@ -171,7 +189,7 @@
           <p:cNvPr id="3" name="Subtítulo 2">
             <a:extLst>
               <a:ext uri="{FF2B5EF4-FFF2-40B4-BE49-F238E27FC236}">
-                <a16:creationId xmlns="" xmlns:a16="http://schemas.microsoft.com/office/drawing/2014/main" id="{AD93613C-AD8F-4042-B865-E635F10DFEF4}"/>
+                <a16:creationId xmlns:a16="http://schemas.microsoft.com/office/drawing/2014/main" id="{AD93613C-AD8F-4042-B865-E635F10DFEF4}"/>
               </a:ext>
             </a:extLst>
           </p:cNvPr>
@@ -241,7 +259,7 @@
           <p:cNvPr id="4" name="Espaço Reservado para Data 3">
             <a:extLst>
               <a:ext uri="{FF2B5EF4-FFF2-40B4-BE49-F238E27FC236}">
-                <a16:creationId xmlns="" xmlns:a16="http://schemas.microsoft.com/office/drawing/2014/main" id="{4AB2C324-6DBE-4260-A15D-14BE139D70EF}"/>
+                <a16:creationId xmlns:a16="http://schemas.microsoft.com/office/drawing/2014/main" id="{4AB2C324-6DBE-4260-A15D-14BE139D70EF}"/>
               </a:ext>
             </a:extLst>
           </p:cNvPr>
@@ -270,7 +288,7 @@
           <p:cNvPr id="5" name="Espaço Reservado para Rodapé 4">
             <a:extLst>
               <a:ext uri="{FF2B5EF4-FFF2-40B4-BE49-F238E27FC236}">
-                <a16:creationId xmlns="" xmlns:a16="http://schemas.microsoft.com/office/drawing/2014/main" id="{2A6109F0-985E-40FF-9299-1494C7A17B63}"/>
+                <a16:creationId xmlns:a16="http://schemas.microsoft.com/office/drawing/2014/main" id="{2A6109F0-985E-40FF-9299-1494C7A17B63}"/>
               </a:ext>
             </a:extLst>
           </p:cNvPr>
@@ -295,7 +313,7 @@
           <p:cNvPr id="6" name="Espaço Reservado para Número de Slide 5">
             <a:extLst>
               <a:ext uri="{FF2B5EF4-FFF2-40B4-BE49-F238E27FC236}">
-                <a16:creationId xmlns="" xmlns:a16="http://schemas.microsoft.com/office/drawing/2014/main" id="{290D3894-0700-4EBF-9362-D4C733667DED}"/>
+                <a16:creationId xmlns:a16="http://schemas.microsoft.com/office/drawing/2014/main" id="{290D3894-0700-4EBF-9362-D4C733667DED}"/>
               </a:ext>
             </a:extLst>
           </p:cNvPr>
@@ -362,7 +380,7 @@
           <p:cNvPr id="2" name="Título 1">
             <a:extLst>
               <a:ext uri="{FF2B5EF4-FFF2-40B4-BE49-F238E27FC236}">
-                <a16:creationId xmlns="" xmlns:a16="http://schemas.microsoft.com/office/drawing/2014/main" id="{E5025D8A-249B-488C-8D60-0E5E076333B7}"/>
+                <a16:creationId xmlns:a16="http://schemas.microsoft.com/office/drawing/2014/main" id="{E5025D8A-249B-488C-8D60-0E5E076333B7}"/>
               </a:ext>
             </a:extLst>
           </p:cNvPr>
@@ -390,7 +408,7 @@
           <p:cNvPr id="3" name="Espaço Reservado para Texto Vertical 2">
             <a:extLst>
               <a:ext uri="{FF2B5EF4-FFF2-40B4-BE49-F238E27FC236}">
-                <a16:creationId xmlns="" xmlns:a16="http://schemas.microsoft.com/office/drawing/2014/main" id="{8DB3F8D8-752C-4F5D-A366-5A3317425D2C}"/>
+                <a16:creationId xmlns:a16="http://schemas.microsoft.com/office/drawing/2014/main" id="{8DB3F8D8-752C-4F5D-A366-5A3317425D2C}"/>
               </a:ext>
             </a:extLst>
           </p:cNvPr>
@@ -447,7 +465,7 @@
           <p:cNvPr id="4" name="Espaço Reservado para Data 3">
             <a:extLst>
               <a:ext uri="{FF2B5EF4-FFF2-40B4-BE49-F238E27FC236}">
-                <a16:creationId xmlns="" xmlns:a16="http://schemas.microsoft.com/office/drawing/2014/main" id="{EFC66C0B-1A9A-4B88-85F3-A17E018919EE}"/>
+                <a16:creationId xmlns:a16="http://schemas.microsoft.com/office/drawing/2014/main" id="{EFC66C0B-1A9A-4B88-85F3-A17E018919EE}"/>
               </a:ext>
             </a:extLst>
           </p:cNvPr>
@@ -476,7 +494,7 @@
           <p:cNvPr id="5" name="Espaço Reservado para Rodapé 4">
             <a:extLst>
               <a:ext uri="{FF2B5EF4-FFF2-40B4-BE49-F238E27FC236}">
-                <a16:creationId xmlns="" xmlns:a16="http://schemas.microsoft.com/office/drawing/2014/main" id="{98936B81-FE88-4C52-8FD3-FAF972C565E9}"/>
+                <a16:creationId xmlns:a16="http://schemas.microsoft.com/office/drawing/2014/main" id="{98936B81-FE88-4C52-8FD3-FAF972C565E9}"/>
               </a:ext>
             </a:extLst>
           </p:cNvPr>
@@ -501,7 +519,7 @@
           <p:cNvPr id="6" name="Espaço Reservado para Número de Slide 5">
             <a:extLst>
               <a:ext uri="{FF2B5EF4-FFF2-40B4-BE49-F238E27FC236}">
-                <a16:creationId xmlns="" xmlns:a16="http://schemas.microsoft.com/office/drawing/2014/main" id="{F312FB7D-4DD6-4F85-80A7-B4FC5930F58F}"/>
+                <a16:creationId xmlns:a16="http://schemas.microsoft.com/office/drawing/2014/main" id="{F312FB7D-4DD6-4F85-80A7-B4FC5930F58F}"/>
               </a:ext>
             </a:extLst>
           </p:cNvPr>
@@ -568,7 +586,7 @@
           <p:cNvPr id="2" name="Título Vertical 1">
             <a:extLst>
               <a:ext uri="{FF2B5EF4-FFF2-40B4-BE49-F238E27FC236}">
-                <a16:creationId xmlns="" xmlns:a16="http://schemas.microsoft.com/office/drawing/2014/main" id="{EA10CD7E-DBA4-48B3-9AA4-A114464532B6}"/>
+                <a16:creationId xmlns:a16="http://schemas.microsoft.com/office/drawing/2014/main" id="{EA10CD7E-DBA4-48B3-9AA4-A114464532B6}"/>
               </a:ext>
             </a:extLst>
           </p:cNvPr>
@@ -601,7 +619,7 @@
           <p:cNvPr id="3" name="Espaço Reservado para Texto Vertical 2">
             <a:extLst>
               <a:ext uri="{FF2B5EF4-FFF2-40B4-BE49-F238E27FC236}">
-                <a16:creationId xmlns="" xmlns:a16="http://schemas.microsoft.com/office/drawing/2014/main" id="{2B43BF95-600D-4C88-A8ED-FC5FC6F213B5}"/>
+                <a16:creationId xmlns:a16="http://schemas.microsoft.com/office/drawing/2014/main" id="{2B43BF95-600D-4C88-A8ED-FC5FC6F213B5}"/>
               </a:ext>
             </a:extLst>
           </p:cNvPr>
@@ -663,7 +681,7 @@
           <p:cNvPr id="4" name="Espaço Reservado para Data 3">
             <a:extLst>
               <a:ext uri="{FF2B5EF4-FFF2-40B4-BE49-F238E27FC236}">
-                <a16:creationId xmlns="" xmlns:a16="http://schemas.microsoft.com/office/drawing/2014/main" id="{D83443BF-7252-43E0-8908-E6009F4FD81F}"/>
+                <a16:creationId xmlns:a16="http://schemas.microsoft.com/office/drawing/2014/main" id="{D83443BF-7252-43E0-8908-E6009F4FD81F}"/>
               </a:ext>
             </a:extLst>
           </p:cNvPr>
@@ -692,7 +710,7 @@
           <p:cNvPr id="5" name="Espaço Reservado para Rodapé 4">
             <a:extLst>
               <a:ext uri="{FF2B5EF4-FFF2-40B4-BE49-F238E27FC236}">
-                <a16:creationId xmlns="" xmlns:a16="http://schemas.microsoft.com/office/drawing/2014/main" id="{8FB4540E-6A7C-4284-920C-5536060BC312}"/>
+                <a16:creationId xmlns:a16="http://schemas.microsoft.com/office/drawing/2014/main" id="{8FB4540E-6A7C-4284-920C-5536060BC312}"/>
               </a:ext>
             </a:extLst>
           </p:cNvPr>
@@ -717,7 +735,7 @@
           <p:cNvPr id="6" name="Espaço Reservado para Número de Slide 5">
             <a:extLst>
               <a:ext uri="{FF2B5EF4-FFF2-40B4-BE49-F238E27FC236}">
-                <a16:creationId xmlns="" xmlns:a16="http://schemas.microsoft.com/office/drawing/2014/main" id="{27F388D4-63EA-45DC-8DD9-C648E83CD446}"/>
+                <a16:creationId xmlns:a16="http://schemas.microsoft.com/office/drawing/2014/main" id="{27F388D4-63EA-45DC-8DD9-C648E83CD446}"/>
               </a:ext>
             </a:extLst>
           </p:cNvPr>
@@ -784,7 +802,7 @@
           <p:cNvPr id="2" name="Título 1">
             <a:extLst>
               <a:ext uri="{FF2B5EF4-FFF2-40B4-BE49-F238E27FC236}">
-                <a16:creationId xmlns="" xmlns:a16="http://schemas.microsoft.com/office/drawing/2014/main" id="{D3F14AFD-1817-4693-9DBA-283ADABF0059}"/>
+                <a16:creationId xmlns:a16="http://schemas.microsoft.com/office/drawing/2014/main" id="{D3F14AFD-1817-4693-9DBA-283ADABF0059}"/>
               </a:ext>
             </a:extLst>
           </p:cNvPr>
@@ -812,7 +830,7 @@
           <p:cNvPr id="3" name="Espaço Reservado para Conteúdo 2">
             <a:extLst>
               <a:ext uri="{FF2B5EF4-FFF2-40B4-BE49-F238E27FC236}">
-                <a16:creationId xmlns="" xmlns:a16="http://schemas.microsoft.com/office/drawing/2014/main" id="{BA8ED499-15EF-42B0-BC5A-19181D7AFE25}"/>
+                <a16:creationId xmlns:a16="http://schemas.microsoft.com/office/drawing/2014/main" id="{BA8ED499-15EF-42B0-BC5A-19181D7AFE25}"/>
               </a:ext>
             </a:extLst>
           </p:cNvPr>
@@ -869,7 +887,7 @@
           <p:cNvPr id="4" name="Espaço Reservado para Data 3">
             <a:extLst>
               <a:ext uri="{FF2B5EF4-FFF2-40B4-BE49-F238E27FC236}">
-                <a16:creationId xmlns="" xmlns:a16="http://schemas.microsoft.com/office/drawing/2014/main" id="{8199F347-18DE-4282-9DEE-700FDB9585BC}"/>
+                <a16:creationId xmlns:a16="http://schemas.microsoft.com/office/drawing/2014/main" id="{8199F347-18DE-4282-9DEE-700FDB9585BC}"/>
               </a:ext>
             </a:extLst>
           </p:cNvPr>
@@ -898,7 +916,7 @@
           <p:cNvPr id="5" name="Espaço Reservado para Rodapé 4">
             <a:extLst>
               <a:ext uri="{FF2B5EF4-FFF2-40B4-BE49-F238E27FC236}">
-                <a16:creationId xmlns="" xmlns:a16="http://schemas.microsoft.com/office/drawing/2014/main" id="{2688D019-31F4-4CF6-B3AF-50127DCB6998}"/>
+                <a16:creationId xmlns:a16="http://schemas.microsoft.com/office/drawing/2014/main" id="{2688D019-31F4-4CF6-B3AF-50127DCB6998}"/>
               </a:ext>
             </a:extLst>
           </p:cNvPr>
@@ -923,7 +941,7 @@
           <p:cNvPr id="6" name="Espaço Reservado para Número de Slide 5">
             <a:extLst>
               <a:ext uri="{FF2B5EF4-FFF2-40B4-BE49-F238E27FC236}">
-                <a16:creationId xmlns="" xmlns:a16="http://schemas.microsoft.com/office/drawing/2014/main" id="{763B616D-10C4-411A-800F-606AEECAD88C}"/>
+                <a16:creationId xmlns:a16="http://schemas.microsoft.com/office/drawing/2014/main" id="{763B616D-10C4-411A-800F-606AEECAD88C}"/>
               </a:ext>
             </a:extLst>
           </p:cNvPr>
@@ -990,7 +1008,7 @@
           <p:cNvPr id="2" name="Título 1">
             <a:extLst>
               <a:ext uri="{FF2B5EF4-FFF2-40B4-BE49-F238E27FC236}">
-                <a16:creationId xmlns="" xmlns:a16="http://schemas.microsoft.com/office/drawing/2014/main" id="{EDE30747-FF68-4580-8552-E32030480B40}"/>
+                <a16:creationId xmlns:a16="http://schemas.microsoft.com/office/drawing/2014/main" id="{EDE30747-FF68-4580-8552-E32030480B40}"/>
               </a:ext>
             </a:extLst>
           </p:cNvPr>
@@ -1027,7 +1045,7 @@
           <p:cNvPr id="3" name="Espaço Reservado para Texto 2">
             <a:extLst>
               <a:ext uri="{FF2B5EF4-FFF2-40B4-BE49-F238E27FC236}">
-                <a16:creationId xmlns="" xmlns:a16="http://schemas.microsoft.com/office/drawing/2014/main" id="{A0BD4BDF-E1E4-483D-A47E-1BFF38163435}"/>
+                <a16:creationId xmlns:a16="http://schemas.microsoft.com/office/drawing/2014/main" id="{A0BD4BDF-E1E4-483D-A47E-1BFF38163435}"/>
               </a:ext>
             </a:extLst>
           </p:cNvPr>
@@ -1152,7 +1170,7 @@
           <p:cNvPr id="4" name="Espaço Reservado para Data 3">
             <a:extLst>
               <a:ext uri="{FF2B5EF4-FFF2-40B4-BE49-F238E27FC236}">
-                <a16:creationId xmlns="" xmlns:a16="http://schemas.microsoft.com/office/drawing/2014/main" id="{F8CDE0F2-E487-400C-9701-E6377EFDA1D2}"/>
+                <a16:creationId xmlns:a16="http://schemas.microsoft.com/office/drawing/2014/main" id="{F8CDE0F2-E487-400C-9701-E6377EFDA1D2}"/>
               </a:ext>
             </a:extLst>
           </p:cNvPr>
@@ -1181,7 +1199,7 @@
           <p:cNvPr id="5" name="Espaço Reservado para Rodapé 4">
             <a:extLst>
               <a:ext uri="{FF2B5EF4-FFF2-40B4-BE49-F238E27FC236}">
-                <a16:creationId xmlns="" xmlns:a16="http://schemas.microsoft.com/office/drawing/2014/main" id="{663CB8FE-E14C-4452-859C-148F9D820DC3}"/>
+                <a16:creationId xmlns:a16="http://schemas.microsoft.com/office/drawing/2014/main" id="{663CB8FE-E14C-4452-859C-148F9D820DC3}"/>
               </a:ext>
             </a:extLst>
           </p:cNvPr>
@@ -1206,7 +1224,7 @@
           <p:cNvPr id="6" name="Espaço Reservado para Número de Slide 5">
             <a:extLst>
               <a:ext uri="{FF2B5EF4-FFF2-40B4-BE49-F238E27FC236}">
-                <a16:creationId xmlns="" xmlns:a16="http://schemas.microsoft.com/office/drawing/2014/main" id="{AE595EE1-EC47-4558-9580-381C45742B10}"/>
+                <a16:creationId xmlns:a16="http://schemas.microsoft.com/office/drawing/2014/main" id="{AE595EE1-EC47-4558-9580-381C45742B10}"/>
               </a:ext>
             </a:extLst>
           </p:cNvPr>
@@ -1273,7 +1291,7 @@
           <p:cNvPr id="2" name="Título 1">
             <a:extLst>
               <a:ext uri="{FF2B5EF4-FFF2-40B4-BE49-F238E27FC236}">
-                <a16:creationId xmlns="" xmlns:a16="http://schemas.microsoft.com/office/drawing/2014/main" id="{22F64A4C-9762-40BE-AD2D-6CB49C6D5126}"/>
+                <a16:creationId xmlns:a16="http://schemas.microsoft.com/office/drawing/2014/main" id="{22F64A4C-9762-40BE-AD2D-6CB49C6D5126}"/>
               </a:ext>
             </a:extLst>
           </p:cNvPr>
@@ -1301,7 +1319,7 @@
           <p:cNvPr id="3" name="Espaço Reservado para Conteúdo 2">
             <a:extLst>
               <a:ext uri="{FF2B5EF4-FFF2-40B4-BE49-F238E27FC236}">
-                <a16:creationId xmlns="" xmlns:a16="http://schemas.microsoft.com/office/drawing/2014/main" id="{57A403DB-8BAD-4F6C-A193-AD7C4FD6B405}"/>
+                <a16:creationId xmlns:a16="http://schemas.microsoft.com/office/drawing/2014/main" id="{57A403DB-8BAD-4F6C-A193-AD7C4FD6B405}"/>
               </a:ext>
             </a:extLst>
           </p:cNvPr>
@@ -1363,7 +1381,7 @@
           <p:cNvPr id="4" name="Espaço Reservado para Conteúdo 3">
             <a:extLst>
               <a:ext uri="{FF2B5EF4-FFF2-40B4-BE49-F238E27FC236}">
-                <a16:creationId xmlns="" xmlns:a16="http://schemas.microsoft.com/office/drawing/2014/main" id="{69B6AB88-1143-4BF3-9481-03D1A0E2CB6D}"/>
+                <a16:creationId xmlns:a16="http://schemas.microsoft.com/office/drawing/2014/main" id="{69B6AB88-1143-4BF3-9481-03D1A0E2CB6D}"/>
               </a:ext>
             </a:extLst>
           </p:cNvPr>
@@ -1425,7 +1443,7 @@
           <p:cNvPr id="5" name="Espaço Reservado para Data 4">
             <a:extLst>
               <a:ext uri="{FF2B5EF4-FFF2-40B4-BE49-F238E27FC236}">
-                <a16:creationId xmlns="" xmlns:a16="http://schemas.microsoft.com/office/drawing/2014/main" id="{0A89C9FB-D3AC-48A9-B53D-C74A92717628}"/>
+                <a16:creationId xmlns:a16="http://schemas.microsoft.com/office/drawing/2014/main" id="{0A89C9FB-D3AC-48A9-B53D-C74A92717628}"/>
               </a:ext>
             </a:extLst>
           </p:cNvPr>
@@ -1454,7 +1472,7 @@
           <p:cNvPr id="6" name="Espaço Reservado para Rodapé 5">
             <a:extLst>
               <a:ext uri="{FF2B5EF4-FFF2-40B4-BE49-F238E27FC236}">
-                <a16:creationId xmlns="" xmlns:a16="http://schemas.microsoft.com/office/drawing/2014/main" id="{BA01A437-894D-490E-B61B-A47228651FCB}"/>
+                <a16:creationId xmlns:a16="http://schemas.microsoft.com/office/drawing/2014/main" id="{BA01A437-894D-490E-B61B-A47228651FCB}"/>
               </a:ext>
             </a:extLst>
           </p:cNvPr>
@@ -1479,7 +1497,7 @@
           <p:cNvPr id="7" name="Espaço Reservado para Número de Slide 6">
             <a:extLst>
               <a:ext uri="{FF2B5EF4-FFF2-40B4-BE49-F238E27FC236}">
-                <a16:creationId xmlns="" xmlns:a16="http://schemas.microsoft.com/office/drawing/2014/main" id="{1D2EA690-8F56-45D3-AE17-6FAB4BF52905}"/>
+                <a16:creationId xmlns:a16="http://schemas.microsoft.com/office/drawing/2014/main" id="{1D2EA690-8F56-45D3-AE17-6FAB4BF52905}"/>
               </a:ext>
             </a:extLst>
           </p:cNvPr>
@@ -1546,7 +1564,7 @@
           <p:cNvPr id="2" name="Título 1">
             <a:extLst>
               <a:ext uri="{FF2B5EF4-FFF2-40B4-BE49-F238E27FC236}">
-                <a16:creationId xmlns="" xmlns:a16="http://schemas.microsoft.com/office/drawing/2014/main" id="{02F0D345-80A4-4871-8245-3FBCD62E2953}"/>
+                <a16:creationId xmlns:a16="http://schemas.microsoft.com/office/drawing/2014/main" id="{02F0D345-80A4-4871-8245-3FBCD62E2953}"/>
               </a:ext>
             </a:extLst>
           </p:cNvPr>
@@ -1579,7 +1597,7 @@
           <p:cNvPr id="3" name="Espaço Reservado para Texto 2">
             <a:extLst>
               <a:ext uri="{FF2B5EF4-FFF2-40B4-BE49-F238E27FC236}">
-                <a16:creationId xmlns="" xmlns:a16="http://schemas.microsoft.com/office/drawing/2014/main" id="{0CE55658-11AC-473B-A001-2AB262B4251B}"/>
+                <a16:creationId xmlns:a16="http://schemas.microsoft.com/office/drawing/2014/main" id="{0CE55658-11AC-473B-A001-2AB262B4251B}"/>
               </a:ext>
             </a:extLst>
           </p:cNvPr>
@@ -1650,7 +1668,7 @@
           <p:cNvPr id="4" name="Espaço Reservado para Conteúdo 3">
             <a:extLst>
               <a:ext uri="{FF2B5EF4-FFF2-40B4-BE49-F238E27FC236}">
-                <a16:creationId xmlns="" xmlns:a16="http://schemas.microsoft.com/office/drawing/2014/main" id="{10CF26FE-C274-463B-B9E2-063C4C14D148}"/>
+                <a16:creationId xmlns:a16="http://schemas.microsoft.com/office/drawing/2014/main" id="{10CF26FE-C274-463B-B9E2-063C4C14D148}"/>
               </a:ext>
             </a:extLst>
           </p:cNvPr>
@@ -1712,7 +1730,7 @@
           <p:cNvPr id="5" name="Espaço Reservado para Texto 4">
             <a:extLst>
               <a:ext uri="{FF2B5EF4-FFF2-40B4-BE49-F238E27FC236}">
-                <a16:creationId xmlns="" xmlns:a16="http://schemas.microsoft.com/office/drawing/2014/main" id="{4B7B6F3E-CDFF-49E5-AFCF-23E4B6D60C98}"/>
+                <a16:creationId xmlns:a16="http://schemas.microsoft.com/office/drawing/2014/main" id="{4B7B6F3E-CDFF-49E5-AFCF-23E4B6D60C98}"/>
               </a:ext>
             </a:extLst>
           </p:cNvPr>
@@ -1783,7 +1801,7 @@
           <p:cNvPr id="6" name="Espaço Reservado para Conteúdo 5">
             <a:extLst>
               <a:ext uri="{FF2B5EF4-FFF2-40B4-BE49-F238E27FC236}">
-                <a16:creationId xmlns="" xmlns:a16="http://schemas.microsoft.com/office/drawing/2014/main" id="{3A1E5D22-0BF2-4B65-812A-6632E766E802}"/>
+                <a16:creationId xmlns:a16="http://schemas.microsoft.com/office/drawing/2014/main" id="{3A1E5D22-0BF2-4B65-812A-6632E766E802}"/>
               </a:ext>
             </a:extLst>
           </p:cNvPr>
@@ -1845,7 +1863,7 @@
           <p:cNvPr id="7" name="Espaço Reservado para Data 6">
             <a:extLst>
               <a:ext uri="{FF2B5EF4-FFF2-40B4-BE49-F238E27FC236}">
-                <a16:creationId xmlns="" xmlns:a16="http://schemas.microsoft.com/office/drawing/2014/main" id="{1AC5ED40-96A8-40FA-B8CE-E88FE2672463}"/>
+                <a16:creationId xmlns:a16="http://schemas.microsoft.com/office/drawing/2014/main" id="{1AC5ED40-96A8-40FA-B8CE-E88FE2672463}"/>
               </a:ext>
             </a:extLst>
           </p:cNvPr>
@@ -1874,7 +1892,7 @@
           <p:cNvPr id="8" name="Espaço Reservado para Rodapé 7">
             <a:extLst>
               <a:ext uri="{FF2B5EF4-FFF2-40B4-BE49-F238E27FC236}">
-                <a16:creationId xmlns="" xmlns:a16="http://schemas.microsoft.com/office/drawing/2014/main" id="{3F2CCE11-A63A-4BB1-8486-CE22B19D7652}"/>
+                <a16:creationId xmlns:a16="http://schemas.microsoft.com/office/drawing/2014/main" id="{3F2CCE11-A63A-4BB1-8486-CE22B19D7652}"/>
               </a:ext>
             </a:extLst>
           </p:cNvPr>
@@ -1899,7 +1917,7 @@
           <p:cNvPr id="9" name="Espaço Reservado para Número de Slide 8">
             <a:extLst>
               <a:ext uri="{FF2B5EF4-FFF2-40B4-BE49-F238E27FC236}">
-                <a16:creationId xmlns="" xmlns:a16="http://schemas.microsoft.com/office/drawing/2014/main" id="{BB310A4A-E303-4DED-B6A4-6EAAF580A666}"/>
+                <a16:creationId xmlns:a16="http://schemas.microsoft.com/office/drawing/2014/main" id="{BB310A4A-E303-4DED-B6A4-6EAAF580A666}"/>
               </a:ext>
             </a:extLst>
           </p:cNvPr>
@@ -1966,7 +1984,7 @@
           <p:cNvPr id="2" name="Título 1">
             <a:extLst>
               <a:ext uri="{FF2B5EF4-FFF2-40B4-BE49-F238E27FC236}">
-                <a16:creationId xmlns="" xmlns:a16="http://schemas.microsoft.com/office/drawing/2014/main" id="{4321A209-416D-4584-B559-47AF81AFE896}"/>
+                <a16:creationId xmlns:a16="http://schemas.microsoft.com/office/drawing/2014/main" id="{4321A209-416D-4584-B559-47AF81AFE896}"/>
               </a:ext>
             </a:extLst>
           </p:cNvPr>
@@ -1994,7 +2012,7 @@
           <p:cNvPr id="3" name="Espaço Reservado para Data 2">
             <a:extLst>
               <a:ext uri="{FF2B5EF4-FFF2-40B4-BE49-F238E27FC236}">
-                <a16:creationId xmlns="" xmlns:a16="http://schemas.microsoft.com/office/drawing/2014/main" id="{18835C8A-EF4F-4A65-ABE8-B79368387CC0}"/>
+                <a16:creationId xmlns:a16="http://schemas.microsoft.com/office/drawing/2014/main" id="{18835C8A-EF4F-4A65-ABE8-B79368387CC0}"/>
               </a:ext>
             </a:extLst>
           </p:cNvPr>
@@ -2023,7 +2041,7 @@
           <p:cNvPr id="4" name="Espaço Reservado para Rodapé 3">
             <a:extLst>
               <a:ext uri="{FF2B5EF4-FFF2-40B4-BE49-F238E27FC236}">
-                <a16:creationId xmlns="" xmlns:a16="http://schemas.microsoft.com/office/drawing/2014/main" id="{C3C19DB2-C61B-4178-8E06-14870579E3A0}"/>
+                <a16:creationId xmlns:a16="http://schemas.microsoft.com/office/drawing/2014/main" id="{C3C19DB2-C61B-4178-8E06-14870579E3A0}"/>
               </a:ext>
             </a:extLst>
           </p:cNvPr>
@@ -2048,7 +2066,7 @@
           <p:cNvPr id="5" name="Espaço Reservado para Número de Slide 4">
             <a:extLst>
               <a:ext uri="{FF2B5EF4-FFF2-40B4-BE49-F238E27FC236}">
-                <a16:creationId xmlns="" xmlns:a16="http://schemas.microsoft.com/office/drawing/2014/main" id="{E126F8A3-E0BC-4775-B70D-A49DB47EC84C}"/>
+                <a16:creationId xmlns:a16="http://schemas.microsoft.com/office/drawing/2014/main" id="{E126F8A3-E0BC-4775-B70D-A49DB47EC84C}"/>
               </a:ext>
             </a:extLst>
           </p:cNvPr>
@@ -2115,7 +2133,7 @@
           <p:cNvPr id="2" name="Espaço Reservado para Data 1">
             <a:extLst>
               <a:ext uri="{FF2B5EF4-FFF2-40B4-BE49-F238E27FC236}">
-                <a16:creationId xmlns="" xmlns:a16="http://schemas.microsoft.com/office/drawing/2014/main" id="{D398B22B-D299-4FBD-9152-309F2BF4504B}"/>
+                <a16:creationId xmlns:a16="http://schemas.microsoft.com/office/drawing/2014/main" id="{D398B22B-D299-4FBD-9152-309F2BF4504B}"/>
               </a:ext>
             </a:extLst>
           </p:cNvPr>
@@ -2144,7 +2162,7 @@
           <p:cNvPr id="3" name="Espaço Reservado para Rodapé 2">
             <a:extLst>
               <a:ext uri="{FF2B5EF4-FFF2-40B4-BE49-F238E27FC236}">
-                <a16:creationId xmlns="" xmlns:a16="http://schemas.microsoft.com/office/drawing/2014/main" id="{60A92E44-4D85-49C8-801E-ACE8655ECB75}"/>
+                <a16:creationId xmlns:a16="http://schemas.microsoft.com/office/drawing/2014/main" id="{60A92E44-4D85-49C8-801E-ACE8655ECB75}"/>
               </a:ext>
             </a:extLst>
           </p:cNvPr>
@@ -2169,7 +2187,7 @@
           <p:cNvPr id="4" name="Espaço Reservado para Número de Slide 3">
             <a:extLst>
               <a:ext uri="{FF2B5EF4-FFF2-40B4-BE49-F238E27FC236}">
-                <a16:creationId xmlns="" xmlns:a16="http://schemas.microsoft.com/office/drawing/2014/main" id="{4C4170AC-39C8-436B-9F44-4162946ACF90}"/>
+                <a16:creationId xmlns:a16="http://schemas.microsoft.com/office/drawing/2014/main" id="{4C4170AC-39C8-436B-9F44-4162946ACF90}"/>
               </a:ext>
             </a:extLst>
           </p:cNvPr>
@@ -2236,7 +2254,7 @@
           <p:cNvPr id="2" name="Título 1">
             <a:extLst>
               <a:ext uri="{FF2B5EF4-FFF2-40B4-BE49-F238E27FC236}">
-                <a16:creationId xmlns="" xmlns:a16="http://schemas.microsoft.com/office/drawing/2014/main" id="{76785EC8-9827-4F4B-8B4B-BC37D48C9B95}"/>
+                <a16:creationId xmlns:a16="http://schemas.microsoft.com/office/drawing/2014/main" id="{76785EC8-9827-4F4B-8B4B-BC37D48C9B95}"/>
               </a:ext>
             </a:extLst>
           </p:cNvPr>
@@ -2273,7 +2291,7 @@
           <p:cNvPr id="3" name="Espaço Reservado para Conteúdo 2">
             <a:extLst>
               <a:ext uri="{FF2B5EF4-FFF2-40B4-BE49-F238E27FC236}">
-                <a16:creationId xmlns="" xmlns:a16="http://schemas.microsoft.com/office/drawing/2014/main" id="{5718EA30-24A6-46C9-9565-869A4963EDCA}"/>
+                <a16:creationId xmlns:a16="http://schemas.microsoft.com/office/drawing/2014/main" id="{5718EA30-24A6-46C9-9565-869A4963EDCA}"/>
               </a:ext>
             </a:extLst>
           </p:cNvPr>
@@ -2363,7 +2381,7 @@
           <p:cNvPr id="4" name="Espaço Reservado para Texto 3">
             <a:extLst>
               <a:ext uri="{FF2B5EF4-FFF2-40B4-BE49-F238E27FC236}">
-                <a16:creationId xmlns="" xmlns:a16="http://schemas.microsoft.com/office/drawing/2014/main" id="{6EAEA4F0-BDAA-4869-B563-580C9351DD21}"/>
+                <a16:creationId xmlns:a16="http://schemas.microsoft.com/office/drawing/2014/main" id="{6EAEA4F0-BDAA-4869-B563-580C9351DD21}"/>
               </a:ext>
             </a:extLst>
           </p:cNvPr>
@@ -2434,7 +2452,7 @@
           <p:cNvPr id="5" name="Espaço Reservado para Data 4">
             <a:extLst>
               <a:ext uri="{FF2B5EF4-FFF2-40B4-BE49-F238E27FC236}">
-                <a16:creationId xmlns="" xmlns:a16="http://schemas.microsoft.com/office/drawing/2014/main" id="{D9A52A90-BBCA-4196-BC06-DC1A1F0386B7}"/>
+                <a16:creationId xmlns:a16="http://schemas.microsoft.com/office/drawing/2014/main" id="{D9A52A90-BBCA-4196-BC06-DC1A1F0386B7}"/>
               </a:ext>
             </a:extLst>
           </p:cNvPr>
@@ -2463,7 +2481,7 @@
           <p:cNvPr id="6" name="Espaço Reservado para Rodapé 5">
             <a:extLst>
               <a:ext uri="{FF2B5EF4-FFF2-40B4-BE49-F238E27FC236}">
-                <a16:creationId xmlns="" xmlns:a16="http://schemas.microsoft.com/office/drawing/2014/main" id="{C8345E68-F3E9-448A-AFD1-3C239D9C16C5}"/>
+                <a16:creationId xmlns:a16="http://schemas.microsoft.com/office/drawing/2014/main" id="{C8345E68-F3E9-448A-AFD1-3C239D9C16C5}"/>
               </a:ext>
             </a:extLst>
           </p:cNvPr>
@@ -2488,7 +2506,7 @@
           <p:cNvPr id="7" name="Espaço Reservado para Número de Slide 6">
             <a:extLst>
               <a:ext uri="{FF2B5EF4-FFF2-40B4-BE49-F238E27FC236}">
-                <a16:creationId xmlns="" xmlns:a16="http://schemas.microsoft.com/office/drawing/2014/main" id="{3C8F7DE6-F280-46ED-8EBC-72E7DC6C09BF}"/>
+                <a16:creationId xmlns:a16="http://schemas.microsoft.com/office/drawing/2014/main" id="{3C8F7DE6-F280-46ED-8EBC-72E7DC6C09BF}"/>
               </a:ext>
             </a:extLst>
           </p:cNvPr>
@@ -2555,7 +2573,7 @@
           <p:cNvPr id="2" name="Título 1">
             <a:extLst>
               <a:ext uri="{FF2B5EF4-FFF2-40B4-BE49-F238E27FC236}">
-                <a16:creationId xmlns="" xmlns:a16="http://schemas.microsoft.com/office/drawing/2014/main" id="{CA490AD7-1E1F-42CF-AEAD-B0D04ECC5BDA}"/>
+                <a16:creationId xmlns:a16="http://schemas.microsoft.com/office/drawing/2014/main" id="{CA490AD7-1E1F-42CF-AEAD-B0D04ECC5BDA}"/>
               </a:ext>
             </a:extLst>
           </p:cNvPr>
@@ -2592,7 +2610,7 @@
           <p:cNvPr id="3" name="Espaço Reservado para Imagem 2">
             <a:extLst>
               <a:ext uri="{FF2B5EF4-FFF2-40B4-BE49-F238E27FC236}">
-                <a16:creationId xmlns="" xmlns:a16="http://schemas.microsoft.com/office/drawing/2014/main" id="{73B2DB25-5D9F-42CD-983F-C03A86EFDE4D}"/>
+                <a16:creationId xmlns:a16="http://schemas.microsoft.com/office/drawing/2014/main" id="{73B2DB25-5D9F-42CD-983F-C03A86EFDE4D}"/>
               </a:ext>
             </a:extLst>
           </p:cNvPr>
@@ -2659,7 +2677,7 @@
           <p:cNvPr id="4" name="Espaço Reservado para Texto 3">
             <a:extLst>
               <a:ext uri="{FF2B5EF4-FFF2-40B4-BE49-F238E27FC236}">
-                <a16:creationId xmlns="" xmlns:a16="http://schemas.microsoft.com/office/drawing/2014/main" id="{7A079A99-0E23-405C-8CC9-76E2F7D71188}"/>
+                <a16:creationId xmlns:a16="http://schemas.microsoft.com/office/drawing/2014/main" id="{7A079A99-0E23-405C-8CC9-76E2F7D71188}"/>
               </a:ext>
             </a:extLst>
           </p:cNvPr>
@@ -2730,7 +2748,7 @@
           <p:cNvPr id="5" name="Espaço Reservado para Data 4">
             <a:extLst>
               <a:ext uri="{FF2B5EF4-FFF2-40B4-BE49-F238E27FC236}">
-                <a16:creationId xmlns="" xmlns:a16="http://schemas.microsoft.com/office/drawing/2014/main" id="{2DD83E0C-8D71-4690-A9AE-D0343F903B2D}"/>
+                <a16:creationId xmlns:a16="http://schemas.microsoft.com/office/drawing/2014/main" id="{2DD83E0C-8D71-4690-A9AE-D0343F903B2D}"/>
               </a:ext>
             </a:extLst>
           </p:cNvPr>
@@ -2759,7 +2777,7 @@
           <p:cNvPr id="6" name="Espaço Reservado para Rodapé 5">
             <a:extLst>
               <a:ext uri="{FF2B5EF4-FFF2-40B4-BE49-F238E27FC236}">
-                <a16:creationId xmlns="" xmlns:a16="http://schemas.microsoft.com/office/drawing/2014/main" id="{A40300FD-203D-4AC2-B475-B607A11BBFA8}"/>
+                <a16:creationId xmlns:a16="http://schemas.microsoft.com/office/drawing/2014/main" id="{A40300FD-203D-4AC2-B475-B607A11BBFA8}"/>
               </a:ext>
             </a:extLst>
           </p:cNvPr>
@@ -2784,7 +2802,7 @@
           <p:cNvPr id="7" name="Espaço Reservado para Número de Slide 6">
             <a:extLst>
               <a:ext uri="{FF2B5EF4-FFF2-40B4-BE49-F238E27FC236}">
-                <a16:creationId xmlns="" xmlns:a16="http://schemas.microsoft.com/office/drawing/2014/main" id="{96341428-ABC5-4516-919F-C35793781D19}"/>
+                <a16:creationId xmlns:a16="http://schemas.microsoft.com/office/drawing/2014/main" id="{96341428-ABC5-4516-919F-C35793781D19}"/>
               </a:ext>
             </a:extLst>
           </p:cNvPr>
@@ -2856,7 +2874,7 @@
           <p:cNvPr id="2" name="Espaço Reservado para Título 1">
             <a:extLst>
               <a:ext uri="{FF2B5EF4-FFF2-40B4-BE49-F238E27FC236}">
-                <a16:creationId xmlns="" xmlns:a16="http://schemas.microsoft.com/office/drawing/2014/main" id="{F5A9CA73-275E-402B-A781-BED8E26E62D9}"/>
+                <a16:creationId xmlns:a16="http://schemas.microsoft.com/office/drawing/2014/main" id="{F5A9CA73-275E-402B-A781-BED8E26E62D9}"/>
               </a:ext>
             </a:extLst>
           </p:cNvPr>
@@ -2894,7 +2912,7 @@
           <p:cNvPr id="3" name="Espaço Reservado para Texto 2">
             <a:extLst>
               <a:ext uri="{FF2B5EF4-FFF2-40B4-BE49-F238E27FC236}">
-                <a16:creationId xmlns="" xmlns:a16="http://schemas.microsoft.com/office/drawing/2014/main" id="{0B030618-953C-4611-B07B-0A80B4F4A8F5}"/>
+                <a16:creationId xmlns:a16="http://schemas.microsoft.com/office/drawing/2014/main" id="{0B030618-953C-4611-B07B-0A80B4F4A8F5}"/>
               </a:ext>
             </a:extLst>
           </p:cNvPr>
@@ -2961,7 +2979,7 @@
           <p:cNvPr id="4" name="Espaço Reservado para Data 3">
             <a:extLst>
               <a:ext uri="{FF2B5EF4-FFF2-40B4-BE49-F238E27FC236}">
-                <a16:creationId xmlns="" xmlns:a16="http://schemas.microsoft.com/office/drawing/2014/main" id="{8C44F495-037C-48B2-B675-4FDF5D6C9ED2}"/>
+                <a16:creationId xmlns:a16="http://schemas.microsoft.com/office/drawing/2014/main" id="{8C44F495-037C-48B2-B675-4FDF5D6C9ED2}"/>
               </a:ext>
             </a:extLst>
           </p:cNvPr>
@@ -3008,7 +3026,7 @@
           <p:cNvPr id="5" name="Espaço Reservado para Rodapé 4">
             <a:extLst>
               <a:ext uri="{FF2B5EF4-FFF2-40B4-BE49-F238E27FC236}">
-                <a16:creationId xmlns="" xmlns:a16="http://schemas.microsoft.com/office/drawing/2014/main" id="{B7A1636C-ED97-4205-A64D-164F36D94AE6}"/>
+                <a16:creationId xmlns:a16="http://schemas.microsoft.com/office/drawing/2014/main" id="{B7A1636C-ED97-4205-A64D-164F36D94AE6}"/>
               </a:ext>
             </a:extLst>
           </p:cNvPr>
@@ -3051,7 +3069,7 @@
           <p:cNvPr id="6" name="Espaço Reservado para Número de Slide 5">
             <a:extLst>
               <a:ext uri="{FF2B5EF4-FFF2-40B4-BE49-F238E27FC236}">
-                <a16:creationId xmlns="" xmlns:a16="http://schemas.microsoft.com/office/drawing/2014/main" id="{B92CBF66-768E-4968-9C61-1D97A9AFA011}"/>
+                <a16:creationId xmlns:a16="http://schemas.microsoft.com/office/drawing/2014/main" id="{B92CBF66-768E-4968-9C61-1D97A9AFA011}"/>
               </a:ext>
             </a:extLst>
           </p:cNvPr>
@@ -3427,7 +3445,7 @@
           <p:cNvPr id="4" name="Elipse 3">
             <a:extLst>
               <a:ext uri="{FF2B5EF4-FFF2-40B4-BE49-F238E27FC236}">
-                <a16:creationId xmlns="" xmlns:a16="http://schemas.microsoft.com/office/drawing/2014/main" id="{ADA0A1DC-E048-4D14-9DC1-81D4046E50D4}"/>
+                <a16:creationId xmlns:a16="http://schemas.microsoft.com/office/drawing/2014/main" id="{ADA0A1DC-E048-4D14-9DC1-81D4046E50D4}"/>
               </a:ext>
             </a:extLst>
           </p:cNvPr>
@@ -3479,7 +3497,7 @@
           <p:cNvPr id="5" name="Elipse 4">
             <a:extLst>
               <a:ext uri="{FF2B5EF4-FFF2-40B4-BE49-F238E27FC236}">
-                <a16:creationId xmlns="" xmlns:a16="http://schemas.microsoft.com/office/drawing/2014/main" id="{41DBB942-8ED0-484A-B5DE-6AAE905CC02C}"/>
+                <a16:creationId xmlns:a16="http://schemas.microsoft.com/office/drawing/2014/main" id="{41DBB942-8ED0-484A-B5DE-6AAE905CC02C}"/>
               </a:ext>
             </a:extLst>
           </p:cNvPr>
@@ -3531,7 +3549,7 @@
           <p:cNvPr id="6" name="Elipse 5">
             <a:extLst>
               <a:ext uri="{FF2B5EF4-FFF2-40B4-BE49-F238E27FC236}">
-                <a16:creationId xmlns="" xmlns:a16="http://schemas.microsoft.com/office/drawing/2014/main" id="{20B9A64F-8AB8-4B49-8F2F-5B87C14A85B5}"/>
+                <a16:creationId xmlns:a16="http://schemas.microsoft.com/office/drawing/2014/main" id="{20B9A64F-8AB8-4B49-8F2F-5B87C14A85B5}"/>
               </a:ext>
             </a:extLst>
           </p:cNvPr>
@@ -3583,7 +3601,7 @@
           <p:cNvPr id="7" name="Elipse 6">
             <a:extLst>
               <a:ext uri="{FF2B5EF4-FFF2-40B4-BE49-F238E27FC236}">
-                <a16:creationId xmlns="" xmlns:a16="http://schemas.microsoft.com/office/drawing/2014/main" id="{E53AA0BB-9DAA-4719-BC1B-0A2249B30204}"/>
+                <a16:creationId xmlns:a16="http://schemas.microsoft.com/office/drawing/2014/main" id="{E53AA0BB-9DAA-4719-BC1B-0A2249B30204}"/>
               </a:ext>
             </a:extLst>
           </p:cNvPr>
@@ -3635,7 +3653,7 @@
           <p:cNvPr id="8" name="Elipse 7">
             <a:extLst>
               <a:ext uri="{FF2B5EF4-FFF2-40B4-BE49-F238E27FC236}">
-                <a16:creationId xmlns="" xmlns:a16="http://schemas.microsoft.com/office/drawing/2014/main" id="{FB3B5605-05C3-48F1-ACF3-9384C7443965}"/>
+                <a16:creationId xmlns:a16="http://schemas.microsoft.com/office/drawing/2014/main" id="{FB3B5605-05C3-48F1-ACF3-9384C7443965}"/>
               </a:ext>
             </a:extLst>
           </p:cNvPr>
@@ -3687,7 +3705,7 @@
           <p:cNvPr id="9" name="Elipse 8">
             <a:extLst>
               <a:ext uri="{FF2B5EF4-FFF2-40B4-BE49-F238E27FC236}">
-                <a16:creationId xmlns="" xmlns:a16="http://schemas.microsoft.com/office/drawing/2014/main" id="{CD281981-2817-468F-8E23-D242B5E5FA0D}"/>
+                <a16:creationId xmlns:a16="http://schemas.microsoft.com/office/drawing/2014/main" id="{CD281981-2817-468F-8E23-D242B5E5FA0D}"/>
               </a:ext>
             </a:extLst>
           </p:cNvPr>
@@ -3739,7 +3757,7 @@
           <p:cNvPr id="10" name="Elipse 9">
             <a:extLst>
               <a:ext uri="{FF2B5EF4-FFF2-40B4-BE49-F238E27FC236}">
-                <a16:creationId xmlns="" xmlns:a16="http://schemas.microsoft.com/office/drawing/2014/main" id="{ECE1B6BB-058D-4E3D-A935-89A9A4432B0D}"/>
+                <a16:creationId xmlns:a16="http://schemas.microsoft.com/office/drawing/2014/main" id="{ECE1B6BB-058D-4E3D-A935-89A9A4432B0D}"/>
               </a:ext>
             </a:extLst>
           </p:cNvPr>
@@ -3791,7 +3809,7 @@
           <p:cNvPr id="11" name="Elipse 10">
             <a:extLst>
               <a:ext uri="{FF2B5EF4-FFF2-40B4-BE49-F238E27FC236}">
-                <a16:creationId xmlns="" xmlns:a16="http://schemas.microsoft.com/office/drawing/2014/main" id="{F50D8E89-C8B7-4373-879B-48C5740700C9}"/>
+                <a16:creationId xmlns:a16="http://schemas.microsoft.com/office/drawing/2014/main" id="{F50D8E89-C8B7-4373-879B-48C5740700C9}"/>
               </a:ext>
             </a:extLst>
           </p:cNvPr>
@@ -3843,7 +3861,7 @@
           <p:cNvPr id="12" name="Elipse 11">
             <a:extLst>
               <a:ext uri="{FF2B5EF4-FFF2-40B4-BE49-F238E27FC236}">
-                <a16:creationId xmlns="" xmlns:a16="http://schemas.microsoft.com/office/drawing/2014/main" id="{3C1DB7AA-669B-4E1E-A0B5-09B7262E4783}"/>
+                <a16:creationId xmlns:a16="http://schemas.microsoft.com/office/drawing/2014/main" id="{3C1DB7AA-669B-4E1E-A0B5-09B7262E4783}"/>
               </a:ext>
             </a:extLst>
           </p:cNvPr>
@@ -3895,7 +3913,7 @@
           <p:cNvPr id="13" name="Elipse 12">
             <a:extLst>
               <a:ext uri="{FF2B5EF4-FFF2-40B4-BE49-F238E27FC236}">
-                <a16:creationId xmlns="" xmlns:a16="http://schemas.microsoft.com/office/drawing/2014/main" id="{8E60EAEA-884C-4590-AC40-420571BE364E}"/>
+                <a16:creationId xmlns:a16="http://schemas.microsoft.com/office/drawing/2014/main" id="{8E60EAEA-884C-4590-AC40-420571BE364E}"/>
               </a:ext>
             </a:extLst>
           </p:cNvPr>
@@ -3960,13 +3978,6 @@
       <p:transition spd="slow" advClick="0" advTm="4000"/>
     </mc:Fallback>
   </mc:AlternateContent>
-  <p:timing>
-    <p:tnLst>
-      <p:par>
-        <p:cTn id="1" dur="indefinite" restart="never" nodeType="tmRoot"/>
-      </p:par>
-    </p:tnLst>
-  </p:timing>
 </p:sld>
 </file>
 
@@ -3992,7 +4003,7 @@
           <p:cNvPr id="5" name="Agrupar 4">
             <a:extLst>
               <a:ext uri="{FF2B5EF4-FFF2-40B4-BE49-F238E27FC236}">
-                <a16:creationId xmlns="" xmlns:a16="http://schemas.microsoft.com/office/drawing/2014/main" id="{C7F75122-DABE-42E3-97F5-E8F06A78CF69}"/>
+                <a16:creationId xmlns:a16="http://schemas.microsoft.com/office/drawing/2014/main" id="{C7F75122-DABE-42E3-97F5-E8F06A78CF69}"/>
               </a:ext>
             </a:extLst>
           </p:cNvPr>
@@ -4012,7 +4023,7 @@
             <p:cNvPr id="6" name="Grupo 12">
               <a:extLst>
                 <a:ext uri="{FF2B5EF4-FFF2-40B4-BE49-F238E27FC236}">
-                  <a16:creationId xmlns="" xmlns:a16="http://schemas.microsoft.com/office/drawing/2014/main" id="{9C134253-B3AE-4133-A507-EB06452E9D0E}"/>
+                  <a16:creationId xmlns:a16="http://schemas.microsoft.com/office/drawing/2014/main" id="{9C134253-B3AE-4133-A507-EB06452E9D0E}"/>
                 </a:ext>
               </a:extLst>
             </p:cNvPr>
@@ -4032,7 +4043,7 @@
               <p:cNvPr id="10" name="Grupo 11">
                 <a:extLst>
                   <a:ext uri="{FF2B5EF4-FFF2-40B4-BE49-F238E27FC236}">
-                    <a16:creationId xmlns="" xmlns:a16="http://schemas.microsoft.com/office/drawing/2014/main" id="{8F2AA7ED-0379-45F3-9AC6-FA2E7074A840}"/>
+                    <a16:creationId xmlns:a16="http://schemas.microsoft.com/office/drawing/2014/main" id="{8F2AA7ED-0379-45F3-9AC6-FA2E7074A840}"/>
                   </a:ext>
                 </a:extLst>
               </p:cNvPr>
@@ -4052,7 +4063,7 @@
                 <p:cNvPr id="17" name="Agrupar 3">
                   <a:extLst>
                     <a:ext uri="{FF2B5EF4-FFF2-40B4-BE49-F238E27FC236}">
-                      <a16:creationId xmlns="" xmlns:a16="http://schemas.microsoft.com/office/drawing/2014/main" id="{78FD1B5B-A568-43D4-A2B4-AE3A66D4EFA5}"/>
+                      <a16:creationId xmlns:a16="http://schemas.microsoft.com/office/drawing/2014/main" id="{78FD1B5B-A568-43D4-A2B4-AE3A66D4EFA5}"/>
                     </a:ext>
                   </a:extLst>
                 </p:cNvPr>
@@ -4072,7 +4083,7 @@
                   <p:cNvPr id="25" name="Retângulo: Cantos Arredondados 4">
                     <a:extLst>
                       <a:ext uri="{FF2B5EF4-FFF2-40B4-BE49-F238E27FC236}">
-                        <a16:creationId xmlns="" xmlns:a16="http://schemas.microsoft.com/office/drawing/2014/main" id="{8B6DEE69-6EF8-49B7-B774-0BEB7DC28C12}"/>
+                        <a16:creationId xmlns:a16="http://schemas.microsoft.com/office/drawing/2014/main" id="{8B6DEE69-6EF8-49B7-B774-0BEB7DC28C12}"/>
                       </a:ext>
                     </a:extLst>
                   </p:cNvPr>
@@ -4123,7 +4134,7 @@
                   <p:cNvPr id="26" name="Retângulo: Cantos Arredondados 5">
                     <a:extLst>
                       <a:ext uri="{FF2B5EF4-FFF2-40B4-BE49-F238E27FC236}">
-                        <a16:creationId xmlns="" xmlns:a16="http://schemas.microsoft.com/office/drawing/2014/main" id="{5E7569DC-A17C-4B13-B9F7-D4F13FDEF85B}"/>
+                        <a16:creationId xmlns:a16="http://schemas.microsoft.com/office/drawing/2014/main" id="{5E7569DC-A17C-4B13-B9F7-D4F13FDEF85B}"/>
                       </a:ext>
                     </a:extLst>
                   </p:cNvPr>
@@ -4177,7 +4188,7 @@
                   <p:cNvPr id="27" name="Retângulo: Cantos Arredondados 6">
                     <a:extLst>
                       <a:ext uri="{FF2B5EF4-FFF2-40B4-BE49-F238E27FC236}">
-                        <a16:creationId xmlns="" xmlns:a16="http://schemas.microsoft.com/office/drawing/2014/main" id="{86ADDAC0-2B71-4EB3-9C99-0BE68E41BDFD}"/>
+                        <a16:creationId xmlns:a16="http://schemas.microsoft.com/office/drawing/2014/main" id="{86ADDAC0-2B71-4EB3-9C99-0BE68E41BDFD}"/>
                       </a:ext>
                     </a:extLst>
                   </p:cNvPr>
@@ -4231,7 +4242,7 @@
                   <p:cNvPr id="28" name="Forma Livre: Forma 7">
                     <a:extLst>
                       <a:ext uri="{FF2B5EF4-FFF2-40B4-BE49-F238E27FC236}">
-                        <a16:creationId xmlns="" xmlns:a16="http://schemas.microsoft.com/office/drawing/2014/main" id="{2762ADD9-0760-43FB-B2EB-D3E018170E14}"/>
+                        <a16:creationId xmlns:a16="http://schemas.microsoft.com/office/drawing/2014/main" id="{2762ADD9-0760-43FB-B2EB-D3E018170E14}"/>
                       </a:ext>
                     </a:extLst>
                   </p:cNvPr>
@@ -4362,7 +4373,7 @@
                   <p:cNvPr id="29" name="Retângulo 28">
                     <a:extLst>
                       <a:ext uri="{FF2B5EF4-FFF2-40B4-BE49-F238E27FC236}">
-                        <a16:creationId xmlns="" xmlns:a16="http://schemas.microsoft.com/office/drawing/2014/main" id="{A5B87EBD-55EA-42C0-B512-2DDB28285C50}"/>
+                        <a16:creationId xmlns:a16="http://schemas.microsoft.com/office/drawing/2014/main" id="{A5B87EBD-55EA-42C0-B512-2DDB28285C50}"/>
                       </a:ext>
                     </a:extLst>
                   </p:cNvPr>
@@ -4414,7 +4425,7 @@
                   <p:cNvPr id="30" name="Retângulo: Cantos Arredondados 9">
                     <a:extLst>
                       <a:ext uri="{FF2B5EF4-FFF2-40B4-BE49-F238E27FC236}">
-                        <a16:creationId xmlns="" xmlns:a16="http://schemas.microsoft.com/office/drawing/2014/main" id="{6836D504-15E4-496C-944B-6A7001352718}"/>
+                        <a16:creationId xmlns:a16="http://schemas.microsoft.com/office/drawing/2014/main" id="{6836D504-15E4-496C-944B-6A7001352718}"/>
                       </a:ext>
                     </a:extLst>
                   </p:cNvPr>
@@ -4468,7 +4479,7 @@
                   <p:cNvPr id="31" name="Retângulo: Cantos Arredondados 10">
                     <a:extLst>
                       <a:ext uri="{FF2B5EF4-FFF2-40B4-BE49-F238E27FC236}">
-                        <a16:creationId xmlns="" xmlns:a16="http://schemas.microsoft.com/office/drawing/2014/main" id="{1205C36F-23F8-42B5-8AEB-CAB13F3E41C8}"/>
+                        <a16:creationId xmlns:a16="http://schemas.microsoft.com/office/drawing/2014/main" id="{1205C36F-23F8-42B5-8AEB-CAB13F3E41C8}"/>
                       </a:ext>
                     </a:extLst>
                   </p:cNvPr>
@@ -4523,7 +4534,7 @@
                 <p:cNvPr id="18" name="Agrupar 17">
                   <a:extLst>
                     <a:ext uri="{FF2B5EF4-FFF2-40B4-BE49-F238E27FC236}">
-                      <a16:creationId xmlns="" xmlns:a16="http://schemas.microsoft.com/office/drawing/2014/main" id="{92939F49-14B0-454E-AB33-B94328715DE2}"/>
+                      <a16:creationId xmlns:a16="http://schemas.microsoft.com/office/drawing/2014/main" id="{92939F49-14B0-454E-AB33-B94328715DE2}"/>
                     </a:ext>
                   </a:extLst>
                 </p:cNvPr>
@@ -4543,7 +4554,7 @@
                   <p:cNvPr id="19" name="Forma Livre: Forma 18">
                     <a:extLst>
                       <a:ext uri="{FF2B5EF4-FFF2-40B4-BE49-F238E27FC236}">
-                        <a16:creationId xmlns="" xmlns:a16="http://schemas.microsoft.com/office/drawing/2014/main" id="{BAD52E33-180E-4F90-9389-CC7E167A912B}"/>
+                        <a16:creationId xmlns:a16="http://schemas.microsoft.com/office/drawing/2014/main" id="{BAD52E33-180E-4F90-9389-CC7E167A912B}"/>
                       </a:ext>
                     </a:extLst>
                   </p:cNvPr>
@@ -4678,7 +4689,7 @@
                   <p:cNvPr id="20" name="Forma Livre: Forma 19">
                     <a:extLst>
                       <a:ext uri="{FF2B5EF4-FFF2-40B4-BE49-F238E27FC236}">
-                        <a16:creationId xmlns="" xmlns:a16="http://schemas.microsoft.com/office/drawing/2014/main" id="{55A63886-408D-4591-81D5-B47D759EC8DE}"/>
+                        <a16:creationId xmlns:a16="http://schemas.microsoft.com/office/drawing/2014/main" id="{55A63886-408D-4591-81D5-B47D759EC8DE}"/>
                       </a:ext>
                     </a:extLst>
                   </p:cNvPr>
@@ -4813,7 +4824,7 @@
                   <p:cNvPr id="21" name="Elipse 20">
                     <a:extLst>
                       <a:ext uri="{FF2B5EF4-FFF2-40B4-BE49-F238E27FC236}">
-                        <a16:creationId xmlns="" xmlns:a16="http://schemas.microsoft.com/office/drawing/2014/main" id="{6D5BFB76-F8B2-4BB2-96ED-932648A2E09A}"/>
+                        <a16:creationId xmlns:a16="http://schemas.microsoft.com/office/drawing/2014/main" id="{6D5BFB76-F8B2-4BB2-96ED-932648A2E09A}"/>
                       </a:ext>
                     </a:extLst>
                   </p:cNvPr>
@@ -4865,7 +4876,7 @@
                   <p:cNvPr id="22" name="Retângulo: Cantos Arredondados 21">
                     <a:extLst>
                       <a:ext uri="{FF2B5EF4-FFF2-40B4-BE49-F238E27FC236}">
-                        <a16:creationId xmlns="" xmlns:a16="http://schemas.microsoft.com/office/drawing/2014/main" id="{1ED7B1C2-C8A4-4664-98A5-C0315D116C92}"/>
+                        <a16:creationId xmlns:a16="http://schemas.microsoft.com/office/drawing/2014/main" id="{1ED7B1C2-C8A4-4664-98A5-C0315D116C92}"/>
                       </a:ext>
                     </a:extLst>
                   </p:cNvPr>
@@ -4919,7 +4930,7 @@
                   <p:cNvPr id="23" name="Retângulo: Cantos Arredondados 22">
                     <a:extLst>
                       <a:ext uri="{FF2B5EF4-FFF2-40B4-BE49-F238E27FC236}">
-                        <a16:creationId xmlns="" xmlns:a16="http://schemas.microsoft.com/office/drawing/2014/main" id="{89535B19-428F-4DDC-8C77-A796E0382FD4}"/>
+                        <a16:creationId xmlns:a16="http://schemas.microsoft.com/office/drawing/2014/main" id="{89535B19-428F-4DDC-8C77-A796E0382FD4}"/>
                       </a:ext>
                     </a:extLst>
                   </p:cNvPr>
@@ -4973,7 +4984,7 @@
                   <p:cNvPr id="24" name="Retângulo: Cantos Arredondados 23">
                     <a:extLst>
                       <a:ext uri="{FF2B5EF4-FFF2-40B4-BE49-F238E27FC236}">
-                        <a16:creationId xmlns="" xmlns:a16="http://schemas.microsoft.com/office/drawing/2014/main" id="{E3279415-2C59-423B-8E8A-9C01C73C5F99}"/>
+                        <a16:creationId xmlns:a16="http://schemas.microsoft.com/office/drawing/2014/main" id="{E3279415-2C59-423B-8E8A-9C01C73C5F99}"/>
                       </a:ext>
                     </a:extLst>
                   </p:cNvPr>
@@ -5029,7 +5040,7 @@
               <p:cNvPr id="11" name="Agrupar 11">
                 <a:extLst>
                   <a:ext uri="{FF2B5EF4-FFF2-40B4-BE49-F238E27FC236}">
-                    <a16:creationId xmlns="" xmlns:a16="http://schemas.microsoft.com/office/drawing/2014/main" id="{AF05D767-535B-4406-8E1B-DC460C147172}"/>
+                    <a16:creationId xmlns:a16="http://schemas.microsoft.com/office/drawing/2014/main" id="{AF05D767-535B-4406-8E1B-DC460C147172}"/>
                   </a:ext>
                 </a:extLst>
               </p:cNvPr>
@@ -5049,7 +5060,7 @@
                 <p:cNvPr id="15" name="Retângulo: Cantos Arredondados 12">
                   <a:extLst>
                     <a:ext uri="{FF2B5EF4-FFF2-40B4-BE49-F238E27FC236}">
-                      <a16:creationId xmlns="" xmlns:a16="http://schemas.microsoft.com/office/drawing/2014/main" id="{2D4E8F62-5DB6-499D-950A-79B2E3A38088}"/>
+                      <a16:creationId xmlns:a16="http://schemas.microsoft.com/office/drawing/2014/main" id="{2D4E8F62-5DB6-499D-950A-79B2E3A38088}"/>
                     </a:ext>
                   </a:extLst>
                 </p:cNvPr>
@@ -5103,7 +5114,7 @@
                 <p:cNvPr id="16" name="Retângulo: Cantos Arredondados 13">
                   <a:extLst>
                     <a:ext uri="{FF2B5EF4-FFF2-40B4-BE49-F238E27FC236}">
-                      <a16:creationId xmlns="" xmlns:a16="http://schemas.microsoft.com/office/drawing/2014/main" id="{E4198695-753B-4508-B3CC-7EBF43D7B2C5}"/>
+                      <a16:creationId xmlns:a16="http://schemas.microsoft.com/office/drawing/2014/main" id="{E4198695-753B-4508-B3CC-7EBF43D7B2C5}"/>
                     </a:ext>
                   </a:extLst>
                 </p:cNvPr>
@@ -5158,7 +5169,7 @@
               <p:cNvPr id="12" name="Agrupar 14">
                 <a:extLst>
                   <a:ext uri="{FF2B5EF4-FFF2-40B4-BE49-F238E27FC236}">
-                    <a16:creationId xmlns="" xmlns:a16="http://schemas.microsoft.com/office/drawing/2014/main" id="{71F5180A-6411-4FD5-B4B4-3B5680BEEBE2}"/>
+                    <a16:creationId xmlns:a16="http://schemas.microsoft.com/office/drawing/2014/main" id="{71F5180A-6411-4FD5-B4B4-3B5680BEEBE2}"/>
                   </a:ext>
                 </a:extLst>
               </p:cNvPr>
@@ -5178,7 +5189,7 @@
                 <p:cNvPr id="13" name="Retângulo: Cantos Arredondados 15">
                   <a:extLst>
                     <a:ext uri="{FF2B5EF4-FFF2-40B4-BE49-F238E27FC236}">
-                      <a16:creationId xmlns="" xmlns:a16="http://schemas.microsoft.com/office/drawing/2014/main" id="{73378FA8-D5C8-4FE3-A03F-7BBD1AFFA31B}"/>
+                      <a16:creationId xmlns:a16="http://schemas.microsoft.com/office/drawing/2014/main" id="{73378FA8-D5C8-4FE3-A03F-7BBD1AFFA31B}"/>
                     </a:ext>
                   </a:extLst>
                 </p:cNvPr>
@@ -5232,7 +5243,7 @@
                 <p:cNvPr id="14" name="Retângulo: Cantos Arredondados 16">
                   <a:extLst>
                     <a:ext uri="{FF2B5EF4-FFF2-40B4-BE49-F238E27FC236}">
-                      <a16:creationId xmlns="" xmlns:a16="http://schemas.microsoft.com/office/drawing/2014/main" id="{CA6F9BAE-1F33-4B0F-8849-716FDF5139B8}"/>
+                      <a16:creationId xmlns:a16="http://schemas.microsoft.com/office/drawing/2014/main" id="{CA6F9BAE-1F33-4B0F-8849-716FDF5139B8}"/>
                     </a:ext>
                   </a:extLst>
                 </p:cNvPr>
@@ -5288,7 +5299,7 @@
             <p:cNvPr id="7" name="Agrupar 6">
               <a:extLst>
                 <a:ext uri="{FF2B5EF4-FFF2-40B4-BE49-F238E27FC236}">
-                  <a16:creationId xmlns="" xmlns:a16="http://schemas.microsoft.com/office/drawing/2014/main" id="{E41FC07F-5D39-42B6-AF5B-E5B701564D9F}"/>
+                  <a16:creationId xmlns:a16="http://schemas.microsoft.com/office/drawing/2014/main" id="{E41FC07F-5D39-42B6-AF5B-E5B701564D9F}"/>
                 </a:ext>
               </a:extLst>
             </p:cNvPr>
@@ -5308,7 +5319,7 @@
               <p:cNvPr id="8" name="Forma Livre: Forma 7">
                 <a:extLst>
                   <a:ext uri="{FF2B5EF4-FFF2-40B4-BE49-F238E27FC236}">
-                    <a16:creationId xmlns="" xmlns:a16="http://schemas.microsoft.com/office/drawing/2014/main" id="{A8E18D61-C2DA-4A62-97EE-F0ECA2A4C86F}"/>
+                    <a16:creationId xmlns:a16="http://schemas.microsoft.com/office/drawing/2014/main" id="{A8E18D61-C2DA-4A62-97EE-F0ECA2A4C86F}"/>
                   </a:ext>
                 </a:extLst>
               </p:cNvPr>
@@ -5415,7 +5426,7 @@
               <p:cNvPr id="9" name="Forma Livre: Forma 8">
                 <a:extLst>
                   <a:ext uri="{FF2B5EF4-FFF2-40B4-BE49-F238E27FC236}">
-                    <a16:creationId xmlns="" xmlns:a16="http://schemas.microsoft.com/office/drawing/2014/main" id="{B7581CEC-8DB9-4BA0-B002-B104AE351B7A}"/>
+                    <a16:creationId xmlns:a16="http://schemas.microsoft.com/office/drawing/2014/main" id="{B7581CEC-8DB9-4BA0-B002-B104AE351B7A}"/>
                   </a:ext>
                 </a:extLst>
               </p:cNvPr>
@@ -5560,7 +5571,7 @@
           <p:cNvPr id="32" name="Grupo 12">
             <a:extLst>
               <a:ext uri="{FF2B5EF4-FFF2-40B4-BE49-F238E27FC236}">
-                <a16:creationId xmlns="" xmlns:a16="http://schemas.microsoft.com/office/drawing/2014/main" id="{36B187A1-7D33-493D-93F4-5D35DCB8A05B}"/>
+                <a16:creationId xmlns:a16="http://schemas.microsoft.com/office/drawing/2014/main" id="{36B187A1-7D33-493D-93F4-5D35DCB8A05B}"/>
               </a:ext>
             </a:extLst>
           </p:cNvPr>
@@ -5580,7 +5591,7 @@
             <p:cNvPr id="33" name="Grupo 11">
               <a:extLst>
                 <a:ext uri="{FF2B5EF4-FFF2-40B4-BE49-F238E27FC236}">
-                  <a16:creationId xmlns="" xmlns:a16="http://schemas.microsoft.com/office/drawing/2014/main" id="{D6C18329-4037-46A4-A02B-DDD81B53187F}"/>
+                  <a16:creationId xmlns:a16="http://schemas.microsoft.com/office/drawing/2014/main" id="{D6C18329-4037-46A4-A02B-DDD81B53187F}"/>
                 </a:ext>
               </a:extLst>
             </p:cNvPr>
@@ -5600,7 +5611,7 @@
               <p:cNvPr id="40" name="Agrupar 3">
                 <a:extLst>
                   <a:ext uri="{FF2B5EF4-FFF2-40B4-BE49-F238E27FC236}">
-                    <a16:creationId xmlns="" xmlns:a16="http://schemas.microsoft.com/office/drawing/2014/main" id="{45261C26-CE73-47E2-92E4-0B18B65AEC55}"/>
+                    <a16:creationId xmlns:a16="http://schemas.microsoft.com/office/drawing/2014/main" id="{45261C26-CE73-47E2-92E4-0B18B65AEC55}"/>
                   </a:ext>
                 </a:extLst>
               </p:cNvPr>
@@ -5620,7 +5631,7 @@
                 <p:cNvPr id="49" name="Retângulo: Cantos Arredondados 4">
                   <a:extLst>
                     <a:ext uri="{FF2B5EF4-FFF2-40B4-BE49-F238E27FC236}">
-                      <a16:creationId xmlns="" xmlns:a16="http://schemas.microsoft.com/office/drawing/2014/main" id="{E66D9316-A3B3-4ACB-A8EF-5E6A04FDEDBE}"/>
+                      <a16:creationId xmlns:a16="http://schemas.microsoft.com/office/drawing/2014/main" id="{E66D9316-A3B3-4ACB-A8EF-5E6A04FDEDBE}"/>
                     </a:ext>
                   </a:extLst>
                 </p:cNvPr>
@@ -5671,7 +5682,7 @@
                 <p:cNvPr id="50" name="Retângulo: Cantos Arredondados 5">
                   <a:extLst>
                     <a:ext uri="{FF2B5EF4-FFF2-40B4-BE49-F238E27FC236}">
-                      <a16:creationId xmlns="" xmlns:a16="http://schemas.microsoft.com/office/drawing/2014/main" id="{3BB0CD46-FEF5-484F-B00B-8AACD3B50A33}"/>
+                      <a16:creationId xmlns:a16="http://schemas.microsoft.com/office/drawing/2014/main" id="{3BB0CD46-FEF5-484F-B00B-8AACD3B50A33}"/>
                     </a:ext>
                   </a:extLst>
                 </p:cNvPr>
@@ -5725,7 +5736,7 @@
                 <p:cNvPr id="51" name="Retângulo: Cantos Arredondados 6">
                   <a:extLst>
                     <a:ext uri="{FF2B5EF4-FFF2-40B4-BE49-F238E27FC236}">
-                      <a16:creationId xmlns="" xmlns:a16="http://schemas.microsoft.com/office/drawing/2014/main" id="{E85F8C1C-9843-4F12-916E-04E03BC29388}"/>
+                      <a16:creationId xmlns:a16="http://schemas.microsoft.com/office/drawing/2014/main" id="{E85F8C1C-9843-4F12-916E-04E03BC29388}"/>
                     </a:ext>
                   </a:extLst>
                 </p:cNvPr>
@@ -5779,7 +5790,7 @@
                 <p:cNvPr id="52" name="Forma Livre: Forma 7">
                   <a:extLst>
                     <a:ext uri="{FF2B5EF4-FFF2-40B4-BE49-F238E27FC236}">
-                      <a16:creationId xmlns="" xmlns:a16="http://schemas.microsoft.com/office/drawing/2014/main" id="{4A1469F0-9209-4CF3-9FED-A04E2AA0564B}"/>
+                      <a16:creationId xmlns:a16="http://schemas.microsoft.com/office/drawing/2014/main" id="{4A1469F0-9209-4CF3-9FED-A04E2AA0564B}"/>
                     </a:ext>
                   </a:extLst>
                 </p:cNvPr>
@@ -5910,7 +5921,7 @@
                 <p:cNvPr id="53" name="Retângulo 52">
                   <a:extLst>
                     <a:ext uri="{FF2B5EF4-FFF2-40B4-BE49-F238E27FC236}">
-                      <a16:creationId xmlns="" xmlns:a16="http://schemas.microsoft.com/office/drawing/2014/main" id="{E6DA5428-367C-4E0A-BA15-431C2033AD57}"/>
+                      <a16:creationId xmlns:a16="http://schemas.microsoft.com/office/drawing/2014/main" id="{E6DA5428-367C-4E0A-BA15-431C2033AD57}"/>
                     </a:ext>
                   </a:extLst>
                 </p:cNvPr>
@@ -5962,7 +5973,7 @@
                 <p:cNvPr id="54" name="Retângulo: Cantos Arredondados 9">
                   <a:extLst>
                     <a:ext uri="{FF2B5EF4-FFF2-40B4-BE49-F238E27FC236}">
-                      <a16:creationId xmlns="" xmlns:a16="http://schemas.microsoft.com/office/drawing/2014/main" id="{54DD415C-5764-4345-9885-4F786A9E66A1}"/>
+                      <a16:creationId xmlns:a16="http://schemas.microsoft.com/office/drawing/2014/main" id="{54DD415C-5764-4345-9885-4F786A9E66A1}"/>
                     </a:ext>
                   </a:extLst>
                 </p:cNvPr>
@@ -6016,7 +6027,7 @@
                 <p:cNvPr id="55" name="Retângulo: Cantos Arredondados 10">
                   <a:extLst>
                     <a:ext uri="{FF2B5EF4-FFF2-40B4-BE49-F238E27FC236}">
-                      <a16:creationId xmlns="" xmlns:a16="http://schemas.microsoft.com/office/drawing/2014/main" id="{B62620F7-3C6F-41C3-B72A-DEF26F53097E}"/>
+                      <a16:creationId xmlns:a16="http://schemas.microsoft.com/office/drawing/2014/main" id="{B62620F7-3C6F-41C3-B72A-DEF26F53097E}"/>
                     </a:ext>
                   </a:extLst>
                 </p:cNvPr>
@@ -6071,7 +6082,7 @@
               <p:cNvPr id="41" name="Agrupar 17">
                 <a:extLst>
                   <a:ext uri="{FF2B5EF4-FFF2-40B4-BE49-F238E27FC236}">
-                    <a16:creationId xmlns="" xmlns:a16="http://schemas.microsoft.com/office/drawing/2014/main" id="{BF9D7525-D450-41A6-AEC6-639C61FF69B3}"/>
+                    <a16:creationId xmlns:a16="http://schemas.microsoft.com/office/drawing/2014/main" id="{BF9D7525-D450-41A6-AEC6-639C61FF69B3}"/>
                   </a:ext>
                 </a:extLst>
               </p:cNvPr>
@@ -6091,7 +6102,7 @@
                 <p:cNvPr id="43" name="Forma Livre: Forma 18">
                   <a:extLst>
                     <a:ext uri="{FF2B5EF4-FFF2-40B4-BE49-F238E27FC236}">
-                      <a16:creationId xmlns="" xmlns:a16="http://schemas.microsoft.com/office/drawing/2014/main" id="{7123B068-28FC-4F35-930A-35030509D5D2}"/>
+                      <a16:creationId xmlns:a16="http://schemas.microsoft.com/office/drawing/2014/main" id="{7123B068-28FC-4F35-930A-35030509D5D2}"/>
                     </a:ext>
                   </a:extLst>
                 </p:cNvPr>
@@ -6226,7 +6237,7 @@
                 <p:cNvPr id="44" name="Forma Livre: Forma 19">
                   <a:extLst>
                     <a:ext uri="{FF2B5EF4-FFF2-40B4-BE49-F238E27FC236}">
-                      <a16:creationId xmlns="" xmlns:a16="http://schemas.microsoft.com/office/drawing/2014/main" id="{CD8F2BD2-E622-4D78-AED1-82215A7B1227}"/>
+                      <a16:creationId xmlns:a16="http://schemas.microsoft.com/office/drawing/2014/main" id="{CD8F2BD2-E622-4D78-AED1-82215A7B1227}"/>
                     </a:ext>
                   </a:extLst>
                 </p:cNvPr>
@@ -6361,7 +6372,7 @@
                 <p:cNvPr id="45" name="Elipse 44">
                   <a:extLst>
                     <a:ext uri="{FF2B5EF4-FFF2-40B4-BE49-F238E27FC236}">
-                      <a16:creationId xmlns="" xmlns:a16="http://schemas.microsoft.com/office/drawing/2014/main" id="{F8FE3AD4-33AD-4953-B231-FB2E99DE9DC6}"/>
+                      <a16:creationId xmlns:a16="http://schemas.microsoft.com/office/drawing/2014/main" id="{F8FE3AD4-33AD-4953-B231-FB2E99DE9DC6}"/>
                     </a:ext>
                   </a:extLst>
                 </p:cNvPr>
@@ -6413,7 +6424,7 @@
                 <p:cNvPr id="46" name="Retângulo: Cantos Arredondados 21">
                   <a:extLst>
                     <a:ext uri="{FF2B5EF4-FFF2-40B4-BE49-F238E27FC236}">
-                      <a16:creationId xmlns="" xmlns:a16="http://schemas.microsoft.com/office/drawing/2014/main" id="{F6F3EC36-F458-487C-A1C3-B48BDF57CFFB}"/>
+                      <a16:creationId xmlns:a16="http://schemas.microsoft.com/office/drawing/2014/main" id="{F6F3EC36-F458-487C-A1C3-B48BDF57CFFB}"/>
                     </a:ext>
                   </a:extLst>
                 </p:cNvPr>
@@ -6467,7 +6478,7 @@
                 <p:cNvPr id="47" name="Retângulo: Cantos Arredondados 22">
                   <a:extLst>
                     <a:ext uri="{FF2B5EF4-FFF2-40B4-BE49-F238E27FC236}">
-                      <a16:creationId xmlns="" xmlns:a16="http://schemas.microsoft.com/office/drawing/2014/main" id="{DC83D428-7AAB-4A30-BBC3-259ABBF9F97E}"/>
+                      <a16:creationId xmlns:a16="http://schemas.microsoft.com/office/drawing/2014/main" id="{DC83D428-7AAB-4A30-BBC3-259ABBF9F97E}"/>
                     </a:ext>
                   </a:extLst>
                 </p:cNvPr>
@@ -6521,7 +6532,7 @@
                 <p:cNvPr id="48" name="Retângulo: Cantos Arredondados 23">
                   <a:extLst>
                     <a:ext uri="{FF2B5EF4-FFF2-40B4-BE49-F238E27FC236}">
-                      <a16:creationId xmlns="" xmlns:a16="http://schemas.microsoft.com/office/drawing/2014/main" id="{1DB620D4-4B5B-4410-B70A-BF9DD3CE7D49}"/>
+                      <a16:creationId xmlns:a16="http://schemas.microsoft.com/office/drawing/2014/main" id="{1DB620D4-4B5B-4410-B70A-BF9DD3CE7D49}"/>
                     </a:ext>
                   </a:extLst>
                 </p:cNvPr>
@@ -6576,7 +6587,7 @@
               <p:cNvPr id="42" name="Forma Livre: Forma 24">
                 <a:extLst>
                   <a:ext uri="{FF2B5EF4-FFF2-40B4-BE49-F238E27FC236}">
-                    <a16:creationId xmlns="" xmlns:a16="http://schemas.microsoft.com/office/drawing/2014/main" id="{C23CE8C9-9281-4F3C-BFA0-A519883793D1}"/>
+                    <a16:creationId xmlns:a16="http://schemas.microsoft.com/office/drawing/2014/main" id="{C23CE8C9-9281-4F3C-BFA0-A519883793D1}"/>
                   </a:ext>
                 </a:extLst>
               </p:cNvPr>
@@ -6736,7 +6747,7 @@
             <p:cNvPr id="34" name="Agrupar 11">
               <a:extLst>
                 <a:ext uri="{FF2B5EF4-FFF2-40B4-BE49-F238E27FC236}">
-                  <a16:creationId xmlns="" xmlns:a16="http://schemas.microsoft.com/office/drawing/2014/main" id="{A38E1BB1-6885-4C5F-BC80-8FB963063D91}"/>
+                  <a16:creationId xmlns:a16="http://schemas.microsoft.com/office/drawing/2014/main" id="{A38E1BB1-6885-4C5F-BC80-8FB963063D91}"/>
                 </a:ext>
               </a:extLst>
             </p:cNvPr>
@@ -6756,7 +6767,7 @@
               <p:cNvPr id="38" name="Retângulo: Cantos Arredondados 12">
                 <a:extLst>
                   <a:ext uri="{FF2B5EF4-FFF2-40B4-BE49-F238E27FC236}">
-                    <a16:creationId xmlns="" xmlns:a16="http://schemas.microsoft.com/office/drawing/2014/main" id="{FB316E2E-1EEF-4745-A443-404675B94652}"/>
+                    <a16:creationId xmlns:a16="http://schemas.microsoft.com/office/drawing/2014/main" id="{FB316E2E-1EEF-4745-A443-404675B94652}"/>
                   </a:ext>
                 </a:extLst>
               </p:cNvPr>
@@ -6810,7 +6821,7 @@
               <p:cNvPr id="39" name="Retângulo: Cantos Arredondados 13">
                 <a:extLst>
                   <a:ext uri="{FF2B5EF4-FFF2-40B4-BE49-F238E27FC236}">
-                    <a16:creationId xmlns="" xmlns:a16="http://schemas.microsoft.com/office/drawing/2014/main" id="{6B78E24C-A0D7-4291-AB8C-EFA1FE062443}"/>
+                    <a16:creationId xmlns:a16="http://schemas.microsoft.com/office/drawing/2014/main" id="{6B78E24C-A0D7-4291-AB8C-EFA1FE062443}"/>
                   </a:ext>
                 </a:extLst>
               </p:cNvPr>
@@ -6865,7 +6876,7 @@
             <p:cNvPr id="35" name="Agrupar 14">
               <a:extLst>
                 <a:ext uri="{FF2B5EF4-FFF2-40B4-BE49-F238E27FC236}">
-                  <a16:creationId xmlns="" xmlns:a16="http://schemas.microsoft.com/office/drawing/2014/main" id="{5A97E5FB-68B1-476D-8E5A-0E41A294BD7C}"/>
+                  <a16:creationId xmlns:a16="http://schemas.microsoft.com/office/drawing/2014/main" id="{5A97E5FB-68B1-476D-8E5A-0E41A294BD7C}"/>
                 </a:ext>
               </a:extLst>
             </p:cNvPr>
@@ -6885,7 +6896,7 @@
               <p:cNvPr id="36" name="Retângulo: Cantos Arredondados 15">
                 <a:extLst>
                   <a:ext uri="{FF2B5EF4-FFF2-40B4-BE49-F238E27FC236}">
-                    <a16:creationId xmlns="" xmlns:a16="http://schemas.microsoft.com/office/drawing/2014/main" id="{2CC42DB6-340E-48D0-B0E8-4E4C98241841}"/>
+                    <a16:creationId xmlns:a16="http://schemas.microsoft.com/office/drawing/2014/main" id="{2CC42DB6-340E-48D0-B0E8-4E4C98241841}"/>
                   </a:ext>
                 </a:extLst>
               </p:cNvPr>
@@ -6939,7 +6950,7 @@
               <p:cNvPr id="37" name="Retângulo: Cantos Arredondados 16">
                 <a:extLst>
                   <a:ext uri="{FF2B5EF4-FFF2-40B4-BE49-F238E27FC236}">
-                    <a16:creationId xmlns="" xmlns:a16="http://schemas.microsoft.com/office/drawing/2014/main" id="{B36299D4-C2BF-48F1-A2DA-B46EA1626AE6}"/>
+                    <a16:creationId xmlns:a16="http://schemas.microsoft.com/office/drawing/2014/main" id="{B36299D4-C2BF-48F1-A2DA-B46EA1626AE6}"/>
                   </a:ext>
                 </a:extLst>
               </p:cNvPr>
@@ -6995,7 +7006,7 @@
           <p:cNvPr id="56" name="Retângulo 55">
             <a:extLst>
               <a:ext uri="{FF2B5EF4-FFF2-40B4-BE49-F238E27FC236}">
-                <a16:creationId xmlns="" xmlns:a16="http://schemas.microsoft.com/office/drawing/2014/main" id="{D8AC7571-E85D-4456-B744-F77CE6F5E81D}"/>
+                <a16:creationId xmlns:a16="http://schemas.microsoft.com/office/drawing/2014/main" id="{D8AC7571-E85D-4456-B744-F77CE6F5E81D}"/>
               </a:ext>
             </a:extLst>
           </p:cNvPr>
@@ -7047,7 +7058,7 @@
           <p:cNvPr id="57" name="Forma Livre: Forma 56">
             <a:extLst>
               <a:ext uri="{FF2B5EF4-FFF2-40B4-BE49-F238E27FC236}">
-                <a16:creationId xmlns="" xmlns:a16="http://schemas.microsoft.com/office/drawing/2014/main" id="{7D71645D-3720-46B4-906A-77B3DCA09413}"/>
+                <a16:creationId xmlns:a16="http://schemas.microsoft.com/office/drawing/2014/main" id="{7D71645D-3720-46B4-906A-77B3DCA09413}"/>
               </a:ext>
             </a:extLst>
           </p:cNvPr>
@@ -7214,7 +7225,7 @@
           <p:cNvPr id="58" name="Forma Livre: Forma 57">
             <a:extLst>
               <a:ext uri="{FF2B5EF4-FFF2-40B4-BE49-F238E27FC236}">
-                <a16:creationId xmlns="" xmlns:a16="http://schemas.microsoft.com/office/drawing/2014/main" id="{DC2402AA-236D-4FC6-8E69-ED6CA3309311}"/>
+                <a16:creationId xmlns:a16="http://schemas.microsoft.com/office/drawing/2014/main" id="{DC2402AA-236D-4FC6-8E69-ED6CA3309311}"/>
               </a:ext>
             </a:extLst>
           </p:cNvPr>
@@ -7366,7 +7377,7 @@
           <p:cNvPr id="59" name="Forma Livre: Forma 58">
             <a:extLst>
               <a:ext uri="{FF2B5EF4-FFF2-40B4-BE49-F238E27FC236}">
-                <a16:creationId xmlns="" xmlns:a16="http://schemas.microsoft.com/office/drawing/2014/main" id="{0135304F-892B-46B0-82FB-51DF19A7C1C6}"/>
+                <a16:creationId xmlns:a16="http://schemas.microsoft.com/office/drawing/2014/main" id="{0135304F-892B-46B0-82FB-51DF19A7C1C6}"/>
               </a:ext>
             </a:extLst>
           </p:cNvPr>
@@ -7664,7 +7675,7 @@
           <p:cNvPr id="60" name="Agrupar 59">
             <a:extLst>
               <a:ext uri="{FF2B5EF4-FFF2-40B4-BE49-F238E27FC236}">
-                <a16:creationId xmlns="" xmlns:a16="http://schemas.microsoft.com/office/drawing/2014/main" id="{CC338A4C-D285-4858-AEAF-DC77DD59A4E9}"/>
+                <a16:creationId xmlns:a16="http://schemas.microsoft.com/office/drawing/2014/main" id="{CC338A4C-D285-4858-AEAF-DC77DD59A4E9}"/>
               </a:ext>
             </a:extLst>
           </p:cNvPr>
@@ -7687,7 +7698,7 @@
             <p:cNvPr id="61" name="Cruz 60">
               <a:extLst>
                 <a:ext uri="{FF2B5EF4-FFF2-40B4-BE49-F238E27FC236}">
-                  <a16:creationId xmlns="" xmlns:a16="http://schemas.microsoft.com/office/drawing/2014/main" id="{E0752C28-BE77-49DE-A3C9-BDFFD6B7374B}"/>
+                  <a16:creationId xmlns:a16="http://schemas.microsoft.com/office/drawing/2014/main" id="{E0752C28-BE77-49DE-A3C9-BDFFD6B7374B}"/>
                 </a:ext>
               </a:extLst>
             </p:cNvPr>
@@ -7739,7 +7750,7 @@
             <p:cNvPr id="62" name="Cruz 61">
               <a:extLst>
                 <a:ext uri="{FF2B5EF4-FFF2-40B4-BE49-F238E27FC236}">
-                  <a16:creationId xmlns="" xmlns:a16="http://schemas.microsoft.com/office/drawing/2014/main" id="{FBEE2578-9C27-4785-863E-21CB3CF2C8EC}"/>
+                  <a16:creationId xmlns:a16="http://schemas.microsoft.com/office/drawing/2014/main" id="{FBEE2578-9C27-4785-863E-21CB3CF2C8EC}"/>
                 </a:ext>
               </a:extLst>
             </p:cNvPr>
@@ -7791,7 +7802,7 @@
             <p:cNvPr id="63" name="Cruz 62">
               <a:extLst>
                 <a:ext uri="{FF2B5EF4-FFF2-40B4-BE49-F238E27FC236}">
-                  <a16:creationId xmlns="" xmlns:a16="http://schemas.microsoft.com/office/drawing/2014/main" id="{E27B02EC-7E26-4778-81D8-4476D30931B3}"/>
+                  <a16:creationId xmlns:a16="http://schemas.microsoft.com/office/drawing/2014/main" id="{E27B02EC-7E26-4778-81D8-4476D30931B3}"/>
                 </a:ext>
               </a:extLst>
             </p:cNvPr>
@@ -7843,7 +7854,7 @@
             <p:cNvPr id="64" name="Grupo 19">
               <a:extLst>
                 <a:ext uri="{FF2B5EF4-FFF2-40B4-BE49-F238E27FC236}">
-                  <a16:creationId xmlns="" xmlns:a16="http://schemas.microsoft.com/office/drawing/2014/main" id="{4E18CC5B-41D4-43E9-AC9E-DF05A3C840EF}"/>
+                  <a16:creationId xmlns:a16="http://schemas.microsoft.com/office/drawing/2014/main" id="{4E18CC5B-41D4-43E9-AC9E-DF05A3C840EF}"/>
                 </a:ext>
               </a:extLst>
             </p:cNvPr>
@@ -7864,7 +7875,7 @@
               <p:cNvPr id="65" name="Cruz 64">
                 <a:extLst>
                   <a:ext uri="{FF2B5EF4-FFF2-40B4-BE49-F238E27FC236}">
-                    <a16:creationId xmlns="" xmlns:a16="http://schemas.microsoft.com/office/drawing/2014/main" id="{A6CE64CC-7D77-491D-998A-3AF503AD17F7}"/>
+                    <a16:creationId xmlns:a16="http://schemas.microsoft.com/office/drawing/2014/main" id="{A6CE64CC-7D77-491D-998A-3AF503AD17F7}"/>
                   </a:ext>
                 </a:extLst>
               </p:cNvPr>
@@ -7916,7 +7927,7 @@
               <p:cNvPr id="66" name="Cruz 65">
                 <a:extLst>
                   <a:ext uri="{FF2B5EF4-FFF2-40B4-BE49-F238E27FC236}">
-                    <a16:creationId xmlns="" xmlns:a16="http://schemas.microsoft.com/office/drawing/2014/main" id="{24A77E00-E6B6-4BDB-9D02-198FF5F97182}"/>
+                    <a16:creationId xmlns:a16="http://schemas.microsoft.com/office/drawing/2014/main" id="{24A77E00-E6B6-4BDB-9D02-198FF5F97182}"/>
                   </a:ext>
                 </a:extLst>
               </p:cNvPr>
@@ -7970,7 +7981,7 @@
           <p:cNvPr id="67" name="Grupo 1">
             <a:extLst>
               <a:ext uri="{FF2B5EF4-FFF2-40B4-BE49-F238E27FC236}">
-                <a16:creationId xmlns="" xmlns:a16="http://schemas.microsoft.com/office/drawing/2014/main" id="{D8CE6C4D-E74E-4309-B685-542C7BB10E4F}"/>
+                <a16:creationId xmlns:a16="http://schemas.microsoft.com/office/drawing/2014/main" id="{D8CE6C4D-E74E-4309-B685-542C7BB10E4F}"/>
               </a:ext>
             </a:extLst>
           </p:cNvPr>
@@ -7990,7 +8001,7 @@
             <p:cNvPr id="68" name="Retângulo 67">
               <a:extLst>
                 <a:ext uri="{FF2B5EF4-FFF2-40B4-BE49-F238E27FC236}">
-                  <a16:creationId xmlns="" xmlns:a16="http://schemas.microsoft.com/office/drawing/2014/main" id="{5D44BDC9-6D46-447D-A353-16CA88820C3F}"/>
+                  <a16:creationId xmlns:a16="http://schemas.microsoft.com/office/drawing/2014/main" id="{5D44BDC9-6D46-447D-A353-16CA88820C3F}"/>
                 </a:ext>
               </a:extLst>
             </p:cNvPr>
@@ -8042,7 +8053,7 @@
             <p:cNvPr id="69" name="Triângulo Retângulo 68">
               <a:extLst>
                 <a:ext uri="{FF2B5EF4-FFF2-40B4-BE49-F238E27FC236}">
-                  <a16:creationId xmlns="" xmlns:a16="http://schemas.microsoft.com/office/drawing/2014/main" id="{B310C7AE-31A3-4C21-B6BF-AB9AEADB422C}"/>
+                  <a16:creationId xmlns:a16="http://schemas.microsoft.com/office/drawing/2014/main" id="{B310C7AE-31A3-4C21-B6BF-AB9AEADB422C}"/>
                 </a:ext>
               </a:extLst>
             </p:cNvPr>
@@ -8095,7 +8106,7 @@
           <p:cNvPr id="70" name="Grupo 10">
             <a:extLst>
               <a:ext uri="{FF2B5EF4-FFF2-40B4-BE49-F238E27FC236}">
-                <a16:creationId xmlns="" xmlns:a16="http://schemas.microsoft.com/office/drawing/2014/main" id="{99EEEA5F-E2F1-45A4-B7C2-C2CBF37059D1}"/>
+                <a16:creationId xmlns:a16="http://schemas.microsoft.com/office/drawing/2014/main" id="{99EEEA5F-E2F1-45A4-B7C2-C2CBF37059D1}"/>
               </a:ext>
             </a:extLst>
           </p:cNvPr>
@@ -8115,7 +8126,7 @@
             <p:cNvPr id="71" name="Agrupar 3">
               <a:extLst>
                 <a:ext uri="{FF2B5EF4-FFF2-40B4-BE49-F238E27FC236}">
-                  <a16:creationId xmlns="" xmlns:a16="http://schemas.microsoft.com/office/drawing/2014/main" id="{A9D17EA6-23C7-4156-8800-DE4A6953119C}"/>
+                  <a16:creationId xmlns:a16="http://schemas.microsoft.com/office/drawing/2014/main" id="{A9D17EA6-23C7-4156-8800-DE4A6953119C}"/>
                 </a:ext>
               </a:extLst>
             </p:cNvPr>
@@ -8135,7 +8146,7 @@
               <p:cNvPr id="82" name="Retângulo: Cantos Arredondados 4">
                 <a:extLst>
                   <a:ext uri="{FF2B5EF4-FFF2-40B4-BE49-F238E27FC236}">
-                    <a16:creationId xmlns="" xmlns:a16="http://schemas.microsoft.com/office/drawing/2014/main" id="{63EB42B2-0F3A-425E-BFCE-70D1A98EC107}"/>
+                    <a16:creationId xmlns:a16="http://schemas.microsoft.com/office/drawing/2014/main" id="{63EB42B2-0F3A-425E-BFCE-70D1A98EC107}"/>
                   </a:ext>
                 </a:extLst>
               </p:cNvPr>
@@ -8186,7 +8197,7 @@
               <p:cNvPr id="83" name="Retângulo: Cantos Arredondados 5">
                 <a:extLst>
                   <a:ext uri="{FF2B5EF4-FFF2-40B4-BE49-F238E27FC236}">
-                    <a16:creationId xmlns="" xmlns:a16="http://schemas.microsoft.com/office/drawing/2014/main" id="{BCE010C6-6204-41FB-8D12-6D5DF55AE178}"/>
+                    <a16:creationId xmlns:a16="http://schemas.microsoft.com/office/drawing/2014/main" id="{BCE010C6-6204-41FB-8D12-6D5DF55AE178}"/>
                   </a:ext>
                 </a:extLst>
               </p:cNvPr>
@@ -8240,7 +8251,7 @@
               <p:cNvPr id="84" name="Retângulo: Cantos Arredondados 6">
                 <a:extLst>
                   <a:ext uri="{FF2B5EF4-FFF2-40B4-BE49-F238E27FC236}">
-                    <a16:creationId xmlns="" xmlns:a16="http://schemas.microsoft.com/office/drawing/2014/main" id="{7F0BFC9B-E2A1-44FB-BAF0-92F749AE5FBF}"/>
+                    <a16:creationId xmlns:a16="http://schemas.microsoft.com/office/drawing/2014/main" id="{7F0BFC9B-E2A1-44FB-BAF0-92F749AE5FBF}"/>
                   </a:ext>
                 </a:extLst>
               </p:cNvPr>
@@ -8294,7 +8305,7 @@
               <p:cNvPr id="85" name="Forma Livre: Forma 7">
                 <a:extLst>
                   <a:ext uri="{FF2B5EF4-FFF2-40B4-BE49-F238E27FC236}">
-                    <a16:creationId xmlns="" xmlns:a16="http://schemas.microsoft.com/office/drawing/2014/main" id="{ECDF7175-5DCC-49F5-A7A1-4BD6CB428D9B}"/>
+                    <a16:creationId xmlns:a16="http://schemas.microsoft.com/office/drawing/2014/main" id="{ECDF7175-5DCC-49F5-A7A1-4BD6CB428D9B}"/>
                   </a:ext>
                 </a:extLst>
               </p:cNvPr>
@@ -8425,7 +8436,7 @@
               <p:cNvPr id="86" name="Retângulo 85">
                 <a:extLst>
                   <a:ext uri="{FF2B5EF4-FFF2-40B4-BE49-F238E27FC236}">
-                    <a16:creationId xmlns="" xmlns:a16="http://schemas.microsoft.com/office/drawing/2014/main" id="{4FEEBD15-85B2-4553-9382-B4F27A7213D4}"/>
+                    <a16:creationId xmlns:a16="http://schemas.microsoft.com/office/drawing/2014/main" id="{4FEEBD15-85B2-4553-9382-B4F27A7213D4}"/>
                   </a:ext>
                 </a:extLst>
               </p:cNvPr>
@@ -8477,7 +8488,7 @@
               <p:cNvPr id="87" name="Retângulo: Cantos Arredondados 9">
                 <a:extLst>
                   <a:ext uri="{FF2B5EF4-FFF2-40B4-BE49-F238E27FC236}">
-                    <a16:creationId xmlns="" xmlns:a16="http://schemas.microsoft.com/office/drawing/2014/main" id="{821A7BD2-70DB-4975-9098-B9B74522A62C}"/>
+                    <a16:creationId xmlns:a16="http://schemas.microsoft.com/office/drawing/2014/main" id="{821A7BD2-70DB-4975-9098-B9B74522A62C}"/>
                   </a:ext>
                 </a:extLst>
               </p:cNvPr>
@@ -8531,7 +8542,7 @@
               <p:cNvPr id="88" name="Retângulo: Cantos Arredondados 10">
                 <a:extLst>
                   <a:ext uri="{FF2B5EF4-FFF2-40B4-BE49-F238E27FC236}">
-                    <a16:creationId xmlns="" xmlns:a16="http://schemas.microsoft.com/office/drawing/2014/main" id="{7FC189FD-3A5D-4564-8CFF-60C4118E1B05}"/>
+                    <a16:creationId xmlns:a16="http://schemas.microsoft.com/office/drawing/2014/main" id="{7FC189FD-3A5D-4564-8CFF-60C4118E1B05}"/>
                   </a:ext>
                 </a:extLst>
               </p:cNvPr>
@@ -8586,7 +8597,7 @@
             <p:cNvPr id="72" name="Agrupar 17">
               <a:extLst>
                 <a:ext uri="{FF2B5EF4-FFF2-40B4-BE49-F238E27FC236}">
-                  <a16:creationId xmlns="" xmlns:a16="http://schemas.microsoft.com/office/drawing/2014/main" id="{3CF44AD6-E89C-4147-A9A6-746458B05328}"/>
+                  <a16:creationId xmlns:a16="http://schemas.microsoft.com/office/drawing/2014/main" id="{3CF44AD6-E89C-4147-A9A6-746458B05328}"/>
                 </a:ext>
               </a:extLst>
             </p:cNvPr>
@@ -8606,7 +8617,7 @@
               <p:cNvPr id="76" name="Forma Livre: Forma 18">
                 <a:extLst>
                   <a:ext uri="{FF2B5EF4-FFF2-40B4-BE49-F238E27FC236}">
-                    <a16:creationId xmlns="" xmlns:a16="http://schemas.microsoft.com/office/drawing/2014/main" id="{56D4948E-446E-493A-86E9-A16E4BB950A7}"/>
+                    <a16:creationId xmlns:a16="http://schemas.microsoft.com/office/drawing/2014/main" id="{56D4948E-446E-493A-86E9-A16E4BB950A7}"/>
                   </a:ext>
                 </a:extLst>
               </p:cNvPr>
@@ -8741,7 +8752,7 @@
               <p:cNvPr id="77" name="Forma Livre: Forma 19">
                 <a:extLst>
                   <a:ext uri="{FF2B5EF4-FFF2-40B4-BE49-F238E27FC236}">
-                    <a16:creationId xmlns="" xmlns:a16="http://schemas.microsoft.com/office/drawing/2014/main" id="{2F325523-E94D-49A3-801F-88F26C75EFA3}"/>
+                    <a16:creationId xmlns:a16="http://schemas.microsoft.com/office/drawing/2014/main" id="{2F325523-E94D-49A3-801F-88F26C75EFA3}"/>
                   </a:ext>
                 </a:extLst>
               </p:cNvPr>
@@ -8876,7 +8887,7 @@
               <p:cNvPr id="78" name="Elipse 77">
                 <a:extLst>
                   <a:ext uri="{FF2B5EF4-FFF2-40B4-BE49-F238E27FC236}">
-                    <a16:creationId xmlns="" xmlns:a16="http://schemas.microsoft.com/office/drawing/2014/main" id="{702C186F-3286-4B62-A1BB-74C5D56D57C8}"/>
+                    <a16:creationId xmlns:a16="http://schemas.microsoft.com/office/drawing/2014/main" id="{702C186F-3286-4B62-A1BB-74C5D56D57C8}"/>
                   </a:ext>
                 </a:extLst>
               </p:cNvPr>
@@ -8928,7 +8939,7 @@
               <p:cNvPr id="79" name="Retângulo: Cantos Arredondados 21">
                 <a:extLst>
                   <a:ext uri="{FF2B5EF4-FFF2-40B4-BE49-F238E27FC236}">
-                    <a16:creationId xmlns="" xmlns:a16="http://schemas.microsoft.com/office/drawing/2014/main" id="{00D0C1D8-B0B3-4F01-BCC1-DD1265B6E421}"/>
+                    <a16:creationId xmlns:a16="http://schemas.microsoft.com/office/drawing/2014/main" id="{00D0C1D8-B0B3-4F01-BCC1-DD1265B6E421}"/>
                   </a:ext>
                 </a:extLst>
               </p:cNvPr>
@@ -8982,7 +8993,7 @@
               <p:cNvPr id="80" name="Retângulo: Cantos Arredondados 22">
                 <a:extLst>
                   <a:ext uri="{FF2B5EF4-FFF2-40B4-BE49-F238E27FC236}">
-                    <a16:creationId xmlns="" xmlns:a16="http://schemas.microsoft.com/office/drawing/2014/main" id="{3FA261CF-F0FF-4D5B-B776-B0A9ABA4B59F}"/>
+                    <a16:creationId xmlns:a16="http://schemas.microsoft.com/office/drawing/2014/main" id="{3FA261CF-F0FF-4D5B-B776-B0A9ABA4B59F}"/>
                   </a:ext>
                 </a:extLst>
               </p:cNvPr>
@@ -9036,7 +9047,7 @@
               <p:cNvPr id="81" name="Retângulo: Cantos Arredondados 23">
                 <a:extLst>
                   <a:ext uri="{FF2B5EF4-FFF2-40B4-BE49-F238E27FC236}">
-                    <a16:creationId xmlns="" xmlns:a16="http://schemas.microsoft.com/office/drawing/2014/main" id="{4452907C-B340-4C1F-A251-08A54DA61908}"/>
+                    <a16:creationId xmlns:a16="http://schemas.microsoft.com/office/drawing/2014/main" id="{4452907C-B340-4C1F-A251-08A54DA61908}"/>
                   </a:ext>
                 </a:extLst>
               </p:cNvPr>
@@ -9091,7 +9102,7 @@
             <p:cNvPr id="73" name="Forma Livre: Forma 24">
               <a:extLst>
                 <a:ext uri="{FF2B5EF4-FFF2-40B4-BE49-F238E27FC236}">
-                  <a16:creationId xmlns="" xmlns:a16="http://schemas.microsoft.com/office/drawing/2014/main" id="{9DD6F43F-BEF8-4D80-A095-5502413BFFFA}"/>
+                  <a16:creationId xmlns:a16="http://schemas.microsoft.com/office/drawing/2014/main" id="{9DD6F43F-BEF8-4D80-A095-5502413BFFFA}"/>
                 </a:ext>
               </a:extLst>
             </p:cNvPr>
@@ -9250,7 +9261,7 @@
             <p:cNvPr id="74" name="Retângulo de cantos arredondados 6">
               <a:extLst>
                 <a:ext uri="{FF2B5EF4-FFF2-40B4-BE49-F238E27FC236}">
-                  <a16:creationId xmlns="" xmlns:a16="http://schemas.microsoft.com/office/drawing/2014/main" id="{46E4EBC0-C7EF-41D0-8A15-1406A7C4F5BF}"/>
+                  <a16:creationId xmlns:a16="http://schemas.microsoft.com/office/drawing/2014/main" id="{46E4EBC0-C7EF-41D0-8A15-1406A7C4F5BF}"/>
                 </a:ext>
               </a:extLst>
             </p:cNvPr>
@@ -9337,7 +9348,7 @@
             <p:cNvPr id="75" name="Retângulo de cantos arredondados 6">
               <a:extLst>
                 <a:ext uri="{FF2B5EF4-FFF2-40B4-BE49-F238E27FC236}">
-                  <a16:creationId xmlns="" xmlns:a16="http://schemas.microsoft.com/office/drawing/2014/main" id="{FFE812F1-74EC-4F1D-9686-17C5F3402F11}"/>
+                  <a16:creationId xmlns:a16="http://schemas.microsoft.com/office/drawing/2014/main" id="{FFE812F1-74EC-4F1D-9686-17C5F3402F11}"/>
                 </a:ext>
               </a:extLst>
             </p:cNvPr>
@@ -10459,7 +10470,7 @@
           <p:cNvPr id="9" name="Retângulo 8">
             <a:extLst>
               <a:ext uri="{FF2B5EF4-FFF2-40B4-BE49-F238E27FC236}">
-                <a16:creationId xmlns="" xmlns:a16="http://schemas.microsoft.com/office/drawing/2014/main" id="{C54D026B-CAC2-48B0-B1DE-B150AF20C06D}"/>
+                <a16:creationId xmlns:a16="http://schemas.microsoft.com/office/drawing/2014/main" id="{C54D026B-CAC2-48B0-B1DE-B150AF20C06D}"/>
               </a:ext>
             </a:extLst>
           </p:cNvPr>
@@ -10511,7 +10522,7 @@
           <p:cNvPr id="14" name="Retângulo 13">
             <a:extLst>
               <a:ext uri="{FF2B5EF4-FFF2-40B4-BE49-F238E27FC236}">
-                <a16:creationId xmlns="" xmlns:a16="http://schemas.microsoft.com/office/drawing/2014/main" id="{B5100106-EBB5-428E-8F83-8D2748F7E67D}"/>
+                <a16:creationId xmlns:a16="http://schemas.microsoft.com/office/drawing/2014/main" id="{B5100106-EBB5-428E-8F83-8D2748F7E67D}"/>
               </a:ext>
             </a:extLst>
           </p:cNvPr>
@@ -10563,7 +10574,7 @@
           <p:cNvPr id="15" name="Retângulo 14">
             <a:extLst>
               <a:ext uri="{FF2B5EF4-FFF2-40B4-BE49-F238E27FC236}">
-                <a16:creationId xmlns="" xmlns:a16="http://schemas.microsoft.com/office/drawing/2014/main" id="{2FBCBB79-CFF5-49F5-96A8-2CDB6DCDAAB1}"/>
+                <a16:creationId xmlns:a16="http://schemas.microsoft.com/office/drawing/2014/main" id="{2FBCBB79-CFF5-49F5-96A8-2CDB6DCDAAB1}"/>
               </a:ext>
             </a:extLst>
           </p:cNvPr>
@@ -11159,7 +11170,7 @@
           <p:cNvPr id="18" name="Agrupar 17">
             <a:extLst>
               <a:ext uri="{FF2B5EF4-FFF2-40B4-BE49-F238E27FC236}">
-                <a16:creationId xmlns="" xmlns:a16="http://schemas.microsoft.com/office/drawing/2014/main" id="{7E3865F9-12B1-4183-AB47-2BB2BC2C3990}"/>
+                <a16:creationId xmlns:a16="http://schemas.microsoft.com/office/drawing/2014/main" id="{7E3865F9-12B1-4183-AB47-2BB2BC2C3990}"/>
               </a:ext>
             </a:extLst>
           </p:cNvPr>
@@ -11182,7 +11193,7 @@
             <p:cNvPr id="4" name="Retângulo 3">
               <a:extLst>
                 <a:ext uri="{FF2B5EF4-FFF2-40B4-BE49-F238E27FC236}">
-                  <a16:creationId xmlns="" xmlns:a16="http://schemas.microsoft.com/office/drawing/2014/main" id="{163BC121-9EA3-45AC-8D66-7A524009522D}"/>
+                  <a16:creationId xmlns:a16="http://schemas.microsoft.com/office/drawing/2014/main" id="{163BC121-9EA3-45AC-8D66-7A524009522D}"/>
                 </a:ext>
               </a:extLst>
             </p:cNvPr>
@@ -11232,7 +11243,7 @@
             <p:cNvPr id="5" name="Forma Livre: Forma 4">
               <a:extLst>
                 <a:ext uri="{FF2B5EF4-FFF2-40B4-BE49-F238E27FC236}">
-                  <a16:creationId xmlns="" xmlns:a16="http://schemas.microsoft.com/office/drawing/2014/main" id="{7D28F622-EBB7-4379-A25A-4A31EB26705E}"/>
+                  <a16:creationId xmlns:a16="http://schemas.microsoft.com/office/drawing/2014/main" id="{7D28F622-EBB7-4379-A25A-4A31EB26705E}"/>
                 </a:ext>
               </a:extLst>
             </p:cNvPr>
@@ -11397,7 +11408,7 @@
             <p:cNvPr id="6" name="Forma Livre: Forma 5">
               <a:extLst>
                 <a:ext uri="{FF2B5EF4-FFF2-40B4-BE49-F238E27FC236}">
-                  <a16:creationId xmlns="" xmlns:a16="http://schemas.microsoft.com/office/drawing/2014/main" id="{73E2DD77-ABE3-4AB6-8064-8A1897BC33FA}"/>
+                  <a16:creationId xmlns:a16="http://schemas.microsoft.com/office/drawing/2014/main" id="{73E2DD77-ABE3-4AB6-8064-8A1897BC33FA}"/>
                 </a:ext>
               </a:extLst>
             </p:cNvPr>
@@ -11547,7 +11558,7 @@
             <p:cNvPr id="7" name="Forma Livre: Forma 6">
               <a:extLst>
                 <a:ext uri="{FF2B5EF4-FFF2-40B4-BE49-F238E27FC236}">
-                  <a16:creationId xmlns="" xmlns:a16="http://schemas.microsoft.com/office/drawing/2014/main" id="{91383EB5-3876-4052-BCEB-546922009605}"/>
+                  <a16:creationId xmlns:a16="http://schemas.microsoft.com/office/drawing/2014/main" id="{91383EB5-3876-4052-BCEB-546922009605}"/>
                 </a:ext>
               </a:extLst>
             </p:cNvPr>
@@ -11843,7 +11854,7 @@
             <p:cNvPr id="8" name="Agrupar 7">
               <a:extLst>
                 <a:ext uri="{FF2B5EF4-FFF2-40B4-BE49-F238E27FC236}">
-                  <a16:creationId xmlns="" xmlns:a16="http://schemas.microsoft.com/office/drawing/2014/main" id="{B6C0F07C-BBFD-412D-8714-29C6E5CDE20C}"/>
+                  <a16:creationId xmlns:a16="http://schemas.microsoft.com/office/drawing/2014/main" id="{B6C0F07C-BBFD-412D-8714-29C6E5CDE20C}"/>
                 </a:ext>
               </a:extLst>
             </p:cNvPr>
@@ -11864,7 +11875,7 @@
               <p:cNvPr id="9" name="Cruz 8">
                 <a:extLst>
                   <a:ext uri="{FF2B5EF4-FFF2-40B4-BE49-F238E27FC236}">
-                    <a16:creationId xmlns="" xmlns:a16="http://schemas.microsoft.com/office/drawing/2014/main" id="{EFF07702-2113-4215-A608-8E3F9F0574E7}"/>
+                    <a16:creationId xmlns:a16="http://schemas.microsoft.com/office/drawing/2014/main" id="{EFF07702-2113-4215-A608-8E3F9F0574E7}"/>
                   </a:ext>
                 </a:extLst>
               </p:cNvPr>
@@ -11916,7 +11927,7 @@
               <p:cNvPr id="10" name="Cruz 9">
                 <a:extLst>
                   <a:ext uri="{FF2B5EF4-FFF2-40B4-BE49-F238E27FC236}">
-                    <a16:creationId xmlns="" xmlns:a16="http://schemas.microsoft.com/office/drawing/2014/main" id="{600E30CD-9F47-4B8F-9131-2AB2B1142669}"/>
+                    <a16:creationId xmlns:a16="http://schemas.microsoft.com/office/drawing/2014/main" id="{600E30CD-9F47-4B8F-9131-2AB2B1142669}"/>
                   </a:ext>
                 </a:extLst>
               </p:cNvPr>
@@ -11968,7 +11979,7 @@
               <p:cNvPr id="11" name="Cruz 10">
                 <a:extLst>
                   <a:ext uri="{FF2B5EF4-FFF2-40B4-BE49-F238E27FC236}">
-                    <a16:creationId xmlns="" xmlns:a16="http://schemas.microsoft.com/office/drawing/2014/main" id="{E2C6690A-3716-4B87-9BD5-58DB353DDE94}"/>
+                    <a16:creationId xmlns:a16="http://schemas.microsoft.com/office/drawing/2014/main" id="{E2C6690A-3716-4B87-9BD5-58DB353DDE94}"/>
                   </a:ext>
                 </a:extLst>
               </p:cNvPr>
@@ -12020,7 +12031,7 @@
               <p:cNvPr id="12" name="Grupo 19">
                 <a:extLst>
                   <a:ext uri="{FF2B5EF4-FFF2-40B4-BE49-F238E27FC236}">
-                    <a16:creationId xmlns="" xmlns:a16="http://schemas.microsoft.com/office/drawing/2014/main" id="{806100E0-936B-4250-AD2B-3E03C0765463}"/>
+                    <a16:creationId xmlns:a16="http://schemas.microsoft.com/office/drawing/2014/main" id="{806100E0-936B-4250-AD2B-3E03C0765463}"/>
                   </a:ext>
                 </a:extLst>
               </p:cNvPr>
@@ -12041,7 +12052,7 @@
                 <p:cNvPr id="13" name="Cruz 12">
                   <a:extLst>
                     <a:ext uri="{FF2B5EF4-FFF2-40B4-BE49-F238E27FC236}">
-                      <a16:creationId xmlns="" xmlns:a16="http://schemas.microsoft.com/office/drawing/2014/main" id="{12227CAC-73C7-4F77-B416-F5950FE07997}"/>
+                      <a16:creationId xmlns:a16="http://schemas.microsoft.com/office/drawing/2014/main" id="{12227CAC-73C7-4F77-B416-F5950FE07997}"/>
                     </a:ext>
                   </a:extLst>
                 </p:cNvPr>
@@ -12093,7 +12104,7 @@
                 <p:cNvPr id="14" name="Cruz 13">
                   <a:extLst>
                     <a:ext uri="{FF2B5EF4-FFF2-40B4-BE49-F238E27FC236}">
-                      <a16:creationId xmlns="" xmlns:a16="http://schemas.microsoft.com/office/drawing/2014/main" id="{B0E61E89-7F3D-422D-9164-7C9D09A06689}"/>
+                      <a16:creationId xmlns:a16="http://schemas.microsoft.com/office/drawing/2014/main" id="{B0E61E89-7F3D-422D-9164-7C9D09A06689}"/>
                     </a:ext>
                   </a:extLst>
                 </p:cNvPr>
@@ -12147,7 +12158,7 @@
             <p:cNvPr id="15" name="Grupo 1">
               <a:extLst>
                 <a:ext uri="{FF2B5EF4-FFF2-40B4-BE49-F238E27FC236}">
-                  <a16:creationId xmlns="" xmlns:a16="http://schemas.microsoft.com/office/drawing/2014/main" id="{40067425-BE84-4A51-B659-7BDA91520B0C}"/>
+                  <a16:creationId xmlns:a16="http://schemas.microsoft.com/office/drawing/2014/main" id="{40067425-BE84-4A51-B659-7BDA91520B0C}"/>
                 </a:ext>
               </a:extLst>
             </p:cNvPr>
@@ -12168,7 +12179,7 @@
               <p:cNvPr id="16" name="Retângulo 15">
                 <a:extLst>
                   <a:ext uri="{FF2B5EF4-FFF2-40B4-BE49-F238E27FC236}">
-                    <a16:creationId xmlns="" xmlns:a16="http://schemas.microsoft.com/office/drawing/2014/main" id="{43AC0D77-9687-4479-8573-23578652E6A5}"/>
+                    <a16:creationId xmlns:a16="http://schemas.microsoft.com/office/drawing/2014/main" id="{43AC0D77-9687-4479-8573-23578652E6A5}"/>
                   </a:ext>
                 </a:extLst>
               </p:cNvPr>
@@ -12218,7 +12229,7 @@
               <p:cNvPr id="17" name="Triângulo Retângulo 16">
                 <a:extLst>
                   <a:ext uri="{FF2B5EF4-FFF2-40B4-BE49-F238E27FC236}">
-                    <a16:creationId xmlns="" xmlns:a16="http://schemas.microsoft.com/office/drawing/2014/main" id="{B869CBF9-EA9D-42B4-B31D-F112807E583F}"/>
+                    <a16:creationId xmlns:a16="http://schemas.microsoft.com/office/drawing/2014/main" id="{B869CBF9-EA9D-42B4-B31D-F112807E583F}"/>
                   </a:ext>
                 </a:extLst>
               </p:cNvPr>
@@ -12270,7 +12281,7 @@
           <p:cNvPr id="57" name="Grupo 12">
             <a:extLst>
               <a:ext uri="{FF2B5EF4-FFF2-40B4-BE49-F238E27FC236}">
-                <a16:creationId xmlns="" xmlns:a16="http://schemas.microsoft.com/office/drawing/2014/main" id="{403A9A42-8023-405A-8817-EE75AB52C0CC}"/>
+                <a16:creationId xmlns:a16="http://schemas.microsoft.com/office/drawing/2014/main" id="{403A9A42-8023-405A-8817-EE75AB52C0CC}"/>
               </a:ext>
             </a:extLst>
           </p:cNvPr>
@@ -12290,7 +12301,7 @@
             <p:cNvPr id="58" name="Grupo 11">
               <a:extLst>
                 <a:ext uri="{FF2B5EF4-FFF2-40B4-BE49-F238E27FC236}">
-                  <a16:creationId xmlns="" xmlns:a16="http://schemas.microsoft.com/office/drawing/2014/main" id="{C6F65446-D9C0-4489-A698-727F1D6EF1EA}"/>
+                  <a16:creationId xmlns:a16="http://schemas.microsoft.com/office/drawing/2014/main" id="{C6F65446-D9C0-4489-A698-727F1D6EF1EA}"/>
                 </a:ext>
               </a:extLst>
             </p:cNvPr>
@@ -12310,7 +12321,7 @@
               <p:cNvPr id="65" name="Agrupar 3">
                 <a:extLst>
                   <a:ext uri="{FF2B5EF4-FFF2-40B4-BE49-F238E27FC236}">
-                    <a16:creationId xmlns="" xmlns:a16="http://schemas.microsoft.com/office/drawing/2014/main" id="{F930D6FA-C039-4412-8297-3174934678D7}"/>
+                    <a16:creationId xmlns:a16="http://schemas.microsoft.com/office/drawing/2014/main" id="{F930D6FA-C039-4412-8297-3174934678D7}"/>
                   </a:ext>
                 </a:extLst>
               </p:cNvPr>
@@ -12330,7 +12341,7 @@
                 <p:cNvPr id="74" name="Retângulo: Cantos Arredondados 4">
                   <a:extLst>
                     <a:ext uri="{FF2B5EF4-FFF2-40B4-BE49-F238E27FC236}">
-                      <a16:creationId xmlns="" xmlns:a16="http://schemas.microsoft.com/office/drawing/2014/main" id="{02ED9689-F86F-4320-A889-FE62BF218D61}"/>
+                      <a16:creationId xmlns:a16="http://schemas.microsoft.com/office/drawing/2014/main" id="{02ED9689-F86F-4320-A889-FE62BF218D61}"/>
                     </a:ext>
                   </a:extLst>
                 </p:cNvPr>
@@ -12381,7 +12392,7 @@
                 <p:cNvPr id="75" name="Retângulo: Cantos Arredondados 5">
                   <a:extLst>
                     <a:ext uri="{FF2B5EF4-FFF2-40B4-BE49-F238E27FC236}">
-                      <a16:creationId xmlns="" xmlns:a16="http://schemas.microsoft.com/office/drawing/2014/main" id="{01B0A967-695C-48C2-83E3-71944B0EFB15}"/>
+                      <a16:creationId xmlns:a16="http://schemas.microsoft.com/office/drawing/2014/main" id="{01B0A967-695C-48C2-83E3-71944B0EFB15}"/>
                     </a:ext>
                   </a:extLst>
                 </p:cNvPr>
@@ -12435,7 +12446,7 @@
                 <p:cNvPr id="76" name="Retângulo: Cantos Arredondados 6">
                   <a:extLst>
                     <a:ext uri="{FF2B5EF4-FFF2-40B4-BE49-F238E27FC236}">
-                      <a16:creationId xmlns="" xmlns:a16="http://schemas.microsoft.com/office/drawing/2014/main" id="{B9931D68-C986-4F09-8882-D64B2192A55C}"/>
+                      <a16:creationId xmlns:a16="http://schemas.microsoft.com/office/drawing/2014/main" id="{B9931D68-C986-4F09-8882-D64B2192A55C}"/>
                     </a:ext>
                   </a:extLst>
                 </p:cNvPr>
@@ -12489,7 +12500,7 @@
                 <p:cNvPr id="77" name="Forma Livre: Forma 7">
                   <a:extLst>
                     <a:ext uri="{FF2B5EF4-FFF2-40B4-BE49-F238E27FC236}">
-                      <a16:creationId xmlns="" xmlns:a16="http://schemas.microsoft.com/office/drawing/2014/main" id="{59255B60-DD8E-4A1C-BC5D-2F37826A1561}"/>
+                      <a16:creationId xmlns:a16="http://schemas.microsoft.com/office/drawing/2014/main" id="{59255B60-DD8E-4A1C-BC5D-2F37826A1561}"/>
                     </a:ext>
                   </a:extLst>
                 </p:cNvPr>
@@ -12620,7 +12631,7 @@
                 <p:cNvPr id="78" name="Retângulo 77">
                   <a:extLst>
                     <a:ext uri="{FF2B5EF4-FFF2-40B4-BE49-F238E27FC236}">
-                      <a16:creationId xmlns="" xmlns:a16="http://schemas.microsoft.com/office/drawing/2014/main" id="{C4D2138A-CA62-45C9-827C-0A2EF7196A19}"/>
+                      <a16:creationId xmlns:a16="http://schemas.microsoft.com/office/drawing/2014/main" id="{C4D2138A-CA62-45C9-827C-0A2EF7196A19}"/>
                     </a:ext>
                   </a:extLst>
                 </p:cNvPr>
@@ -12672,7 +12683,7 @@
                 <p:cNvPr id="79" name="Retângulo: Cantos Arredondados 9">
                   <a:extLst>
                     <a:ext uri="{FF2B5EF4-FFF2-40B4-BE49-F238E27FC236}">
-                      <a16:creationId xmlns="" xmlns:a16="http://schemas.microsoft.com/office/drawing/2014/main" id="{D4F04FAF-6733-4A03-8FEC-48EA27B77A7B}"/>
+                      <a16:creationId xmlns:a16="http://schemas.microsoft.com/office/drawing/2014/main" id="{D4F04FAF-6733-4A03-8FEC-48EA27B77A7B}"/>
                     </a:ext>
                   </a:extLst>
                 </p:cNvPr>
@@ -12726,7 +12737,7 @@
                 <p:cNvPr id="80" name="Retângulo: Cantos Arredondados 10">
                   <a:extLst>
                     <a:ext uri="{FF2B5EF4-FFF2-40B4-BE49-F238E27FC236}">
-                      <a16:creationId xmlns="" xmlns:a16="http://schemas.microsoft.com/office/drawing/2014/main" id="{E35C7B02-2931-4C43-B6C1-672A84321EF5}"/>
+                      <a16:creationId xmlns:a16="http://schemas.microsoft.com/office/drawing/2014/main" id="{E35C7B02-2931-4C43-B6C1-672A84321EF5}"/>
                     </a:ext>
                   </a:extLst>
                 </p:cNvPr>
@@ -12781,7 +12792,7 @@
               <p:cNvPr id="66" name="Agrupar 17">
                 <a:extLst>
                   <a:ext uri="{FF2B5EF4-FFF2-40B4-BE49-F238E27FC236}">
-                    <a16:creationId xmlns="" xmlns:a16="http://schemas.microsoft.com/office/drawing/2014/main" id="{FB1E34D3-361C-4048-9774-6DE71A21752E}"/>
+                    <a16:creationId xmlns:a16="http://schemas.microsoft.com/office/drawing/2014/main" id="{FB1E34D3-361C-4048-9774-6DE71A21752E}"/>
                   </a:ext>
                 </a:extLst>
               </p:cNvPr>
@@ -12801,7 +12812,7 @@
                 <p:cNvPr id="68" name="Forma Livre: Forma 18">
                   <a:extLst>
                     <a:ext uri="{FF2B5EF4-FFF2-40B4-BE49-F238E27FC236}">
-                      <a16:creationId xmlns="" xmlns:a16="http://schemas.microsoft.com/office/drawing/2014/main" id="{CD3A6BCD-0D5E-4BD6-882B-EEF61843CD0D}"/>
+                      <a16:creationId xmlns:a16="http://schemas.microsoft.com/office/drawing/2014/main" id="{CD3A6BCD-0D5E-4BD6-882B-EEF61843CD0D}"/>
                     </a:ext>
                   </a:extLst>
                 </p:cNvPr>
@@ -12936,7 +12947,7 @@
                 <p:cNvPr id="69" name="Forma Livre: Forma 19">
                   <a:extLst>
                     <a:ext uri="{FF2B5EF4-FFF2-40B4-BE49-F238E27FC236}">
-                      <a16:creationId xmlns="" xmlns:a16="http://schemas.microsoft.com/office/drawing/2014/main" id="{D7A274B4-1A7E-413F-8C6D-32B69A11A006}"/>
+                      <a16:creationId xmlns:a16="http://schemas.microsoft.com/office/drawing/2014/main" id="{D7A274B4-1A7E-413F-8C6D-32B69A11A006}"/>
                     </a:ext>
                   </a:extLst>
                 </p:cNvPr>
@@ -13071,7 +13082,7 @@
                 <p:cNvPr id="70" name="Elipse 69">
                   <a:extLst>
                     <a:ext uri="{FF2B5EF4-FFF2-40B4-BE49-F238E27FC236}">
-                      <a16:creationId xmlns="" xmlns:a16="http://schemas.microsoft.com/office/drawing/2014/main" id="{8A45001A-B9AB-4BED-8292-D95E0971B328}"/>
+                      <a16:creationId xmlns:a16="http://schemas.microsoft.com/office/drawing/2014/main" id="{8A45001A-B9AB-4BED-8292-D95E0971B328}"/>
                     </a:ext>
                   </a:extLst>
                 </p:cNvPr>
@@ -13123,7 +13134,7 @@
                 <p:cNvPr id="71" name="Retângulo: Cantos Arredondados 21">
                   <a:extLst>
                     <a:ext uri="{FF2B5EF4-FFF2-40B4-BE49-F238E27FC236}">
-                      <a16:creationId xmlns="" xmlns:a16="http://schemas.microsoft.com/office/drawing/2014/main" id="{1570863F-2A64-43EB-BBDB-42862A03776A}"/>
+                      <a16:creationId xmlns:a16="http://schemas.microsoft.com/office/drawing/2014/main" id="{1570863F-2A64-43EB-BBDB-42862A03776A}"/>
                     </a:ext>
                   </a:extLst>
                 </p:cNvPr>
@@ -13177,7 +13188,7 @@
                 <p:cNvPr id="72" name="Retângulo: Cantos Arredondados 22">
                   <a:extLst>
                     <a:ext uri="{FF2B5EF4-FFF2-40B4-BE49-F238E27FC236}">
-                      <a16:creationId xmlns="" xmlns:a16="http://schemas.microsoft.com/office/drawing/2014/main" id="{FEA18746-1B35-413A-975D-AA3FC016347D}"/>
+                      <a16:creationId xmlns:a16="http://schemas.microsoft.com/office/drawing/2014/main" id="{FEA18746-1B35-413A-975D-AA3FC016347D}"/>
                     </a:ext>
                   </a:extLst>
                 </p:cNvPr>
@@ -13231,7 +13242,7 @@
                 <p:cNvPr id="73" name="Retângulo: Cantos Arredondados 23">
                   <a:extLst>
                     <a:ext uri="{FF2B5EF4-FFF2-40B4-BE49-F238E27FC236}">
-                      <a16:creationId xmlns="" xmlns:a16="http://schemas.microsoft.com/office/drawing/2014/main" id="{E7B34203-85D3-444F-9473-3B5734FA52A7}"/>
+                      <a16:creationId xmlns:a16="http://schemas.microsoft.com/office/drawing/2014/main" id="{E7B34203-85D3-444F-9473-3B5734FA52A7}"/>
                     </a:ext>
                   </a:extLst>
                 </p:cNvPr>
@@ -13286,7 +13297,7 @@
               <p:cNvPr id="67" name="Forma Livre: Forma 24">
                 <a:extLst>
                   <a:ext uri="{FF2B5EF4-FFF2-40B4-BE49-F238E27FC236}">
-                    <a16:creationId xmlns="" xmlns:a16="http://schemas.microsoft.com/office/drawing/2014/main" id="{CE29CAC3-C9E2-4543-93BC-510BB64317AA}"/>
+                    <a16:creationId xmlns:a16="http://schemas.microsoft.com/office/drawing/2014/main" id="{CE29CAC3-C9E2-4543-93BC-510BB64317AA}"/>
                   </a:ext>
                 </a:extLst>
               </p:cNvPr>
@@ -13446,7 +13457,7 @@
             <p:cNvPr id="59" name="Agrupar 11">
               <a:extLst>
                 <a:ext uri="{FF2B5EF4-FFF2-40B4-BE49-F238E27FC236}">
-                  <a16:creationId xmlns="" xmlns:a16="http://schemas.microsoft.com/office/drawing/2014/main" id="{3ECCD1BD-DAAD-4C8D-B216-A467E9F25018}"/>
+                  <a16:creationId xmlns:a16="http://schemas.microsoft.com/office/drawing/2014/main" id="{3ECCD1BD-DAAD-4C8D-B216-A467E9F25018}"/>
                 </a:ext>
               </a:extLst>
             </p:cNvPr>
@@ -13466,7 +13477,7 @@
               <p:cNvPr id="63" name="Retângulo: Cantos Arredondados 12">
                 <a:extLst>
                   <a:ext uri="{FF2B5EF4-FFF2-40B4-BE49-F238E27FC236}">
-                    <a16:creationId xmlns="" xmlns:a16="http://schemas.microsoft.com/office/drawing/2014/main" id="{EF001B5E-6633-47D5-AD3A-1EF0B5338A66}"/>
+                    <a16:creationId xmlns:a16="http://schemas.microsoft.com/office/drawing/2014/main" id="{EF001B5E-6633-47D5-AD3A-1EF0B5338A66}"/>
                   </a:ext>
                 </a:extLst>
               </p:cNvPr>
@@ -13520,7 +13531,7 @@
               <p:cNvPr id="64" name="Retângulo: Cantos Arredondados 13">
                 <a:extLst>
                   <a:ext uri="{FF2B5EF4-FFF2-40B4-BE49-F238E27FC236}">
-                    <a16:creationId xmlns="" xmlns:a16="http://schemas.microsoft.com/office/drawing/2014/main" id="{35F5B17B-65E6-4FE7-9D78-825964BD7347}"/>
+                    <a16:creationId xmlns:a16="http://schemas.microsoft.com/office/drawing/2014/main" id="{35F5B17B-65E6-4FE7-9D78-825964BD7347}"/>
                   </a:ext>
                 </a:extLst>
               </p:cNvPr>
@@ -13575,7 +13586,7 @@
             <p:cNvPr id="60" name="Agrupar 14">
               <a:extLst>
                 <a:ext uri="{FF2B5EF4-FFF2-40B4-BE49-F238E27FC236}">
-                  <a16:creationId xmlns="" xmlns:a16="http://schemas.microsoft.com/office/drawing/2014/main" id="{00408DBE-37B7-485C-B1CC-728D91FC9C84}"/>
+                  <a16:creationId xmlns:a16="http://schemas.microsoft.com/office/drawing/2014/main" id="{00408DBE-37B7-485C-B1CC-728D91FC9C84}"/>
                 </a:ext>
               </a:extLst>
             </p:cNvPr>
@@ -13595,7 +13606,7 @@
               <p:cNvPr id="61" name="Retângulo: Cantos Arredondados 15">
                 <a:extLst>
                   <a:ext uri="{FF2B5EF4-FFF2-40B4-BE49-F238E27FC236}">
-                    <a16:creationId xmlns="" xmlns:a16="http://schemas.microsoft.com/office/drawing/2014/main" id="{67A26C7C-6C4E-4C8E-B1AD-E36E7B28CF23}"/>
+                    <a16:creationId xmlns:a16="http://schemas.microsoft.com/office/drawing/2014/main" id="{67A26C7C-6C4E-4C8E-B1AD-E36E7B28CF23}"/>
                   </a:ext>
                 </a:extLst>
               </p:cNvPr>
@@ -13649,7 +13660,7 @@
               <p:cNvPr id="62" name="Retângulo: Cantos Arredondados 16">
                 <a:extLst>
                   <a:ext uri="{FF2B5EF4-FFF2-40B4-BE49-F238E27FC236}">
-                    <a16:creationId xmlns="" xmlns:a16="http://schemas.microsoft.com/office/drawing/2014/main" id="{D3EA9BE5-38E7-4020-98B4-64A1D9817235}"/>
+                    <a16:creationId xmlns:a16="http://schemas.microsoft.com/office/drawing/2014/main" id="{D3EA9BE5-38E7-4020-98B4-64A1D9817235}"/>
                   </a:ext>
                 </a:extLst>
               </p:cNvPr>
@@ -13705,7 +13716,7 @@
           <p:cNvPr id="38" name="Grupo 10">
             <a:extLst>
               <a:ext uri="{FF2B5EF4-FFF2-40B4-BE49-F238E27FC236}">
-                <a16:creationId xmlns="" xmlns:a16="http://schemas.microsoft.com/office/drawing/2014/main" id="{820283F1-6C5D-4ADA-831F-607F6F76B4C9}"/>
+                <a16:creationId xmlns:a16="http://schemas.microsoft.com/office/drawing/2014/main" id="{820283F1-6C5D-4ADA-831F-607F6F76B4C9}"/>
               </a:ext>
             </a:extLst>
           </p:cNvPr>
@@ -13725,7 +13736,7 @@
             <p:cNvPr id="39" name="Agrupar 3">
               <a:extLst>
                 <a:ext uri="{FF2B5EF4-FFF2-40B4-BE49-F238E27FC236}">
-                  <a16:creationId xmlns="" xmlns:a16="http://schemas.microsoft.com/office/drawing/2014/main" id="{666F5F66-B0B3-450D-87A4-3071FF7FC187}"/>
+                  <a16:creationId xmlns:a16="http://schemas.microsoft.com/office/drawing/2014/main" id="{666F5F66-B0B3-450D-87A4-3071FF7FC187}"/>
                 </a:ext>
               </a:extLst>
             </p:cNvPr>
@@ -13745,7 +13756,7 @@
               <p:cNvPr id="50" name="Retângulo: Cantos Arredondados 4">
                 <a:extLst>
                   <a:ext uri="{FF2B5EF4-FFF2-40B4-BE49-F238E27FC236}">
-                    <a16:creationId xmlns="" xmlns:a16="http://schemas.microsoft.com/office/drawing/2014/main" id="{4D9B2370-7EB5-424A-A37F-A2E722B84B61}"/>
+                    <a16:creationId xmlns:a16="http://schemas.microsoft.com/office/drawing/2014/main" id="{4D9B2370-7EB5-424A-A37F-A2E722B84B61}"/>
                   </a:ext>
                 </a:extLst>
               </p:cNvPr>
@@ -13796,7 +13807,7 @@
               <p:cNvPr id="51" name="Retângulo: Cantos Arredondados 5">
                 <a:extLst>
                   <a:ext uri="{FF2B5EF4-FFF2-40B4-BE49-F238E27FC236}">
-                    <a16:creationId xmlns="" xmlns:a16="http://schemas.microsoft.com/office/drawing/2014/main" id="{33D07EB3-FC32-45C7-9363-8953E3222972}"/>
+                    <a16:creationId xmlns:a16="http://schemas.microsoft.com/office/drawing/2014/main" id="{33D07EB3-FC32-45C7-9363-8953E3222972}"/>
                   </a:ext>
                 </a:extLst>
               </p:cNvPr>
@@ -13850,7 +13861,7 @@
               <p:cNvPr id="52" name="Retângulo: Cantos Arredondados 6">
                 <a:extLst>
                   <a:ext uri="{FF2B5EF4-FFF2-40B4-BE49-F238E27FC236}">
-                    <a16:creationId xmlns="" xmlns:a16="http://schemas.microsoft.com/office/drawing/2014/main" id="{70C9F89C-0A33-4CD8-B443-6111AAE47D77}"/>
+                    <a16:creationId xmlns:a16="http://schemas.microsoft.com/office/drawing/2014/main" id="{70C9F89C-0A33-4CD8-B443-6111AAE47D77}"/>
                   </a:ext>
                 </a:extLst>
               </p:cNvPr>
@@ -13904,7 +13915,7 @@
               <p:cNvPr id="53" name="Forma Livre: Forma 7">
                 <a:extLst>
                   <a:ext uri="{FF2B5EF4-FFF2-40B4-BE49-F238E27FC236}">
-                    <a16:creationId xmlns="" xmlns:a16="http://schemas.microsoft.com/office/drawing/2014/main" id="{D83DDD28-61B7-4D25-A08A-2D0915811A5C}"/>
+                    <a16:creationId xmlns:a16="http://schemas.microsoft.com/office/drawing/2014/main" id="{D83DDD28-61B7-4D25-A08A-2D0915811A5C}"/>
                   </a:ext>
                 </a:extLst>
               </p:cNvPr>
@@ -14035,7 +14046,7 @@
               <p:cNvPr id="54" name="Retângulo 53">
                 <a:extLst>
                   <a:ext uri="{FF2B5EF4-FFF2-40B4-BE49-F238E27FC236}">
-                    <a16:creationId xmlns="" xmlns:a16="http://schemas.microsoft.com/office/drawing/2014/main" id="{6B2C3942-CD2E-4922-9715-FE9C07049939}"/>
+                    <a16:creationId xmlns:a16="http://schemas.microsoft.com/office/drawing/2014/main" id="{6B2C3942-CD2E-4922-9715-FE9C07049939}"/>
                   </a:ext>
                 </a:extLst>
               </p:cNvPr>
@@ -14087,7 +14098,7 @@
               <p:cNvPr id="55" name="Retângulo: Cantos Arredondados 9">
                 <a:extLst>
                   <a:ext uri="{FF2B5EF4-FFF2-40B4-BE49-F238E27FC236}">
-                    <a16:creationId xmlns="" xmlns:a16="http://schemas.microsoft.com/office/drawing/2014/main" id="{9422F0B7-E037-4EE3-BBE9-B53E1FDD9F23}"/>
+                    <a16:creationId xmlns:a16="http://schemas.microsoft.com/office/drawing/2014/main" id="{9422F0B7-E037-4EE3-BBE9-B53E1FDD9F23}"/>
                   </a:ext>
                 </a:extLst>
               </p:cNvPr>
@@ -14141,7 +14152,7 @@
               <p:cNvPr id="56" name="Retângulo: Cantos Arredondados 10">
                 <a:extLst>
                   <a:ext uri="{FF2B5EF4-FFF2-40B4-BE49-F238E27FC236}">
-                    <a16:creationId xmlns="" xmlns:a16="http://schemas.microsoft.com/office/drawing/2014/main" id="{B97B573A-7BD1-433F-950E-B76B702F0FC6}"/>
+                    <a16:creationId xmlns:a16="http://schemas.microsoft.com/office/drawing/2014/main" id="{B97B573A-7BD1-433F-950E-B76B702F0FC6}"/>
                   </a:ext>
                 </a:extLst>
               </p:cNvPr>
@@ -14196,7 +14207,7 @@
             <p:cNvPr id="40" name="Agrupar 17">
               <a:extLst>
                 <a:ext uri="{FF2B5EF4-FFF2-40B4-BE49-F238E27FC236}">
-                  <a16:creationId xmlns="" xmlns:a16="http://schemas.microsoft.com/office/drawing/2014/main" id="{ABB8787A-8C83-47D2-87A2-D9574F8B1903}"/>
+                  <a16:creationId xmlns:a16="http://schemas.microsoft.com/office/drawing/2014/main" id="{ABB8787A-8C83-47D2-87A2-D9574F8B1903}"/>
                 </a:ext>
               </a:extLst>
             </p:cNvPr>
@@ -14216,7 +14227,7 @@
               <p:cNvPr id="44" name="Forma Livre: Forma 18">
                 <a:extLst>
                   <a:ext uri="{FF2B5EF4-FFF2-40B4-BE49-F238E27FC236}">
-                    <a16:creationId xmlns="" xmlns:a16="http://schemas.microsoft.com/office/drawing/2014/main" id="{E51284B4-473B-4FC5-B9C9-D12EAE994A89}"/>
+                    <a16:creationId xmlns:a16="http://schemas.microsoft.com/office/drawing/2014/main" id="{E51284B4-473B-4FC5-B9C9-D12EAE994A89}"/>
                   </a:ext>
                 </a:extLst>
               </p:cNvPr>
@@ -14351,7 +14362,7 @@
               <p:cNvPr id="45" name="Forma Livre: Forma 19">
                 <a:extLst>
                   <a:ext uri="{FF2B5EF4-FFF2-40B4-BE49-F238E27FC236}">
-                    <a16:creationId xmlns="" xmlns:a16="http://schemas.microsoft.com/office/drawing/2014/main" id="{37ED7AB8-2693-4C1C-BF2E-25677D4BD67A}"/>
+                    <a16:creationId xmlns:a16="http://schemas.microsoft.com/office/drawing/2014/main" id="{37ED7AB8-2693-4C1C-BF2E-25677D4BD67A}"/>
                   </a:ext>
                 </a:extLst>
               </p:cNvPr>
@@ -14486,7 +14497,7 @@
               <p:cNvPr id="46" name="Elipse 45">
                 <a:extLst>
                   <a:ext uri="{FF2B5EF4-FFF2-40B4-BE49-F238E27FC236}">
-                    <a16:creationId xmlns="" xmlns:a16="http://schemas.microsoft.com/office/drawing/2014/main" id="{BA06344F-8C85-458D-9FAE-341FA5023637}"/>
+                    <a16:creationId xmlns:a16="http://schemas.microsoft.com/office/drawing/2014/main" id="{BA06344F-8C85-458D-9FAE-341FA5023637}"/>
                   </a:ext>
                 </a:extLst>
               </p:cNvPr>
@@ -14538,7 +14549,7 @@
               <p:cNvPr id="47" name="Retângulo: Cantos Arredondados 21">
                 <a:extLst>
                   <a:ext uri="{FF2B5EF4-FFF2-40B4-BE49-F238E27FC236}">
-                    <a16:creationId xmlns="" xmlns:a16="http://schemas.microsoft.com/office/drawing/2014/main" id="{D9F453B7-5B75-408F-835C-405D06F8337C}"/>
+                    <a16:creationId xmlns:a16="http://schemas.microsoft.com/office/drawing/2014/main" id="{D9F453B7-5B75-408F-835C-405D06F8337C}"/>
                   </a:ext>
                 </a:extLst>
               </p:cNvPr>
@@ -14592,7 +14603,7 @@
               <p:cNvPr id="48" name="Retângulo: Cantos Arredondados 22">
                 <a:extLst>
                   <a:ext uri="{FF2B5EF4-FFF2-40B4-BE49-F238E27FC236}">
-                    <a16:creationId xmlns="" xmlns:a16="http://schemas.microsoft.com/office/drawing/2014/main" id="{1FB2ED43-66B2-423F-A18A-AC28043BF24F}"/>
+                    <a16:creationId xmlns:a16="http://schemas.microsoft.com/office/drawing/2014/main" id="{1FB2ED43-66B2-423F-A18A-AC28043BF24F}"/>
                   </a:ext>
                 </a:extLst>
               </p:cNvPr>
@@ -14646,7 +14657,7 @@
               <p:cNvPr id="49" name="Retângulo: Cantos Arredondados 23">
                 <a:extLst>
                   <a:ext uri="{FF2B5EF4-FFF2-40B4-BE49-F238E27FC236}">
-                    <a16:creationId xmlns="" xmlns:a16="http://schemas.microsoft.com/office/drawing/2014/main" id="{3252869B-B8BF-4141-9268-77811F9C7E01}"/>
+                    <a16:creationId xmlns:a16="http://schemas.microsoft.com/office/drawing/2014/main" id="{3252869B-B8BF-4141-9268-77811F9C7E01}"/>
                   </a:ext>
                 </a:extLst>
               </p:cNvPr>
@@ -14701,7 +14712,7 @@
             <p:cNvPr id="41" name="Forma Livre: Forma 24">
               <a:extLst>
                 <a:ext uri="{FF2B5EF4-FFF2-40B4-BE49-F238E27FC236}">
-                  <a16:creationId xmlns="" xmlns:a16="http://schemas.microsoft.com/office/drawing/2014/main" id="{1F977B16-974F-4522-BCA5-C428B0913A73}"/>
+                  <a16:creationId xmlns:a16="http://schemas.microsoft.com/office/drawing/2014/main" id="{1F977B16-974F-4522-BCA5-C428B0913A73}"/>
                 </a:ext>
               </a:extLst>
             </p:cNvPr>
@@ -14860,7 +14871,7 @@
             <p:cNvPr id="42" name="Retângulo de cantos arredondados 6">
               <a:extLst>
                 <a:ext uri="{FF2B5EF4-FFF2-40B4-BE49-F238E27FC236}">
-                  <a16:creationId xmlns="" xmlns:a16="http://schemas.microsoft.com/office/drawing/2014/main" id="{702E445C-853C-4344-8C79-5434B3F84D3F}"/>
+                  <a16:creationId xmlns:a16="http://schemas.microsoft.com/office/drawing/2014/main" id="{702E445C-853C-4344-8C79-5434B3F84D3F}"/>
                 </a:ext>
               </a:extLst>
             </p:cNvPr>
@@ -14947,7 +14958,7 @@
             <p:cNvPr id="43" name="Retângulo de cantos arredondados 6">
               <a:extLst>
                 <a:ext uri="{FF2B5EF4-FFF2-40B4-BE49-F238E27FC236}">
-                  <a16:creationId xmlns="" xmlns:a16="http://schemas.microsoft.com/office/drawing/2014/main" id="{E8274172-0D1D-4E88-B43D-49880A4456B2}"/>
+                  <a16:creationId xmlns:a16="http://schemas.microsoft.com/office/drawing/2014/main" id="{E8274172-0D1D-4E88-B43D-49880A4456B2}"/>
                 </a:ext>
               </a:extLst>
             </p:cNvPr>
@@ -15035,7 +15046,7 @@
           <p:cNvPr id="81" name="Agrupar 80">
             <a:extLst>
               <a:ext uri="{FF2B5EF4-FFF2-40B4-BE49-F238E27FC236}">
-                <a16:creationId xmlns="" xmlns:a16="http://schemas.microsoft.com/office/drawing/2014/main" id="{16983F25-1B39-4996-818E-B134A94E7180}"/>
+                <a16:creationId xmlns:a16="http://schemas.microsoft.com/office/drawing/2014/main" id="{16983F25-1B39-4996-818E-B134A94E7180}"/>
               </a:ext>
             </a:extLst>
           </p:cNvPr>
@@ -15055,7 +15066,7 @@
             <p:cNvPr id="82" name="Grupo 12">
               <a:extLst>
                 <a:ext uri="{FF2B5EF4-FFF2-40B4-BE49-F238E27FC236}">
-                  <a16:creationId xmlns="" xmlns:a16="http://schemas.microsoft.com/office/drawing/2014/main" id="{895E5361-20DC-40C8-9197-93DB459FE199}"/>
+                  <a16:creationId xmlns:a16="http://schemas.microsoft.com/office/drawing/2014/main" id="{895E5361-20DC-40C8-9197-93DB459FE199}"/>
                 </a:ext>
               </a:extLst>
             </p:cNvPr>
@@ -15075,7 +15086,7 @@
               <p:cNvPr id="86" name="Grupo 11">
                 <a:extLst>
                   <a:ext uri="{FF2B5EF4-FFF2-40B4-BE49-F238E27FC236}">
-                    <a16:creationId xmlns="" xmlns:a16="http://schemas.microsoft.com/office/drawing/2014/main" id="{1F15CF61-291C-4394-AC4A-C57F568D7406}"/>
+                    <a16:creationId xmlns:a16="http://schemas.microsoft.com/office/drawing/2014/main" id="{1F15CF61-291C-4394-AC4A-C57F568D7406}"/>
                   </a:ext>
                 </a:extLst>
               </p:cNvPr>
@@ -15095,7 +15106,7 @@
                 <p:cNvPr id="93" name="Agrupar 3">
                   <a:extLst>
                     <a:ext uri="{FF2B5EF4-FFF2-40B4-BE49-F238E27FC236}">
-                      <a16:creationId xmlns="" xmlns:a16="http://schemas.microsoft.com/office/drawing/2014/main" id="{4B524DF1-4FBF-4DCD-87DD-6933CA051DC1}"/>
+                      <a16:creationId xmlns:a16="http://schemas.microsoft.com/office/drawing/2014/main" id="{4B524DF1-4FBF-4DCD-87DD-6933CA051DC1}"/>
                     </a:ext>
                   </a:extLst>
                 </p:cNvPr>
@@ -15115,7 +15126,7 @@
                   <p:cNvPr id="101" name="Retângulo: Cantos Arredondados 4">
                     <a:extLst>
                       <a:ext uri="{FF2B5EF4-FFF2-40B4-BE49-F238E27FC236}">
-                        <a16:creationId xmlns="" xmlns:a16="http://schemas.microsoft.com/office/drawing/2014/main" id="{8D4B0446-458A-41F9-9F38-FA624B910448}"/>
+                        <a16:creationId xmlns:a16="http://schemas.microsoft.com/office/drawing/2014/main" id="{8D4B0446-458A-41F9-9F38-FA624B910448}"/>
                       </a:ext>
                     </a:extLst>
                   </p:cNvPr>
@@ -15166,7 +15177,7 @@
                   <p:cNvPr id="102" name="Retângulo: Cantos Arredondados 5">
                     <a:extLst>
                       <a:ext uri="{FF2B5EF4-FFF2-40B4-BE49-F238E27FC236}">
-                        <a16:creationId xmlns="" xmlns:a16="http://schemas.microsoft.com/office/drawing/2014/main" id="{C8D52F37-049A-43B9-AAAC-C3D32D8A4E7F}"/>
+                        <a16:creationId xmlns:a16="http://schemas.microsoft.com/office/drawing/2014/main" id="{C8D52F37-049A-43B9-AAAC-C3D32D8A4E7F}"/>
                       </a:ext>
                     </a:extLst>
                   </p:cNvPr>
@@ -15220,7 +15231,7 @@
                   <p:cNvPr id="103" name="Retângulo: Cantos Arredondados 6">
                     <a:extLst>
                       <a:ext uri="{FF2B5EF4-FFF2-40B4-BE49-F238E27FC236}">
-                        <a16:creationId xmlns="" xmlns:a16="http://schemas.microsoft.com/office/drawing/2014/main" id="{6410171E-B769-4DC5-BD52-1A881135387C}"/>
+                        <a16:creationId xmlns:a16="http://schemas.microsoft.com/office/drawing/2014/main" id="{6410171E-B769-4DC5-BD52-1A881135387C}"/>
                       </a:ext>
                     </a:extLst>
                   </p:cNvPr>
@@ -15274,7 +15285,7 @@
                   <p:cNvPr id="104" name="Forma Livre: Forma 7">
                     <a:extLst>
                       <a:ext uri="{FF2B5EF4-FFF2-40B4-BE49-F238E27FC236}">
-                        <a16:creationId xmlns="" xmlns:a16="http://schemas.microsoft.com/office/drawing/2014/main" id="{9C3633A1-F46F-454E-89FF-9C26F0E82536}"/>
+                        <a16:creationId xmlns:a16="http://schemas.microsoft.com/office/drawing/2014/main" id="{9C3633A1-F46F-454E-89FF-9C26F0E82536}"/>
                       </a:ext>
                     </a:extLst>
                   </p:cNvPr>
@@ -15405,7 +15416,7 @@
                   <p:cNvPr id="105" name="Retângulo 104">
                     <a:extLst>
                       <a:ext uri="{FF2B5EF4-FFF2-40B4-BE49-F238E27FC236}">
-                        <a16:creationId xmlns="" xmlns:a16="http://schemas.microsoft.com/office/drawing/2014/main" id="{C6677C20-D1C1-4FF7-84E5-1ABCD28E08FA}"/>
+                        <a16:creationId xmlns:a16="http://schemas.microsoft.com/office/drawing/2014/main" id="{C6677C20-D1C1-4FF7-84E5-1ABCD28E08FA}"/>
                       </a:ext>
                     </a:extLst>
                   </p:cNvPr>
@@ -15457,7 +15468,7 @@
                   <p:cNvPr id="106" name="Retângulo: Cantos Arredondados 9">
                     <a:extLst>
                       <a:ext uri="{FF2B5EF4-FFF2-40B4-BE49-F238E27FC236}">
-                        <a16:creationId xmlns="" xmlns:a16="http://schemas.microsoft.com/office/drawing/2014/main" id="{E50EAD44-EC47-4AC5-92EB-631085352C2D}"/>
+                        <a16:creationId xmlns:a16="http://schemas.microsoft.com/office/drawing/2014/main" id="{E50EAD44-EC47-4AC5-92EB-631085352C2D}"/>
                       </a:ext>
                     </a:extLst>
                   </p:cNvPr>
@@ -15511,7 +15522,7 @@
                   <p:cNvPr id="107" name="Retângulo: Cantos Arredondados 10">
                     <a:extLst>
                       <a:ext uri="{FF2B5EF4-FFF2-40B4-BE49-F238E27FC236}">
-                        <a16:creationId xmlns="" xmlns:a16="http://schemas.microsoft.com/office/drawing/2014/main" id="{2BF2A6E7-D817-4C0E-8EDC-EEEB6BBBFA13}"/>
+                        <a16:creationId xmlns:a16="http://schemas.microsoft.com/office/drawing/2014/main" id="{2BF2A6E7-D817-4C0E-8EDC-EEEB6BBBFA13}"/>
                       </a:ext>
                     </a:extLst>
                   </p:cNvPr>
@@ -15566,7 +15577,7 @@
                 <p:cNvPr id="94" name="Agrupar 93">
                   <a:extLst>
                     <a:ext uri="{FF2B5EF4-FFF2-40B4-BE49-F238E27FC236}">
-                      <a16:creationId xmlns="" xmlns:a16="http://schemas.microsoft.com/office/drawing/2014/main" id="{D8628CF8-F47D-4E27-8CDC-D58FB7CF8C36}"/>
+                      <a16:creationId xmlns:a16="http://schemas.microsoft.com/office/drawing/2014/main" id="{D8628CF8-F47D-4E27-8CDC-D58FB7CF8C36}"/>
                     </a:ext>
                   </a:extLst>
                 </p:cNvPr>
@@ -15586,7 +15597,7 @@
                   <p:cNvPr id="95" name="Forma Livre: Forma 94">
                     <a:extLst>
                       <a:ext uri="{FF2B5EF4-FFF2-40B4-BE49-F238E27FC236}">
-                        <a16:creationId xmlns="" xmlns:a16="http://schemas.microsoft.com/office/drawing/2014/main" id="{89DC7F12-19D9-42CD-8718-62513D53F5AD}"/>
+                        <a16:creationId xmlns:a16="http://schemas.microsoft.com/office/drawing/2014/main" id="{89DC7F12-19D9-42CD-8718-62513D53F5AD}"/>
                       </a:ext>
                     </a:extLst>
                   </p:cNvPr>
@@ -15721,7 +15732,7 @@
                   <p:cNvPr id="96" name="Forma Livre: Forma 95">
                     <a:extLst>
                       <a:ext uri="{FF2B5EF4-FFF2-40B4-BE49-F238E27FC236}">
-                        <a16:creationId xmlns="" xmlns:a16="http://schemas.microsoft.com/office/drawing/2014/main" id="{11C99363-6E30-4C1C-B8DC-809C57276743}"/>
+                        <a16:creationId xmlns:a16="http://schemas.microsoft.com/office/drawing/2014/main" id="{11C99363-6E30-4C1C-B8DC-809C57276743}"/>
                       </a:ext>
                     </a:extLst>
                   </p:cNvPr>
@@ -15856,7 +15867,7 @@
                   <p:cNvPr id="97" name="Elipse 96">
                     <a:extLst>
                       <a:ext uri="{FF2B5EF4-FFF2-40B4-BE49-F238E27FC236}">
-                        <a16:creationId xmlns="" xmlns:a16="http://schemas.microsoft.com/office/drawing/2014/main" id="{2CCF3187-84BD-449E-B437-7B5B3983433E}"/>
+                        <a16:creationId xmlns:a16="http://schemas.microsoft.com/office/drawing/2014/main" id="{2CCF3187-84BD-449E-B437-7B5B3983433E}"/>
                       </a:ext>
                     </a:extLst>
                   </p:cNvPr>
@@ -15908,7 +15919,7 @@
                   <p:cNvPr id="98" name="Retângulo: Cantos Arredondados 97">
                     <a:extLst>
                       <a:ext uri="{FF2B5EF4-FFF2-40B4-BE49-F238E27FC236}">
-                        <a16:creationId xmlns="" xmlns:a16="http://schemas.microsoft.com/office/drawing/2014/main" id="{BBACAF4A-AA43-4530-B9AE-2E0894AD5BD1}"/>
+                        <a16:creationId xmlns:a16="http://schemas.microsoft.com/office/drawing/2014/main" id="{BBACAF4A-AA43-4530-B9AE-2E0894AD5BD1}"/>
                       </a:ext>
                     </a:extLst>
                   </p:cNvPr>
@@ -15962,7 +15973,7 @@
                   <p:cNvPr id="99" name="Retângulo: Cantos Arredondados 98">
                     <a:extLst>
                       <a:ext uri="{FF2B5EF4-FFF2-40B4-BE49-F238E27FC236}">
-                        <a16:creationId xmlns="" xmlns:a16="http://schemas.microsoft.com/office/drawing/2014/main" id="{1832EC49-72EA-4FCA-BBCF-53A3987C8074}"/>
+                        <a16:creationId xmlns:a16="http://schemas.microsoft.com/office/drawing/2014/main" id="{1832EC49-72EA-4FCA-BBCF-53A3987C8074}"/>
                       </a:ext>
                     </a:extLst>
                   </p:cNvPr>
@@ -16016,7 +16027,7 @@
                   <p:cNvPr id="100" name="Retângulo: Cantos Arredondados 99">
                     <a:extLst>
                       <a:ext uri="{FF2B5EF4-FFF2-40B4-BE49-F238E27FC236}">
-                        <a16:creationId xmlns="" xmlns:a16="http://schemas.microsoft.com/office/drawing/2014/main" id="{4149D41B-6A79-40EF-AA89-2D0599E06E31}"/>
+                        <a16:creationId xmlns:a16="http://schemas.microsoft.com/office/drawing/2014/main" id="{4149D41B-6A79-40EF-AA89-2D0599E06E31}"/>
                       </a:ext>
                     </a:extLst>
                   </p:cNvPr>
@@ -16072,7 +16083,7 @@
               <p:cNvPr id="87" name="Agrupar 11">
                 <a:extLst>
                   <a:ext uri="{FF2B5EF4-FFF2-40B4-BE49-F238E27FC236}">
-                    <a16:creationId xmlns="" xmlns:a16="http://schemas.microsoft.com/office/drawing/2014/main" id="{FF1ACDFF-53C4-4046-8BAC-5659A177F97F}"/>
+                    <a16:creationId xmlns:a16="http://schemas.microsoft.com/office/drawing/2014/main" id="{FF1ACDFF-53C4-4046-8BAC-5659A177F97F}"/>
                   </a:ext>
                 </a:extLst>
               </p:cNvPr>
@@ -16092,7 +16103,7 @@
                 <p:cNvPr id="91" name="Retângulo: Cantos Arredondados 12">
                   <a:extLst>
                     <a:ext uri="{FF2B5EF4-FFF2-40B4-BE49-F238E27FC236}">
-                      <a16:creationId xmlns="" xmlns:a16="http://schemas.microsoft.com/office/drawing/2014/main" id="{32E5891B-A731-4FB5-ACF6-163B15D99891}"/>
+                      <a16:creationId xmlns:a16="http://schemas.microsoft.com/office/drawing/2014/main" id="{32E5891B-A731-4FB5-ACF6-163B15D99891}"/>
                     </a:ext>
                   </a:extLst>
                 </p:cNvPr>
@@ -16146,7 +16157,7 @@
                 <p:cNvPr id="92" name="Retângulo: Cantos Arredondados 13">
                   <a:extLst>
                     <a:ext uri="{FF2B5EF4-FFF2-40B4-BE49-F238E27FC236}">
-                      <a16:creationId xmlns="" xmlns:a16="http://schemas.microsoft.com/office/drawing/2014/main" id="{A814D18B-E602-4B8A-B9D1-141DB84BE861}"/>
+                      <a16:creationId xmlns:a16="http://schemas.microsoft.com/office/drawing/2014/main" id="{A814D18B-E602-4B8A-B9D1-141DB84BE861}"/>
                     </a:ext>
                   </a:extLst>
                 </p:cNvPr>
@@ -16201,7 +16212,7 @@
               <p:cNvPr id="88" name="Agrupar 14">
                 <a:extLst>
                   <a:ext uri="{FF2B5EF4-FFF2-40B4-BE49-F238E27FC236}">
-                    <a16:creationId xmlns="" xmlns:a16="http://schemas.microsoft.com/office/drawing/2014/main" id="{42451D24-90B3-4435-B4C1-6FA153B0B718}"/>
+                    <a16:creationId xmlns:a16="http://schemas.microsoft.com/office/drawing/2014/main" id="{42451D24-90B3-4435-B4C1-6FA153B0B718}"/>
                   </a:ext>
                 </a:extLst>
               </p:cNvPr>
@@ -16221,7 +16232,7 @@
                 <p:cNvPr id="89" name="Retângulo: Cantos Arredondados 15">
                   <a:extLst>
                     <a:ext uri="{FF2B5EF4-FFF2-40B4-BE49-F238E27FC236}">
-                      <a16:creationId xmlns="" xmlns:a16="http://schemas.microsoft.com/office/drawing/2014/main" id="{C1D98CE6-45EE-4230-94AF-921530AF0B61}"/>
+                      <a16:creationId xmlns:a16="http://schemas.microsoft.com/office/drawing/2014/main" id="{C1D98CE6-45EE-4230-94AF-921530AF0B61}"/>
                     </a:ext>
                   </a:extLst>
                 </p:cNvPr>
@@ -16275,7 +16286,7 @@
                 <p:cNvPr id="90" name="Retângulo: Cantos Arredondados 16">
                   <a:extLst>
                     <a:ext uri="{FF2B5EF4-FFF2-40B4-BE49-F238E27FC236}">
-                      <a16:creationId xmlns="" xmlns:a16="http://schemas.microsoft.com/office/drawing/2014/main" id="{DF5208D3-1CB5-409A-9B7D-5DA9FED0333F}"/>
+                      <a16:creationId xmlns:a16="http://schemas.microsoft.com/office/drawing/2014/main" id="{DF5208D3-1CB5-409A-9B7D-5DA9FED0333F}"/>
                     </a:ext>
                   </a:extLst>
                 </p:cNvPr>
@@ -16331,7 +16342,7 @@
             <p:cNvPr id="83" name="Agrupar 82">
               <a:extLst>
                 <a:ext uri="{FF2B5EF4-FFF2-40B4-BE49-F238E27FC236}">
-                  <a16:creationId xmlns="" xmlns:a16="http://schemas.microsoft.com/office/drawing/2014/main" id="{54960447-FDFF-45DE-A838-1492FDC600D6}"/>
+                  <a16:creationId xmlns:a16="http://schemas.microsoft.com/office/drawing/2014/main" id="{54960447-FDFF-45DE-A838-1492FDC600D6}"/>
                 </a:ext>
               </a:extLst>
             </p:cNvPr>
@@ -16351,7 +16362,7 @@
               <p:cNvPr id="84" name="Forma Livre: Forma 83">
                 <a:extLst>
                   <a:ext uri="{FF2B5EF4-FFF2-40B4-BE49-F238E27FC236}">
-                    <a16:creationId xmlns="" xmlns:a16="http://schemas.microsoft.com/office/drawing/2014/main" id="{1ECD66CD-F12E-4DA6-A566-D11A15F0E2FE}"/>
+                    <a16:creationId xmlns:a16="http://schemas.microsoft.com/office/drawing/2014/main" id="{1ECD66CD-F12E-4DA6-A566-D11A15F0E2FE}"/>
                   </a:ext>
                 </a:extLst>
               </p:cNvPr>
@@ -16458,7 +16469,7 @@
               <p:cNvPr id="85" name="Forma Livre: Forma 84">
                 <a:extLst>
                   <a:ext uri="{FF2B5EF4-FFF2-40B4-BE49-F238E27FC236}">
-                    <a16:creationId xmlns="" xmlns:a16="http://schemas.microsoft.com/office/drawing/2014/main" id="{D06248FC-2E8C-4724-9ADC-7EEFDB4EE49F}"/>
+                    <a16:creationId xmlns:a16="http://schemas.microsoft.com/office/drawing/2014/main" id="{D06248FC-2E8C-4724-9ADC-7EEFDB4EE49F}"/>
                   </a:ext>
                 </a:extLst>
               </p:cNvPr>
@@ -17572,11 +17583,11 @@
   <p:clrMapOvr>
     <a:masterClrMapping/>
   </p:clrMapOvr>
-  <mc:AlternateContent xmlns:mc="http://schemas.openxmlformats.org/markup-compatibility/2006">
-    <mc:Choice xmlns:p14="http://schemas.microsoft.com/office/powerpoint/2010/main" Requires="p14">
+  <mc:AlternateContent xmlns:mc="http://schemas.openxmlformats.org/markup-compatibility/2006" xmlns:p14="http://schemas.microsoft.com/office/powerpoint/2010/main">
+    <mc:Choice Requires="p14">
       <p:transition spd="slow" p14:dur="2000" advClick="0" advTm="2000"/>
     </mc:Choice>
-    <mc:Fallback>
+    <mc:Fallback xmlns="">
       <p:transition spd="slow" advClick="0" advTm="2000"/>
     </mc:Fallback>
   </mc:AlternateContent>
@@ -17692,7 +17703,7 @@
                                     </p:set>
                                     <p:anim calcmode="lin" valueType="num">
                                       <p:cBhvr>
-                                        <p:cTn id="12" dur="1000" fill="hold"/>
+                                        <p:cTn id="12" dur="4000" fill="hold"/>
                                         <p:tgtEl>
                                           <p:spTgt spid="120"/>
                                         </p:tgtEl>
@@ -17715,7 +17726,7 @@
                                     </p:anim>
                                     <p:anim calcmode="lin" valueType="num">
                                       <p:cBhvr>
-                                        <p:cTn id="13" dur="1000" fill="hold"/>
+                                        <p:cTn id="13" dur="4000" fill="hold"/>
                                         <p:tgtEl>
                                           <p:spTgt spid="120"/>
                                         </p:tgtEl>
@@ -17738,7 +17749,7 @@
                                     </p:anim>
                                     <p:anim calcmode="lin" valueType="num">
                                       <p:cBhvr>
-                                        <p:cTn id="14" dur="1000" fill="hold"/>
+                                        <p:cTn id="14" dur="4000" fill="hold"/>
                                         <p:tgtEl>
                                           <p:spTgt spid="120"/>
                                         </p:tgtEl>
@@ -17761,7 +17772,7 @@
                                     </p:anim>
                                     <p:animEffect transition="in" filter="fade">
                                       <p:cBhvr>
-                                        <p:cTn id="15" dur="1000"/>
+                                        <p:cTn id="15" dur="4000"/>
                                         <p:tgtEl>
                                           <p:spTgt spid="120"/>
                                         </p:tgtEl>
@@ -17796,7 +17807,7 @@
                                     </p:set>
                                     <p:anim calcmode="lin" valueType="num">
                                       <p:cBhvr>
-                                        <p:cTn id="18" dur="1000" fill="hold"/>
+                                        <p:cTn id="18" dur="4000" fill="hold"/>
                                         <p:tgtEl>
                                           <p:spTgt spid="21"/>
                                         </p:tgtEl>
@@ -17819,7 +17830,7 @@
                                     </p:anim>
                                     <p:anim calcmode="lin" valueType="num">
                                       <p:cBhvr>
-                                        <p:cTn id="19" dur="1000" fill="hold"/>
+                                        <p:cTn id="19" dur="4000" fill="hold"/>
                                         <p:tgtEl>
                                           <p:spTgt spid="21"/>
                                         </p:tgtEl>
@@ -17842,7 +17853,7 @@
                                     </p:anim>
                                     <p:anim calcmode="lin" valueType="num">
                                       <p:cBhvr>
-                                        <p:cTn id="20" dur="1000" fill="hold"/>
+                                        <p:cTn id="20" dur="4000" fill="hold"/>
                                         <p:tgtEl>
                                           <p:spTgt spid="21"/>
                                         </p:tgtEl>
@@ -17865,7 +17876,7 @@
                                     </p:anim>
                                     <p:animEffect transition="in" filter="fade">
                                       <p:cBhvr>
-                                        <p:cTn id="21" dur="1000"/>
+                                        <p:cTn id="21" dur="4000"/>
                                         <p:tgtEl>
                                           <p:spTgt spid="21"/>
                                         </p:tgtEl>
@@ -18888,7 +18899,7 @@
           <p:cNvPr id="5" name="Retângulo 4">
             <a:extLst>
               <a:ext uri="{FF2B5EF4-FFF2-40B4-BE49-F238E27FC236}">
-                <a16:creationId xmlns="" xmlns:a16="http://schemas.microsoft.com/office/drawing/2014/main" id="{BAB3F456-50CC-41AE-9B76-EC97A2174643}"/>
+                <a16:creationId xmlns:a16="http://schemas.microsoft.com/office/drawing/2014/main" id="{BAB3F456-50CC-41AE-9B76-EC97A2174643}"/>
               </a:ext>
             </a:extLst>
           </p:cNvPr>
@@ -18942,7 +18953,7 @@
           <p:cNvPr id="8" name="Retângulo 7">
             <a:extLst>
               <a:ext uri="{FF2B5EF4-FFF2-40B4-BE49-F238E27FC236}">
-                <a16:creationId xmlns="" xmlns:a16="http://schemas.microsoft.com/office/drawing/2014/main" id="{BAB3F456-50CC-41AE-9B76-EC97A2174643}"/>
+                <a16:creationId xmlns:a16="http://schemas.microsoft.com/office/drawing/2014/main" id="{BAB3F456-50CC-41AE-9B76-EC97A2174643}"/>
               </a:ext>
             </a:extLst>
           </p:cNvPr>
@@ -19012,7 +19023,7 @@
           <a:lstStyle/>
           <a:p>
             <a:r>
-              <a:rPr lang="pt-BR" sz="5400" b="1" dirty="0" smtClean="0">
+              <a:rPr lang="pt-BR" sz="5400" b="1" dirty="0">
                 <a:solidFill>
                   <a:schemeClr val="bg1"/>
                 </a:solidFill>
@@ -19020,12 +19031,6 @@
               </a:rPr>
               <a:t>MELHORE SEU DESEMPENHO ACADÊMICO</a:t>
             </a:r>
-            <a:endParaRPr lang="pt-BR" sz="5400" b="1" dirty="0">
-              <a:solidFill>
-                <a:schemeClr val="bg1"/>
-              </a:solidFill>
-              <a:latin typeface="Agency FB" panose="020B0503020202020204" pitchFamily="34" charset="0"/>
-            </a:endParaRPr>
           </a:p>
         </p:txBody>
       </p:sp>
@@ -20330,7 +20335,7 @@
             <a:lstStyle/>
             <a:p>
               <a:r>
-                <a:rPr lang="pt-BR" sz="3600" b="1" dirty="0" smtClean="0">
+                <a:rPr lang="pt-BR" sz="3600" b="1" dirty="0">
                   <a:solidFill>
                     <a:srgbClr val="0AB39C"/>
                   </a:solidFill>
@@ -20512,7 +20517,7 @@
               <a:lstStyle/>
               <a:p>
                 <a:r>
-                  <a:rPr lang="pt-BR" sz="3600" b="1" dirty="0" smtClean="0">
+                  <a:rPr lang="pt-BR" sz="3600" b="1" dirty="0">
                     <a:solidFill>
                       <a:srgbClr val="0AB39C"/>
                     </a:solidFill>
@@ -20683,7 +20688,7 @@
               <a:lstStyle/>
               <a:p>
                 <a:r>
-                  <a:rPr lang="pt-BR" sz="3200" b="1" dirty="0" smtClean="0">
+                  <a:rPr lang="pt-BR" sz="3200" b="1" dirty="0">
                     <a:solidFill>
                       <a:srgbClr val="0AB39C"/>
                     </a:solidFill>
@@ -21319,24 +21324,15 @@
                                   </p:childTnLst>
                                 </p:cTn>
                               </p:par>
-                            </p:childTnLst>
-                          </p:cTn>
-                        </p:par>
-                        <p:par>
-                          <p:cTn id="30" fill="hold">
-                            <p:stCondLst>
-                              <p:cond delay="1750"/>
-                            </p:stCondLst>
-                            <p:childTnLst>
                               <p:par>
-                                <p:cTn id="31" presetID="1" presetClass="entr" presetSubtype="0" fill="hold" nodeType="afterEffect">
+                                <p:cTn id="30" presetID="1" presetClass="entr" presetSubtype="0" fill="hold" nodeType="withEffect">
                                   <p:stCondLst>
-                                    <p:cond delay="0"/>
+                                    <p:cond delay="1500"/>
                                   </p:stCondLst>
                                   <p:childTnLst>
                                     <p:set>
                                       <p:cBhvr>
-                                        <p:cTn id="32" dur="1" fill="hold">
+                                        <p:cTn id="31" dur="1" fill="hold">
                                           <p:stCondLst>
                                             <p:cond delay="0"/>
                                           </p:stCondLst>
@@ -21356,14 +21352,14 @@
                                 </p:cTn>
                               </p:par>
                               <p:par>
-                                <p:cTn id="33" presetID="1" presetClass="entr" presetSubtype="0" fill="hold" nodeType="withEffect">
+                                <p:cTn id="32" presetID="1" presetClass="entr" presetSubtype="0" fill="hold" nodeType="withEffect">
                                   <p:stCondLst>
-                                    <p:cond delay="0"/>
+                                    <p:cond delay="1500"/>
                                   </p:stCondLst>
                                   <p:childTnLst>
                                     <p:set>
                                       <p:cBhvr>
-                                        <p:cTn id="34" dur="1" fill="hold">
+                                        <p:cTn id="33" dur="1" fill="hold">
                                           <p:stCondLst>
                                             <p:cond delay="0"/>
                                           </p:stCondLst>
@@ -21383,14 +21379,14 @@
                                 </p:cTn>
                               </p:par>
                               <p:par>
-                                <p:cTn id="35" presetID="1" presetClass="entr" presetSubtype="0" fill="hold" nodeType="withEffect">
+                                <p:cTn id="34" presetID="1" presetClass="entr" presetSubtype="0" fill="hold" nodeType="withEffect">
                                   <p:stCondLst>
-                                    <p:cond delay="0"/>
+                                    <p:cond delay="1500"/>
                                   </p:stCondLst>
                                   <p:childTnLst>
                                     <p:set>
                                       <p:cBhvr>
-                                        <p:cTn id="36" dur="1" fill="hold">
+                                        <p:cTn id="35" dur="1" fill="hold">
                                           <p:stCondLst>
                                             <p:cond delay="0"/>
                                           </p:stCondLst>
@@ -21409,24 +21405,15 @@
                                   </p:childTnLst>
                                 </p:cTn>
                               </p:par>
-                            </p:childTnLst>
-                          </p:cTn>
-                        </p:par>
-                        <p:par>
-                          <p:cTn id="37" fill="hold">
-                            <p:stCondLst>
-                              <p:cond delay="1750"/>
-                            </p:stCondLst>
-                            <p:childTnLst>
                               <p:par>
-                                <p:cTn id="38" presetID="42" presetClass="path" presetSubtype="0" accel="50000" decel="50000" fill="hold" nodeType="afterEffect">
+                                <p:cTn id="36" presetID="42" presetClass="path" presetSubtype="0" accel="50000" decel="50000" fill="hold" nodeType="withEffect">
                                   <p:stCondLst>
-                                    <p:cond delay="0"/>
+                                    <p:cond delay="1750"/>
                                   </p:stCondLst>
                                   <p:childTnLst>
                                     <p:animMotion origin="layout" path="M 8.33333E-7 -0.36393 L 8.33333E-7 0.33618 " pathEditMode="relative" rAng="0" ptsTypes="AA">
                                       <p:cBhvr>
-                                        <p:cTn id="39" dur="2000" fill="hold"/>
+                                        <p:cTn id="37" dur="750" fill="hold"/>
                                         <p:tgtEl>
                                           <p:spTgt spid="20"/>
                                         </p:tgtEl>
@@ -21441,14 +21428,14 @@
                                 </p:cTn>
                               </p:par>
                               <p:par>
-                                <p:cTn id="40" presetID="42" presetClass="path" presetSubtype="0" accel="50000" decel="50000" fill="hold" nodeType="withEffect">
+                                <p:cTn id="38" presetID="42" presetClass="path" presetSubtype="0" accel="50000" decel="50000" fill="hold" nodeType="withEffect">
                                   <p:stCondLst>
-                                    <p:cond delay="250"/>
+                                    <p:cond delay="2000"/>
                                   </p:stCondLst>
                                   <p:childTnLst>
                                     <p:animMotion origin="layout" path="M 8.33333E-7 -0.34474 L 8.33333E-7 0.35746 " pathEditMode="relative" rAng="0" ptsTypes="AA">
                                       <p:cBhvr>
-                                        <p:cTn id="41" dur="2000" fill="hold"/>
+                                        <p:cTn id="39" dur="750" fill="hold"/>
                                         <p:tgtEl>
                                           <p:spTgt spid="25"/>
                                         </p:tgtEl>
@@ -21463,14 +21450,14 @@
                                 </p:cTn>
                               </p:par>
                               <p:par>
-                                <p:cTn id="42" presetID="42" presetClass="path" presetSubtype="0" accel="50000" decel="50000" fill="hold" nodeType="withEffect">
+                                <p:cTn id="40" presetID="42" presetClass="path" presetSubtype="0" accel="50000" decel="50000" fill="hold" nodeType="withEffect">
                                   <p:stCondLst>
-                                    <p:cond delay="750"/>
+                                    <p:cond delay="1500"/>
                                   </p:stCondLst>
                                   <p:childTnLst>
                                     <p:animMotion origin="layout" path="M -3.33333E-6 -0.27099 L -3.33333E-6 0.30427 " pathEditMode="relative" rAng="0" ptsTypes="AA">
                                       <p:cBhvr>
-                                        <p:cTn id="43" dur="2000" fill="hold"/>
+                                        <p:cTn id="41" dur="750" fill="hold"/>
                                         <p:tgtEl>
                                           <p:spTgt spid="28"/>
                                         </p:tgtEl>
@@ -21480,6 +21467,3204 @@
                                         </p:attrNameLst>
                                       </p:cBhvr>
                                       <p:rCtr x="0" y="28763"/>
+                                    </p:animMotion>
+                                  </p:childTnLst>
+                                </p:cTn>
+                              </p:par>
+                            </p:childTnLst>
+                          </p:cTn>
+                        </p:par>
+                      </p:childTnLst>
+                    </p:cTn>
+                  </p:par>
+                </p:childTnLst>
+              </p:cTn>
+              <p:prevCondLst>
+                <p:cond evt="onPrev" delay="0">
+                  <p:tgtEl>
+                    <p:sldTgt/>
+                  </p:tgtEl>
+                </p:cond>
+              </p:prevCondLst>
+              <p:nextCondLst>
+                <p:cond evt="onNext" delay="0">
+                  <p:tgtEl>
+                    <p:sldTgt/>
+                  </p:tgtEl>
+                </p:cond>
+              </p:nextCondLst>
+            </p:seq>
+          </p:childTnLst>
+        </p:cTn>
+      </p:par>
+    </p:tnLst>
+  </p:timing>
+</p:sld>
+</file>
+
+<file path=ppt/slides/slide7.xml><?xml version="1.0" encoding="utf-8"?>
+<p:sld xmlns:a="http://schemas.openxmlformats.org/drawingml/2006/main" xmlns:r="http://schemas.openxmlformats.org/officeDocument/2006/relationships" xmlns:p="http://schemas.openxmlformats.org/presentationml/2006/main">
+  <p:cSld>
+    <p:bg>
+      <p:bgPr>
+        <a:solidFill>
+          <a:schemeClr val="bg1"/>
+        </a:solidFill>
+        <a:effectLst/>
+      </p:bgPr>
+    </p:bg>
+    <p:spTree>
+      <p:nvGrpSpPr>
+        <p:cNvPr id="1" name=""/>
+        <p:cNvGrpSpPr/>
+        <p:nvPr/>
+      </p:nvGrpSpPr>
+      <p:grpSpPr>
+        <a:xfrm>
+          <a:off x="0" y="0"/>
+          <a:ext cx="0" cy="0"/>
+          <a:chOff x="0" y="0"/>
+          <a:chExt cx="0" cy="0"/>
+        </a:xfrm>
+      </p:grpSpPr>
+      <p:sp>
+        <p:nvSpPr>
+          <p:cNvPr id="39" name="Retângulo 38">
+            <a:extLst>
+              <a:ext uri="{FF2B5EF4-FFF2-40B4-BE49-F238E27FC236}">
+                <a16:creationId xmlns:a16="http://schemas.microsoft.com/office/drawing/2014/main" id="{054209AC-81CE-47B8-802D-C3BA757B3EDE}"/>
+              </a:ext>
+            </a:extLst>
+          </p:cNvPr>
+          <p:cNvSpPr/>
+          <p:nvPr/>
+        </p:nvSpPr>
+        <p:spPr>
+          <a:xfrm>
+            <a:off x="0" y="0"/>
+            <a:ext cx="12192000" cy="6858000"/>
+          </a:xfrm>
+          <a:prstGeom prst="rect">
+            <a:avLst/>
+          </a:prstGeom>
+          <a:solidFill>
+            <a:schemeClr val="bg1">
+              <a:lumMod val="95000"/>
+            </a:schemeClr>
+          </a:solidFill>
+          <a:ln>
+            <a:noFill/>
+          </a:ln>
+        </p:spPr>
+        <p:style>
+          <a:lnRef idx="2">
+            <a:schemeClr val="accent1">
+              <a:shade val="50000"/>
+            </a:schemeClr>
+          </a:lnRef>
+          <a:fillRef idx="1">
+            <a:schemeClr val="accent1"/>
+          </a:fillRef>
+          <a:effectRef idx="0">
+            <a:schemeClr val="accent1"/>
+          </a:effectRef>
+          <a:fontRef idx="minor">
+            <a:schemeClr val="lt1"/>
+          </a:fontRef>
+        </p:style>
+        <p:txBody>
+          <a:bodyPr rtlCol="0" anchor="ctr"/>
+          <a:lstStyle/>
+          <a:p>
+            <a:pPr algn="ctr"/>
+            <a:endParaRPr lang="pt-BR"/>
+          </a:p>
+        </p:txBody>
+      </p:sp>
+      <p:sp>
+        <p:nvSpPr>
+          <p:cNvPr id="38" name="Retângulo 37">
+            <a:extLst>
+              <a:ext uri="{FF2B5EF4-FFF2-40B4-BE49-F238E27FC236}">
+                <a16:creationId xmlns:a16="http://schemas.microsoft.com/office/drawing/2014/main" id="{5F694A70-191A-468B-84F1-BE9B851E10D8}"/>
+              </a:ext>
+            </a:extLst>
+          </p:cNvPr>
+          <p:cNvSpPr/>
+          <p:nvPr/>
+        </p:nvSpPr>
+        <p:spPr>
+          <a:xfrm>
+            <a:off x="0" y="0"/>
+            <a:ext cx="12192000" cy="6858000"/>
+          </a:xfrm>
+          <a:prstGeom prst="rect">
+            <a:avLst/>
+          </a:prstGeom>
+          <a:solidFill>
+            <a:srgbClr val="006CC1"/>
+          </a:solidFill>
+          <a:ln>
+            <a:noFill/>
+          </a:ln>
+        </p:spPr>
+        <p:style>
+          <a:lnRef idx="2">
+            <a:schemeClr val="accent1">
+              <a:shade val="50000"/>
+            </a:schemeClr>
+          </a:lnRef>
+          <a:fillRef idx="1">
+            <a:schemeClr val="accent1"/>
+          </a:fillRef>
+          <a:effectRef idx="0">
+            <a:schemeClr val="accent1"/>
+          </a:effectRef>
+          <a:fontRef idx="minor">
+            <a:schemeClr val="lt1"/>
+          </a:fontRef>
+        </p:style>
+        <p:txBody>
+          <a:bodyPr rtlCol="0" anchor="ctr"/>
+          <a:lstStyle/>
+          <a:p>
+            <a:pPr algn="ctr"/>
+            <a:endParaRPr lang="pt-BR"/>
+          </a:p>
+        </p:txBody>
+      </p:sp>
+      <p:sp>
+        <p:nvSpPr>
+          <p:cNvPr id="40" name="CaixaDeTexto 39">
+            <a:extLst>
+              <a:ext uri="{FF2B5EF4-FFF2-40B4-BE49-F238E27FC236}">
+                <a16:creationId xmlns:a16="http://schemas.microsoft.com/office/drawing/2014/main" id="{A8F9B3D4-13C1-4A25-A9AB-436EF3B88EA2}"/>
+              </a:ext>
+            </a:extLst>
+          </p:cNvPr>
+          <p:cNvSpPr txBox="1"/>
+          <p:nvPr/>
+        </p:nvSpPr>
+        <p:spPr>
+          <a:xfrm>
+            <a:off x="2381986" y="2459616"/>
+            <a:ext cx="7704943" cy="1446550"/>
+          </a:xfrm>
+          <a:prstGeom prst="rect">
+            <a:avLst/>
+          </a:prstGeom>
+          <a:noFill/>
+        </p:spPr>
+        <p:txBody>
+          <a:bodyPr wrap="square" rtlCol="0">
+            <a:spAutoFit/>
+          </a:bodyPr>
+          <a:lstStyle/>
+          <a:p>
+            <a:pPr algn="ctr"/>
+            <a:r>
+              <a:rPr lang="pt-BR" sz="4400" dirty="0">
+                <a:solidFill>
+                  <a:schemeClr val="bg1"/>
+                </a:solidFill>
+                <a:latin typeface="Righteous" panose="02010506000000020000" pitchFamily="2" charset="0"/>
+              </a:rPr>
+              <a:t>ADICIONE FILTROS PARA PESQUISAR SUAS TAREFAS</a:t>
+            </a:r>
+          </a:p>
+        </p:txBody>
+      </p:sp>
+    </p:spTree>
+    <p:extLst>
+      <p:ext uri="{BB962C8B-B14F-4D97-AF65-F5344CB8AC3E}">
+        <p14:creationId xmlns:p14="http://schemas.microsoft.com/office/powerpoint/2010/main" val="2068148537"/>
+      </p:ext>
+    </p:extLst>
+  </p:cSld>
+  <p:clrMapOvr>
+    <a:masterClrMapping/>
+  </p:clrMapOvr>
+  <mc:AlternateContent xmlns:mc="http://schemas.openxmlformats.org/markup-compatibility/2006" xmlns:p14="http://schemas.microsoft.com/office/powerpoint/2010/main">
+    <mc:Choice Requires="p14">
+      <p:transition spd="slow" p14:dur="2000" advClick="0" advTm="4000"/>
+    </mc:Choice>
+    <mc:Fallback xmlns="">
+      <p:transition spd="slow" advClick="0" advTm="4000"/>
+    </mc:Fallback>
+  </mc:AlternateContent>
+  <p:timing>
+    <p:tnLst>
+      <p:par>
+        <p:cTn id="1" dur="indefinite" restart="never" nodeType="tmRoot">
+          <p:childTnLst>
+            <p:seq concurrent="1" nextAc="seek">
+              <p:cTn id="2" dur="indefinite" nodeType="mainSeq">
+                <p:childTnLst>
+                  <p:par>
+                    <p:cTn id="3" fill="hold">
+                      <p:stCondLst>
+                        <p:cond delay="indefinite"/>
+                        <p:cond evt="onBegin" delay="0">
+                          <p:tn val="2"/>
+                        </p:cond>
+                      </p:stCondLst>
+                      <p:childTnLst>
+                        <p:par>
+                          <p:cTn id="4" fill="hold">
+                            <p:stCondLst>
+                              <p:cond delay="0"/>
+                            </p:stCondLst>
+                            <p:childTnLst>
+                              <p:par>
+                                <p:cTn id="5" presetID="2" presetClass="entr" presetSubtype="4" decel="100000" fill="hold" grpId="0" nodeType="withEffect">
+                                  <p:stCondLst>
+                                    <p:cond delay="150"/>
+                                  </p:stCondLst>
+                                  <p:childTnLst>
+                                    <p:set>
+                                      <p:cBhvr>
+                                        <p:cTn id="6" dur="1" fill="hold">
+                                          <p:stCondLst>
+                                            <p:cond delay="0"/>
+                                          </p:stCondLst>
+                                        </p:cTn>
+                                        <p:tgtEl>
+                                          <p:spTgt spid="38"/>
+                                        </p:tgtEl>
+                                        <p:attrNameLst>
+                                          <p:attrName>style.visibility</p:attrName>
+                                        </p:attrNameLst>
+                                      </p:cBhvr>
+                                      <p:to>
+                                        <p:strVal val="visible"/>
+                                      </p:to>
+                                    </p:set>
+                                    <p:anim calcmode="lin" valueType="num">
+                                      <p:cBhvr additive="base">
+                                        <p:cTn id="7" dur="500" fill="hold"/>
+                                        <p:tgtEl>
+                                          <p:spTgt spid="38"/>
+                                        </p:tgtEl>
+                                        <p:attrNameLst>
+                                          <p:attrName>ppt_x</p:attrName>
+                                        </p:attrNameLst>
+                                      </p:cBhvr>
+                                      <p:tavLst>
+                                        <p:tav tm="0">
+                                          <p:val>
+                                            <p:strVal val="#ppt_x"/>
+                                          </p:val>
+                                        </p:tav>
+                                        <p:tav tm="100000">
+                                          <p:val>
+                                            <p:strVal val="#ppt_x"/>
+                                          </p:val>
+                                        </p:tav>
+                                      </p:tavLst>
+                                    </p:anim>
+                                    <p:anim calcmode="lin" valueType="num">
+                                      <p:cBhvr additive="base">
+                                        <p:cTn id="8" dur="500" fill="hold"/>
+                                        <p:tgtEl>
+                                          <p:spTgt spid="38"/>
+                                        </p:tgtEl>
+                                        <p:attrNameLst>
+                                          <p:attrName>ppt_y</p:attrName>
+                                        </p:attrNameLst>
+                                      </p:cBhvr>
+                                      <p:tavLst>
+                                        <p:tav tm="0">
+                                          <p:val>
+                                            <p:strVal val="1+#ppt_h/2"/>
+                                          </p:val>
+                                        </p:tav>
+                                        <p:tav tm="100000">
+                                          <p:val>
+                                            <p:strVal val="#ppt_y"/>
+                                          </p:val>
+                                        </p:tav>
+                                      </p:tavLst>
+                                    </p:anim>
+                                  </p:childTnLst>
+                                </p:cTn>
+                              </p:par>
+                              <p:par>
+                                <p:cTn id="9" presetID="2" presetClass="entr" presetSubtype="4" decel="100000" fill="hold" grpId="0" nodeType="withEffect">
+                                  <p:stCondLst>
+                                    <p:cond delay="0"/>
+                                  </p:stCondLst>
+                                  <p:childTnLst>
+                                    <p:set>
+                                      <p:cBhvr>
+                                        <p:cTn id="10" dur="1" fill="hold">
+                                          <p:stCondLst>
+                                            <p:cond delay="0"/>
+                                          </p:stCondLst>
+                                        </p:cTn>
+                                        <p:tgtEl>
+                                          <p:spTgt spid="39"/>
+                                        </p:tgtEl>
+                                        <p:attrNameLst>
+                                          <p:attrName>style.visibility</p:attrName>
+                                        </p:attrNameLst>
+                                      </p:cBhvr>
+                                      <p:to>
+                                        <p:strVal val="visible"/>
+                                      </p:to>
+                                    </p:set>
+                                    <p:anim calcmode="lin" valueType="num">
+                                      <p:cBhvr additive="base">
+                                        <p:cTn id="11" dur="500" fill="hold"/>
+                                        <p:tgtEl>
+                                          <p:spTgt spid="39"/>
+                                        </p:tgtEl>
+                                        <p:attrNameLst>
+                                          <p:attrName>ppt_x</p:attrName>
+                                        </p:attrNameLst>
+                                      </p:cBhvr>
+                                      <p:tavLst>
+                                        <p:tav tm="0">
+                                          <p:val>
+                                            <p:strVal val="#ppt_x"/>
+                                          </p:val>
+                                        </p:tav>
+                                        <p:tav tm="100000">
+                                          <p:val>
+                                            <p:strVal val="#ppt_x"/>
+                                          </p:val>
+                                        </p:tav>
+                                      </p:tavLst>
+                                    </p:anim>
+                                    <p:anim calcmode="lin" valueType="num">
+                                      <p:cBhvr additive="base">
+                                        <p:cTn id="12" dur="500" fill="hold"/>
+                                        <p:tgtEl>
+                                          <p:spTgt spid="39"/>
+                                        </p:tgtEl>
+                                        <p:attrNameLst>
+                                          <p:attrName>ppt_y</p:attrName>
+                                        </p:attrNameLst>
+                                      </p:cBhvr>
+                                      <p:tavLst>
+                                        <p:tav tm="0">
+                                          <p:val>
+                                            <p:strVal val="1+#ppt_h/2"/>
+                                          </p:val>
+                                        </p:tav>
+                                        <p:tav tm="100000">
+                                          <p:val>
+                                            <p:strVal val="#ppt_y"/>
+                                          </p:val>
+                                        </p:tav>
+                                      </p:tavLst>
+                                    </p:anim>
+                                  </p:childTnLst>
+                                </p:cTn>
+                              </p:par>
+                            </p:childTnLst>
+                          </p:cTn>
+                        </p:par>
+                        <p:par>
+                          <p:cTn id="13" fill="hold">
+                            <p:stCondLst>
+                              <p:cond delay="650"/>
+                            </p:stCondLst>
+                            <p:childTnLst>
+                              <p:par>
+                                <p:cTn id="14" presetID="2" presetClass="entr" presetSubtype="4" decel="100000" fill="hold" grpId="0" nodeType="afterEffect">
+                                  <p:stCondLst>
+                                    <p:cond delay="0"/>
+                                  </p:stCondLst>
+                                  <p:iterate type="lt">
+                                    <p:tmPct val="10000"/>
+                                  </p:iterate>
+                                  <p:childTnLst>
+                                    <p:set>
+                                      <p:cBhvr>
+                                        <p:cTn id="15" dur="1" fill="hold">
+                                          <p:stCondLst>
+                                            <p:cond delay="0"/>
+                                          </p:stCondLst>
+                                        </p:cTn>
+                                        <p:tgtEl>
+                                          <p:spTgt spid="40"/>
+                                        </p:tgtEl>
+                                        <p:attrNameLst>
+                                          <p:attrName>style.visibility</p:attrName>
+                                        </p:attrNameLst>
+                                      </p:cBhvr>
+                                      <p:to>
+                                        <p:strVal val="visible"/>
+                                      </p:to>
+                                    </p:set>
+                                    <p:anim calcmode="lin" valueType="num">
+                                      <p:cBhvr additive="base">
+                                        <p:cTn id="16" dur="500" fill="hold"/>
+                                        <p:tgtEl>
+                                          <p:spTgt spid="40"/>
+                                        </p:tgtEl>
+                                        <p:attrNameLst>
+                                          <p:attrName>ppt_x</p:attrName>
+                                        </p:attrNameLst>
+                                      </p:cBhvr>
+                                      <p:tavLst>
+                                        <p:tav tm="0">
+                                          <p:val>
+                                            <p:strVal val="#ppt_x"/>
+                                          </p:val>
+                                        </p:tav>
+                                        <p:tav tm="100000">
+                                          <p:val>
+                                            <p:strVal val="#ppt_x"/>
+                                          </p:val>
+                                        </p:tav>
+                                      </p:tavLst>
+                                    </p:anim>
+                                    <p:anim calcmode="lin" valueType="num">
+                                      <p:cBhvr additive="base">
+                                        <p:cTn id="17" dur="500" fill="hold"/>
+                                        <p:tgtEl>
+                                          <p:spTgt spid="40"/>
+                                        </p:tgtEl>
+                                        <p:attrNameLst>
+                                          <p:attrName>ppt_y</p:attrName>
+                                        </p:attrNameLst>
+                                      </p:cBhvr>
+                                      <p:tavLst>
+                                        <p:tav tm="0">
+                                          <p:val>
+                                            <p:strVal val="1+#ppt_h/2"/>
+                                          </p:val>
+                                        </p:tav>
+                                        <p:tav tm="100000">
+                                          <p:val>
+                                            <p:strVal val="#ppt_y"/>
+                                          </p:val>
+                                        </p:tav>
+                                      </p:tavLst>
+                                    </p:anim>
+                                  </p:childTnLst>
+                                </p:cTn>
+                              </p:par>
+                            </p:childTnLst>
+                          </p:cTn>
+                        </p:par>
+                        <p:par>
+                          <p:cTn id="18" fill="hold">
+                            <p:stCondLst>
+                              <p:cond delay="3050"/>
+                            </p:stCondLst>
+                            <p:childTnLst>
+                              <p:par>
+                                <p:cTn id="19" presetID="2" presetClass="exit" presetSubtype="1" accel="100000" fill="hold" grpId="2" nodeType="afterEffect">
+                                  <p:stCondLst>
+                                    <p:cond delay="750"/>
+                                  </p:stCondLst>
+                                  <p:iterate type="lt">
+                                    <p:tmPct val="0"/>
+                                  </p:iterate>
+                                  <p:childTnLst>
+                                    <p:anim calcmode="lin" valueType="num">
+                                      <p:cBhvr additive="base">
+                                        <p:cTn id="20" dur="500"/>
+                                        <p:tgtEl>
+                                          <p:spTgt spid="40"/>
+                                        </p:tgtEl>
+                                        <p:attrNameLst>
+                                          <p:attrName>ppt_x</p:attrName>
+                                        </p:attrNameLst>
+                                      </p:cBhvr>
+                                      <p:tavLst>
+                                        <p:tav tm="0">
+                                          <p:val>
+                                            <p:strVal val="ppt_x"/>
+                                          </p:val>
+                                        </p:tav>
+                                        <p:tav tm="100000">
+                                          <p:val>
+                                            <p:strVal val="ppt_x"/>
+                                          </p:val>
+                                        </p:tav>
+                                      </p:tavLst>
+                                    </p:anim>
+                                    <p:anim calcmode="lin" valueType="num">
+                                      <p:cBhvr additive="base">
+                                        <p:cTn id="21" dur="500"/>
+                                        <p:tgtEl>
+                                          <p:spTgt spid="40"/>
+                                        </p:tgtEl>
+                                        <p:attrNameLst>
+                                          <p:attrName>ppt_y</p:attrName>
+                                        </p:attrNameLst>
+                                      </p:cBhvr>
+                                      <p:tavLst>
+                                        <p:tav tm="0">
+                                          <p:val>
+                                            <p:strVal val="ppt_y"/>
+                                          </p:val>
+                                        </p:tav>
+                                        <p:tav tm="100000">
+                                          <p:val>
+                                            <p:strVal val="0-ppt_h/2"/>
+                                          </p:val>
+                                        </p:tav>
+                                      </p:tavLst>
+                                    </p:anim>
+                                    <p:set>
+                                      <p:cBhvr>
+                                        <p:cTn id="22" dur="1" fill="hold">
+                                          <p:stCondLst>
+                                            <p:cond delay="499"/>
+                                          </p:stCondLst>
+                                        </p:cTn>
+                                        <p:tgtEl>
+                                          <p:spTgt spid="40"/>
+                                        </p:tgtEl>
+                                        <p:attrNameLst>
+                                          <p:attrName>style.visibility</p:attrName>
+                                        </p:attrNameLst>
+                                      </p:cBhvr>
+                                      <p:to>
+                                        <p:strVal val="hidden"/>
+                                      </p:to>
+                                    </p:set>
+                                  </p:childTnLst>
+                                </p:cTn>
+                              </p:par>
+                            </p:childTnLst>
+                          </p:cTn>
+                        </p:par>
+                        <p:par>
+                          <p:cTn id="23" fill="hold">
+                            <p:stCondLst>
+                              <p:cond delay="4300"/>
+                            </p:stCondLst>
+                            <p:childTnLst>
+                              <p:par>
+                                <p:cTn id="24" presetID="2" presetClass="exit" presetSubtype="8" fill="hold" grpId="1" nodeType="afterEffect">
+                                  <p:stCondLst>
+                                    <p:cond delay="0"/>
+                                  </p:stCondLst>
+                                  <p:childTnLst>
+                                    <p:anim calcmode="lin" valueType="num">
+                                      <p:cBhvr additive="base">
+                                        <p:cTn id="25" dur="500"/>
+                                        <p:tgtEl>
+                                          <p:spTgt spid="38"/>
+                                        </p:tgtEl>
+                                        <p:attrNameLst>
+                                          <p:attrName>ppt_x</p:attrName>
+                                        </p:attrNameLst>
+                                      </p:cBhvr>
+                                      <p:tavLst>
+                                        <p:tav tm="0">
+                                          <p:val>
+                                            <p:strVal val="ppt_x"/>
+                                          </p:val>
+                                        </p:tav>
+                                        <p:tav tm="100000">
+                                          <p:val>
+                                            <p:strVal val="0-ppt_w/2"/>
+                                          </p:val>
+                                        </p:tav>
+                                      </p:tavLst>
+                                    </p:anim>
+                                    <p:anim calcmode="lin" valueType="num">
+                                      <p:cBhvr additive="base">
+                                        <p:cTn id="26" dur="500"/>
+                                        <p:tgtEl>
+                                          <p:spTgt spid="38"/>
+                                        </p:tgtEl>
+                                        <p:attrNameLst>
+                                          <p:attrName>ppt_y</p:attrName>
+                                        </p:attrNameLst>
+                                      </p:cBhvr>
+                                      <p:tavLst>
+                                        <p:tav tm="0">
+                                          <p:val>
+                                            <p:strVal val="ppt_y"/>
+                                          </p:val>
+                                        </p:tav>
+                                        <p:tav tm="100000">
+                                          <p:val>
+                                            <p:strVal val="ppt_y"/>
+                                          </p:val>
+                                        </p:tav>
+                                      </p:tavLst>
+                                    </p:anim>
+                                    <p:set>
+                                      <p:cBhvr>
+                                        <p:cTn id="27" dur="1" fill="hold">
+                                          <p:stCondLst>
+                                            <p:cond delay="499"/>
+                                          </p:stCondLst>
+                                        </p:cTn>
+                                        <p:tgtEl>
+                                          <p:spTgt spid="38"/>
+                                        </p:tgtEl>
+                                        <p:attrNameLst>
+                                          <p:attrName>style.visibility</p:attrName>
+                                        </p:attrNameLst>
+                                      </p:cBhvr>
+                                      <p:to>
+                                        <p:strVal val="hidden"/>
+                                      </p:to>
+                                    </p:set>
+                                  </p:childTnLst>
+                                </p:cTn>
+                              </p:par>
+                              <p:par>
+                                <p:cTn id="28" presetID="2" presetClass="exit" presetSubtype="8" fill="hold" grpId="1" nodeType="withEffect">
+                                  <p:stCondLst>
+                                    <p:cond delay="250"/>
+                                  </p:stCondLst>
+                                  <p:childTnLst>
+                                    <p:anim calcmode="lin" valueType="num">
+                                      <p:cBhvr additive="base">
+                                        <p:cTn id="29" dur="500"/>
+                                        <p:tgtEl>
+                                          <p:spTgt spid="39"/>
+                                        </p:tgtEl>
+                                        <p:attrNameLst>
+                                          <p:attrName>ppt_x</p:attrName>
+                                        </p:attrNameLst>
+                                      </p:cBhvr>
+                                      <p:tavLst>
+                                        <p:tav tm="0">
+                                          <p:val>
+                                            <p:strVal val="ppt_x"/>
+                                          </p:val>
+                                        </p:tav>
+                                        <p:tav tm="100000">
+                                          <p:val>
+                                            <p:strVal val="0-ppt_w/2"/>
+                                          </p:val>
+                                        </p:tav>
+                                      </p:tavLst>
+                                    </p:anim>
+                                    <p:anim calcmode="lin" valueType="num">
+                                      <p:cBhvr additive="base">
+                                        <p:cTn id="30" dur="500"/>
+                                        <p:tgtEl>
+                                          <p:spTgt spid="39"/>
+                                        </p:tgtEl>
+                                        <p:attrNameLst>
+                                          <p:attrName>ppt_y</p:attrName>
+                                        </p:attrNameLst>
+                                      </p:cBhvr>
+                                      <p:tavLst>
+                                        <p:tav tm="0">
+                                          <p:val>
+                                            <p:strVal val="ppt_y"/>
+                                          </p:val>
+                                        </p:tav>
+                                        <p:tav tm="100000">
+                                          <p:val>
+                                            <p:strVal val="ppt_y"/>
+                                          </p:val>
+                                        </p:tav>
+                                      </p:tavLst>
+                                    </p:anim>
+                                    <p:set>
+                                      <p:cBhvr>
+                                        <p:cTn id="31" dur="1" fill="hold">
+                                          <p:stCondLst>
+                                            <p:cond delay="499"/>
+                                          </p:stCondLst>
+                                        </p:cTn>
+                                        <p:tgtEl>
+                                          <p:spTgt spid="39"/>
+                                        </p:tgtEl>
+                                        <p:attrNameLst>
+                                          <p:attrName>style.visibility</p:attrName>
+                                        </p:attrNameLst>
+                                      </p:cBhvr>
+                                      <p:to>
+                                        <p:strVal val="hidden"/>
+                                      </p:to>
+                                    </p:set>
+                                  </p:childTnLst>
+                                </p:cTn>
+                              </p:par>
+                            </p:childTnLst>
+                          </p:cTn>
+                        </p:par>
+                      </p:childTnLst>
+                    </p:cTn>
+                  </p:par>
+                </p:childTnLst>
+              </p:cTn>
+              <p:prevCondLst>
+                <p:cond evt="onPrev" delay="0">
+                  <p:tgtEl>
+                    <p:sldTgt/>
+                  </p:tgtEl>
+                </p:cond>
+              </p:prevCondLst>
+              <p:nextCondLst>
+                <p:cond evt="onNext" delay="0">
+                  <p:tgtEl>
+                    <p:sldTgt/>
+                  </p:tgtEl>
+                </p:cond>
+              </p:nextCondLst>
+            </p:seq>
+          </p:childTnLst>
+        </p:cTn>
+      </p:par>
+    </p:tnLst>
+    <p:bldLst>
+      <p:bldP spid="39" grpId="0" animBg="1"/>
+      <p:bldP spid="39" grpId="1" animBg="1"/>
+      <p:bldP spid="38" grpId="0" animBg="1"/>
+      <p:bldP spid="38" grpId="1" animBg="1"/>
+      <p:bldP spid="40" grpId="0"/>
+      <p:bldP spid="40" grpId="2"/>
+    </p:bldLst>
+  </p:timing>
+</p:sld>
+</file>
+
+<file path=ppt/slides/slide8.xml><?xml version="1.0" encoding="utf-8"?>
+<p:sld xmlns:a="http://schemas.openxmlformats.org/drawingml/2006/main" xmlns:r="http://schemas.openxmlformats.org/officeDocument/2006/relationships" xmlns:p="http://schemas.openxmlformats.org/presentationml/2006/main">
+  <p:cSld>
+    <p:spTree>
+      <p:nvGrpSpPr>
+        <p:cNvPr id="1" name=""/>
+        <p:cNvGrpSpPr/>
+        <p:nvPr/>
+      </p:nvGrpSpPr>
+      <p:grpSpPr>
+        <a:xfrm>
+          <a:off x="0" y="0"/>
+          <a:ext cx="0" cy="0"/>
+          <a:chOff x="0" y="0"/>
+          <a:chExt cx="0" cy="0"/>
+        </a:xfrm>
+      </p:grpSpPr>
+      <p:grpSp>
+        <p:nvGrpSpPr>
+          <p:cNvPr id="4" name="Agrupar 3">
+            <a:extLst>
+              <a:ext uri="{FF2B5EF4-FFF2-40B4-BE49-F238E27FC236}">
+                <a16:creationId xmlns:a16="http://schemas.microsoft.com/office/drawing/2014/main" id="{D84A55F8-8135-43E2-80D4-3FE5E4FB2A60}"/>
+              </a:ext>
+            </a:extLst>
+          </p:cNvPr>
+          <p:cNvGrpSpPr/>
+          <p:nvPr/>
+        </p:nvGrpSpPr>
+        <p:grpSpPr>
+          <a:xfrm>
+            <a:off x="681508" y="1341727"/>
+            <a:ext cx="10687988" cy="794479"/>
+            <a:chOff x="659566" y="599605"/>
+            <a:chExt cx="10687988" cy="794479"/>
+          </a:xfrm>
+          <a:effectLst>
+            <a:outerShdw blurRad="50800" dist="38100" dir="5400000" algn="t" rotWithShape="0">
+              <a:prstClr val="black">
+                <a:alpha val="40000"/>
+              </a:prstClr>
+            </a:outerShdw>
+          </a:effectLst>
+        </p:grpSpPr>
+        <p:sp>
+          <p:nvSpPr>
+            <p:cNvPr id="5" name="Retângulo 4">
+              <a:extLst>
+                <a:ext uri="{FF2B5EF4-FFF2-40B4-BE49-F238E27FC236}">
+                  <a16:creationId xmlns:a16="http://schemas.microsoft.com/office/drawing/2014/main" id="{91A9B6FA-064C-49CB-AC3B-C4240372BC62}"/>
+                </a:ext>
+              </a:extLst>
+            </p:cNvPr>
+            <p:cNvSpPr/>
+            <p:nvPr/>
+          </p:nvSpPr>
+          <p:spPr>
+            <a:xfrm>
+              <a:off x="659566" y="599605"/>
+              <a:ext cx="10687988" cy="794479"/>
+            </a:xfrm>
+            <a:prstGeom prst="rect">
+              <a:avLst/>
+            </a:prstGeom>
+            <a:solidFill>
+              <a:srgbClr val="0086EA"/>
+            </a:solidFill>
+            <a:ln w="76200">
+              <a:solidFill>
+                <a:srgbClr val="006CC1"/>
+              </a:solidFill>
+            </a:ln>
+          </p:spPr>
+          <p:style>
+            <a:lnRef idx="2">
+              <a:schemeClr val="accent1">
+                <a:shade val="50000"/>
+              </a:schemeClr>
+            </a:lnRef>
+            <a:fillRef idx="1">
+              <a:schemeClr val="accent1"/>
+            </a:fillRef>
+            <a:effectRef idx="0">
+              <a:schemeClr val="accent1"/>
+            </a:effectRef>
+            <a:fontRef idx="minor">
+              <a:schemeClr val="lt1"/>
+            </a:fontRef>
+          </p:style>
+          <p:txBody>
+            <a:bodyPr rtlCol="0" anchor="ctr"/>
+            <a:lstStyle/>
+            <a:p>
+              <a:pPr algn="ctr"/>
+              <a:endParaRPr lang="pt-BR"/>
+            </a:p>
+          </p:txBody>
+        </p:sp>
+        <p:sp>
+          <p:nvSpPr>
+            <p:cNvPr id="6" name="CaixaDeTexto 5">
+              <a:extLst>
+                <a:ext uri="{FF2B5EF4-FFF2-40B4-BE49-F238E27FC236}">
+                  <a16:creationId xmlns:a16="http://schemas.microsoft.com/office/drawing/2014/main" id="{4667A406-AF90-48D6-A098-219DA97C441D}"/>
+                </a:ext>
+              </a:extLst>
+            </p:cNvPr>
+            <p:cNvSpPr txBox="1"/>
+            <p:nvPr/>
+          </p:nvSpPr>
+          <p:spPr>
+            <a:xfrm>
+              <a:off x="1543987" y="811968"/>
+              <a:ext cx="1061766" cy="400110"/>
+            </a:xfrm>
+            <a:prstGeom prst="rect">
+              <a:avLst/>
+            </a:prstGeom>
+            <a:noFill/>
+          </p:spPr>
+          <p:txBody>
+            <a:bodyPr wrap="none" rtlCol="0">
+              <a:spAutoFit/>
+            </a:bodyPr>
+            <a:lstStyle/>
+            <a:p>
+              <a:r>
+                <a:rPr lang="pt-BR" sz="2000" dirty="0">
+                  <a:solidFill>
+                    <a:schemeClr val="bg1"/>
+                  </a:solidFill>
+                  <a:latin typeface="Righteous" panose="02010506000000020000" pitchFamily="2" charset="0"/>
+                </a:rPr>
+                <a:t>TÍTULO</a:t>
+              </a:r>
+            </a:p>
+          </p:txBody>
+        </p:sp>
+        <p:sp>
+          <p:nvSpPr>
+            <p:cNvPr id="7" name="CaixaDeTexto 6">
+              <a:extLst>
+                <a:ext uri="{FF2B5EF4-FFF2-40B4-BE49-F238E27FC236}">
+                  <a16:creationId xmlns:a16="http://schemas.microsoft.com/office/drawing/2014/main" id="{B6D8C94B-8FB9-4E3E-99E5-0675E3A35353}"/>
+                </a:ext>
+              </a:extLst>
+            </p:cNvPr>
+            <p:cNvSpPr txBox="1"/>
+            <p:nvPr/>
+          </p:nvSpPr>
+          <p:spPr>
+            <a:xfrm>
+              <a:off x="4980968" y="811968"/>
+              <a:ext cx="1034129" cy="400110"/>
+            </a:xfrm>
+            <a:prstGeom prst="rect">
+              <a:avLst/>
+            </a:prstGeom>
+            <a:noFill/>
+          </p:spPr>
+          <p:txBody>
+            <a:bodyPr wrap="none" rtlCol="0">
+              <a:spAutoFit/>
+            </a:bodyPr>
+            <a:lstStyle/>
+            <a:p>
+              <a:r>
+                <a:rPr lang="pt-BR" sz="2000" dirty="0">
+                  <a:solidFill>
+                    <a:schemeClr val="bg1"/>
+                  </a:solidFill>
+                  <a:latin typeface="Righteous" panose="02010506000000020000" pitchFamily="2" charset="0"/>
+                </a:rPr>
+                <a:t>PRAZO</a:t>
+              </a:r>
+            </a:p>
+          </p:txBody>
+        </p:sp>
+        <p:sp>
+          <p:nvSpPr>
+            <p:cNvPr id="8" name="CaixaDeTexto 7">
+              <a:extLst>
+                <a:ext uri="{FF2B5EF4-FFF2-40B4-BE49-F238E27FC236}">
+                  <a16:creationId xmlns:a16="http://schemas.microsoft.com/office/drawing/2014/main" id="{F6C894E3-D328-4516-BB65-A5897C4C822A}"/>
+                </a:ext>
+              </a:extLst>
+            </p:cNvPr>
+            <p:cNvSpPr txBox="1"/>
+            <p:nvPr/>
+          </p:nvSpPr>
+          <p:spPr>
+            <a:xfrm>
+              <a:off x="7383142" y="811968"/>
+              <a:ext cx="1702710" cy="400110"/>
+            </a:xfrm>
+            <a:prstGeom prst="rect">
+              <a:avLst/>
+            </a:prstGeom>
+            <a:noFill/>
+          </p:spPr>
+          <p:txBody>
+            <a:bodyPr wrap="none" rtlCol="0">
+              <a:spAutoFit/>
+            </a:bodyPr>
+            <a:lstStyle/>
+            <a:p>
+              <a:r>
+                <a:rPr lang="pt-BR" sz="2000" dirty="0">
+                  <a:solidFill>
+                    <a:schemeClr val="bg1"/>
+                  </a:solidFill>
+                  <a:latin typeface="Righteous" panose="02010506000000020000" pitchFamily="2" charset="0"/>
+                </a:rPr>
+                <a:t>RELEVÂNCIA</a:t>
+              </a:r>
+            </a:p>
+          </p:txBody>
+        </p:sp>
+        <p:sp>
+          <p:nvSpPr>
+            <p:cNvPr id="9" name="CaixaDeTexto 8">
+              <a:extLst>
+                <a:ext uri="{FF2B5EF4-FFF2-40B4-BE49-F238E27FC236}">
+                  <a16:creationId xmlns:a16="http://schemas.microsoft.com/office/drawing/2014/main" id="{60F68940-AF4F-4112-A092-2E599CA09C68}"/>
+                </a:ext>
+              </a:extLst>
+            </p:cNvPr>
+            <p:cNvSpPr txBox="1"/>
+            <p:nvPr/>
+          </p:nvSpPr>
+          <p:spPr>
+            <a:xfrm>
+              <a:off x="10043084" y="811968"/>
+              <a:ext cx="1024255" cy="400110"/>
+            </a:xfrm>
+            <a:prstGeom prst="rect">
+              <a:avLst/>
+            </a:prstGeom>
+            <a:noFill/>
+          </p:spPr>
+          <p:txBody>
+            <a:bodyPr wrap="none" rtlCol="0">
+              <a:spAutoFit/>
+            </a:bodyPr>
+            <a:lstStyle/>
+            <a:p>
+              <a:r>
+                <a:rPr lang="pt-BR" sz="2000" dirty="0">
+                  <a:solidFill>
+                    <a:schemeClr val="bg1"/>
+                  </a:solidFill>
+                  <a:latin typeface="Righteous" panose="02010506000000020000" pitchFamily="2" charset="0"/>
+                </a:rPr>
+                <a:t>AÇÕES</a:t>
+              </a:r>
+            </a:p>
+          </p:txBody>
+        </p:sp>
+      </p:grpSp>
+      <p:grpSp>
+        <p:nvGrpSpPr>
+          <p:cNvPr id="10" name="Agrupar 9">
+            <a:extLst>
+              <a:ext uri="{FF2B5EF4-FFF2-40B4-BE49-F238E27FC236}">
+                <a16:creationId xmlns:a16="http://schemas.microsoft.com/office/drawing/2014/main" id="{7FA83391-CE36-44E1-A799-76AC7FCFEE58}"/>
+              </a:ext>
+            </a:extLst>
+          </p:cNvPr>
+          <p:cNvGrpSpPr/>
+          <p:nvPr/>
+        </p:nvGrpSpPr>
+        <p:grpSpPr>
+          <a:xfrm>
+            <a:off x="689114" y="3675822"/>
+            <a:ext cx="10721008" cy="1272208"/>
+            <a:chOff x="636105" y="1417983"/>
+            <a:chExt cx="10721008" cy="1272208"/>
+          </a:xfrm>
+        </p:grpSpPr>
+        <p:sp>
+          <p:nvSpPr>
+            <p:cNvPr id="11" name="Retângulo 10">
+              <a:extLst>
+                <a:ext uri="{FF2B5EF4-FFF2-40B4-BE49-F238E27FC236}">
+                  <a16:creationId xmlns:a16="http://schemas.microsoft.com/office/drawing/2014/main" id="{D46FE7F4-A3F5-4EB2-BFB9-888B476AF517}"/>
+                </a:ext>
+              </a:extLst>
+            </p:cNvPr>
+            <p:cNvSpPr/>
+            <p:nvPr/>
+          </p:nvSpPr>
+          <p:spPr>
+            <a:xfrm>
+              <a:off x="636105" y="1417983"/>
+              <a:ext cx="10721008" cy="1272208"/>
+            </a:xfrm>
+            <a:prstGeom prst="rect">
+              <a:avLst/>
+            </a:prstGeom>
+            <a:solidFill>
+              <a:schemeClr val="bg1"/>
+            </a:solidFill>
+            <a:ln>
+              <a:noFill/>
+            </a:ln>
+            <a:effectLst>
+              <a:outerShdw blurRad="50800" dist="38100" dir="5400000" algn="t" rotWithShape="0">
+                <a:prstClr val="black">
+                  <a:alpha val="40000"/>
+                </a:prstClr>
+              </a:outerShdw>
+            </a:effectLst>
+          </p:spPr>
+          <p:style>
+            <a:lnRef idx="2">
+              <a:schemeClr val="accent1">
+                <a:shade val="50000"/>
+              </a:schemeClr>
+            </a:lnRef>
+            <a:fillRef idx="1">
+              <a:schemeClr val="accent1"/>
+            </a:fillRef>
+            <a:effectRef idx="0">
+              <a:schemeClr val="accent1"/>
+            </a:effectRef>
+            <a:fontRef idx="minor">
+              <a:schemeClr val="lt1"/>
+            </a:fontRef>
+          </p:style>
+          <p:txBody>
+            <a:bodyPr rtlCol="0" anchor="ctr"/>
+            <a:lstStyle/>
+            <a:p>
+              <a:pPr algn="ctr"/>
+              <a:endParaRPr lang="pt-BR"/>
+            </a:p>
+          </p:txBody>
+        </p:sp>
+        <p:sp>
+          <p:nvSpPr>
+            <p:cNvPr id="12" name="CaixaDeTexto 11">
+              <a:extLst>
+                <a:ext uri="{FF2B5EF4-FFF2-40B4-BE49-F238E27FC236}">
+                  <a16:creationId xmlns:a16="http://schemas.microsoft.com/office/drawing/2014/main" id="{014DE6ED-C169-42B9-80A4-6A9BBC6B8D55}"/>
+                </a:ext>
+              </a:extLst>
+            </p:cNvPr>
+            <p:cNvSpPr txBox="1"/>
+            <p:nvPr/>
+          </p:nvSpPr>
+          <p:spPr>
+            <a:xfrm>
+              <a:off x="954156" y="1822174"/>
+              <a:ext cx="2720553" cy="369332"/>
+            </a:xfrm>
+            <a:prstGeom prst="rect">
+              <a:avLst/>
+            </a:prstGeom>
+            <a:noFill/>
+          </p:spPr>
+          <p:txBody>
+            <a:bodyPr wrap="none" rtlCol="0">
+              <a:spAutoFit/>
+            </a:bodyPr>
+            <a:lstStyle/>
+            <a:p>
+              <a:r>
+                <a:rPr lang="pt-BR" dirty="0">
+                  <a:latin typeface="Righteous" panose="02010506000000020000" pitchFamily="2" charset="0"/>
+                </a:rPr>
+                <a:t>LIÇÃO DE MATEMÁTICA</a:t>
+              </a:r>
+            </a:p>
+          </p:txBody>
+        </p:sp>
+        <p:sp>
+          <p:nvSpPr>
+            <p:cNvPr id="13" name="CaixaDeTexto 12">
+              <a:extLst>
+                <a:ext uri="{FF2B5EF4-FFF2-40B4-BE49-F238E27FC236}">
+                  <a16:creationId xmlns:a16="http://schemas.microsoft.com/office/drawing/2014/main" id="{E799F000-39CA-48A8-87DD-77009D645045}"/>
+                </a:ext>
+              </a:extLst>
+            </p:cNvPr>
+            <p:cNvSpPr txBox="1"/>
+            <p:nvPr/>
+          </p:nvSpPr>
+          <p:spPr>
+            <a:xfrm>
+              <a:off x="5042452" y="1822174"/>
+              <a:ext cx="991362" cy="369332"/>
+            </a:xfrm>
+            <a:prstGeom prst="rect">
+              <a:avLst/>
+            </a:prstGeom>
+            <a:noFill/>
+          </p:spPr>
+          <p:txBody>
+            <a:bodyPr wrap="none" rtlCol="0">
+              <a:spAutoFit/>
+            </a:bodyPr>
+            <a:lstStyle/>
+            <a:p>
+              <a:r>
+                <a:rPr lang="pt-BR" dirty="0">
+                  <a:latin typeface="Righteous" panose="02010506000000020000" pitchFamily="2" charset="0"/>
+                </a:rPr>
+                <a:t>11-12-18</a:t>
+              </a:r>
+            </a:p>
+          </p:txBody>
+        </p:sp>
+        <p:sp>
+          <p:nvSpPr>
+            <p:cNvPr id="14" name="CaixaDeTexto 13">
+              <a:extLst>
+                <a:ext uri="{FF2B5EF4-FFF2-40B4-BE49-F238E27FC236}">
+                  <a16:creationId xmlns:a16="http://schemas.microsoft.com/office/drawing/2014/main" id="{55CDE61C-7451-4DB9-BE71-CAF2C5B0396D}"/>
+                </a:ext>
+              </a:extLst>
+            </p:cNvPr>
+            <p:cNvSpPr txBox="1"/>
+            <p:nvPr/>
+          </p:nvSpPr>
+          <p:spPr>
+            <a:xfrm>
+              <a:off x="7818783" y="1822174"/>
+              <a:ext cx="731482" cy="369332"/>
+            </a:xfrm>
+            <a:prstGeom prst="rect">
+              <a:avLst/>
+            </a:prstGeom>
+            <a:noFill/>
+          </p:spPr>
+          <p:txBody>
+            <a:bodyPr wrap="none" rtlCol="0">
+              <a:spAutoFit/>
+            </a:bodyPr>
+            <a:lstStyle/>
+            <a:p>
+              <a:r>
+                <a:rPr lang="pt-BR" dirty="0">
+                  <a:latin typeface="Righteous" panose="02010506000000020000" pitchFamily="2" charset="0"/>
+                </a:rPr>
+                <a:t>ALTA</a:t>
+              </a:r>
+            </a:p>
+          </p:txBody>
+        </p:sp>
+        <p:pic>
+          <p:nvPicPr>
+            <p:cNvPr id="15" name="Imagem 14">
+              <a:extLst>
+                <a:ext uri="{FF2B5EF4-FFF2-40B4-BE49-F238E27FC236}">
+                  <a16:creationId xmlns:a16="http://schemas.microsoft.com/office/drawing/2014/main" id="{53ECA14D-FF19-4872-A30A-DF22C0D5287E}"/>
+                </a:ext>
+              </a:extLst>
+            </p:cNvPr>
+            <p:cNvPicPr>
+              <a:picLocks noChangeAspect="1"/>
+            </p:cNvPicPr>
+            <p:nvPr/>
+          </p:nvPicPr>
+          <p:blipFill>
+            <a:blip r:embed="rId2">
+              <a:extLst>
+                <a:ext uri="{28A0092B-C50C-407E-A947-70E740481C1C}">
+                  <a14:useLocalDpi xmlns:a14="http://schemas.microsoft.com/office/drawing/2010/main" val="0"/>
+                </a:ext>
+              </a:extLst>
+            </a:blip>
+            <a:stretch>
+              <a:fillRect/>
+            </a:stretch>
+          </p:blipFill>
+          <p:spPr>
+            <a:xfrm>
+              <a:off x="10077549" y="1822174"/>
+              <a:ext cx="415739" cy="414210"/>
+            </a:xfrm>
+            <a:prstGeom prst="rect">
+              <a:avLst/>
+            </a:prstGeom>
+          </p:spPr>
+        </p:pic>
+        <p:pic>
+          <p:nvPicPr>
+            <p:cNvPr id="16" name="Imagem 15">
+              <a:extLst>
+                <a:ext uri="{FF2B5EF4-FFF2-40B4-BE49-F238E27FC236}">
+                  <a16:creationId xmlns:a16="http://schemas.microsoft.com/office/drawing/2014/main" id="{0FEEF8E4-391B-47B8-AE50-B4D9141D0AF1}"/>
+                </a:ext>
+              </a:extLst>
+            </p:cNvPr>
+            <p:cNvPicPr>
+              <a:picLocks noChangeAspect="1"/>
+            </p:cNvPicPr>
+            <p:nvPr/>
+          </p:nvPicPr>
+          <p:blipFill>
+            <a:blip r:embed="rId3">
+              <a:extLst>
+                <a:ext uri="{28A0092B-C50C-407E-A947-70E740481C1C}">
+                  <a14:useLocalDpi xmlns:a14="http://schemas.microsoft.com/office/drawing/2010/main" val="0"/>
+                </a:ext>
+              </a:extLst>
+            </a:blip>
+            <a:stretch>
+              <a:fillRect/>
+            </a:stretch>
+          </p:blipFill>
+          <p:spPr>
+            <a:xfrm>
+              <a:off x="10572106" y="1822174"/>
+              <a:ext cx="415739" cy="414210"/>
+            </a:xfrm>
+            <a:prstGeom prst="rect">
+              <a:avLst/>
+            </a:prstGeom>
+          </p:spPr>
+        </p:pic>
+      </p:grpSp>
+      <p:grpSp>
+        <p:nvGrpSpPr>
+          <p:cNvPr id="17" name="Agrupar 16">
+            <a:extLst>
+              <a:ext uri="{FF2B5EF4-FFF2-40B4-BE49-F238E27FC236}">
+                <a16:creationId xmlns:a16="http://schemas.microsoft.com/office/drawing/2014/main" id="{F694D6D8-8818-4D45-8F4E-EC7A28C20D72}"/>
+              </a:ext>
+            </a:extLst>
+          </p:cNvPr>
+          <p:cNvGrpSpPr/>
+          <p:nvPr/>
+        </p:nvGrpSpPr>
+        <p:grpSpPr>
+          <a:xfrm>
+            <a:off x="657640" y="2324100"/>
+            <a:ext cx="10721008" cy="1272208"/>
+            <a:chOff x="636105" y="1417983"/>
+            <a:chExt cx="10721008" cy="1272208"/>
+          </a:xfrm>
+        </p:grpSpPr>
+        <p:sp>
+          <p:nvSpPr>
+            <p:cNvPr id="18" name="Retângulo 17">
+              <a:extLst>
+                <a:ext uri="{FF2B5EF4-FFF2-40B4-BE49-F238E27FC236}">
+                  <a16:creationId xmlns:a16="http://schemas.microsoft.com/office/drawing/2014/main" id="{CAB61151-AEBA-428D-ACE0-B614B309360F}"/>
+                </a:ext>
+              </a:extLst>
+            </p:cNvPr>
+            <p:cNvSpPr/>
+            <p:nvPr/>
+          </p:nvSpPr>
+          <p:spPr>
+            <a:xfrm>
+              <a:off x="636105" y="1417983"/>
+              <a:ext cx="10721008" cy="1272208"/>
+            </a:xfrm>
+            <a:prstGeom prst="rect">
+              <a:avLst/>
+            </a:prstGeom>
+            <a:solidFill>
+              <a:srgbClr val="00B966"/>
+            </a:solidFill>
+            <a:ln>
+              <a:noFill/>
+            </a:ln>
+            <a:effectLst>
+              <a:outerShdw blurRad="50800" dist="38100" dir="5400000" algn="t" rotWithShape="0">
+                <a:prstClr val="black">
+                  <a:alpha val="40000"/>
+                </a:prstClr>
+              </a:outerShdw>
+            </a:effectLst>
+          </p:spPr>
+          <p:style>
+            <a:lnRef idx="2">
+              <a:schemeClr val="accent1">
+                <a:shade val="50000"/>
+              </a:schemeClr>
+            </a:lnRef>
+            <a:fillRef idx="1">
+              <a:schemeClr val="accent1"/>
+            </a:fillRef>
+            <a:effectRef idx="0">
+              <a:schemeClr val="accent1"/>
+            </a:effectRef>
+            <a:fontRef idx="minor">
+              <a:schemeClr val="lt1"/>
+            </a:fontRef>
+          </p:style>
+          <p:txBody>
+            <a:bodyPr rtlCol="0" anchor="ctr"/>
+            <a:lstStyle/>
+            <a:p>
+              <a:pPr algn="ctr"/>
+              <a:endParaRPr lang="pt-BR"/>
+            </a:p>
+          </p:txBody>
+        </p:sp>
+        <p:sp>
+          <p:nvSpPr>
+            <p:cNvPr id="19" name="CaixaDeTexto 18">
+              <a:extLst>
+                <a:ext uri="{FF2B5EF4-FFF2-40B4-BE49-F238E27FC236}">
+                  <a16:creationId xmlns:a16="http://schemas.microsoft.com/office/drawing/2014/main" id="{D5A3FF02-3576-4EA9-A612-693B9B08C86C}"/>
+                </a:ext>
+              </a:extLst>
+            </p:cNvPr>
+            <p:cNvSpPr txBox="1"/>
+            <p:nvPr/>
+          </p:nvSpPr>
+          <p:spPr>
+            <a:xfrm>
+              <a:off x="954156" y="1822174"/>
+              <a:ext cx="2618409" cy="369332"/>
+            </a:xfrm>
+            <a:prstGeom prst="rect">
+              <a:avLst/>
+            </a:prstGeom>
+            <a:noFill/>
+          </p:spPr>
+          <p:txBody>
+            <a:bodyPr wrap="none" rtlCol="0">
+              <a:spAutoFit/>
+            </a:bodyPr>
+            <a:lstStyle/>
+            <a:p>
+              <a:r>
+                <a:rPr lang="pt-BR" dirty="0">
+                  <a:latin typeface="Righteous" panose="02010506000000020000" pitchFamily="2" charset="0"/>
+                </a:rPr>
+                <a:t>LIÇÃO DE PORTUGUÊS</a:t>
+              </a:r>
+            </a:p>
+          </p:txBody>
+        </p:sp>
+        <p:sp>
+          <p:nvSpPr>
+            <p:cNvPr id="20" name="CaixaDeTexto 19">
+              <a:extLst>
+                <a:ext uri="{FF2B5EF4-FFF2-40B4-BE49-F238E27FC236}">
+                  <a16:creationId xmlns:a16="http://schemas.microsoft.com/office/drawing/2014/main" id="{3DD29D13-B477-4666-8F8F-F11F7F15ECB6}"/>
+                </a:ext>
+              </a:extLst>
+            </p:cNvPr>
+            <p:cNvSpPr txBox="1"/>
+            <p:nvPr/>
+          </p:nvSpPr>
+          <p:spPr>
+            <a:xfrm>
+              <a:off x="5042452" y="1822174"/>
+              <a:ext cx="1055289" cy="369332"/>
+            </a:xfrm>
+            <a:prstGeom prst="rect">
+              <a:avLst/>
+            </a:prstGeom>
+            <a:noFill/>
+          </p:spPr>
+          <p:txBody>
+            <a:bodyPr wrap="none" rtlCol="0">
+              <a:spAutoFit/>
+            </a:bodyPr>
+            <a:lstStyle/>
+            <a:p>
+              <a:r>
+                <a:rPr lang="pt-BR" dirty="0">
+                  <a:latin typeface="Righteous" panose="02010506000000020000" pitchFamily="2" charset="0"/>
+                </a:rPr>
+                <a:t>11-25-18</a:t>
+              </a:r>
+            </a:p>
+          </p:txBody>
+        </p:sp>
+        <p:sp>
+          <p:nvSpPr>
+            <p:cNvPr id="21" name="CaixaDeTexto 20">
+              <a:extLst>
+                <a:ext uri="{FF2B5EF4-FFF2-40B4-BE49-F238E27FC236}">
+                  <a16:creationId xmlns:a16="http://schemas.microsoft.com/office/drawing/2014/main" id="{537596B9-BFF9-483F-80B0-9653F9A1D5B7}"/>
+                </a:ext>
+              </a:extLst>
+            </p:cNvPr>
+            <p:cNvSpPr txBox="1"/>
+            <p:nvPr/>
+          </p:nvSpPr>
+          <p:spPr>
+            <a:xfrm>
+              <a:off x="7818783" y="1822174"/>
+              <a:ext cx="875561" cy="369332"/>
+            </a:xfrm>
+            <a:prstGeom prst="rect">
+              <a:avLst/>
+            </a:prstGeom>
+            <a:noFill/>
+          </p:spPr>
+          <p:txBody>
+            <a:bodyPr wrap="none" rtlCol="0">
+              <a:spAutoFit/>
+            </a:bodyPr>
+            <a:lstStyle/>
+            <a:p>
+              <a:r>
+                <a:rPr lang="pt-BR" dirty="0">
+                  <a:latin typeface="Righteous" panose="02010506000000020000" pitchFamily="2" charset="0"/>
+                </a:rPr>
+                <a:t>MÉDIA</a:t>
+              </a:r>
+            </a:p>
+          </p:txBody>
+        </p:sp>
+        <p:pic>
+          <p:nvPicPr>
+            <p:cNvPr id="22" name="Imagem 21">
+              <a:extLst>
+                <a:ext uri="{FF2B5EF4-FFF2-40B4-BE49-F238E27FC236}">
+                  <a16:creationId xmlns:a16="http://schemas.microsoft.com/office/drawing/2014/main" id="{D8340AD1-52AA-4DF7-A0BA-A0199BD0C8DE}"/>
+                </a:ext>
+              </a:extLst>
+            </p:cNvPr>
+            <p:cNvPicPr>
+              <a:picLocks noChangeAspect="1"/>
+            </p:cNvPicPr>
+            <p:nvPr/>
+          </p:nvPicPr>
+          <p:blipFill>
+            <a:blip r:embed="rId2">
+              <a:extLst>
+                <a:ext uri="{28A0092B-C50C-407E-A947-70E740481C1C}">
+                  <a14:useLocalDpi xmlns:a14="http://schemas.microsoft.com/office/drawing/2010/main" val="0"/>
+                </a:ext>
+              </a:extLst>
+            </a:blip>
+            <a:stretch>
+              <a:fillRect/>
+            </a:stretch>
+          </p:blipFill>
+          <p:spPr>
+            <a:xfrm>
+              <a:off x="10342592" y="1848678"/>
+              <a:ext cx="415739" cy="414210"/>
+            </a:xfrm>
+            <a:prstGeom prst="rect">
+              <a:avLst/>
+            </a:prstGeom>
+          </p:spPr>
+        </p:pic>
+      </p:grpSp>
+      <p:grpSp>
+        <p:nvGrpSpPr>
+          <p:cNvPr id="23" name="Agrupar 22">
+            <a:extLst>
+              <a:ext uri="{FF2B5EF4-FFF2-40B4-BE49-F238E27FC236}">
+                <a16:creationId xmlns:a16="http://schemas.microsoft.com/office/drawing/2014/main" id="{45D273B2-2D86-4F83-9F23-EF8D9FED97A7}"/>
+              </a:ext>
+            </a:extLst>
+          </p:cNvPr>
+          <p:cNvGrpSpPr/>
+          <p:nvPr/>
+        </p:nvGrpSpPr>
+        <p:grpSpPr>
+          <a:xfrm>
+            <a:off x="696568" y="5010978"/>
+            <a:ext cx="10721008" cy="1272208"/>
+            <a:chOff x="636105" y="1417983"/>
+            <a:chExt cx="10721008" cy="1272208"/>
+          </a:xfrm>
+        </p:grpSpPr>
+        <p:sp>
+          <p:nvSpPr>
+            <p:cNvPr id="24" name="Retângulo 23">
+              <a:extLst>
+                <a:ext uri="{FF2B5EF4-FFF2-40B4-BE49-F238E27FC236}">
+                  <a16:creationId xmlns:a16="http://schemas.microsoft.com/office/drawing/2014/main" id="{AA5EE958-8482-457B-9E9D-3984DD225FDA}"/>
+                </a:ext>
+              </a:extLst>
+            </p:cNvPr>
+            <p:cNvSpPr/>
+            <p:nvPr/>
+          </p:nvSpPr>
+          <p:spPr>
+            <a:xfrm>
+              <a:off x="636105" y="1417983"/>
+              <a:ext cx="10721008" cy="1272208"/>
+            </a:xfrm>
+            <a:prstGeom prst="rect">
+              <a:avLst/>
+            </a:prstGeom>
+            <a:solidFill>
+              <a:schemeClr val="bg1"/>
+            </a:solidFill>
+            <a:ln>
+              <a:noFill/>
+            </a:ln>
+            <a:effectLst>
+              <a:outerShdw blurRad="50800" dist="38100" dir="5400000" algn="t" rotWithShape="0">
+                <a:prstClr val="black">
+                  <a:alpha val="40000"/>
+                </a:prstClr>
+              </a:outerShdw>
+            </a:effectLst>
+          </p:spPr>
+          <p:style>
+            <a:lnRef idx="2">
+              <a:schemeClr val="accent1">
+                <a:shade val="50000"/>
+              </a:schemeClr>
+            </a:lnRef>
+            <a:fillRef idx="1">
+              <a:schemeClr val="accent1"/>
+            </a:fillRef>
+            <a:effectRef idx="0">
+              <a:schemeClr val="accent1"/>
+            </a:effectRef>
+            <a:fontRef idx="minor">
+              <a:schemeClr val="lt1"/>
+            </a:fontRef>
+          </p:style>
+          <p:txBody>
+            <a:bodyPr rtlCol="0" anchor="ctr"/>
+            <a:lstStyle/>
+            <a:p>
+              <a:pPr algn="ctr"/>
+              <a:endParaRPr lang="pt-BR"/>
+            </a:p>
+          </p:txBody>
+        </p:sp>
+        <p:sp>
+          <p:nvSpPr>
+            <p:cNvPr id="25" name="CaixaDeTexto 24">
+              <a:extLst>
+                <a:ext uri="{FF2B5EF4-FFF2-40B4-BE49-F238E27FC236}">
+                  <a16:creationId xmlns:a16="http://schemas.microsoft.com/office/drawing/2014/main" id="{EB4ACE80-758A-4C11-85C2-39D9869F75D7}"/>
+                </a:ext>
+              </a:extLst>
+            </p:cNvPr>
+            <p:cNvSpPr txBox="1"/>
+            <p:nvPr/>
+          </p:nvSpPr>
+          <p:spPr>
+            <a:xfrm>
+              <a:off x="954156" y="1822174"/>
+              <a:ext cx="3024161" cy="369332"/>
+            </a:xfrm>
+            <a:prstGeom prst="rect">
+              <a:avLst/>
+            </a:prstGeom>
+            <a:noFill/>
+          </p:spPr>
+          <p:txBody>
+            <a:bodyPr wrap="none" rtlCol="0">
+              <a:spAutoFit/>
+            </a:bodyPr>
+            <a:lstStyle/>
+            <a:p>
+              <a:r>
+                <a:rPr lang="pt-BR" dirty="0">
+                  <a:latin typeface="Righteous" panose="02010506000000020000" pitchFamily="2" charset="0"/>
+                </a:rPr>
+                <a:t>PROJETO PROGRAMAÇÃO</a:t>
+              </a:r>
+            </a:p>
+          </p:txBody>
+        </p:sp>
+        <p:sp>
+          <p:nvSpPr>
+            <p:cNvPr id="26" name="CaixaDeTexto 25">
+              <a:extLst>
+                <a:ext uri="{FF2B5EF4-FFF2-40B4-BE49-F238E27FC236}">
+                  <a16:creationId xmlns:a16="http://schemas.microsoft.com/office/drawing/2014/main" id="{DA57E9B7-98E8-4E90-86C3-A8B0B6FDD20C}"/>
+                </a:ext>
+              </a:extLst>
+            </p:cNvPr>
+            <p:cNvSpPr txBox="1"/>
+            <p:nvPr/>
+          </p:nvSpPr>
+          <p:spPr>
+            <a:xfrm>
+              <a:off x="5042452" y="1822174"/>
+              <a:ext cx="1125821" cy="369332"/>
+            </a:xfrm>
+            <a:prstGeom prst="rect">
+              <a:avLst/>
+            </a:prstGeom>
+            <a:noFill/>
+          </p:spPr>
+          <p:txBody>
+            <a:bodyPr wrap="none" rtlCol="0">
+              <a:spAutoFit/>
+            </a:bodyPr>
+            <a:lstStyle/>
+            <a:p>
+              <a:r>
+                <a:rPr lang="pt-BR" dirty="0">
+                  <a:latin typeface="Righteous" panose="02010506000000020000" pitchFamily="2" charset="0"/>
+                </a:rPr>
+                <a:t>12-02-18</a:t>
+              </a:r>
+            </a:p>
+          </p:txBody>
+        </p:sp>
+        <p:sp>
+          <p:nvSpPr>
+            <p:cNvPr id="27" name="CaixaDeTexto 26">
+              <a:extLst>
+                <a:ext uri="{FF2B5EF4-FFF2-40B4-BE49-F238E27FC236}">
+                  <a16:creationId xmlns:a16="http://schemas.microsoft.com/office/drawing/2014/main" id="{74E9F6DE-5DC5-4863-AE33-768E36D5CC14}"/>
+                </a:ext>
+              </a:extLst>
+            </p:cNvPr>
+            <p:cNvSpPr txBox="1"/>
+            <p:nvPr/>
+          </p:nvSpPr>
+          <p:spPr>
+            <a:xfrm>
+              <a:off x="7818783" y="1822174"/>
+              <a:ext cx="731482" cy="369332"/>
+            </a:xfrm>
+            <a:prstGeom prst="rect">
+              <a:avLst/>
+            </a:prstGeom>
+            <a:noFill/>
+          </p:spPr>
+          <p:txBody>
+            <a:bodyPr wrap="none" rtlCol="0">
+              <a:spAutoFit/>
+            </a:bodyPr>
+            <a:lstStyle/>
+            <a:p>
+              <a:r>
+                <a:rPr lang="pt-BR" dirty="0">
+                  <a:latin typeface="Righteous" panose="02010506000000020000" pitchFamily="2" charset="0"/>
+                </a:rPr>
+                <a:t>ALTA</a:t>
+              </a:r>
+            </a:p>
+          </p:txBody>
+        </p:sp>
+        <p:pic>
+          <p:nvPicPr>
+            <p:cNvPr id="28" name="Imagem 27">
+              <a:extLst>
+                <a:ext uri="{FF2B5EF4-FFF2-40B4-BE49-F238E27FC236}">
+                  <a16:creationId xmlns:a16="http://schemas.microsoft.com/office/drawing/2014/main" id="{4E24E87D-240C-4E01-A792-F0B0BE932F59}"/>
+                </a:ext>
+              </a:extLst>
+            </p:cNvPr>
+            <p:cNvPicPr>
+              <a:picLocks noChangeAspect="1"/>
+            </p:cNvPicPr>
+            <p:nvPr/>
+          </p:nvPicPr>
+          <p:blipFill>
+            <a:blip r:embed="rId2">
+              <a:extLst>
+                <a:ext uri="{28A0092B-C50C-407E-A947-70E740481C1C}">
+                  <a14:useLocalDpi xmlns:a14="http://schemas.microsoft.com/office/drawing/2010/main" val="0"/>
+                </a:ext>
+              </a:extLst>
+            </a:blip>
+            <a:stretch>
+              <a:fillRect/>
+            </a:stretch>
+          </p:blipFill>
+          <p:spPr>
+            <a:xfrm>
+              <a:off x="10077549" y="1822174"/>
+              <a:ext cx="415739" cy="414210"/>
+            </a:xfrm>
+            <a:prstGeom prst="rect">
+              <a:avLst/>
+            </a:prstGeom>
+          </p:spPr>
+        </p:pic>
+        <p:pic>
+          <p:nvPicPr>
+            <p:cNvPr id="29" name="Imagem 28">
+              <a:extLst>
+                <a:ext uri="{FF2B5EF4-FFF2-40B4-BE49-F238E27FC236}">
+                  <a16:creationId xmlns:a16="http://schemas.microsoft.com/office/drawing/2014/main" id="{7D54F0C7-40B5-48DC-80A0-A6EBC2560CE0}"/>
+                </a:ext>
+              </a:extLst>
+            </p:cNvPr>
+            <p:cNvPicPr>
+              <a:picLocks noChangeAspect="1"/>
+            </p:cNvPicPr>
+            <p:nvPr/>
+          </p:nvPicPr>
+          <p:blipFill>
+            <a:blip r:embed="rId3">
+              <a:extLst>
+                <a:ext uri="{28A0092B-C50C-407E-A947-70E740481C1C}">
+                  <a14:useLocalDpi xmlns:a14="http://schemas.microsoft.com/office/drawing/2010/main" val="0"/>
+                </a:ext>
+              </a:extLst>
+            </a:blip>
+            <a:stretch>
+              <a:fillRect/>
+            </a:stretch>
+          </p:blipFill>
+          <p:spPr>
+            <a:xfrm>
+              <a:off x="10572106" y="1822174"/>
+              <a:ext cx="415739" cy="414210"/>
+            </a:xfrm>
+            <a:prstGeom prst="rect">
+              <a:avLst/>
+            </a:prstGeom>
+          </p:spPr>
+        </p:pic>
+      </p:grpSp>
+      <p:grpSp>
+        <p:nvGrpSpPr>
+          <p:cNvPr id="49" name="Agrupar 48">
+            <a:extLst>
+              <a:ext uri="{FF2B5EF4-FFF2-40B4-BE49-F238E27FC236}">
+                <a16:creationId xmlns:a16="http://schemas.microsoft.com/office/drawing/2014/main" id="{93323376-FC90-47F3-B9AA-DB087FAF8269}"/>
+              </a:ext>
+            </a:extLst>
+          </p:cNvPr>
+          <p:cNvGrpSpPr/>
+          <p:nvPr/>
+        </p:nvGrpSpPr>
+        <p:grpSpPr>
+          <a:xfrm>
+            <a:off x="5475041" y="121163"/>
+            <a:ext cx="1736035" cy="857559"/>
+            <a:chOff x="5300870" y="251791"/>
+            <a:chExt cx="1736035" cy="857559"/>
+          </a:xfrm>
+        </p:grpSpPr>
+        <p:sp>
+          <p:nvSpPr>
+            <p:cNvPr id="30" name="Retângulo: Cantos Arredondados 29">
+              <a:extLst>
+                <a:ext uri="{FF2B5EF4-FFF2-40B4-BE49-F238E27FC236}">
+                  <a16:creationId xmlns:a16="http://schemas.microsoft.com/office/drawing/2014/main" id="{19792A2E-3FC2-4D09-99A6-1AA5CCE8EDA1}"/>
+                </a:ext>
+              </a:extLst>
+            </p:cNvPr>
+            <p:cNvSpPr/>
+            <p:nvPr/>
+          </p:nvSpPr>
+          <p:spPr>
+            <a:xfrm>
+              <a:off x="5300870" y="251791"/>
+              <a:ext cx="1736035" cy="857559"/>
+            </a:xfrm>
+            <a:prstGeom prst="roundRect">
+              <a:avLst>
+                <a:gd name="adj" fmla="val 8130"/>
+              </a:avLst>
+            </a:prstGeom>
+            <a:solidFill>
+              <a:srgbClr val="0AB39C"/>
+            </a:solidFill>
+            <a:ln>
+              <a:noFill/>
+            </a:ln>
+            <a:effectLst>
+              <a:outerShdw blurRad="50800" dist="38100" dir="5400000" algn="t" rotWithShape="0">
+                <a:prstClr val="black">
+                  <a:alpha val="40000"/>
+                </a:prstClr>
+              </a:outerShdw>
+            </a:effectLst>
+          </p:spPr>
+          <p:style>
+            <a:lnRef idx="2">
+              <a:schemeClr val="accent1">
+                <a:shade val="50000"/>
+              </a:schemeClr>
+            </a:lnRef>
+            <a:fillRef idx="1">
+              <a:schemeClr val="accent1"/>
+            </a:fillRef>
+            <a:effectRef idx="0">
+              <a:schemeClr val="accent1"/>
+            </a:effectRef>
+            <a:fontRef idx="minor">
+              <a:schemeClr val="lt1"/>
+            </a:fontRef>
+          </p:style>
+          <p:txBody>
+            <a:bodyPr rtlCol="0" anchor="ctr"/>
+            <a:lstStyle/>
+            <a:p>
+              <a:pPr algn="ctr"/>
+              <a:endParaRPr lang="pt-BR"/>
+            </a:p>
+          </p:txBody>
+        </p:sp>
+        <p:sp>
+          <p:nvSpPr>
+            <p:cNvPr id="31" name="CaixaDeTexto 30">
+              <a:extLst>
+                <a:ext uri="{FF2B5EF4-FFF2-40B4-BE49-F238E27FC236}">
+                  <a16:creationId xmlns:a16="http://schemas.microsoft.com/office/drawing/2014/main" id="{F3382E71-0F60-4DD4-8B63-598CF986D59D}"/>
+                </a:ext>
+              </a:extLst>
+            </p:cNvPr>
+            <p:cNvSpPr txBox="1"/>
+            <p:nvPr/>
+          </p:nvSpPr>
+          <p:spPr>
+            <a:xfrm>
+              <a:off x="5499651" y="448045"/>
+              <a:ext cx="1378227" cy="461665"/>
+            </a:xfrm>
+            <a:prstGeom prst="rect">
+              <a:avLst/>
+            </a:prstGeom>
+            <a:noFill/>
+          </p:spPr>
+          <p:txBody>
+            <a:bodyPr wrap="square" rtlCol="0">
+              <a:spAutoFit/>
+            </a:bodyPr>
+            <a:lstStyle/>
+            <a:p>
+              <a:r>
+                <a:rPr lang="pt-BR" sz="2400" dirty="0">
+                  <a:solidFill>
+                    <a:schemeClr val="bg1"/>
+                  </a:solidFill>
+                  <a:latin typeface="Righteous" panose="02010506000000020000" pitchFamily="2" charset="0"/>
+                </a:rPr>
+                <a:t>FILTRAR</a:t>
+              </a:r>
+            </a:p>
+          </p:txBody>
+        </p:sp>
+      </p:grpSp>
+      <p:grpSp>
+        <p:nvGrpSpPr>
+          <p:cNvPr id="48" name="Agrupar 47">
+            <a:extLst>
+              <a:ext uri="{FF2B5EF4-FFF2-40B4-BE49-F238E27FC236}">
+                <a16:creationId xmlns:a16="http://schemas.microsoft.com/office/drawing/2014/main" id="{D8845B0E-2EC9-4E1E-B20E-025905A6B427}"/>
+              </a:ext>
+            </a:extLst>
+          </p:cNvPr>
+          <p:cNvGrpSpPr/>
+          <p:nvPr/>
+        </p:nvGrpSpPr>
+        <p:grpSpPr>
+          <a:xfrm>
+            <a:off x="2972842" y="1980453"/>
+            <a:ext cx="6347791" cy="3114260"/>
+            <a:chOff x="3087756" y="1683027"/>
+            <a:chExt cx="6347791" cy="3114260"/>
+          </a:xfrm>
+        </p:grpSpPr>
+        <p:sp>
+          <p:nvSpPr>
+            <p:cNvPr id="32" name="Retângulo: Cantos Arredondados 31">
+              <a:extLst>
+                <a:ext uri="{FF2B5EF4-FFF2-40B4-BE49-F238E27FC236}">
+                  <a16:creationId xmlns:a16="http://schemas.microsoft.com/office/drawing/2014/main" id="{5A5FB7A3-B236-460A-B8CE-2EF0E8F4A816}"/>
+                </a:ext>
+              </a:extLst>
+            </p:cNvPr>
+            <p:cNvSpPr/>
+            <p:nvPr/>
+          </p:nvSpPr>
+          <p:spPr>
+            <a:xfrm>
+              <a:off x="3087756" y="1683027"/>
+              <a:ext cx="6347791" cy="3114260"/>
+            </a:xfrm>
+            <a:prstGeom prst="roundRect">
+              <a:avLst>
+                <a:gd name="adj" fmla="val 5963"/>
+              </a:avLst>
+            </a:prstGeom>
+            <a:solidFill>
+              <a:schemeClr val="bg1"/>
+            </a:solidFill>
+            <a:ln>
+              <a:noFill/>
+            </a:ln>
+            <a:effectLst>
+              <a:outerShdw blurRad="50800" dist="38100" dir="5400000" algn="t" rotWithShape="0">
+                <a:prstClr val="black">
+                  <a:alpha val="40000"/>
+                </a:prstClr>
+              </a:outerShdw>
+            </a:effectLst>
+          </p:spPr>
+          <p:style>
+            <a:lnRef idx="2">
+              <a:schemeClr val="accent1">
+                <a:shade val="50000"/>
+              </a:schemeClr>
+            </a:lnRef>
+            <a:fillRef idx="1">
+              <a:schemeClr val="accent1"/>
+            </a:fillRef>
+            <a:effectRef idx="0">
+              <a:schemeClr val="accent1"/>
+            </a:effectRef>
+            <a:fontRef idx="minor">
+              <a:schemeClr val="lt1"/>
+            </a:fontRef>
+          </p:style>
+          <p:txBody>
+            <a:bodyPr rtlCol="0" anchor="ctr"/>
+            <a:lstStyle/>
+            <a:p>
+              <a:pPr algn="ctr"/>
+              <a:endParaRPr lang="pt-BR"/>
+            </a:p>
+          </p:txBody>
+        </p:sp>
+        <p:sp>
+          <p:nvSpPr>
+            <p:cNvPr id="34" name="CaixaDeTexto 33">
+              <a:extLst>
+                <a:ext uri="{FF2B5EF4-FFF2-40B4-BE49-F238E27FC236}">
+                  <a16:creationId xmlns:a16="http://schemas.microsoft.com/office/drawing/2014/main" id="{ECE9ABC5-065E-4D3D-A50C-DE43493205C4}"/>
+                </a:ext>
+              </a:extLst>
+            </p:cNvPr>
+            <p:cNvSpPr txBox="1"/>
+            <p:nvPr/>
+          </p:nvSpPr>
+          <p:spPr>
+            <a:xfrm>
+              <a:off x="3962398" y="2199861"/>
+              <a:ext cx="726609" cy="461665"/>
+            </a:xfrm>
+            <a:prstGeom prst="rect">
+              <a:avLst/>
+            </a:prstGeom>
+            <a:noFill/>
+          </p:spPr>
+          <p:txBody>
+            <a:bodyPr wrap="none" rtlCol="0">
+              <a:spAutoFit/>
+            </a:bodyPr>
+            <a:lstStyle/>
+            <a:p>
+              <a:r>
+                <a:rPr lang="pt-BR" sz="2400" dirty="0">
+                  <a:latin typeface="Righteous" panose="02010506000000020000" pitchFamily="2" charset="0"/>
+                </a:rPr>
+                <a:t>A-Z</a:t>
+              </a:r>
+            </a:p>
+          </p:txBody>
+        </p:sp>
+        <p:sp>
+          <p:nvSpPr>
+            <p:cNvPr id="35" name="CaixaDeTexto 34">
+              <a:extLst>
+                <a:ext uri="{FF2B5EF4-FFF2-40B4-BE49-F238E27FC236}">
+                  <a16:creationId xmlns:a16="http://schemas.microsoft.com/office/drawing/2014/main" id="{33034119-1D8B-4F5D-A7D8-5EBE80F64E67}"/>
+                </a:ext>
+              </a:extLst>
+            </p:cNvPr>
+            <p:cNvSpPr txBox="1"/>
+            <p:nvPr/>
+          </p:nvSpPr>
+          <p:spPr>
+            <a:xfrm>
+              <a:off x="3969024" y="2760870"/>
+              <a:ext cx="1203150" cy="461665"/>
+            </a:xfrm>
+            <a:prstGeom prst="rect">
+              <a:avLst/>
+            </a:prstGeom>
+            <a:noFill/>
+          </p:spPr>
+          <p:txBody>
+            <a:bodyPr wrap="none" rtlCol="0">
+              <a:spAutoFit/>
+            </a:bodyPr>
+            <a:lstStyle/>
+            <a:p>
+              <a:r>
+                <a:rPr lang="pt-BR" sz="2400" dirty="0">
+                  <a:latin typeface="Righteous" panose="02010506000000020000" pitchFamily="2" charset="0"/>
+                </a:rPr>
+                <a:t>PRAZO</a:t>
+              </a:r>
+            </a:p>
+          </p:txBody>
+        </p:sp>
+        <p:grpSp>
+          <p:nvGrpSpPr>
+            <p:cNvPr id="40" name="Agrupar 39">
+              <a:extLst>
+                <a:ext uri="{FF2B5EF4-FFF2-40B4-BE49-F238E27FC236}">
+                  <a16:creationId xmlns:a16="http://schemas.microsoft.com/office/drawing/2014/main" id="{0EA12E2B-58C0-4B3A-94C2-1658714FB435}"/>
+                </a:ext>
+              </a:extLst>
+            </p:cNvPr>
+            <p:cNvGrpSpPr/>
+            <p:nvPr/>
+          </p:nvGrpSpPr>
+          <p:grpSpPr>
+            <a:xfrm>
+              <a:off x="3419061" y="2266121"/>
+              <a:ext cx="366179" cy="371061"/>
+              <a:chOff x="6175513" y="2690191"/>
+              <a:chExt cx="993913" cy="1007166"/>
+            </a:xfrm>
+          </p:grpSpPr>
+          <p:sp>
+            <p:nvSpPr>
+              <p:cNvPr id="38" name="Forma Livre: Forma 37">
+                <a:extLst>
+                  <a:ext uri="{FF2B5EF4-FFF2-40B4-BE49-F238E27FC236}">
+                    <a16:creationId xmlns:a16="http://schemas.microsoft.com/office/drawing/2014/main" id="{367DDB02-6EFE-4F6D-929D-D0E3D4DB46A6}"/>
+                  </a:ext>
+                </a:extLst>
+              </p:cNvPr>
+              <p:cNvSpPr/>
+              <p:nvPr/>
+            </p:nvSpPr>
+            <p:spPr>
+              <a:xfrm>
+                <a:off x="6175513" y="2690191"/>
+                <a:ext cx="993913" cy="1007166"/>
+              </a:xfrm>
+              <a:custGeom>
+                <a:avLst/>
+                <a:gdLst>
+                  <a:gd name="connsiteX0" fmla="*/ 520148 w 1033670"/>
+                  <a:gd name="connsiteY0" fmla="*/ 152400 h 1033670"/>
+                  <a:gd name="connsiteX1" fmla="*/ 152400 w 1033670"/>
+                  <a:gd name="connsiteY1" fmla="*/ 520148 h 1033670"/>
+                  <a:gd name="connsiteX2" fmla="*/ 520148 w 1033670"/>
+                  <a:gd name="connsiteY2" fmla="*/ 887896 h 1033670"/>
+                  <a:gd name="connsiteX3" fmla="*/ 887896 w 1033670"/>
+                  <a:gd name="connsiteY3" fmla="*/ 520148 h 1033670"/>
+                  <a:gd name="connsiteX4" fmla="*/ 520148 w 1033670"/>
+                  <a:gd name="connsiteY4" fmla="*/ 152400 h 1033670"/>
+                  <a:gd name="connsiteX5" fmla="*/ 516835 w 1033670"/>
+                  <a:gd name="connsiteY5" fmla="*/ 0 h 1033670"/>
+                  <a:gd name="connsiteX6" fmla="*/ 1033670 w 1033670"/>
+                  <a:gd name="connsiteY6" fmla="*/ 516835 h 1033670"/>
+                  <a:gd name="connsiteX7" fmla="*/ 516835 w 1033670"/>
+                  <a:gd name="connsiteY7" fmla="*/ 1033670 h 1033670"/>
+                  <a:gd name="connsiteX8" fmla="*/ 0 w 1033670"/>
+                  <a:gd name="connsiteY8" fmla="*/ 516835 h 1033670"/>
+                  <a:gd name="connsiteX9" fmla="*/ 516835 w 1033670"/>
+                  <a:gd name="connsiteY9" fmla="*/ 0 h 1033670"/>
+                </a:gdLst>
+                <a:ahLst/>
+                <a:cxnLst>
+                  <a:cxn ang="0">
+                    <a:pos x="connsiteX0" y="connsiteY0"/>
+                  </a:cxn>
+                  <a:cxn ang="0">
+                    <a:pos x="connsiteX1" y="connsiteY1"/>
+                  </a:cxn>
+                  <a:cxn ang="0">
+                    <a:pos x="connsiteX2" y="connsiteY2"/>
+                  </a:cxn>
+                  <a:cxn ang="0">
+                    <a:pos x="connsiteX3" y="connsiteY3"/>
+                  </a:cxn>
+                  <a:cxn ang="0">
+                    <a:pos x="connsiteX4" y="connsiteY4"/>
+                  </a:cxn>
+                  <a:cxn ang="0">
+                    <a:pos x="connsiteX5" y="connsiteY5"/>
+                  </a:cxn>
+                  <a:cxn ang="0">
+                    <a:pos x="connsiteX6" y="connsiteY6"/>
+                  </a:cxn>
+                  <a:cxn ang="0">
+                    <a:pos x="connsiteX7" y="connsiteY7"/>
+                  </a:cxn>
+                  <a:cxn ang="0">
+                    <a:pos x="connsiteX8" y="connsiteY8"/>
+                  </a:cxn>
+                  <a:cxn ang="0">
+                    <a:pos x="connsiteX9" y="connsiteY9"/>
+                  </a:cxn>
+                </a:cxnLst>
+                <a:rect l="l" t="t" r="r" b="b"/>
+                <a:pathLst>
+                  <a:path w="1033670" h="1033670">
+                    <a:moveTo>
+                      <a:pt x="520148" y="152400"/>
+                    </a:moveTo>
+                    <a:cubicBezTo>
+                      <a:pt x="317046" y="152400"/>
+                      <a:pt x="152400" y="317046"/>
+                      <a:pt x="152400" y="520148"/>
+                    </a:cubicBezTo>
+                    <a:cubicBezTo>
+                      <a:pt x="152400" y="723250"/>
+                      <a:pt x="317046" y="887896"/>
+                      <a:pt x="520148" y="887896"/>
+                    </a:cubicBezTo>
+                    <a:cubicBezTo>
+                      <a:pt x="723250" y="887896"/>
+                      <a:pt x="887896" y="723250"/>
+                      <a:pt x="887896" y="520148"/>
+                    </a:cubicBezTo>
+                    <a:cubicBezTo>
+                      <a:pt x="887896" y="317046"/>
+                      <a:pt x="723250" y="152400"/>
+                      <a:pt x="520148" y="152400"/>
+                    </a:cubicBezTo>
+                    <a:close/>
+                    <a:moveTo>
+                      <a:pt x="516835" y="0"/>
+                    </a:moveTo>
+                    <a:cubicBezTo>
+                      <a:pt x="802275" y="0"/>
+                      <a:pt x="1033670" y="231395"/>
+                      <a:pt x="1033670" y="516835"/>
+                    </a:cubicBezTo>
+                    <a:cubicBezTo>
+                      <a:pt x="1033670" y="802275"/>
+                      <a:pt x="802275" y="1033670"/>
+                      <a:pt x="516835" y="1033670"/>
+                    </a:cubicBezTo>
+                    <a:cubicBezTo>
+                      <a:pt x="231395" y="1033670"/>
+                      <a:pt x="0" y="802275"/>
+                      <a:pt x="0" y="516835"/>
+                    </a:cubicBezTo>
+                    <a:cubicBezTo>
+                      <a:pt x="0" y="231395"/>
+                      <a:pt x="231395" y="0"/>
+                      <a:pt x="516835" y="0"/>
+                    </a:cubicBezTo>
+                    <a:close/>
+                  </a:path>
+                </a:pathLst>
+              </a:custGeom>
+              <a:solidFill>
+                <a:srgbClr val="0AB39C"/>
+              </a:solidFill>
+              <a:ln>
+                <a:noFill/>
+              </a:ln>
+            </p:spPr>
+            <p:style>
+              <a:lnRef idx="2">
+                <a:schemeClr val="accent1">
+                  <a:shade val="50000"/>
+                </a:schemeClr>
+              </a:lnRef>
+              <a:fillRef idx="1">
+                <a:schemeClr val="accent1"/>
+              </a:fillRef>
+              <a:effectRef idx="0">
+                <a:schemeClr val="accent1"/>
+              </a:effectRef>
+              <a:fontRef idx="minor">
+                <a:schemeClr val="lt1"/>
+              </a:fontRef>
+            </p:style>
+            <p:txBody>
+              <a:bodyPr rtlCol="0" anchor="ctr"/>
+              <a:lstStyle/>
+              <a:p>
+                <a:pPr algn="ctr"/>
+                <a:endParaRPr lang="pt-BR"/>
+              </a:p>
+            </p:txBody>
+          </p:sp>
+          <p:sp>
+            <p:nvSpPr>
+              <p:cNvPr id="39" name="Elipse 38">
+                <a:extLst>
+                  <a:ext uri="{FF2B5EF4-FFF2-40B4-BE49-F238E27FC236}">
+                    <a16:creationId xmlns:a16="http://schemas.microsoft.com/office/drawing/2014/main" id="{6B5E65AB-9327-40B7-81E2-D86449A6EEAB}"/>
+                  </a:ext>
+                </a:extLst>
+              </p:cNvPr>
+              <p:cNvSpPr/>
+              <p:nvPr/>
+            </p:nvSpPr>
+            <p:spPr>
+              <a:xfrm>
+                <a:off x="6374296" y="2888973"/>
+                <a:ext cx="609600" cy="609600"/>
+              </a:xfrm>
+              <a:prstGeom prst="ellipse">
+                <a:avLst/>
+              </a:prstGeom>
+              <a:solidFill>
+                <a:srgbClr val="0AB39C"/>
+              </a:solidFill>
+              <a:ln>
+                <a:noFill/>
+              </a:ln>
+            </p:spPr>
+            <p:style>
+              <a:lnRef idx="2">
+                <a:schemeClr val="accent1">
+                  <a:shade val="50000"/>
+                </a:schemeClr>
+              </a:lnRef>
+              <a:fillRef idx="1">
+                <a:schemeClr val="accent1"/>
+              </a:fillRef>
+              <a:effectRef idx="0">
+                <a:schemeClr val="accent1"/>
+              </a:effectRef>
+              <a:fontRef idx="minor">
+                <a:schemeClr val="lt1"/>
+              </a:fontRef>
+            </p:style>
+            <p:txBody>
+              <a:bodyPr rtlCol="0" anchor="ctr"/>
+              <a:lstStyle/>
+              <a:p>
+                <a:pPr algn="ctr"/>
+                <a:endParaRPr lang="pt-BR"/>
+              </a:p>
+            </p:txBody>
+          </p:sp>
+        </p:grpSp>
+        <p:sp>
+          <p:nvSpPr>
+            <p:cNvPr id="42" name="Forma Livre: Forma 41">
+              <a:extLst>
+                <a:ext uri="{FF2B5EF4-FFF2-40B4-BE49-F238E27FC236}">
+                  <a16:creationId xmlns:a16="http://schemas.microsoft.com/office/drawing/2014/main" id="{F6002ACD-085B-4A90-B595-884E858FBBAB}"/>
+                </a:ext>
+              </a:extLst>
+            </p:cNvPr>
+            <p:cNvSpPr/>
+            <p:nvPr/>
+          </p:nvSpPr>
+          <p:spPr>
+            <a:xfrm>
+              <a:off x="3419061" y="2822712"/>
+              <a:ext cx="366179" cy="371061"/>
+            </a:xfrm>
+            <a:custGeom>
+              <a:avLst/>
+              <a:gdLst>
+                <a:gd name="connsiteX0" fmla="*/ 520148 w 1033670"/>
+                <a:gd name="connsiteY0" fmla="*/ 152400 h 1033670"/>
+                <a:gd name="connsiteX1" fmla="*/ 152400 w 1033670"/>
+                <a:gd name="connsiteY1" fmla="*/ 520148 h 1033670"/>
+                <a:gd name="connsiteX2" fmla="*/ 520148 w 1033670"/>
+                <a:gd name="connsiteY2" fmla="*/ 887896 h 1033670"/>
+                <a:gd name="connsiteX3" fmla="*/ 887896 w 1033670"/>
+                <a:gd name="connsiteY3" fmla="*/ 520148 h 1033670"/>
+                <a:gd name="connsiteX4" fmla="*/ 520148 w 1033670"/>
+                <a:gd name="connsiteY4" fmla="*/ 152400 h 1033670"/>
+                <a:gd name="connsiteX5" fmla="*/ 516835 w 1033670"/>
+                <a:gd name="connsiteY5" fmla="*/ 0 h 1033670"/>
+                <a:gd name="connsiteX6" fmla="*/ 1033670 w 1033670"/>
+                <a:gd name="connsiteY6" fmla="*/ 516835 h 1033670"/>
+                <a:gd name="connsiteX7" fmla="*/ 516835 w 1033670"/>
+                <a:gd name="connsiteY7" fmla="*/ 1033670 h 1033670"/>
+                <a:gd name="connsiteX8" fmla="*/ 0 w 1033670"/>
+                <a:gd name="connsiteY8" fmla="*/ 516835 h 1033670"/>
+                <a:gd name="connsiteX9" fmla="*/ 516835 w 1033670"/>
+                <a:gd name="connsiteY9" fmla="*/ 0 h 1033670"/>
+              </a:gdLst>
+              <a:ahLst/>
+              <a:cxnLst>
+                <a:cxn ang="0">
+                  <a:pos x="connsiteX0" y="connsiteY0"/>
+                </a:cxn>
+                <a:cxn ang="0">
+                  <a:pos x="connsiteX1" y="connsiteY1"/>
+                </a:cxn>
+                <a:cxn ang="0">
+                  <a:pos x="connsiteX2" y="connsiteY2"/>
+                </a:cxn>
+                <a:cxn ang="0">
+                  <a:pos x="connsiteX3" y="connsiteY3"/>
+                </a:cxn>
+                <a:cxn ang="0">
+                  <a:pos x="connsiteX4" y="connsiteY4"/>
+                </a:cxn>
+                <a:cxn ang="0">
+                  <a:pos x="connsiteX5" y="connsiteY5"/>
+                </a:cxn>
+                <a:cxn ang="0">
+                  <a:pos x="connsiteX6" y="connsiteY6"/>
+                </a:cxn>
+                <a:cxn ang="0">
+                  <a:pos x="connsiteX7" y="connsiteY7"/>
+                </a:cxn>
+                <a:cxn ang="0">
+                  <a:pos x="connsiteX8" y="connsiteY8"/>
+                </a:cxn>
+                <a:cxn ang="0">
+                  <a:pos x="connsiteX9" y="connsiteY9"/>
+                </a:cxn>
+              </a:cxnLst>
+              <a:rect l="l" t="t" r="r" b="b"/>
+              <a:pathLst>
+                <a:path w="1033670" h="1033670">
+                  <a:moveTo>
+                    <a:pt x="520148" y="152400"/>
+                  </a:moveTo>
+                  <a:cubicBezTo>
+                    <a:pt x="317046" y="152400"/>
+                    <a:pt x="152400" y="317046"/>
+                    <a:pt x="152400" y="520148"/>
+                  </a:cubicBezTo>
+                  <a:cubicBezTo>
+                    <a:pt x="152400" y="723250"/>
+                    <a:pt x="317046" y="887896"/>
+                    <a:pt x="520148" y="887896"/>
+                  </a:cubicBezTo>
+                  <a:cubicBezTo>
+                    <a:pt x="723250" y="887896"/>
+                    <a:pt x="887896" y="723250"/>
+                    <a:pt x="887896" y="520148"/>
+                  </a:cubicBezTo>
+                  <a:cubicBezTo>
+                    <a:pt x="887896" y="317046"/>
+                    <a:pt x="723250" y="152400"/>
+                    <a:pt x="520148" y="152400"/>
+                  </a:cubicBezTo>
+                  <a:close/>
+                  <a:moveTo>
+                    <a:pt x="516835" y="0"/>
+                  </a:moveTo>
+                  <a:cubicBezTo>
+                    <a:pt x="802275" y="0"/>
+                    <a:pt x="1033670" y="231395"/>
+                    <a:pt x="1033670" y="516835"/>
+                  </a:cubicBezTo>
+                  <a:cubicBezTo>
+                    <a:pt x="1033670" y="802275"/>
+                    <a:pt x="802275" y="1033670"/>
+                    <a:pt x="516835" y="1033670"/>
+                  </a:cubicBezTo>
+                  <a:cubicBezTo>
+                    <a:pt x="231395" y="1033670"/>
+                    <a:pt x="0" y="802275"/>
+                    <a:pt x="0" y="516835"/>
+                  </a:cubicBezTo>
+                  <a:cubicBezTo>
+                    <a:pt x="0" y="231395"/>
+                    <a:pt x="231395" y="0"/>
+                    <a:pt x="516835" y="0"/>
+                  </a:cubicBezTo>
+                  <a:close/>
+                </a:path>
+              </a:pathLst>
+            </a:custGeom>
+            <a:solidFill>
+              <a:srgbClr val="0AB39C"/>
+            </a:solidFill>
+            <a:ln>
+              <a:noFill/>
+            </a:ln>
+          </p:spPr>
+          <p:style>
+            <a:lnRef idx="2">
+              <a:schemeClr val="accent1">
+                <a:shade val="50000"/>
+              </a:schemeClr>
+            </a:lnRef>
+            <a:fillRef idx="1">
+              <a:schemeClr val="accent1"/>
+            </a:fillRef>
+            <a:effectRef idx="0">
+              <a:schemeClr val="accent1"/>
+            </a:effectRef>
+            <a:fontRef idx="minor">
+              <a:schemeClr val="lt1"/>
+            </a:fontRef>
+          </p:style>
+          <p:txBody>
+            <a:bodyPr rtlCol="0" anchor="ctr"/>
+            <a:lstStyle/>
+            <a:p>
+              <a:pPr algn="ctr"/>
+              <a:endParaRPr lang="pt-BR"/>
+            </a:p>
+          </p:txBody>
+        </p:sp>
+        <p:sp>
+          <p:nvSpPr>
+            <p:cNvPr id="44" name="Forma Livre: Forma 43">
+              <a:extLst>
+                <a:ext uri="{FF2B5EF4-FFF2-40B4-BE49-F238E27FC236}">
+                  <a16:creationId xmlns:a16="http://schemas.microsoft.com/office/drawing/2014/main" id="{B473C16C-58BF-49CB-B729-7908CAE915F5}"/>
+                </a:ext>
+              </a:extLst>
+            </p:cNvPr>
+            <p:cNvSpPr/>
+            <p:nvPr/>
+          </p:nvSpPr>
+          <p:spPr>
+            <a:xfrm>
+              <a:off x="3419061" y="3379303"/>
+              <a:ext cx="366179" cy="371061"/>
+            </a:xfrm>
+            <a:custGeom>
+              <a:avLst/>
+              <a:gdLst>
+                <a:gd name="connsiteX0" fmla="*/ 520148 w 1033670"/>
+                <a:gd name="connsiteY0" fmla="*/ 152400 h 1033670"/>
+                <a:gd name="connsiteX1" fmla="*/ 152400 w 1033670"/>
+                <a:gd name="connsiteY1" fmla="*/ 520148 h 1033670"/>
+                <a:gd name="connsiteX2" fmla="*/ 520148 w 1033670"/>
+                <a:gd name="connsiteY2" fmla="*/ 887896 h 1033670"/>
+                <a:gd name="connsiteX3" fmla="*/ 887896 w 1033670"/>
+                <a:gd name="connsiteY3" fmla="*/ 520148 h 1033670"/>
+                <a:gd name="connsiteX4" fmla="*/ 520148 w 1033670"/>
+                <a:gd name="connsiteY4" fmla="*/ 152400 h 1033670"/>
+                <a:gd name="connsiteX5" fmla="*/ 516835 w 1033670"/>
+                <a:gd name="connsiteY5" fmla="*/ 0 h 1033670"/>
+                <a:gd name="connsiteX6" fmla="*/ 1033670 w 1033670"/>
+                <a:gd name="connsiteY6" fmla="*/ 516835 h 1033670"/>
+                <a:gd name="connsiteX7" fmla="*/ 516835 w 1033670"/>
+                <a:gd name="connsiteY7" fmla="*/ 1033670 h 1033670"/>
+                <a:gd name="connsiteX8" fmla="*/ 0 w 1033670"/>
+                <a:gd name="connsiteY8" fmla="*/ 516835 h 1033670"/>
+                <a:gd name="connsiteX9" fmla="*/ 516835 w 1033670"/>
+                <a:gd name="connsiteY9" fmla="*/ 0 h 1033670"/>
+              </a:gdLst>
+              <a:ahLst/>
+              <a:cxnLst>
+                <a:cxn ang="0">
+                  <a:pos x="connsiteX0" y="connsiteY0"/>
+                </a:cxn>
+                <a:cxn ang="0">
+                  <a:pos x="connsiteX1" y="connsiteY1"/>
+                </a:cxn>
+                <a:cxn ang="0">
+                  <a:pos x="connsiteX2" y="connsiteY2"/>
+                </a:cxn>
+                <a:cxn ang="0">
+                  <a:pos x="connsiteX3" y="connsiteY3"/>
+                </a:cxn>
+                <a:cxn ang="0">
+                  <a:pos x="connsiteX4" y="connsiteY4"/>
+                </a:cxn>
+                <a:cxn ang="0">
+                  <a:pos x="connsiteX5" y="connsiteY5"/>
+                </a:cxn>
+                <a:cxn ang="0">
+                  <a:pos x="connsiteX6" y="connsiteY6"/>
+                </a:cxn>
+                <a:cxn ang="0">
+                  <a:pos x="connsiteX7" y="connsiteY7"/>
+                </a:cxn>
+                <a:cxn ang="0">
+                  <a:pos x="connsiteX8" y="connsiteY8"/>
+                </a:cxn>
+                <a:cxn ang="0">
+                  <a:pos x="connsiteX9" y="connsiteY9"/>
+                </a:cxn>
+              </a:cxnLst>
+              <a:rect l="l" t="t" r="r" b="b"/>
+              <a:pathLst>
+                <a:path w="1033670" h="1033670">
+                  <a:moveTo>
+                    <a:pt x="520148" y="152400"/>
+                  </a:moveTo>
+                  <a:cubicBezTo>
+                    <a:pt x="317046" y="152400"/>
+                    <a:pt x="152400" y="317046"/>
+                    <a:pt x="152400" y="520148"/>
+                  </a:cubicBezTo>
+                  <a:cubicBezTo>
+                    <a:pt x="152400" y="723250"/>
+                    <a:pt x="317046" y="887896"/>
+                    <a:pt x="520148" y="887896"/>
+                  </a:cubicBezTo>
+                  <a:cubicBezTo>
+                    <a:pt x="723250" y="887896"/>
+                    <a:pt x="887896" y="723250"/>
+                    <a:pt x="887896" y="520148"/>
+                  </a:cubicBezTo>
+                  <a:cubicBezTo>
+                    <a:pt x="887896" y="317046"/>
+                    <a:pt x="723250" y="152400"/>
+                    <a:pt x="520148" y="152400"/>
+                  </a:cubicBezTo>
+                  <a:close/>
+                  <a:moveTo>
+                    <a:pt x="516835" y="0"/>
+                  </a:moveTo>
+                  <a:cubicBezTo>
+                    <a:pt x="802275" y="0"/>
+                    <a:pt x="1033670" y="231395"/>
+                    <a:pt x="1033670" y="516835"/>
+                  </a:cubicBezTo>
+                  <a:cubicBezTo>
+                    <a:pt x="1033670" y="802275"/>
+                    <a:pt x="802275" y="1033670"/>
+                    <a:pt x="516835" y="1033670"/>
+                  </a:cubicBezTo>
+                  <a:cubicBezTo>
+                    <a:pt x="231395" y="1033670"/>
+                    <a:pt x="0" y="802275"/>
+                    <a:pt x="0" y="516835"/>
+                  </a:cubicBezTo>
+                  <a:cubicBezTo>
+                    <a:pt x="0" y="231395"/>
+                    <a:pt x="231395" y="0"/>
+                    <a:pt x="516835" y="0"/>
+                  </a:cubicBezTo>
+                  <a:close/>
+                </a:path>
+              </a:pathLst>
+            </a:custGeom>
+            <a:solidFill>
+              <a:srgbClr val="0AB39C"/>
+            </a:solidFill>
+            <a:ln>
+              <a:noFill/>
+            </a:ln>
+          </p:spPr>
+          <p:style>
+            <a:lnRef idx="2">
+              <a:schemeClr val="accent1">
+                <a:shade val="50000"/>
+              </a:schemeClr>
+            </a:lnRef>
+            <a:fillRef idx="1">
+              <a:schemeClr val="accent1"/>
+            </a:fillRef>
+            <a:effectRef idx="0">
+              <a:schemeClr val="accent1"/>
+            </a:effectRef>
+            <a:fontRef idx="minor">
+              <a:schemeClr val="lt1"/>
+            </a:fontRef>
+          </p:style>
+          <p:txBody>
+            <a:bodyPr rtlCol="0" anchor="ctr"/>
+            <a:lstStyle/>
+            <a:p>
+              <a:pPr algn="ctr"/>
+              <a:endParaRPr lang="pt-BR"/>
+            </a:p>
+          </p:txBody>
+        </p:sp>
+        <p:sp>
+          <p:nvSpPr>
+            <p:cNvPr id="45" name="Forma Livre: Forma 44">
+              <a:extLst>
+                <a:ext uri="{FF2B5EF4-FFF2-40B4-BE49-F238E27FC236}">
+                  <a16:creationId xmlns:a16="http://schemas.microsoft.com/office/drawing/2014/main" id="{9438FF85-5C51-439C-B646-585675CCE720}"/>
+                </a:ext>
+              </a:extLst>
+            </p:cNvPr>
+            <p:cNvSpPr/>
+            <p:nvPr/>
+          </p:nvSpPr>
+          <p:spPr>
+            <a:xfrm>
+              <a:off x="3419061" y="3935895"/>
+              <a:ext cx="366179" cy="371061"/>
+            </a:xfrm>
+            <a:custGeom>
+              <a:avLst/>
+              <a:gdLst>
+                <a:gd name="connsiteX0" fmla="*/ 520148 w 1033670"/>
+                <a:gd name="connsiteY0" fmla="*/ 152400 h 1033670"/>
+                <a:gd name="connsiteX1" fmla="*/ 152400 w 1033670"/>
+                <a:gd name="connsiteY1" fmla="*/ 520148 h 1033670"/>
+                <a:gd name="connsiteX2" fmla="*/ 520148 w 1033670"/>
+                <a:gd name="connsiteY2" fmla="*/ 887896 h 1033670"/>
+                <a:gd name="connsiteX3" fmla="*/ 887896 w 1033670"/>
+                <a:gd name="connsiteY3" fmla="*/ 520148 h 1033670"/>
+                <a:gd name="connsiteX4" fmla="*/ 520148 w 1033670"/>
+                <a:gd name="connsiteY4" fmla="*/ 152400 h 1033670"/>
+                <a:gd name="connsiteX5" fmla="*/ 516835 w 1033670"/>
+                <a:gd name="connsiteY5" fmla="*/ 0 h 1033670"/>
+                <a:gd name="connsiteX6" fmla="*/ 1033670 w 1033670"/>
+                <a:gd name="connsiteY6" fmla="*/ 516835 h 1033670"/>
+                <a:gd name="connsiteX7" fmla="*/ 516835 w 1033670"/>
+                <a:gd name="connsiteY7" fmla="*/ 1033670 h 1033670"/>
+                <a:gd name="connsiteX8" fmla="*/ 0 w 1033670"/>
+                <a:gd name="connsiteY8" fmla="*/ 516835 h 1033670"/>
+                <a:gd name="connsiteX9" fmla="*/ 516835 w 1033670"/>
+                <a:gd name="connsiteY9" fmla="*/ 0 h 1033670"/>
+              </a:gdLst>
+              <a:ahLst/>
+              <a:cxnLst>
+                <a:cxn ang="0">
+                  <a:pos x="connsiteX0" y="connsiteY0"/>
+                </a:cxn>
+                <a:cxn ang="0">
+                  <a:pos x="connsiteX1" y="connsiteY1"/>
+                </a:cxn>
+                <a:cxn ang="0">
+                  <a:pos x="connsiteX2" y="connsiteY2"/>
+                </a:cxn>
+                <a:cxn ang="0">
+                  <a:pos x="connsiteX3" y="connsiteY3"/>
+                </a:cxn>
+                <a:cxn ang="0">
+                  <a:pos x="connsiteX4" y="connsiteY4"/>
+                </a:cxn>
+                <a:cxn ang="0">
+                  <a:pos x="connsiteX5" y="connsiteY5"/>
+                </a:cxn>
+                <a:cxn ang="0">
+                  <a:pos x="connsiteX6" y="connsiteY6"/>
+                </a:cxn>
+                <a:cxn ang="0">
+                  <a:pos x="connsiteX7" y="connsiteY7"/>
+                </a:cxn>
+                <a:cxn ang="0">
+                  <a:pos x="connsiteX8" y="connsiteY8"/>
+                </a:cxn>
+                <a:cxn ang="0">
+                  <a:pos x="connsiteX9" y="connsiteY9"/>
+                </a:cxn>
+              </a:cxnLst>
+              <a:rect l="l" t="t" r="r" b="b"/>
+              <a:pathLst>
+                <a:path w="1033670" h="1033670">
+                  <a:moveTo>
+                    <a:pt x="520148" y="152400"/>
+                  </a:moveTo>
+                  <a:cubicBezTo>
+                    <a:pt x="317046" y="152400"/>
+                    <a:pt x="152400" y="317046"/>
+                    <a:pt x="152400" y="520148"/>
+                  </a:cubicBezTo>
+                  <a:cubicBezTo>
+                    <a:pt x="152400" y="723250"/>
+                    <a:pt x="317046" y="887896"/>
+                    <a:pt x="520148" y="887896"/>
+                  </a:cubicBezTo>
+                  <a:cubicBezTo>
+                    <a:pt x="723250" y="887896"/>
+                    <a:pt x="887896" y="723250"/>
+                    <a:pt x="887896" y="520148"/>
+                  </a:cubicBezTo>
+                  <a:cubicBezTo>
+                    <a:pt x="887896" y="317046"/>
+                    <a:pt x="723250" y="152400"/>
+                    <a:pt x="520148" y="152400"/>
+                  </a:cubicBezTo>
+                  <a:close/>
+                  <a:moveTo>
+                    <a:pt x="516835" y="0"/>
+                  </a:moveTo>
+                  <a:cubicBezTo>
+                    <a:pt x="802275" y="0"/>
+                    <a:pt x="1033670" y="231395"/>
+                    <a:pt x="1033670" y="516835"/>
+                  </a:cubicBezTo>
+                  <a:cubicBezTo>
+                    <a:pt x="1033670" y="802275"/>
+                    <a:pt x="802275" y="1033670"/>
+                    <a:pt x="516835" y="1033670"/>
+                  </a:cubicBezTo>
+                  <a:cubicBezTo>
+                    <a:pt x="231395" y="1033670"/>
+                    <a:pt x="0" y="802275"/>
+                    <a:pt x="0" y="516835"/>
+                  </a:cubicBezTo>
+                  <a:cubicBezTo>
+                    <a:pt x="0" y="231395"/>
+                    <a:pt x="231395" y="0"/>
+                    <a:pt x="516835" y="0"/>
+                  </a:cubicBezTo>
+                  <a:close/>
+                </a:path>
+              </a:pathLst>
+            </a:custGeom>
+            <a:solidFill>
+              <a:srgbClr val="0AB39C"/>
+            </a:solidFill>
+            <a:ln>
+              <a:noFill/>
+            </a:ln>
+          </p:spPr>
+          <p:style>
+            <a:lnRef idx="2">
+              <a:schemeClr val="accent1">
+                <a:shade val="50000"/>
+              </a:schemeClr>
+            </a:lnRef>
+            <a:fillRef idx="1">
+              <a:schemeClr val="accent1"/>
+            </a:fillRef>
+            <a:effectRef idx="0">
+              <a:schemeClr val="accent1"/>
+            </a:effectRef>
+            <a:fontRef idx="minor">
+              <a:schemeClr val="lt1"/>
+            </a:fontRef>
+          </p:style>
+          <p:txBody>
+            <a:bodyPr rtlCol="0" anchor="ctr"/>
+            <a:lstStyle/>
+            <a:p>
+              <a:pPr algn="ctr"/>
+              <a:endParaRPr lang="pt-BR"/>
+            </a:p>
+          </p:txBody>
+        </p:sp>
+        <p:sp>
+          <p:nvSpPr>
+            <p:cNvPr id="46" name="CaixaDeTexto 45">
+              <a:extLst>
+                <a:ext uri="{FF2B5EF4-FFF2-40B4-BE49-F238E27FC236}">
+                  <a16:creationId xmlns:a16="http://schemas.microsoft.com/office/drawing/2014/main" id="{CBF33E31-D9F9-4067-A320-0CC8DF515B5E}"/>
+                </a:ext>
+              </a:extLst>
+            </p:cNvPr>
+            <p:cNvSpPr txBox="1"/>
+            <p:nvPr/>
+          </p:nvSpPr>
+          <p:spPr>
+            <a:xfrm>
+              <a:off x="3949146" y="3321879"/>
+              <a:ext cx="2005677" cy="461665"/>
+            </a:xfrm>
+            <a:prstGeom prst="rect">
+              <a:avLst/>
+            </a:prstGeom>
+            <a:noFill/>
+          </p:spPr>
+          <p:txBody>
+            <a:bodyPr wrap="none" rtlCol="0">
+              <a:spAutoFit/>
+            </a:bodyPr>
+            <a:lstStyle/>
+            <a:p>
+              <a:r>
+                <a:rPr lang="pt-BR" sz="2400" dirty="0">
+                  <a:latin typeface="Righteous" panose="02010506000000020000" pitchFamily="2" charset="0"/>
+                </a:rPr>
+                <a:t>RELEVÂNCIA</a:t>
+              </a:r>
+            </a:p>
+          </p:txBody>
+        </p:sp>
+        <p:sp>
+          <p:nvSpPr>
+            <p:cNvPr id="47" name="CaixaDeTexto 46">
+              <a:extLst>
+                <a:ext uri="{FF2B5EF4-FFF2-40B4-BE49-F238E27FC236}">
+                  <a16:creationId xmlns:a16="http://schemas.microsoft.com/office/drawing/2014/main" id="{9D7CB810-821A-4438-AB59-6BCAA07A4191}"/>
+                </a:ext>
+              </a:extLst>
+            </p:cNvPr>
+            <p:cNvSpPr txBox="1"/>
+            <p:nvPr/>
+          </p:nvSpPr>
+          <p:spPr>
+            <a:xfrm>
+              <a:off x="3962397" y="3882887"/>
+              <a:ext cx="2075505" cy="461665"/>
+            </a:xfrm>
+            <a:prstGeom prst="rect">
+              <a:avLst/>
+            </a:prstGeom>
+            <a:noFill/>
+          </p:spPr>
+          <p:txBody>
+            <a:bodyPr wrap="none" rtlCol="0">
+              <a:spAutoFit/>
+            </a:bodyPr>
+            <a:lstStyle/>
+            <a:p>
+              <a:r>
+                <a:rPr lang="pt-BR" sz="2400" dirty="0">
+                  <a:latin typeface="Righteous" panose="02010506000000020000" pitchFamily="2" charset="0"/>
+                </a:rPr>
+                <a:t>CONCLUÍDAS</a:t>
+              </a:r>
+            </a:p>
+          </p:txBody>
+        </p:sp>
+      </p:grpSp>
+    </p:spTree>
+    <p:extLst>
+      <p:ext uri="{BB962C8B-B14F-4D97-AF65-F5344CB8AC3E}">
+        <p14:creationId xmlns:p14="http://schemas.microsoft.com/office/powerpoint/2010/main" val="1449324653"/>
+      </p:ext>
+    </p:extLst>
+  </p:cSld>
+  <p:clrMapOvr>
+    <a:masterClrMapping/>
+  </p:clrMapOvr>
+  <mc:AlternateContent xmlns:mc="http://schemas.openxmlformats.org/markup-compatibility/2006" xmlns:p14="http://schemas.microsoft.com/office/powerpoint/2010/main">
+    <mc:Choice Requires="p14">
+      <p:transition spd="slow" p14:dur="2000" advClick="0" advTm="4000"/>
+    </mc:Choice>
+    <mc:Fallback xmlns="">
+      <p:transition spd="slow" advClick="0" advTm="4000"/>
+    </mc:Fallback>
+  </mc:AlternateContent>
+  <p:timing>
+    <p:tnLst>
+      <p:par>
+        <p:cTn id="1" dur="indefinite" restart="never" nodeType="tmRoot">
+          <p:childTnLst>
+            <p:seq concurrent="1" nextAc="seek">
+              <p:cTn id="2" dur="indefinite" nodeType="mainSeq">
+                <p:childTnLst>
+                  <p:par>
+                    <p:cTn id="3" fill="hold">
+                      <p:stCondLst>
+                        <p:cond delay="indefinite"/>
+                        <p:cond evt="onBegin" delay="0">
+                          <p:tn val="2"/>
+                        </p:cond>
+                      </p:stCondLst>
+                      <p:childTnLst>
+                        <p:par>
+                          <p:cTn id="4" fill="hold">
+                            <p:stCondLst>
+                              <p:cond delay="0"/>
+                            </p:stCondLst>
+                            <p:childTnLst>
+                              <p:par>
+                                <p:cTn id="5" presetID="1" presetClass="exit" presetSubtype="0" fill="hold" nodeType="withEffect">
+                                  <p:stCondLst>
+                                    <p:cond delay="0"/>
+                                  </p:stCondLst>
+                                  <p:childTnLst>
+                                    <p:set>
+                                      <p:cBhvr>
+                                        <p:cTn id="6" dur="1" fill="hold">
+                                          <p:stCondLst>
+                                            <p:cond delay="0"/>
+                                          </p:stCondLst>
+                                        </p:cTn>
+                                        <p:tgtEl>
+                                          <p:spTgt spid="48"/>
+                                        </p:tgtEl>
+                                        <p:attrNameLst>
+                                          <p:attrName>style.visibility</p:attrName>
+                                        </p:attrNameLst>
+                                      </p:cBhvr>
+                                      <p:to>
+                                        <p:strVal val="hidden"/>
+                                      </p:to>
+                                    </p:set>
+                                  </p:childTnLst>
+                                </p:cTn>
+                              </p:par>
+                              <p:par>
+                                <p:cTn id="7" presetID="42" presetClass="path" presetSubtype="0" decel="100000" fill="hold" nodeType="withEffect">
+                                  <p:stCondLst>
+                                    <p:cond delay="0"/>
+                                  </p:stCondLst>
+                                  <p:childTnLst>
+                                    <p:animMotion origin="layout" path="M -2.29167E-6 -2.59259E-6 L -2.29167E-6 0.01297 " pathEditMode="relative" rAng="0" ptsTypes="AA">
+                                      <p:cBhvr>
+                                        <p:cTn id="8" dur="500" fill="hold"/>
+                                        <p:tgtEl>
+                                          <p:spTgt spid="49"/>
+                                        </p:tgtEl>
+                                        <p:attrNameLst>
+                                          <p:attrName>ppt_x</p:attrName>
+                                          <p:attrName>ppt_y</p:attrName>
+                                        </p:attrNameLst>
+                                      </p:cBhvr>
+                                      <p:rCtr x="0" y="648"/>
+                                    </p:animMotion>
+                                  </p:childTnLst>
+                                </p:cTn>
+                              </p:par>
+                              <p:par>
+                                <p:cTn id="9" presetID="53" presetClass="entr" presetSubtype="16" fill="hold" nodeType="withEffect">
+                                  <p:stCondLst>
+                                    <p:cond delay="0"/>
+                                  </p:stCondLst>
+                                  <p:childTnLst>
+                                    <p:set>
+                                      <p:cBhvr>
+                                        <p:cTn id="10" dur="1" fill="hold">
+                                          <p:stCondLst>
+                                            <p:cond delay="0"/>
+                                          </p:stCondLst>
+                                        </p:cTn>
+                                        <p:tgtEl>
+                                          <p:spTgt spid="48"/>
+                                        </p:tgtEl>
+                                        <p:attrNameLst>
+                                          <p:attrName>style.visibility</p:attrName>
+                                        </p:attrNameLst>
+                                      </p:cBhvr>
+                                      <p:to>
+                                        <p:strVal val="visible"/>
+                                      </p:to>
+                                    </p:set>
+                                    <p:anim calcmode="lin" valueType="num">
+                                      <p:cBhvr>
+                                        <p:cTn id="11" dur="1250" fill="hold"/>
+                                        <p:tgtEl>
+                                          <p:spTgt spid="48"/>
+                                        </p:tgtEl>
+                                        <p:attrNameLst>
+                                          <p:attrName>ppt_w</p:attrName>
+                                        </p:attrNameLst>
+                                      </p:cBhvr>
+                                      <p:tavLst>
+                                        <p:tav tm="0">
+                                          <p:val>
+                                            <p:fltVal val="0"/>
+                                          </p:val>
+                                        </p:tav>
+                                        <p:tav tm="100000">
+                                          <p:val>
+                                            <p:strVal val="#ppt_w"/>
+                                          </p:val>
+                                        </p:tav>
+                                      </p:tavLst>
+                                    </p:anim>
+                                    <p:anim calcmode="lin" valueType="num">
+                                      <p:cBhvr>
+                                        <p:cTn id="12" dur="1250" fill="hold"/>
+                                        <p:tgtEl>
+                                          <p:spTgt spid="48"/>
+                                        </p:tgtEl>
+                                        <p:attrNameLst>
+                                          <p:attrName>ppt_h</p:attrName>
+                                        </p:attrNameLst>
+                                      </p:cBhvr>
+                                      <p:tavLst>
+                                        <p:tav tm="0">
+                                          <p:val>
+                                            <p:fltVal val="0"/>
+                                          </p:val>
+                                        </p:tav>
+                                        <p:tav tm="100000">
+                                          <p:val>
+                                            <p:strVal val="#ppt_h"/>
+                                          </p:val>
+                                        </p:tav>
+                                      </p:tavLst>
+                                    </p:anim>
+                                    <p:animEffect transition="in" filter="fade">
+                                      <p:cBhvr>
+                                        <p:cTn id="13" dur="1250"/>
+                                        <p:tgtEl>
+                                          <p:spTgt spid="48"/>
+                                        </p:tgtEl>
+                                      </p:cBhvr>
+                                    </p:animEffect>
+                                  </p:childTnLst>
+                                </p:cTn>
+                              </p:par>
+                            </p:childTnLst>
+                          </p:cTn>
+                        </p:par>
+                        <p:par>
+                          <p:cTn id="14" fill="hold">
+                            <p:stCondLst>
+                              <p:cond delay="1250"/>
+                            </p:stCondLst>
+                            <p:childTnLst>
+                              <p:par>
+                                <p:cTn id="15" presetID="53" presetClass="exit" presetSubtype="32" fill="hold" nodeType="afterEffect">
+                                  <p:stCondLst>
+                                    <p:cond delay="2750"/>
+                                  </p:stCondLst>
+                                  <p:childTnLst>
+                                    <p:anim calcmode="lin" valueType="num">
+                                      <p:cBhvr>
+                                        <p:cTn id="16" dur="500"/>
+                                        <p:tgtEl>
+                                          <p:spTgt spid="48"/>
+                                        </p:tgtEl>
+                                        <p:attrNameLst>
+                                          <p:attrName>ppt_w</p:attrName>
+                                        </p:attrNameLst>
+                                      </p:cBhvr>
+                                      <p:tavLst>
+                                        <p:tav tm="0">
+                                          <p:val>
+                                            <p:strVal val="ppt_w"/>
+                                          </p:val>
+                                        </p:tav>
+                                        <p:tav tm="100000">
+                                          <p:val>
+                                            <p:fltVal val="0"/>
+                                          </p:val>
+                                        </p:tav>
+                                      </p:tavLst>
+                                    </p:anim>
+                                    <p:anim calcmode="lin" valueType="num">
+                                      <p:cBhvr>
+                                        <p:cTn id="17" dur="500"/>
+                                        <p:tgtEl>
+                                          <p:spTgt spid="48"/>
+                                        </p:tgtEl>
+                                        <p:attrNameLst>
+                                          <p:attrName>ppt_h</p:attrName>
+                                        </p:attrNameLst>
+                                      </p:cBhvr>
+                                      <p:tavLst>
+                                        <p:tav tm="0">
+                                          <p:val>
+                                            <p:strVal val="ppt_h"/>
+                                          </p:val>
+                                        </p:tav>
+                                        <p:tav tm="100000">
+                                          <p:val>
+                                            <p:fltVal val="0"/>
+                                          </p:val>
+                                        </p:tav>
+                                      </p:tavLst>
+                                    </p:anim>
+                                    <p:animEffect transition="out" filter="fade">
+                                      <p:cBhvr>
+                                        <p:cTn id="18" dur="500"/>
+                                        <p:tgtEl>
+                                          <p:spTgt spid="48"/>
+                                        </p:tgtEl>
+                                      </p:cBhvr>
+                                    </p:animEffect>
+                                    <p:set>
+                                      <p:cBhvr>
+                                        <p:cTn id="19" dur="1" fill="hold">
+                                          <p:stCondLst>
+                                            <p:cond delay="499"/>
+                                          </p:stCondLst>
+                                        </p:cTn>
+                                        <p:tgtEl>
+                                          <p:spTgt spid="48"/>
+                                        </p:tgtEl>
+                                        <p:attrNameLst>
+                                          <p:attrName>style.visibility</p:attrName>
+                                        </p:attrNameLst>
+                                      </p:cBhvr>
+                                      <p:to>
+                                        <p:strVal val="hidden"/>
+                                      </p:to>
+                                    </p:set>
+                                  </p:childTnLst>
+                                </p:cTn>
+                              </p:par>
+                            </p:childTnLst>
+                          </p:cTn>
+                        </p:par>
+                        <p:par>
+                          <p:cTn id="20" fill="hold">
+                            <p:stCondLst>
+                              <p:cond delay="4500"/>
+                            </p:stCondLst>
+                            <p:childTnLst>
+                              <p:par>
+                                <p:cTn id="21" presetID="42" presetClass="path" presetSubtype="0" accel="50000" decel="50000" fill="hold" nodeType="afterEffect">
+                                  <p:stCondLst>
+                                    <p:cond delay="0"/>
+                                  </p:stCondLst>
+                                  <p:childTnLst>
+                                    <p:animMotion origin="layout" path="M 2.08333E-7 -1.48148E-6 L 0.00313 0.3919 " pathEditMode="relative" rAng="0" ptsTypes="AA">
+                                      <p:cBhvr>
+                                        <p:cTn id="22" dur="2000" fill="hold"/>
+                                        <p:tgtEl>
+                                          <p:spTgt spid="17"/>
+                                        </p:tgtEl>
+                                        <p:attrNameLst>
+                                          <p:attrName>ppt_x</p:attrName>
+                                          <p:attrName>ppt_y</p:attrName>
+                                        </p:attrNameLst>
+                                      </p:cBhvr>
+                                      <p:rCtr x="156" y="19676"/>
+                                    </p:animMotion>
+                                  </p:childTnLst>
+                                </p:cTn>
+                              </p:par>
+                              <p:par>
+                                <p:cTn id="23" presetID="64" presetClass="path" presetSubtype="0" accel="50000" decel="50000" fill="hold" nodeType="withEffect">
+                                  <p:stCondLst>
+                                    <p:cond delay="0"/>
+                                  </p:stCondLst>
+                                  <p:childTnLst>
+                                    <p:animMotion origin="layout" path="M -4.79167E-6 3.7037E-7 L -0.00312 -0.3919 " pathEditMode="relative" rAng="0" ptsTypes="AA">
+                                      <p:cBhvr>
+                                        <p:cTn id="24" dur="2000" fill="hold"/>
+                                        <p:tgtEl>
+                                          <p:spTgt spid="23"/>
+                                        </p:tgtEl>
+                                        <p:attrNameLst>
+                                          <p:attrName>ppt_x</p:attrName>
+                                          <p:attrName>ppt_y</p:attrName>
+                                        </p:attrNameLst>
+                                      </p:cBhvr>
+                                      <p:rCtr x="-156" y="-19514"/>
+                                    </p:animMotion>
+                                  </p:childTnLst>
+                                </p:cTn>
+                              </p:par>
+                            </p:childTnLst>
+                          </p:cTn>
+                        </p:par>
+                        <p:par>
+                          <p:cTn id="25" fill="hold">
+                            <p:stCondLst>
+                              <p:cond delay="6500"/>
+                            </p:stCondLst>
+                            <p:childTnLst>
+                              <p:par>
+                                <p:cTn id="26" presetID="64" presetClass="path" presetSubtype="0" accel="50000" decel="50000" fill="hold" nodeType="afterEffect">
+                                  <p:stCondLst>
+                                    <p:cond delay="0"/>
+                                  </p:stCondLst>
+                                  <p:childTnLst>
+                                    <p:animMotion origin="layout" path="M -3.75E-6 -3.7037E-6 L -0.00248 -0.19723 " pathEditMode="relative" rAng="0" ptsTypes="AA">
+                                      <p:cBhvr>
+                                        <p:cTn id="27" dur="2000" fill="hold"/>
+                                        <p:tgtEl>
+                                          <p:spTgt spid="10"/>
+                                        </p:tgtEl>
+                                        <p:attrNameLst>
+                                          <p:attrName>ppt_x</p:attrName>
+                                          <p:attrName>ppt_y</p:attrName>
+                                        </p:attrNameLst>
+                                      </p:cBhvr>
+                                      <p:rCtr x="0" y="-9769"/>
+                                    </p:animMotion>
+                                  </p:childTnLst>
+                                </p:cTn>
+                              </p:par>
+                              <p:par>
+                                <p:cTn id="28" presetID="42" presetClass="path" presetSubtype="0" accel="50000" decel="50000" fill="hold" nodeType="withEffect">
+                                  <p:stCondLst>
+                                    <p:cond delay="0"/>
+                                  </p:stCondLst>
+                                  <p:childTnLst>
+                                    <p:animMotion origin="layout" path="M -0.00312 -0.3919 L -0.00065 -0.19468 " pathEditMode="relative" rAng="0" ptsTypes="AA">
+                                      <p:cBhvr>
+                                        <p:cTn id="29" dur="2000" fill="hold"/>
+                                        <p:tgtEl>
+                                          <p:spTgt spid="23"/>
+                                        </p:tgtEl>
+                                        <p:attrNameLst>
+                                          <p:attrName>ppt_x</p:attrName>
+                                          <p:attrName>ppt_y</p:attrName>
+                                        </p:attrNameLst>
+                                      </p:cBhvr>
+                                      <p:rCtr x="52" y="10093"/>
                                     </p:animMotion>
                                   </p:childTnLst>
                                 </p:cTn>
@@ -21804,7 +24989,7 @@
   <a:extraClrSchemeLst/>
   <a:extLst>
     <a:ext uri="{05A4C25C-085E-4340-85A3-A5531E510DB2}">
-      <thm15:themeFamily xmlns="" xmlns:thm15="http://schemas.microsoft.com/office/thememl/2012/main" name="Office Theme" id="{62F939B6-93AF-4DB8-9C6B-D6C7DFDC589F}" vid="{4A3C46E8-61CC-4603-A589-7422A47A8E4A}"/>
+      <thm15:themeFamily xmlns:thm15="http://schemas.microsoft.com/office/thememl/2012/main" name="Office Theme" id="{62F939B6-93AF-4DB8-9C6B-D6C7DFDC589F}" vid="{4A3C46E8-61CC-4603-A589-7422A47A8E4A}"/>
     </a:ext>
   </a:extLst>
 </a:theme>

--- a/Stud+/modelos/ANIMACAO.pptx
+++ b/Stud+/modelos/ANIMACAO.pptx
@@ -11,8 +11,6 @@
     <p:sldId id="259" r:id="rId5"/>
     <p:sldId id="260" r:id="rId6"/>
     <p:sldId id="261" r:id="rId7"/>
-    <p:sldId id="262" r:id="rId8"/>
-    <p:sldId id="263" r:id="rId9"/>
   </p:sldIdLst>
   <p:sldSz cx="12192000" cy="6858000"/>
   <p:notesSz cx="6858000" cy="9144000"/>
@@ -111,22 +109,6 @@
       </a:defRPr>
     </a:lvl9pPr>
   </p:defaultTextStyle>
-  <p:extLst>
-    <p:ext uri="{EFAFB233-063F-42B5-8137-9DF3F51BA10A}">
-      <p15:sldGuideLst xmlns:p15="http://schemas.microsoft.com/office/powerpoint/2012/main">
-        <p15:guide id="1" orient="horz" pos="2160">
-          <p15:clr>
-            <a:srgbClr val="A4A3A4"/>
-          </p15:clr>
-        </p15:guide>
-        <p15:guide id="2" pos="3840">
-          <p15:clr>
-            <a:srgbClr val="A4A3A4"/>
-          </p15:clr>
-        </p15:guide>
-      </p15:sldGuideLst>
-    </p:ext>
-  </p:extLst>
 </p:presentation>
 </file>
 
@@ -152,7 +134,7 @@
           <p:cNvPr id="2" name="Título 1">
             <a:extLst>
               <a:ext uri="{FF2B5EF4-FFF2-40B4-BE49-F238E27FC236}">
-                <a16:creationId xmlns:a16="http://schemas.microsoft.com/office/drawing/2014/main" id="{689F77C3-EEB5-4D0B-89A7-58C0C3AD0A60}"/>
+                <a16:creationId xmlns="" xmlns:a16="http://schemas.microsoft.com/office/drawing/2014/main" id="{689F77C3-EEB5-4D0B-89A7-58C0C3AD0A60}"/>
               </a:ext>
             </a:extLst>
           </p:cNvPr>
@@ -189,7 +171,7 @@
           <p:cNvPr id="3" name="Subtítulo 2">
             <a:extLst>
               <a:ext uri="{FF2B5EF4-FFF2-40B4-BE49-F238E27FC236}">
-                <a16:creationId xmlns:a16="http://schemas.microsoft.com/office/drawing/2014/main" id="{AD93613C-AD8F-4042-B865-E635F10DFEF4}"/>
+                <a16:creationId xmlns="" xmlns:a16="http://schemas.microsoft.com/office/drawing/2014/main" id="{AD93613C-AD8F-4042-B865-E635F10DFEF4}"/>
               </a:ext>
             </a:extLst>
           </p:cNvPr>
@@ -259,7 +241,7 @@
           <p:cNvPr id="4" name="Espaço Reservado para Data 3">
             <a:extLst>
               <a:ext uri="{FF2B5EF4-FFF2-40B4-BE49-F238E27FC236}">
-                <a16:creationId xmlns:a16="http://schemas.microsoft.com/office/drawing/2014/main" id="{4AB2C324-6DBE-4260-A15D-14BE139D70EF}"/>
+                <a16:creationId xmlns="" xmlns:a16="http://schemas.microsoft.com/office/drawing/2014/main" id="{4AB2C324-6DBE-4260-A15D-14BE139D70EF}"/>
               </a:ext>
             </a:extLst>
           </p:cNvPr>
@@ -288,7 +270,7 @@
           <p:cNvPr id="5" name="Espaço Reservado para Rodapé 4">
             <a:extLst>
               <a:ext uri="{FF2B5EF4-FFF2-40B4-BE49-F238E27FC236}">
-                <a16:creationId xmlns:a16="http://schemas.microsoft.com/office/drawing/2014/main" id="{2A6109F0-985E-40FF-9299-1494C7A17B63}"/>
+                <a16:creationId xmlns="" xmlns:a16="http://schemas.microsoft.com/office/drawing/2014/main" id="{2A6109F0-985E-40FF-9299-1494C7A17B63}"/>
               </a:ext>
             </a:extLst>
           </p:cNvPr>
@@ -313,7 +295,7 @@
           <p:cNvPr id="6" name="Espaço Reservado para Número de Slide 5">
             <a:extLst>
               <a:ext uri="{FF2B5EF4-FFF2-40B4-BE49-F238E27FC236}">
-                <a16:creationId xmlns:a16="http://schemas.microsoft.com/office/drawing/2014/main" id="{290D3894-0700-4EBF-9362-D4C733667DED}"/>
+                <a16:creationId xmlns="" xmlns:a16="http://schemas.microsoft.com/office/drawing/2014/main" id="{290D3894-0700-4EBF-9362-D4C733667DED}"/>
               </a:ext>
             </a:extLst>
           </p:cNvPr>
@@ -380,7 +362,7 @@
           <p:cNvPr id="2" name="Título 1">
             <a:extLst>
               <a:ext uri="{FF2B5EF4-FFF2-40B4-BE49-F238E27FC236}">
-                <a16:creationId xmlns:a16="http://schemas.microsoft.com/office/drawing/2014/main" id="{E5025D8A-249B-488C-8D60-0E5E076333B7}"/>
+                <a16:creationId xmlns="" xmlns:a16="http://schemas.microsoft.com/office/drawing/2014/main" id="{E5025D8A-249B-488C-8D60-0E5E076333B7}"/>
               </a:ext>
             </a:extLst>
           </p:cNvPr>
@@ -408,7 +390,7 @@
           <p:cNvPr id="3" name="Espaço Reservado para Texto Vertical 2">
             <a:extLst>
               <a:ext uri="{FF2B5EF4-FFF2-40B4-BE49-F238E27FC236}">
-                <a16:creationId xmlns:a16="http://schemas.microsoft.com/office/drawing/2014/main" id="{8DB3F8D8-752C-4F5D-A366-5A3317425D2C}"/>
+                <a16:creationId xmlns="" xmlns:a16="http://schemas.microsoft.com/office/drawing/2014/main" id="{8DB3F8D8-752C-4F5D-A366-5A3317425D2C}"/>
               </a:ext>
             </a:extLst>
           </p:cNvPr>
@@ -465,7 +447,7 @@
           <p:cNvPr id="4" name="Espaço Reservado para Data 3">
             <a:extLst>
               <a:ext uri="{FF2B5EF4-FFF2-40B4-BE49-F238E27FC236}">
-                <a16:creationId xmlns:a16="http://schemas.microsoft.com/office/drawing/2014/main" id="{EFC66C0B-1A9A-4B88-85F3-A17E018919EE}"/>
+                <a16:creationId xmlns="" xmlns:a16="http://schemas.microsoft.com/office/drawing/2014/main" id="{EFC66C0B-1A9A-4B88-85F3-A17E018919EE}"/>
               </a:ext>
             </a:extLst>
           </p:cNvPr>
@@ -494,7 +476,7 @@
           <p:cNvPr id="5" name="Espaço Reservado para Rodapé 4">
             <a:extLst>
               <a:ext uri="{FF2B5EF4-FFF2-40B4-BE49-F238E27FC236}">
-                <a16:creationId xmlns:a16="http://schemas.microsoft.com/office/drawing/2014/main" id="{98936B81-FE88-4C52-8FD3-FAF972C565E9}"/>
+                <a16:creationId xmlns="" xmlns:a16="http://schemas.microsoft.com/office/drawing/2014/main" id="{98936B81-FE88-4C52-8FD3-FAF972C565E9}"/>
               </a:ext>
             </a:extLst>
           </p:cNvPr>
@@ -519,7 +501,7 @@
           <p:cNvPr id="6" name="Espaço Reservado para Número de Slide 5">
             <a:extLst>
               <a:ext uri="{FF2B5EF4-FFF2-40B4-BE49-F238E27FC236}">
-                <a16:creationId xmlns:a16="http://schemas.microsoft.com/office/drawing/2014/main" id="{F312FB7D-4DD6-4F85-80A7-B4FC5930F58F}"/>
+                <a16:creationId xmlns="" xmlns:a16="http://schemas.microsoft.com/office/drawing/2014/main" id="{F312FB7D-4DD6-4F85-80A7-B4FC5930F58F}"/>
               </a:ext>
             </a:extLst>
           </p:cNvPr>
@@ -586,7 +568,7 @@
           <p:cNvPr id="2" name="Título Vertical 1">
             <a:extLst>
               <a:ext uri="{FF2B5EF4-FFF2-40B4-BE49-F238E27FC236}">
-                <a16:creationId xmlns:a16="http://schemas.microsoft.com/office/drawing/2014/main" id="{EA10CD7E-DBA4-48B3-9AA4-A114464532B6}"/>
+                <a16:creationId xmlns="" xmlns:a16="http://schemas.microsoft.com/office/drawing/2014/main" id="{EA10CD7E-DBA4-48B3-9AA4-A114464532B6}"/>
               </a:ext>
             </a:extLst>
           </p:cNvPr>
@@ -619,7 +601,7 @@
           <p:cNvPr id="3" name="Espaço Reservado para Texto Vertical 2">
             <a:extLst>
               <a:ext uri="{FF2B5EF4-FFF2-40B4-BE49-F238E27FC236}">
-                <a16:creationId xmlns:a16="http://schemas.microsoft.com/office/drawing/2014/main" id="{2B43BF95-600D-4C88-A8ED-FC5FC6F213B5}"/>
+                <a16:creationId xmlns="" xmlns:a16="http://schemas.microsoft.com/office/drawing/2014/main" id="{2B43BF95-600D-4C88-A8ED-FC5FC6F213B5}"/>
               </a:ext>
             </a:extLst>
           </p:cNvPr>
@@ -681,7 +663,7 @@
           <p:cNvPr id="4" name="Espaço Reservado para Data 3">
             <a:extLst>
               <a:ext uri="{FF2B5EF4-FFF2-40B4-BE49-F238E27FC236}">
-                <a16:creationId xmlns:a16="http://schemas.microsoft.com/office/drawing/2014/main" id="{D83443BF-7252-43E0-8908-E6009F4FD81F}"/>
+                <a16:creationId xmlns="" xmlns:a16="http://schemas.microsoft.com/office/drawing/2014/main" id="{D83443BF-7252-43E0-8908-E6009F4FD81F}"/>
               </a:ext>
             </a:extLst>
           </p:cNvPr>
@@ -710,7 +692,7 @@
           <p:cNvPr id="5" name="Espaço Reservado para Rodapé 4">
             <a:extLst>
               <a:ext uri="{FF2B5EF4-FFF2-40B4-BE49-F238E27FC236}">
-                <a16:creationId xmlns:a16="http://schemas.microsoft.com/office/drawing/2014/main" id="{8FB4540E-6A7C-4284-920C-5536060BC312}"/>
+                <a16:creationId xmlns="" xmlns:a16="http://schemas.microsoft.com/office/drawing/2014/main" id="{8FB4540E-6A7C-4284-920C-5536060BC312}"/>
               </a:ext>
             </a:extLst>
           </p:cNvPr>
@@ -735,7 +717,7 @@
           <p:cNvPr id="6" name="Espaço Reservado para Número de Slide 5">
             <a:extLst>
               <a:ext uri="{FF2B5EF4-FFF2-40B4-BE49-F238E27FC236}">
-                <a16:creationId xmlns:a16="http://schemas.microsoft.com/office/drawing/2014/main" id="{27F388D4-63EA-45DC-8DD9-C648E83CD446}"/>
+                <a16:creationId xmlns="" xmlns:a16="http://schemas.microsoft.com/office/drawing/2014/main" id="{27F388D4-63EA-45DC-8DD9-C648E83CD446}"/>
               </a:ext>
             </a:extLst>
           </p:cNvPr>
@@ -802,7 +784,7 @@
           <p:cNvPr id="2" name="Título 1">
             <a:extLst>
               <a:ext uri="{FF2B5EF4-FFF2-40B4-BE49-F238E27FC236}">
-                <a16:creationId xmlns:a16="http://schemas.microsoft.com/office/drawing/2014/main" id="{D3F14AFD-1817-4693-9DBA-283ADABF0059}"/>
+                <a16:creationId xmlns="" xmlns:a16="http://schemas.microsoft.com/office/drawing/2014/main" id="{D3F14AFD-1817-4693-9DBA-283ADABF0059}"/>
               </a:ext>
             </a:extLst>
           </p:cNvPr>
@@ -830,7 +812,7 @@
           <p:cNvPr id="3" name="Espaço Reservado para Conteúdo 2">
             <a:extLst>
               <a:ext uri="{FF2B5EF4-FFF2-40B4-BE49-F238E27FC236}">
-                <a16:creationId xmlns:a16="http://schemas.microsoft.com/office/drawing/2014/main" id="{BA8ED499-15EF-42B0-BC5A-19181D7AFE25}"/>
+                <a16:creationId xmlns="" xmlns:a16="http://schemas.microsoft.com/office/drawing/2014/main" id="{BA8ED499-15EF-42B0-BC5A-19181D7AFE25}"/>
               </a:ext>
             </a:extLst>
           </p:cNvPr>
@@ -887,7 +869,7 @@
           <p:cNvPr id="4" name="Espaço Reservado para Data 3">
             <a:extLst>
               <a:ext uri="{FF2B5EF4-FFF2-40B4-BE49-F238E27FC236}">
-                <a16:creationId xmlns:a16="http://schemas.microsoft.com/office/drawing/2014/main" id="{8199F347-18DE-4282-9DEE-700FDB9585BC}"/>
+                <a16:creationId xmlns="" xmlns:a16="http://schemas.microsoft.com/office/drawing/2014/main" id="{8199F347-18DE-4282-9DEE-700FDB9585BC}"/>
               </a:ext>
             </a:extLst>
           </p:cNvPr>
@@ -916,7 +898,7 @@
           <p:cNvPr id="5" name="Espaço Reservado para Rodapé 4">
             <a:extLst>
               <a:ext uri="{FF2B5EF4-FFF2-40B4-BE49-F238E27FC236}">
-                <a16:creationId xmlns:a16="http://schemas.microsoft.com/office/drawing/2014/main" id="{2688D019-31F4-4CF6-B3AF-50127DCB6998}"/>
+                <a16:creationId xmlns="" xmlns:a16="http://schemas.microsoft.com/office/drawing/2014/main" id="{2688D019-31F4-4CF6-B3AF-50127DCB6998}"/>
               </a:ext>
             </a:extLst>
           </p:cNvPr>
@@ -941,7 +923,7 @@
           <p:cNvPr id="6" name="Espaço Reservado para Número de Slide 5">
             <a:extLst>
               <a:ext uri="{FF2B5EF4-FFF2-40B4-BE49-F238E27FC236}">
-                <a16:creationId xmlns:a16="http://schemas.microsoft.com/office/drawing/2014/main" id="{763B616D-10C4-411A-800F-606AEECAD88C}"/>
+                <a16:creationId xmlns="" xmlns:a16="http://schemas.microsoft.com/office/drawing/2014/main" id="{763B616D-10C4-411A-800F-606AEECAD88C}"/>
               </a:ext>
             </a:extLst>
           </p:cNvPr>
@@ -1008,7 +990,7 @@
           <p:cNvPr id="2" name="Título 1">
             <a:extLst>
               <a:ext uri="{FF2B5EF4-FFF2-40B4-BE49-F238E27FC236}">
-                <a16:creationId xmlns:a16="http://schemas.microsoft.com/office/drawing/2014/main" id="{EDE30747-FF68-4580-8552-E32030480B40}"/>
+                <a16:creationId xmlns="" xmlns:a16="http://schemas.microsoft.com/office/drawing/2014/main" id="{EDE30747-FF68-4580-8552-E32030480B40}"/>
               </a:ext>
             </a:extLst>
           </p:cNvPr>
@@ -1045,7 +1027,7 @@
           <p:cNvPr id="3" name="Espaço Reservado para Texto 2">
             <a:extLst>
               <a:ext uri="{FF2B5EF4-FFF2-40B4-BE49-F238E27FC236}">
-                <a16:creationId xmlns:a16="http://schemas.microsoft.com/office/drawing/2014/main" id="{A0BD4BDF-E1E4-483D-A47E-1BFF38163435}"/>
+                <a16:creationId xmlns="" xmlns:a16="http://schemas.microsoft.com/office/drawing/2014/main" id="{A0BD4BDF-E1E4-483D-A47E-1BFF38163435}"/>
               </a:ext>
             </a:extLst>
           </p:cNvPr>
@@ -1170,7 +1152,7 @@
           <p:cNvPr id="4" name="Espaço Reservado para Data 3">
             <a:extLst>
               <a:ext uri="{FF2B5EF4-FFF2-40B4-BE49-F238E27FC236}">
-                <a16:creationId xmlns:a16="http://schemas.microsoft.com/office/drawing/2014/main" id="{F8CDE0F2-E487-400C-9701-E6377EFDA1D2}"/>
+                <a16:creationId xmlns="" xmlns:a16="http://schemas.microsoft.com/office/drawing/2014/main" id="{F8CDE0F2-E487-400C-9701-E6377EFDA1D2}"/>
               </a:ext>
             </a:extLst>
           </p:cNvPr>
@@ -1199,7 +1181,7 @@
           <p:cNvPr id="5" name="Espaço Reservado para Rodapé 4">
             <a:extLst>
               <a:ext uri="{FF2B5EF4-FFF2-40B4-BE49-F238E27FC236}">
-                <a16:creationId xmlns:a16="http://schemas.microsoft.com/office/drawing/2014/main" id="{663CB8FE-E14C-4452-859C-148F9D820DC3}"/>
+                <a16:creationId xmlns="" xmlns:a16="http://schemas.microsoft.com/office/drawing/2014/main" id="{663CB8FE-E14C-4452-859C-148F9D820DC3}"/>
               </a:ext>
             </a:extLst>
           </p:cNvPr>
@@ -1224,7 +1206,7 @@
           <p:cNvPr id="6" name="Espaço Reservado para Número de Slide 5">
             <a:extLst>
               <a:ext uri="{FF2B5EF4-FFF2-40B4-BE49-F238E27FC236}">
-                <a16:creationId xmlns:a16="http://schemas.microsoft.com/office/drawing/2014/main" id="{AE595EE1-EC47-4558-9580-381C45742B10}"/>
+                <a16:creationId xmlns="" xmlns:a16="http://schemas.microsoft.com/office/drawing/2014/main" id="{AE595EE1-EC47-4558-9580-381C45742B10}"/>
               </a:ext>
             </a:extLst>
           </p:cNvPr>
@@ -1291,7 +1273,7 @@
           <p:cNvPr id="2" name="Título 1">
             <a:extLst>
               <a:ext uri="{FF2B5EF4-FFF2-40B4-BE49-F238E27FC236}">
-                <a16:creationId xmlns:a16="http://schemas.microsoft.com/office/drawing/2014/main" id="{22F64A4C-9762-40BE-AD2D-6CB49C6D5126}"/>
+                <a16:creationId xmlns="" xmlns:a16="http://schemas.microsoft.com/office/drawing/2014/main" id="{22F64A4C-9762-40BE-AD2D-6CB49C6D5126}"/>
               </a:ext>
             </a:extLst>
           </p:cNvPr>
@@ -1319,7 +1301,7 @@
           <p:cNvPr id="3" name="Espaço Reservado para Conteúdo 2">
             <a:extLst>
               <a:ext uri="{FF2B5EF4-FFF2-40B4-BE49-F238E27FC236}">
-                <a16:creationId xmlns:a16="http://schemas.microsoft.com/office/drawing/2014/main" id="{57A403DB-8BAD-4F6C-A193-AD7C4FD6B405}"/>
+                <a16:creationId xmlns="" xmlns:a16="http://schemas.microsoft.com/office/drawing/2014/main" id="{57A403DB-8BAD-4F6C-A193-AD7C4FD6B405}"/>
               </a:ext>
             </a:extLst>
           </p:cNvPr>
@@ -1381,7 +1363,7 @@
           <p:cNvPr id="4" name="Espaço Reservado para Conteúdo 3">
             <a:extLst>
               <a:ext uri="{FF2B5EF4-FFF2-40B4-BE49-F238E27FC236}">
-                <a16:creationId xmlns:a16="http://schemas.microsoft.com/office/drawing/2014/main" id="{69B6AB88-1143-4BF3-9481-03D1A0E2CB6D}"/>
+                <a16:creationId xmlns="" xmlns:a16="http://schemas.microsoft.com/office/drawing/2014/main" id="{69B6AB88-1143-4BF3-9481-03D1A0E2CB6D}"/>
               </a:ext>
             </a:extLst>
           </p:cNvPr>
@@ -1443,7 +1425,7 @@
           <p:cNvPr id="5" name="Espaço Reservado para Data 4">
             <a:extLst>
               <a:ext uri="{FF2B5EF4-FFF2-40B4-BE49-F238E27FC236}">
-                <a16:creationId xmlns:a16="http://schemas.microsoft.com/office/drawing/2014/main" id="{0A89C9FB-D3AC-48A9-B53D-C74A92717628}"/>
+                <a16:creationId xmlns="" xmlns:a16="http://schemas.microsoft.com/office/drawing/2014/main" id="{0A89C9FB-D3AC-48A9-B53D-C74A92717628}"/>
               </a:ext>
             </a:extLst>
           </p:cNvPr>
@@ -1472,7 +1454,7 @@
           <p:cNvPr id="6" name="Espaço Reservado para Rodapé 5">
             <a:extLst>
               <a:ext uri="{FF2B5EF4-FFF2-40B4-BE49-F238E27FC236}">
-                <a16:creationId xmlns:a16="http://schemas.microsoft.com/office/drawing/2014/main" id="{BA01A437-894D-490E-B61B-A47228651FCB}"/>
+                <a16:creationId xmlns="" xmlns:a16="http://schemas.microsoft.com/office/drawing/2014/main" id="{BA01A437-894D-490E-B61B-A47228651FCB}"/>
               </a:ext>
             </a:extLst>
           </p:cNvPr>
@@ -1497,7 +1479,7 @@
           <p:cNvPr id="7" name="Espaço Reservado para Número de Slide 6">
             <a:extLst>
               <a:ext uri="{FF2B5EF4-FFF2-40B4-BE49-F238E27FC236}">
-                <a16:creationId xmlns:a16="http://schemas.microsoft.com/office/drawing/2014/main" id="{1D2EA690-8F56-45D3-AE17-6FAB4BF52905}"/>
+                <a16:creationId xmlns="" xmlns:a16="http://schemas.microsoft.com/office/drawing/2014/main" id="{1D2EA690-8F56-45D3-AE17-6FAB4BF52905}"/>
               </a:ext>
             </a:extLst>
           </p:cNvPr>
@@ -1564,7 +1546,7 @@
           <p:cNvPr id="2" name="Título 1">
             <a:extLst>
               <a:ext uri="{FF2B5EF4-FFF2-40B4-BE49-F238E27FC236}">
-                <a16:creationId xmlns:a16="http://schemas.microsoft.com/office/drawing/2014/main" id="{02F0D345-80A4-4871-8245-3FBCD62E2953}"/>
+                <a16:creationId xmlns="" xmlns:a16="http://schemas.microsoft.com/office/drawing/2014/main" id="{02F0D345-80A4-4871-8245-3FBCD62E2953}"/>
               </a:ext>
             </a:extLst>
           </p:cNvPr>
@@ -1597,7 +1579,7 @@
           <p:cNvPr id="3" name="Espaço Reservado para Texto 2">
             <a:extLst>
               <a:ext uri="{FF2B5EF4-FFF2-40B4-BE49-F238E27FC236}">
-                <a16:creationId xmlns:a16="http://schemas.microsoft.com/office/drawing/2014/main" id="{0CE55658-11AC-473B-A001-2AB262B4251B}"/>
+                <a16:creationId xmlns="" xmlns:a16="http://schemas.microsoft.com/office/drawing/2014/main" id="{0CE55658-11AC-473B-A001-2AB262B4251B}"/>
               </a:ext>
             </a:extLst>
           </p:cNvPr>
@@ -1668,7 +1650,7 @@
           <p:cNvPr id="4" name="Espaço Reservado para Conteúdo 3">
             <a:extLst>
               <a:ext uri="{FF2B5EF4-FFF2-40B4-BE49-F238E27FC236}">
-                <a16:creationId xmlns:a16="http://schemas.microsoft.com/office/drawing/2014/main" id="{10CF26FE-C274-463B-B9E2-063C4C14D148}"/>
+                <a16:creationId xmlns="" xmlns:a16="http://schemas.microsoft.com/office/drawing/2014/main" id="{10CF26FE-C274-463B-B9E2-063C4C14D148}"/>
               </a:ext>
             </a:extLst>
           </p:cNvPr>
@@ -1730,7 +1712,7 @@
           <p:cNvPr id="5" name="Espaço Reservado para Texto 4">
             <a:extLst>
               <a:ext uri="{FF2B5EF4-FFF2-40B4-BE49-F238E27FC236}">
-                <a16:creationId xmlns:a16="http://schemas.microsoft.com/office/drawing/2014/main" id="{4B7B6F3E-CDFF-49E5-AFCF-23E4B6D60C98}"/>
+                <a16:creationId xmlns="" xmlns:a16="http://schemas.microsoft.com/office/drawing/2014/main" id="{4B7B6F3E-CDFF-49E5-AFCF-23E4B6D60C98}"/>
               </a:ext>
             </a:extLst>
           </p:cNvPr>
@@ -1801,7 +1783,7 @@
           <p:cNvPr id="6" name="Espaço Reservado para Conteúdo 5">
             <a:extLst>
               <a:ext uri="{FF2B5EF4-FFF2-40B4-BE49-F238E27FC236}">
-                <a16:creationId xmlns:a16="http://schemas.microsoft.com/office/drawing/2014/main" id="{3A1E5D22-0BF2-4B65-812A-6632E766E802}"/>
+                <a16:creationId xmlns="" xmlns:a16="http://schemas.microsoft.com/office/drawing/2014/main" id="{3A1E5D22-0BF2-4B65-812A-6632E766E802}"/>
               </a:ext>
             </a:extLst>
           </p:cNvPr>
@@ -1863,7 +1845,7 @@
           <p:cNvPr id="7" name="Espaço Reservado para Data 6">
             <a:extLst>
               <a:ext uri="{FF2B5EF4-FFF2-40B4-BE49-F238E27FC236}">
-                <a16:creationId xmlns:a16="http://schemas.microsoft.com/office/drawing/2014/main" id="{1AC5ED40-96A8-40FA-B8CE-E88FE2672463}"/>
+                <a16:creationId xmlns="" xmlns:a16="http://schemas.microsoft.com/office/drawing/2014/main" id="{1AC5ED40-96A8-40FA-B8CE-E88FE2672463}"/>
               </a:ext>
             </a:extLst>
           </p:cNvPr>
@@ -1892,7 +1874,7 @@
           <p:cNvPr id="8" name="Espaço Reservado para Rodapé 7">
             <a:extLst>
               <a:ext uri="{FF2B5EF4-FFF2-40B4-BE49-F238E27FC236}">
-                <a16:creationId xmlns:a16="http://schemas.microsoft.com/office/drawing/2014/main" id="{3F2CCE11-A63A-4BB1-8486-CE22B19D7652}"/>
+                <a16:creationId xmlns="" xmlns:a16="http://schemas.microsoft.com/office/drawing/2014/main" id="{3F2CCE11-A63A-4BB1-8486-CE22B19D7652}"/>
               </a:ext>
             </a:extLst>
           </p:cNvPr>
@@ -1917,7 +1899,7 @@
           <p:cNvPr id="9" name="Espaço Reservado para Número de Slide 8">
             <a:extLst>
               <a:ext uri="{FF2B5EF4-FFF2-40B4-BE49-F238E27FC236}">
-                <a16:creationId xmlns:a16="http://schemas.microsoft.com/office/drawing/2014/main" id="{BB310A4A-E303-4DED-B6A4-6EAAF580A666}"/>
+                <a16:creationId xmlns="" xmlns:a16="http://schemas.microsoft.com/office/drawing/2014/main" id="{BB310A4A-E303-4DED-B6A4-6EAAF580A666}"/>
               </a:ext>
             </a:extLst>
           </p:cNvPr>
@@ -1984,7 +1966,7 @@
           <p:cNvPr id="2" name="Título 1">
             <a:extLst>
               <a:ext uri="{FF2B5EF4-FFF2-40B4-BE49-F238E27FC236}">
-                <a16:creationId xmlns:a16="http://schemas.microsoft.com/office/drawing/2014/main" id="{4321A209-416D-4584-B559-47AF81AFE896}"/>
+                <a16:creationId xmlns="" xmlns:a16="http://schemas.microsoft.com/office/drawing/2014/main" id="{4321A209-416D-4584-B559-47AF81AFE896}"/>
               </a:ext>
             </a:extLst>
           </p:cNvPr>
@@ -2012,7 +1994,7 @@
           <p:cNvPr id="3" name="Espaço Reservado para Data 2">
             <a:extLst>
               <a:ext uri="{FF2B5EF4-FFF2-40B4-BE49-F238E27FC236}">
-                <a16:creationId xmlns:a16="http://schemas.microsoft.com/office/drawing/2014/main" id="{18835C8A-EF4F-4A65-ABE8-B79368387CC0}"/>
+                <a16:creationId xmlns="" xmlns:a16="http://schemas.microsoft.com/office/drawing/2014/main" id="{18835C8A-EF4F-4A65-ABE8-B79368387CC0}"/>
               </a:ext>
             </a:extLst>
           </p:cNvPr>
@@ -2041,7 +2023,7 @@
           <p:cNvPr id="4" name="Espaço Reservado para Rodapé 3">
             <a:extLst>
               <a:ext uri="{FF2B5EF4-FFF2-40B4-BE49-F238E27FC236}">
-                <a16:creationId xmlns:a16="http://schemas.microsoft.com/office/drawing/2014/main" id="{C3C19DB2-C61B-4178-8E06-14870579E3A0}"/>
+                <a16:creationId xmlns="" xmlns:a16="http://schemas.microsoft.com/office/drawing/2014/main" id="{C3C19DB2-C61B-4178-8E06-14870579E3A0}"/>
               </a:ext>
             </a:extLst>
           </p:cNvPr>
@@ -2066,7 +2048,7 @@
           <p:cNvPr id="5" name="Espaço Reservado para Número de Slide 4">
             <a:extLst>
               <a:ext uri="{FF2B5EF4-FFF2-40B4-BE49-F238E27FC236}">
-                <a16:creationId xmlns:a16="http://schemas.microsoft.com/office/drawing/2014/main" id="{E126F8A3-E0BC-4775-B70D-A49DB47EC84C}"/>
+                <a16:creationId xmlns="" xmlns:a16="http://schemas.microsoft.com/office/drawing/2014/main" id="{E126F8A3-E0BC-4775-B70D-A49DB47EC84C}"/>
               </a:ext>
             </a:extLst>
           </p:cNvPr>
@@ -2133,7 +2115,7 @@
           <p:cNvPr id="2" name="Espaço Reservado para Data 1">
             <a:extLst>
               <a:ext uri="{FF2B5EF4-FFF2-40B4-BE49-F238E27FC236}">
-                <a16:creationId xmlns:a16="http://schemas.microsoft.com/office/drawing/2014/main" id="{D398B22B-D299-4FBD-9152-309F2BF4504B}"/>
+                <a16:creationId xmlns="" xmlns:a16="http://schemas.microsoft.com/office/drawing/2014/main" id="{D398B22B-D299-4FBD-9152-309F2BF4504B}"/>
               </a:ext>
             </a:extLst>
           </p:cNvPr>
@@ -2162,7 +2144,7 @@
           <p:cNvPr id="3" name="Espaço Reservado para Rodapé 2">
             <a:extLst>
               <a:ext uri="{FF2B5EF4-FFF2-40B4-BE49-F238E27FC236}">
-                <a16:creationId xmlns:a16="http://schemas.microsoft.com/office/drawing/2014/main" id="{60A92E44-4D85-49C8-801E-ACE8655ECB75}"/>
+                <a16:creationId xmlns="" xmlns:a16="http://schemas.microsoft.com/office/drawing/2014/main" id="{60A92E44-4D85-49C8-801E-ACE8655ECB75}"/>
               </a:ext>
             </a:extLst>
           </p:cNvPr>
@@ -2187,7 +2169,7 @@
           <p:cNvPr id="4" name="Espaço Reservado para Número de Slide 3">
             <a:extLst>
               <a:ext uri="{FF2B5EF4-FFF2-40B4-BE49-F238E27FC236}">
-                <a16:creationId xmlns:a16="http://schemas.microsoft.com/office/drawing/2014/main" id="{4C4170AC-39C8-436B-9F44-4162946ACF90}"/>
+                <a16:creationId xmlns="" xmlns:a16="http://schemas.microsoft.com/office/drawing/2014/main" id="{4C4170AC-39C8-436B-9F44-4162946ACF90}"/>
               </a:ext>
             </a:extLst>
           </p:cNvPr>
@@ -2254,7 +2236,7 @@
           <p:cNvPr id="2" name="Título 1">
             <a:extLst>
               <a:ext uri="{FF2B5EF4-FFF2-40B4-BE49-F238E27FC236}">
-                <a16:creationId xmlns:a16="http://schemas.microsoft.com/office/drawing/2014/main" id="{76785EC8-9827-4F4B-8B4B-BC37D48C9B95}"/>
+                <a16:creationId xmlns="" xmlns:a16="http://schemas.microsoft.com/office/drawing/2014/main" id="{76785EC8-9827-4F4B-8B4B-BC37D48C9B95}"/>
               </a:ext>
             </a:extLst>
           </p:cNvPr>
@@ -2291,7 +2273,7 @@
           <p:cNvPr id="3" name="Espaço Reservado para Conteúdo 2">
             <a:extLst>
               <a:ext uri="{FF2B5EF4-FFF2-40B4-BE49-F238E27FC236}">
-                <a16:creationId xmlns:a16="http://schemas.microsoft.com/office/drawing/2014/main" id="{5718EA30-24A6-46C9-9565-869A4963EDCA}"/>
+                <a16:creationId xmlns="" xmlns:a16="http://schemas.microsoft.com/office/drawing/2014/main" id="{5718EA30-24A6-46C9-9565-869A4963EDCA}"/>
               </a:ext>
             </a:extLst>
           </p:cNvPr>
@@ -2381,7 +2363,7 @@
           <p:cNvPr id="4" name="Espaço Reservado para Texto 3">
             <a:extLst>
               <a:ext uri="{FF2B5EF4-FFF2-40B4-BE49-F238E27FC236}">
-                <a16:creationId xmlns:a16="http://schemas.microsoft.com/office/drawing/2014/main" id="{6EAEA4F0-BDAA-4869-B563-580C9351DD21}"/>
+                <a16:creationId xmlns="" xmlns:a16="http://schemas.microsoft.com/office/drawing/2014/main" id="{6EAEA4F0-BDAA-4869-B563-580C9351DD21}"/>
               </a:ext>
             </a:extLst>
           </p:cNvPr>
@@ -2452,7 +2434,7 @@
           <p:cNvPr id="5" name="Espaço Reservado para Data 4">
             <a:extLst>
               <a:ext uri="{FF2B5EF4-FFF2-40B4-BE49-F238E27FC236}">
-                <a16:creationId xmlns:a16="http://schemas.microsoft.com/office/drawing/2014/main" id="{D9A52A90-BBCA-4196-BC06-DC1A1F0386B7}"/>
+                <a16:creationId xmlns="" xmlns:a16="http://schemas.microsoft.com/office/drawing/2014/main" id="{D9A52A90-BBCA-4196-BC06-DC1A1F0386B7}"/>
               </a:ext>
             </a:extLst>
           </p:cNvPr>
@@ -2481,7 +2463,7 @@
           <p:cNvPr id="6" name="Espaço Reservado para Rodapé 5">
             <a:extLst>
               <a:ext uri="{FF2B5EF4-FFF2-40B4-BE49-F238E27FC236}">
-                <a16:creationId xmlns:a16="http://schemas.microsoft.com/office/drawing/2014/main" id="{C8345E68-F3E9-448A-AFD1-3C239D9C16C5}"/>
+                <a16:creationId xmlns="" xmlns:a16="http://schemas.microsoft.com/office/drawing/2014/main" id="{C8345E68-F3E9-448A-AFD1-3C239D9C16C5}"/>
               </a:ext>
             </a:extLst>
           </p:cNvPr>
@@ -2506,7 +2488,7 @@
           <p:cNvPr id="7" name="Espaço Reservado para Número de Slide 6">
             <a:extLst>
               <a:ext uri="{FF2B5EF4-FFF2-40B4-BE49-F238E27FC236}">
-                <a16:creationId xmlns:a16="http://schemas.microsoft.com/office/drawing/2014/main" id="{3C8F7DE6-F280-46ED-8EBC-72E7DC6C09BF}"/>
+                <a16:creationId xmlns="" xmlns:a16="http://schemas.microsoft.com/office/drawing/2014/main" id="{3C8F7DE6-F280-46ED-8EBC-72E7DC6C09BF}"/>
               </a:ext>
             </a:extLst>
           </p:cNvPr>
@@ -2573,7 +2555,7 @@
           <p:cNvPr id="2" name="Título 1">
             <a:extLst>
               <a:ext uri="{FF2B5EF4-FFF2-40B4-BE49-F238E27FC236}">
-                <a16:creationId xmlns:a16="http://schemas.microsoft.com/office/drawing/2014/main" id="{CA490AD7-1E1F-42CF-AEAD-B0D04ECC5BDA}"/>
+                <a16:creationId xmlns="" xmlns:a16="http://schemas.microsoft.com/office/drawing/2014/main" id="{CA490AD7-1E1F-42CF-AEAD-B0D04ECC5BDA}"/>
               </a:ext>
             </a:extLst>
           </p:cNvPr>
@@ -2610,7 +2592,7 @@
           <p:cNvPr id="3" name="Espaço Reservado para Imagem 2">
             <a:extLst>
               <a:ext uri="{FF2B5EF4-FFF2-40B4-BE49-F238E27FC236}">
-                <a16:creationId xmlns:a16="http://schemas.microsoft.com/office/drawing/2014/main" id="{73B2DB25-5D9F-42CD-983F-C03A86EFDE4D}"/>
+                <a16:creationId xmlns="" xmlns:a16="http://schemas.microsoft.com/office/drawing/2014/main" id="{73B2DB25-5D9F-42CD-983F-C03A86EFDE4D}"/>
               </a:ext>
             </a:extLst>
           </p:cNvPr>
@@ -2677,7 +2659,7 @@
           <p:cNvPr id="4" name="Espaço Reservado para Texto 3">
             <a:extLst>
               <a:ext uri="{FF2B5EF4-FFF2-40B4-BE49-F238E27FC236}">
-                <a16:creationId xmlns:a16="http://schemas.microsoft.com/office/drawing/2014/main" id="{7A079A99-0E23-405C-8CC9-76E2F7D71188}"/>
+                <a16:creationId xmlns="" xmlns:a16="http://schemas.microsoft.com/office/drawing/2014/main" id="{7A079A99-0E23-405C-8CC9-76E2F7D71188}"/>
               </a:ext>
             </a:extLst>
           </p:cNvPr>
@@ -2748,7 +2730,7 @@
           <p:cNvPr id="5" name="Espaço Reservado para Data 4">
             <a:extLst>
               <a:ext uri="{FF2B5EF4-FFF2-40B4-BE49-F238E27FC236}">
-                <a16:creationId xmlns:a16="http://schemas.microsoft.com/office/drawing/2014/main" id="{2DD83E0C-8D71-4690-A9AE-D0343F903B2D}"/>
+                <a16:creationId xmlns="" xmlns:a16="http://schemas.microsoft.com/office/drawing/2014/main" id="{2DD83E0C-8D71-4690-A9AE-D0343F903B2D}"/>
               </a:ext>
             </a:extLst>
           </p:cNvPr>
@@ -2777,7 +2759,7 @@
           <p:cNvPr id="6" name="Espaço Reservado para Rodapé 5">
             <a:extLst>
               <a:ext uri="{FF2B5EF4-FFF2-40B4-BE49-F238E27FC236}">
-                <a16:creationId xmlns:a16="http://schemas.microsoft.com/office/drawing/2014/main" id="{A40300FD-203D-4AC2-B475-B607A11BBFA8}"/>
+                <a16:creationId xmlns="" xmlns:a16="http://schemas.microsoft.com/office/drawing/2014/main" id="{A40300FD-203D-4AC2-B475-B607A11BBFA8}"/>
               </a:ext>
             </a:extLst>
           </p:cNvPr>
@@ -2802,7 +2784,7 @@
           <p:cNvPr id="7" name="Espaço Reservado para Número de Slide 6">
             <a:extLst>
               <a:ext uri="{FF2B5EF4-FFF2-40B4-BE49-F238E27FC236}">
-                <a16:creationId xmlns:a16="http://schemas.microsoft.com/office/drawing/2014/main" id="{96341428-ABC5-4516-919F-C35793781D19}"/>
+                <a16:creationId xmlns="" xmlns:a16="http://schemas.microsoft.com/office/drawing/2014/main" id="{96341428-ABC5-4516-919F-C35793781D19}"/>
               </a:ext>
             </a:extLst>
           </p:cNvPr>
@@ -2874,7 +2856,7 @@
           <p:cNvPr id="2" name="Espaço Reservado para Título 1">
             <a:extLst>
               <a:ext uri="{FF2B5EF4-FFF2-40B4-BE49-F238E27FC236}">
-                <a16:creationId xmlns:a16="http://schemas.microsoft.com/office/drawing/2014/main" id="{F5A9CA73-275E-402B-A781-BED8E26E62D9}"/>
+                <a16:creationId xmlns="" xmlns:a16="http://schemas.microsoft.com/office/drawing/2014/main" id="{F5A9CA73-275E-402B-A781-BED8E26E62D9}"/>
               </a:ext>
             </a:extLst>
           </p:cNvPr>
@@ -2912,7 +2894,7 @@
           <p:cNvPr id="3" name="Espaço Reservado para Texto 2">
             <a:extLst>
               <a:ext uri="{FF2B5EF4-FFF2-40B4-BE49-F238E27FC236}">
-                <a16:creationId xmlns:a16="http://schemas.microsoft.com/office/drawing/2014/main" id="{0B030618-953C-4611-B07B-0A80B4F4A8F5}"/>
+                <a16:creationId xmlns="" xmlns:a16="http://schemas.microsoft.com/office/drawing/2014/main" id="{0B030618-953C-4611-B07B-0A80B4F4A8F5}"/>
               </a:ext>
             </a:extLst>
           </p:cNvPr>
@@ -2979,7 +2961,7 @@
           <p:cNvPr id="4" name="Espaço Reservado para Data 3">
             <a:extLst>
               <a:ext uri="{FF2B5EF4-FFF2-40B4-BE49-F238E27FC236}">
-                <a16:creationId xmlns:a16="http://schemas.microsoft.com/office/drawing/2014/main" id="{8C44F495-037C-48B2-B675-4FDF5D6C9ED2}"/>
+                <a16:creationId xmlns="" xmlns:a16="http://schemas.microsoft.com/office/drawing/2014/main" id="{8C44F495-037C-48B2-B675-4FDF5D6C9ED2}"/>
               </a:ext>
             </a:extLst>
           </p:cNvPr>
@@ -3026,7 +3008,7 @@
           <p:cNvPr id="5" name="Espaço Reservado para Rodapé 4">
             <a:extLst>
               <a:ext uri="{FF2B5EF4-FFF2-40B4-BE49-F238E27FC236}">
-                <a16:creationId xmlns:a16="http://schemas.microsoft.com/office/drawing/2014/main" id="{B7A1636C-ED97-4205-A64D-164F36D94AE6}"/>
+                <a16:creationId xmlns="" xmlns:a16="http://schemas.microsoft.com/office/drawing/2014/main" id="{B7A1636C-ED97-4205-A64D-164F36D94AE6}"/>
               </a:ext>
             </a:extLst>
           </p:cNvPr>
@@ -3069,7 +3051,7 @@
           <p:cNvPr id="6" name="Espaço Reservado para Número de Slide 5">
             <a:extLst>
               <a:ext uri="{FF2B5EF4-FFF2-40B4-BE49-F238E27FC236}">
-                <a16:creationId xmlns:a16="http://schemas.microsoft.com/office/drawing/2014/main" id="{B92CBF66-768E-4968-9C61-1D97A9AFA011}"/>
+                <a16:creationId xmlns="" xmlns:a16="http://schemas.microsoft.com/office/drawing/2014/main" id="{B92CBF66-768E-4968-9C61-1D97A9AFA011}"/>
               </a:ext>
             </a:extLst>
           </p:cNvPr>
@@ -3445,7 +3427,7 @@
           <p:cNvPr id="4" name="Elipse 3">
             <a:extLst>
               <a:ext uri="{FF2B5EF4-FFF2-40B4-BE49-F238E27FC236}">
-                <a16:creationId xmlns:a16="http://schemas.microsoft.com/office/drawing/2014/main" id="{ADA0A1DC-E048-4D14-9DC1-81D4046E50D4}"/>
+                <a16:creationId xmlns="" xmlns:a16="http://schemas.microsoft.com/office/drawing/2014/main" id="{ADA0A1DC-E048-4D14-9DC1-81D4046E50D4}"/>
               </a:ext>
             </a:extLst>
           </p:cNvPr>
@@ -3497,7 +3479,7 @@
           <p:cNvPr id="5" name="Elipse 4">
             <a:extLst>
               <a:ext uri="{FF2B5EF4-FFF2-40B4-BE49-F238E27FC236}">
-                <a16:creationId xmlns:a16="http://schemas.microsoft.com/office/drawing/2014/main" id="{41DBB942-8ED0-484A-B5DE-6AAE905CC02C}"/>
+                <a16:creationId xmlns="" xmlns:a16="http://schemas.microsoft.com/office/drawing/2014/main" id="{41DBB942-8ED0-484A-B5DE-6AAE905CC02C}"/>
               </a:ext>
             </a:extLst>
           </p:cNvPr>
@@ -3549,7 +3531,7 @@
           <p:cNvPr id="6" name="Elipse 5">
             <a:extLst>
               <a:ext uri="{FF2B5EF4-FFF2-40B4-BE49-F238E27FC236}">
-                <a16:creationId xmlns:a16="http://schemas.microsoft.com/office/drawing/2014/main" id="{20B9A64F-8AB8-4B49-8F2F-5B87C14A85B5}"/>
+                <a16:creationId xmlns="" xmlns:a16="http://schemas.microsoft.com/office/drawing/2014/main" id="{20B9A64F-8AB8-4B49-8F2F-5B87C14A85B5}"/>
               </a:ext>
             </a:extLst>
           </p:cNvPr>
@@ -3601,7 +3583,7 @@
           <p:cNvPr id="7" name="Elipse 6">
             <a:extLst>
               <a:ext uri="{FF2B5EF4-FFF2-40B4-BE49-F238E27FC236}">
-                <a16:creationId xmlns:a16="http://schemas.microsoft.com/office/drawing/2014/main" id="{E53AA0BB-9DAA-4719-BC1B-0A2249B30204}"/>
+                <a16:creationId xmlns="" xmlns:a16="http://schemas.microsoft.com/office/drawing/2014/main" id="{E53AA0BB-9DAA-4719-BC1B-0A2249B30204}"/>
               </a:ext>
             </a:extLst>
           </p:cNvPr>
@@ -3653,7 +3635,7 @@
           <p:cNvPr id="8" name="Elipse 7">
             <a:extLst>
               <a:ext uri="{FF2B5EF4-FFF2-40B4-BE49-F238E27FC236}">
-                <a16:creationId xmlns:a16="http://schemas.microsoft.com/office/drawing/2014/main" id="{FB3B5605-05C3-48F1-ACF3-9384C7443965}"/>
+                <a16:creationId xmlns="" xmlns:a16="http://schemas.microsoft.com/office/drawing/2014/main" id="{FB3B5605-05C3-48F1-ACF3-9384C7443965}"/>
               </a:ext>
             </a:extLst>
           </p:cNvPr>
@@ -3705,7 +3687,7 @@
           <p:cNvPr id="9" name="Elipse 8">
             <a:extLst>
               <a:ext uri="{FF2B5EF4-FFF2-40B4-BE49-F238E27FC236}">
-                <a16:creationId xmlns:a16="http://schemas.microsoft.com/office/drawing/2014/main" id="{CD281981-2817-468F-8E23-D242B5E5FA0D}"/>
+                <a16:creationId xmlns="" xmlns:a16="http://schemas.microsoft.com/office/drawing/2014/main" id="{CD281981-2817-468F-8E23-D242B5E5FA0D}"/>
               </a:ext>
             </a:extLst>
           </p:cNvPr>
@@ -3757,7 +3739,7 @@
           <p:cNvPr id="10" name="Elipse 9">
             <a:extLst>
               <a:ext uri="{FF2B5EF4-FFF2-40B4-BE49-F238E27FC236}">
-                <a16:creationId xmlns:a16="http://schemas.microsoft.com/office/drawing/2014/main" id="{ECE1B6BB-058D-4E3D-A935-89A9A4432B0D}"/>
+                <a16:creationId xmlns="" xmlns:a16="http://schemas.microsoft.com/office/drawing/2014/main" id="{ECE1B6BB-058D-4E3D-A935-89A9A4432B0D}"/>
               </a:ext>
             </a:extLst>
           </p:cNvPr>
@@ -3809,7 +3791,7 @@
           <p:cNvPr id="11" name="Elipse 10">
             <a:extLst>
               <a:ext uri="{FF2B5EF4-FFF2-40B4-BE49-F238E27FC236}">
-                <a16:creationId xmlns:a16="http://schemas.microsoft.com/office/drawing/2014/main" id="{F50D8E89-C8B7-4373-879B-48C5740700C9}"/>
+                <a16:creationId xmlns="" xmlns:a16="http://schemas.microsoft.com/office/drawing/2014/main" id="{F50D8E89-C8B7-4373-879B-48C5740700C9}"/>
               </a:ext>
             </a:extLst>
           </p:cNvPr>
@@ -3861,7 +3843,7 @@
           <p:cNvPr id="12" name="Elipse 11">
             <a:extLst>
               <a:ext uri="{FF2B5EF4-FFF2-40B4-BE49-F238E27FC236}">
-                <a16:creationId xmlns:a16="http://schemas.microsoft.com/office/drawing/2014/main" id="{3C1DB7AA-669B-4E1E-A0B5-09B7262E4783}"/>
+                <a16:creationId xmlns="" xmlns:a16="http://schemas.microsoft.com/office/drawing/2014/main" id="{3C1DB7AA-669B-4E1E-A0B5-09B7262E4783}"/>
               </a:ext>
             </a:extLst>
           </p:cNvPr>
@@ -3913,7 +3895,7 @@
           <p:cNvPr id="13" name="Elipse 12">
             <a:extLst>
               <a:ext uri="{FF2B5EF4-FFF2-40B4-BE49-F238E27FC236}">
-                <a16:creationId xmlns:a16="http://schemas.microsoft.com/office/drawing/2014/main" id="{8E60EAEA-884C-4590-AC40-420571BE364E}"/>
+                <a16:creationId xmlns="" xmlns:a16="http://schemas.microsoft.com/office/drawing/2014/main" id="{8E60EAEA-884C-4590-AC40-420571BE364E}"/>
               </a:ext>
             </a:extLst>
           </p:cNvPr>
@@ -3978,6 +3960,13 @@
       <p:transition spd="slow" advClick="0" advTm="4000"/>
     </mc:Fallback>
   </mc:AlternateContent>
+  <p:timing>
+    <p:tnLst>
+      <p:par>
+        <p:cTn id="1" dur="indefinite" restart="never" nodeType="tmRoot"/>
+      </p:par>
+    </p:tnLst>
+  </p:timing>
 </p:sld>
 </file>
 
@@ -4003,7 +3992,7 @@
           <p:cNvPr id="5" name="Agrupar 4">
             <a:extLst>
               <a:ext uri="{FF2B5EF4-FFF2-40B4-BE49-F238E27FC236}">
-                <a16:creationId xmlns:a16="http://schemas.microsoft.com/office/drawing/2014/main" id="{C7F75122-DABE-42E3-97F5-E8F06A78CF69}"/>
+                <a16:creationId xmlns="" xmlns:a16="http://schemas.microsoft.com/office/drawing/2014/main" id="{C7F75122-DABE-42E3-97F5-E8F06A78CF69}"/>
               </a:ext>
             </a:extLst>
           </p:cNvPr>
@@ -4023,7 +4012,7 @@
             <p:cNvPr id="6" name="Grupo 12">
               <a:extLst>
                 <a:ext uri="{FF2B5EF4-FFF2-40B4-BE49-F238E27FC236}">
-                  <a16:creationId xmlns:a16="http://schemas.microsoft.com/office/drawing/2014/main" id="{9C134253-B3AE-4133-A507-EB06452E9D0E}"/>
+                  <a16:creationId xmlns="" xmlns:a16="http://schemas.microsoft.com/office/drawing/2014/main" id="{9C134253-B3AE-4133-A507-EB06452E9D0E}"/>
                 </a:ext>
               </a:extLst>
             </p:cNvPr>
@@ -4043,7 +4032,7 @@
               <p:cNvPr id="10" name="Grupo 11">
                 <a:extLst>
                   <a:ext uri="{FF2B5EF4-FFF2-40B4-BE49-F238E27FC236}">
-                    <a16:creationId xmlns:a16="http://schemas.microsoft.com/office/drawing/2014/main" id="{8F2AA7ED-0379-45F3-9AC6-FA2E7074A840}"/>
+                    <a16:creationId xmlns="" xmlns:a16="http://schemas.microsoft.com/office/drawing/2014/main" id="{8F2AA7ED-0379-45F3-9AC6-FA2E7074A840}"/>
                   </a:ext>
                 </a:extLst>
               </p:cNvPr>
@@ -4063,7 +4052,7 @@
                 <p:cNvPr id="17" name="Agrupar 3">
                   <a:extLst>
                     <a:ext uri="{FF2B5EF4-FFF2-40B4-BE49-F238E27FC236}">
-                      <a16:creationId xmlns:a16="http://schemas.microsoft.com/office/drawing/2014/main" id="{78FD1B5B-A568-43D4-A2B4-AE3A66D4EFA5}"/>
+                      <a16:creationId xmlns="" xmlns:a16="http://schemas.microsoft.com/office/drawing/2014/main" id="{78FD1B5B-A568-43D4-A2B4-AE3A66D4EFA5}"/>
                     </a:ext>
                   </a:extLst>
                 </p:cNvPr>
@@ -4083,7 +4072,7 @@
                   <p:cNvPr id="25" name="Retângulo: Cantos Arredondados 4">
                     <a:extLst>
                       <a:ext uri="{FF2B5EF4-FFF2-40B4-BE49-F238E27FC236}">
-                        <a16:creationId xmlns:a16="http://schemas.microsoft.com/office/drawing/2014/main" id="{8B6DEE69-6EF8-49B7-B774-0BEB7DC28C12}"/>
+                        <a16:creationId xmlns="" xmlns:a16="http://schemas.microsoft.com/office/drawing/2014/main" id="{8B6DEE69-6EF8-49B7-B774-0BEB7DC28C12}"/>
                       </a:ext>
                     </a:extLst>
                   </p:cNvPr>
@@ -4134,7 +4123,7 @@
                   <p:cNvPr id="26" name="Retângulo: Cantos Arredondados 5">
                     <a:extLst>
                       <a:ext uri="{FF2B5EF4-FFF2-40B4-BE49-F238E27FC236}">
-                        <a16:creationId xmlns:a16="http://schemas.microsoft.com/office/drawing/2014/main" id="{5E7569DC-A17C-4B13-B9F7-D4F13FDEF85B}"/>
+                        <a16:creationId xmlns="" xmlns:a16="http://schemas.microsoft.com/office/drawing/2014/main" id="{5E7569DC-A17C-4B13-B9F7-D4F13FDEF85B}"/>
                       </a:ext>
                     </a:extLst>
                   </p:cNvPr>
@@ -4188,7 +4177,7 @@
                   <p:cNvPr id="27" name="Retângulo: Cantos Arredondados 6">
                     <a:extLst>
                       <a:ext uri="{FF2B5EF4-FFF2-40B4-BE49-F238E27FC236}">
-                        <a16:creationId xmlns:a16="http://schemas.microsoft.com/office/drawing/2014/main" id="{86ADDAC0-2B71-4EB3-9C99-0BE68E41BDFD}"/>
+                        <a16:creationId xmlns="" xmlns:a16="http://schemas.microsoft.com/office/drawing/2014/main" id="{86ADDAC0-2B71-4EB3-9C99-0BE68E41BDFD}"/>
                       </a:ext>
                     </a:extLst>
                   </p:cNvPr>
@@ -4242,7 +4231,7 @@
                   <p:cNvPr id="28" name="Forma Livre: Forma 7">
                     <a:extLst>
                       <a:ext uri="{FF2B5EF4-FFF2-40B4-BE49-F238E27FC236}">
-                        <a16:creationId xmlns:a16="http://schemas.microsoft.com/office/drawing/2014/main" id="{2762ADD9-0760-43FB-B2EB-D3E018170E14}"/>
+                        <a16:creationId xmlns="" xmlns:a16="http://schemas.microsoft.com/office/drawing/2014/main" id="{2762ADD9-0760-43FB-B2EB-D3E018170E14}"/>
                       </a:ext>
                     </a:extLst>
                   </p:cNvPr>
@@ -4373,7 +4362,7 @@
                   <p:cNvPr id="29" name="Retângulo 28">
                     <a:extLst>
                       <a:ext uri="{FF2B5EF4-FFF2-40B4-BE49-F238E27FC236}">
-                        <a16:creationId xmlns:a16="http://schemas.microsoft.com/office/drawing/2014/main" id="{A5B87EBD-55EA-42C0-B512-2DDB28285C50}"/>
+                        <a16:creationId xmlns="" xmlns:a16="http://schemas.microsoft.com/office/drawing/2014/main" id="{A5B87EBD-55EA-42C0-B512-2DDB28285C50}"/>
                       </a:ext>
                     </a:extLst>
                   </p:cNvPr>
@@ -4425,7 +4414,7 @@
                   <p:cNvPr id="30" name="Retângulo: Cantos Arredondados 9">
                     <a:extLst>
                       <a:ext uri="{FF2B5EF4-FFF2-40B4-BE49-F238E27FC236}">
-                        <a16:creationId xmlns:a16="http://schemas.microsoft.com/office/drawing/2014/main" id="{6836D504-15E4-496C-944B-6A7001352718}"/>
+                        <a16:creationId xmlns="" xmlns:a16="http://schemas.microsoft.com/office/drawing/2014/main" id="{6836D504-15E4-496C-944B-6A7001352718}"/>
                       </a:ext>
                     </a:extLst>
                   </p:cNvPr>
@@ -4479,7 +4468,7 @@
                   <p:cNvPr id="31" name="Retângulo: Cantos Arredondados 10">
                     <a:extLst>
                       <a:ext uri="{FF2B5EF4-FFF2-40B4-BE49-F238E27FC236}">
-                        <a16:creationId xmlns:a16="http://schemas.microsoft.com/office/drawing/2014/main" id="{1205C36F-23F8-42B5-8AEB-CAB13F3E41C8}"/>
+                        <a16:creationId xmlns="" xmlns:a16="http://schemas.microsoft.com/office/drawing/2014/main" id="{1205C36F-23F8-42B5-8AEB-CAB13F3E41C8}"/>
                       </a:ext>
                     </a:extLst>
                   </p:cNvPr>
@@ -4534,7 +4523,7 @@
                 <p:cNvPr id="18" name="Agrupar 17">
                   <a:extLst>
                     <a:ext uri="{FF2B5EF4-FFF2-40B4-BE49-F238E27FC236}">
-                      <a16:creationId xmlns:a16="http://schemas.microsoft.com/office/drawing/2014/main" id="{92939F49-14B0-454E-AB33-B94328715DE2}"/>
+                      <a16:creationId xmlns="" xmlns:a16="http://schemas.microsoft.com/office/drawing/2014/main" id="{92939F49-14B0-454E-AB33-B94328715DE2}"/>
                     </a:ext>
                   </a:extLst>
                 </p:cNvPr>
@@ -4554,7 +4543,7 @@
                   <p:cNvPr id="19" name="Forma Livre: Forma 18">
                     <a:extLst>
                       <a:ext uri="{FF2B5EF4-FFF2-40B4-BE49-F238E27FC236}">
-                        <a16:creationId xmlns:a16="http://schemas.microsoft.com/office/drawing/2014/main" id="{BAD52E33-180E-4F90-9389-CC7E167A912B}"/>
+                        <a16:creationId xmlns="" xmlns:a16="http://schemas.microsoft.com/office/drawing/2014/main" id="{BAD52E33-180E-4F90-9389-CC7E167A912B}"/>
                       </a:ext>
                     </a:extLst>
                   </p:cNvPr>
@@ -4689,7 +4678,7 @@
                   <p:cNvPr id="20" name="Forma Livre: Forma 19">
                     <a:extLst>
                       <a:ext uri="{FF2B5EF4-FFF2-40B4-BE49-F238E27FC236}">
-                        <a16:creationId xmlns:a16="http://schemas.microsoft.com/office/drawing/2014/main" id="{55A63886-408D-4591-81D5-B47D759EC8DE}"/>
+                        <a16:creationId xmlns="" xmlns:a16="http://schemas.microsoft.com/office/drawing/2014/main" id="{55A63886-408D-4591-81D5-B47D759EC8DE}"/>
                       </a:ext>
                     </a:extLst>
                   </p:cNvPr>
@@ -4824,7 +4813,7 @@
                   <p:cNvPr id="21" name="Elipse 20">
                     <a:extLst>
                       <a:ext uri="{FF2B5EF4-FFF2-40B4-BE49-F238E27FC236}">
-                        <a16:creationId xmlns:a16="http://schemas.microsoft.com/office/drawing/2014/main" id="{6D5BFB76-F8B2-4BB2-96ED-932648A2E09A}"/>
+                        <a16:creationId xmlns="" xmlns:a16="http://schemas.microsoft.com/office/drawing/2014/main" id="{6D5BFB76-F8B2-4BB2-96ED-932648A2E09A}"/>
                       </a:ext>
                     </a:extLst>
                   </p:cNvPr>
@@ -4876,7 +4865,7 @@
                   <p:cNvPr id="22" name="Retângulo: Cantos Arredondados 21">
                     <a:extLst>
                       <a:ext uri="{FF2B5EF4-FFF2-40B4-BE49-F238E27FC236}">
-                        <a16:creationId xmlns:a16="http://schemas.microsoft.com/office/drawing/2014/main" id="{1ED7B1C2-C8A4-4664-98A5-C0315D116C92}"/>
+                        <a16:creationId xmlns="" xmlns:a16="http://schemas.microsoft.com/office/drawing/2014/main" id="{1ED7B1C2-C8A4-4664-98A5-C0315D116C92}"/>
                       </a:ext>
                     </a:extLst>
                   </p:cNvPr>
@@ -4930,7 +4919,7 @@
                   <p:cNvPr id="23" name="Retângulo: Cantos Arredondados 22">
                     <a:extLst>
                       <a:ext uri="{FF2B5EF4-FFF2-40B4-BE49-F238E27FC236}">
-                        <a16:creationId xmlns:a16="http://schemas.microsoft.com/office/drawing/2014/main" id="{89535B19-428F-4DDC-8C77-A796E0382FD4}"/>
+                        <a16:creationId xmlns="" xmlns:a16="http://schemas.microsoft.com/office/drawing/2014/main" id="{89535B19-428F-4DDC-8C77-A796E0382FD4}"/>
                       </a:ext>
                     </a:extLst>
                   </p:cNvPr>
@@ -4984,7 +4973,7 @@
                   <p:cNvPr id="24" name="Retângulo: Cantos Arredondados 23">
                     <a:extLst>
                       <a:ext uri="{FF2B5EF4-FFF2-40B4-BE49-F238E27FC236}">
-                        <a16:creationId xmlns:a16="http://schemas.microsoft.com/office/drawing/2014/main" id="{E3279415-2C59-423B-8E8A-9C01C73C5F99}"/>
+                        <a16:creationId xmlns="" xmlns:a16="http://schemas.microsoft.com/office/drawing/2014/main" id="{E3279415-2C59-423B-8E8A-9C01C73C5F99}"/>
                       </a:ext>
                     </a:extLst>
                   </p:cNvPr>
@@ -5040,7 +5029,7 @@
               <p:cNvPr id="11" name="Agrupar 11">
                 <a:extLst>
                   <a:ext uri="{FF2B5EF4-FFF2-40B4-BE49-F238E27FC236}">
-                    <a16:creationId xmlns:a16="http://schemas.microsoft.com/office/drawing/2014/main" id="{AF05D767-535B-4406-8E1B-DC460C147172}"/>
+                    <a16:creationId xmlns="" xmlns:a16="http://schemas.microsoft.com/office/drawing/2014/main" id="{AF05D767-535B-4406-8E1B-DC460C147172}"/>
                   </a:ext>
                 </a:extLst>
               </p:cNvPr>
@@ -5060,7 +5049,7 @@
                 <p:cNvPr id="15" name="Retângulo: Cantos Arredondados 12">
                   <a:extLst>
                     <a:ext uri="{FF2B5EF4-FFF2-40B4-BE49-F238E27FC236}">
-                      <a16:creationId xmlns:a16="http://schemas.microsoft.com/office/drawing/2014/main" id="{2D4E8F62-5DB6-499D-950A-79B2E3A38088}"/>
+                      <a16:creationId xmlns="" xmlns:a16="http://schemas.microsoft.com/office/drawing/2014/main" id="{2D4E8F62-5DB6-499D-950A-79B2E3A38088}"/>
                     </a:ext>
                   </a:extLst>
                 </p:cNvPr>
@@ -5114,7 +5103,7 @@
                 <p:cNvPr id="16" name="Retângulo: Cantos Arredondados 13">
                   <a:extLst>
                     <a:ext uri="{FF2B5EF4-FFF2-40B4-BE49-F238E27FC236}">
-                      <a16:creationId xmlns:a16="http://schemas.microsoft.com/office/drawing/2014/main" id="{E4198695-753B-4508-B3CC-7EBF43D7B2C5}"/>
+                      <a16:creationId xmlns="" xmlns:a16="http://schemas.microsoft.com/office/drawing/2014/main" id="{E4198695-753B-4508-B3CC-7EBF43D7B2C5}"/>
                     </a:ext>
                   </a:extLst>
                 </p:cNvPr>
@@ -5169,7 +5158,7 @@
               <p:cNvPr id="12" name="Agrupar 14">
                 <a:extLst>
                   <a:ext uri="{FF2B5EF4-FFF2-40B4-BE49-F238E27FC236}">
-                    <a16:creationId xmlns:a16="http://schemas.microsoft.com/office/drawing/2014/main" id="{71F5180A-6411-4FD5-B4B4-3B5680BEEBE2}"/>
+                    <a16:creationId xmlns="" xmlns:a16="http://schemas.microsoft.com/office/drawing/2014/main" id="{71F5180A-6411-4FD5-B4B4-3B5680BEEBE2}"/>
                   </a:ext>
                 </a:extLst>
               </p:cNvPr>
@@ -5189,7 +5178,7 @@
                 <p:cNvPr id="13" name="Retângulo: Cantos Arredondados 15">
                   <a:extLst>
                     <a:ext uri="{FF2B5EF4-FFF2-40B4-BE49-F238E27FC236}">
-                      <a16:creationId xmlns:a16="http://schemas.microsoft.com/office/drawing/2014/main" id="{73378FA8-D5C8-4FE3-A03F-7BBD1AFFA31B}"/>
+                      <a16:creationId xmlns="" xmlns:a16="http://schemas.microsoft.com/office/drawing/2014/main" id="{73378FA8-D5C8-4FE3-A03F-7BBD1AFFA31B}"/>
                     </a:ext>
                   </a:extLst>
                 </p:cNvPr>
@@ -5243,7 +5232,7 @@
                 <p:cNvPr id="14" name="Retângulo: Cantos Arredondados 16">
                   <a:extLst>
                     <a:ext uri="{FF2B5EF4-FFF2-40B4-BE49-F238E27FC236}">
-                      <a16:creationId xmlns:a16="http://schemas.microsoft.com/office/drawing/2014/main" id="{CA6F9BAE-1F33-4B0F-8849-716FDF5139B8}"/>
+                      <a16:creationId xmlns="" xmlns:a16="http://schemas.microsoft.com/office/drawing/2014/main" id="{CA6F9BAE-1F33-4B0F-8849-716FDF5139B8}"/>
                     </a:ext>
                   </a:extLst>
                 </p:cNvPr>
@@ -5299,7 +5288,7 @@
             <p:cNvPr id="7" name="Agrupar 6">
               <a:extLst>
                 <a:ext uri="{FF2B5EF4-FFF2-40B4-BE49-F238E27FC236}">
-                  <a16:creationId xmlns:a16="http://schemas.microsoft.com/office/drawing/2014/main" id="{E41FC07F-5D39-42B6-AF5B-E5B701564D9F}"/>
+                  <a16:creationId xmlns="" xmlns:a16="http://schemas.microsoft.com/office/drawing/2014/main" id="{E41FC07F-5D39-42B6-AF5B-E5B701564D9F}"/>
                 </a:ext>
               </a:extLst>
             </p:cNvPr>
@@ -5319,7 +5308,7 @@
               <p:cNvPr id="8" name="Forma Livre: Forma 7">
                 <a:extLst>
                   <a:ext uri="{FF2B5EF4-FFF2-40B4-BE49-F238E27FC236}">
-                    <a16:creationId xmlns:a16="http://schemas.microsoft.com/office/drawing/2014/main" id="{A8E18D61-C2DA-4A62-97EE-F0ECA2A4C86F}"/>
+                    <a16:creationId xmlns="" xmlns:a16="http://schemas.microsoft.com/office/drawing/2014/main" id="{A8E18D61-C2DA-4A62-97EE-F0ECA2A4C86F}"/>
                   </a:ext>
                 </a:extLst>
               </p:cNvPr>
@@ -5426,7 +5415,7 @@
               <p:cNvPr id="9" name="Forma Livre: Forma 8">
                 <a:extLst>
                   <a:ext uri="{FF2B5EF4-FFF2-40B4-BE49-F238E27FC236}">
-                    <a16:creationId xmlns:a16="http://schemas.microsoft.com/office/drawing/2014/main" id="{B7581CEC-8DB9-4BA0-B002-B104AE351B7A}"/>
+                    <a16:creationId xmlns="" xmlns:a16="http://schemas.microsoft.com/office/drawing/2014/main" id="{B7581CEC-8DB9-4BA0-B002-B104AE351B7A}"/>
                   </a:ext>
                 </a:extLst>
               </p:cNvPr>
@@ -5571,7 +5560,7 @@
           <p:cNvPr id="32" name="Grupo 12">
             <a:extLst>
               <a:ext uri="{FF2B5EF4-FFF2-40B4-BE49-F238E27FC236}">
-                <a16:creationId xmlns:a16="http://schemas.microsoft.com/office/drawing/2014/main" id="{36B187A1-7D33-493D-93F4-5D35DCB8A05B}"/>
+                <a16:creationId xmlns="" xmlns:a16="http://schemas.microsoft.com/office/drawing/2014/main" id="{36B187A1-7D33-493D-93F4-5D35DCB8A05B}"/>
               </a:ext>
             </a:extLst>
           </p:cNvPr>
@@ -5591,7 +5580,7 @@
             <p:cNvPr id="33" name="Grupo 11">
               <a:extLst>
                 <a:ext uri="{FF2B5EF4-FFF2-40B4-BE49-F238E27FC236}">
-                  <a16:creationId xmlns:a16="http://schemas.microsoft.com/office/drawing/2014/main" id="{D6C18329-4037-46A4-A02B-DDD81B53187F}"/>
+                  <a16:creationId xmlns="" xmlns:a16="http://schemas.microsoft.com/office/drawing/2014/main" id="{D6C18329-4037-46A4-A02B-DDD81B53187F}"/>
                 </a:ext>
               </a:extLst>
             </p:cNvPr>
@@ -5611,7 +5600,7 @@
               <p:cNvPr id="40" name="Agrupar 3">
                 <a:extLst>
                   <a:ext uri="{FF2B5EF4-FFF2-40B4-BE49-F238E27FC236}">
-                    <a16:creationId xmlns:a16="http://schemas.microsoft.com/office/drawing/2014/main" id="{45261C26-CE73-47E2-92E4-0B18B65AEC55}"/>
+                    <a16:creationId xmlns="" xmlns:a16="http://schemas.microsoft.com/office/drawing/2014/main" id="{45261C26-CE73-47E2-92E4-0B18B65AEC55}"/>
                   </a:ext>
                 </a:extLst>
               </p:cNvPr>
@@ -5631,7 +5620,7 @@
                 <p:cNvPr id="49" name="Retângulo: Cantos Arredondados 4">
                   <a:extLst>
                     <a:ext uri="{FF2B5EF4-FFF2-40B4-BE49-F238E27FC236}">
-                      <a16:creationId xmlns:a16="http://schemas.microsoft.com/office/drawing/2014/main" id="{E66D9316-A3B3-4ACB-A8EF-5E6A04FDEDBE}"/>
+                      <a16:creationId xmlns="" xmlns:a16="http://schemas.microsoft.com/office/drawing/2014/main" id="{E66D9316-A3B3-4ACB-A8EF-5E6A04FDEDBE}"/>
                     </a:ext>
                   </a:extLst>
                 </p:cNvPr>
@@ -5682,7 +5671,7 @@
                 <p:cNvPr id="50" name="Retângulo: Cantos Arredondados 5">
                   <a:extLst>
                     <a:ext uri="{FF2B5EF4-FFF2-40B4-BE49-F238E27FC236}">
-                      <a16:creationId xmlns:a16="http://schemas.microsoft.com/office/drawing/2014/main" id="{3BB0CD46-FEF5-484F-B00B-8AACD3B50A33}"/>
+                      <a16:creationId xmlns="" xmlns:a16="http://schemas.microsoft.com/office/drawing/2014/main" id="{3BB0CD46-FEF5-484F-B00B-8AACD3B50A33}"/>
                     </a:ext>
                   </a:extLst>
                 </p:cNvPr>
@@ -5736,7 +5725,7 @@
                 <p:cNvPr id="51" name="Retângulo: Cantos Arredondados 6">
                   <a:extLst>
                     <a:ext uri="{FF2B5EF4-FFF2-40B4-BE49-F238E27FC236}">
-                      <a16:creationId xmlns:a16="http://schemas.microsoft.com/office/drawing/2014/main" id="{E85F8C1C-9843-4F12-916E-04E03BC29388}"/>
+                      <a16:creationId xmlns="" xmlns:a16="http://schemas.microsoft.com/office/drawing/2014/main" id="{E85F8C1C-9843-4F12-916E-04E03BC29388}"/>
                     </a:ext>
                   </a:extLst>
                 </p:cNvPr>
@@ -5790,7 +5779,7 @@
                 <p:cNvPr id="52" name="Forma Livre: Forma 7">
                   <a:extLst>
                     <a:ext uri="{FF2B5EF4-FFF2-40B4-BE49-F238E27FC236}">
-                      <a16:creationId xmlns:a16="http://schemas.microsoft.com/office/drawing/2014/main" id="{4A1469F0-9209-4CF3-9FED-A04E2AA0564B}"/>
+                      <a16:creationId xmlns="" xmlns:a16="http://schemas.microsoft.com/office/drawing/2014/main" id="{4A1469F0-9209-4CF3-9FED-A04E2AA0564B}"/>
                     </a:ext>
                   </a:extLst>
                 </p:cNvPr>
@@ -5921,7 +5910,7 @@
                 <p:cNvPr id="53" name="Retângulo 52">
                   <a:extLst>
                     <a:ext uri="{FF2B5EF4-FFF2-40B4-BE49-F238E27FC236}">
-                      <a16:creationId xmlns:a16="http://schemas.microsoft.com/office/drawing/2014/main" id="{E6DA5428-367C-4E0A-BA15-431C2033AD57}"/>
+                      <a16:creationId xmlns="" xmlns:a16="http://schemas.microsoft.com/office/drawing/2014/main" id="{E6DA5428-367C-4E0A-BA15-431C2033AD57}"/>
                     </a:ext>
                   </a:extLst>
                 </p:cNvPr>
@@ -5973,7 +5962,7 @@
                 <p:cNvPr id="54" name="Retângulo: Cantos Arredondados 9">
                   <a:extLst>
                     <a:ext uri="{FF2B5EF4-FFF2-40B4-BE49-F238E27FC236}">
-                      <a16:creationId xmlns:a16="http://schemas.microsoft.com/office/drawing/2014/main" id="{54DD415C-5764-4345-9885-4F786A9E66A1}"/>
+                      <a16:creationId xmlns="" xmlns:a16="http://schemas.microsoft.com/office/drawing/2014/main" id="{54DD415C-5764-4345-9885-4F786A9E66A1}"/>
                     </a:ext>
                   </a:extLst>
                 </p:cNvPr>
@@ -6027,7 +6016,7 @@
                 <p:cNvPr id="55" name="Retângulo: Cantos Arredondados 10">
                   <a:extLst>
                     <a:ext uri="{FF2B5EF4-FFF2-40B4-BE49-F238E27FC236}">
-                      <a16:creationId xmlns:a16="http://schemas.microsoft.com/office/drawing/2014/main" id="{B62620F7-3C6F-41C3-B72A-DEF26F53097E}"/>
+                      <a16:creationId xmlns="" xmlns:a16="http://schemas.microsoft.com/office/drawing/2014/main" id="{B62620F7-3C6F-41C3-B72A-DEF26F53097E}"/>
                     </a:ext>
                   </a:extLst>
                 </p:cNvPr>
@@ -6082,7 +6071,7 @@
               <p:cNvPr id="41" name="Agrupar 17">
                 <a:extLst>
                   <a:ext uri="{FF2B5EF4-FFF2-40B4-BE49-F238E27FC236}">
-                    <a16:creationId xmlns:a16="http://schemas.microsoft.com/office/drawing/2014/main" id="{BF9D7525-D450-41A6-AEC6-639C61FF69B3}"/>
+                    <a16:creationId xmlns="" xmlns:a16="http://schemas.microsoft.com/office/drawing/2014/main" id="{BF9D7525-D450-41A6-AEC6-639C61FF69B3}"/>
                   </a:ext>
                 </a:extLst>
               </p:cNvPr>
@@ -6102,7 +6091,7 @@
                 <p:cNvPr id="43" name="Forma Livre: Forma 18">
                   <a:extLst>
                     <a:ext uri="{FF2B5EF4-FFF2-40B4-BE49-F238E27FC236}">
-                      <a16:creationId xmlns:a16="http://schemas.microsoft.com/office/drawing/2014/main" id="{7123B068-28FC-4F35-930A-35030509D5D2}"/>
+                      <a16:creationId xmlns="" xmlns:a16="http://schemas.microsoft.com/office/drawing/2014/main" id="{7123B068-28FC-4F35-930A-35030509D5D2}"/>
                     </a:ext>
                   </a:extLst>
                 </p:cNvPr>
@@ -6237,7 +6226,7 @@
                 <p:cNvPr id="44" name="Forma Livre: Forma 19">
                   <a:extLst>
                     <a:ext uri="{FF2B5EF4-FFF2-40B4-BE49-F238E27FC236}">
-                      <a16:creationId xmlns:a16="http://schemas.microsoft.com/office/drawing/2014/main" id="{CD8F2BD2-E622-4D78-AED1-82215A7B1227}"/>
+                      <a16:creationId xmlns="" xmlns:a16="http://schemas.microsoft.com/office/drawing/2014/main" id="{CD8F2BD2-E622-4D78-AED1-82215A7B1227}"/>
                     </a:ext>
                   </a:extLst>
                 </p:cNvPr>
@@ -6372,7 +6361,7 @@
                 <p:cNvPr id="45" name="Elipse 44">
                   <a:extLst>
                     <a:ext uri="{FF2B5EF4-FFF2-40B4-BE49-F238E27FC236}">
-                      <a16:creationId xmlns:a16="http://schemas.microsoft.com/office/drawing/2014/main" id="{F8FE3AD4-33AD-4953-B231-FB2E99DE9DC6}"/>
+                      <a16:creationId xmlns="" xmlns:a16="http://schemas.microsoft.com/office/drawing/2014/main" id="{F8FE3AD4-33AD-4953-B231-FB2E99DE9DC6}"/>
                     </a:ext>
                   </a:extLst>
                 </p:cNvPr>
@@ -6424,7 +6413,7 @@
                 <p:cNvPr id="46" name="Retângulo: Cantos Arredondados 21">
                   <a:extLst>
                     <a:ext uri="{FF2B5EF4-FFF2-40B4-BE49-F238E27FC236}">
-                      <a16:creationId xmlns:a16="http://schemas.microsoft.com/office/drawing/2014/main" id="{F6F3EC36-F458-487C-A1C3-B48BDF57CFFB}"/>
+                      <a16:creationId xmlns="" xmlns:a16="http://schemas.microsoft.com/office/drawing/2014/main" id="{F6F3EC36-F458-487C-A1C3-B48BDF57CFFB}"/>
                     </a:ext>
                   </a:extLst>
                 </p:cNvPr>
@@ -6478,7 +6467,7 @@
                 <p:cNvPr id="47" name="Retângulo: Cantos Arredondados 22">
                   <a:extLst>
                     <a:ext uri="{FF2B5EF4-FFF2-40B4-BE49-F238E27FC236}">
-                      <a16:creationId xmlns:a16="http://schemas.microsoft.com/office/drawing/2014/main" id="{DC83D428-7AAB-4A30-BBC3-259ABBF9F97E}"/>
+                      <a16:creationId xmlns="" xmlns:a16="http://schemas.microsoft.com/office/drawing/2014/main" id="{DC83D428-7AAB-4A30-BBC3-259ABBF9F97E}"/>
                     </a:ext>
                   </a:extLst>
                 </p:cNvPr>
@@ -6532,7 +6521,7 @@
                 <p:cNvPr id="48" name="Retângulo: Cantos Arredondados 23">
                   <a:extLst>
                     <a:ext uri="{FF2B5EF4-FFF2-40B4-BE49-F238E27FC236}">
-                      <a16:creationId xmlns:a16="http://schemas.microsoft.com/office/drawing/2014/main" id="{1DB620D4-4B5B-4410-B70A-BF9DD3CE7D49}"/>
+                      <a16:creationId xmlns="" xmlns:a16="http://schemas.microsoft.com/office/drawing/2014/main" id="{1DB620D4-4B5B-4410-B70A-BF9DD3CE7D49}"/>
                     </a:ext>
                   </a:extLst>
                 </p:cNvPr>
@@ -6587,7 +6576,7 @@
               <p:cNvPr id="42" name="Forma Livre: Forma 24">
                 <a:extLst>
                   <a:ext uri="{FF2B5EF4-FFF2-40B4-BE49-F238E27FC236}">
-                    <a16:creationId xmlns:a16="http://schemas.microsoft.com/office/drawing/2014/main" id="{C23CE8C9-9281-4F3C-BFA0-A519883793D1}"/>
+                    <a16:creationId xmlns="" xmlns:a16="http://schemas.microsoft.com/office/drawing/2014/main" id="{C23CE8C9-9281-4F3C-BFA0-A519883793D1}"/>
                   </a:ext>
                 </a:extLst>
               </p:cNvPr>
@@ -6747,7 +6736,7 @@
             <p:cNvPr id="34" name="Agrupar 11">
               <a:extLst>
                 <a:ext uri="{FF2B5EF4-FFF2-40B4-BE49-F238E27FC236}">
-                  <a16:creationId xmlns:a16="http://schemas.microsoft.com/office/drawing/2014/main" id="{A38E1BB1-6885-4C5F-BC80-8FB963063D91}"/>
+                  <a16:creationId xmlns="" xmlns:a16="http://schemas.microsoft.com/office/drawing/2014/main" id="{A38E1BB1-6885-4C5F-BC80-8FB963063D91}"/>
                 </a:ext>
               </a:extLst>
             </p:cNvPr>
@@ -6767,7 +6756,7 @@
               <p:cNvPr id="38" name="Retângulo: Cantos Arredondados 12">
                 <a:extLst>
                   <a:ext uri="{FF2B5EF4-FFF2-40B4-BE49-F238E27FC236}">
-                    <a16:creationId xmlns:a16="http://schemas.microsoft.com/office/drawing/2014/main" id="{FB316E2E-1EEF-4745-A443-404675B94652}"/>
+                    <a16:creationId xmlns="" xmlns:a16="http://schemas.microsoft.com/office/drawing/2014/main" id="{FB316E2E-1EEF-4745-A443-404675B94652}"/>
                   </a:ext>
                 </a:extLst>
               </p:cNvPr>
@@ -6821,7 +6810,7 @@
               <p:cNvPr id="39" name="Retângulo: Cantos Arredondados 13">
                 <a:extLst>
                   <a:ext uri="{FF2B5EF4-FFF2-40B4-BE49-F238E27FC236}">
-                    <a16:creationId xmlns:a16="http://schemas.microsoft.com/office/drawing/2014/main" id="{6B78E24C-A0D7-4291-AB8C-EFA1FE062443}"/>
+                    <a16:creationId xmlns="" xmlns:a16="http://schemas.microsoft.com/office/drawing/2014/main" id="{6B78E24C-A0D7-4291-AB8C-EFA1FE062443}"/>
                   </a:ext>
                 </a:extLst>
               </p:cNvPr>
@@ -6876,7 +6865,7 @@
             <p:cNvPr id="35" name="Agrupar 14">
               <a:extLst>
                 <a:ext uri="{FF2B5EF4-FFF2-40B4-BE49-F238E27FC236}">
-                  <a16:creationId xmlns:a16="http://schemas.microsoft.com/office/drawing/2014/main" id="{5A97E5FB-68B1-476D-8E5A-0E41A294BD7C}"/>
+                  <a16:creationId xmlns="" xmlns:a16="http://schemas.microsoft.com/office/drawing/2014/main" id="{5A97E5FB-68B1-476D-8E5A-0E41A294BD7C}"/>
                 </a:ext>
               </a:extLst>
             </p:cNvPr>
@@ -6896,7 +6885,7 @@
               <p:cNvPr id="36" name="Retângulo: Cantos Arredondados 15">
                 <a:extLst>
                   <a:ext uri="{FF2B5EF4-FFF2-40B4-BE49-F238E27FC236}">
-                    <a16:creationId xmlns:a16="http://schemas.microsoft.com/office/drawing/2014/main" id="{2CC42DB6-340E-48D0-B0E8-4E4C98241841}"/>
+                    <a16:creationId xmlns="" xmlns:a16="http://schemas.microsoft.com/office/drawing/2014/main" id="{2CC42DB6-340E-48D0-B0E8-4E4C98241841}"/>
                   </a:ext>
                 </a:extLst>
               </p:cNvPr>
@@ -6950,7 +6939,7 @@
               <p:cNvPr id="37" name="Retângulo: Cantos Arredondados 16">
                 <a:extLst>
                   <a:ext uri="{FF2B5EF4-FFF2-40B4-BE49-F238E27FC236}">
-                    <a16:creationId xmlns:a16="http://schemas.microsoft.com/office/drawing/2014/main" id="{B36299D4-C2BF-48F1-A2DA-B46EA1626AE6}"/>
+                    <a16:creationId xmlns="" xmlns:a16="http://schemas.microsoft.com/office/drawing/2014/main" id="{B36299D4-C2BF-48F1-A2DA-B46EA1626AE6}"/>
                   </a:ext>
                 </a:extLst>
               </p:cNvPr>
@@ -7006,7 +6995,7 @@
           <p:cNvPr id="56" name="Retângulo 55">
             <a:extLst>
               <a:ext uri="{FF2B5EF4-FFF2-40B4-BE49-F238E27FC236}">
-                <a16:creationId xmlns:a16="http://schemas.microsoft.com/office/drawing/2014/main" id="{D8AC7571-E85D-4456-B744-F77CE6F5E81D}"/>
+                <a16:creationId xmlns="" xmlns:a16="http://schemas.microsoft.com/office/drawing/2014/main" id="{D8AC7571-E85D-4456-B744-F77CE6F5E81D}"/>
               </a:ext>
             </a:extLst>
           </p:cNvPr>
@@ -7058,7 +7047,7 @@
           <p:cNvPr id="57" name="Forma Livre: Forma 56">
             <a:extLst>
               <a:ext uri="{FF2B5EF4-FFF2-40B4-BE49-F238E27FC236}">
-                <a16:creationId xmlns:a16="http://schemas.microsoft.com/office/drawing/2014/main" id="{7D71645D-3720-46B4-906A-77B3DCA09413}"/>
+                <a16:creationId xmlns="" xmlns:a16="http://schemas.microsoft.com/office/drawing/2014/main" id="{7D71645D-3720-46B4-906A-77B3DCA09413}"/>
               </a:ext>
             </a:extLst>
           </p:cNvPr>
@@ -7225,7 +7214,7 @@
           <p:cNvPr id="58" name="Forma Livre: Forma 57">
             <a:extLst>
               <a:ext uri="{FF2B5EF4-FFF2-40B4-BE49-F238E27FC236}">
-                <a16:creationId xmlns:a16="http://schemas.microsoft.com/office/drawing/2014/main" id="{DC2402AA-236D-4FC6-8E69-ED6CA3309311}"/>
+                <a16:creationId xmlns="" xmlns:a16="http://schemas.microsoft.com/office/drawing/2014/main" id="{DC2402AA-236D-4FC6-8E69-ED6CA3309311}"/>
               </a:ext>
             </a:extLst>
           </p:cNvPr>
@@ -7377,7 +7366,7 @@
           <p:cNvPr id="59" name="Forma Livre: Forma 58">
             <a:extLst>
               <a:ext uri="{FF2B5EF4-FFF2-40B4-BE49-F238E27FC236}">
-                <a16:creationId xmlns:a16="http://schemas.microsoft.com/office/drawing/2014/main" id="{0135304F-892B-46B0-82FB-51DF19A7C1C6}"/>
+                <a16:creationId xmlns="" xmlns:a16="http://schemas.microsoft.com/office/drawing/2014/main" id="{0135304F-892B-46B0-82FB-51DF19A7C1C6}"/>
               </a:ext>
             </a:extLst>
           </p:cNvPr>
@@ -7675,7 +7664,7 @@
           <p:cNvPr id="60" name="Agrupar 59">
             <a:extLst>
               <a:ext uri="{FF2B5EF4-FFF2-40B4-BE49-F238E27FC236}">
-                <a16:creationId xmlns:a16="http://schemas.microsoft.com/office/drawing/2014/main" id="{CC338A4C-D285-4858-AEAF-DC77DD59A4E9}"/>
+                <a16:creationId xmlns="" xmlns:a16="http://schemas.microsoft.com/office/drawing/2014/main" id="{CC338A4C-D285-4858-AEAF-DC77DD59A4E9}"/>
               </a:ext>
             </a:extLst>
           </p:cNvPr>
@@ -7698,7 +7687,7 @@
             <p:cNvPr id="61" name="Cruz 60">
               <a:extLst>
                 <a:ext uri="{FF2B5EF4-FFF2-40B4-BE49-F238E27FC236}">
-                  <a16:creationId xmlns:a16="http://schemas.microsoft.com/office/drawing/2014/main" id="{E0752C28-BE77-49DE-A3C9-BDFFD6B7374B}"/>
+                  <a16:creationId xmlns="" xmlns:a16="http://schemas.microsoft.com/office/drawing/2014/main" id="{E0752C28-BE77-49DE-A3C9-BDFFD6B7374B}"/>
                 </a:ext>
               </a:extLst>
             </p:cNvPr>
@@ -7750,7 +7739,7 @@
             <p:cNvPr id="62" name="Cruz 61">
               <a:extLst>
                 <a:ext uri="{FF2B5EF4-FFF2-40B4-BE49-F238E27FC236}">
-                  <a16:creationId xmlns:a16="http://schemas.microsoft.com/office/drawing/2014/main" id="{FBEE2578-9C27-4785-863E-21CB3CF2C8EC}"/>
+                  <a16:creationId xmlns="" xmlns:a16="http://schemas.microsoft.com/office/drawing/2014/main" id="{FBEE2578-9C27-4785-863E-21CB3CF2C8EC}"/>
                 </a:ext>
               </a:extLst>
             </p:cNvPr>
@@ -7802,7 +7791,7 @@
             <p:cNvPr id="63" name="Cruz 62">
               <a:extLst>
                 <a:ext uri="{FF2B5EF4-FFF2-40B4-BE49-F238E27FC236}">
-                  <a16:creationId xmlns:a16="http://schemas.microsoft.com/office/drawing/2014/main" id="{E27B02EC-7E26-4778-81D8-4476D30931B3}"/>
+                  <a16:creationId xmlns="" xmlns:a16="http://schemas.microsoft.com/office/drawing/2014/main" id="{E27B02EC-7E26-4778-81D8-4476D30931B3}"/>
                 </a:ext>
               </a:extLst>
             </p:cNvPr>
@@ -7854,7 +7843,7 @@
             <p:cNvPr id="64" name="Grupo 19">
               <a:extLst>
                 <a:ext uri="{FF2B5EF4-FFF2-40B4-BE49-F238E27FC236}">
-                  <a16:creationId xmlns:a16="http://schemas.microsoft.com/office/drawing/2014/main" id="{4E18CC5B-41D4-43E9-AC9E-DF05A3C840EF}"/>
+                  <a16:creationId xmlns="" xmlns:a16="http://schemas.microsoft.com/office/drawing/2014/main" id="{4E18CC5B-41D4-43E9-AC9E-DF05A3C840EF}"/>
                 </a:ext>
               </a:extLst>
             </p:cNvPr>
@@ -7875,7 +7864,7 @@
               <p:cNvPr id="65" name="Cruz 64">
                 <a:extLst>
                   <a:ext uri="{FF2B5EF4-FFF2-40B4-BE49-F238E27FC236}">
-                    <a16:creationId xmlns:a16="http://schemas.microsoft.com/office/drawing/2014/main" id="{A6CE64CC-7D77-491D-998A-3AF503AD17F7}"/>
+                    <a16:creationId xmlns="" xmlns:a16="http://schemas.microsoft.com/office/drawing/2014/main" id="{A6CE64CC-7D77-491D-998A-3AF503AD17F7}"/>
                   </a:ext>
                 </a:extLst>
               </p:cNvPr>
@@ -7927,7 +7916,7 @@
               <p:cNvPr id="66" name="Cruz 65">
                 <a:extLst>
                   <a:ext uri="{FF2B5EF4-FFF2-40B4-BE49-F238E27FC236}">
-                    <a16:creationId xmlns:a16="http://schemas.microsoft.com/office/drawing/2014/main" id="{24A77E00-E6B6-4BDB-9D02-198FF5F97182}"/>
+                    <a16:creationId xmlns="" xmlns:a16="http://schemas.microsoft.com/office/drawing/2014/main" id="{24A77E00-E6B6-4BDB-9D02-198FF5F97182}"/>
                   </a:ext>
                 </a:extLst>
               </p:cNvPr>
@@ -7981,7 +7970,7 @@
           <p:cNvPr id="67" name="Grupo 1">
             <a:extLst>
               <a:ext uri="{FF2B5EF4-FFF2-40B4-BE49-F238E27FC236}">
-                <a16:creationId xmlns:a16="http://schemas.microsoft.com/office/drawing/2014/main" id="{D8CE6C4D-E74E-4309-B685-542C7BB10E4F}"/>
+                <a16:creationId xmlns="" xmlns:a16="http://schemas.microsoft.com/office/drawing/2014/main" id="{D8CE6C4D-E74E-4309-B685-542C7BB10E4F}"/>
               </a:ext>
             </a:extLst>
           </p:cNvPr>
@@ -8001,7 +7990,7 @@
             <p:cNvPr id="68" name="Retângulo 67">
               <a:extLst>
                 <a:ext uri="{FF2B5EF4-FFF2-40B4-BE49-F238E27FC236}">
-                  <a16:creationId xmlns:a16="http://schemas.microsoft.com/office/drawing/2014/main" id="{5D44BDC9-6D46-447D-A353-16CA88820C3F}"/>
+                  <a16:creationId xmlns="" xmlns:a16="http://schemas.microsoft.com/office/drawing/2014/main" id="{5D44BDC9-6D46-447D-A353-16CA88820C3F}"/>
                 </a:ext>
               </a:extLst>
             </p:cNvPr>
@@ -8053,7 +8042,7 @@
             <p:cNvPr id="69" name="Triângulo Retângulo 68">
               <a:extLst>
                 <a:ext uri="{FF2B5EF4-FFF2-40B4-BE49-F238E27FC236}">
-                  <a16:creationId xmlns:a16="http://schemas.microsoft.com/office/drawing/2014/main" id="{B310C7AE-31A3-4C21-B6BF-AB9AEADB422C}"/>
+                  <a16:creationId xmlns="" xmlns:a16="http://schemas.microsoft.com/office/drawing/2014/main" id="{B310C7AE-31A3-4C21-B6BF-AB9AEADB422C}"/>
                 </a:ext>
               </a:extLst>
             </p:cNvPr>
@@ -8106,7 +8095,7 @@
           <p:cNvPr id="70" name="Grupo 10">
             <a:extLst>
               <a:ext uri="{FF2B5EF4-FFF2-40B4-BE49-F238E27FC236}">
-                <a16:creationId xmlns:a16="http://schemas.microsoft.com/office/drawing/2014/main" id="{99EEEA5F-E2F1-45A4-B7C2-C2CBF37059D1}"/>
+                <a16:creationId xmlns="" xmlns:a16="http://schemas.microsoft.com/office/drawing/2014/main" id="{99EEEA5F-E2F1-45A4-B7C2-C2CBF37059D1}"/>
               </a:ext>
             </a:extLst>
           </p:cNvPr>
@@ -8126,7 +8115,7 @@
             <p:cNvPr id="71" name="Agrupar 3">
               <a:extLst>
                 <a:ext uri="{FF2B5EF4-FFF2-40B4-BE49-F238E27FC236}">
-                  <a16:creationId xmlns:a16="http://schemas.microsoft.com/office/drawing/2014/main" id="{A9D17EA6-23C7-4156-8800-DE4A6953119C}"/>
+                  <a16:creationId xmlns="" xmlns:a16="http://schemas.microsoft.com/office/drawing/2014/main" id="{A9D17EA6-23C7-4156-8800-DE4A6953119C}"/>
                 </a:ext>
               </a:extLst>
             </p:cNvPr>
@@ -8146,7 +8135,7 @@
               <p:cNvPr id="82" name="Retângulo: Cantos Arredondados 4">
                 <a:extLst>
                   <a:ext uri="{FF2B5EF4-FFF2-40B4-BE49-F238E27FC236}">
-                    <a16:creationId xmlns:a16="http://schemas.microsoft.com/office/drawing/2014/main" id="{63EB42B2-0F3A-425E-BFCE-70D1A98EC107}"/>
+                    <a16:creationId xmlns="" xmlns:a16="http://schemas.microsoft.com/office/drawing/2014/main" id="{63EB42B2-0F3A-425E-BFCE-70D1A98EC107}"/>
                   </a:ext>
                 </a:extLst>
               </p:cNvPr>
@@ -8197,7 +8186,7 @@
               <p:cNvPr id="83" name="Retângulo: Cantos Arredondados 5">
                 <a:extLst>
                   <a:ext uri="{FF2B5EF4-FFF2-40B4-BE49-F238E27FC236}">
-                    <a16:creationId xmlns:a16="http://schemas.microsoft.com/office/drawing/2014/main" id="{BCE010C6-6204-41FB-8D12-6D5DF55AE178}"/>
+                    <a16:creationId xmlns="" xmlns:a16="http://schemas.microsoft.com/office/drawing/2014/main" id="{BCE010C6-6204-41FB-8D12-6D5DF55AE178}"/>
                   </a:ext>
                 </a:extLst>
               </p:cNvPr>
@@ -8251,7 +8240,7 @@
               <p:cNvPr id="84" name="Retângulo: Cantos Arredondados 6">
                 <a:extLst>
                   <a:ext uri="{FF2B5EF4-FFF2-40B4-BE49-F238E27FC236}">
-                    <a16:creationId xmlns:a16="http://schemas.microsoft.com/office/drawing/2014/main" id="{7F0BFC9B-E2A1-44FB-BAF0-92F749AE5FBF}"/>
+                    <a16:creationId xmlns="" xmlns:a16="http://schemas.microsoft.com/office/drawing/2014/main" id="{7F0BFC9B-E2A1-44FB-BAF0-92F749AE5FBF}"/>
                   </a:ext>
                 </a:extLst>
               </p:cNvPr>
@@ -8305,7 +8294,7 @@
               <p:cNvPr id="85" name="Forma Livre: Forma 7">
                 <a:extLst>
                   <a:ext uri="{FF2B5EF4-FFF2-40B4-BE49-F238E27FC236}">
-                    <a16:creationId xmlns:a16="http://schemas.microsoft.com/office/drawing/2014/main" id="{ECDF7175-5DCC-49F5-A7A1-4BD6CB428D9B}"/>
+                    <a16:creationId xmlns="" xmlns:a16="http://schemas.microsoft.com/office/drawing/2014/main" id="{ECDF7175-5DCC-49F5-A7A1-4BD6CB428D9B}"/>
                   </a:ext>
                 </a:extLst>
               </p:cNvPr>
@@ -8436,7 +8425,7 @@
               <p:cNvPr id="86" name="Retângulo 85">
                 <a:extLst>
                   <a:ext uri="{FF2B5EF4-FFF2-40B4-BE49-F238E27FC236}">
-                    <a16:creationId xmlns:a16="http://schemas.microsoft.com/office/drawing/2014/main" id="{4FEEBD15-85B2-4553-9382-B4F27A7213D4}"/>
+                    <a16:creationId xmlns="" xmlns:a16="http://schemas.microsoft.com/office/drawing/2014/main" id="{4FEEBD15-85B2-4553-9382-B4F27A7213D4}"/>
                   </a:ext>
                 </a:extLst>
               </p:cNvPr>
@@ -8488,7 +8477,7 @@
               <p:cNvPr id="87" name="Retângulo: Cantos Arredondados 9">
                 <a:extLst>
                   <a:ext uri="{FF2B5EF4-FFF2-40B4-BE49-F238E27FC236}">
-                    <a16:creationId xmlns:a16="http://schemas.microsoft.com/office/drawing/2014/main" id="{821A7BD2-70DB-4975-9098-B9B74522A62C}"/>
+                    <a16:creationId xmlns="" xmlns:a16="http://schemas.microsoft.com/office/drawing/2014/main" id="{821A7BD2-70DB-4975-9098-B9B74522A62C}"/>
                   </a:ext>
                 </a:extLst>
               </p:cNvPr>
@@ -8542,7 +8531,7 @@
               <p:cNvPr id="88" name="Retângulo: Cantos Arredondados 10">
                 <a:extLst>
                   <a:ext uri="{FF2B5EF4-FFF2-40B4-BE49-F238E27FC236}">
-                    <a16:creationId xmlns:a16="http://schemas.microsoft.com/office/drawing/2014/main" id="{7FC189FD-3A5D-4564-8CFF-60C4118E1B05}"/>
+                    <a16:creationId xmlns="" xmlns:a16="http://schemas.microsoft.com/office/drawing/2014/main" id="{7FC189FD-3A5D-4564-8CFF-60C4118E1B05}"/>
                   </a:ext>
                 </a:extLst>
               </p:cNvPr>
@@ -8597,7 +8586,7 @@
             <p:cNvPr id="72" name="Agrupar 17">
               <a:extLst>
                 <a:ext uri="{FF2B5EF4-FFF2-40B4-BE49-F238E27FC236}">
-                  <a16:creationId xmlns:a16="http://schemas.microsoft.com/office/drawing/2014/main" id="{3CF44AD6-E89C-4147-A9A6-746458B05328}"/>
+                  <a16:creationId xmlns="" xmlns:a16="http://schemas.microsoft.com/office/drawing/2014/main" id="{3CF44AD6-E89C-4147-A9A6-746458B05328}"/>
                 </a:ext>
               </a:extLst>
             </p:cNvPr>
@@ -8617,7 +8606,7 @@
               <p:cNvPr id="76" name="Forma Livre: Forma 18">
                 <a:extLst>
                   <a:ext uri="{FF2B5EF4-FFF2-40B4-BE49-F238E27FC236}">
-                    <a16:creationId xmlns:a16="http://schemas.microsoft.com/office/drawing/2014/main" id="{56D4948E-446E-493A-86E9-A16E4BB950A7}"/>
+                    <a16:creationId xmlns="" xmlns:a16="http://schemas.microsoft.com/office/drawing/2014/main" id="{56D4948E-446E-493A-86E9-A16E4BB950A7}"/>
                   </a:ext>
                 </a:extLst>
               </p:cNvPr>
@@ -8752,7 +8741,7 @@
               <p:cNvPr id="77" name="Forma Livre: Forma 19">
                 <a:extLst>
                   <a:ext uri="{FF2B5EF4-FFF2-40B4-BE49-F238E27FC236}">
-                    <a16:creationId xmlns:a16="http://schemas.microsoft.com/office/drawing/2014/main" id="{2F325523-E94D-49A3-801F-88F26C75EFA3}"/>
+                    <a16:creationId xmlns="" xmlns:a16="http://schemas.microsoft.com/office/drawing/2014/main" id="{2F325523-E94D-49A3-801F-88F26C75EFA3}"/>
                   </a:ext>
                 </a:extLst>
               </p:cNvPr>
@@ -8887,7 +8876,7 @@
               <p:cNvPr id="78" name="Elipse 77">
                 <a:extLst>
                   <a:ext uri="{FF2B5EF4-FFF2-40B4-BE49-F238E27FC236}">
-                    <a16:creationId xmlns:a16="http://schemas.microsoft.com/office/drawing/2014/main" id="{702C186F-3286-4B62-A1BB-74C5D56D57C8}"/>
+                    <a16:creationId xmlns="" xmlns:a16="http://schemas.microsoft.com/office/drawing/2014/main" id="{702C186F-3286-4B62-A1BB-74C5D56D57C8}"/>
                   </a:ext>
                 </a:extLst>
               </p:cNvPr>
@@ -8939,7 +8928,7 @@
               <p:cNvPr id="79" name="Retângulo: Cantos Arredondados 21">
                 <a:extLst>
                   <a:ext uri="{FF2B5EF4-FFF2-40B4-BE49-F238E27FC236}">
-                    <a16:creationId xmlns:a16="http://schemas.microsoft.com/office/drawing/2014/main" id="{00D0C1D8-B0B3-4F01-BCC1-DD1265B6E421}"/>
+                    <a16:creationId xmlns="" xmlns:a16="http://schemas.microsoft.com/office/drawing/2014/main" id="{00D0C1D8-B0B3-4F01-BCC1-DD1265B6E421}"/>
                   </a:ext>
                 </a:extLst>
               </p:cNvPr>
@@ -8993,7 +8982,7 @@
               <p:cNvPr id="80" name="Retângulo: Cantos Arredondados 22">
                 <a:extLst>
                   <a:ext uri="{FF2B5EF4-FFF2-40B4-BE49-F238E27FC236}">
-                    <a16:creationId xmlns:a16="http://schemas.microsoft.com/office/drawing/2014/main" id="{3FA261CF-F0FF-4D5B-B776-B0A9ABA4B59F}"/>
+                    <a16:creationId xmlns="" xmlns:a16="http://schemas.microsoft.com/office/drawing/2014/main" id="{3FA261CF-F0FF-4D5B-B776-B0A9ABA4B59F}"/>
                   </a:ext>
                 </a:extLst>
               </p:cNvPr>
@@ -9047,7 +9036,7 @@
               <p:cNvPr id="81" name="Retângulo: Cantos Arredondados 23">
                 <a:extLst>
                   <a:ext uri="{FF2B5EF4-FFF2-40B4-BE49-F238E27FC236}">
-                    <a16:creationId xmlns:a16="http://schemas.microsoft.com/office/drawing/2014/main" id="{4452907C-B340-4C1F-A251-08A54DA61908}"/>
+                    <a16:creationId xmlns="" xmlns:a16="http://schemas.microsoft.com/office/drawing/2014/main" id="{4452907C-B340-4C1F-A251-08A54DA61908}"/>
                   </a:ext>
                 </a:extLst>
               </p:cNvPr>
@@ -9102,7 +9091,7 @@
             <p:cNvPr id="73" name="Forma Livre: Forma 24">
               <a:extLst>
                 <a:ext uri="{FF2B5EF4-FFF2-40B4-BE49-F238E27FC236}">
-                  <a16:creationId xmlns:a16="http://schemas.microsoft.com/office/drawing/2014/main" id="{9DD6F43F-BEF8-4D80-A095-5502413BFFFA}"/>
+                  <a16:creationId xmlns="" xmlns:a16="http://schemas.microsoft.com/office/drawing/2014/main" id="{9DD6F43F-BEF8-4D80-A095-5502413BFFFA}"/>
                 </a:ext>
               </a:extLst>
             </p:cNvPr>
@@ -9261,7 +9250,7 @@
             <p:cNvPr id="74" name="Retângulo de cantos arredondados 6">
               <a:extLst>
                 <a:ext uri="{FF2B5EF4-FFF2-40B4-BE49-F238E27FC236}">
-                  <a16:creationId xmlns:a16="http://schemas.microsoft.com/office/drawing/2014/main" id="{46E4EBC0-C7EF-41D0-8A15-1406A7C4F5BF}"/>
+                  <a16:creationId xmlns="" xmlns:a16="http://schemas.microsoft.com/office/drawing/2014/main" id="{46E4EBC0-C7EF-41D0-8A15-1406A7C4F5BF}"/>
                 </a:ext>
               </a:extLst>
             </p:cNvPr>
@@ -9348,7 +9337,7 @@
             <p:cNvPr id="75" name="Retângulo de cantos arredondados 6">
               <a:extLst>
                 <a:ext uri="{FF2B5EF4-FFF2-40B4-BE49-F238E27FC236}">
-                  <a16:creationId xmlns:a16="http://schemas.microsoft.com/office/drawing/2014/main" id="{FFE812F1-74EC-4F1D-9686-17C5F3402F11}"/>
+                  <a16:creationId xmlns="" xmlns:a16="http://schemas.microsoft.com/office/drawing/2014/main" id="{FFE812F1-74EC-4F1D-9686-17C5F3402F11}"/>
                 </a:ext>
               </a:extLst>
             </p:cNvPr>
@@ -10470,7 +10459,7 @@
           <p:cNvPr id="9" name="Retângulo 8">
             <a:extLst>
               <a:ext uri="{FF2B5EF4-FFF2-40B4-BE49-F238E27FC236}">
-                <a16:creationId xmlns:a16="http://schemas.microsoft.com/office/drawing/2014/main" id="{C54D026B-CAC2-48B0-B1DE-B150AF20C06D}"/>
+                <a16:creationId xmlns="" xmlns:a16="http://schemas.microsoft.com/office/drawing/2014/main" id="{C54D026B-CAC2-48B0-B1DE-B150AF20C06D}"/>
               </a:ext>
             </a:extLst>
           </p:cNvPr>
@@ -10522,7 +10511,7 @@
           <p:cNvPr id="14" name="Retângulo 13">
             <a:extLst>
               <a:ext uri="{FF2B5EF4-FFF2-40B4-BE49-F238E27FC236}">
-                <a16:creationId xmlns:a16="http://schemas.microsoft.com/office/drawing/2014/main" id="{B5100106-EBB5-428E-8F83-8D2748F7E67D}"/>
+                <a16:creationId xmlns="" xmlns:a16="http://schemas.microsoft.com/office/drawing/2014/main" id="{B5100106-EBB5-428E-8F83-8D2748F7E67D}"/>
               </a:ext>
             </a:extLst>
           </p:cNvPr>
@@ -10574,7 +10563,7 @@
           <p:cNvPr id="15" name="Retângulo 14">
             <a:extLst>
               <a:ext uri="{FF2B5EF4-FFF2-40B4-BE49-F238E27FC236}">
-                <a16:creationId xmlns:a16="http://schemas.microsoft.com/office/drawing/2014/main" id="{2FBCBB79-CFF5-49F5-96A8-2CDB6DCDAAB1}"/>
+                <a16:creationId xmlns="" xmlns:a16="http://schemas.microsoft.com/office/drawing/2014/main" id="{2FBCBB79-CFF5-49F5-96A8-2CDB6DCDAAB1}"/>
               </a:ext>
             </a:extLst>
           </p:cNvPr>
@@ -11170,7 +11159,7 @@
           <p:cNvPr id="18" name="Agrupar 17">
             <a:extLst>
               <a:ext uri="{FF2B5EF4-FFF2-40B4-BE49-F238E27FC236}">
-                <a16:creationId xmlns:a16="http://schemas.microsoft.com/office/drawing/2014/main" id="{7E3865F9-12B1-4183-AB47-2BB2BC2C3990}"/>
+                <a16:creationId xmlns="" xmlns:a16="http://schemas.microsoft.com/office/drawing/2014/main" id="{7E3865F9-12B1-4183-AB47-2BB2BC2C3990}"/>
               </a:ext>
             </a:extLst>
           </p:cNvPr>
@@ -11193,7 +11182,7 @@
             <p:cNvPr id="4" name="Retângulo 3">
               <a:extLst>
                 <a:ext uri="{FF2B5EF4-FFF2-40B4-BE49-F238E27FC236}">
-                  <a16:creationId xmlns:a16="http://schemas.microsoft.com/office/drawing/2014/main" id="{163BC121-9EA3-45AC-8D66-7A524009522D}"/>
+                  <a16:creationId xmlns="" xmlns:a16="http://schemas.microsoft.com/office/drawing/2014/main" id="{163BC121-9EA3-45AC-8D66-7A524009522D}"/>
                 </a:ext>
               </a:extLst>
             </p:cNvPr>
@@ -11243,7 +11232,7 @@
             <p:cNvPr id="5" name="Forma Livre: Forma 4">
               <a:extLst>
                 <a:ext uri="{FF2B5EF4-FFF2-40B4-BE49-F238E27FC236}">
-                  <a16:creationId xmlns:a16="http://schemas.microsoft.com/office/drawing/2014/main" id="{7D28F622-EBB7-4379-A25A-4A31EB26705E}"/>
+                  <a16:creationId xmlns="" xmlns:a16="http://schemas.microsoft.com/office/drawing/2014/main" id="{7D28F622-EBB7-4379-A25A-4A31EB26705E}"/>
                 </a:ext>
               </a:extLst>
             </p:cNvPr>
@@ -11408,7 +11397,7 @@
             <p:cNvPr id="6" name="Forma Livre: Forma 5">
               <a:extLst>
                 <a:ext uri="{FF2B5EF4-FFF2-40B4-BE49-F238E27FC236}">
-                  <a16:creationId xmlns:a16="http://schemas.microsoft.com/office/drawing/2014/main" id="{73E2DD77-ABE3-4AB6-8064-8A1897BC33FA}"/>
+                  <a16:creationId xmlns="" xmlns:a16="http://schemas.microsoft.com/office/drawing/2014/main" id="{73E2DD77-ABE3-4AB6-8064-8A1897BC33FA}"/>
                 </a:ext>
               </a:extLst>
             </p:cNvPr>
@@ -11558,7 +11547,7 @@
             <p:cNvPr id="7" name="Forma Livre: Forma 6">
               <a:extLst>
                 <a:ext uri="{FF2B5EF4-FFF2-40B4-BE49-F238E27FC236}">
-                  <a16:creationId xmlns:a16="http://schemas.microsoft.com/office/drawing/2014/main" id="{91383EB5-3876-4052-BCEB-546922009605}"/>
+                  <a16:creationId xmlns="" xmlns:a16="http://schemas.microsoft.com/office/drawing/2014/main" id="{91383EB5-3876-4052-BCEB-546922009605}"/>
                 </a:ext>
               </a:extLst>
             </p:cNvPr>
@@ -11854,7 +11843,7 @@
             <p:cNvPr id="8" name="Agrupar 7">
               <a:extLst>
                 <a:ext uri="{FF2B5EF4-FFF2-40B4-BE49-F238E27FC236}">
-                  <a16:creationId xmlns:a16="http://schemas.microsoft.com/office/drawing/2014/main" id="{B6C0F07C-BBFD-412D-8714-29C6E5CDE20C}"/>
+                  <a16:creationId xmlns="" xmlns:a16="http://schemas.microsoft.com/office/drawing/2014/main" id="{B6C0F07C-BBFD-412D-8714-29C6E5CDE20C}"/>
                 </a:ext>
               </a:extLst>
             </p:cNvPr>
@@ -11875,7 +11864,7 @@
               <p:cNvPr id="9" name="Cruz 8">
                 <a:extLst>
                   <a:ext uri="{FF2B5EF4-FFF2-40B4-BE49-F238E27FC236}">
-                    <a16:creationId xmlns:a16="http://schemas.microsoft.com/office/drawing/2014/main" id="{EFF07702-2113-4215-A608-8E3F9F0574E7}"/>
+                    <a16:creationId xmlns="" xmlns:a16="http://schemas.microsoft.com/office/drawing/2014/main" id="{EFF07702-2113-4215-A608-8E3F9F0574E7}"/>
                   </a:ext>
                 </a:extLst>
               </p:cNvPr>
@@ -11927,7 +11916,7 @@
               <p:cNvPr id="10" name="Cruz 9">
                 <a:extLst>
                   <a:ext uri="{FF2B5EF4-FFF2-40B4-BE49-F238E27FC236}">
-                    <a16:creationId xmlns:a16="http://schemas.microsoft.com/office/drawing/2014/main" id="{600E30CD-9F47-4B8F-9131-2AB2B1142669}"/>
+                    <a16:creationId xmlns="" xmlns:a16="http://schemas.microsoft.com/office/drawing/2014/main" id="{600E30CD-9F47-4B8F-9131-2AB2B1142669}"/>
                   </a:ext>
                 </a:extLst>
               </p:cNvPr>
@@ -11979,7 +11968,7 @@
               <p:cNvPr id="11" name="Cruz 10">
                 <a:extLst>
                   <a:ext uri="{FF2B5EF4-FFF2-40B4-BE49-F238E27FC236}">
-                    <a16:creationId xmlns:a16="http://schemas.microsoft.com/office/drawing/2014/main" id="{E2C6690A-3716-4B87-9BD5-58DB353DDE94}"/>
+                    <a16:creationId xmlns="" xmlns:a16="http://schemas.microsoft.com/office/drawing/2014/main" id="{E2C6690A-3716-4B87-9BD5-58DB353DDE94}"/>
                   </a:ext>
                 </a:extLst>
               </p:cNvPr>
@@ -12031,7 +12020,7 @@
               <p:cNvPr id="12" name="Grupo 19">
                 <a:extLst>
                   <a:ext uri="{FF2B5EF4-FFF2-40B4-BE49-F238E27FC236}">
-                    <a16:creationId xmlns:a16="http://schemas.microsoft.com/office/drawing/2014/main" id="{806100E0-936B-4250-AD2B-3E03C0765463}"/>
+                    <a16:creationId xmlns="" xmlns:a16="http://schemas.microsoft.com/office/drawing/2014/main" id="{806100E0-936B-4250-AD2B-3E03C0765463}"/>
                   </a:ext>
                 </a:extLst>
               </p:cNvPr>
@@ -12052,7 +12041,7 @@
                 <p:cNvPr id="13" name="Cruz 12">
                   <a:extLst>
                     <a:ext uri="{FF2B5EF4-FFF2-40B4-BE49-F238E27FC236}">
-                      <a16:creationId xmlns:a16="http://schemas.microsoft.com/office/drawing/2014/main" id="{12227CAC-73C7-4F77-B416-F5950FE07997}"/>
+                      <a16:creationId xmlns="" xmlns:a16="http://schemas.microsoft.com/office/drawing/2014/main" id="{12227CAC-73C7-4F77-B416-F5950FE07997}"/>
                     </a:ext>
                   </a:extLst>
                 </p:cNvPr>
@@ -12104,7 +12093,7 @@
                 <p:cNvPr id="14" name="Cruz 13">
                   <a:extLst>
                     <a:ext uri="{FF2B5EF4-FFF2-40B4-BE49-F238E27FC236}">
-                      <a16:creationId xmlns:a16="http://schemas.microsoft.com/office/drawing/2014/main" id="{B0E61E89-7F3D-422D-9164-7C9D09A06689}"/>
+                      <a16:creationId xmlns="" xmlns:a16="http://schemas.microsoft.com/office/drawing/2014/main" id="{B0E61E89-7F3D-422D-9164-7C9D09A06689}"/>
                     </a:ext>
                   </a:extLst>
                 </p:cNvPr>
@@ -12158,7 +12147,7 @@
             <p:cNvPr id="15" name="Grupo 1">
               <a:extLst>
                 <a:ext uri="{FF2B5EF4-FFF2-40B4-BE49-F238E27FC236}">
-                  <a16:creationId xmlns:a16="http://schemas.microsoft.com/office/drawing/2014/main" id="{40067425-BE84-4A51-B659-7BDA91520B0C}"/>
+                  <a16:creationId xmlns="" xmlns:a16="http://schemas.microsoft.com/office/drawing/2014/main" id="{40067425-BE84-4A51-B659-7BDA91520B0C}"/>
                 </a:ext>
               </a:extLst>
             </p:cNvPr>
@@ -12179,7 +12168,7 @@
               <p:cNvPr id="16" name="Retângulo 15">
                 <a:extLst>
                   <a:ext uri="{FF2B5EF4-FFF2-40B4-BE49-F238E27FC236}">
-                    <a16:creationId xmlns:a16="http://schemas.microsoft.com/office/drawing/2014/main" id="{43AC0D77-9687-4479-8573-23578652E6A5}"/>
+                    <a16:creationId xmlns="" xmlns:a16="http://schemas.microsoft.com/office/drawing/2014/main" id="{43AC0D77-9687-4479-8573-23578652E6A5}"/>
                   </a:ext>
                 </a:extLst>
               </p:cNvPr>
@@ -12229,7 +12218,7 @@
               <p:cNvPr id="17" name="Triângulo Retângulo 16">
                 <a:extLst>
                   <a:ext uri="{FF2B5EF4-FFF2-40B4-BE49-F238E27FC236}">
-                    <a16:creationId xmlns:a16="http://schemas.microsoft.com/office/drawing/2014/main" id="{B869CBF9-EA9D-42B4-B31D-F112807E583F}"/>
+                    <a16:creationId xmlns="" xmlns:a16="http://schemas.microsoft.com/office/drawing/2014/main" id="{B869CBF9-EA9D-42B4-B31D-F112807E583F}"/>
                   </a:ext>
                 </a:extLst>
               </p:cNvPr>
@@ -12281,7 +12270,7 @@
           <p:cNvPr id="57" name="Grupo 12">
             <a:extLst>
               <a:ext uri="{FF2B5EF4-FFF2-40B4-BE49-F238E27FC236}">
-                <a16:creationId xmlns:a16="http://schemas.microsoft.com/office/drawing/2014/main" id="{403A9A42-8023-405A-8817-EE75AB52C0CC}"/>
+                <a16:creationId xmlns="" xmlns:a16="http://schemas.microsoft.com/office/drawing/2014/main" id="{403A9A42-8023-405A-8817-EE75AB52C0CC}"/>
               </a:ext>
             </a:extLst>
           </p:cNvPr>
@@ -12301,7 +12290,7 @@
             <p:cNvPr id="58" name="Grupo 11">
               <a:extLst>
                 <a:ext uri="{FF2B5EF4-FFF2-40B4-BE49-F238E27FC236}">
-                  <a16:creationId xmlns:a16="http://schemas.microsoft.com/office/drawing/2014/main" id="{C6F65446-D9C0-4489-A698-727F1D6EF1EA}"/>
+                  <a16:creationId xmlns="" xmlns:a16="http://schemas.microsoft.com/office/drawing/2014/main" id="{C6F65446-D9C0-4489-A698-727F1D6EF1EA}"/>
                 </a:ext>
               </a:extLst>
             </p:cNvPr>
@@ -12321,7 +12310,7 @@
               <p:cNvPr id="65" name="Agrupar 3">
                 <a:extLst>
                   <a:ext uri="{FF2B5EF4-FFF2-40B4-BE49-F238E27FC236}">
-                    <a16:creationId xmlns:a16="http://schemas.microsoft.com/office/drawing/2014/main" id="{F930D6FA-C039-4412-8297-3174934678D7}"/>
+                    <a16:creationId xmlns="" xmlns:a16="http://schemas.microsoft.com/office/drawing/2014/main" id="{F930D6FA-C039-4412-8297-3174934678D7}"/>
                   </a:ext>
                 </a:extLst>
               </p:cNvPr>
@@ -12341,7 +12330,7 @@
                 <p:cNvPr id="74" name="Retângulo: Cantos Arredondados 4">
                   <a:extLst>
                     <a:ext uri="{FF2B5EF4-FFF2-40B4-BE49-F238E27FC236}">
-                      <a16:creationId xmlns:a16="http://schemas.microsoft.com/office/drawing/2014/main" id="{02ED9689-F86F-4320-A889-FE62BF218D61}"/>
+                      <a16:creationId xmlns="" xmlns:a16="http://schemas.microsoft.com/office/drawing/2014/main" id="{02ED9689-F86F-4320-A889-FE62BF218D61}"/>
                     </a:ext>
                   </a:extLst>
                 </p:cNvPr>
@@ -12392,7 +12381,7 @@
                 <p:cNvPr id="75" name="Retângulo: Cantos Arredondados 5">
                   <a:extLst>
                     <a:ext uri="{FF2B5EF4-FFF2-40B4-BE49-F238E27FC236}">
-                      <a16:creationId xmlns:a16="http://schemas.microsoft.com/office/drawing/2014/main" id="{01B0A967-695C-48C2-83E3-71944B0EFB15}"/>
+                      <a16:creationId xmlns="" xmlns:a16="http://schemas.microsoft.com/office/drawing/2014/main" id="{01B0A967-695C-48C2-83E3-71944B0EFB15}"/>
                     </a:ext>
                   </a:extLst>
                 </p:cNvPr>
@@ -12446,7 +12435,7 @@
                 <p:cNvPr id="76" name="Retângulo: Cantos Arredondados 6">
                   <a:extLst>
                     <a:ext uri="{FF2B5EF4-FFF2-40B4-BE49-F238E27FC236}">
-                      <a16:creationId xmlns:a16="http://schemas.microsoft.com/office/drawing/2014/main" id="{B9931D68-C986-4F09-8882-D64B2192A55C}"/>
+                      <a16:creationId xmlns="" xmlns:a16="http://schemas.microsoft.com/office/drawing/2014/main" id="{B9931D68-C986-4F09-8882-D64B2192A55C}"/>
                     </a:ext>
                   </a:extLst>
                 </p:cNvPr>
@@ -12500,7 +12489,7 @@
                 <p:cNvPr id="77" name="Forma Livre: Forma 7">
                   <a:extLst>
                     <a:ext uri="{FF2B5EF4-FFF2-40B4-BE49-F238E27FC236}">
-                      <a16:creationId xmlns:a16="http://schemas.microsoft.com/office/drawing/2014/main" id="{59255B60-DD8E-4A1C-BC5D-2F37826A1561}"/>
+                      <a16:creationId xmlns="" xmlns:a16="http://schemas.microsoft.com/office/drawing/2014/main" id="{59255B60-DD8E-4A1C-BC5D-2F37826A1561}"/>
                     </a:ext>
                   </a:extLst>
                 </p:cNvPr>
@@ -12631,7 +12620,7 @@
                 <p:cNvPr id="78" name="Retângulo 77">
                   <a:extLst>
                     <a:ext uri="{FF2B5EF4-FFF2-40B4-BE49-F238E27FC236}">
-                      <a16:creationId xmlns:a16="http://schemas.microsoft.com/office/drawing/2014/main" id="{C4D2138A-CA62-45C9-827C-0A2EF7196A19}"/>
+                      <a16:creationId xmlns="" xmlns:a16="http://schemas.microsoft.com/office/drawing/2014/main" id="{C4D2138A-CA62-45C9-827C-0A2EF7196A19}"/>
                     </a:ext>
                   </a:extLst>
                 </p:cNvPr>
@@ -12683,7 +12672,7 @@
                 <p:cNvPr id="79" name="Retângulo: Cantos Arredondados 9">
                   <a:extLst>
                     <a:ext uri="{FF2B5EF4-FFF2-40B4-BE49-F238E27FC236}">
-                      <a16:creationId xmlns:a16="http://schemas.microsoft.com/office/drawing/2014/main" id="{D4F04FAF-6733-4A03-8FEC-48EA27B77A7B}"/>
+                      <a16:creationId xmlns="" xmlns:a16="http://schemas.microsoft.com/office/drawing/2014/main" id="{D4F04FAF-6733-4A03-8FEC-48EA27B77A7B}"/>
                     </a:ext>
                   </a:extLst>
                 </p:cNvPr>
@@ -12737,7 +12726,7 @@
                 <p:cNvPr id="80" name="Retângulo: Cantos Arredondados 10">
                   <a:extLst>
                     <a:ext uri="{FF2B5EF4-FFF2-40B4-BE49-F238E27FC236}">
-                      <a16:creationId xmlns:a16="http://schemas.microsoft.com/office/drawing/2014/main" id="{E35C7B02-2931-4C43-B6C1-672A84321EF5}"/>
+                      <a16:creationId xmlns="" xmlns:a16="http://schemas.microsoft.com/office/drawing/2014/main" id="{E35C7B02-2931-4C43-B6C1-672A84321EF5}"/>
                     </a:ext>
                   </a:extLst>
                 </p:cNvPr>
@@ -12792,7 +12781,7 @@
               <p:cNvPr id="66" name="Agrupar 17">
                 <a:extLst>
                   <a:ext uri="{FF2B5EF4-FFF2-40B4-BE49-F238E27FC236}">
-                    <a16:creationId xmlns:a16="http://schemas.microsoft.com/office/drawing/2014/main" id="{FB1E34D3-361C-4048-9774-6DE71A21752E}"/>
+                    <a16:creationId xmlns="" xmlns:a16="http://schemas.microsoft.com/office/drawing/2014/main" id="{FB1E34D3-361C-4048-9774-6DE71A21752E}"/>
                   </a:ext>
                 </a:extLst>
               </p:cNvPr>
@@ -12812,7 +12801,7 @@
                 <p:cNvPr id="68" name="Forma Livre: Forma 18">
                   <a:extLst>
                     <a:ext uri="{FF2B5EF4-FFF2-40B4-BE49-F238E27FC236}">
-                      <a16:creationId xmlns:a16="http://schemas.microsoft.com/office/drawing/2014/main" id="{CD3A6BCD-0D5E-4BD6-882B-EEF61843CD0D}"/>
+                      <a16:creationId xmlns="" xmlns:a16="http://schemas.microsoft.com/office/drawing/2014/main" id="{CD3A6BCD-0D5E-4BD6-882B-EEF61843CD0D}"/>
                     </a:ext>
                   </a:extLst>
                 </p:cNvPr>
@@ -12947,7 +12936,7 @@
                 <p:cNvPr id="69" name="Forma Livre: Forma 19">
                   <a:extLst>
                     <a:ext uri="{FF2B5EF4-FFF2-40B4-BE49-F238E27FC236}">
-                      <a16:creationId xmlns:a16="http://schemas.microsoft.com/office/drawing/2014/main" id="{D7A274B4-1A7E-413F-8C6D-32B69A11A006}"/>
+                      <a16:creationId xmlns="" xmlns:a16="http://schemas.microsoft.com/office/drawing/2014/main" id="{D7A274B4-1A7E-413F-8C6D-32B69A11A006}"/>
                     </a:ext>
                   </a:extLst>
                 </p:cNvPr>
@@ -13082,7 +13071,7 @@
                 <p:cNvPr id="70" name="Elipse 69">
                   <a:extLst>
                     <a:ext uri="{FF2B5EF4-FFF2-40B4-BE49-F238E27FC236}">
-                      <a16:creationId xmlns:a16="http://schemas.microsoft.com/office/drawing/2014/main" id="{8A45001A-B9AB-4BED-8292-D95E0971B328}"/>
+                      <a16:creationId xmlns="" xmlns:a16="http://schemas.microsoft.com/office/drawing/2014/main" id="{8A45001A-B9AB-4BED-8292-D95E0971B328}"/>
                     </a:ext>
                   </a:extLst>
                 </p:cNvPr>
@@ -13134,7 +13123,7 @@
                 <p:cNvPr id="71" name="Retângulo: Cantos Arredondados 21">
                   <a:extLst>
                     <a:ext uri="{FF2B5EF4-FFF2-40B4-BE49-F238E27FC236}">
-                      <a16:creationId xmlns:a16="http://schemas.microsoft.com/office/drawing/2014/main" id="{1570863F-2A64-43EB-BBDB-42862A03776A}"/>
+                      <a16:creationId xmlns="" xmlns:a16="http://schemas.microsoft.com/office/drawing/2014/main" id="{1570863F-2A64-43EB-BBDB-42862A03776A}"/>
                     </a:ext>
                   </a:extLst>
                 </p:cNvPr>
@@ -13188,7 +13177,7 @@
                 <p:cNvPr id="72" name="Retângulo: Cantos Arredondados 22">
                   <a:extLst>
                     <a:ext uri="{FF2B5EF4-FFF2-40B4-BE49-F238E27FC236}">
-                      <a16:creationId xmlns:a16="http://schemas.microsoft.com/office/drawing/2014/main" id="{FEA18746-1B35-413A-975D-AA3FC016347D}"/>
+                      <a16:creationId xmlns="" xmlns:a16="http://schemas.microsoft.com/office/drawing/2014/main" id="{FEA18746-1B35-413A-975D-AA3FC016347D}"/>
                     </a:ext>
                   </a:extLst>
                 </p:cNvPr>
@@ -13242,7 +13231,7 @@
                 <p:cNvPr id="73" name="Retângulo: Cantos Arredondados 23">
                   <a:extLst>
                     <a:ext uri="{FF2B5EF4-FFF2-40B4-BE49-F238E27FC236}">
-                      <a16:creationId xmlns:a16="http://schemas.microsoft.com/office/drawing/2014/main" id="{E7B34203-85D3-444F-9473-3B5734FA52A7}"/>
+                      <a16:creationId xmlns="" xmlns:a16="http://schemas.microsoft.com/office/drawing/2014/main" id="{E7B34203-85D3-444F-9473-3B5734FA52A7}"/>
                     </a:ext>
                   </a:extLst>
                 </p:cNvPr>
@@ -13297,7 +13286,7 @@
               <p:cNvPr id="67" name="Forma Livre: Forma 24">
                 <a:extLst>
                   <a:ext uri="{FF2B5EF4-FFF2-40B4-BE49-F238E27FC236}">
-                    <a16:creationId xmlns:a16="http://schemas.microsoft.com/office/drawing/2014/main" id="{CE29CAC3-C9E2-4543-93BC-510BB64317AA}"/>
+                    <a16:creationId xmlns="" xmlns:a16="http://schemas.microsoft.com/office/drawing/2014/main" id="{CE29CAC3-C9E2-4543-93BC-510BB64317AA}"/>
                   </a:ext>
                 </a:extLst>
               </p:cNvPr>
@@ -13457,7 +13446,7 @@
             <p:cNvPr id="59" name="Agrupar 11">
               <a:extLst>
                 <a:ext uri="{FF2B5EF4-FFF2-40B4-BE49-F238E27FC236}">
-                  <a16:creationId xmlns:a16="http://schemas.microsoft.com/office/drawing/2014/main" id="{3ECCD1BD-DAAD-4C8D-B216-A467E9F25018}"/>
+                  <a16:creationId xmlns="" xmlns:a16="http://schemas.microsoft.com/office/drawing/2014/main" id="{3ECCD1BD-DAAD-4C8D-B216-A467E9F25018}"/>
                 </a:ext>
               </a:extLst>
             </p:cNvPr>
@@ -13477,7 +13466,7 @@
               <p:cNvPr id="63" name="Retângulo: Cantos Arredondados 12">
                 <a:extLst>
                   <a:ext uri="{FF2B5EF4-FFF2-40B4-BE49-F238E27FC236}">
-                    <a16:creationId xmlns:a16="http://schemas.microsoft.com/office/drawing/2014/main" id="{EF001B5E-6633-47D5-AD3A-1EF0B5338A66}"/>
+                    <a16:creationId xmlns="" xmlns:a16="http://schemas.microsoft.com/office/drawing/2014/main" id="{EF001B5E-6633-47D5-AD3A-1EF0B5338A66}"/>
                   </a:ext>
                 </a:extLst>
               </p:cNvPr>
@@ -13531,7 +13520,7 @@
               <p:cNvPr id="64" name="Retângulo: Cantos Arredondados 13">
                 <a:extLst>
                   <a:ext uri="{FF2B5EF4-FFF2-40B4-BE49-F238E27FC236}">
-                    <a16:creationId xmlns:a16="http://schemas.microsoft.com/office/drawing/2014/main" id="{35F5B17B-65E6-4FE7-9D78-825964BD7347}"/>
+                    <a16:creationId xmlns="" xmlns:a16="http://schemas.microsoft.com/office/drawing/2014/main" id="{35F5B17B-65E6-4FE7-9D78-825964BD7347}"/>
                   </a:ext>
                 </a:extLst>
               </p:cNvPr>
@@ -13586,7 +13575,7 @@
             <p:cNvPr id="60" name="Agrupar 14">
               <a:extLst>
                 <a:ext uri="{FF2B5EF4-FFF2-40B4-BE49-F238E27FC236}">
-                  <a16:creationId xmlns:a16="http://schemas.microsoft.com/office/drawing/2014/main" id="{00408DBE-37B7-485C-B1CC-728D91FC9C84}"/>
+                  <a16:creationId xmlns="" xmlns:a16="http://schemas.microsoft.com/office/drawing/2014/main" id="{00408DBE-37B7-485C-B1CC-728D91FC9C84}"/>
                 </a:ext>
               </a:extLst>
             </p:cNvPr>
@@ -13606,7 +13595,7 @@
               <p:cNvPr id="61" name="Retângulo: Cantos Arredondados 15">
                 <a:extLst>
                   <a:ext uri="{FF2B5EF4-FFF2-40B4-BE49-F238E27FC236}">
-                    <a16:creationId xmlns:a16="http://schemas.microsoft.com/office/drawing/2014/main" id="{67A26C7C-6C4E-4C8E-B1AD-E36E7B28CF23}"/>
+                    <a16:creationId xmlns="" xmlns:a16="http://schemas.microsoft.com/office/drawing/2014/main" id="{67A26C7C-6C4E-4C8E-B1AD-E36E7B28CF23}"/>
                   </a:ext>
                 </a:extLst>
               </p:cNvPr>
@@ -13660,7 +13649,7 @@
               <p:cNvPr id="62" name="Retângulo: Cantos Arredondados 16">
                 <a:extLst>
                   <a:ext uri="{FF2B5EF4-FFF2-40B4-BE49-F238E27FC236}">
-                    <a16:creationId xmlns:a16="http://schemas.microsoft.com/office/drawing/2014/main" id="{D3EA9BE5-38E7-4020-98B4-64A1D9817235}"/>
+                    <a16:creationId xmlns="" xmlns:a16="http://schemas.microsoft.com/office/drawing/2014/main" id="{D3EA9BE5-38E7-4020-98B4-64A1D9817235}"/>
                   </a:ext>
                 </a:extLst>
               </p:cNvPr>
@@ -13716,7 +13705,7 @@
           <p:cNvPr id="38" name="Grupo 10">
             <a:extLst>
               <a:ext uri="{FF2B5EF4-FFF2-40B4-BE49-F238E27FC236}">
-                <a16:creationId xmlns:a16="http://schemas.microsoft.com/office/drawing/2014/main" id="{820283F1-6C5D-4ADA-831F-607F6F76B4C9}"/>
+                <a16:creationId xmlns="" xmlns:a16="http://schemas.microsoft.com/office/drawing/2014/main" id="{820283F1-6C5D-4ADA-831F-607F6F76B4C9}"/>
               </a:ext>
             </a:extLst>
           </p:cNvPr>
@@ -13736,7 +13725,7 @@
             <p:cNvPr id="39" name="Agrupar 3">
               <a:extLst>
                 <a:ext uri="{FF2B5EF4-FFF2-40B4-BE49-F238E27FC236}">
-                  <a16:creationId xmlns:a16="http://schemas.microsoft.com/office/drawing/2014/main" id="{666F5F66-B0B3-450D-87A4-3071FF7FC187}"/>
+                  <a16:creationId xmlns="" xmlns:a16="http://schemas.microsoft.com/office/drawing/2014/main" id="{666F5F66-B0B3-450D-87A4-3071FF7FC187}"/>
                 </a:ext>
               </a:extLst>
             </p:cNvPr>
@@ -13756,7 +13745,7 @@
               <p:cNvPr id="50" name="Retângulo: Cantos Arredondados 4">
                 <a:extLst>
                   <a:ext uri="{FF2B5EF4-FFF2-40B4-BE49-F238E27FC236}">
-                    <a16:creationId xmlns:a16="http://schemas.microsoft.com/office/drawing/2014/main" id="{4D9B2370-7EB5-424A-A37F-A2E722B84B61}"/>
+                    <a16:creationId xmlns="" xmlns:a16="http://schemas.microsoft.com/office/drawing/2014/main" id="{4D9B2370-7EB5-424A-A37F-A2E722B84B61}"/>
                   </a:ext>
                 </a:extLst>
               </p:cNvPr>
@@ -13807,7 +13796,7 @@
               <p:cNvPr id="51" name="Retângulo: Cantos Arredondados 5">
                 <a:extLst>
                   <a:ext uri="{FF2B5EF4-FFF2-40B4-BE49-F238E27FC236}">
-                    <a16:creationId xmlns:a16="http://schemas.microsoft.com/office/drawing/2014/main" id="{33D07EB3-FC32-45C7-9363-8953E3222972}"/>
+                    <a16:creationId xmlns="" xmlns:a16="http://schemas.microsoft.com/office/drawing/2014/main" id="{33D07EB3-FC32-45C7-9363-8953E3222972}"/>
                   </a:ext>
                 </a:extLst>
               </p:cNvPr>
@@ -13861,7 +13850,7 @@
               <p:cNvPr id="52" name="Retângulo: Cantos Arredondados 6">
                 <a:extLst>
                   <a:ext uri="{FF2B5EF4-FFF2-40B4-BE49-F238E27FC236}">
-                    <a16:creationId xmlns:a16="http://schemas.microsoft.com/office/drawing/2014/main" id="{70C9F89C-0A33-4CD8-B443-6111AAE47D77}"/>
+                    <a16:creationId xmlns="" xmlns:a16="http://schemas.microsoft.com/office/drawing/2014/main" id="{70C9F89C-0A33-4CD8-B443-6111AAE47D77}"/>
                   </a:ext>
                 </a:extLst>
               </p:cNvPr>
@@ -13915,7 +13904,7 @@
               <p:cNvPr id="53" name="Forma Livre: Forma 7">
                 <a:extLst>
                   <a:ext uri="{FF2B5EF4-FFF2-40B4-BE49-F238E27FC236}">
-                    <a16:creationId xmlns:a16="http://schemas.microsoft.com/office/drawing/2014/main" id="{D83DDD28-61B7-4D25-A08A-2D0915811A5C}"/>
+                    <a16:creationId xmlns="" xmlns:a16="http://schemas.microsoft.com/office/drawing/2014/main" id="{D83DDD28-61B7-4D25-A08A-2D0915811A5C}"/>
                   </a:ext>
                 </a:extLst>
               </p:cNvPr>
@@ -14046,7 +14035,7 @@
               <p:cNvPr id="54" name="Retângulo 53">
                 <a:extLst>
                   <a:ext uri="{FF2B5EF4-FFF2-40B4-BE49-F238E27FC236}">
-                    <a16:creationId xmlns:a16="http://schemas.microsoft.com/office/drawing/2014/main" id="{6B2C3942-CD2E-4922-9715-FE9C07049939}"/>
+                    <a16:creationId xmlns="" xmlns:a16="http://schemas.microsoft.com/office/drawing/2014/main" id="{6B2C3942-CD2E-4922-9715-FE9C07049939}"/>
                   </a:ext>
                 </a:extLst>
               </p:cNvPr>
@@ -14098,7 +14087,7 @@
               <p:cNvPr id="55" name="Retângulo: Cantos Arredondados 9">
                 <a:extLst>
                   <a:ext uri="{FF2B5EF4-FFF2-40B4-BE49-F238E27FC236}">
-                    <a16:creationId xmlns:a16="http://schemas.microsoft.com/office/drawing/2014/main" id="{9422F0B7-E037-4EE3-BBE9-B53E1FDD9F23}"/>
+                    <a16:creationId xmlns="" xmlns:a16="http://schemas.microsoft.com/office/drawing/2014/main" id="{9422F0B7-E037-4EE3-BBE9-B53E1FDD9F23}"/>
                   </a:ext>
                 </a:extLst>
               </p:cNvPr>
@@ -14152,7 +14141,7 @@
               <p:cNvPr id="56" name="Retângulo: Cantos Arredondados 10">
                 <a:extLst>
                   <a:ext uri="{FF2B5EF4-FFF2-40B4-BE49-F238E27FC236}">
-                    <a16:creationId xmlns:a16="http://schemas.microsoft.com/office/drawing/2014/main" id="{B97B573A-7BD1-433F-950E-B76B702F0FC6}"/>
+                    <a16:creationId xmlns="" xmlns:a16="http://schemas.microsoft.com/office/drawing/2014/main" id="{B97B573A-7BD1-433F-950E-B76B702F0FC6}"/>
                   </a:ext>
                 </a:extLst>
               </p:cNvPr>
@@ -14207,7 +14196,7 @@
             <p:cNvPr id="40" name="Agrupar 17">
               <a:extLst>
                 <a:ext uri="{FF2B5EF4-FFF2-40B4-BE49-F238E27FC236}">
-                  <a16:creationId xmlns:a16="http://schemas.microsoft.com/office/drawing/2014/main" id="{ABB8787A-8C83-47D2-87A2-D9574F8B1903}"/>
+                  <a16:creationId xmlns="" xmlns:a16="http://schemas.microsoft.com/office/drawing/2014/main" id="{ABB8787A-8C83-47D2-87A2-D9574F8B1903}"/>
                 </a:ext>
               </a:extLst>
             </p:cNvPr>
@@ -14227,7 +14216,7 @@
               <p:cNvPr id="44" name="Forma Livre: Forma 18">
                 <a:extLst>
                   <a:ext uri="{FF2B5EF4-FFF2-40B4-BE49-F238E27FC236}">
-                    <a16:creationId xmlns:a16="http://schemas.microsoft.com/office/drawing/2014/main" id="{E51284B4-473B-4FC5-B9C9-D12EAE994A89}"/>
+                    <a16:creationId xmlns="" xmlns:a16="http://schemas.microsoft.com/office/drawing/2014/main" id="{E51284B4-473B-4FC5-B9C9-D12EAE994A89}"/>
                   </a:ext>
                 </a:extLst>
               </p:cNvPr>
@@ -14362,7 +14351,7 @@
               <p:cNvPr id="45" name="Forma Livre: Forma 19">
                 <a:extLst>
                   <a:ext uri="{FF2B5EF4-FFF2-40B4-BE49-F238E27FC236}">
-                    <a16:creationId xmlns:a16="http://schemas.microsoft.com/office/drawing/2014/main" id="{37ED7AB8-2693-4C1C-BF2E-25677D4BD67A}"/>
+                    <a16:creationId xmlns="" xmlns:a16="http://schemas.microsoft.com/office/drawing/2014/main" id="{37ED7AB8-2693-4C1C-BF2E-25677D4BD67A}"/>
                   </a:ext>
                 </a:extLst>
               </p:cNvPr>
@@ -14497,7 +14486,7 @@
               <p:cNvPr id="46" name="Elipse 45">
                 <a:extLst>
                   <a:ext uri="{FF2B5EF4-FFF2-40B4-BE49-F238E27FC236}">
-                    <a16:creationId xmlns:a16="http://schemas.microsoft.com/office/drawing/2014/main" id="{BA06344F-8C85-458D-9FAE-341FA5023637}"/>
+                    <a16:creationId xmlns="" xmlns:a16="http://schemas.microsoft.com/office/drawing/2014/main" id="{BA06344F-8C85-458D-9FAE-341FA5023637}"/>
                   </a:ext>
                 </a:extLst>
               </p:cNvPr>
@@ -14549,7 +14538,7 @@
               <p:cNvPr id="47" name="Retângulo: Cantos Arredondados 21">
                 <a:extLst>
                   <a:ext uri="{FF2B5EF4-FFF2-40B4-BE49-F238E27FC236}">
-                    <a16:creationId xmlns:a16="http://schemas.microsoft.com/office/drawing/2014/main" id="{D9F453B7-5B75-408F-835C-405D06F8337C}"/>
+                    <a16:creationId xmlns="" xmlns:a16="http://schemas.microsoft.com/office/drawing/2014/main" id="{D9F453B7-5B75-408F-835C-405D06F8337C}"/>
                   </a:ext>
                 </a:extLst>
               </p:cNvPr>
@@ -14603,7 +14592,7 @@
               <p:cNvPr id="48" name="Retângulo: Cantos Arredondados 22">
                 <a:extLst>
                   <a:ext uri="{FF2B5EF4-FFF2-40B4-BE49-F238E27FC236}">
-                    <a16:creationId xmlns:a16="http://schemas.microsoft.com/office/drawing/2014/main" id="{1FB2ED43-66B2-423F-A18A-AC28043BF24F}"/>
+                    <a16:creationId xmlns="" xmlns:a16="http://schemas.microsoft.com/office/drawing/2014/main" id="{1FB2ED43-66B2-423F-A18A-AC28043BF24F}"/>
                   </a:ext>
                 </a:extLst>
               </p:cNvPr>
@@ -14657,7 +14646,7 @@
               <p:cNvPr id="49" name="Retângulo: Cantos Arredondados 23">
                 <a:extLst>
                   <a:ext uri="{FF2B5EF4-FFF2-40B4-BE49-F238E27FC236}">
-                    <a16:creationId xmlns:a16="http://schemas.microsoft.com/office/drawing/2014/main" id="{3252869B-B8BF-4141-9268-77811F9C7E01}"/>
+                    <a16:creationId xmlns="" xmlns:a16="http://schemas.microsoft.com/office/drawing/2014/main" id="{3252869B-B8BF-4141-9268-77811F9C7E01}"/>
                   </a:ext>
                 </a:extLst>
               </p:cNvPr>
@@ -14712,7 +14701,7 @@
             <p:cNvPr id="41" name="Forma Livre: Forma 24">
               <a:extLst>
                 <a:ext uri="{FF2B5EF4-FFF2-40B4-BE49-F238E27FC236}">
-                  <a16:creationId xmlns:a16="http://schemas.microsoft.com/office/drawing/2014/main" id="{1F977B16-974F-4522-BCA5-C428B0913A73}"/>
+                  <a16:creationId xmlns="" xmlns:a16="http://schemas.microsoft.com/office/drawing/2014/main" id="{1F977B16-974F-4522-BCA5-C428B0913A73}"/>
                 </a:ext>
               </a:extLst>
             </p:cNvPr>
@@ -14871,7 +14860,7 @@
             <p:cNvPr id="42" name="Retângulo de cantos arredondados 6">
               <a:extLst>
                 <a:ext uri="{FF2B5EF4-FFF2-40B4-BE49-F238E27FC236}">
-                  <a16:creationId xmlns:a16="http://schemas.microsoft.com/office/drawing/2014/main" id="{702E445C-853C-4344-8C79-5434B3F84D3F}"/>
+                  <a16:creationId xmlns="" xmlns:a16="http://schemas.microsoft.com/office/drawing/2014/main" id="{702E445C-853C-4344-8C79-5434B3F84D3F}"/>
                 </a:ext>
               </a:extLst>
             </p:cNvPr>
@@ -14958,7 +14947,7 @@
             <p:cNvPr id="43" name="Retângulo de cantos arredondados 6">
               <a:extLst>
                 <a:ext uri="{FF2B5EF4-FFF2-40B4-BE49-F238E27FC236}">
-                  <a16:creationId xmlns:a16="http://schemas.microsoft.com/office/drawing/2014/main" id="{E8274172-0D1D-4E88-B43D-49880A4456B2}"/>
+                  <a16:creationId xmlns="" xmlns:a16="http://schemas.microsoft.com/office/drawing/2014/main" id="{E8274172-0D1D-4E88-B43D-49880A4456B2}"/>
                 </a:ext>
               </a:extLst>
             </p:cNvPr>
@@ -15046,7 +15035,7 @@
           <p:cNvPr id="81" name="Agrupar 80">
             <a:extLst>
               <a:ext uri="{FF2B5EF4-FFF2-40B4-BE49-F238E27FC236}">
-                <a16:creationId xmlns:a16="http://schemas.microsoft.com/office/drawing/2014/main" id="{16983F25-1B39-4996-818E-B134A94E7180}"/>
+                <a16:creationId xmlns="" xmlns:a16="http://schemas.microsoft.com/office/drawing/2014/main" id="{16983F25-1B39-4996-818E-B134A94E7180}"/>
               </a:ext>
             </a:extLst>
           </p:cNvPr>
@@ -15066,7 +15055,7 @@
             <p:cNvPr id="82" name="Grupo 12">
               <a:extLst>
                 <a:ext uri="{FF2B5EF4-FFF2-40B4-BE49-F238E27FC236}">
-                  <a16:creationId xmlns:a16="http://schemas.microsoft.com/office/drawing/2014/main" id="{895E5361-20DC-40C8-9197-93DB459FE199}"/>
+                  <a16:creationId xmlns="" xmlns:a16="http://schemas.microsoft.com/office/drawing/2014/main" id="{895E5361-20DC-40C8-9197-93DB459FE199}"/>
                 </a:ext>
               </a:extLst>
             </p:cNvPr>
@@ -15086,7 +15075,7 @@
               <p:cNvPr id="86" name="Grupo 11">
                 <a:extLst>
                   <a:ext uri="{FF2B5EF4-FFF2-40B4-BE49-F238E27FC236}">
-                    <a16:creationId xmlns:a16="http://schemas.microsoft.com/office/drawing/2014/main" id="{1F15CF61-291C-4394-AC4A-C57F568D7406}"/>
+                    <a16:creationId xmlns="" xmlns:a16="http://schemas.microsoft.com/office/drawing/2014/main" id="{1F15CF61-291C-4394-AC4A-C57F568D7406}"/>
                   </a:ext>
                 </a:extLst>
               </p:cNvPr>
@@ -15106,7 +15095,7 @@
                 <p:cNvPr id="93" name="Agrupar 3">
                   <a:extLst>
                     <a:ext uri="{FF2B5EF4-FFF2-40B4-BE49-F238E27FC236}">
-                      <a16:creationId xmlns:a16="http://schemas.microsoft.com/office/drawing/2014/main" id="{4B524DF1-4FBF-4DCD-87DD-6933CA051DC1}"/>
+                      <a16:creationId xmlns="" xmlns:a16="http://schemas.microsoft.com/office/drawing/2014/main" id="{4B524DF1-4FBF-4DCD-87DD-6933CA051DC1}"/>
                     </a:ext>
                   </a:extLst>
                 </p:cNvPr>
@@ -15126,7 +15115,7 @@
                   <p:cNvPr id="101" name="Retângulo: Cantos Arredondados 4">
                     <a:extLst>
                       <a:ext uri="{FF2B5EF4-FFF2-40B4-BE49-F238E27FC236}">
-                        <a16:creationId xmlns:a16="http://schemas.microsoft.com/office/drawing/2014/main" id="{8D4B0446-458A-41F9-9F38-FA624B910448}"/>
+                        <a16:creationId xmlns="" xmlns:a16="http://schemas.microsoft.com/office/drawing/2014/main" id="{8D4B0446-458A-41F9-9F38-FA624B910448}"/>
                       </a:ext>
                     </a:extLst>
                   </p:cNvPr>
@@ -15177,7 +15166,7 @@
                   <p:cNvPr id="102" name="Retângulo: Cantos Arredondados 5">
                     <a:extLst>
                       <a:ext uri="{FF2B5EF4-FFF2-40B4-BE49-F238E27FC236}">
-                        <a16:creationId xmlns:a16="http://schemas.microsoft.com/office/drawing/2014/main" id="{C8D52F37-049A-43B9-AAAC-C3D32D8A4E7F}"/>
+                        <a16:creationId xmlns="" xmlns:a16="http://schemas.microsoft.com/office/drawing/2014/main" id="{C8D52F37-049A-43B9-AAAC-C3D32D8A4E7F}"/>
                       </a:ext>
                     </a:extLst>
                   </p:cNvPr>
@@ -15231,7 +15220,7 @@
                   <p:cNvPr id="103" name="Retângulo: Cantos Arredondados 6">
                     <a:extLst>
                       <a:ext uri="{FF2B5EF4-FFF2-40B4-BE49-F238E27FC236}">
-                        <a16:creationId xmlns:a16="http://schemas.microsoft.com/office/drawing/2014/main" id="{6410171E-B769-4DC5-BD52-1A881135387C}"/>
+                        <a16:creationId xmlns="" xmlns:a16="http://schemas.microsoft.com/office/drawing/2014/main" id="{6410171E-B769-4DC5-BD52-1A881135387C}"/>
                       </a:ext>
                     </a:extLst>
                   </p:cNvPr>
@@ -15285,7 +15274,7 @@
                   <p:cNvPr id="104" name="Forma Livre: Forma 7">
                     <a:extLst>
                       <a:ext uri="{FF2B5EF4-FFF2-40B4-BE49-F238E27FC236}">
-                        <a16:creationId xmlns:a16="http://schemas.microsoft.com/office/drawing/2014/main" id="{9C3633A1-F46F-454E-89FF-9C26F0E82536}"/>
+                        <a16:creationId xmlns="" xmlns:a16="http://schemas.microsoft.com/office/drawing/2014/main" id="{9C3633A1-F46F-454E-89FF-9C26F0E82536}"/>
                       </a:ext>
                     </a:extLst>
                   </p:cNvPr>
@@ -15416,7 +15405,7 @@
                   <p:cNvPr id="105" name="Retângulo 104">
                     <a:extLst>
                       <a:ext uri="{FF2B5EF4-FFF2-40B4-BE49-F238E27FC236}">
-                        <a16:creationId xmlns:a16="http://schemas.microsoft.com/office/drawing/2014/main" id="{C6677C20-D1C1-4FF7-84E5-1ABCD28E08FA}"/>
+                        <a16:creationId xmlns="" xmlns:a16="http://schemas.microsoft.com/office/drawing/2014/main" id="{C6677C20-D1C1-4FF7-84E5-1ABCD28E08FA}"/>
                       </a:ext>
                     </a:extLst>
                   </p:cNvPr>
@@ -15468,7 +15457,7 @@
                   <p:cNvPr id="106" name="Retângulo: Cantos Arredondados 9">
                     <a:extLst>
                       <a:ext uri="{FF2B5EF4-FFF2-40B4-BE49-F238E27FC236}">
-                        <a16:creationId xmlns:a16="http://schemas.microsoft.com/office/drawing/2014/main" id="{E50EAD44-EC47-4AC5-92EB-631085352C2D}"/>
+                        <a16:creationId xmlns="" xmlns:a16="http://schemas.microsoft.com/office/drawing/2014/main" id="{E50EAD44-EC47-4AC5-92EB-631085352C2D}"/>
                       </a:ext>
                     </a:extLst>
                   </p:cNvPr>
@@ -15522,7 +15511,7 @@
                   <p:cNvPr id="107" name="Retângulo: Cantos Arredondados 10">
                     <a:extLst>
                       <a:ext uri="{FF2B5EF4-FFF2-40B4-BE49-F238E27FC236}">
-                        <a16:creationId xmlns:a16="http://schemas.microsoft.com/office/drawing/2014/main" id="{2BF2A6E7-D817-4C0E-8EDC-EEEB6BBBFA13}"/>
+                        <a16:creationId xmlns="" xmlns:a16="http://schemas.microsoft.com/office/drawing/2014/main" id="{2BF2A6E7-D817-4C0E-8EDC-EEEB6BBBFA13}"/>
                       </a:ext>
                     </a:extLst>
                   </p:cNvPr>
@@ -15577,7 +15566,7 @@
                 <p:cNvPr id="94" name="Agrupar 93">
                   <a:extLst>
                     <a:ext uri="{FF2B5EF4-FFF2-40B4-BE49-F238E27FC236}">
-                      <a16:creationId xmlns:a16="http://schemas.microsoft.com/office/drawing/2014/main" id="{D8628CF8-F47D-4E27-8CDC-D58FB7CF8C36}"/>
+                      <a16:creationId xmlns="" xmlns:a16="http://schemas.microsoft.com/office/drawing/2014/main" id="{D8628CF8-F47D-4E27-8CDC-D58FB7CF8C36}"/>
                     </a:ext>
                   </a:extLst>
                 </p:cNvPr>
@@ -15597,7 +15586,7 @@
                   <p:cNvPr id="95" name="Forma Livre: Forma 94">
                     <a:extLst>
                       <a:ext uri="{FF2B5EF4-FFF2-40B4-BE49-F238E27FC236}">
-                        <a16:creationId xmlns:a16="http://schemas.microsoft.com/office/drawing/2014/main" id="{89DC7F12-19D9-42CD-8718-62513D53F5AD}"/>
+                        <a16:creationId xmlns="" xmlns:a16="http://schemas.microsoft.com/office/drawing/2014/main" id="{89DC7F12-19D9-42CD-8718-62513D53F5AD}"/>
                       </a:ext>
                     </a:extLst>
                   </p:cNvPr>
@@ -15732,7 +15721,7 @@
                   <p:cNvPr id="96" name="Forma Livre: Forma 95">
                     <a:extLst>
                       <a:ext uri="{FF2B5EF4-FFF2-40B4-BE49-F238E27FC236}">
-                        <a16:creationId xmlns:a16="http://schemas.microsoft.com/office/drawing/2014/main" id="{11C99363-6E30-4C1C-B8DC-809C57276743}"/>
+                        <a16:creationId xmlns="" xmlns:a16="http://schemas.microsoft.com/office/drawing/2014/main" id="{11C99363-6E30-4C1C-B8DC-809C57276743}"/>
                       </a:ext>
                     </a:extLst>
                   </p:cNvPr>
@@ -15867,7 +15856,7 @@
                   <p:cNvPr id="97" name="Elipse 96">
                     <a:extLst>
                       <a:ext uri="{FF2B5EF4-FFF2-40B4-BE49-F238E27FC236}">
-                        <a16:creationId xmlns:a16="http://schemas.microsoft.com/office/drawing/2014/main" id="{2CCF3187-84BD-449E-B437-7B5B3983433E}"/>
+                        <a16:creationId xmlns="" xmlns:a16="http://schemas.microsoft.com/office/drawing/2014/main" id="{2CCF3187-84BD-449E-B437-7B5B3983433E}"/>
                       </a:ext>
                     </a:extLst>
                   </p:cNvPr>
@@ -15919,7 +15908,7 @@
                   <p:cNvPr id="98" name="Retângulo: Cantos Arredondados 97">
                     <a:extLst>
                       <a:ext uri="{FF2B5EF4-FFF2-40B4-BE49-F238E27FC236}">
-                        <a16:creationId xmlns:a16="http://schemas.microsoft.com/office/drawing/2014/main" id="{BBACAF4A-AA43-4530-B9AE-2E0894AD5BD1}"/>
+                        <a16:creationId xmlns="" xmlns:a16="http://schemas.microsoft.com/office/drawing/2014/main" id="{BBACAF4A-AA43-4530-B9AE-2E0894AD5BD1}"/>
                       </a:ext>
                     </a:extLst>
                   </p:cNvPr>
@@ -15973,7 +15962,7 @@
                   <p:cNvPr id="99" name="Retângulo: Cantos Arredondados 98">
                     <a:extLst>
                       <a:ext uri="{FF2B5EF4-FFF2-40B4-BE49-F238E27FC236}">
-                        <a16:creationId xmlns:a16="http://schemas.microsoft.com/office/drawing/2014/main" id="{1832EC49-72EA-4FCA-BBCF-53A3987C8074}"/>
+                        <a16:creationId xmlns="" xmlns:a16="http://schemas.microsoft.com/office/drawing/2014/main" id="{1832EC49-72EA-4FCA-BBCF-53A3987C8074}"/>
                       </a:ext>
                     </a:extLst>
                   </p:cNvPr>
@@ -16027,7 +16016,7 @@
                   <p:cNvPr id="100" name="Retângulo: Cantos Arredondados 99">
                     <a:extLst>
                       <a:ext uri="{FF2B5EF4-FFF2-40B4-BE49-F238E27FC236}">
-                        <a16:creationId xmlns:a16="http://schemas.microsoft.com/office/drawing/2014/main" id="{4149D41B-6A79-40EF-AA89-2D0599E06E31}"/>
+                        <a16:creationId xmlns="" xmlns:a16="http://schemas.microsoft.com/office/drawing/2014/main" id="{4149D41B-6A79-40EF-AA89-2D0599E06E31}"/>
                       </a:ext>
                     </a:extLst>
                   </p:cNvPr>
@@ -16083,7 +16072,7 @@
               <p:cNvPr id="87" name="Agrupar 11">
                 <a:extLst>
                   <a:ext uri="{FF2B5EF4-FFF2-40B4-BE49-F238E27FC236}">
-                    <a16:creationId xmlns:a16="http://schemas.microsoft.com/office/drawing/2014/main" id="{FF1ACDFF-53C4-4046-8BAC-5659A177F97F}"/>
+                    <a16:creationId xmlns="" xmlns:a16="http://schemas.microsoft.com/office/drawing/2014/main" id="{FF1ACDFF-53C4-4046-8BAC-5659A177F97F}"/>
                   </a:ext>
                 </a:extLst>
               </p:cNvPr>
@@ -16103,7 +16092,7 @@
                 <p:cNvPr id="91" name="Retângulo: Cantos Arredondados 12">
                   <a:extLst>
                     <a:ext uri="{FF2B5EF4-FFF2-40B4-BE49-F238E27FC236}">
-                      <a16:creationId xmlns:a16="http://schemas.microsoft.com/office/drawing/2014/main" id="{32E5891B-A731-4FB5-ACF6-163B15D99891}"/>
+                      <a16:creationId xmlns="" xmlns:a16="http://schemas.microsoft.com/office/drawing/2014/main" id="{32E5891B-A731-4FB5-ACF6-163B15D99891}"/>
                     </a:ext>
                   </a:extLst>
                 </p:cNvPr>
@@ -16157,7 +16146,7 @@
                 <p:cNvPr id="92" name="Retângulo: Cantos Arredondados 13">
                   <a:extLst>
                     <a:ext uri="{FF2B5EF4-FFF2-40B4-BE49-F238E27FC236}">
-                      <a16:creationId xmlns:a16="http://schemas.microsoft.com/office/drawing/2014/main" id="{A814D18B-E602-4B8A-B9D1-141DB84BE861}"/>
+                      <a16:creationId xmlns="" xmlns:a16="http://schemas.microsoft.com/office/drawing/2014/main" id="{A814D18B-E602-4B8A-B9D1-141DB84BE861}"/>
                     </a:ext>
                   </a:extLst>
                 </p:cNvPr>
@@ -16212,7 +16201,7 @@
               <p:cNvPr id="88" name="Agrupar 14">
                 <a:extLst>
                   <a:ext uri="{FF2B5EF4-FFF2-40B4-BE49-F238E27FC236}">
-                    <a16:creationId xmlns:a16="http://schemas.microsoft.com/office/drawing/2014/main" id="{42451D24-90B3-4435-B4C1-6FA153B0B718}"/>
+                    <a16:creationId xmlns="" xmlns:a16="http://schemas.microsoft.com/office/drawing/2014/main" id="{42451D24-90B3-4435-B4C1-6FA153B0B718}"/>
                   </a:ext>
                 </a:extLst>
               </p:cNvPr>
@@ -16232,7 +16221,7 @@
                 <p:cNvPr id="89" name="Retângulo: Cantos Arredondados 15">
                   <a:extLst>
                     <a:ext uri="{FF2B5EF4-FFF2-40B4-BE49-F238E27FC236}">
-                      <a16:creationId xmlns:a16="http://schemas.microsoft.com/office/drawing/2014/main" id="{C1D98CE6-45EE-4230-94AF-921530AF0B61}"/>
+                      <a16:creationId xmlns="" xmlns:a16="http://schemas.microsoft.com/office/drawing/2014/main" id="{C1D98CE6-45EE-4230-94AF-921530AF0B61}"/>
                     </a:ext>
                   </a:extLst>
                 </p:cNvPr>
@@ -16286,7 +16275,7 @@
                 <p:cNvPr id="90" name="Retângulo: Cantos Arredondados 16">
                   <a:extLst>
                     <a:ext uri="{FF2B5EF4-FFF2-40B4-BE49-F238E27FC236}">
-                      <a16:creationId xmlns:a16="http://schemas.microsoft.com/office/drawing/2014/main" id="{DF5208D3-1CB5-409A-9B7D-5DA9FED0333F}"/>
+                      <a16:creationId xmlns="" xmlns:a16="http://schemas.microsoft.com/office/drawing/2014/main" id="{DF5208D3-1CB5-409A-9B7D-5DA9FED0333F}"/>
                     </a:ext>
                   </a:extLst>
                 </p:cNvPr>
@@ -16342,7 +16331,7 @@
             <p:cNvPr id="83" name="Agrupar 82">
               <a:extLst>
                 <a:ext uri="{FF2B5EF4-FFF2-40B4-BE49-F238E27FC236}">
-                  <a16:creationId xmlns:a16="http://schemas.microsoft.com/office/drawing/2014/main" id="{54960447-FDFF-45DE-A838-1492FDC600D6}"/>
+                  <a16:creationId xmlns="" xmlns:a16="http://schemas.microsoft.com/office/drawing/2014/main" id="{54960447-FDFF-45DE-A838-1492FDC600D6}"/>
                 </a:ext>
               </a:extLst>
             </p:cNvPr>
@@ -16362,7 +16351,7 @@
               <p:cNvPr id="84" name="Forma Livre: Forma 83">
                 <a:extLst>
                   <a:ext uri="{FF2B5EF4-FFF2-40B4-BE49-F238E27FC236}">
-                    <a16:creationId xmlns:a16="http://schemas.microsoft.com/office/drawing/2014/main" id="{1ECD66CD-F12E-4DA6-A566-D11A15F0E2FE}"/>
+                    <a16:creationId xmlns="" xmlns:a16="http://schemas.microsoft.com/office/drawing/2014/main" id="{1ECD66CD-F12E-4DA6-A566-D11A15F0E2FE}"/>
                   </a:ext>
                 </a:extLst>
               </p:cNvPr>
@@ -16469,7 +16458,7 @@
               <p:cNvPr id="85" name="Forma Livre: Forma 84">
                 <a:extLst>
                   <a:ext uri="{FF2B5EF4-FFF2-40B4-BE49-F238E27FC236}">
-                    <a16:creationId xmlns:a16="http://schemas.microsoft.com/office/drawing/2014/main" id="{D06248FC-2E8C-4724-9ADC-7EEFDB4EE49F}"/>
+                    <a16:creationId xmlns="" xmlns:a16="http://schemas.microsoft.com/office/drawing/2014/main" id="{D06248FC-2E8C-4724-9ADC-7EEFDB4EE49F}"/>
                   </a:ext>
                 </a:extLst>
               </p:cNvPr>
@@ -17583,11 +17572,11 @@
   <p:clrMapOvr>
     <a:masterClrMapping/>
   </p:clrMapOvr>
-  <mc:AlternateContent xmlns:mc="http://schemas.openxmlformats.org/markup-compatibility/2006" xmlns:p14="http://schemas.microsoft.com/office/powerpoint/2010/main">
-    <mc:Choice Requires="p14">
+  <mc:AlternateContent xmlns:mc="http://schemas.openxmlformats.org/markup-compatibility/2006">
+    <mc:Choice xmlns:p14="http://schemas.microsoft.com/office/powerpoint/2010/main" Requires="p14">
       <p:transition spd="slow" p14:dur="2000" advClick="0" advTm="2000"/>
     </mc:Choice>
-    <mc:Fallback xmlns="">
+    <mc:Fallback>
       <p:transition spd="slow" advClick="0" advTm="2000"/>
     </mc:Fallback>
   </mc:AlternateContent>
@@ -17703,7 +17692,7 @@
                                     </p:set>
                                     <p:anim calcmode="lin" valueType="num">
                                       <p:cBhvr>
-                                        <p:cTn id="12" dur="4000" fill="hold"/>
+                                        <p:cTn id="12" dur="1000" fill="hold"/>
                                         <p:tgtEl>
                                           <p:spTgt spid="120"/>
                                         </p:tgtEl>
@@ -17726,7 +17715,7 @@
                                     </p:anim>
                                     <p:anim calcmode="lin" valueType="num">
                                       <p:cBhvr>
-                                        <p:cTn id="13" dur="4000" fill="hold"/>
+                                        <p:cTn id="13" dur="1000" fill="hold"/>
                                         <p:tgtEl>
                                           <p:spTgt spid="120"/>
                                         </p:tgtEl>
@@ -17749,7 +17738,7 @@
                                     </p:anim>
                                     <p:anim calcmode="lin" valueType="num">
                                       <p:cBhvr>
-                                        <p:cTn id="14" dur="4000" fill="hold"/>
+                                        <p:cTn id="14" dur="1000" fill="hold"/>
                                         <p:tgtEl>
                                           <p:spTgt spid="120"/>
                                         </p:tgtEl>
@@ -17772,7 +17761,7 @@
                                     </p:anim>
                                     <p:animEffect transition="in" filter="fade">
                                       <p:cBhvr>
-                                        <p:cTn id="15" dur="4000"/>
+                                        <p:cTn id="15" dur="1000"/>
                                         <p:tgtEl>
                                           <p:spTgt spid="120"/>
                                         </p:tgtEl>
@@ -17807,7 +17796,7 @@
                                     </p:set>
                                     <p:anim calcmode="lin" valueType="num">
                                       <p:cBhvr>
-                                        <p:cTn id="18" dur="4000" fill="hold"/>
+                                        <p:cTn id="18" dur="1000" fill="hold"/>
                                         <p:tgtEl>
                                           <p:spTgt spid="21"/>
                                         </p:tgtEl>
@@ -17830,7 +17819,7 @@
                                     </p:anim>
                                     <p:anim calcmode="lin" valueType="num">
                                       <p:cBhvr>
-                                        <p:cTn id="19" dur="4000" fill="hold"/>
+                                        <p:cTn id="19" dur="1000" fill="hold"/>
                                         <p:tgtEl>
                                           <p:spTgt spid="21"/>
                                         </p:tgtEl>
@@ -17853,7 +17842,7 @@
                                     </p:anim>
                                     <p:anim calcmode="lin" valueType="num">
                                       <p:cBhvr>
-                                        <p:cTn id="20" dur="4000" fill="hold"/>
+                                        <p:cTn id="20" dur="1000" fill="hold"/>
                                         <p:tgtEl>
                                           <p:spTgt spid="21"/>
                                         </p:tgtEl>
@@ -17876,7 +17865,7 @@
                                     </p:anim>
                                     <p:animEffect transition="in" filter="fade">
                                       <p:cBhvr>
-                                        <p:cTn id="21" dur="4000"/>
+                                        <p:cTn id="21" dur="1000"/>
                                         <p:tgtEl>
                                           <p:spTgt spid="21"/>
                                         </p:tgtEl>
@@ -18899,7 +18888,7 @@
           <p:cNvPr id="5" name="Retângulo 4">
             <a:extLst>
               <a:ext uri="{FF2B5EF4-FFF2-40B4-BE49-F238E27FC236}">
-                <a16:creationId xmlns:a16="http://schemas.microsoft.com/office/drawing/2014/main" id="{BAB3F456-50CC-41AE-9B76-EC97A2174643}"/>
+                <a16:creationId xmlns="" xmlns:a16="http://schemas.microsoft.com/office/drawing/2014/main" id="{BAB3F456-50CC-41AE-9B76-EC97A2174643}"/>
               </a:ext>
             </a:extLst>
           </p:cNvPr>
@@ -18953,7 +18942,7 @@
           <p:cNvPr id="8" name="Retângulo 7">
             <a:extLst>
               <a:ext uri="{FF2B5EF4-FFF2-40B4-BE49-F238E27FC236}">
-                <a16:creationId xmlns:a16="http://schemas.microsoft.com/office/drawing/2014/main" id="{BAB3F456-50CC-41AE-9B76-EC97A2174643}"/>
+                <a16:creationId xmlns="" xmlns:a16="http://schemas.microsoft.com/office/drawing/2014/main" id="{BAB3F456-50CC-41AE-9B76-EC97A2174643}"/>
               </a:ext>
             </a:extLst>
           </p:cNvPr>
@@ -19023,7 +19012,7 @@
           <a:lstStyle/>
           <a:p>
             <a:r>
-              <a:rPr lang="pt-BR" sz="5400" b="1" dirty="0">
+              <a:rPr lang="pt-BR" sz="5400" b="1" dirty="0" smtClean="0">
                 <a:solidFill>
                   <a:schemeClr val="bg1"/>
                 </a:solidFill>
@@ -19031,6 +19020,12 @@
               </a:rPr>
               <a:t>MELHORE SEU DESEMPENHO ACADÊMICO</a:t>
             </a:r>
+            <a:endParaRPr lang="pt-BR" sz="5400" b="1" dirty="0">
+              <a:solidFill>
+                <a:schemeClr val="bg1"/>
+              </a:solidFill>
+              <a:latin typeface="Agency FB" panose="020B0503020202020204" pitchFamily="34" charset="0"/>
+            </a:endParaRPr>
           </a:p>
         </p:txBody>
       </p:sp>
@@ -20335,7 +20330,7 @@
             <a:lstStyle/>
             <a:p>
               <a:r>
-                <a:rPr lang="pt-BR" sz="3600" b="1" dirty="0">
+                <a:rPr lang="pt-BR" sz="3600" b="1" dirty="0" smtClean="0">
                   <a:solidFill>
                     <a:srgbClr val="0AB39C"/>
                   </a:solidFill>
@@ -20517,7 +20512,7 @@
               <a:lstStyle/>
               <a:p>
                 <a:r>
-                  <a:rPr lang="pt-BR" sz="3600" b="1" dirty="0">
+                  <a:rPr lang="pt-BR" sz="3600" b="1" dirty="0" smtClean="0">
                     <a:solidFill>
                       <a:srgbClr val="0AB39C"/>
                     </a:solidFill>
@@ -20688,7 +20683,7 @@
               <a:lstStyle/>
               <a:p>
                 <a:r>
-                  <a:rPr lang="pt-BR" sz="3200" b="1" dirty="0">
+                  <a:rPr lang="pt-BR" sz="3200" b="1" dirty="0" smtClean="0">
                     <a:solidFill>
                       <a:srgbClr val="0AB39C"/>
                     </a:solidFill>
@@ -21324,15 +21319,24 @@
                                   </p:childTnLst>
                                 </p:cTn>
                               </p:par>
+                            </p:childTnLst>
+                          </p:cTn>
+                        </p:par>
+                        <p:par>
+                          <p:cTn id="30" fill="hold">
+                            <p:stCondLst>
+                              <p:cond delay="1750"/>
+                            </p:stCondLst>
+                            <p:childTnLst>
                               <p:par>
-                                <p:cTn id="30" presetID="1" presetClass="entr" presetSubtype="0" fill="hold" nodeType="withEffect">
+                                <p:cTn id="31" presetID="1" presetClass="entr" presetSubtype="0" fill="hold" nodeType="afterEffect">
                                   <p:stCondLst>
-                                    <p:cond delay="1500"/>
+                                    <p:cond delay="0"/>
                                   </p:stCondLst>
                                   <p:childTnLst>
                                     <p:set>
                                       <p:cBhvr>
-                                        <p:cTn id="31" dur="1" fill="hold">
+                                        <p:cTn id="32" dur="1" fill="hold">
                                           <p:stCondLst>
                                             <p:cond delay="0"/>
                                           </p:stCondLst>
@@ -21352,14 +21356,14 @@
                                 </p:cTn>
                               </p:par>
                               <p:par>
-                                <p:cTn id="32" presetID="1" presetClass="entr" presetSubtype="0" fill="hold" nodeType="withEffect">
+                                <p:cTn id="33" presetID="1" presetClass="entr" presetSubtype="0" fill="hold" nodeType="withEffect">
                                   <p:stCondLst>
-                                    <p:cond delay="1500"/>
+                                    <p:cond delay="0"/>
                                   </p:stCondLst>
                                   <p:childTnLst>
                                     <p:set>
                                       <p:cBhvr>
-                                        <p:cTn id="33" dur="1" fill="hold">
+                                        <p:cTn id="34" dur="1" fill="hold">
                                           <p:stCondLst>
                                             <p:cond delay="0"/>
                                           </p:stCondLst>
@@ -21379,14 +21383,14 @@
                                 </p:cTn>
                               </p:par>
                               <p:par>
-                                <p:cTn id="34" presetID="1" presetClass="entr" presetSubtype="0" fill="hold" nodeType="withEffect">
+                                <p:cTn id="35" presetID="1" presetClass="entr" presetSubtype="0" fill="hold" nodeType="withEffect">
                                   <p:stCondLst>
-                                    <p:cond delay="1500"/>
+                                    <p:cond delay="0"/>
                                   </p:stCondLst>
                                   <p:childTnLst>
                                     <p:set>
                                       <p:cBhvr>
-                                        <p:cTn id="35" dur="1" fill="hold">
+                                        <p:cTn id="36" dur="1" fill="hold">
                                           <p:stCondLst>
                                             <p:cond delay="0"/>
                                           </p:stCondLst>
@@ -21405,15 +21409,24 @@
                                   </p:childTnLst>
                                 </p:cTn>
                               </p:par>
+                            </p:childTnLst>
+                          </p:cTn>
+                        </p:par>
+                        <p:par>
+                          <p:cTn id="37" fill="hold">
+                            <p:stCondLst>
+                              <p:cond delay="1750"/>
+                            </p:stCondLst>
+                            <p:childTnLst>
                               <p:par>
-                                <p:cTn id="36" presetID="42" presetClass="path" presetSubtype="0" accel="50000" decel="50000" fill="hold" nodeType="withEffect">
+                                <p:cTn id="38" presetID="42" presetClass="path" presetSubtype="0" accel="50000" decel="50000" fill="hold" nodeType="afterEffect">
                                   <p:stCondLst>
-                                    <p:cond delay="1750"/>
+                                    <p:cond delay="0"/>
                                   </p:stCondLst>
                                   <p:childTnLst>
                                     <p:animMotion origin="layout" path="M 8.33333E-7 -0.36393 L 8.33333E-7 0.33618 " pathEditMode="relative" rAng="0" ptsTypes="AA">
                                       <p:cBhvr>
-                                        <p:cTn id="37" dur="750" fill="hold"/>
+                                        <p:cTn id="39" dur="2000" fill="hold"/>
                                         <p:tgtEl>
                                           <p:spTgt spid="20"/>
                                         </p:tgtEl>
@@ -21428,14 +21441,14 @@
                                 </p:cTn>
                               </p:par>
                               <p:par>
-                                <p:cTn id="38" presetID="42" presetClass="path" presetSubtype="0" accel="50000" decel="50000" fill="hold" nodeType="withEffect">
+                                <p:cTn id="40" presetID="42" presetClass="path" presetSubtype="0" accel="50000" decel="50000" fill="hold" nodeType="withEffect">
                                   <p:stCondLst>
-                                    <p:cond delay="2000"/>
+                                    <p:cond delay="250"/>
                                   </p:stCondLst>
                                   <p:childTnLst>
                                     <p:animMotion origin="layout" path="M 8.33333E-7 -0.34474 L 8.33333E-7 0.35746 " pathEditMode="relative" rAng="0" ptsTypes="AA">
                                       <p:cBhvr>
-                                        <p:cTn id="39" dur="750" fill="hold"/>
+                                        <p:cTn id="41" dur="2000" fill="hold"/>
                                         <p:tgtEl>
                                           <p:spTgt spid="25"/>
                                         </p:tgtEl>
@@ -21450,14 +21463,14 @@
                                 </p:cTn>
                               </p:par>
                               <p:par>
-                                <p:cTn id="40" presetID="42" presetClass="path" presetSubtype="0" accel="50000" decel="50000" fill="hold" nodeType="withEffect">
+                                <p:cTn id="42" presetID="42" presetClass="path" presetSubtype="0" accel="50000" decel="50000" fill="hold" nodeType="withEffect">
                                   <p:stCondLst>
-                                    <p:cond delay="1500"/>
+                                    <p:cond delay="750"/>
                                   </p:stCondLst>
                                   <p:childTnLst>
                                     <p:animMotion origin="layout" path="M -3.33333E-6 -0.27099 L -3.33333E-6 0.30427 " pathEditMode="relative" rAng="0" ptsTypes="AA">
                                       <p:cBhvr>
-                                        <p:cTn id="41" dur="750" fill="hold"/>
+                                        <p:cTn id="43" dur="2000" fill="hold"/>
                                         <p:tgtEl>
                                           <p:spTgt spid="28"/>
                                         </p:tgtEl>
@@ -21467,3204 +21480,6 @@
                                         </p:attrNameLst>
                                       </p:cBhvr>
                                       <p:rCtr x="0" y="28763"/>
-                                    </p:animMotion>
-                                  </p:childTnLst>
-                                </p:cTn>
-                              </p:par>
-                            </p:childTnLst>
-                          </p:cTn>
-                        </p:par>
-                      </p:childTnLst>
-                    </p:cTn>
-                  </p:par>
-                </p:childTnLst>
-              </p:cTn>
-              <p:prevCondLst>
-                <p:cond evt="onPrev" delay="0">
-                  <p:tgtEl>
-                    <p:sldTgt/>
-                  </p:tgtEl>
-                </p:cond>
-              </p:prevCondLst>
-              <p:nextCondLst>
-                <p:cond evt="onNext" delay="0">
-                  <p:tgtEl>
-                    <p:sldTgt/>
-                  </p:tgtEl>
-                </p:cond>
-              </p:nextCondLst>
-            </p:seq>
-          </p:childTnLst>
-        </p:cTn>
-      </p:par>
-    </p:tnLst>
-  </p:timing>
-</p:sld>
-</file>
-
-<file path=ppt/slides/slide7.xml><?xml version="1.0" encoding="utf-8"?>
-<p:sld xmlns:a="http://schemas.openxmlformats.org/drawingml/2006/main" xmlns:r="http://schemas.openxmlformats.org/officeDocument/2006/relationships" xmlns:p="http://schemas.openxmlformats.org/presentationml/2006/main">
-  <p:cSld>
-    <p:bg>
-      <p:bgPr>
-        <a:solidFill>
-          <a:schemeClr val="bg1"/>
-        </a:solidFill>
-        <a:effectLst/>
-      </p:bgPr>
-    </p:bg>
-    <p:spTree>
-      <p:nvGrpSpPr>
-        <p:cNvPr id="1" name=""/>
-        <p:cNvGrpSpPr/>
-        <p:nvPr/>
-      </p:nvGrpSpPr>
-      <p:grpSpPr>
-        <a:xfrm>
-          <a:off x="0" y="0"/>
-          <a:ext cx="0" cy="0"/>
-          <a:chOff x="0" y="0"/>
-          <a:chExt cx="0" cy="0"/>
-        </a:xfrm>
-      </p:grpSpPr>
-      <p:sp>
-        <p:nvSpPr>
-          <p:cNvPr id="39" name="Retângulo 38">
-            <a:extLst>
-              <a:ext uri="{FF2B5EF4-FFF2-40B4-BE49-F238E27FC236}">
-                <a16:creationId xmlns:a16="http://schemas.microsoft.com/office/drawing/2014/main" id="{054209AC-81CE-47B8-802D-C3BA757B3EDE}"/>
-              </a:ext>
-            </a:extLst>
-          </p:cNvPr>
-          <p:cNvSpPr/>
-          <p:nvPr/>
-        </p:nvSpPr>
-        <p:spPr>
-          <a:xfrm>
-            <a:off x="0" y="0"/>
-            <a:ext cx="12192000" cy="6858000"/>
-          </a:xfrm>
-          <a:prstGeom prst="rect">
-            <a:avLst/>
-          </a:prstGeom>
-          <a:solidFill>
-            <a:schemeClr val="bg1">
-              <a:lumMod val="95000"/>
-            </a:schemeClr>
-          </a:solidFill>
-          <a:ln>
-            <a:noFill/>
-          </a:ln>
-        </p:spPr>
-        <p:style>
-          <a:lnRef idx="2">
-            <a:schemeClr val="accent1">
-              <a:shade val="50000"/>
-            </a:schemeClr>
-          </a:lnRef>
-          <a:fillRef idx="1">
-            <a:schemeClr val="accent1"/>
-          </a:fillRef>
-          <a:effectRef idx="0">
-            <a:schemeClr val="accent1"/>
-          </a:effectRef>
-          <a:fontRef idx="minor">
-            <a:schemeClr val="lt1"/>
-          </a:fontRef>
-        </p:style>
-        <p:txBody>
-          <a:bodyPr rtlCol="0" anchor="ctr"/>
-          <a:lstStyle/>
-          <a:p>
-            <a:pPr algn="ctr"/>
-            <a:endParaRPr lang="pt-BR"/>
-          </a:p>
-        </p:txBody>
-      </p:sp>
-      <p:sp>
-        <p:nvSpPr>
-          <p:cNvPr id="38" name="Retângulo 37">
-            <a:extLst>
-              <a:ext uri="{FF2B5EF4-FFF2-40B4-BE49-F238E27FC236}">
-                <a16:creationId xmlns:a16="http://schemas.microsoft.com/office/drawing/2014/main" id="{5F694A70-191A-468B-84F1-BE9B851E10D8}"/>
-              </a:ext>
-            </a:extLst>
-          </p:cNvPr>
-          <p:cNvSpPr/>
-          <p:nvPr/>
-        </p:nvSpPr>
-        <p:spPr>
-          <a:xfrm>
-            <a:off x="0" y="0"/>
-            <a:ext cx="12192000" cy="6858000"/>
-          </a:xfrm>
-          <a:prstGeom prst="rect">
-            <a:avLst/>
-          </a:prstGeom>
-          <a:solidFill>
-            <a:srgbClr val="006CC1"/>
-          </a:solidFill>
-          <a:ln>
-            <a:noFill/>
-          </a:ln>
-        </p:spPr>
-        <p:style>
-          <a:lnRef idx="2">
-            <a:schemeClr val="accent1">
-              <a:shade val="50000"/>
-            </a:schemeClr>
-          </a:lnRef>
-          <a:fillRef idx="1">
-            <a:schemeClr val="accent1"/>
-          </a:fillRef>
-          <a:effectRef idx="0">
-            <a:schemeClr val="accent1"/>
-          </a:effectRef>
-          <a:fontRef idx="minor">
-            <a:schemeClr val="lt1"/>
-          </a:fontRef>
-        </p:style>
-        <p:txBody>
-          <a:bodyPr rtlCol="0" anchor="ctr"/>
-          <a:lstStyle/>
-          <a:p>
-            <a:pPr algn="ctr"/>
-            <a:endParaRPr lang="pt-BR"/>
-          </a:p>
-        </p:txBody>
-      </p:sp>
-      <p:sp>
-        <p:nvSpPr>
-          <p:cNvPr id="40" name="CaixaDeTexto 39">
-            <a:extLst>
-              <a:ext uri="{FF2B5EF4-FFF2-40B4-BE49-F238E27FC236}">
-                <a16:creationId xmlns:a16="http://schemas.microsoft.com/office/drawing/2014/main" id="{A8F9B3D4-13C1-4A25-A9AB-436EF3B88EA2}"/>
-              </a:ext>
-            </a:extLst>
-          </p:cNvPr>
-          <p:cNvSpPr txBox="1"/>
-          <p:nvPr/>
-        </p:nvSpPr>
-        <p:spPr>
-          <a:xfrm>
-            <a:off x="2381986" y="2459616"/>
-            <a:ext cx="7704943" cy="1446550"/>
-          </a:xfrm>
-          <a:prstGeom prst="rect">
-            <a:avLst/>
-          </a:prstGeom>
-          <a:noFill/>
-        </p:spPr>
-        <p:txBody>
-          <a:bodyPr wrap="square" rtlCol="0">
-            <a:spAutoFit/>
-          </a:bodyPr>
-          <a:lstStyle/>
-          <a:p>
-            <a:pPr algn="ctr"/>
-            <a:r>
-              <a:rPr lang="pt-BR" sz="4400" dirty="0">
-                <a:solidFill>
-                  <a:schemeClr val="bg1"/>
-                </a:solidFill>
-                <a:latin typeface="Righteous" panose="02010506000000020000" pitchFamily="2" charset="0"/>
-              </a:rPr>
-              <a:t>ADICIONE FILTROS PARA PESQUISAR SUAS TAREFAS</a:t>
-            </a:r>
-          </a:p>
-        </p:txBody>
-      </p:sp>
-    </p:spTree>
-    <p:extLst>
-      <p:ext uri="{BB962C8B-B14F-4D97-AF65-F5344CB8AC3E}">
-        <p14:creationId xmlns:p14="http://schemas.microsoft.com/office/powerpoint/2010/main" val="2068148537"/>
-      </p:ext>
-    </p:extLst>
-  </p:cSld>
-  <p:clrMapOvr>
-    <a:masterClrMapping/>
-  </p:clrMapOvr>
-  <mc:AlternateContent xmlns:mc="http://schemas.openxmlformats.org/markup-compatibility/2006" xmlns:p14="http://schemas.microsoft.com/office/powerpoint/2010/main">
-    <mc:Choice Requires="p14">
-      <p:transition spd="slow" p14:dur="2000" advClick="0" advTm="4000"/>
-    </mc:Choice>
-    <mc:Fallback xmlns="">
-      <p:transition spd="slow" advClick="0" advTm="4000"/>
-    </mc:Fallback>
-  </mc:AlternateContent>
-  <p:timing>
-    <p:tnLst>
-      <p:par>
-        <p:cTn id="1" dur="indefinite" restart="never" nodeType="tmRoot">
-          <p:childTnLst>
-            <p:seq concurrent="1" nextAc="seek">
-              <p:cTn id="2" dur="indefinite" nodeType="mainSeq">
-                <p:childTnLst>
-                  <p:par>
-                    <p:cTn id="3" fill="hold">
-                      <p:stCondLst>
-                        <p:cond delay="indefinite"/>
-                        <p:cond evt="onBegin" delay="0">
-                          <p:tn val="2"/>
-                        </p:cond>
-                      </p:stCondLst>
-                      <p:childTnLst>
-                        <p:par>
-                          <p:cTn id="4" fill="hold">
-                            <p:stCondLst>
-                              <p:cond delay="0"/>
-                            </p:stCondLst>
-                            <p:childTnLst>
-                              <p:par>
-                                <p:cTn id="5" presetID="2" presetClass="entr" presetSubtype="4" decel="100000" fill="hold" grpId="0" nodeType="withEffect">
-                                  <p:stCondLst>
-                                    <p:cond delay="150"/>
-                                  </p:stCondLst>
-                                  <p:childTnLst>
-                                    <p:set>
-                                      <p:cBhvr>
-                                        <p:cTn id="6" dur="1" fill="hold">
-                                          <p:stCondLst>
-                                            <p:cond delay="0"/>
-                                          </p:stCondLst>
-                                        </p:cTn>
-                                        <p:tgtEl>
-                                          <p:spTgt spid="38"/>
-                                        </p:tgtEl>
-                                        <p:attrNameLst>
-                                          <p:attrName>style.visibility</p:attrName>
-                                        </p:attrNameLst>
-                                      </p:cBhvr>
-                                      <p:to>
-                                        <p:strVal val="visible"/>
-                                      </p:to>
-                                    </p:set>
-                                    <p:anim calcmode="lin" valueType="num">
-                                      <p:cBhvr additive="base">
-                                        <p:cTn id="7" dur="500" fill="hold"/>
-                                        <p:tgtEl>
-                                          <p:spTgt spid="38"/>
-                                        </p:tgtEl>
-                                        <p:attrNameLst>
-                                          <p:attrName>ppt_x</p:attrName>
-                                        </p:attrNameLst>
-                                      </p:cBhvr>
-                                      <p:tavLst>
-                                        <p:tav tm="0">
-                                          <p:val>
-                                            <p:strVal val="#ppt_x"/>
-                                          </p:val>
-                                        </p:tav>
-                                        <p:tav tm="100000">
-                                          <p:val>
-                                            <p:strVal val="#ppt_x"/>
-                                          </p:val>
-                                        </p:tav>
-                                      </p:tavLst>
-                                    </p:anim>
-                                    <p:anim calcmode="lin" valueType="num">
-                                      <p:cBhvr additive="base">
-                                        <p:cTn id="8" dur="500" fill="hold"/>
-                                        <p:tgtEl>
-                                          <p:spTgt spid="38"/>
-                                        </p:tgtEl>
-                                        <p:attrNameLst>
-                                          <p:attrName>ppt_y</p:attrName>
-                                        </p:attrNameLst>
-                                      </p:cBhvr>
-                                      <p:tavLst>
-                                        <p:tav tm="0">
-                                          <p:val>
-                                            <p:strVal val="1+#ppt_h/2"/>
-                                          </p:val>
-                                        </p:tav>
-                                        <p:tav tm="100000">
-                                          <p:val>
-                                            <p:strVal val="#ppt_y"/>
-                                          </p:val>
-                                        </p:tav>
-                                      </p:tavLst>
-                                    </p:anim>
-                                  </p:childTnLst>
-                                </p:cTn>
-                              </p:par>
-                              <p:par>
-                                <p:cTn id="9" presetID="2" presetClass="entr" presetSubtype="4" decel="100000" fill="hold" grpId="0" nodeType="withEffect">
-                                  <p:stCondLst>
-                                    <p:cond delay="0"/>
-                                  </p:stCondLst>
-                                  <p:childTnLst>
-                                    <p:set>
-                                      <p:cBhvr>
-                                        <p:cTn id="10" dur="1" fill="hold">
-                                          <p:stCondLst>
-                                            <p:cond delay="0"/>
-                                          </p:stCondLst>
-                                        </p:cTn>
-                                        <p:tgtEl>
-                                          <p:spTgt spid="39"/>
-                                        </p:tgtEl>
-                                        <p:attrNameLst>
-                                          <p:attrName>style.visibility</p:attrName>
-                                        </p:attrNameLst>
-                                      </p:cBhvr>
-                                      <p:to>
-                                        <p:strVal val="visible"/>
-                                      </p:to>
-                                    </p:set>
-                                    <p:anim calcmode="lin" valueType="num">
-                                      <p:cBhvr additive="base">
-                                        <p:cTn id="11" dur="500" fill="hold"/>
-                                        <p:tgtEl>
-                                          <p:spTgt spid="39"/>
-                                        </p:tgtEl>
-                                        <p:attrNameLst>
-                                          <p:attrName>ppt_x</p:attrName>
-                                        </p:attrNameLst>
-                                      </p:cBhvr>
-                                      <p:tavLst>
-                                        <p:tav tm="0">
-                                          <p:val>
-                                            <p:strVal val="#ppt_x"/>
-                                          </p:val>
-                                        </p:tav>
-                                        <p:tav tm="100000">
-                                          <p:val>
-                                            <p:strVal val="#ppt_x"/>
-                                          </p:val>
-                                        </p:tav>
-                                      </p:tavLst>
-                                    </p:anim>
-                                    <p:anim calcmode="lin" valueType="num">
-                                      <p:cBhvr additive="base">
-                                        <p:cTn id="12" dur="500" fill="hold"/>
-                                        <p:tgtEl>
-                                          <p:spTgt spid="39"/>
-                                        </p:tgtEl>
-                                        <p:attrNameLst>
-                                          <p:attrName>ppt_y</p:attrName>
-                                        </p:attrNameLst>
-                                      </p:cBhvr>
-                                      <p:tavLst>
-                                        <p:tav tm="0">
-                                          <p:val>
-                                            <p:strVal val="1+#ppt_h/2"/>
-                                          </p:val>
-                                        </p:tav>
-                                        <p:tav tm="100000">
-                                          <p:val>
-                                            <p:strVal val="#ppt_y"/>
-                                          </p:val>
-                                        </p:tav>
-                                      </p:tavLst>
-                                    </p:anim>
-                                  </p:childTnLst>
-                                </p:cTn>
-                              </p:par>
-                            </p:childTnLst>
-                          </p:cTn>
-                        </p:par>
-                        <p:par>
-                          <p:cTn id="13" fill="hold">
-                            <p:stCondLst>
-                              <p:cond delay="650"/>
-                            </p:stCondLst>
-                            <p:childTnLst>
-                              <p:par>
-                                <p:cTn id="14" presetID="2" presetClass="entr" presetSubtype="4" decel="100000" fill="hold" grpId="0" nodeType="afterEffect">
-                                  <p:stCondLst>
-                                    <p:cond delay="0"/>
-                                  </p:stCondLst>
-                                  <p:iterate type="lt">
-                                    <p:tmPct val="10000"/>
-                                  </p:iterate>
-                                  <p:childTnLst>
-                                    <p:set>
-                                      <p:cBhvr>
-                                        <p:cTn id="15" dur="1" fill="hold">
-                                          <p:stCondLst>
-                                            <p:cond delay="0"/>
-                                          </p:stCondLst>
-                                        </p:cTn>
-                                        <p:tgtEl>
-                                          <p:spTgt spid="40"/>
-                                        </p:tgtEl>
-                                        <p:attrNameLst>
-                                          <p:attrName>style.visibility</p:attrName>
-                                        </p:attrNameLst>
-                                      </p:cBhvr>
-                                      <p:to>
-                                        <p:strVal val="visible"/>
-                                      </p:to>
-                                    </p:set>
-                                    <p:anim calcmode="lin" valueType="num">
-                                      <p:cBhvr additive="base">
-                                        <p:cTn id="16" dur="500" fill="hold"/>
-                                        <p:tgtEl>
-                                          <p:spTgt spid="40"/>
-                                        </p:tgtEl>
-                                        <p:attrNameLst>
-                                          <p:attrName>ppt_x</p:attrName>
-                                        </p:attrNameLst>
-                                      </p:cBhvr>
-                                      <p:tavLst>
-                                        <p:tav tm="0">
-                                          <p:val>
-                                            <p:strVal val="#ppt_x"/>
-                                          </p:val>
-                                        </p:tav>
-                                        <p:tav tm="100000">
-                                          <p:val>
-                                            <p:strVal val="#ppt_x"/>
-                                          </p:val>
-                                        </p:tav>
-                                      </p:tavLst>
-                                    </p:anim>
-                                    <p:anim calcmode="lin" valueType="num">
-                                      <p:cBhvr additive="base">
-                                        <p:cTn id="17" dur="500" fill="hold"/>
-                                        <p:tgtEl>
-                                          <p:spTgt spid="40"/>
-                                        </p:tgtEl>
-                                        <p:attrNameLst>
-                                          <p:attrName>ppt_y</p:attrName>
-                                        </p:attrNameLst>
-                                      </p:cBhvr>
-                                      <p:tavLst>
-                                        <p:tav tm="0">
-                                          <p:val>
-                                            <p:strVal val="1+#ppt_h/2"/>
-                                          </p:val>
-                                        </p:tav>
-                                        <p:tav tm="100000">
-                                          <p:val>
-                                            <p:strVal val="#ppt_y"/>
-                                          </p:val>
-                                        </p:tav>
-                                      </p:tavLst>
-                                    </p:anim>
-                                  </p:childTnLst>
-                                </p:cTn>
-                              </p:par>
-                            </p:childTnLst>
-                          </p:cTn>
-                        </p:par>
-                        <p:par>
-                          <p:cTn id="18" fill="hold">
-                            <p:stCondLst>
-                              <p:cond delay="3050"/>
-                            </p:stCondLst>
-                            <p:childTnLst>
-                              <p:par>
-                                <p:cTn id="19" presetID="2" presetClass="exit" presetSubtype="1" accel="100000" fill="hold" grpId="2" nodeType="afterEffect">
-                                  <p:stCondLst>
-                                    <p:cond delay="750"/>
-                                  </p:stCondLst>
-                                  <p:iterate type="lt">
-                                    <p:tmPct val="0"/>
-                                  </p:iterate>
-                                  <p:childTnLst>
-                                    <p:anim calcmode="lin" valueType="num">
-                                      <p:cBhvr additive="base">
-                                        <p:cTn id="20" dur="500"/>
-                                        <p:tgtEl>
-                                          <p:spTgt spid="40"/>
-                                        </p:tgtEl>
-                                        <p:attrNameLst>
-                                          <p:attrName>ppt_x</p:attrName>
-                                        </p:attrNameLst>
-                                      </p:cBhvr>
-                                      <p:tavLst>
-                                        <p:tav tm="0">
-                                          <p:val>
-                                            <p:strVal val="ppt_x"/>
-                                          </p:val>
-                                        </p:tav>
-                                        <p:tav tm="100000">
-                                          <p:val>
-                                            <p:strVal val="ppt_x"/>
-                                          </p:val>
-                                        </p:tav>
-                                      </p:tavLst>
-                                    </p:anim>
-                                    <p:anim calcmode="lin" valueType="num">
-                                      <p:cBhvr additive="base">
-                                        <p:cTn id="21" dur="500"/>
-                                        <p:tgtEl>
-                                          <p:spTgt spid="40"/>
-                                        </p:tgtEl>
-                                        <p:attrNameLst>
-                                          <p:attrName>ppt_y</p:attrName>
-                                        </p:attrNameLst>
-                                      </p:cBhvr>
-                                      <p:tavLst>
-                                        <p:tav tm="0">
-                                          <p:val>
-                                            <p:strVal val="ppt_y"/>
-                                          </p:val>
-                                        </p:tav>
-                                        <p:tav tm="100000">
-                                          <p:val>
-                                            <p:strVal val="0-ppt_h/2"/>
-                                          </p:val>
-                                        </p:tav>
-                                      </p:tavLst>
-                                    </p:anim>
-                                    <p:set>
-                                      <p:cBhvr>
-                                        <p:cTn id="22" dur="1" fill="hold">
-                                          <p:stCondLst>
-                                            <p:cond delay="499"/>
-                                          </p:stCondLst>
-                                        </p:cTn>
-                                        <p:tgtEl>
-                                          <p:spTgt spid="40"/>
-                                        </p:tgtEl>
-                                        <p:attrNameLst>
-                                          <p:attrName>style.visibility</p:attrName>
-                                        </p:attrNameLst>
-                                      </p:cBhvr>
-                                      <p:to>
-                                        <p:strVal val="hidden"/>
-                                      </p:to>
-                                    </p:set>
-                                  </p:childTnLst>
-                                </p:cTn>
-                              </p:par>
-                            </p:childTnLst>
-                          </p:cTn>
-                        </p:par>
-                        <p:par>
-                          <p:cTn id="23" fill="hold">
-                            <p:stCondLst>
-                              <p:cond delay="4300"/>
-                            </p:stCondLst>
-                            <p:childTnLst>
-                              <p:par>
-                                <p:cTn id="24" presetID="2" presetClass="exit" presetSubtype="8" fill="hold" grpId="1" nodeType="afterEffect">
-                                  <p:stCondLst>
-                                    <p:cond delay="0"/>
-                                  </p:stCondLst>
-                                  <p:childTnLst>
-                                    <p:anim calcmode="lin" valueType="num">
-                                      <p:cBhvr additive="base">
-                                        <p:cTn id="25" dur="500"/>
-                                        <p:tgtEl>
-                                          <p:spTgt spid="38"/>
-                                        </p:tgtEl>
-                                        <p:attrNameLst>
-                                          <p:attrName>ppt_x</p:attrName>
-                                        </p:attrNameLst>
-                                      </p:cBhvr>
-                                      <p:tavLst>
-                                        <p:tav tm="0">
-                                          <p:val>
-                                            <p:strVal val="ppt_x"/>
-                                          </p:val>
-                                        </p:tav>
-                                        <p:tav tm="100000">
-                                          <p:val>
-                                            <p:strVal val="0-ppt_w/2"/>
-                                          </p:val>
-                                        </p:tav>
-                                      </p:tavLst>
-                                    </p:anim>
-                                    <p:anim calcmode="lin" valueType="num">
-                                      <p:cBhvr additive="base">
-                                        <p:cTn id="26" dur="500"/>
-                                        <p:tgtEl>
-                                          <p:spTgt spid="38"/>
-                                        </p:tgtEl>
-                                        <p:attrNameLst>
-                                          <p:attrName>ppt_y</p:attrName>
-                                        </p:attrNameLst>
-                                      </p:cBhvr>
-                                      <p:tavLst>
-                                        <p:tav tm="0">
-                                          <p:val>
-                                            <p:strVal val="ppt_y"/>
-                                          </p:val>
-                                        </p:tav>
-                                        <p:tav tm="100000">
-                                          <p:val>
-                                            <p:strVal val="ppt_y"/>
-                                          </p:val>
-                                        </p:tav>
-                                      </p:tavLst>
-                                    </p:anim>
-                                    <p:set>
-                                      <p:cBhvr>
-                                        <p:cTn id="27" dur="1" fill="hold">
-                                          <p:stCondLst>
-                                            <p:cond delay="499"/>
-                                          </p:stCondLst>
-                                        </p:cTn>
-                                        <p:tgtEl>
-                                          <p:spTgt spid="38"/>
-                                        </p:tgtEl>
-                                        <p:attrNameLst>
-                                          <p:attrName>style.visibility</p:attrName>
-                                        </p:attrNameLst>
-                                      </p:cBhvr>
-                                      <p:to>
-                                        <p:strVal val="hidden"/>
-                                      </p:to>
-                                    </p:set>
-                                  </p:childTnLst>
-                                </p:cTn>
-                              </p:par>
-                              <p:par>
-                                <p:cTn id="28" presetID="2" presetClass="exit" presetSubtype="8" fill="hold" grpId="1" nodeType="withEffect">
-                                  <p:stCondLst>
-                                    <p:cond delay="250"/>
-                                  </p:stCondLst>
-                                  <p:childTnLst>
-                                    <p:anim calcmode="lin" valueType="num">
-                                      <p:cBhvr additive="base">
-                                        <p:cTn id="29" dur="500"/>
-                                        <p:tgtEl>
-                                          <p:spTgt spid="39"/>
-                                        </p:tgtEl>
-                                        <p:attrNameLst>
-                                          <p:attrName>ppt_x</p:attrName>
-                                        </p:attrNameLst>
-                                      </p:cBhvr>
-                                      <p:tavLst>
-                                        <p:tav tm="0">
-                                          <p:val>
-                                            <p:strVal val="ppt_x"/>
-                                          </p:val>
-                                        </p:tav>
-                                        <p:tav tm="100000">
-                                          <p:val>
-                                            <p:strVal val="0-ppt_w/2"/>
-                                          </p:val>
-                                        </p:tav>
-                                      </p:tavLst>
-                                    </p:anim>
-                                    <p:anim calcmode="lin" valueType="num">
-                                      <p:cBhvr additive="base">
-                                        <p:cTn id="30" dur="500"/>
-                                        <p:tgtEl>
-                                          <p:spTgt spid="39"/>
-                                        </p:tgtEl>
-                                        <p:attrNameLst>
-                                          <p:attrName>ppt_y</p:attrName>
-                                        </p:attrNameLst>
-                                      </p:cBhvr>
-                                      <p:tavLst>
-                                        <p:tav tm="0">
-                                          <p:val>
-                                            <p:strVal val="ppt_y"/>
-                                          </p:val>
-                                        </p:tav>
-                                        <p:tav tm="100000">
-                                          <p:val>
-                                            <p:strVal val="ppt_y"/>
-                                          </p:val>
-                                        </p:tav>
-                                      </p:tavLst>
-                                    </p:anim>
-                                    <p:set>
-                                      <p:cBhvr>
-                                        <p:cTn id="31" dur="1" fill="hold">
-                                          <p:stCondLst>
-                                            <p:cond delay="499"/>
-                                          </p:stCondLst>
-                                        </p:cTn>
-                                        <p:tgtEl>
-                                          <p:spTgt spid="39"/>
-                                        </p:tgtEl>
-                                        <p:attrNameLst>
-                                          <p:attrName>style.visibility</p:attrName>
-                                        </p:attrNameLst>
-                                      </p:cBhvr>
-                                      <p:to>
-                                        <p:strVal val="hidden"/>
-                                      </p:to>
-                                    </p:set>
-                                  </p:childTnLst>
-                                </p:cTn>
-                              </p:par>
-                            </p:childTnLst>
-                          </p:cTn>
-                        </p:par>
-                      </p:childTnLst>
-                    </p:cTn>
-                  </p:par>
-                </p:childTnLst>
-              </p:cTn>
-              <p:prevCondLst>
-                <p:cond evt="onPrev" delay="0">
-                  <p:tgtEl>
-                    <p:sldTgt/>
-                  </p:tgtEl>
-                </p:cond>
-              </p:prevCondLst>
-              <p:nextCondLst>
-                <p:cond evt="onNext" delay="0">
-                  <p:tgtEl>
-                    <p:sldTgt/>
-                  </p:tgtEl>
-                </p:cond>
-              </p:nextCondLst>
-            </p:seq>
-          </p:childTnLst>
-        </p:cTn>
-      </p:par>
-    </p:tnLst>
-    <p:bldLst>
-      <p:bldP spid="39" grpId="0" animBg="1"/>
-      <p:bldP spid="39" grpId="1" animBg="1"/>
-      <p:bldP spid="38" grpId="0" animBg="1"/>
-      <p:bldP spid="38" grpId="1" animBg="1"/>
-      <p:bldP spid="40" grpId="0"/>
-      <p:bldP spid="40" grpId="2"/>
-    </p:bldLst>
-  </p:timing>
-</p:sld>
-</file>
-
-<file path=ppt/slides/slide8.xml><?xml version="1.0" encoding="utf-8"?>
-<p:sld xmlns:a="http://schemas.openxmlformats.org/drawingml/2006/main" xmlns:r="http://schemas.openxmlformats.org/officeDocument/2006/relationships" xmlns:p="http://schemas.openxmlformats.org/presentationml/2006/main">
-  <p:cSld>
-    <p:spTree>
-      <p:nvGrpSpPr>
-        <p:cNvPr id="1" name=""/>
-        <p:cNvGrpSpPr/>
-        <p:nvPr/>
-      </p:nvGrpSpPr>
-      <p:grpSpPr>
-        <a:xfrm>
-          <a:off x="0" y="0"/>
-          <a:ext cx="0" cy="0"/>
-          <a:chOff x="0" y="0"/>
-          <a:chExt cx="0" cy="0"/>
-        </a:xfrm>
-      </p:grpSpPr>
-      <p:grpSp>
-        <p:nvGrpSpPr>
-          <p:cNvPr id="4" name="Agrupar 3">
-            <a:extLst>
-              <a:ext uri="{FF2B5EF4-FFF2-40B4-BE49-F238E27FC236}">
-                <a16:creationId xmlns:a16="http://schemas.microsoft.com/office/drawing/2014/main" id="{D84A55F8-8135-43E2-80D4-3FE5E4FB2A60}"/>
-              </a:ext>
-            </a:extLst>
-          </p:cNvPr>
-          <p:cNvGrpSpPr/>
-          <p:nvPr/>
-        </p:nvGrpSpPr>
-        <p:grpSpPr>
-          <a:xfrm>
-            <a:off x="681508" y="1341727"/>
-            <a:ext cx="10687988" cy="794479"/>
-            <a:chOff x="659566" y="599605"/>
-            <a:chExt cx="10687988" cy="794479"/>
-          </a:xfrm>
-          <a:effectLst>
-            <a:outerShdw blurRad="50800" dist="38100" dir="5400000" algn="t" rotWithShape="0">
-              <a:prstClr val="black">
-                <a:alpha val="40000"/>
-              </a:prstClr>
-            </a:outerShdw>
-          </a:effectLst>
-        </p:grpSpPr>
-        <p:sp>
-          <p:nvSpPr>
-            <p:cNvPr id="5" name="Retângulo 4">
-              <a:extLst>
-                <a:ext uri="{FF2B5EF4-FFF2-40B4-BE49-F238E27FC236}">
-                  <a16:creationId xmlns:a16="http://schemas.microsoft.com/office/drawing/2014/main" id="{91A9B6FA-064C-49CB-AC3B-C4240372BC62}"/>
-                </a:ext>
-              </a:extLst>
-            </p:cNvPr>
-            <p:cNvSpPr/>
-            <p:nvPr/>
-          </p:nvSpPr>
-          <p:spPr>
-            <a:xfrm>
-              <a:off x="659566" y="599605"/>
-              <a:ext cx="10687988" cy="794479"/>
-            </a:xfrm>
-            <a:prstGeom prst="rect">
-              <a:avLst/>
-            </a:prstGeom>
-            <a:solidFill>
-              <a:srgbClr val="0086EA"/>
-            </a:solidFill>
-            <a:ln w="76200">
-              <a:solidFill>
-                <a:srgbClr val="006CC1"/>
-              </a:solidFill>
-            </a:ln>
-          </p:spPr>
-          <p:style>
-            <a:lnRef idx="2">
-              <a:schemeClr val="accent1">
-                <a:shade val="50000"/>
-              </a:schemeClr>
-            </a:lnRef>
-            <a:fillRef idx="1">
-              <a:schemeClr val="accent1"/>
-            </a:fillRef>
-            <a:effectRef idx="0">
-              <a:schemeClr val="accent1"/>
-            </a:effectRef>
-            <a:fontRef idx="minor">
-              <a:schemeClr val="lt1"/>
-            </a:fontRef>
-          </p:style>
-          <p:txBody>
-            <a:bodyPr rtlCol="0" anchor="ctr"/>
-            <a:lstStyle/>
-            <a:p>
-              <a:pPr algn="ctr"/>
-              <a:endParaRPr lang="pt-BR"/>
-            </a:p>
-          </p:txBody>
-        </p:sp>
-        <p:sp>
-          <p:nvSpPr>
-            <p:cNvPr id="6" name="CaixaDeTexto 5">
-              <a:extLst>
-                <a:ext uri="{FF2B5EF4-FFF2-40B4-BE49-F238E27FC236}">
-                  <a16:creationId xmlns:a16="http://schemas.microsoft.com/office/drawing/2014/main" id="{4667A406-AF90-48D6-A098-219DA97C441D}"/>
-                </a:ext>
-              </a:extLst>
-            </p:cNvPr>
-            <p:cNvSpPr txBox="1"/>
-            <p:nvPr/>
-          </p:nvSpPr>
-          <p:spPr>
-            <a:xfrm>
-              <a:off x="1543987" y="811968"/>
-              <a:ext cx="1061766" cy="400110"/>
-            </a:xfrm>
-            <a:prstGeom prst="rect">
-              <a:avLst/>
-            </a:prstGeom>
-            <a:noFill/>
-          </p:spPr>
-          <p:txBody>
-            <a:bodyPr wrap="none" rtlCol="0">
-              <a:spAutoFit/>
-            </a:bodyPr>
-            <a:lstStyle/>
-            <a:p>
-              <a:r>
-                <a:rPr lang="pt-BR" sz="2000" dirty="0">
-                  <a:solidFill>
-                    <a:schemeClr val="bg1"/>
-                  </a:solidFill>
-                  <a:latin typeface="Righteous" panose="02010506000000020000" pitchFamily="2" charset="0"/>
-                </a:rPr>
-                <a:t>TÍTULO</a:t>
-              </a:r>
-            </a:p>
-          </p:txBody>
-        </p:sp>
-        <p:sp>
-          <p:nvSpPr>
-            <p:cNvPr id="7" name="CaixaDeTexto 6">
-              <a:extLst>
-                <a:ext uri="{FF2B5EF4-FFF2-40B4-BE49-F238E27FC236}">
-                  <a16:creationId xmlns:a16="http://schemas.microsoft.com/office/drawing/2014/main" id="{B6D8C94B-8FB9-4E3E-99E5-0675E3A35353}"/>
-                </a:ext>
-              </a:extLst>
-            </p:cNvPr>
-            <p:cNvSpPr txBox="1"/>
-            <p:nvPr/>
-          </p:nvSpPr>
-          <p:spPr>
-            <a:xfrm>
-              <a:off x="4980968" y="811968"/>
-              <a:ext cx="1034129" cy="400110"/>
-            </a:xfrm>
-            <a:prstGeom prst="rect">
-              <a:avLst/>
-            </a:prstGeom>
-            <a:noFill/>
-          </p:spPr>
-          <p:txBody>
-            <a:bodyPr wrap="none" rtlCol="0">
-              <a:spAutoFit/>
-            </a:bodyPr>
-            <a:lstStyle/>
-            <a:p>
-              <a:r>
-                <a:rPr lang="pt-BR" sz="2000" dirty="0">
-                  <a:solidFill>
-                    <a:schemeClr val="bg1"/>
-                  </a:solidFill>
-                  <a:latin typeface="Righteous" panose="02010506000000020000" pitchFamily="2" charset="0"/>
-                </a:rPr>
-                <a:t>PRAZO</a:t>
-              </a:r>
-            </a:p>
-          </p:txBody>
-        </p:sp>
-        <p:sp>
-          <p:nvSpPr>
-            <p:cNvPr id="8" name="CaixaDeTexto 7">
-              <a:extLst>
-                <a:ext uri="{FF2B5EF4-FFF2-40B4-BE49-F238E27FC236}">
-                  <a16:creationId xmlns:a16="http://schemas.microsoft.com/office/drawing/2014/main" id="{F6C894E3-D328-4516-BB65-A5897C4C822A}"/>
-                </a:ext>
-              </a:extLst>
-            </p:cNvPr>
-            <p:cNvSpPr txBox="1"/>
-            <p:nvPr/>
-          </p:nvSpPr>
-          <p:spPr>
-            <a:xfrm>
-              <a:off x="7383142" y="811968"/>
-              <a:ext cx="1702710" cy="400110"/>
-            </a:xfrm>
-            <a:prstGeom prst="rect">
-              <a:avLst/>
-            </a:prstGeom>
-            <a:noFill/>
-          </p:spPr>
-          <p:txBody>
-            <a:bodyPr wrap="none" rtlCol="0">
-              <a:spAutoFit/>
-            </a:bodyPr>
-            <a:lstStyle/>
-            <a:p>
-              <a:r>
-                <a:rPr lang="pt-BR" sz="2000" dirty="0">
-                  <a:solidFill>
-                    <a:schemeClr val="bg1"/>
-                  </a:solidFill>
-                  <a:latin typeface="Righteous" panose="02010506000000020000" pitchFamily="2" charset="0"/>
-                </a:rPr>
-                <a:t>RELEVÂNCIA</a:t>
-              </a:r>
-            </a:p>
-          </p:txBody>
-        </p:sp>
-        <p:sp>
-          <p:nvSpPr>
-            <p:cNvPr id="9" name="CaixaDeTexto 8">
-              <a:extLst>
-                <a:ext uri="{FF2B5EF4-FFF2-40B4-BE49-F238E27FC236}">
-                  <a16:creationId xmlns:a16="http://schemas.microsoft.com/office/drawing/2014/main" id="{60F68940-AF4F-4112-A092-2E599CA09C68}"/>
-                </a:ext>
-              </a:extLst>
-            </p:cNvPr>
-            <p:cNvSpPr txBox="1"/>
-            <p:nvPr/>
-          </p:nvSpPr>
-          <p:spPr>
-            <a:xfrm>
-              <a:off x="10043084" y="811968"/>
-              <a:ext cx="1024255" cy="400110"/>
-            </a:xfrm>
-            <a:prstGeom prst="rect">
-              <a:avLst/>
-            </a:prstGeom>
-            <a:noFill/>
-          </p:spPr>
-          <p:txBody>
-            <a:bodyPr wrap="none" rtlCol="0">
-              <a:spAutoFit/>
-            </a:bodyPr>
-            <a:lstStyle/>
-            <a:p>
-              <a:r>
-                <a:rPr lang="pt-BR" sz="2000" dirty="0">
-                  <a:solidFill>
-                    <a:schemeClr val="bg1"/>
-                  </a:solidFill>
-                  <a:latin typeface="Righteous" panose="02010506000000020000" pitchFamily="2" charset="0"/>
-                </a:rPr>
-                <a:t>AÇÕES</a:t>
-              </a:r>
-            </a:p>
-          </p:txBody>
-        </p:sp>
-      </p:grpSp>
-      <p:grpSp>
-        <p:nvGrpSpPr>
-          <p:cNvPr id="10" name="Agrupar 9">
-            <a:extLst>
-              <a:ext uri="{FF2B5EF4-FFF2-40B4-BE49-F238E27FC236}">
-                <a16:creationId xmlns:a16="http://schemas.microsoft.com/office/drawing/2014/main" id="{7FA83391-CE36-44E1-A799-76AC7FCFEE58}"/>
-              </a:ext>
-            </a:extLst>
-          </p:cNvPr>
-          <p:cNvGrpSpPr/>
-          <p:nvPr/>
-        </p:nvGrpSpPr>
-        <p:grpSpPr>
-          <a:xfrm>
-            <a:off x="689114" y="3675822"/>
-            <a:ext cx="10721008" cy="1272208"/>
-            <a:chOff x="636105" y="1417983"/>
-            <a:chExt cx="10721008" cy="1272208"/>
-          </a:xfrm>
-        </p:grpSpPr>
-        <p:sp>
-          <p:nvSpPr>
-            <p:cNvPr id="11" name="Retângulo 10">
-              <a:extLst>
-                <a:ext uri="{FF2B5EF4-FFF2-40B4-BE49-F238E27FC236}">
-                  <a16:creationId xmlns:a16="http://schemas.microsoft.com/office/drawing/2014/main" id="{D46FE7F4-A3F5-4EB2-BFB9-888B476AF517}"/>
-                </a:ext>
-              </a:extLst>
-            </p:cNvPr>
-            <p:cNvSpPr/>
-            <p:nvPr/>
-          </p:nvSpPr>
-          <p:spPr>
-            <a:xfrm>
-              <a:off x="636105" y="1417983"/>
-              <a:ext cx="10721008" cy="1272208"/>
-            </a:xfrm>
-            <a:prstGeom prst="rect">
-              <a:avLst/>
-            </a:prstGeom>
-            <a:solidFill>
-              <a:schemeClr val="bg1"/>
-            </a:solidFill>
-            <a:ln>
-              <a:noFill/>
-            </a:ln>
-            <a:effectLst>
-              <a:outerShdw blurRad="50800" dist="38100" dir="5400000" algn="t" rotWithShape="0">
-                <a:prstClr val="black">
-                  <a:alpha val="40000"/>
-                </a:prstClr>
-              </a:outerShdw>
-            </a:effectLst>
-          </p:spPr>
-          <p:style>
-            <a:lnRef idx="2">
-              <a:schemeClr val="accent1">
-                <a:shade val="50000"/>
-              </a:schemeClr>
-            </a:lnRef>
-            <a:fillRef idx="1">
-              <a:schemeClr val="accent1"/>
-            </a:fillRef>
-            <a:effectRef idx="0">
-              <a:schemeClr val="accent1"/>
-            </a:effectRef>
-            <a:fontRef idx="minor">
-              <a:schemeClr val="lt1"/>
-            </a:fontRef>
-          </p:style>
-          <p:txBody>
-            <a:bodyPr rtlCol="0" anchor="ctr"/>
-            <a:lstStyle/>
-            <a:p>
-              <a:pPr algn="ctr"/>
-              <a:endParaRPr lang="pt-BR"/>
-            </a:p>
-          </p:txBody>
-        </p:sp>
-        <p:sp>
-          <p:nvSpPr>
-            <p:cNvPr id="12" name="CaixaDeTexto 11">
-              <a:extLst>
-                <a:ext uri="{FF2B5EF4-FFF2-40B4-BE49-F238E27FC236}">
-                  <a16:creationId xmlns:a16="http://schemas.microsoft.com/office/drawing/2014/main" id="{014DE6ED-C169-42B9-80A4-6A9BBC6B8D55}"/>
-                </a:ext>
-              </a:extLst>
-            </p:cNvPr>
-            <p:cNvSpPr txBox="1"/>
-            <p:nvPr/>
-          </p:nvSpPr>
-          <p:spPr>
-            <a:xfrm>
-              <a:off x="954156" y="1822174"/>
-              <a:ext cx="2720553" cy="369332"/>
-            </a:xfrm>
-            <a:prstGeom prst="rect">
-              <a:avLst/>
-            </a:prstGeom>
-            <a:noFill/>
-          </p:spPr>
-          <p:txBody>
-            <a:bodyPr wrap="none" rtlCol="0">
-              <a:spAutoFit/>
-            </a:bodyPr>
-            <a:lstStyle/>
-            <a:p>
-              <a:r>
-                <a:rPr lang="pt-BR" dirty="0">
-                  <a:latin typeface="Righteous" panose="02010506000000020000" pitchFamily="2" charset="0"/>
-                </a:rPr>
-                <a:t>LIÇÃO DE MATEMÁTICA</a:t>
-              </a:r>
-            </a:p>
-          </p:txBody>
-        </p:sp>
-        <p:sp>
-          <p:nvSpPr>
-            <p:cNvPr id="13" name="CaixaDeTexto 12">
-              <a:extLst>
-                <a:ext uri="{FF2B5EF4-FFF2-40B4-BE49-F238E27FC236}">
-                  <a16:creationId xmlns:a16="http://schemas.microsoft.com/office/drawing/2014/main" id="{E799F000-39CA-48A8-87DD-77009D645045}"/>
-                </a:ext>
-              </a:extLst>
-            </p:cNvPr>
-            <p:cNvSpPr txBox="1"/>
-            <p:nvPr/>
-          </p:nvSpPr>
-          <p:spPr>
-            <a:xfrm>
-              <a:off x="5042452" y="1822174"/>
-              <a:ext cx="991362" cy="369332"/>
-            </a:xfrm>
-            <a:prstGeom prst="rect">
-              <a:avLst/>
-            </a:prstGeom>
-            <a:noFill/>
-          </p:spPr>
-          <p:txBody>
-            <a:bodyPr wrap="none" rtlCol="0">
-              <a:spAutoFit/>
-            </a:bodyPr>
-            <a:lstStyle/>
-            <a:p>
-              <a:r>
-                <a:rPr lang="pt-BR" dirty="0">
-                  <a:latin typeface="Righteous" panose="02010506000000020000" pitchFamily="2" charset="0"/>
-                </a:rPr>
-                <a:t>11-12-18</a:t>
-              </a:r>
-            </a:p>
-          </p:txBody>
-        </p:sp>
-        <p:sp>
-          <p:nvSpPr>
-            <p:cNvPr id="14" name="CaixaDeTexto 13">
-              <a:extLst>
-                <a:ext uri="{FF2B5EF4-FFF2-40B4-BE49-F238E27FC236}">
-                  <a16:creationId xmlns:a16="http://schemas.microsoft.com/office/drawing/2014/main" id="{55CDE61C-7451-4DB9-BE71-CAF2C5B0396D}"/>
-                </a:ext>
-              </a:extLst>
-            </p:cNvPr>
-            <p:cNvSpPr txBox="1"/>
-            <p:nvPr/>
-          </p:nvSpPr>
-          <p:spPr>
-            <a:xfrm>
-              <a:off x="7818783" y="1822174"/>
-              <a:ext cx="731482" cy="369332"/>
-            </a:xfrm>
-            <a:prstGeom prst="rect">
-              <a:avLst/>
-            </a:prstGeom>
-            <a:noFill/>
-          </p:spPr>
-          <p:txBody>
-            <a:bodyPr wrap="none" rtlCol="0">
-              <a:spAutoFit/>
-            </a:bodyPr>
-            <a:lstStyle/>
-            <a:p>
-              <a:r>
-                <a:rPr lang="pt-BR" dirty="0">
-                  <a:latin typeface="Righteous" panose="02010506000000020000" pitchFamily="2" charset="0"/>
-                </a:rPr>
-                <a:t>ALTA</a:t>
-              </a:r>
-            </a:p>
-          </p:txBody>
-        </p:sp>
-        <p:pic>
-          <p:nvPicPr>
-            <p:cNvPr id="15" name="Imagem 14">
-              <a:extLst>
-                <a:ext uri="{FF2B5EF4-FFF2-40B4-BE49-F238E27FC236}">
-                  <a16:creationId xmlns:a16="http://schemas.microsoft.com/office/drawing/2014/main" id="{53ECA14D-FF19-4872-A30A-DF22C0D5287E}"/>
-                </a:ext>
-              </a:extLst>
-            </p:cNvPr>
-            <p:cNvPicPr>
-              <a:picLocks noChangeAspect="1"/>
-            </p:cNvPicPr>
-            <p:nvPr/>
-          </p:nvPicPr>
-          <p:blipFill>
-            <a:blip r:embed="rId2">
-              <a:extLst>
-                <a:ext uri="{28A0092B-C50C-407E-A947-70E740481C1C}">
-                  <a14:useLocalDpi xmlns:a14="http://schemas.microsoft.com/office/drawing/2010/main" val="0"/>
-                </a:ext>
-              </a:extLst>
-            </a:blip>
-            <a:stretch>
-              <a:fillRect/>
-            </a:stretch>
-          </p:blipFill>
-          <p:spPr>
-            <a:xfrm>
-              <a:off x="10077549" y="1822174"/>
-              <a:ext cx="415739" cy="414210"/>
-            </a:xfrm>
-            <a:prstGeom prst="rect">
-              <a:avLst/>
-            </a:prstGeom>
-          </p:spPr>
-        </p:pic>
-        <p:pic>
-          <p:nvPicPr>
-            <p:cNvPr id="16" name="Imagem 15">
-              <a:extLst>
-                <a:ext uri="{FF2B5EF4-FFF2-40B4-BE49-F238E27FC236}">
-                  <a16:creationId xmlns:a16="http://schemas.microsoft.com/office/drawing/2014/main" id="{0FEEF8E4-391B-47B8-AE50-B4D9141D0AF1}"/>
-                </a:ext>
-              </a:extLst>
-            </p:cNvPr>
-            <p:cNvPicPr>
-              <a:picLocks noChangeAspect="1"/>
-            </p:cNvPicPr>
-            <p:nvPr/>
-          </p:nvPicPr>
-          <p:blipFill>
-            <a:blip r:embed="rId3">
-              <a:extLst>
-                <a:ext uri="{28A0092B-C50C-407E-A947-70E740481C1C}">
-                  <a14:useLocalDpi xmlns:a14="http://schemas.microsoft.com/office/drawing/2010/main" val="0"/>
-                </a:ext>
-              </a:extLst>
-            </a:blip>
-            <a:stretch>
-              <a:fillRect/>
-            </a:stretch>
-          </p:blipFill>
-          <p:spPr>
-            <a:xfrm>
-              <a:off x="10572106" y="1822174"/>
-              <a:ext cx="415739" cy="414210"/>
-            </a:xfrm>
-            <a:prstGeom prst="rect">
-              <a:avLst/>
-            </a:prstGeom>
-          </p:spPr>
-        </p:pic>
-      </p:grpSp>
-      <p:grpSp>
-        <p:nvGrpSpPr>
-          <p:cNvPr id="17" name="Agrupar 16">
-            <a:extLst>
-              <a:ext uri="{FF2B5EF4-FFF2-40B4-BE49-F238E27FC236}">
-                <a16:creationId xmlns:a16="http://schemas.microsoft.com/office/drawing/2014/main" id="{F694D6D8-8818-4D45-8F4E-EC7A28C20D72}"/>
-              </a:ext>
-            </a:extLst>
-          </p:cNvPr>
-          <p:cNvGrpSpPr/>
-          <p:nvPr/>
-        </p:nvGrpSpPr>
-        <p:grpSpPr>
-          <a:xfrm>
-            <a:off x="657640" y="2324100"/>
-            <a:ext cx="10721008" cy="1272208"/>
-            <a:chOff x="636105" y="1417983"/>
-            <a:chExt cx="10721008" cy="1272208"/>
-          </a:xfrm>
-        </p:grpSpPr>
-        <p:sp>
-          <p:nvSpPr>
-            <p:cNvPr id="18" name="Retângulo 17">
-              <a:extLst>
-                <a:ext uri="{FF2B5EF4-FFF2-40B4-BE49-F238E27FC236}">
-                  <a16:creationId xmlns:a16="http://schemas.microsoft.com/office/drawing/2014/main" id="{CAB61151-AEBA-428D-ACE0-B614B309360F}"/>
-                </a:ext>
-              </a:extLst>
-            </p:cNvPr>
-            <p:cNvSpPr/>
-            <p:nvPr/>
-          </p:nvSpPr>
-          <p:spPr>
-            <a:xfrm>
-              <a:off x="636105" y="1417983"/>
-              <a:ext cx="10721008" cy="1272208"/>
-            </a:xfrm>
-            <a:prstGeom prst="rect">
-              <a:avLst/>
-            </a:prstGeom>
-            <a:solidFill>
-              <a:srgbClr val="00B966"/>
-            </a:solidFill>
-            <a:ln>
-              <a:noFill/>
-            </a:ln>
-            <a:effectLst>
-              <a:outerShdw blurRad="50800" dist="38100" dir="5400000" algn="t" rotWithShape="0">
-                <a:prstClr val="black">
-                  <a:alpha val="40000"/>
-                </a:prstClr>
-              </a:outerShdw>
-            </a:effectLst>
-          </p:spPr>
-          <p:style>
-            <a:lnRef idx="2">
-              <a:schemeClr val="accent1">
-                <a:shade val="50000"/>
-              </a:schemeClr>
-            </a:lnRef>
-            <a:fillRef idx="1">
-              <a:schemeClr val="accent1"/>
-            </a:fillRef>
-            <a:effectRef idx="0">
-              <a:schemeClr val="accent1"/>
-            </a:effectRef>
-            <a:fontRef idx="minor">
-              <a:schemeClr val="lt1"/>
-            </a:fontRef>
-          </p:style>
-          <p:txBody>
-            <a:bodyPr rtlCol="0" anchor="ctr"/>
-            <a:lstStyle/>
-            <a:p>
-              <a:pPr algn="ctr"/>
-              <a:endParaRPr lang="pt-BR"/>
-            </a:p>
-          </p:txBody>
-        </p:sp>
-        <p:sp>
-          <p:nvSpPr>
-            <p:cNvPr id="19" name="CaixaDeTexto 18">
-              <a:extLst>
-                <a:ext uri="{FF2B5EF4-FFF2-40B4-BE49-F238E27FC236}">
-                  <a16:creationId xmlns:a16="http://schemas.microsoft.com/office/drawing/2014/main" id="{D5A3FF02-3576-4EA9-A612-693B9B08C86C}"/>
-                </a:ext>
-              </a:extLst>
-            </p:cNvPr>
-            <p:cNvSpPr txBox="1"/>
-            <p:nvPr/>
-          </p:nvSpPr>
-          <p:spPr>
-            <a:xfrm>
-              <a:off x="954156" y="1822174"/>
-              <a:ext cx="2618409" cy="369332"/>
-            </a:xfrm>
-            <a:prstGeom prst="rect">
-              <a:avLst/>
-            </a:prstGeom>
-            <a:noFill/>
-          </p:spPr>
-          <p:txBody>
-            <a:bodyPr wrap="none" rtlCol="0">
-              <a:spAutoFit/>
-            </a:bodyPr>
-            <a:lstStyle/>
-            <a:p>
-              <a:r>
-                <a:rPr lang="pt-BR" dirty="0">
-                  <a:latin typeface="Righteous" panose="02010506000000020000" pitchFamily="2" charset="0"/>
-                </a:rPr>
-                <a:t>LIÇÃO DE PORTUGUÊS</a:t>
-              </a:r>
-            </a:p>
-          </p:txBody>
-        </p:sp>
-        <p:sp>
-          <p:nvSpPr>
-            <p:cNvPr id="20" name="CaixaDeTexto 19">
-              <a:extLst>
-                <a:ext uri="{FF2B5EF4-FFF2-40B4-BE49-F238E27FC236}">
-                  <a16:creationId xmlns:a16="http://schemas.microsoft.com/office/drawing/2014/main" id="{3DD29D13-B477-4666-8F8F-F11F7F15ECB6}"/>
-                </a:ext>
-              </a:extLst>
-            </p:cNvPr>
-            <p:cNvSpPr txBox="1"/>
-            <p:nvPr/>
-          </p:nvSpPr>
-          <p:spPr>
-            <a:xfrm>
-              <a:off x="5042452" y="1822174"/>
-              <a:ext cx="1055289" cy="369332"/>
-            </a:xfrm>
-            <a:prstGeom prst="rect">
-              <a:avLst/>
-            </a:prstGeom>
-            <a:noFill/>
-          </p:spPr>
-          <p:txBody>
-            <a:bodyPr wrap="none" rtlCol="0">
-              <a:spAutoFit/>
-            </a:bodyPr>
-            <a:lstStyle/>
-            <a:p>
-              <a:r>
-                <a:rPr lang="pt-BR" dirty="0">
-                  <a:latin typeface="Righteous" panose="02010506000000020000" pitchFamily="2" charset="0"/>
-                </a:rPr>
-                <a:t>11-25-18</a:t>
-              </a:r>
-            </a:p>
-          </p:txBody>
-        </p:sp>
-        <p:sp>
-          <p:nvSpPr>
-            <p:cNvPr id="21" name="CaixaDeTexto 20">
-              <a:extLst>
-                <a:ext uri="{FF2B5EF4-FFF2-40B4-BE49-F238E27FC236}">
-                  <a16:creationId xmlns:a16="http://schemas.microsoft.com/office/drawing/2014/main" id="{537596B9-BFF9-483F-80B0-9653F9A1D5B7}"/>
-                </a:ext>
-              </a:extLst>
-            </p:cNvPr>
-            <p:cNvSpPr txBox="1"/>
-            <p:nvPr/>
-          </p:nvSpPr>
-          <p:spPr>
-            <a:xfrm>
-              <a:off x="7818783" y="1822174"/>
-              <a:ext cx="875561" cy="369332"/>
-            </a:xfrm>
-            <a:prstGeom prst="rect">
-              <a:avLst/>
-            </a:prstGeom>
-            <a:noFill/>
-          </p:spPr>
-          <p:txBody>
-            <a:bodyPr wrap="none" rtlCol="0">
-              <a:spAutoFit/>
-            </a:bodyPr>
-            <a:lstStyle/>
-            <a:p>
-              <a:r>
-                <a:rPr lang="pt-BR" dirty="0">
-                  <a:latin typeface="Righteous" panose="02010506000000020000" pitchFamily="2" charset="0"/>
-                </a:rPr>
-                <a:t>MÉDIA</a:t>
-              </a:r>
-            </a:p>
-          </p:txBody>
-        </p:sp>
-        <p:pic>
-          <p:nvPicPr>
-            <p:cNvPr id="22" name="Imagem 21">
-              <a:extLst>
-                <a:ext uri="{FF2B5EF4-FFF2-40B4-BE49-F238E27FC236}">
-                  <a16:creationId xmlns:a16="http://schemas.microsoft.com/office/drawing/2014/main" id="{D8340AD1-52AA-4DF7-A0BA-A0199BD0C8DE}"/>
-                </a:ext>
-              </a:extLst>
-            </p:cNvPr>
-            <p:cNvPicPr>
-              <a:picLocks noChangeAspect="1"/>
-            </p:cNvPicPr>
-            <p:nvPr/>
-          </p:nvPicPr>
-          <p:blipFill>
-            <a:blip r:embed="rId2">
-              <a:extLst>
-                <a:ext uri="{28A0092B-C50C-407E-A947-70E740481C1C}">
-                  <a14:useLocalDpi xmlns:a14="http://schemas.microsoft.com/office/drawing/2010/main" val="0"/>
-                </a:ext>
-              </a:extLst>
-            </a:blip>
-            <a:stretch>
-              <a:fillRect/>
-            </a:stretch>
-          </p:blipFill>
-          <p:spPr>
-            <a:xfrm>
-              <a:off x="10342592" y="1848678"/>
-              <a:ext cx="415739" cy="414210"/>
-            </a:xfrm>
-            <a:prstGeom prst="rect">
-              <a:avLst/>
-            </a:prstGeom>
-          </p:spPr>
-        </p:pic>
-      </p:grpSp>
-      <p:grpSp>
-        <p:nvGrpSpPr>
-          <p:cNvPr id="23" name="Agrupar 22">
-            <a:extLst>
-              <a:ext uri="{FF2B5EF4-FFF2-40B4-BE49-F238E27FC236}">
-                <a16:creationId xmlns:a16="http://schemas.microsoft.com/office/drawing/2014/main" id="{45D273B2-2D86-4F83-9F23-EF8D9FED97A7}"/>
-              </a:ext>
-            </a:extLst>
-          </p:cNvPr>
-          <p:cNvGrpSpPr/>
-          <p:nvPr/>
-        </p:nvGrpSpPr>
-        <p:grpSpPr>
-          <a:xfrm>
-            <a:off x="696568" y="5010978"/>
-            <a:ext cx="10721008" cy="1272208"/>
-            <a:chOff x="636105" y="1417983"/>
-            <a:chExt cx="10721008" cy="1272208"/>
-          </a:xfrm>
-        </p:grpSpPr>
-        <p:sp>
-          <p:nvSpPr>
-            <p:cNvPr id="24" name="Retângulo 23">
-              <a:extLst>
-                <a:ext uri="{FF2B5EF4-FFF2-40B4-BE49-F238E27FC236}">
-                  <a16:creationId xmlns:a16="http://schemas.microsoft.com/office/drawing/2014/main" id="{AA5EE958-8482-457B-9E9D-3984DD225FDA}"/>
-                </a:ext>
-              </a:extLst>
-            </p:cNvPr>
-            <p:cNvSpPr/>
-            <p:nvPr/>
-          </p:nvSpPr>
-          <p:spPr>
-            <a:xfrm>
-              <a:off x="636105" y="1417983"/>
-              <a:ext cx="10721008" cy="1272208"/>
-            </a:xfrm>
-            <a:prstGeom prst="rect">
-              <a:avLst/>
-            </a:prstGeom>
-            <a:solidFill>
-              <a:schemeClr val="bg1"/>
-            </a:solidFill>
-            <a:ln>
-              <a:noFill/>
-            </a:ln>
-            <a:effectLst>
-              <a:outerShdw blurRad="50800" dist="38100" dir="5400000" algn="t" rotWithShape="0">
-                <a:prstClr val="black">
-                  <a:alpha val="40000"/>
-                </a:prstClr>
-              </a:outerShdw>
-            </a:effectLst>
-          </p:spPr>
-          <p:style>
-            <a:lnRef idx="2">
-              <a:schemeClr val="accent1">
-                <a:shade val="50000"/>
-              </a:schemeClr>
-            </a:lnRef>
-            <a:fillRef idx="1">
-              <a:schemeClr val="accent1"/>
-            </a:fillRef>
-            <a:effectRef idx="0">
-              <a:schemeClr val="accent1"/>
-            </a:effectRef>
-            <a:fontRef idx="minor">
-              <a:schemeClr val="lt1"/>
-            </a:fontRef>
-          </p:style>
-          <p:txBody>
-            <a:bodyPr rtlCol="0" anchor="ctr"/>
-            <a:lstStyle/>
-            <a:p>
-              <a:pPr algn="ctr"/>
-              <a:endParaRPr lang="pt-BR"/>
-            </a:p>
-          </p:txBody>
-        </p:sp>
-        <p:sp>
-          <p:nvSpPr>
-            <p:cNvPr id="25" name="CaixaDeTexto 24">
-              <a:extLst>
-                <a:ext uri="{FF2B5EF4-FFF2-40B4-BE49-F238E27FC236}">
-                  <a16:creationId xmlns:a16="http://schemas.microsoft.com/office/drawing/2014/main" id="{EB4ACE80-758A-4C11-85C2-39D9869F75D7}"/>
-                </a:ext>
-              </a:extLst>
-            </p:cNvPr>
-            <p:cNvSpPr txBox="1"/>
-            <p:nvPr/>
-          </p:nvSpPr>
-          <p:spPr>
-            <a:xfrm>
-              <a:off x="954156" y="1822174"/>
-              <a:ext cx="3024161" cy="369332"/>
-            </a:xfrm>
-            <a:prstGeom prst="rect">
-              <a:avLst/>
-            </a:prstGeom>
-            <a:noFill/>
-          </p:spPr>
-          <p:txBody>
-            <a:bodyPr wrap="none" rtlCol="0">
-              <a:spAutoFit/>
-            </a:bodyPr>
-            <a:lstStyle/>
-            <a:p>
-              <a:r>
-                <a:rPr lang="pt-BR" dirty="0">
-                  <a:latin typeface="Righteous" panose="02010506000000020000" pitchFamily="2" charset="0"/>
-                </a:rPr>
-                <a:t>PROJETO PROGRAMAÇÃO</a:t>
-              </a:r>
-            </a:p>
-          </p:txBody>
-        </p:sp>
-        <p:sp>
-          <p:nvSpPr>
-            <p:cNvPr id="26" name="CaixaDeTexto 25">
-              <a:extLst>
-                <a:ext uri="{FF2B5EF4-FFF2-40B4-BE49-F238E27FC236}">
-                  <a16:creationId xmlns:a16="http://schemas.microsoft.com/office/drawing/2014/main" id="{DA57E9B7-98E8-4E90-86C3-A8B0B6FDD20C}"/>
-                </a:ext>
-              </a:extLst>
-            </p:cNvPr>
-            <p:cNvSpPr txBox="1"/>
-            <p:nvPr/>
-          </p:nvSpPr>
-          <p:spPr>
-            <a:xfrm>
-              <a:off x="5042452" y="1822174"/>
-              <a:ext cx="1125821" cy="369332"/>
-            </a:xfrm>
-            <a:prstGeom prst="rect">
-              <a:avLst/>
-            </a:prstGeom>
-            <a:noFill/>
-          </p:spPr>
-          <p:txBody>
-            <a:bodyPr wrap="none" rtlCol="0">
-              <a:spAutoFit/>
-            </a:bodyPr>
-            <a:lstStyle/>
-            <a:p>
-              <a:r>
-                <a:rPr lang="pt-BR" dirty="0">
-                  <a:latin typeface="Righteous" panose="02010506000000020000" pitchFamily="2" charset="0"/>
-                </a:rPr>
-                <a:t>12-02-18</a:t>
-              </a:r>
-            </a:p>
-          </p:txBody>
-        </p:sp>
-        <p:sp>
-          <p:nvSpPr>
-            <p:cNvPr id="27" name="CaixaDeTexto 26">
-              <a:extLst>
-                <a:ext uri="{FF2B5EF4-FFF2-40B4-BE49-F238E27FC236}">
-                  <a16:creationId xmlns:a16="http://schemas.microsoft.com/office/drawing/2014/main" id="{74E9F6DE-5DC5-4863-AE33-768E36D5CC14}"/>
-                </a:ext>
-              </a:extLst>
-            </p:cNvPr>
-            <p:cNvSpPr txBox="1"/>
-            <p:nvPr/>
-          </p:nvSpPr>
-          <p:spPr>
-            <a:xfrm>
-              <a:off x="7818783" y="1822174"/>
-              <a:ext cx="731482" cy="369332"/>
-            </a:xfrm>
-            <a:prstGeom prst="rect">
-              <a:avLst/>
-            </a:prstGeom>
-            <a:noFill/>
-          </p:spPr>
-          <p:txBody>
-            <a:bodyPr wrap="none" rtlCol="0">
-              <a:spAutoFit/>
-            </a:bodyPr>
-            <a:lstStyle/>
-            <a:p>
-              <a:r>
-                <a:rPr lang="pt-BR" dirty="0">
-                  <a:latin typeface="Righteous" panose="02010506000000020000" pitchFamily="2" charset="0"/>
-                </a:rPr>
-                <a:t>ALTA</a:t>
-              </a:r>
-            </a:p>
-          </p:txBody>
-        </p:sp>
-        <p:pic>
-          <p:nvPicPr>
-            <p:cNvPr id="28" name="Imagem 27">
-              <a:extLst>
-                <a:ext uri="{FF2B5EF4-FFF2-40B4-BE49-F238E27FC236}">
-                  <a16:creationId xmlns:a16="http://schemas.microsoft.com/office/drawing/2014/main" id="{4E24E87D-240C-4E01-A792-F0B0BE932F59}"/>
-                </a:ext>
-              </a:extLst>
-            </p:cNvPr>
-            <p:cNvPicPr>
-              <a:picLocks noChangeAspect="1"/>
-            </p:cNvPicPr>
-            <p:nvPr/>
-          </p:nvPicPr>
-          <p:blipFill>
-            <a:blip r:embed="rId2">
-              <a:extLst>
-                <a:ext uri="{28A0092B-C50C-407E-A947-70E740481C1C}">
-                  <a14:useLocalDpi xmlns:a14="http://schemas.microsoft.com/office/drawing/2010/main" val="0"/>
-                </a:ext>
-              </a:extLst>
-            </a:blip>
-            <a:stretch>
-              <a:fillRect/>
-            </a:stretch>
-          </p:blipFill>
-          <p:spPr>
-            <a:xfrm>
-              <a:off x="10077549" y="1822174"/>
-              <a:ext cx="415739" cy="414210"/>
-            </a:xfrm>
-            <a:prstGeom prst="rect">
-              <a:avLst/>
-            </a:prstGeom>
-          </p:spPr>
-        </p:pic>
-        <p:pic>
-          <p:nvPicPr>
-            <p:cNvPr id="29" name="Imagem 28">
-              <a:extLst>
-                <a:ext uri="{FF2B5EF4-FFF2-40B4-BE49-F238E27FC236}">
-                  <a16:creationId xmlns:a16="http://schemas.microsoft.com/office/drawing/2014/main" id="{7D54F0C7-40B5-48DC-80A0-A6EBC2560CE0}"/>
-                </a:ext>
-              </a:extLst>
-            </p:cNvPr>
-            <p:cNvPicPr>
-              <a:picLocks noChangeAspect="1"/>
-            </p:cNvPicPr>
-            <p:nvPr/>
-          </p:nvPicPr>
-          <p:blipFill>
-            <a:blip r:embed="rId3">
-              <a:extLst>
-                <a:ext uri="{28A0092B-C50C-407E-A947-70E740481C1C}">
-                  <a14:useLocalDpi xmlns:a14="http://schemas.microsoft.com/office/drawing/2010/main" val="0"/>
-                </a:ext>
-              </a:extLst>
-            </a:blip>
-            <a:stretch>
-              <a:fillRect/>
-            </a:stretch>
-          </p:blipFill>
-          <p:spPr>
-            <a:xfrm>
-              <a:off x="10572106" y="1822174"/>
-              <a:ext cx="415739" cy="414210"/>
-            </a:xfrm>
-            <a:prstGeom prst="rect">
-              <a:avLst/>
-            </a:prstGeom>
-          </p:spPr>
-        </p:pic>
-      </p:grpSp>
-      <p:grpSp>
-        <p:nvGrpSpPr>
-          <p:cNvPr id="49" name="Agrupar 48">
-            <a:extLst>
-              <a:ext uri="{FF2B5EF4-FFF2-40B4-BE49-F238E27FC236}">
-                <a16:creationId xmlns:a16="http://schemas.microsoft.com/office/drawing/2014/main" id="{93323376-FC90-47F3-B9AA-DB087FAF8269}"/>
-              </a:ext>
-            </a:extLst>
-          </p:cNvPr>
-          <p:cNvGrpSpPr/>
-          <p:nvPr/>
-        </p:nvGrpSpPr>
-        <p:grpSpPr>
-          <a:xfrm>
-            <a:off x="5475041" y="121163"/>
-            <a:ext cx="1736035" cy="857559"/>
-            <a:chOff x="5300870" y="251791"/>
-            <a:chExt cx="1736035" cy="857559"/>
-          </a:xfrm>
-        </p:grpSpPr>
-        <p:sp>
-          <p:nvSpPr>
-            <p:cNvPr id="30" name="Retângulo: Cantos Arredondados 29">
-              <a:extLst>
-                <a:ext uri="{FF2B5EF4-FFF2-40B4-BE49-F238E27FC236}">
-                  <a16:creationId xmlns:a16="http://schemas.microsoft.com/office/drawing/2014/main" id="{19792A2E-3FC2-4D09-99A6-1AA5CCE8EDA1}"/>
-                </a:ext>
-              </a:extLst>
-            </p:cNvPr>
-            <p:cNvSpPr/>
-            <p:nvPr/>
-          </p:nvSpPr>
-          <p:spPr>
-            <a:xfrm>
-              <a:off x="5300870" y="251791"/>
-              <a:ext cx="1736035" cy="857559"/>
-            </a:xfrm>
-            <a:prstGeom prst="roundRect">
-              <a:avLst>
-                <a:gd name="adj" fmla="val 8130"/>
-              </a:avLst>
-            </a:prstGeom>
-            <a:solidFill>
-              <a:srgbClr val="0AB39C"/>
-            </a:solidFill>
-            <a:ln>
-              <a:noFill/>
-            </a:ln>
-            <a:effectLst>
-              <a:outerShdw blurRad="50800" dist="38100" dir="5400000" algn="t" rotWithShape="0">
-                <a:prstClr val="black">
-                  <a:alpha val="40000"/>
-                </a:prstClr>
-              </a:outerShdw>
-            </a:effectLst>
-          </p:spPr>
-          <p:style>
-            <a:lnRef idx="2">
-              <a:schemeClr val="accent1">
-                <a:shade val="50000"/>
-              </a:schemeClr>
-            </a:lnRef>
-            <a:fillRef idx="1">
-              <a:schemeClr val="accent1"/>
-            </a:fillRef>
-            <a:effectRef idx="0">
-              <a:schemeClr val="accent1"/>
-            </a:effectRef>
-            <a:fontRef idx="minor">
-              <a:schemeClr val="lt1"/>
-            </a:fontRef>
-          </p:style>
-          <p:txBody>
-            <a:bodyPr rtlCol="0" anchor="ctr"/>
-            <a:lstStyle/>
-            <a:p>
-              <a:pPr algn="ctr"/>
-              <a:endParaRPr lang="pt-BR"/>
-            </a:p>
-          </p:txBody>
-        </p:sp>
-        <p:sp>
-          <p:nvSpPr>
-            <p:cNvPr id="31" name="CaixaDeTexto 30">
-              <a:extLst>
-                <a:ext uri="{FF2B5EF4-FFF2-40B4-BE49-F238E27FC236}">
-                  <a16:creationId xmlns:a16="http://schemas.microsoft.com/office/drawing/2014/main" id="{F3382E71-0F60-4DD4-8B63-598CF986D59D}"/>
-                </a:ext>
-              </a:extLst>
-            </p:cNvPr>
-            <p:cNvSpPr txBox="1"/>
-            <p:nvPr/>
-          </p:nvSpPr>
-          <p:spPr>
-            <a:xfrm>
-              <a:off x="5499651" y="448045"/>
-              <a:ext cx="1378227" cy="461665"/>
-            </a:xfrm>
-            <a:prstGeom prst="rect">
-              <a:avLst/>
-            </a:prstGeom>
-            <a:noFill/>
-          </p:spPr>
-          <p:txBody>
-            <a:bodyPr wrap="square" rtlCol="0">
-              <a:spAutoFit/>
-            </a:bodyPr>
-            <a:lstStyle/>
-            <a:p>
-              <a:r>
-                <a:rPr lang="pt-BR" sz="2400" dirty="0">
-                  <a:solidFill>
-                    <a:schemeClr val="bg1"/>
-                  </a:solidFill>
-                  <a:latin typeface="Righteous" panose="02010506000000020000" pitchFamily="2" charset="0"/>
-                </a:rPr>
-                <a:t>FILTRAR</a:t>
-              </a:r>
-            </a:p>
-          </p:txBody>
-        </p:sp>
-      </p:grpSp>
-      <p:grpSp>
-        <p:nvGrpSpPr>
-          <p:cNvPr id="48" name="Agrupar 47">
-            <a:extLst>
-              <a:ext uri="{FF2B5EF4-FFF2-40B4-BE49-F238E27FC236}">
-                <a16:creationId xmlns:a16="http://schemas.microsoft.com/office/drawing/2014/main" id="{D8845B0E-2EC9-4E1E-B20E-025905A6B427}"/>
-              </a:ext>
-            </a:extLst>
-          </p:cNvPr>
-          <p:cNvGrpSpPr/>
-          <p:nvPr/>
-        </p:nvGrpSpPr>
-        <p:grpSpPr>
-          <a:xfrm>
-            <a:off x="2972842" y="1980453"/>
-            <a:ext cx="6347791" cy="3114260"/>
-            <a:chOff x="3087756" y="1683027"/>
-            <a:chExt cx="6347791" cy="3114260"/>
-          </a:xfrm>
-        </p:grpSpPr>
-        <p:sp>
-          <p:nvSpPr>
-            <p:cNvPr id="32" name="Retângulo: Cantos Arredondados 31">
-              <a:extLst>
-                <a:ext uri="{FF2B5EF4-FFF2-40B4-BE49-F238E27FC236}">
-                  <a16:creationId xmlns:a16="http://schemas.microsoft.com/office/drawing/2014/main" id="{5A5FB7A3-B236-460A-B8CE-2EF0E8F4A816}"/>
-                </a:ext>
-              </a:extLst>
-            </p:cNvPr>
-            <p:cNvSpPr/>
-            <p:nvPr/>
-          </p:nvSpPr>
-          <p:spPr>
-            <a:xfrm>
-              <a:off x="3087756" y="1683027"/>
-              <a:ext cx="6347791" cy="3114260"/>
-            </a:xfrm>
-            <a:prstGeom prst="roundRect">
-              <a:avLst>
-                <a:gd name="adj" fmla="val 5963"/>
-              </a:avLst>
-            </a:prstGeom>
-            <a:solidFill>
-              <a:schemeClr val="bg1"/>
-            </a:solidFill>
-            <a:ln>
-              <a:noFill/>
-            </a:ln>
-            <a:effectLst>
-              <a:outerShdw blurRad="50800" dist="38100" dir="5400000" algn="t" rotWithShape="0">
-                <a:prstClr val="black">
-                  <a:alpha val="40000"/>
-                </a:prstClr>
-              </a:outerShdw>
-            </a:effectLst>
-          </p:spPr>
-          <p:style>
-            <a:lnRef idx="2">
-              <a:schemeClr val="accent1">
-                <a:shade val="50000"/>
-              </a:schemeClr>
-            </a:lnRef>
-            <a:fillRef idx="1">
-              <a:schemeClr val="accent1"/>
-            </a:fillRef>
-            <a:effectRef idx="0">
-              <a:schemeClr val="accent1"/>
-            </a:effectRef>
-            <a:fontRef idx="minor">
-              <a:schemeClr val="lt1"/>
-            </a:fontRef>
-          </p:style>
-          <p:txBody>
-            <a:bodyPr rtlCol="0" anchor="ctr"/>
-            <a:lstStyle/>
-            <a:p>
-              <a:pPr algn="ctr"/>
-              <a:endParaRPr lang="pt-BR"/>
-            </a:p>
-          </p:txBody>
-        </p:sp>
-        <p:sp>
-          <p:nvSpPr>
-            <p:cNvPr id="34" name="CaixaDeTexto 33">
-              <a:extLst>
-                <a:ext uri="{FF2B5EF4-FFF2-40B4-BE49-F238E27FC236}">
-                  <a16:creationId xmlns:a16="http://schemas.microsoft.com/office/drawing/2014/main" id="{ECE9ABC5-065E-4D3D-A50C-DE43493205C4}"/>
-                </a:ext>
-              </a:extLst>
-            </p:cNvPr>
-            <p:cNvSpPr txBox="1"/>
-            <p:nvPr/>
-          </p:nvSpPr>
-          <p:spPr>
-            <a:xfrm>
-              <a:off x="3962398" y="2199861"/>
-              <a:ext cx="726609" cy="461665"/>
-            </a:xfrm>
-            <a:prstGeom prst="rect">
-              <a:avLst/>
-            </a:prstGeom>
-            <a:noFill/>
-          </p:spPr>
-          <p:txBody>
-            <a:bodyPr wrap="none" rtlCol="0">
-              <a:spAutoFit/>
-            </a:bodyPr>
-            <a:lstStyle/>
-            <a:p>
-              <a:r>
-                <a:rPr lang="pt-BR" sz="2400" dirty="0">
-                  <a:latin typeface="Righteous" panose="02010506000000020000" pitchFamily="2" charset="0"/>
-                </a:rPr>
-                <a:t>A-Z</a:t>
-              </a:r>
-            </a:p>
-          </p:txBody>
-        </p:sp>
-        <p:sp>
-          <p:nvSpPr>
-            <p:cNvPr id="35" name="CaixaDeTexto 34">
-              <a:extLst>
-                <a:ext uri="{FF2B5EF4-FFF2-40B4-BE49-F238E27FC236}">
-                  <a16:creationId xmlns:a16="http://schemas.microsoft.com/office/drawing/2014/main" id="{33034119-1D8B-4F5D-A7D8-5EBE80F64E67}"/>
-                </a:ext>
-              </a:extLst>
-            </p:cNvPr>
-            <p:cNvSpPr txBox="1"/>
-            <p:nvPr/>
-          </p:nvSpPr>
-          <p:spPr>
-            <a:xfrm>
-              <a:off x="3969024" y="2760870"/>
-              <a:ext cx="1203150" cy="461665"/>
-            </a:xfrm>
-            <a:prstGeom prst="rect">
-              <a:avLst/>
-            </a:prstGeom>
-            <a:noFill/>
-          </p:spPr>
-          <p:txBody>
-            <a:bodyPr wrap="none" rtlCol="0">
-              <a:spAutoFit/>
-            </a:bodyPr>
-            <a:lstStyle/>
-            <a:p>
-              <a:r>
-                <a:rPr lang="pt-BR" sz="2400" dirty="0">
-                  <a:latin typeface="Righteous" panose="02010506000000020000" pitchFamily="2" charset="0"/>
-                </a:rPr>
-                <a:t>PRAZO</a:t>
-              </a:r>
-            </a:p>
-          </p:txBody>
-        </p:sp>
-        <p:grpSp>
-          <p:nvGrpSpPr>
-            <p:cNvPr id="40" name="Agrupar 39">
-              <a:extLst>
-                <a:ext uri="{FF2B5EF4-FFF2-40B4-BE49-F238E27FC236}">
-                  <a16:creationId xmlns:a16="http://schemas.microsoft.com/office/drawing/2014/main" id="{0EA12E2B-58C0-4B3A-94C2-1658714FB435}"/>
-                </a:ext>
-              </a:extLst>
-            </p:cNvPr>
-            <p:cNvGrpSpPr/>
-            <p:nvPr/>
-          </p:nvGrpSpPr>
-          <p:grpSpPr>
-            <a:xfrm>
-              <a:off x="3419061" y="2266121"/>
-              <a:ext cx="366179" cy="371061"/>
-              <a:chOff x="6175513" y="2690191"/>
-              <a:chExt cx="993913" cy="1007166"/>
-            </a:xfrm>
-          </p:grpSpPr>
-          <p:sp>
-            <p:nvSpPr>
-              <p:cNvPr id="38" name="Forma Livre: Forma 37">
-                <a:extLst>
-                  <a:ext uri="{FF2B5EF4-FFF2-40B4-BE49-F238E27FC236}">
-                    <a16:creationId xmlns:a16="http://schemas.microsoft.com/office/drawing/2014/main" id="{367DDB02-6EFE-4F6D-929D-D0E3D4DB46A6}"/>
-                  </a:ext>
-                </a:extLst>
-              </p:cNvPr>
-              <p:cNvSpPr/>
-              <p:nvPr/>
-            </p:nvSpPr>
-            <p:spPr>
-              <a:xfrm>
-                <a:off x="6175513" y="2690191"/>
-                <a:ext cx="993913" cy="1007166"/>
-              </a:xfrm>
-              <a:custGeom>
-                <a:avLst/>
-                <a:gdLst>
-                  <a:gd name="connsiteX0" fmla="*/ 520148 w 1033670"/>
-                  <a:gd name="connsiteY0" fmla="*/ 152400 h 1033670"/>
-                  <a:gd name="connsiteX1" fmla="*/ 152400 w 1033670"/>
-                  <a:gd name="connsiteY1" fmla="*/ 520148 h 1033670"/>
-                  <a:gd name="connsiteX2" fmla="*/ 520148 w 1033670"/>
-                  <a:gd name="connsiteY2" fmla="*/ 887896 h 1033670"/>
-                  <a:gd name="connsiteX3" fmla="*/ 887896 w 1033670"/>
-                  <a:gd name="connsiteY3" fmla="*/ 520148 h 1033670"/>
-                  <a:gd name="connsiteX4" fmla="*/ 520148 w 1033670"/>
-                  <a:gd name="connsiteY4" fmla="*/ 152400 h 1033670"/>
-                  <a:gd name="connsiteX5" fmla="*/ 516835 w 1033670"/>
-                  <a:gd name="connsiteY5" fmla="*/ 0 h 1033670"/>
-                  <a:gd name="connsiteX6" fmla="*/ 1033670 w 1033670"/>
-                  <a:gd name="connsiteY6" fmla="*/ 516835 h 1033670"/>
-                  <a:gd name="connsiteX7" fmla="*/ 516835 w 1033670"/>
-                  <a:gd name="connsiteY7" fmla="*/ 1033670 h 1033670"/>
-                  <a:gd name="connsiteX8" fmla="*/ 0 w 1033670"/>
-                  <a:gd name="connsiteY8" fmla="*/ 516835 h 1033670"/>
-                  <a:gd name="connsiteX9" fmla="*/ 516835 w 1033670"/>
-                  <a:gd name="connsiteY9" fmla="*/ 0 h 1033670"/>
-                </a:gdLst>
-                <a:ahLst/>
-                <a:cxnLst>
-                  <a:cxn ang="0">
-                    <a:pos x="connsiteX0" y="connsiteY0"/>
-                  </a:cxn>
-                  <a:cxn ang="0">
-                    <a:pos x="connsiteX1" y="connsiteY1"/>
-                  </a:cxn>
-                  <a:cxn ang="0">
-                    <a:pos x="connsiteX2" y="connsiteY2"/>
-                  </a:cxn>
-                  <a:cxn ang="0">
-                    <a:pos x="connsiteX3" y="connsiteY3"/>
-                  </a:cxn>
-                  <a:cxn ang="0">
-                    <a:pos x="connsiteX4" y="connsiteY4"/>
-                  </a:cxn>
-                  <a:cxn ang="0">
-                    <a:pos x="connsiteX5" y="connsiteY5"/>
-                  </a:cxn>
-                  <a:cxn ang="0">
-                    <a:pos x="connsiteX6" y="connsiteY6"/>
-                  </a:cxn>
-                  <a:cxn ang="0">
-                    <a:pos x="connsiteX7" y="connsiteY7"/>
-                  </a:cxn>
-                  <a:cxn ang="0">
-                    <a:pos x="connsiteX8" y="connsiteY8"/>
-                  </a:cxn>
-                  <a:cxn ang="0">
-                    <a:pos x="connsiteX9" y="connsiteY9"/>
-                  </a:cxn>
-                </a:cxnLst>
-                <a:rect l="l" t="t" r="r" b="b"/>
-                <a:pathLst>
-                  <a:path w="1033670" h="1033670">
-                    <a:moveTo>
-                      <a:pt x="520148" y="152400"/>
-                    </a:moveTo>
-                    <a:cubicBezTo>
-                      <a:pt x="317046" y="152400"/>
-                      <a:pt x="152400" y="317046"/>
-                      <a:pt x="152400" y="520148"/>
-                    </a:cubicBezTo>
-                    <a:cubicBezTo>
-                      <a:pt x="152400" y="723250"/>
-                      <a:pt x="317046" y="887896"/>
-                      <a:pt x="520148" y="887896"/>
-                    </a:cubicBezTo>
-                    <a:cubicBezTo>
-                      <a:pt x="723250" y="887896"/>
-                      <a:pt x="887896" y="723250"/>
-                      <a:pt x="887896" y="520148"/>
-                    </a:cubicBezTo>
-                    <a:cubicBezTo>
-                      <a:pt x="887896" y="317046"/>
-                      <a:pt x="723250" y="152400"/>
-                      <a:pt x="520148" y="152400"/>
-                    </a:cubicBezTo>
-                    <a:close/>
-                    <a:moveTo>
-                      <a:pt x="516835" y="0"/>
-                    </a:moveTo>
-                    <a:cubicBezTo>
-                      <a:pt x="802275" y="0"/>
-                      <a:pt x="1033670" y="231395"/>
-                      <a:pt x="1033670" y="516835"/>
-                    </a:cubicBezTo>
-                    <a:cubicBezTo>
-                      <a:pt x="1033670" y="802275"/>
-                      <a:pt x="802275" y="1033670"/>
-                      <a:pt x="516835" y="1033670"/>
-                    </a:cubicBezTo>
-                    <a:cubicBezTo>
-                      <a:pt x="231395" y="1033670"/>
-                      <a:pt x="0" y="802275"/>
-                      <a:pt x="0" y="516835"/>
-                    </a:cubicBezTo>
-                    <a:cubicBezTo>
-                      <a:pt x="0" y="231395"/>
-                      <a:pt x="231395" y="0"/>
-                      <a:pt x="516835" y="0"/>
-                    </a:cubicBezTo>
-                    <a:close/>
-                  </a:path>
-                </a:pathLst>
-              </a:custGeom>
-              <a:solidFill>
-                <a:srgbClr val="0AB39C"/>
-              </a:solidFill>
-              <a:ln>
-                <a:noFill/>
-              </a:ln>
-            </p:spPr>
-            <p:style>
-              <a:lnRef idx="2">
-                <a:schemeClr val="accent1">
-                  <a:shade val="50000"/>
-                </a:schemeClr>
-              </a:lnRef>
-              <a:fillRef idx="1">
-                <a:schemeClr val="accent1"/>
-              </a:fillRef>
-              <a:effectRef idx="0">
-                <a:schemeClr val="accent1"/>
-              </a:effectRef>
-              <a:fontRef idx="minor">
-                <a:schemeClr val="lt1"/>
-              </a:fontRef>
-            </p:style>
-            <p:txBody>
-              <a:bodyPr rtlCol="0" anchor="ctr"/>
-              <a:lstStyle/>
-              <a:p>
-                <a:pPr algn="ctr"/>
-                <a:endParaRPr lang="pt-BR"/>
-              </a:p>
-            </p:txBody>
-          </p:sp>
-          <p:sp>
-            <p:nvSpPr>
-              <p:cNvPr id="39" name="Elipse 38">
-                <a:extLst>
-                  <a:ext uri="{FF2B5EF4-FFF2-40B4-BE49-F238E27FC236}">
-                    <a16:creationId xmlns:a16="http://schemas.microsoft.com/office/drawing/2014/main" id="{6B5E65AB-9327-40B7-81E2-D86449A6EEAB}"/>
-                  </a:ext>
-                </a:extLst>
-              </p:cNvPr>
-              <p:cNvSpPr/>
-              <p:nvPr/>
-            </p:nvSpPr>
-            <p:spPr>
-              <a:xfrm>
-                <a:off x="6374296" y="2888973"/>
-                <a:ext cx="609600" cy="609600"/>
-              </a:xfrm>
-              <a:prstGeom prst="ellipse">
-                <a:avLst/>
-              </a:prstGeom>
-              <a:solidFill>
-                <a:srgbClr val="0AB39C"/>
-              </a:solidFill>
-              <a:ln>
-                <a:noFill/>
-              </a:ln>
-            </p:spPr>
-            <p:style>
-              <a:lnRef idx="2">
-                <a:schemeClr val="accent1">
-                  <a:shade val="50000"/>
-                </a:schemeClr>
-              </a:lnRef>
-              <a:fillRef idx="1">
-                <a:schemeClr val="accent1"/>
-              </a:fillRef>
-              <a:effectRef idx="0">
-                <a:schemeClr val="accent1"/>
-              </a:effectRef>
-              <a:fontRef idx="minor">
-                <a:schemeClr val="lt1"/>
-              </a:fontRef>
-            </p:style>
-            <p:txBody>
-              <a:bodyPr rtlCol="0" anchor="ctr"/>
-              <a:lstStyle/>
-              <a:p>
-                <a:pPr algn="ctr"/>
-                <a:endParaRPr lang="pt-BR"/>
-              </a:p>
-            </p:txBody>
-          </p:sp>
-        </p:grpSp>
-        <p:sp>
-          <p:nvSpPr>
-            <p:cNvPr id="42" name="Forma Livre: Forma 41">
-              <a:extLst>
-                <a:ext uri="{FF2B5EF4-FFF2-40B4-BE49-F238E27FC236}">
-                  <a16:creationId xmlns:a16="http://schemas.microsoft.com/office/drawing/2014/main" id="{F6002ACD-085B-4A90-B595-884E858FBBAB}"/>
-                </a:ext>
-              </a:extLst>
-            </p:cNvPr>
-            <p:cNvSpPr/>
-            <p:nvPr/>
-          </p:nvSpPr>
-          <p:spPr>
-            <a:xfrm>
-              <a:off x="3419061" y="2822712"/>
-              <a:ext cx="366179" cy="371061"/>
-            </a:xfrm>
-            <a:custGeom>
-              <a:avLst/>
-              <a:gdLst>
-                <a:gd name="connsiteX0" fmla="*/ 520148 w 1033670"/>
-                <a:gd name="connsiteY0" fmla="*/ 152400 h 1033670"/>
-                <a:gd name="connsiteX1" fmla="*/ 152400 w 1033670"/>
-                <a:gd name="connsiteY1" fmla="*/ 520148 h 1033670"/>
-                <a:gd name="connsiteX2" fmla="*/ 520148 w 1033670"/>
-                <a:gd name="connsiteY2" fmla="*/ 887896 h 1033670"/>
-                <a:gd name="connsiteX3" fmla="*/ 887896 w 1033670"/>
-                <a:gd name="connsiteY3" fmla="*/ 520148 h 1033670"/>
-                <a:gd name="connsiteX4" fmla="*/ 520148 w 1033670"/>
-                <a:gd name="connsiteY4" fmla="*/ 152400 h 1033670"/>
-                <a:gd name="connsiteX5" fmla="*/ 516835 w 1033670"/>
-                <a:gd name="connsiteY5" fmla="*/ 0 h 1033670"/>
-                <a:gd name="connsiteX6" fmla="*/ 1033670 w 1033670"/>
-                <a:gd name="connsiteY6" fmla="*/ 516835 h 1033670"/>
-                <a:gd name="connsiteX7" fmla="*/ 516835 w 1033670"/>
-                <a:gd name="connsiteY7" fmla="*/ 1033670 h 1033670"/>
-                <a:gd name="connsiteX8" fmla="*/ 0 w 1033670"/>
-                <a:gd name="connsiteY8" fmla="*/ 516835 h 1033670"/>
-                <a:gd name="connsiteX9" fmla="*/ 516835 w 1033670"/>
-                <a:gd name="connsiteY9" fmla="*/ 0 h 1033670"/>
-              </a:gdLst>
-              <a:ahLst/>
-              <a:cxnLst>
-                <a:cxn ang="0">
-                  <a:pos x="connsiteX0" y="connsiteY0"/>
-                </a:cxn>
-                <a:cxn ang="0">
-                  <a:pos x="connsiteX1" y="connsiteY1"/>
-                </a:cxn>
-                <a:cxn ang="0">
-                  <a:pos x="connsiteX2" y="connsiteY2"/>
-                </a:cxn>
-                <a:cxn ang="0">
-                  <a:pos x="connsiteX3" y="connsiteY3"/>
-                </a:cxn>
-                <a:cxn ang="0">
-                  <a:pos x="connsiteX4" y="connsiteY4"/>
-                </a:cxn>
-                <a:cxn ang="0">
-                  <a:pos x="connsiteX5" y="connsiteY5"/>
-                </a:cxn>
-                <a:cxn ang="0">
-                  <a:pos x="connsiteX6" y="connsiteY6"/>
-                </a:cxn>
-                <a:cxn ang="0">
-                  <a:pos x="connsiteX7" y="connsiteY7"/>
-                </a:cxn>
-                <a:cxn ang="0">
-                  <a:pos x="connsiteX8" y="connsiteY8"/>
-                </a:cxn>
-                <a:cxn ang="0">
-                  <a:pos x="connsiteX9" y="connsiteY9"/>
-                </a:cxn>
-              </a:cxnLst>
-              <a:rect l="l" t="t" r="r" b="b"/>
-              <a:pathLst>
-                <a:path w="1033670" h="1033670">
-                  <a:moveTo>
-                    <a:pt x="520148" y="152400"/>
-                  </a:moveTo>
-                  <a:cubicBezTo>
-                    <a:pt x="317046" y="152400"/>
-                    <a:pt x="152400" y="317046"/>
-                    <a:pt x="152400" y="520148"/>
-                  </a:cubicBezTo>
-                  <a:cubicBezTo>
-                    <a:pt x="152400" y="723250"/>
-                    <a:pt x="317046" y="887896"/>
-                    <a:pt x="520148" y="887896"/>
-                  </a:cubicBezTo>
-                  <a:cubicBezTo>
-                    <a:pt x="723250" y="887896"/>
-                    <a:pt x="887896" y="723250"/>
-                    <a:pt x="887896" y="520148"/>
-                  </a:cubicBezTo>
-                  <a:cubicBezTo>
-                    <a:pt x="887896" y="317046"/>
-                    <a:pt x="723250" y="152400"/>
-                    <a:pt x="520148" y="152400"/>
-                  </a:cubicBezTo>
-                  <a:close/>
-                  <a:moveTo>
-                    <a:pt x="516835" y="0"/>
-                  </a:moveTo>
-                  <a:cubicBezTo>
-                    <a:pt x="802275" y="0"/>
-                    <a:pt x="1033670" y="231395"/>
-                    <a:pt x="1033670" y="516835"/>
-                  </a:cubicBezTo>
-                  <a:cubicBezTo>
-                    <a:pt x="1033670" y="802275"/>
-                    <a:pt x="802275" y="1033670"/>
-                    <a:pt x="516835" y="1033670"/>
-                  </a:cubicBezTo>
-                  <a:cubicBezTo>
-                    <a:pt x="231395" y="1033670"/>
-                    <a:pt x="0" y="802275"/>
-                    <a:pt x="0" y="516835"/>
-                  </a:cubicBezTo>
-                  <a:cubicBezTo>
-                    <a:pt x="0" y="231395"/>
-                    <a:pt x="231395" y="0"/>
-                    <a:pt x="516835" y="0"/>
-                  </a:cubicBezTo>
-                  <a:close/>
-                </a:path>
-              </a:pathLst>
-            </a:custGeom>
-            <a:solidFill>
-              <a:srgbClr val="0AB39C"/>
-            </a:solidFill>
-            <a:ln>
-              <a:noFill/>
-            </a:ln>
-          </p:spPr>
-          <p:style>
-            <a:lnRef idx="2">
-              <a:schemeClr val="accent1">
-                <a:shade val="50000"/>
-              </a:schemeClr>
-            </a:lnRef>
-            <a:fillRef idx="1">
-              <a:schemeClr val="accent1"/>
-            </a:fillRef>
-            <a:effectRef idx="0">
-              <a:schemeClr val="accent1"/>
-            </a:effectRef>
-            <a:fontRef idx="minor">
-              <a:schemeClr val="lt1"/>
-            </a:fontRef>
-          </p:style>
-          <p:txBody>
-            <a:bodyPr rtlCol="0" anchor="ctr"/>
-            <a:lstStyle/>
-            <a:p>
-              <a:pPr algn="ctr"/>
-              <a:endParaRPr lang="pt-BR"/>
-            </a:p>
-          </p:txBody>
-        </p:sp>
-        <p:sp>
-          <p:nvSpPr>
-            <p:cNvPr id="44" name="Forma Livre: Forma 43">
-              <a:extLst>
-                <a:ext uri="{FF2B5EF4-FFF2-40B4-BE49-F238E27FC236}">
-                  <a16:creationId xmlns:a16="http://schemas.microsoft.com/office/drawing/2014/main" id="{B473C16C-58BF-49CB-B729-7908CAE915F5}"/>
-                </a:ext>
-              </a:extLst>
-            </p:cNvPr>
-            <p:cNvSpPr/>
-            <p:nvPr/>
-          </p:nvSpPr>
-          <p:spPr>
-            <a:xfrm>
-              <a:off x="3419061" y="3379303"/>
-              <a:ext cx="366179" cy="371061"/>
-            </a:xfrm>
-            <a:custGeom>
-              <a:avLst/>
-              <a:gdLst>
-                <a:gd name="connsiteX0" fmla="*/ 520148 w 1033670"/>
-                <a:gd name="connsiteY0" fmla="*/ 152400 h 1033670"/>
-                <a:gd name="connsiteX1" fmla="*/ 152400 w 1033670"/>
-                <a:gd name="connsiteY1" fmla="*/ 520148 h 1033670"/>
-                <a:gd name="connsiteX2" fmla="*/ 520148 w 1033670"/>
-                <a:gd name="connsiteY2" fmla="*/ 887896 h 1033670"/>
-                <a:gd name="connsiteX3" fmla="*/ 887896 w 1033670"/>
-                <a:gd name="connsiteY3" fmla="*/ 520148 h 1033670"/>
-                <a:gd name="connsiteX4" fmla="*/ 520148 w 1033670"/>
-                <a:gd name="connsiteY4" fmla="*/ 152400 h 1033670"/>
-                <a:gd name="connsiteX5" fmla="*/ 516835 w 1033670"/>
-                <a:gd name="connsiteY5" fmla="*/ 0 h 1033670"/>
-                <a:gd name="connsiteX6" fmla="*/ 1033670 w 1033670"/>
-                <a:gd name="connsiteY6" fmla="*/ 516835 h 1033670"/>
-                <a:gd name="connsiteX7" fmla="*/ 516835 w 1033670"/>
-                <a:gd name="connsiteY7" fmla="*/ 1033670 h 1033670"/>
-                <a:gd name="connsiteX8" fmla="*/ 0 w 1033670"/>
-                <a:gd name="connsiteY8" fmla="*/ 516835 h 1033670"/>
-                <a:gd name="connsiteX9" fmla="*/ 516835 w 1033670"/>
-                <a:gd name="connsiteY9" fmla="*/ 0 h 1033670"/>
-              </a:gdLst>
-              <a:ahLst/>
-              <a:cxnLst>
-                <a:cxn ang="0">
-                  <a:pos x="connsiteX0" y="connsiteY0"/>
-                </a:cxn>
-                <a:cxn ang="0">
-                  <a:pos x="connsiteX1" y="connsiteY1"/>
-                </a:cxn>
-                <a:cxn ang="0">
-                  <a:pos x="connsiteX2" y="connsiteY2"/>
-                </a:cxn>
-                <a:cxn ang="0">
-                  <a:pos x="connsiteX3" y="connsiteY3"/>
-                </a:cxn>
-                <a:cxn ang="0">
-                  <a:pos x="connsiteX4" y="connsiteY4"/>
-                </a:cxn>
-                <a:cxn ang="0">
-                  <a:pos x="connsiteX5" y="connsiteY5"/>
-                </a:cxn>
-                <a:cxn ang="0">
-                  <a:pos x="connsiteX6" y="connsiteY6"/>
-                </a:cxn>
-                <a:cxn ang="0">
-                  <a:pos x="connsiteX7" y="connsiteY7"/>
-                </a:cxn>
-                <a:cxn ang="0">
-                  <a:pos x="connsiteX8" y="connsiteY8"/>
-                </a:cxn>
-                <a:cxn ang="0">
-                  <a:pos x="connsiteX9" y="connsiteY9"/>
-                </a:cxn>
-              </a:cxnLst>
-              <a:rect l="l" t="t" r="r" b="b"/>
-              <a:pathLst>
-                <a:path w="1033670" h="1033670">
-                  <a:moveTo>
-                    <a:pt x="520148" y="152400"/>
-                  </a:moveTo>
-                  <a:cubicBezTo>
-                    <a:pt x="317046" y="152400"/>
-                    <a:pt x="152400" y="317046"/>
-                    <a:pt x="152400" y="520148"/>
-                  </a:cubicBezTo>
-                  <a:cubicBezTo>
-                    <a:pt x="152400" y="723250"/>
-                    <a:pt x="317046" y="887896"/>
-                    <a:pt x="520148" y="887896"/>
-                  </a:cubicBezTo>
-                  <a:cubicBezTo>
-                    <a:pt x="723250" y="887896"/>
-                    <a:pt x="887896" y="723250"/>
-                    <a:pt x="887896" y="520148"/>
-                  </a:cubicBezTo>
-                  <a:cubicBezTo>
-                    <a:pt x="887896" y="317046"/>
-                    <a:pt x="723250" y="152400"/>
-                    <a:pt x="520148" y="152400"/>
-                  </a:cubicBezTo>
-                  <a:close/>
-                  <a:moveTo>
-                    <a:pt x="516835" y="0"/>
-                  </a:moveTo>
-                  <a:cubicBezTo>
-                    <a:pt x="802275" y="0"/>
-                    <a:pt x="1033670" y="231395"/>
-                    <a:pt x="1033670" y="516835"/>
-                  </a:cubicBezTo>
-                  <a:cubicBezTo>
-                    <a:pt x="1033670" y="802275"/>
-                    <a:pt x="802275" y="1033670"/>
-                    <a:pt x="516835" y="1033670"/>
-                  </a:cubicBezTo>
-                  <a:cubicBezTo>
-                    <a:pt x="231395" y="1033670"/>
-                    <a:pt x="0" y="802275"/>
-                    <a:pt x="0" y="516835"/>
-                  </a:cubicBezTo>
-                  <a:cubicBezTo>
-                    <a:pt x="0" y="231395"/>
-                    <a:pt x="231395" y="0"/>
-                    <a:pt x="516835" y="0"/>
-                  </a:cubicBezTo>
-                  <a:close/>
-                </a:path>
-              </a:pathLst>
-            </a:custGeom>
-            <a:solidFill>
-              <a:srgbClr val="0AB39C"/>
-            </a:solidFill>
-            <a:ln>
-              <a:noFill/>
-            </a:ln>
-          </p:spPr>
-          <p:style>
-            <a:lnRef idx="2">
-              <a:schemeClr val="accent1">
-                <a:shade val="50000"/>
-              </a:schemeClr>
-            </a:lnRef>
-            <a:fillRef idx="1">
-              <a:schemeClr val="accent1"/>
-            </a:fillRef>
-            <a:effectRef idx="0">
-              <a:schemeClr val="accent1"/>
-            </a:effectRef>
-            <a:fontRef idx="minor">
-              <a:schemeClr val="lt1"/>
-            </a:fontRef>
-          </p:style>
-          <p:txBody>
-            <a:bodyPr rtlCol="0" anchor="ctr"/>
-            <a:lstStyle/>
-            <a:p>
-              <a:pPr algn="ctr"/>
-              <a:endParaRPr lang="pt-BR"/>
-            </a:p>
-          </p:txBody>
-        </p:sp>
-        <p:sp>
-          <p:nvSpPr>
-            <p:cNvPr id="45" name="Forma Livre: Forma 44">
-              <a:extLst>
-                <a:ext uri="{FF2B5EF4-FFF2-40B4-BE49-F238E27FC236}">
-                  <a16:creationId xmlns:a16="http://schemas.microsoft.com/office/drawing/2014/main" id="{9438FF85-5C51-439C-B646-585675CCE720}"/>
-                </a:ext>
-              </a:extLst>
-            </p:cNvPr>
-            <p:cNvSpPr/>
-            <p:nvPr/>
-          </p:nvSpPr>
-          <p:spPr>
-            <a:xfrm>
-              <a:off x="3419061" y="3935895"/>
-              <a:ext cx="366179" cy="371061"/>
-            </a:xfrm>
-            <a:custGeom>
-              <a:avLst/>
-              <a:gdLst>
-                <a:gd name="connsiteX0" fmla="*/ 520148 w 1033670"/>
-                <a:gd name="connsiteY0" fmla="*/ 152400 h 1033670"/>
-                <a:gd name="connsiteX1" fmla="*/ 152400 w 1033670"/>
-                <a:gd name="connsiteY1" fmla="*/ 520148 h 1033670"/>
-                <a:gd name="connsiteX2" fmla="*/ 520148 w 1033670"/>
-                <a:gd name="connsiteY2" fmla="*/ 887896 h 1033670"/>
-                <a:gd name="connsiteX3" fmla="*/ 887896 w 1033670"/>
-                <a:gd name="connsiteY3" fmla="*/ 520148 h 1033670"/>
-                <a:gd name="connsiteX4" fmla="*/ 520148 w 1033670"/>
-                <a:gd name="connsiteY4" fmla="*/ 152400 h 1033670"/>
-                <a:gd name="connsiteX5" fmla="*/ 516835 w 1033670"/>
-                <a:gd name="connsiteY5" fmla="*/ 0 h 1033670"/>
-                <a:gd name="connsiteX6" fmla="*/ 1033670 w 1033670"/>
-                <a:gd name="connsiteY6" fmla="*/ 516835 h 1033670"/>
-                <a:gd name="connsiteX7" fmla="*/ 516835 w 1033670"/>
-                <a:gd name="connsiteY7" fmla="*/ 1033670 h 1033670"/>
-                <a:gd name="connsiteX8" fmla="*/ 0 w 1033670"/>
-                <a:gd name="connsiteY8" fmla="*/ 516835 h 1033670"/>
-                <a:gd name="connsiteX9" fmla="*/ 516835 w 1033670"/>
-                <a:gd name="connsiteY9" fmla="*/ 0 h 1033670"/>
-              </a:gdLst>
-              <a:ahLst/>
-              <a:cxnLst>
-                <a:cxn ang="0">
-                  <a:pos x="connsiteX0" y="connsiteY0"/>
-                </a:cxn>
-                <a:cxn ang="0">
-                  <a:pos x="connsiteX1" y="connsiteY1"/>
-                </a:cxn>
-                <a:cxn ang="0">
-                  <a:pos x="connsiteX2" y="connsiteY2"/>
-                </a:cxn>
-                <a:cxn ang="0">
-                  <a:pos x="connsiteX3" y="connsiteY3"/>
-                </a:cxn>
-                <a:cxn ang="0">
-                  <a:pos x="connsiteX4" y="connsiteY4"/>
-                </a:cxn>
-                <a:cxn ang="0">
-                  <a:pos x="connsiteX5" y="connsiteY5"/>
-                </a:cxn>
-                <a:cxn ang="0">
-                  <a:pos x="connsiteX6" y="connsiteY6"/>
-                </a:cxn>
-                <a:cxn ang="0">
-                  <a:pos x="connsiteX7" y="connsiteY7"/>
-                </a:cxn>
-                <a:cxn ang="0">
-                  <a:pos x="connsiteX8" y="connsiteY8"/>
-                </a:cxn>
-                <a:cxn ang="0">
-                  <a:pos x="connsiteX9" y="connsiteY9"/>
-                </a:cxn>
-              </a:cxnLst>
-              <a:rect l="l" t="t" r="r" b="b"/>
-              <a:pathLst>
-                <a:path w="1033670" h="1033670">
-                  <a:moveTo>
-                    <a:pt x="520148" y="152400"/>
-                  </a:moveTo>
-                  <a:cubicBezTo>
-                    <a:pt x="317046" y="152400"/>
-                    <a:pt x="152400" y="317046"/>
-                    <a:pt x="152400" y="520148"/>
-                  </a:cubicBezTo>
-                  <a:cubicBezTo>
-                    <a:pt x="152400" y="723250"/>
-                    <a:pt x="317046" y="887896"/>
-                    <a:pt x="520148" y="887896"/>
-                  </a:cubicBezTo>
-                  <a:cubicBezTo>
-                    <a:pt x="723250" y="887896"/>
-                    <a:pt x="887896" y="723250"/>
-                    <a:pt x="887896" y="520148"/>
-                  </a:cubicBezTo>
-                  <a:cubicBezTo>
-                    <a:pt x="887896" y="317046"/>
-                    <a:pt x="723250" y="152400"/>
-                    <a:pt x="520148" y="152400"/>
-                  </a:cubicBezTo>
-                  <a:close/>
-                  <a:moveTo>
-                    <a:pt x="516835" y="0"/>
-                  </a:moveTo>
-                  <a:cubicBezTo>
-                    <a:pt x="802275" y="0"/>
-                    <a:pt x="1033670" y="231395"/>
-                    <a:pt x="1033670" y="516835"/>
-                  </a:cubicBezTo>
-                  <a:cubicBezTo>
-                    <a:pt x="1033670" y="802275"/>
-                    <a:pt x="802275" y="1033670"/>
-                    <a:pt x="516835" y="1033670"/>
-                  </a:cubicBezTo>
-                  <a:cubicBezTo>
-                    <a:pt x="231395" y="1033670"/>
-                    <a:pt x="0" y="802275"/>
-                    <a:pt x="0" y="516835"/>
-                  </a:cubicBezTo>
-                  <a:cubicBezTo>
-                    <a:pt x="0" y="231395"/>
-                    <a:pt x="231395" y="0"/>
-                    <a:pt x="516835" y="0"/>
-                  </a:cubicBezTo>
-                  <a:close/>
-                </a:path>
-              </a:pathLst>
-            </a:custGeom>
-            <a:solidFill>
-              <a:srgbClr val="0AB39C"/>
-            </a:solidFill>
-            <a:ln>
-              <a:noFill/>
-            </a:ln>
-          </p:spPr>
-          <p:style>
-            <a:lnRef idx="2">
-              <a:schemeClr val="accent1">
-                <a:shade val="50000"/>
-              </a:schemeClr>
-            </a:lnRef>
-            <a:fillRef idx="1">
-              <a:schemeClr val="accent1"/>
-            </a:fillRef>
-            <a:effectRef idx="0">
-              <a:schemeClr val="accent1"/>
-            </a:effectRef>
-            <a:fontRef idx="minor">
-              <a:schemeClr val="lt1"/>
-            </a:fontRef>
-          </p:style>
-          <p:txBody>
-            <a:bodyPr rtlCol="0" anchor="ctr"/>
-            <a:lstStyle/>
-            <a:p>
-              <a:pPr algn="ctr"/>
-              <a:endParaRPr lang="pt-BR"/>
-            </a:p>
-          </p:txBody>
-        </p:sp>
-        <p:sp>
-          <p:nvSpPr>
-            <p:cNvPr id="46" name="CaixaDeTexto 45">
-              <a:extLst>
-                <a:ext uri="{FF2B5EF4-FFF2-40B4-BE49-F238E27FC236}">
-                  <a16:creationId xmlns:a16="http://schemas.microsoft.com/office/drawing/2014/main" id="{CBF33E31-D9F9-4067-A320-0CC8DF515B5E}"/>
-                </a:ext>
-              </a:extLst>
-            </p:cNvPr>
-            <p:cNvSpPr txBox="1"/>
-            <p:nvPr/>
-          </p:nvSpPr>
-          <p:spPr>
-            <a:xfrm>
-              <a:off x="3949146" y="3321879"/>
-              <a:ext cx="2005677" cy="461665"/>
-            </a:xfrm>
-            <a:prstGeom prst="rect">
-              <a:avLst/>
-            </a:prstGeom>
-            <a:noFill/>
-          </p:spPr>
-          <p:txBody>
-            <a:bodyPr wrap="none" rtlCol="0">
-              <a:spAutoFit/>
-            </a:bodyPr>
-            <a:lstStyle/>
-            <a:p>
-              <a:r>
-                <a:rPr lang="pt-BR" sz="2400" dirty="0">
-                  <a:latin typeface="Righteous" panose="02010506000000020000" pitchFamily="2" charset="0"/>
-                </a:rPr>
-                <a:t>RELEVÂNCIA</a:t>
-              </a:r>
-            </a:p>
-          </p:txBody>
-        </p:sp>
-        <p:sp>
-          <p:nvSpPr>
-            <p:cNvPr id="47" name="CaixaDeTexto 46">
-              <a:extLst>
-                <a:ext uri="{FF2B5EF4-FFF2-40B4-BE49-F238E27FC236}">
-                  <a16:creationId xmlns:a16="http://schemas.microsoft.com/office/drawing/2014/main" id="{9D7CB810-821A-4438-AB59-6BCAA07A4191}"/>
-                </a:ext>
-              </a:extLst>
-            </p:cNvPr>
-            <p:cNvSpPr txBox="1"/>
-            <p:nvPr/>
-          </p:nvSpPr>
-          <p:spPr>
-            <a:xfrm>
-              <a:off x="3962397" y="3882887"/>
-              <a:ext cx="2075505" cy="461665"/>
-            </a:xfrm>
-            <a:prstGeom prst="rect">
-              <a:avLst/>
-            </a:prstGeom>
-            <a:noFill/>
-          </p:spPr>
-          <p:txBody>
-            <a:bodyPr wrap="none" rtlCol="0">
-              <a:spAutoFit/>
-            </a:bodyPr>
-            <a:lstStyle/>
-            <a:p>
-              <a:r>
-                <a:rPr lang="pt-BR" sz="2400" dirty="0">
-                  <a:latin typeface="Righteous" panose="02010506000000020000" pitchFamily="2" charset="0"/>
-                </a:rPr>
-                <a:t>CONCLUÍDAS</a:t>
-              </a:r>
-            </a:p>
-          </p:txBody>
-        </p:sp>
-      </p:grpSp>
-    </p:spTree>
-    <p:extLst>
-      <p:ext uri="{BB962C8B-B14F-4D97-AF65-F5344CB8AC3E}">
-        <p14:creationId xmlns:p14="http://schemas.microsoft.com/office/powerpoint/2010/main" val="1449324653"/>
-      </p:ext>
-    </p:extLst>
-  </p:cSld>
-  <p:clrMapOvr>
-    <a:masterClrMapping/>
-  </p:clrMapOvr>
-  <mc:AlternateContent xmlns:mc="http://schemas.openxmlformats.org/markup-compatibility/2006" xmlns:p14="http://schemas.microsoft.com/office/powerpoint/2010/main">
-    <mc:Choice Requires="p14">
-      <p:transition spd="slow" p14:dur="2000" advClick="0" advTm="4000"/>
-    </mc:Choice>
-    <mc:Fallback xmlns="">
-      <p:transition spd="slow" advClick="0" advTm="4000"/>
-    </mc:Fallback>
-  </mc:AlternateContent>
-  <p:timing>
-    <p:tnLst>
-      <p:par>
-        <p:cTn id="1" dur="indefinite" restart="never" nodeType="tmRoot">
-          <p:childTnLst>
-            <p:seq concurrent="1" nextAc="seek">
-              <p:cTn id="2" dur="indefinite" nodeType="mainSeq">
-                <p:childTnLst>
-                  <p:par>
-                    <p:cTn id="3" fill="hold">
-                      <p:stCondLst>
-                        <p:cond delay="indefinite"/>
-                        <p:cond evt="onBegin" delay="0">
-                          <p:tn val="2"/>
-                        </p:cond>
-                      </p:stCondLst>
-                      <p:childTnLst>
-                        <p:par>
-                          <p:cTn id="4" fill="hold">
-                            <p:stCondLst>
-                              <p:cond delay="0"/>
-                            </p:stCondLst>
-                            <p:childTnLst>
-                              <p:par>
-                                <p:cTn id="5" presetID="1" presetClass="exit" presetSubtype="0" fill="hold" nodeType="withEffect">
-                                  <p:stCondLst>
-                                    <p:cond delay="0"/>
-                                  </p:stCondLst>
-                                  <p:childTnLst>
-                                    <p:set>
-                                      <p:cBhvr>
-                                        <p:cTn id="6" dur="1" fill="hold">
-                                          <p:stCondLst>
-                                            <p:cond delay="0"/>
-                                          </p:stCondLst>
-                                        </p:cTn>
-                                        <p:tgtEl>
-                                          <p:spTgt spid="48"/>
-                                        </p:tgtEl>
-                                        <p:attrNameLst>
-                                          <p:attrName>style.visibility</p:attrName>
-                                        </p:attrNameLst>
-                                      </p:cBhvr>
-                                      <p:to>
-                                        <p:strVal val="hidden"/>
-                                      </p:to>
-                                    </p:set>
-                                  </p:childTnLst>
-                                </p:cTn>
-                              </p:par>
-                              <p:par>
-                                <p:cTn id="7" presetID="42" presetClass="path" presetSubtype="0" decel="100000" fill="hold" nodeType="withEffect">
-                                  <p:stCondLst>
-                                    <p:cond delay="0"/>
-                                  </p:stCondLst>
-                                  <p:childTnLst>
-                                    <p:animMotion origin="layout" path="M -2.29167E-6 -2.59259E-6 L -2.29167E-6 0.01297 " pathEditMode="relative" rAng="0" ptsTypes="AA">
-                                      <p:cBhvr>
-                                        <p:cTn id="8" dur="500" fill="hold"/>
-                                        <p:tgtEl>
-                                          <p:spTgt spid="49"/>
-                                        </p:tgtEl>
-                                        <p:attrNameLst>
-                                          <p:attrName>ppt_x</p:attrName>
-                                          <p:attrName>ppt_y</p:attrName>
-                                        </p:attrNameLst>
-                                      </p:cBhvr>
-                                      <p:rCtr x="0" y="648"/>
-                                    </p:animMotion>
-                                  </p:childTnLst>
-                                </p:cTn>
-                              </p:par>
-                              <p:par>
-                                <p:cTn id="9" presetID="53" presetClass="entr" presetSubtype="16" fill="hold" nodeType="withEffect">
-                                  <p:stCondLst>
-                                    <p:cond delay="0"/>
-                                  </p:stCondLst>
-                                  <p:childTnLst>
-                                    <p:set>
-                                      <p:cBhvr>
-                                        <p:cTn id="10" dur="1" fill="hold">
-                                          <p:stCondLst>
-                                            <p:cond delay="0"/>
-                                          </p:stCondLst>
-                                        </p:cTn>
-                                        <p:tgtEl>
-                                          <p:spTgt spid="48"/>
-                                        </p:tgtEl>
-                                        <p:attrNameLst>
-                                          <p:attrName>style.visibility</p:attrName>
-                                        </p:attrNameLst>
-                                      </p:cBhvr>
-                                      <p:to>
-                                        <p:strVal val="visible"/>
-                                      </p:to>
-                                    </p:set>
-                                    <p:anim calcmode="lin" valueType="num">
-                                      <p:cBhvr>
-                                        <p:cTn id="11" dur="1250" fill="hold"/>
-                                        <p:tgtEl>
-                                          <p:spTgt spid="48"/>
-                                        </p:tgtEl>
-                                        <p:attrNameLst>
-                                          <p:attrName>ppt_w</p:attrName>
-                                        </p:attrNameLst>
-                                      </p:cBhvr>
-                                      <p:tavLst>
-                                        <p:tav tm="0">
-                                          <p:val>
-                                            <p:fltVal val="0"/>
-                                          </p:val>
-                                        </p:tav>
-                                        <p:tav tm="100000">
-                                          <p:val>
-                                            <p:strVal val="#ppt_w"/>
-                                          </p:val>
-                                        </p:tav>
-                                      </p:tavLst>
-                                    </p:anim>
-                                    <p:anim calcmode="lin" valueType="num">
-                                      <p:cBhvr>
-                                        <p:cTn id="12" dur="1250" fill="hold"/>
-                                        <p:tgtEl>
-                                          <p:spTgt spid="48"/>
-                                        </p:tgtEl>
-                                        <p:attrNameLst>
-                                          <p:attrName>ppt_h</p:attrName>
-                                        </p:attrNameLst>
-                                      </p:cBhvr>
-                                      <p:tavLst>
-                                        <p:tav tm="0">
-                                          <p:val>
-                                            <p:fltVal val="0"/>
-                                          </p:val>
-                                        </p:tav>
-                                        <p:tav tm="100000">
-                                          <p:val>
-                                            <p:strVal val="#ppt_h"/>
-                                          </p:val>
-                                        </p:tav>
-                                      </p:tavLst>
-                                    </p:anim>
-                                    <p:animEffect transition="in" filter="fade">
-                                      <p:cBhvr>
-                                        <p:cTn id="13" dur="1250"/>
-                                        <p:tgtEl>
-                                          <p:spTgt spid="48"/>
-                                        </p:tgtEl>
-                                      </p:cBhvr>
-                                    </p:animEffect>
-                                  </p:childTnLst>
-                                </p:cTn>
-                              </p:par>
-                            </p:childTnLst>
-                          </p:cTn>
-                        </p:par>
-                        <p:par>
-                          <p:cTn id="14" fill="hold">
-                            <p:stCondLst>
-                              <p:cond delay="1250"/>
-                            </p:stCondLst>
-                            <p:childTnLst>
-                              <p:par>
-                                <p:cTn id="15" presetID="53" presetClass="exit" presetSubtype="32" fill="hold" nodeType="afterEffect">
-                                  <p:stCondLst>
-                                    <p:cond delay="2750"/>
-                                  </p:stCondLst>
-                                  <p:childTnLst>
-                                    <p:anim calcmode="lin" valueType="num">
-                                      <p:cBhvr>
-                                        <p:cTn id="16" dur="500"/>
-                                        <p:tgtEl>
-                                          <p:spTgt spid="48"/>
-                                        </p:tgtEl>
-                                        <p:attrNameLst>
-                                          <p:attrName>ppt_w</p:attrName>
-                                        </p:attrNameLst>
-                                      </p:cBhvr>
-                                      <p:tavLst>
-                                        <p:tav tm="0">
-                                          <p:val>
-                                            <p:strVal val="ppt_w"/>
-                                          </p:val>
-                                        </p:tav>
-                                        <p:tav tm="100000">
-                                          <p:val>
-                                            <p:fltVal val="0"/>
-                                          </p:val>
-                                        </p:tav>
-                                      </p:tavLst>
-                                    </p:anim>
-                                    <p:anim calcmode="lin" valueType="num">
-                                      <p:cBhvr>
-                                        <p:cTn id="17" dur="500"/>
-                                        <p:tgtEl>
-                                          <p:spTgt spid="48"/>
-                                        </p:tgtEl>
-                                        <p:attrNameLst>
-                                          <p:attrName>ppt_h</p:attrName>
-                                        </p:attrNameLst>
-                                      </p:cBhvr>
-                                      <p:tavLst>
-                                        <p:tav tm="0">
-                                          <p:val>
-                                            <p:strVal val="ppt_h"/>
-                                          </p:val>
-                                        </p:tav>
-                                        <p:tav tm="100000">
-                                          <p:val>
-                                            <p:fltVal val="0"/>
-                                          </p:val>
-                                        </p:tav>
-                                      </p:tavLst>
-                                    </p:anim>
-                                    <p:animEffect transition="out" filter="fade">
-                                      <p:cBhvr>
-                                        <p:cTn id="18" dur="500"/>
-                                        <p:tgtEl>
-                                          <p:spTgt spid="48"/>
-                                        </p:tgtEl>
-                                      </p:cBhvr>
-                                    </p:animEffect>
-                                    <p:set>
-                                      <p:cBhvr>
-                                        <p:cTn id="19" dur="1" fill="hold">
-                                          <p:stCondLst>
-                                            <p:cond delay="499"/>
-                                          </p:stCondLst>
-                                        </p:cTn>
-                                        <p:tgtEl>
-                                          <p:spTgt spid="48"/>
-                                        </p:tgtEl>
-                                        <p:attrNameLst>
-                                          <p:attrName>style.visibility</p:attrName>
-                                        </p:attrNameLst>
-                                      </p:cBhvr>
-                                      <p:to>
-                                        <p:strVal val="hidden"/>
-                                      </p:to>
-                                    </p:set>
-                                  </p:childTnLst>
-                                </p:cTn>
-                              </p:par>
-                            </p:childTnLst>
-                          </p:cTn>
-                        </p:par>
-                        <p:par>
-                          <p:cTn id="20" fill="hold">
-                            <p:stCondLst>
-                              <p:cond delay="4500"/>
-                            </p:stCondLst>
-                            <p:childTnLst>
-                              <p:par>
-                                <p:cTn id="21" presetID="42" presetClass="path" presetSubtype="0" accel="50000" decel="50000" fill="hold" nodeType="afterEffect">
-                                  <p:stCondLst>
-                                    <p:cond delay="0"/>
-                                  </p:stCondLst>
-                                  <p:childTnLst>
-                                    <p:animMotion origin="layout" path="M 2.08333E-7 -1.48148E-6 L 0.00313 0.3919 " pathEditMode="relative" rAng="0" ptsTypes="AA">
-                                      <p:cBhvr>
-                                        <p:cTn id="22" dur="2000" fill="hold"/>
-                                        <p:tgtEl>
-                                          <p:spTgt spid="17"/>
-                                        </p:tgtEl>
-                                        <p:attrNameLst>
-                                          <p:attrName>ppt_x</p:attrName>
-                                          <p:attrName>ppt_y</p:attrName>
-                                        </p:attrNameLst>
-                                      </p:cBhvr>
-                                      <p:rCtr x="156" y="19676"/>
-                                    </p:animMotion>
-                                  </p:childTnLst>
-                                </p:cTn>
-                              </p:par>
-                              <p:par>
-                                <p:cTn id="23" presetID="64" presetClass="path" presetSubtype="0" accel="50000" decel="50000" fill="hold" nodeType="withEffect">
-                                  <p:stCondLst>
-                                    <p:cond delay="0"/>
-                                  </p:stCondLst>
-                                  <p:childTnLst>
-                                    <p:animMotion origin="layout" path="M -4.79167E-6 3.7037E-7 L -0.00312 -0.3919 " pathEditMode="relative" rAng="0" ptsTypes="AA">
-                                      <p:cBhvr>
-                                        <p:cTn id="24" dur="2000" fill="hold"/>
-                                        <p:tgtEl>
-                                          <p:spTgt spid="23"/>
-                                        </p:tgtEl>
-                                        <p:attrNameLst>
-                                          <p:attrName>ppt_x</p:attrName>
-                                          <p:attrName>ppt_y</p:attrName>
-                                        </p:attrNameLst>
-                                      </p:cBhvr>
-                                      <p:rCtr x="-156" y="-19514"/>
-                                    </p:animMotion>
-                                  </p:childTnLst>
-                                </p:cTn>
-                              </p:par>
-                            </p:childTnLst>
-                          </p:cTn>
-                        </p:par>
-                        <p:par>
-                          <p:cTn id="25" fill="hold">
-                            <p:stCondLst>
-                              <p:cond delay="6500"/>
-                            </p:stCondLst>
-                            <p:childTnLst>
-                              <p:par>
-                                <p:cTn id="26" presetID="64" presetClass="path" presetSubtype="0" accel="50000" decel="50000" fill="hold" nodeType="afterEffect">
-                                  <p:stCondLst>
-                                    <p:cond delay="0"/>
-                                  </p:stCondLst>
-                                  <p:childTnLst>
-                                    <p:animMotion origin="layout" path="M -3.75E-6 -3.7037E-6 L -0.00248 -0.19723 " pathEditMode="relative" rAng="0" ptsTypes="AA">
-                                      <p:cBhvr>
-                                        <p:cTn id="27" dur="2000" fill="hold"/>
-                                        <p:tgtEl>
-                                          <p:spTgt spid="10"/>
-                                        </p:tgtEl>
-                                        <p:attrNameLst>
-                                          <p:attrName>ppt_x</p:attrName>
-                                          <p:attrName>ppt_y</p:attrName>
-                                        </p:attrNameLst>
-                                      </p:cBhvr>
-                                      <p:rCtr x="0" y="-9769"/>
-                                    </p:animMotion>
-                                  </p:childTnLst>
-                                </p:cTn>
-                              </p:par>
-                              <p:par>
-                                <p:cTn id="28" presetID="42" presetClass="path" presetSubtype="0" accel="50000" decel="50000" fill="hold" nodeType="withEffect">
-                                  <p:stCondLst>
-                                    <p:cond delay="0"/>
-                                  </p:stCondLst>
-                                  <p:childTnLst>
-                                    <p:animMotion origin="layout" path="M -0.00312 -0.3919 L -0.00065 -0.19468 " pathEditMode="relative" rAng="0" ptsTypes="AA">
-                                      <p:cBhvr>
-                                        <p:cTn id="29" dur="2000" fill="hold"/>
-                                        <p:tgtEl>
-                                          <p:spTgt spid="23"/>
-                                        </p:tgtEl>
-                                        <p:attrNameLst>
-                                          <p:attrName>ppt_x</p:attrName>
-                                          <p:attrName>ppt_y</p:attrName>
-                                        </p:attrNameLst>
-                                      </p:cBhvr>
-                                      <p:rCtr x="52" y="10093"/>
                                     </p:animMotion>
                                   </p:childTnLst>
                                 </p:cTn>
@@ -24989,7 +21804,7 @@
   <a:extraClrSchemeLst/>
   <a:extLst>
     <a:ext uri="{05A4C25C-085E-4340-85A3-A5531E510DB2}">
-      <thm15:themeFamily xmlns:thm15="http://schemas.microsoft.com/office/thememl/2012/main" name="Office Theme" id="{62F939B6-93AF-4DB8-9C6B-D6C7DFDC589F}" vid="{4A3C46E8-61CC-4603-A589-7422A47A8E4A}"/>
+      <thm15:themeFamily xmlns="" xmlns:thm15="http://schemas.microsoft.com/office/thememl/2012/main" name="Office Theme" id="{62F939B6-93AF-4DB8-9C6B-D6C7DFDC589F}" vid="{4A3C46E8-61CC-4603-A589-7422A47A8E4A}"/>
     </a:ext>
   </a:extLst>
 </a:theme>
